--- a/Presentation_1120_JiayuChen.pptx
+++ b/Presentation_1120_JiayuChen.pptx
@@ -5,18 +5,20 @@
     <p:sldMasterId id="2147483648" r:id="rId1"/>
   </p:sldMasterIdLst>
   <p:notesMasterIdLst>
-    <p:notesMasterId r:id="rId11"/>
+    <p:notesMasterId r:id="rId13"/>
   </p:notesMasterIdLst>
   <p:sldIdLst>
     <p:sldId id="256" r:id="rId2"/>
     <p:sldId id="291" r:id="rId3"/>
     <p:sldId id="354" r:id="rId4"/>
     <p:sldId id="362" r:id="rId5"/>
-    <p:sldId id="351" r:id="rId6"/>
-    <p:sldId id="346" r:id="rId7"/>
-    <p:sldId id="356" r:id="rId8"/>
-    <p:sldId id="348" r:id="rId9"/>
-    <p:sldId id="263" r:id="rId10"/>
+    <p:sldId id="363" r:id="rId6"/>
+    <p:sldId id="364" r:id="rId7"/>
+    <p:sldId id="351" r:id="rId8"/>
+    <p:sldId id="346" r:id="rId9"/>
+    <p:sldId id="356" r:id="rId10"/>
+    <p:sldId id="348" r:id="rId11"/>
+    <p:sldId id="263" r:id="rId12"/>
   </p:sldIdLst>
   <p:sldSz cx="12192000" cy="6858000"/>
   <p:notesSz cx="6858000" cy="9144000"/>
@@ -125,7 +127,7 @@
 
 <file path=ppt/commentAuthors.xml><?xml version="1.0" encoding="utf-8"?>
 <p:cmAuthorLst xmlns:a="http://schemas.openxmlformats.org/drawingml/2006/main" xmlns:r="http://schemas.openxmlformats.org/officeDocument/2006/relationships" xmlns:p="http://schemas.openxmlformats.org/presentationml/2006/main">
-  <p:cmAuthor id="1" name="老 甲鱼" initials="老" lastIdx="3" clrIdx="0">
+  <p:cmAuthor id="1" name="老 甲鱼" initials="老" lastIdx="4" clrIdx="0">
     <p:extLst>
       <p:ext uri="{19B8F6BF-5375-455C-9EA6-DF929625EA0E}">
         <p15:presenceInfo xmlns:p15="http://schemas.microsoft.com/office/powerpoint/2012/main" userId="8e706fe32cce4932" providerId="Windows Live"/>
@@ -217,7 +219,7 @@
           <a:p>
             <a:fld id="{F724740E-8F52-4821-8A8D-03DDEC038A3B}" type="datetimeFigureOut">
               <a:rPr lang="zh-CN" altLang="en-US" smtClean="0"/>
-              <a:t>2023-11-16</a:t>
+              <a:t>2023-11-19</a:t>
             </a:fld>
             <a:endParaRPr lang="zh-CN" altLang="en-US"/>
           </a:p>
@@ -568,6 +570,174 @@
 </p:notes>
 </file>
 
+<file path=ppt/notesSlides/notesSlide10.xml><?xml version="1.0" encoding="utf-8"?>
+<p:notes xmlns:a="http://schemas.openxmlformats.org/drawingml/2006/main" xmlns:r="http://schemas.openxmlformats.org/officeDocument/2006/relationships" xmlns:p="http://schemas.openxmlformats.org/presentationml/2006/main">
+  <p:cSld>
+    <p:spTree>
+      <p:nvGrpSpPr>
+        <p:cNvPr id="1" name=""/>
+        <p:cNvGrpSpPr/>
+        <p:nvPr/>
+      </p:nvGrpSpPr>
+      <p:grpSpPr>
+        <a:xfrm>
+          <a:off x="0" y="0"/>
+          <a:ext cx="0" cy="0"/>
+          <a:chOff x="0" y="0"/>
+          <a:chExt cx="0" cy="0"/>
+        </a:xfrm>
+      </p:grpSpPr>
+      <p:sp>
+        <p:nvSpPr>
+          <p:cNvPr id="2" name="幻灯片图像占位符 1"/>
+          <p:cNvSpPr>
+            <a:spLocks noGrp="1" noRot="1" noChangeAspect="1"/>
+          </p:cNvSpPr>
+          <p:nvPr>
+            <p:ph type="sldImg"/>
+          </p:nvPr>
+        </p:nvSpPr>
+        <p:spPr/>
+      </p:sp>
+      <p:sp>
+        <p:nvSpPr>
+          <p:cNvPr id="3" name="备注占位符 2"/>
+          <p:cNvSpPr>
+            <a:spLocks noGrp="1"/>
+          </p:cNvSpPr>
+          <p:nvPr>
+            <p:ph type="body" idx="1"/>
+          </p:nvPr>
+        </p:nvSpPr>
+        <p:spPr/>
+        <p:txBody>
+          <a:bodyPr/>
+          <a:lstStyle/>
+          <a:p>
+            <a:endParaRPr lang="en-US" altLang="zh-CN" dirty="0"/>
+          </a:p>
+        </p:txBody>
+      </p:sp>
+      <p:sp>
+        <p:nvSpPr>
+          <p:cNvPr id="4" name="灯片编号占位符 3"/>
+          <p:cNvSpPr>
+            <a:spLocks noGrp="1"/>
+          </p:cNvSpPr>
+          <p:nvPr>
+            <p:ph type="sldNum" sz="quarter" idx="5"/>
+          </p:nvPr>
+        </p:nvSpPr>
+        <p:spPr/>
+        <p:txBody>
+          <a:bodyPr/>
+          <a:lstStyle/>
+          <a:p>
+            <a:fld id="{E39FA662-60CA-45D5-8BB1-0A7D21FB8FF0}" type="slidenum">
+              <a:rPr lang="zh-CN" altLang="en-US" smtClean="0"/>
+              <a:t>10</a:t>
+            </a:fld>
+            <a:endParaRPr lang="zh-CN" altLang="en-US"/>
+          </a:p>
+        </p:txBody>
+      </p:sp>
+    </p:spTree>
+    <p:extLst>
+      <p:ext uri="{BB962C8B-B14F-4D97-AF65-F5344CB8AC3E}">
+        <p14:creationId xmlns:p14="http://schemas.microsoft.com/office/powerpoint/2010/main" val="3040035200"/>
+      </p:ext>
+    </p:extLst>
+  </p:cSld>
+  <p:clrMapOvr>
+    <a:masterClrMapping/>
+  </p:clrMapOvr>
+</p:notes>
+</file>
+
+<file path=ppt/notesSlides/notesSlide11.xml><?xml version="1.0" encoding="utf-8"?>
+<p:notes xmlns:a="http://schemas.openxmlformats.org/drawingml/2006/main" xmlns:r="http://schemas.openxmlformats.org/officeDocument/2006/relationships" xmlns:p="http://schemas.openxmlformats.org/presentationml/2006/main">
+  <p:cSld>
+    <p:spTree>
+      <p:nvGrpSpPr>
+        <p:cNvPr id="1" name=""/>
+        <p:cNvGrpSpPr/>
+        <p:nvPr/>
+      </p:nvGrpSpPr>
+      <p:grpSpPr>
+        <a:xfrm>
+          <a:off x="0" y="0"/>
+          <a:ext cx="0" cy="0"/>
+          <a:chOff x="0" y="0"/>
+          <a:chExt cx="0" cy="0"/>
+        </a:xfrm>
+      </p:grpSpPr>
+      <p:sp>
+        <p:nvSpPr>
+          <p:cNvPr id="2" name="幻灯片图像占位符 1"/>
+          <p:cNvSpPr>
+            <a:spLocks noGrp="1" noRot="1" noChangeAspect="1"/>
+          </p:cNvSpPr>
+          <p:nvPr>
+            <p:ph type="sldImg"/>
+          </p:nvPr>
+        </p:nvSpPr>
+        <p:spPr/>
+      </p:sp>
+      <p:sp>
+        <p:nvSpPr>
+          <p:cNvPr id="3" name="备注占位符 2"/>
+          <p:cNvSpPr>
+            <a:spLocks noGrp="1"/>
+          </p:cNvSpPr>
+          <p:nvPr>
+            <p:ph type="body" idx="1"/>
+          </p:nvPr>
+        </p:nvSpPr>
+        <p:spPr/>
+        <p:txBody>
+          <a:bodyPr/>
+          <a:lstStyle/>
+          <a:p>
+            <a:endParaRPr lang="zh-CN" altLang="en-US" dirty="0"/>
+          </a:p>
+        </p:txBody>
+      </p:sp>
+      <p:sp>
+        <p:nvSpPr>
+          <p:cNvPr id="4" name="灯片编号占位符 3"/>
+          <p:cNvSpPr>
+            <a:spLocks noGrp="1"/>
+          </p:cNvSpPr>
+          <p:nvPr>
+            <p:ph type="sldNum" sz="quarter" idx="5"/>
+          </p:nvPr>
+        </p:nvSpPr>
+        <p:spPr/>
+        <p:txBody>
+          <a:bodyPr/>
+          <a:lstStyle/>
+          <a:p>
+            <a:fld id="{E39FA662-60CA-45D5-8BB1-0A7D21FB8FF0}" type="slidenum">
+              <a:rPr lang="zh-CN" altLang="en-US" smtClean="0"/>
+              <a:t>11</a:t>
+            </a:fld>
+            <a:endParaRPr lang="zh-CN" altLang="en-US"/>
+          </a:p>
+        </p:txBody>
+      </p:sp>
+    </p:spTree>
+    <p:extLst>
+      <p:ext uri="{BB962C8B-B14F-4D97-AF65-F5344CB8AC3E}">
+        <p14:creationId xmlns:p14="http://schemas.microsoft.com/office/powerpoint/2010/main" val="3344493625"/>
+      </p:ext>
+    </p:extLst>
+  </p:cSld>
+  <p:clrMapOvr>
+    <a:masterClrMapping/>
+  </p:clrMapOvr>
+</p:notes>
+</file>
+
 <file path=ppt/notesSlides/notesSlide2.xml><?xml version="1.0" encoding="utf-8"?>
 <p:notes xmlns:a="http://schemas.openxmlformats.org/drawingml/2006/main" xmlns:r="http://schemas.openxmlformats.org/officeDocument/2006/relationships" xmlns:p="http://schemas.openxmlformats.org/presentationml/2006/main">
   <p:cSld>
@@ -870,6 +1040,9 @@
           <a:bodyPr/>
           <a:lstStyle/>
           <a:p>
+            <a:pPr marL="228600" indent="-228600">
+              <a:buAutoNum type="arabicPeriod"/>
+            </a:pPr>
             <a:endParaRPr lang="en-US" altLang="zh-CN" dirty="0"/>
           </a:p>
         </p:txBody>
@@ -900,7 +1073,7 @@
     </p:spTree>
     <p:extLst>
       <p:ext uri="{BB962C8B-B14F-4D97-AF65-F5344CB8AC3E}">
-        <p14:creationId xmlns:p14="http://schemas.microsoft.com/office/powerpoint/2010/main" val="1896620225"/>
+        <p14:creationId xmlns:p14="http://schemas.microsoft.com/office/powerpoint/2010/main" val="2828532776"/>
       </p:ext>
     </p:extLst>
   </p:cSld>
@@ -954,6 +1127,9 @@
           <a:bodyPr/>
           <a:lstStyle/>
           <a:p>
+            <a:pPr marL="228600" indent="-228600">
+              <a:buAutoNum type="arabicPeriod"/>
+            </a:pPr>
             <a:endParaRPr lang="en-US" altLang="zh-CN" dirty="0"/>
           </a:p>
         </p:txBody>
@@ -984,7 +1160,7 @@
     </p:spTree>
     <p:extLst>
       <p:ext uri="{BB962C8B-B14F-4D97-AF65-F5344CB8AC3E}">
-        <p14:creationId xmlns:p14="http://schemas.microsoft.com/office/powerpoint/2010/main" val="3611980438"/>
+        <p14:creationId xmlns:p14="http://schemas.microsoft.com/office/powerpoint/2010/main" val="1119363196"/>
       </p:ext>
     </p:extLst>
   </p:cSld>
@@ -1068,7 +1244,7 @@
     </p:spTree>
     <p:extLst>
       <p:ext uri="{BB962C8B-B14F-4D97-AF65-F5344CB8AC3E}">
-        <p14:creationId xmlns:p14="http://schemas.microsoft.com/office/powerpoint/2010/main" val="1878692281"/>
+        <p14:creationId xmlns:p14="http://schemas.microsoft.com/office/powerpoint/2010/main" val="1896620225"/>
       </p:ext>
     </p:extLst>
   </p:cSld>
@@ -1152,7 +1328,7 @@
     </p:spTree>
     <p:extLst>
       <p:ext uri="{BB962C8B-B14F-4D97-AF65-F5344CB8AC3E}">
-        <p14:creationId xmlns:p14="http://schemas.microsoft.com/office/powerpoint/2010/main" val="3040035200"/>
+        <p14:creationId xmlns:p14="http://schemas.microsoft.com/office/powerpoint/2010/main" val="3611980438"/>
       </p:ext>
     </p:extLst>
   </p:cSld>
@@ -1206,7 +1382,7 @@
           <a:bodyPr/>
           <a:lstStyle/>
           <a:p>
-            <a:endParaRPr lang="zh-CN" altLang="en-US" dirty="0"/>
+            <a:endParaRPr lang="en-US" altLang="zh-CN" dirty="0"/>
           </a:p>
         </p:txBody>
       </p:sp>
@@ -1236,7 +1412,7 @@
     </p:spTree>
     <p:extLst>
       <p:ext uri="{BB962C8B-B14F-4D97-AF65-F5344CB8AC3E}">
-        <p14:creationId xmlns:p14="http://schemas.microsoft.com/office/powerpoint/2010/main" val="3344493625"/>
+        <p14:creationId xmlns:p14="http://schemas.microsoft.com/office/powerpoint/2010/main" val="1878692281"/>
       </p:ext>
     </p:extLst>
   </p:cSld>
@@ -1393,7 +1569,7 @@
           <a:p>
             <a:fld id="{5647DC1B-4743-47FE-A400-A2B750CAD470}" type="datetimeFigureOut">
               <a:rPr lang="zh-CN" altLang="en-US" smtClean="0"/>
-              <a:t>2023-11-16</a:t>
+              <a:t>2023-11-19</a:t>
             </a:fld>
             <a:endParaRPr lang="zh-CN" altLang="en-US"/>
           </a:p>
@@ -1591,7 +1767,7 @@
           <a:p>
             <a:fld id="{5647DC1B-4743-47FE-A400-A2B750CAD470}" type="datetimeFigureOut">
               <a:rPr lang="zh-CN" altLang="en-US" smtClean="0"/>
-              <a:t>2023-11-16</a:t>
+              <a:t>2023-11-19</a:t>
             </a:fld>
             <a:endParaRPr lang="zh-CN" altLang="en-US"/>
           </a:p>
@@ -1799,7 +1975,7 @@
           <a:p>
             <a:fld id="{5647DC1B-4743-47FE-A400-A2B750CAD470}" type="datetimeFigureOut">
               <a:rPr lang="zh-CN" altLang="en-US" smtClean="0"/>
-              <a:t>2023-11-16</a:t>
+              <a:t>2023-11-19</a:t>
             </a:fld>
             <a:endParaRPr lang="zh-CN" altLang="en-US"/>
           </a:p>
@@ -1997,7 +2173,7 @@
           <a:p>
             <a:fld id="{5647DC1B-4743-47FE-A400-A2B750CAD470}" type="datetimeFigureOut">
               <a:rPr lang="zh-CN" altLang="en-US" smtClean="0"/>
-              <a:t>2023-11-16</a:t>
+              <a:t>2023-11-19</a:t>
             </a:fld>
             <a:endParaRPr lang="zh-CN" altLang="en-US"/>
           </a:p>
@@ -2272,7 +2448,7 @@
           <a:p>
             <a:fld id="{5647DC1B-4743-47FE-A400-A2B750CAD470}" type="datetimeFigureOut">
               <a:rPr lang="zh-CN" altLang="en-US" smtClean="0"/>
-              <a:t>2023-11-16</a:t>
+              <a:t>2023-11-19</a:t>
             </a:fld>
             <a:endParaRPr lang="zh-CN" altLang="en-US"/>
           </a:p>
@@ -2537,7 +2713,7 @@
           <a:p>
             <a:fld id="{5647DC1B-4743-47FE-A400-A2B750CAD470}" type="datetimeFigureOut">
               <a:rPr lang="zh-CN" altLang="en-US" smtClean="0"/>
-              <a:t>2023-11-16</a:t>
+              <a:t>2023-11-19</a:t>
             </a:fld>
             <a:endParaRPr lang="zh-CN" altLang="en-US"/>
           </a:p>
@@ -2949,7 +3125,7 @@
           <a:p>
             <a:fld id="{5647DC1B-4743-47FE-A400-A2B750CAD470}" type="datetimeFigureOut">
               <a:rPr lang="zh-CN" altLang="en-US" smtClean="0"/>
-              <a:t>2023-11-16</a:t>
+              <a:t>2023-11-19</a:t>
             </a:fld>
             <a:endParaRPr lang="zh-CN" altLang="en-US"/>
           </a:p>
@@ -3090,7 +3266,7 @@
           <a:p>
             <a:fld id="{5647DC1B-4743-47FE-A400-A2B750CAD470}" type="datetimeFigureOut">
               <a:rPr lang="zh-CN" altLang="en-US" smtClean="0"/>
-              <a:t>2023-11-16</a:t>
+              <a:t>2023-11-19</a:t>
             </a:fld>
             <a:endParaRPr lang="zh-CN" altLang="en-US"/>
           </a:p>
@@ -3203,7 +3379,7 @@
           <a:p>
             <a:fld id="{5647DC1B-4743-47FE-A400-A2B750CAD470}" type="datetimeFigureOut">
               <a:rPr lang="zh-CN" altLang="en-US" smtClean="0"/>
-              <a:t>2023-11-16</a:t>
+              <a:t>2023-11-19</a:t>
             </a:fld>
             <a:endParaRPr lang="zh-CN" altLang="en-US"/>
           </a:p>
@@ -3514,7 +3690,7 @@
           <a:p>
             <a:fld id="{5647DC1B-4743-47FE-A400-A2B750CAD470}" type="datetimeFigureOut">
               <a:rPr lang="zh-CN" altLang="en-US" smtClean="0"/>
-              <a:t>2023-11-16</a:t>
+              <a:t>2023-11-19</a:t>
             </a:fld>
             <a:endParaRPr lang="zh-CN" altLang="en-US"/>
           </a:p>
@@ -3802,7 +3978,7 @@
           <a:p>
             <a:fld id="{5647DC1B-4743-47FE-A400-A2B750CAD470}" type="datetimeFigureOut">
               <a:rPr lang="zh-CN" altLang="en-US" smtClean="0"/>
-              <a:t>2023-11-16</a:t>
+              <a:t>2023-11-19</a:t>
             </a:fld>
             <a:endParaRPr lang="zh-CN" altLang="en-US"/>
           </a:p>
@@ -4043,7 +4219,7 @@
           <a:p>
             <a:fld id="{5647DC1B-4743-47FE-A400-A2B750CAD470}" type="datetimeFigureOut">
               <a:rPr lang="zh-CN" altLang="en-US" smtClean="0"/>
-              <a:t>2023-11-16</a:t>
+              <a:t>2023-11-19</a:t>
             </a:fld>
             <a:endParaRPr lang="zh-CN" altLang="en-US"/>
           </a:p>
@@ -4559,6 +4735,256 @@
     <p:extLst>
       <p:ext uri="{BB962C8B-B14F-4D97-AF65-F5344CB8AC3E}">
         <p14:creationId xmlns:p14="http://schemas.microsoft.com/office/powerpoint/2010/main" val="5765621"/>
+      </p:ext>
+    </p:extLst>
+  </p:cSld>
+  <p:clrMapOvr>
+    <a:masterClrMapping/>
+  </p:clrMapOvr>
+</p:sld>
+</file>
+
+<file path=ppt/slides/slide10.xml><?xml version="1.0" encoding="utf-8"?>
+<p:sld xmlns:a="http://schemas.openxmlformats.org/drawingml/2006/main" xmlns:r="http://schemas.openxmlformats.org/officeDocument/2006/relationships" xmlns:p="http://schemas.openxmlformats.org/presentationml/2006/main">
+  <p:cSld>
+    <p:spTree>
+      <p:nvGrpSpPr>
+        <p:cNvPr id="1" name=""/>
+        <p:cNvGrpSpPr/>
+        <p:nvPr/>
+      </p:nvGrpSpPr>
+      <p:grpSpPr>
+        <a:xfrm>
+          <a:off x="0" y="0"/>
+          <a:ext cx="0" cy="0"/>
+          <a:chOff x="0" y="0"/>
+          <a:chExt cx="0" cy="0"/>
+        </a:xfrm>
+      </p:grpSpPr>
+      <p:sp>
+        <p:nvSpPr>
+          <p:cNvPr id="2" name="文本框 1">
+            <a:extLst>
+              <a:ext uri="{FF2B5EF4-FFF2-40B4-BE49-F238E27FC236}">
+                <a16:creationId xmlns:a16="http://schemas.microsoft.com/office/drawing/2014/main" id="{4301BE2B-0820-0143-B72A-D9CEA12265BD}"/>
+              </a:ext>
+            </a:extLst>
+          </p:cNvPr>
+          <p:cNvSpPr txBox="1"/>
+          <p:nvPr/>
+        </p:nvSpPr>
+        <p:spPr>
+          <a:xfrm>
+            <a:off x="1122219" y="92845"/>
+            <a:ext cx="5931724" cy="461665"/>
+          </a:xfrm>
+          <a:prstGeom prst="rect">
+            <a:avLst/>
+          </a:prstGeom>
+          <a:noFill/>
+        </p:spPr>
+        <p:txBody>
+          <a:bodyPr wrap="square" rtlCol="0">
+            <a:spAutoFit/>
+          </a:bodyPr>
+          <a:lstStyle>
+            <a:defPPr>
+              <a:defRPr lang="zh-CN"/>
+            </a:defPPr>
+            <a:lvl1pPr>
+              <a:defRPr sz="2400">
+                <a:latin typeface="Consolas" panose="020B0609020204030204" pitchFamily="49" charset="0"/>
+                <a:cs typeface="Times New Roman" panose="02020603050405020304" pitchFamily="18" charset="0"/>
+              </a:defRPr>
+            </a:lvl1pPr>
+          </a:lstStyle>
+          <a:p>
+            <a:r>
+              <a:rPr lang="en-US" altLang="zh-CN" dirty="0"/>
+              <a:t>Questions</a:t>
+            </a:r>
+            <a:endParaRPr lang="en-US" altLang="zh-CN" sz="1400" dirty="0"/>
+          </a:p>
+        </p:txBody>
+      </p:sp>
+      <p:sp>
+        <p:nvSpPr>
+          <p:cNvPr id="3" name="文本框 2">
+            <a:extLst>
+              <a:ext uri="{FF2B5EF4-FFF2-40B4-BE49-F238E27FC236}">
+                <a16:creationId xmlns:a16="http://schemas.microsoft.com/office/drawing/2014/main" id="{67F3CD36-4875-6579-F682-A0B365B9CD16}"/>
+              </a:ext>
+            </a:extLst>
+          </p:cNvPr>
+          <p:cNvSpPr txBox="1"/>
+          <p:nvPr/>
+        </p:nvSpPr>
+        <p:spPr>
+          <a:xfrm>
+            <a:off x="1122219" y="554510"/>
+            <a:ext cx="10111839" cy="6186309"/>
+          </a:xfrm>
+          <a:prstGeom prst="rect">
+            <a:avLst/>
+          </a:prstGeom>
+          <a:noFill/>
+        </p:spPr>
+        <p:txBody>
+          <a:bodyPr wrap="square" rtlCol="0">
+            <a:spAutoFit/>
+          </a:bodyPr>
+          <a:lstStyle>
+            <a:defPPr>
+              <a:defRPr lang="zh-CN"/>
+            </a:defPPr>
+            <a:lvl1pPr>
+              <a:defRPr/>
+            </a:lvl1pPr>
+          </a:lstStyle>
+          <a:p>
+            <a:pPr marL="342900" indent="-342900">
+              <a:buAutoNum type="arabicPeriod"/>
+            </a:pPr>
+            <a:r>
+              <a:rPr lang="en-US" altLang="zh-CN" dirty="0"/>
+              <a:t>Do you think what I just said has any research value, or if it's implemented, does it make sense?</a:t>
+            </a:r>
+          </a:p>
+          <a:p>
+            <a:pPr marL="342900" indent="-342900">
+              <a:buAutoNum type="arabicPeriod"/>
+            </a:pPr>
+            <a:endParaRPr lang="en-US" altLang="zh-CN" dirty="0"/>
+          </a:p>
+          <a:p>
+            <a:pPr marL="342900" indent="-342900">
+              <a:buAutoNum type="arabicPeriod"/>
+            </a:pPr>
+            <a:endParaRPr lang="en-US" altLang="zh-CN" dirty="0"/>
+          </a:p>
+          <a:p>
+            <a:r>
+              <a:rPr lang="en-US" altLang="zh-CN" dirty="0"/>
+              <a:t>2. In our laboratory paper, does the deep learning model also have data shift in its dataset? I have built an identical model, but it doesn't work.</a:t>
+            </a:r>
+          </a:p>
+          <a:p>
+            <a:endParaRPr lang="en-US" altLang="zh-CN" dirty="0"/>
+          </a:p>
+          <a:p>
+            <a:endParaRPr lang="en-US" altLang="zh-CN" dirty="0"/>
+          </a:p>
+          <a:p>
+            <a:r>
+              <a:rPr lang="en-US" altLang="zh-CN" dirty="0"/>
+              <a:t>3. Regarding the proposal presentation, Professor Xie's advice is to approach it from a more general perspective. For instance, what I should write about is how to perform the extraction of a standard template from a periodic physical signal, then elucidate my methodology, and in the experimental section, validate it using our SCG signal or BCG signal.</a:t>
+            </a:r>
+          </a:p>
+          <a:p>
+            <a:endParaRPr lang="en-US" altLang="zh-CN" dirty="0"/>
+          </a:p>
+          <a:p>
+            <a:endParaRPr lang="en-US" altLang="zh-CN" dirty="0"/>
+          </a:p>
+          <a:p>
+            <a:r>
+              <a:rPr lang="en-US" altLang="zh-CN" dirty="0"/>
+              <a:t>4. In the current thesis, when mentioning 'Time Alignment' or 'DTW,' they are often used for clustering, classification, and data argumentation. Can we refer to the current work as 'DTW for Regression'? Compared to 'DTW for Classification,' 'DTW for Regression' has a distinct focus.</a:t>
+            </a:r>
+          </a:p>
+          <a:p>
+            <a:endParaRPr lang="en-US" altLang="zh-CN" dirty="0"/>
+          </a:p>
+          <a:p>
+            <a:endParaRPr lang="en-US" altLang="zh-CN" dirty="0"/>
+          </a:p>
+          <a:p>
+            <a:r>
+              <a:rPr lang="en-US" altLang="zh-CN" dirty="0"/>
+              <a:t>5. Do you think the tutorial we wrote is too simple?</a:t>
+            </a:r>
+          </a:p>
+        </p:txBody>
+      </p:sp>
+    </p:spTree>
+    <p:extLst>
+      <p:ext uri="{BB962C8B-B14F-4D97-AF65-F5344CB8AC3E}">
+        <p14:creationId xmlns:p14="http://schemas.microsoft.com/office/powerpoint/2010/main" val="1125496112"/>
+      </p:ext>
+    </p:extLst>
+  </p:cSld>
+  <p:clrMapOvr>
+    <a:masterClrMapping/>
+  </p:clrMapOvr>
+</p:sld>
+</file>
+
+<file path=ppt/slides/slide11.xml><?xml version="1.0" encoding="utf-8"?>
+<p:sld xmlns:a="http://schemas.openxmlformats.org/drawingml/2006/main" xmlns:r="http://schemas.openxmlformats.org/officeDocument/2006/relationships" xmlns:p="http://schemas.openxmlformats.org/presentationml/2006/main">
+  <p:cSld>
+    <p:spTree>
+      <p:nvGrpSpPr>
+        <p:cNvPr id="1" name=""/>
+        <p:cNvGrpSpPr/>
+        <p:nvPr/>
+      </p:nvGrpSpPr>
+      <p:grpSpPr>
+        <a:xfrm>
+          <a:off x="0" y="0"/>
+          <a:ext cx="0" cy="0"/>
+          <a:chOff x="0" y="0"/>
+          <a:chExt cx="0" cy="0"/>
+        </a:xfrm>
+      </p:grpSpPr>
+      <p:sp>
+        <p:nvSpPr>
+          <p:cNvPr id="2" name="文本框 1">
+            <a:extLst>
+              <a:ext uri="{FF2B5EF4-FFF2-40B4-BE49-F238E27FC236}">
+                <a16:creationId xmlns:a16="http://schemas.microsoft.com/office/drawing/2014/main" id="{4301BE2B-0820-0143-B72A-D9CEA12265BD}"/>
+              </a:ext>
+            </a:extLst>
+          </p:cNvPr>
+          <p:cNvSpPr txBox="1"/>
+          <p:nvPr/>
+        </p:nvSpPr>
+        <p:spPr>
+          <a:xfrm>
+            <a:off x="5114486" y="3105834"/>
+            <a:ext cx="1963028" cy="646331"/>
+          </a:xfrm>
+          <a:prstGeom prst="rect">
+            <a:avLst/>
+          </a:prstGeom>
+          <a:noFill/>
+        </p:spPr>
+        <p:txBody>
+          <a:bodyPr wrap="square" rtlCol="0">
+            <a:spAutoFit/>
+          </a:bodyPr>
+          <a:lstStyle>
+            <a:defPPr>
+              <a:defRPr lang="zh-CN"/>
+            </a:defPPr>
+            <a:lvl1pPr algn="ctr">
+              <a:defRPr sz="3600">
+                <a:latin typeface="Consolas" panose="020B0609020204030204" pitchFamily="49" charset="0"/>
+                <a:cs typeface="Times New Roman" panose="02020603050405020304" pitchFamily="18" charset="0"/>
+              </a:defRPr>
+            </a:lvl1pPr>
+          </a:lstStyle>
+          <a:p>
+            <a:r>
+              <a:rPr lang="en-US" altLang="zh-CN" dirty="0"/>
+              <a:t>Thanks!</a:t>
+            </a:r>
+          </a:p>
+        </p:txBody>
+      </p:sp>
+    </p:spTree>
+    <p:extLst>
+      <p:ext uri="{BB962C8B-B14F-4D97-AF65-F5344CB8AC3E}">
+        <p14:creationId xmlns:p14="http://schemas.microsoft.com/office/powerpoint/2010/main" val="3015943919"/>
       </p:ext>
     </p:extLst>
   </p:cSld>
@@ -6345,14 +6771,14 @@
           <p:nvPr>
             <p:extLst>
               <p:ext uri="{D42A27DB-BD31-4B8C-83A1-F6EECF244321}">
-                <p14:modId xmlns:p14="http://schemas.microsoft.com/office/powerpoint/2010/main" val="3380894245"/>
+                <p14:modId xmlns:p14="http://schemas.microsoft.com/office/powerpoint/2010/main" val="2609189790"/>
               </p:ext>
             </p:extLst>
           </p:nvPr>
         </p:nvGraphicFramePr>
         <p:xfrm>
-          <a:off x="609600" y="1005985"/>
-          <a:ext cx="10754044" cy="5191760"/>
+          <a:off x="609600" y="1574800"/>
+          <a:ext cx="10754044" cy="3708400"/>
         </p:xfrm>
         <a:graphic>
           <a:graphicData uri="http://schemas.openxmlformats.org/drawingml/2006/table">
@@ -6578,7 +7004,7 @@
                   </a:txBody>
                   <a:tcPr/>
                 </a:tc>
-                <a:tc>
+                <a:tc gridSpan="3">
                   <a:txBody>
                     <a:bodyPr/>
                     <a:lstStyle/>
@@ -6602,14 +7028,14 @@
                       </a:pPr>
                       <a:r>
                         <a:rPr lang="en-US" altLang="zh-CN" b="0" dirty="0"/>
-                        <a:t>K-SC</a:t>
+                        <a:t>New</a:t>
                       </a:r>
                       <a:endParaRPr lang="zh-CN" altLang="en-US" b="0" dirty="0"/>
                     </a:p>
                   </a:txBody>
                   <a:tcPr/>
                 </a:tc>
-                <a:tc>
+                <a:tc hMerge="1">
                   <a:txBody>
                     <a:bodyPr/>
                     <a:lstStyle/>
@@ -6631,16 +7057,12 @@
                         <a:tabLst/>
                         <a:defRPr/>
                       </a:pPr>
-                      <a:r>
-                        <a:rPr lang="en-US" altLang="zh-CN" dirty="0"/>
-                        <a:t>- / -</a:t>
-                      </a:r>
                       <a:endParaRPr lang="zh-CN" altLang="en-US" dirty="0"/>
                     </a:p>
                   </a:txBody>
                   <a:tcPr/>
                 </a:tc>
-                <a:tc>
+                <a:tc hMerge="1">
                   <a:txBody>
                     <a:bodyPr/>
                     <a:lstStyle/>
@@ -6662,10 +7084,6 @@
                         <a:tabLst/>
                         <a:defRPr/>
                       </a:pPr>
-                      <a:r>
-                        <a:rPr lang="en-US" altLang="zh-CN" dirty="0"/>
-                        <a:t>- / -</a:t>
-                      </a:r>
                       <a:endParaRPr lang="zh-CN" altLang="en-US" dirty="0"/>
                     </a:p>
                   </a:txBody>
@@ -6759,28 +7177,12 @@
                     <a:bodyPr/>
                     <a:lstStyle/>
                     <a:p>
-                      <a:pPr marL="0" marR="0" lvl="0" indent="0" algn="ctr" defTabSz="914400" rtl="0" eaLnBrk="1" fontAlgn="auto" latinLnBrk="0" hangingPunct="1">
-                        <a:lnSpc>
-                          <a:spcPct val="100000"/>
-                        </a:lnSpc>
-                        <a:spcBef>
-                          <a:spcPts val="0"/>
-                        </a:spcBef>
-                        <a:spcAft>
-                          <a:spcPts val="0"/>
-                        </a:spcAft>
-                        <a:buClrTx/>
-                        <a:buSzTx/>
-                        <a:buFontTx/>
-                        <a:buNone/>
-                        <a:tabLst/>
-                        <a:defRPr/>
-                      </a:pPr>
+                      <a:pPr algn="ctr"/>
                       <a:r>
-                        <a:rPr lang="en-US" altLang="zh-CN" dirty="0"/>
-                        <a:t>PSA</a:t>
+                        <a:rPr lang="en-US" altLang="zh-CN" b="0" dirty="0"/>
+                        <a:t>NLAAF1</a:t>
                       </a:r>
-                      <a:endParaRPr lang="zh-CN" altLang="en-US" dirty="0"/>
+                      <a:endParaRPr lang="zh-CN" altLang="en-US" b="0" dirty="0"/>
                     </a:p>
                   </a:txBody>
                   <a:tcPr/>
@@ -6790,28 +7192,12 @@
                     <a:bodyPr/>
                     <a:lstStyle/>
                     <a:p>
-                      <a:pPr marL="0" marR="0" lvl="0" indent="0" algn="ctr" defTabSz="914400" rtl="0" eaLnBrk="1" fontAlgn="auto" latinLnBrk="0" hangingPunct="1">
-                        <a:lnSpc>
-                          <a:spcPct val="100000"/>
-                        </a:lnSpc>
-                        <a:spcBef>
-                          <a:spcPts val="0"/>
-                        </a:spcBef>
-                        <a:spcAft>
-                          <a:spcPts val="0"/>
-                        </a:spcAft>
-                        <a:buClrTx/>
-                        <a:buSzTx/>
-                        <a:buFontTx/>
-                        <a:buNone/>
-                        <a:tabLst/>
-                        <a:defRPr/>
-                      </a:pPr>
+                      <a:pPr algn="ctr"/>
                       <a:r>
-                        <a:rPr lang="en-US" altLang="zh-CN" dirty="0"/>
-                        <a:t>2.27 / 19.05</a:t>
+                        <a:rPr lang="en-US" altLang="zh-CN" u="none" dirty="0"/>
+                        <a:t>8.43 / 23.19</a:t>
                       </a:r>
-                      <a:endParaRPr lang="zh-CN" altLang="en-US" dirty="0"/>
+                      <a:endParaRPr lang="zh-CN" altLang="en-US" u="none" dirty="0"/>
                     </a:p>
                   </a:txBody>
                   <a:tcPr/>
@@ -6821,28 +7207,12 @@
                     <a:bodyPr/>
                     <a:lstStyle/>
                     <a:p>
-                      <a:pPr marL="0" marR="0" lvl="0" indent="0" algn="ctr" defTabSz="914400" rtl="0" eaLnBrk="1" fontAlgn="auto" latinLnBrk="0" hangingPunct="1">
-                        <a:lnSpc>
-                          <a:spcPct val="100000"/>
-                        </a:lnSpc>
-                        <a:spcBef>
-                          <a:spcPts val="0"/>
-                        </a:spcBef>
-                        <a:spcAft>
-                          <a:spcPts val="0"/>
-                        </a:spcAft>
-                        <a:buClrTx/>
-                        <a:buSzTx/>
-                        <a:buFontTx/>
-                        <a:buNone/>
-                        <a:tabLst/>
-                        <a:defRPr/>
-                      </a:pPr>
+                      <a:pPr algn="ctr"/>
                       <a:r>
-                        <a:rPr lang="en-US" altLang="zh-CN" dirty="0"/>
-                        <a:t>5.40 / 8.89</a:t>
+                        <a:rPr lang="en-US" altLang="zh-CN" u="none" dirty="0"/>
+                        <a:t>3.14 / 5.21</a:t>
                       </a:r>
-                      <a:endParaRPr lang="zh-CN" altLang="en-US" dirty="0"/>
+                      <a:endParaRPr lang="zh-CN" altLang="en-US" u="none" dirty="0"/>
                     </a:p>
                   </a:txBody>
                   <a:tcPr/>
@@ -6936,28 +7306,12 @@
                     <a:bodyPr/>
                     <a:lstStyle/>
                     <a:p>
-                      <a:pPr marL="0" marR="0" lvl="0" indent="0" algn="ctr" defTabSz="914400" rtl="0" eaLnBrk="1" fontAlgn="auto" latinLnBrk="0" hangingPunct="1">
-                        <a:lnSpc>
-                          <a:spcPct val="100000"/>
-                        </a:lnSpc>
-                        <a:spcBef>
-                          <a:spcPts val="0"/>
-                        </a:spcBef>
-                        <a:spcAft>
-                          <a:spcPts val="0"/>
-                        </a:spcAft>
-                        <a:buClrTx/>
-                        <a:buSzTx/>
-                        <a:buFontTx/>
-                        <a:buNone/>
-                        <a:tabLst/>
-                        <a:defRPr/>
-                      </a:pPr>
+                      <a:pPr algn="ctr"/>
                       <a:r>
-                        <a:rPr lang="en-US" altLang="zh-CN" dirty="0"/>
-                        <a:t>Soft-DTW</a:t>
+                        <a:rPr lang="en-US" altLang="zh-CN" b="0" dirty="0"/>
+                        <a:t>NLAAF2</a:t>
                       </a:r>
-                      <a:endParaRPr lang="zh-CN" altLang="en-US" dirty="0"/>
+                      <a:endParaRPr lang="zh-CN" altLang="en-US" b="0" dirty="0"/>
                     </a:p>
                   </a:txBody>
                   <a:tcPr/>
@@ -6967,28 +7321,12 @@
                     <a:bodyPr/>
                     <a:lstStyle/>
                     <a:p>
-                      <a:pPr marL="0" marR="0" lvl="0" indent="0" algn="ctr" defTabSz="914400" rtl="0" eaLnBrk="1" fontAlgn="auto" latinLnBrk="0" hangingPunct="1">
-                        <a:lnSpc>
-                          <a:spcPct val="100000"/>
-                        </a:lnSpc>
-                        <a:spcBef>
-                          <a:spcPts val="0"/>
-                        </a:spcBef>
-                        <a:spcAft>
-                          <a:spcPts val="0"/>
-                        </a:spcAft>
-                        <a:buClrTx/>
-                        <a:buSzTx/>
-                        <a:buFontTx/>
-                        <a:buNone/>
-                        <a:tabLst/>
-                        <a:defRPr/>
-                      </a:pPr>
+                      <a:pPr algn="ctr"/>
                       <a:r>
-                        <a:rPr lang="en-US" altLang="zh-CN" dirty="0"/>
-                        <a:t>1.35 / 1.38</a:t>
+                        <a:rPr lang="en-US" altLang="zh-CN" u="none" dirty="0"/>
+                        <a:t>20.67 / 33.39</a:t>
                       </a:r>
-                      <a:endParaRPr lang="zh-CN" altLang="en-US" dirty="0"/>
+                      <a:endParaRPr lang="zh-CN" altLang="en-US" u="none" dirty="0"/>
                     </a:p>
                   </a:txBody>
                   <a:tcPr/>
@@ -6998,28 +7336,12 @@
                     <a:bodyPr/>
                     <a:lstStyle/>
                     <a:p>
-                      <a:pPr marL="0" marR="0" lvl="0" indent="0" algn="ctr" defTabSz="914400" rtl="0" eaLnBrk="1" fontAlgn="auto" latinLnBrk="0" hangingPunct="1">
-                        <a:lnSpc>
-                          <a:spcPct val="100000"/>
-                        </a:lnSpc>
-                        <a:spcBef>
-                          <a:spcPts val="0"/>
-                        </a:spcBef>
-                        <a:spcAft>
-                          <a:spcPts val="0"/>
-                        </a:spcAft>
-                        <a:buClrTx/>
-                        <a:buSzTx/>
-                        <a:buFontTx/>
-                        <a:buNone/>
-                        <a:tabLst/>
-                        <a:defRPr/>
-                      </a:pPr>
+                      <a:pPr algn="ctr"/>
                       <a:r>
-                        <a:rPr lang="en-US" altLang="zh-CN" dirty="0"/>
-                        <a:t>4.53 / 4.44 </a:t>
+                        <a:rPr lang="en-US" altLang="zh-CN" u="none" dirty="0"/>
+                        <a:t>3.64 / 7.04</a:t>
                       </a:r>
-                      <a:endParaRPr lang="zh-CN" altLang="en-US" dirty="0"/>
+                      <a:endParaRPr lang="zh-CN" altLang="en-US" u="none" dirty="0"/>
                     </a:p>
                   </a:txBody>
                   <a:tcPr/>
@@ -7096,28 +7418,12 @@
                     <a:bodyPr/>
                     <a:lstStyle/>
                     <a:p>
-                      <a:pPr marL="0" marR="0" lvl="0" indent="0" algn="ctr" defTabSz="914400" rtl="0" eaLnBrk="1" fontAlgn="auto" latinLnBrk="0" hangingPunct="1">
-                        <a:lnSpc>
-                          <a:spcPct val="100000"/>
-                        </a:lnSpc>
-                        <a:spcBef>
-                          <a:spcPts val="0"/>
-                        </a:spcBef>
-                        <a:spcAft>
-                          <a:spcPts val="0"/>
-                        </a:spcAft>
-                        <a:buClrTx/>
-                        <a:buSzTx/>
-                        <a:buFontTx/>
-                        <a:buNone/>
-                        <a:tabLst/>
-                        <a:defRPr/>
-                      </a:pPr>
+                      <a:pPr algn="ctr"/>
                       <a:r>
-                        <a:rPr lang="en-US" altLang="zh-CN" dirty="0"/>
-                        <a:t>ICDTW</a:t>
+                        <a:rPr lang="en-US" altLang="zh-CN" b="0" dirty="0"/>
+                        <a:t>GTW</a:t>
                       </a:r>
-                      <a:endParaRPr lang="zh-CN" altLang="en-US" dirty="0"/>
+                      <a:endParaRPr lang="zh-CN" altLang="en-US" b="0" dirty="0"/>
                     </a:p>
                   </a:txBody>
                   <a:tcPr/>
@@ -7129,10 +7435,10 @@
                     <a:p>
                       <a:pPr algn="ctr"/>
                       <a:r>
-                        <a:rPr lang="en-US" altLang="zh-CN" dirty="0"/>
-                        <a:t>2.66 /</a:t>
+                        <a:rPr lang="en-US" altLang="zh-CN" u="none" dirty="0"/>
+                        <a:t>- / -</a:t>
                       </a:r>
-                      <a:endParaRPr lang="zh-CN" altLang="en-US" dirty="0"/>
+                      <a:endParaRPr lang="zh-CN" altLang="en-US" u="none" dirty="0"/>
                     </a:p>
                   </a:txBody>
                   <a:tcPr/>
@@ -7144,10 +7450,10 @@
                     <a:p>
                       <a:pPr algn="ctr"/>
                       <a:r>
-                        <a:rPr lang="en-US" altLang="zh-CN" dirty="0"/>
-                        <a:t>5.08 / </a:t>
+                        <a:rPr lang="en-US" altLang="zh-CN" u="none" dirty="0"/>
+                        <a:t>- / -</a:t>
                       </a:r>
-                      <a:endParaRPr lang="zh-CN" altLang="en-US" dirty="0"/>
+                      <a:endParaRPr lang="zh-CN" altLang="en-US" u="none" dirty="0"/>
                     </a:p>
                   </a:txBody>
                   <a:tcPr/>
@@ -7209,7 +7515,11 @@
                     <a:lstStyle/>
                     <a:p>
                       <a:pPr algn="ctr"/>
-                      <a:endParaRPr lang="zh-CN" altLang="en-US" dirty="0"/>
+                      <a:r>
+                        <a:rPr lang="en-US" altLang="zh-CN" b="0" dirty="0"/>
+                        <a:t>TTW</a:t>
+                      </a:r>
+                      <a:endParaRPr lang="zh-CN" altLang="en-US" b="0" dirty="0"/>
                     </a:p>
                   </a:txBody>
                   <a:tcPr/>
@@ -7220,7 +7530,11 @@
                     <a:lstStyle/>
                     <a:p>
                       <a:pPr algn="ctr"/>
-                      <a:endParaRPr lang="zh-CN" altLang="en-US" dirty="0"/>
+                      <a:r>
+                        <a:rPr lang="en-US" altLang="zh-CN" u="none" dirty="0"/>
+                        <a:t>1.52 / -</a:t>
+                      </a:r>
+                      <a:endParaRPr lang="zh-CN" altLang="en-US" u="none" dirty="0"/>
                     </a:p>
                   </a:txBody>
                   <a:tcPr/>
@@ -7231,7 +7545,11 @@
                     <a:lstStyle/>
                     <a:p>
                       <a:pPr algn="ctr"/>
-                      <a:endParaRPr lang="zh-CN" altLang="en-US" dirty="0"/>
+                      <a:r>
+                        <a:rPr lang="en-US" altLang="zh-CN" u="none" dirty="0"/>
+                        <a:t>4.28 / -</a:t>
+                      </a:r>
+                      <a:endParaRPr lang="zh-CN" altLang="en-US" u="none" dirty="0"/>
                     </a:p>
                   </a:txBody>
                   <a:tcPr/>
@@ -7358,6 +7676,41 @@
                         <a:tabLst/>
                         <a:defRPr/>
                       </a:pPr>
+                      <a:r>
+                        <a:rPr lang="en-US" altLang="zh-CN" b="0" dirty="0"/>
+                        <a:t>K-SC</a:t>
+                      </a:r>
+                      <a:endParaRPr lang="zh-CN" altLang="en-US" b="0" dirty="0"/>
+                    </a:p>
+                  </a:txBody>
+                  <a:tcPr/>
+                </a:tc>
+                <a:tc>
+                  <a:txBody>
+                    <a:bodyPr/>
+                    <a:lstStyle/>
+                    <a:p>
+                      <a:pPr marL="0" marR="0" lvl="0" indent="0" algn="ctr" defTabSz="914400" rtl="0" eaLnBrk="1" fontAlgn="auto" latinLnBrk="0" hangingPunct="1">
+                        <a:lnSpc>
+                          <a:spcPct val="100000"/>
+                        </a:lnSpc>
+                        <a:spcBef>
+                          <a:spcPts val="0"/>
+                        </a:spcBef>
+                        <a:spcAft>
+                          <a:spcPts val="0"/>
+                        </a:spcAft>
+                        <a:buClrTx/>
+                        <a:buSzTx/>
+                        <a:buFontTx/>
+                        <a:buNone/>
+                        <a:tabLst/>
+                        <a:defRPr/>
+                      </a:pPr>
+                      <a:r>
+                        <a:rPr lang="en-US" altLang="zh-CN" dirty="0"/>
+                        <a:t>- / -</a:t>
+                      </a:r>
                       <a:endParaRPr lang="zh-CN" altLang="en-US" dirty="0"/>
                     </a:p>
                   </a:txBody>
@@ -7385,33 +7738,10 @@
                         <a:tabLst/>
                         <a:defRPr/>
                       </a:pPr>
-                      <a:endParaRPr lang="zh-CN" altLang="en-US" dirty="0"/>
-                    </a:p>
-                  </a:txBody>
-                  <a:tcPr/>
-                </a:tc>
-                <a:tc>
-                  <a:txBody>
-                    <a:bodyPr/>
-                    <a:lstStyle/>
-                    <a:p>
-                      <a:pPr marL="0" marR="0" lvl="0" indent="0" algn="ctr" defTabSz="914400" rtl="0" eaLnBrk="1" fontAlgn="auto" latinLnBrk="0" hangingPunct="1">
-                        <a:lnSpc>
-                          <a:spcPct val="100000"/>
-                        </a:lnSpc>
-                        <a:spcBef>
-                          <a:spcPts val="0"/>
-                        </a:spcBef>
-                        <a:spcAft>
-                          <a:spcPts val="0"/>
-                        </a:spcAft>
-                        <a:buClrTx/>
-                        <a:buSzTx/>
-                        <a:buFontTx/>
-                        <a:buNone/>
-                        <a:tabLst/>
-                        <a:defRPr/>
-                      </a:pPr>
+                      <a:r>
+                        <a:rPr lang="en-US" altLang="zh-CN" dirty="0"/>
+                        <a:t>- / -</a:t>
+                      </a:r>
                       <a:endParaRPr lang="zh-CN" altLang="en-US" dirty="0"/>
                     </a:p>
                   </a:txBody>
@@ -7474,7 +7804,27 @@
                     <a:bodyPr/>
                     <a:lstStyle/>
                     <a:p>
-                      <a:pPr algn="ctr"/>
+                      <a:pPr marL="0" marR="0" lvl="0" indent="0" algn="ctr" defTabSz="914400" rtl="0" eaLnBrk="1" fontAlgn="auto" latinLnBrk="0" hangingPunct="1">
+                        <a:lnSpc>
+                          <a:spcPct val="100000"/>
+                        </a:lnSpc>
+                        <a:spcBef>
+                          <a:spcPts val="0"/>
+                        </a:spcBef>
+                        <a:spcAft>
+                          <a:spcPts val="0"/>
+                        </a:spcAft>
+                        <a:buClrTx/>
+                        <a:buSzTx/>
+                        <a:buFontTx/>
+                        <a:buNone/>
+                        <a:tabLst/>
+                        <a:defRPr/>
+                      </a:pPr>
+                      <a:r>
+                        <a:rPr lang="en-US" altLang="zh-CN" dirty="0"/>
+                        <a:t>PSA</a:t>
+                      </a:r>
                       <a:endParaRPr lang="zh-CN" altLang="en-US" dirty="0"/>
                     </a:p>
                   </a:txBody>
@@ -7485,7 +7835,27 @@
                     <a:bodyPr/>
                     <a:lstStyle/>
                     <a:p>
-                      <a:pPr algn="ctr"/>
+                      <a:pPr marL="0" marR="0" lvl="0" indent="0" algn="ctr" defTabSz="914400" rtl="0" eaLnBrk="1" fontAlgn="auto" latinLnBrk="0" hangingPunct="1">
+                        <a:lnSpc>
+                          <a:spcPct val="100000"/>
+                        </a:lnSpc>
+                        <a:spcBef>
+                          <a:spcPts val="0"/>
+                        </a:spcBef>
+                        <a:spcAft>
+                          <a:spcPts val="0"/>
+                        </a:spcAft>
+                        <a:buClrTx/>
+                        <a:buSzTx/>
+                        <a:buFontTx/>
+                        <a:buNone/>
+                        <a:tabLst/>
+                        <a:defRPr/>
+                      </a:pPr>
+                      <a:r>
+                        <a:rPr lang="en-US" altLang="zh-CN" dirty="0"/>
+                        <a:t>2.27 / 19.05</a:t>
+                      </a:r>
                       <a:endParaRPr lang="zh-CN" altLang="en-US" dirty="0"/>
                     </a:p>
                   </a:txBody>
@@ -7496,7 +7866,27 @@
                     <a:bodyPr/>
                     <a:lstStyle/>
                     <a:p>
-                      <a:pPr algn="ctr"/>
+                      <a:pPr marL="0" marR="0" lvl="0" indent="0" algn="ctr" defTabSz="914400" rtl="0" eaLnBrk="1" fontAlgn="auto" latinLnBrk="0" hangingPunct="1">
+                        <a:lnSpc>
+                          <a:spcPct val="100000"/>
+                        </a:lnSpc>
+                        <a:spcBef>
+                          <a:spcPts val="0"/>
+                        </a:spcBef>
+                        <a:spcAft>
+                          <a:spcPts val="0"/>
+                        </a:spcAft>
+                        <a:buClrTx/>
+                        <a:buSzTx/>
+                        <a:buFontTx/>
+                        <a:buNone/>
+                        <a:tabLst/>
+                        <a:defRPr/>
+                      </a:pPr>
+                      <a:r>
+                        <a:rPr lang="en-US" altLang="zh-CN" dirty="0"/>
+                        <a:t>5.40 / 8.89</a:t>
+                      </a:r>
                       <a:endParaRPr lang="zh-CN" altLang="en-US" dirty="0"/>
                     </a:p>
                   </a:txBody>
@@ -7575,7 +7965,27 @@
                     <a:bodyPr/>
                     <a:lstStyle/>
                     <a:p>
-                      <a:pPr algn="ctr"/>
+                      <a:pPr marL="0" marR="0" lvl="0" indent="0" algn="ctr" defTabSz="914400" rtl="0" eaLnBrk="1" fontAlgn="auto" latinLnBrk="0" hangingPunct="1">
+                        <a:lnSpc>
+                          <a:spcPct val="100000"/>
+                        </a:lnSpc>
+                        <a:spcBef>
+                          <a:spcPts val="0"/>
+                        </a:spcBef>
+                        <a:spcAft>
+                          <a:spcPts val="0"/>
+                        </a:spcAft>
+                        <a:buClrTx/>
+                        <a:buSzTx/>
+                        <a:buFontTx/>
+                        <a:buNone/>
+                        <a:tabLst/>
+                        <a:defRPr/>
+                      </a:pPr>
+                      <a:r>
+                        <a:rPr lang="en-US" altLang="zh-CN" dirty="0"/>
+                        <a:t>Soft-DTW</a:t>
+                      </a:r>
                       <a:endParaRPr lang="zh-CN" altLang="en-US" dirty="0"/>
                     </a:p>
                   </a:txBody>
@@ -7586,7 +7996,27 @@
                     <a:bodyPr/>
                     <a:lstStyle/>
                     <a:p>
-                      <a:pPr algn="ctr"/>
+                      <a:pPr marL="0" marR="0" lvl="0" indent="0" algn="ctr" defTabSz="914400" rtl="0" eaLnBrk="1" fontAlgn="auto" latinLnBrk="0" hangingPunct="1">
+                        <a:lnSpc>
+                          <a:spcPct val="100000"/>
+                        </a:lnSpc>
+                        <a:spcBef>
+                          <a:spcPts val="0"/>
+                        </a:spcBef>
+                        <a:spcAft>
+                          <a:spcPts val="0"/>
+                        </a:spcAft>
+                        <a:buClrTx/>
+                        <a:buSzTx/>
+                        <a:buFontTx/>
+                        <a:buNone/>
+                        <a:tabLst/>
+                        <a:defRPr/>
+                      </a:pPr>
+                      <a:r>
+                        <a:rPr lang="en-US" altLang="zh-CN" dirty="0"/>
+                        <a:t>1.35 / 1.38</a:t>
+                      </a:r>
                       <a:endParaRPr lang="zh-CN" altLang="en-US" dirty="0"/>
                     </a:p>
                   </a:txBody>
@@ -7597,7 +8027,27 @@
                     <a:bodyPr/>
                     <a:lstStyle/>
                     <a:p>
-                      <a:pPr algn="ctr"/>
+                      <a:pPr marL="0" marR="0" lvl="0" indent="0" algn="ctr" defTabSz="914400" rtl="0" eaLnBrk="1" fontAlgn="auto" latinLnBrk="0" hangingPunct="1">
+                        <a:lnSpc>
+                          <a:spcPct val="100000"/>
+                        </a:lnSpc>
+                        <a:spcBef>
+                          <a:spcPts val="0"/>
+                        </a:spcBef>
+                        <a:spcAft>
+                          <a:spcPts val="0"/>
+                        </a:spcAft>
+                        <a:buClrTx/>
+                        <a:buSzTx/>
+                        <a:buFontTx/>
+                        <a:buNone/>
+                        <a:tabLst/>
+                        <a:defRPr/>
+                      </a:pPr>
+                      <a:r>
+                        <a:rPr lang="en-US" altLang="zh-CN" dirty="0"/>
+                        <a:t>4.53 / 4.44 </a:t>
+                      </a:r>
                       <a:endParaRPr lang="zh-CN" altLang="en-US" dirty="0"/>
                     </a:p>
                   </a:txBody>
@@ -7660,52 +8110,28 @@
                     <a:bodyPr/>
                     <a:lstStyle/>
                     <a:p>
-                      <a:pPr algn="ctr"/>
-                      <a:endParaRPr lang="zh-CN" altLang="en-US" u="sng" dirty="0"/>
-                    </a:p>
-                  </a:txBody>
-                  <a:tcPr/>
-                </a:tc>
-                <a:tc>
-                  <a:txBody>
-                    <a:bodyPr/>
-                    <a:lstStyle/>
-                    <a:p>
-                      <a:pPr algn="ctr"/>
-                      <a:endParaRPr lang="zh-CN" altLang="en-US" u="sng" dirty="0"/>
-                    </a:p>
-                  </a:txBody>
-                  <a:tcPr/>
-                </a:tc>
-                <a:tc>
-                  <a:txBody>
-                    <a:bodyPr/>
-                    <a:lstStyle/>
-                    <a:p>
-                      <a:pPr algn="ctr"/>
-                      <a:endParaRPr lang="zh-CN" altLang="en-US" u="sng" dirty="0"/>
-                    </a:p>
-                  </a:txBody>
-                  <a:tcPr/>
-                </a:tc>
-                <a:extLst>
-                  <a:ext uri="{0D108BD9-81ED-4DB2-BD59-A6C34878D82A}">
-                    <a16:rowId xmlns:a16="http://schemas.microsoft.com/office/drawing/2014/main" val="994351504"/>
-                  </a:ext>
-                </a:extLst>
-              </a:tr>
-              <a:tr h="370840">
-                <a:tc>
-                  <a:txBody>
-                    <a:bodyPr/>
-                    <a:lstStyle/>
-                    <a:p>
-                      <a:pPr algn="ctr"/>
+                      <a:pPr marL="0" marR="0" lvl="0" indent="0" algn="ctr" defTabSz="914400" rtl="0" eaLnBrk="1" fontAlgn="auto" latinLnBrk="0" hangingPunct="1">
+                        <a:lnSpc>
+                          <a:spcPct val="100000"/>
+                        </a:lnSpc>
+                        <a:spcBef>
+                          <a:spcPts val="0"/>
+                        </a:spcBef>
+                        <a:spcAft>
+                          <a:spcPts val="0"/>
+                        </a:spcAft>
+                        <a:buClrTx/>
+                        <a:buSzTx/>
+                        <a:buFontTx/>
+                        <a:buNone/>
+                        <a:tabLst/>
+                        <a:defRPr/>
+                      </a:pPr>
                       <a:r>
-                        <a:rPr lang="en-US" altLang="zh-CN" b="0" dirty="0"/>
-                        <a:t>NLAAF1</a:t>
+                        <a:rPr lang="en-US" altLang="zh-CN" dirty="0"/>
+                        <a:t>ICDTW</a:t>
                       </a:r>
-                      <a:endParaRPr lang="zh-CN" altLang="en-US" b="0" dirty="0"/>
+                      <a:endParaRPr lang="zh-CN" altLang="en-US" dirty="0"/>
                     </a:p>
                   </a:txBody>
                   <a:tcPr/>
@@ -7717,10 +8143,10 @@
                     <a:p>
                       <a:pPr algn="ctr"/>
                       <a:r>
-                        <a:rPr lang="en-US" altLang="zh-CN" u="none" dirty="0"/>
-                        <a:t>8.43 / 23.19</a:t>
+                        <a:rPr lang="en-US" altLang="zh-CN" dirty="0"/>
+                        <a:t>2.66 / -</a:t>
                       </a:r>
-                      <a:endParaRPr lang="zh-CN" altLang="en-US" u="none" dirty="0"/>
+                      <a:endParaRPr lang="zh-CN" altLang="en-US" dirty="0"/>
                     </a:p>
                   </a:txBody>
                   <a:tcPr/>
@@ -7732,305 +8158,17 @@
                     <a:p>
                       <a:pPr algn="ctr"/>
                       <a:r>
-                        <a:rPr lang="en-US" altLang="zh-CN" u="none" dirty="0"/>
-                        <a:t>3.14 / 5.21</a:t>
+                        <a:rPr lang="en-US" altLang="zh-CN" dirty="0"/>
+                        <a:t>5.08 / -</a:t>
                       </a:r>
-                      <a:endParaRPr lang="zh-CN" altLang="en-US" u="none" dirty="0"/>
-                    </a:p>
-                  </a:txBody>
-                  <a:tcPr/>
-                </a:tc>
-                <a:tc>
-                  <a:txBody>
-                    <a:bodyPr/>
-                    <a:lstStyle/>
-                    <a:p>
-                      <a:pPr algn="ctr"/>
-                      <a:endParaRPr lang="zh-CN" altLang="en-US" u="none" dirty="0"/>
-                    </a:p>
-                  </a:txBody>
-                  <a:tcPr/>
-                </a:tc>
-                <a:tc>
-                  <a:txBody>
-                    <a:bodyPr/>
-                    <a:lstStyle/>
-                    <a:p>
-                      <a:pPr algn="ctr"/>
-                      <a:endParaRPr lang="zh-CN" altLang="en-US" u="none" dirty="0"/>
-                    </a:p>
-                  </a:txBody>
-                  <a:tcPr/>
-                </a:tc>
-                <a:tc>
-                  <a:txBody>
-                    <a:bodyPr/>
-                    <a:lstStyle/>
-                    <a:p>
-                      <a:pPr algn="ctr"/>
-                      <a:endParaRPr lang="zh-CN" altLang="en-US" u="none" dirty="0"/>
+                      <a:endParaRPr lang="zh-CN" altLang="en-US" dirty="0"/>
                     </a:p>
                   </a:txBody>
                   <a:tcPr/>
                 </a:tc>
                 <a:extLst>
                   <a:ext uri="{0D108BD9-81ED-4DB2-BD59-A6C34878D82A}">
-                    <a16:rowId xmlns:a16="http://schemas.microsoft.com/office/drawing/2014/main" val="707339749"/>
-                  </a:ext>
-                </a:extLst>
-              </a:tr>
-              <a:tr h="370840">
-                <a:tc>
-                  <a:txBody>
-                    <a:bodyPr/>
-                    <a:lstStyle/>
-                    <a:p>
-                      <a:pPr algn="ctr"/>
-                      <a:r>
-                        <a:rPr lang="en-US" altLang="zh-CN" b="0" dirty="0"/>
-                        <a:t>NLAAF2</a:t>
-                      </a:r>
-                      <a:endParaRPr lang="zh-CN" altLang="en-US" b="0" dirty="0"/>
-                    </a:p>
-                  </a:txBody>
-                  <a:tcPr/>
-                </a:tc>
-                <a:tc>
-                  <a:txBody>
-                    <a:bodyPr/>
-                    <a:lstStyle/>
-                    <a:p>
-                      <a:pPr algn="ctr"/>
-                      <a:r>
-                        <a:rPr lang="en-US" altLang="zh-CN" u="none" dirty="0"/>
-                        <a:t>20.67 / 33.39</a:t>
-                      </a:r>
-                      <a:endParaRPr lang="zh-CN" altLang="en-US" u="none" dirty="0"/>
-                    </a:p>
-                  </a:txBody>
-                  <a:tcPr/>
-                </a:tc>
-                <a:tc>
-                  <a:txBody>
-                    <a:bodyPr/>
-                    <a:lstStyle/>
-                    <a:p>
-                      <a:pPr algn="ctr"/>
-                      <a:r>
-                        <a:rPr lang="en-US" altLang="zh-CN" u="none" dirty="0"/>
-                        <a:t>3.64 / 7.04</a:t>
-                      </a:r>
-                      <a:endParaRPr lang="zh-CN" altLang="en-US" u="none" dirty="0"/>
-                    </a:p>
-                  </a:txBody>
-                  <a:tcPr/>
-                </a:tc>
-                <a:tc>
-                  <a:txBody>
-                    <a:bodyPr/>
-                    <a:lstStyle/>
-                    <a:p>
-                      <a:pPr algn="ctr"/>
-                      <a:endParaRPr lang="zh-CN" altLang="en-US" u="none" dirty="0"/>
-                    </a:p>
-                  </a:txBody>
-                  <a:tcPr/>
-                </a:tc>
-                <a:tc>
-                  <a:txBody>
-                    <a:bodyPr/>
-                    <a:lstStyle/>
-                    <a:p>
-                      <a:pPr algn="ctr"/>
-                      <a:endParaRPr lang="zh-CN" altLang="en-US" u="none" dirty="0"/>
-                    </a:p>
-                  </a:txBody>
-                  <a:tcPr/>
-                </a:tc>
-                <a:tc>
-                  <a:txBody>
-                    <a:bodyPr/>
-                    <a:lstStyle/>
-                    <a:p>
-                      <a:pPr algn="ctr"/>
-                      <a:endParaRPr lang="zh-CN" altLang="en-US" u="none" dirty="0"/>
-                    </a:p>
-                  </a:txBody>
-                  <a:tcPr/>
-                </a:tc>
-                <a:extLst>
-                  <a:ext uri="{0D108BD9-81ED-4DB2-BD59-A6C34878D82A}">
-                    <a16:rowId xmlns:a16="http://schemas.microsoft.com/office/drawing/2014/main" val="776674729"/>
-                  </a:ext>
-                </a:extLst>
-              </a:tr>
-              <a:tr h="370840">
-                <a:tc>
-                  <a:txBody>
-                    <a:bodyPr/>
-                    <a:lstStyle/>
-                    <a:p>
-                      <a:pPr algn="ctr"/>
-                      <a:r>
-                        <a:rPr lang="en-US" altLang="zh-CN" b="0" dirty="0"/>
-                        <a:t>GTW</a:t>
-                      </a:r>
-                      <a:endParaRPr lang="zh-CN" altLang="en-US" b="0" dirty="0"/>
-                    </a:p>
-                  </a:txBody>
-                  <a:tcPr/>
-                </a:tc>
-                <a:tc>
-                  <a:txBody>
-                    <a:bodyPr/>
-                    <a:lstStyle/>
-                    <a:p>
-                      <a:pPr algn="ctr"/>
-                      <a:r>
-                        <a:rPr lang="en-US" altLang="zh-CN" u="none" dirty="0"/>
-                        <a:t>- / -</a:t>
-                      </a:r>
-                      <a:endParaRPr lang="zh-CN" altLang="en-US" u="none" dirty="0"/>
-                    </a:p>
-                  </a:txBody>
-                  <a:tcPr/>
-                </a:tc>
-                <a:tc>
-                  <a:txBody>
-                    <a:bodyPr/>
-                    <a:lstStyle/>
-                    <a:p>
-                      <a:pPr algn="ctr"/>
-                      <a:r>
-                        <a:rPr lang="en-US" altLang="zh-CN" u="none" dirty="0"/>
-                        <a:t>- / -</a:t>
-                      </a:r>
-                      <a:endParaRPr lang="zh-CN" altLang="en-US" u="none" dirty="0"/>
-                    </a:p>
-                  </a:txBody>
-                  <a:tcPr/>
-                </a:tc>
-                <a:tc>
-                  <a:txBody>
-                    <a:bodyPr/>
-                    <a:lstStyle/>
-                    <a:p>
-                      <a:pPr algn="ctr"/>
-                      <a:endParaRPr lang="zh-CN" altLang="en-US" u="none" dirty="0"/>
-                    </a:p>
-                  </a:txBody>
-                  <a:tcPr/>
-                </a:tc>
-                <a:tc>
-                  <a:txBody>
-                    <a:bodyPr/>
-                    <a:lstStyle/>
-                    <a:p>
-                      <a:pPr algn="ctr"/>
-                      <a:endParaRPr lang="zh-CN" altLang="en-US" u="none" dirty="0"/>
-                    </a:p>
-                  </a:txBody>
-                  <a:tcPr/>
-                </a:tc>
-                <a:tc>
-                  <a:txBody>
-                    <a:bodyPr/>
-                    <a:lstStyle/>
-                    <a:p>
-                      <a:pPr algn="ctr"/>
-                      <a:endParaRPr lang="zh-CN" altLang="en-US" u="none" dirty="0"/>
-                    </a:p>
-                  </a:txBody>
-                  <a:tcPr/>
-                </a:tc>
-                <a:extLst>
-                  <a:ext uri="{0D108BD9-81ED-4DB2-BD59-A6C34878D82A}">
-                    <a16:rowId xmlns:a16="http://schemas.microsoft.com/office/drawing/2014/main" val="1109670016"/>
-                  </a:ext>
-                </a:extLst>
-              </a:tr>
-              <a:tr h="370840">
-                <a:tc>
-                  <a:txBody>
-                    <a:bodyPr/>
-                    <a:lstStyle/>
-                    <a:p>
-                      <a:pPr algn="ctr"/>
-                      <a:r>
-                        <a:rPr lang="en-US" altLang="zh-CN" b="0" dirty="0"/>
-                        <a:t>TTW</a:t>
-                      </a:r>
-                      <a:endParaRPr lang="zh-CN" altLang="en-US" b="0" dirty="0"/>
-                    </a:p>
-                  </a:txBody>
-                  <a:tcPr/>
-                </a:tc>
-                <a:tc>
-                  <a:txBody>
-                    <a:bodyPr/>
-                    <a:lstStyle/>
-                    <a:p>
-                      <a:pPr algn="ctr"/>
-                      <a:r>
-                        <a:rPr lang="en-US" altLang="zh-CN" u="none" dirty="0"/>
-                        <a:t>1.52 / </a:t>
-                      </a:r>
-                      <a:endParaRPr lang="zh-CN" altLang="en-US" u="none" dirty="0"/>
-                    </a:p>
-                  </a:txBody>
-                  <a:tcPr/>
-                </a:tc>
-                <a:tc>
-                  <a:txBody>
-                    <a:bodyPr/>
-                    <a:lstStyle/>
-                    <a:p>
-                      <a:pPr algn="ctr"/>
-                      <a:r>
-                        <a:rPr lang="en-US" altLang="zh-CN" u="none" dirty="0"/>
-                        <a:t>4.28 / </a:t>
-                      </a:r>
-                      <a:endParaRPr lang="zh-CN" altLang="en-US" u="none" dirty="0"/>
-                    </a:p>
-                  </a:txBody>
-                  <a:tcPr/>
-                </a:tc>
-                <a:tc>
-                  <a:txBody>
-                    <a:bodyPr/>
-                    <a:lstStyle/>
-                    <a:p>
-                      <a:pPr algn="ctr"/>
-                      <a:endParaRPr lang="zh-CN" altLang="en-US" u="none" dirty="0"/>
-                    </a:p>
-                  </a:txBody>
-                  <a:tcPr/>
-                </a:tc>
-                <a:tc>
-                  <a:txBody>
-                    <a:bodyPr/>
-                    <a:lstStyle/>
-                    <a:p>
-                      <a:pPr algn="ctr"/>
-                      <a:endParaRPr lang="zh-CN" altLang="en-US" u="none" dirty="0"/>
-                    </a:p>
-                  </a:txBody>
-                  <a:tcPr/>
-                </a:tc>
-                <a:tc>
-                  <a:txBody>
-                    <a:bodyPr/>
-                    <a:lstStyle/>
-                    <a:p>
-                      <a:pPr algn="ctr"/>
-                      <a:endParaRPr lang="zh-CN" altLang="en-US" u="none" dirty="0"/>
-                    </a:p>
-                  </a:txBody>
-                  <a:tcPr/>
-                </a:tc>
-                <a:extLst>
-                  <a:ext uri="{0D108BD9-81ED-4DB2-BD59-A6C34878D82A}">
-                    <a16:rowId xmlns:a16="http://schemas.microsoft.com/office/drawing/2014/main" val="3414411294"/>
+                    <a16:rowId xmlns:a16="http://schemas.microsoft.com/office/drawing/2014/main" val="994351504"/>
                   </a:ext>
                 </a:extLst>
               </a:tr>
@@ -8052,6 +8190,1596 @@
 </file>
 
 <file path=ppt/slides/slide5.xml><?xml version="1.0" encoding="utf-8"?>
+<p:sld xmlns:a="http://schemas.openxmlformats.org/drawingml/2006/main" xmlns:r="http://schemas.openxmlformats.org/officeDocument/2006/relationships" xmlns:p="http://schemas.openxmlformats.org/presentationml/2006/main">
+  <p:cSld>
+    <p:spTree>
+      <p:nvGrpSpPr>
+        <p:cNvPr id="1" name=""/>
+        <p:cNvGrpSpPr/>
+        <p:nvPr/>
+      </p:nvGrpSpPr>
+      <p:grpSpPr>
+        <a:xfrm>
+          <a:off x="0" y="0"/>
+          <a:ext cx="0" cy="0"/>
+          <a:chOff x="0" y="0"/>
+          <a:chExt cx="0" cy="0"/>
+        </a:xfrm>
+      </p:grpSpPr>
+      <p:sp>
+        <p:nvSpPr>
+          <p:cNvPr id="55" name="文本框 54">
+            <a:extLst>
+              <a:ext uri="{FF2B5EF4-FFF2-40B4-BE49-F238E27FC236}">
+                <a16:creationId xmlns:a16="http://schemas.microsoft.com/office/drawing/2014/main" id="{32A2BE86-86A6-F1FC-83EE-91A826B532E5}"/>
+              </a:ext>
+            </a:extLst>
+          </p:cNvPr>
+          <p:cNvSpPr txBox="1"/>
+          <p:nvPr/>
+        </p:nvSpPr>
+        <p:spPr>
+          <a:xfrm>
+            <a:off x="609600" y="106251"/>
+            <a:ext cx="4584920" cy="461665"/>
+          </a:xfrm>
+          <a:prstGeom prst="rect">
+            <a:avLst/>
+          </a:prstGeom>
+          <a:noFill/>
+        </p:spPr>
+        <p:txBody>
+          <a:bodyPr wrap="square" rtlCol="0">
+            <a:spAutoFit/>
+          </a:bodyPr>
+          <a:lstStyle>
+            <a:defPPr>
+              <a:defRPr lang="zh-CN"/>
+            </a:defPPr>
+            <a:lvl1pPr>
+              <a:defRPr sz="2400">
+                <a:latin typeface="Consolas" panose="020B0609020204030204" pitchFamily="49" charset="0"/>
+                <a:cs typeface="Times New Roman" panose="02020603050405020304" pitchFamily="18" charset="0"/>
+              </a:defRPr>
+            </a:lvl1pPr>
+          </a:lstStyle>
+          <a:p>
+            <a:r>
+              <a:rPr lang="en-US" altLang="zh-CN" dirty="0"/>
+              <a:t>Part_1: </a:t>
+            </a:r>
+            <a:r>
+              <a:rPr lang="en-US" altLang="zh-CN" sz="1400" dirty="0"/>
+              <a:t>Research - Getting Template</a:t>
+            </a:r>
+          </a:p>
+        </p:txBody>
+      </p:sp>
+      <p:graphicFrame>
+        <p:nvGraphicFramePr>
+          <p:cNvPr id="2" name="表格 1">
+            <a:extLst>
+              <a:ext uri="{FF2B5EF4-FFF2-40B4-BE49-F238E27FC236}">
+                <a16:creationId xmlns:a16="http://schemas.microsoft.com/office/drawing/2014/main" id="{AFE1193D-C098-489C-9107-B3F82B55CD51}"/>
+              </a:ext>
+            </a:extLst>
+          </p:cNvPr>
+          <p:cNvGraphicFramePr>
+            <a:graphicFrameLocks noGrp="1"/>
+          </p:cNvGraphicFramePr>
+          <p:nvPr>
+            <p:extLst>
+              <p:ext uri="{D42A27DB-BD31-4B8C-83A1-F6EECF244321}">
+                <p14:modId xmlns:p14="http://schemas.microsoft.com/office/powerpoint/2010/main" val="3717917850"/>
+              </p:ext>
+            </p:extLst>
+          </p:nvPr>
+        </p:nvGraphicFramePr>
+        <p:xfrm>
+          <a:off x="2258646" y="1037247"/>
+          <a:ext cx="7630301" cy="1483360"/>
+        </p:xfrm>
+        <a:graphic>
+          <a:graphicData uri="http://schemas.openxmlformats.org/drawingml/2006/table">
+            <a:tbl>
+              <a:tblPr firstRow="1" bandRow="1">
+                <a:tableStyleId>{5C22544A-7EE6-4342-B048-85BDC9FD1C3A}</a:tableStyleId>
+              </a:tblPr>
+              <a:tblGrid>
+                <a:gridCol w="2064067">
+                  <a:extLst>
+                    <a:ext uri="{9D8B030D-6E8A-4147-A177-3AD203B41FA5}">
+                      <a16:colId xmlns:a16="http://schemas.microsoft.com/office/drawing/2014/main" val="2721979233"/>
+                    </a:ext>
+                  </a:extLst>
+                </a:gridCol>
+                <a:gridCol w="1938655">
+                  <a:extLst>
+                    <a:ext uri="{9D8B030D-6E8A-4147-A177-3AD203B41FA5}">
+                      <a16:colId xmlns:a16="http://schemas.microsoft.com/office/drawing/2014/main" val="2312742956"/>
+                    </a:ext>
+                  </a:extLst>
+                </a:gridCol>
+                <a:gridCol w="1813243">
+                  <a:extLst>
+                    <a:ext uri="{9D8B030D-6E8A-4147-A177-3AD203B41FA5}">
+                      <a16:colId xmlns:a16="http://schemas.microsoft.com/office/drawing/2014/main" val="3887092843"/>
+                    </a:ext>
+                  </a:extLst>
+                </a:gridCol>
+                <a:gridCol w="1814336">
+                  <a:extLst>
+                    <a:ext uri="{9D8B030D-6E8A-4147-A177-3AD203B41FA5}">
+                      <a16:colId xmlns:a16="http://schemas.microsoft.com/office/drawing/2014/main" val="68501977"/>
+                    </a:ext>
+                  </a:extLst>
+                </a:gridCol>
+              </a:tblGrid>
+              <a:tr h="370840">
+                <a:tc>
+                  <a:txBody>
+                    <a:bodyPr/>
+                    <a:lstStyle/>
+                    <a:p>
+                      <a:pPr algn="ctr"/>
+                      <a:r>
+                        <a:rPr lang="en-US" altLang="zh-CN" dirty="0"/>
+                        <a:t>Model</a:t>
+                      </a:r>
+                      <a:endParaRPr lang="zh-CN" altLang="en-US" dirty="0"/>
+                    </a:p>
+                  </a:txBody>
+                  <a:tcPr/>
+                </a:tc>
+                <a:tc>
+                  <a:txBody>
+                    <a:bodyPr/>
+                    <a:lstStyle/>
+                    <a:p>
+                      <a:pPr algn="ctr"/>
+                      <a:r>
+                        <a:rPr lang="en-US" altLang="zh-CN" dirty="0"/>
+                        <a:t>Sampling rate</a:t>
+                      </a:r>
+                      <a:endParaRPr lang="zh-CN" altLang="en-US" dirty="0"/>
+                    </a:p>
+                  </a:txBody>
+                  <a:tcPr/>
+                </a:tc>
+                <a:tc>
+                  <a:txBody>
+                    <a:bodyPr/>
+                    <a:lstStyle/>
+                    <a:p>
+                      <a:pPr algn="ctr"/>
+                      <a:r>
+                        <a:rPr lang="en-US" altLang="zh-CN" dirty="0"/>
+                        <a:t>S Prediction</a:t>
+                      </a:r>
+                      <a:endParaRPr lang="zh-CN" altLang="en-US" dirty="0"/>
+                    </a:p>
+                  </a:txBody>
+                  <a:tcPr/>
+                </a:tc>
+                <a:tc>
+                  <a:txBody>
+                    <a:bodyPr/>
+                    <a:lstStyle/>
+                    <a:p>
+                      <a:pPr algn="ctr"/>
+                      <a:r>
+                        <a:rPr lang="en-US" altLang="zh-CN" dirty="0"/>
+                        <a:t>D Prediction</a:t>
+                      </a:r>
+                      <a:endParaRPr lang="zh-CN" altLang="en-US" dirty="0"/>
+                    </a:p>
+                  </a:txBody>
+                  <a:tcPr/>
+                </a:tc>
+                <a:extLst>
+                  <a:ext uri="{0D108BD9-81ED-4DB2-BD59-A6C34878D82A}">
+                    <a16:rowId xmlns:a16="http://schemas.microsoft.com/office/drawing/2014/main" val="3312699029"/>
+                  </a:ext>
+                </a:extLst>
+              </a:tr>
+              <a:tr h="370840">
+                <a:tc>
+                  <a:txBody>
+                    <a:bodyPr/>
+                    <a:lstStyle/>
+                    <a:p>
+                      <a:pPr algn="ctr"/>
+                      <a:r>
+                        <a:rPr lang="en-US" altLang="zh-CN" dirty="0"/>
+                        <a:t>Template: Mean</a:t>
+                      </a:r>
+                    </a:p>
+                  </a:txBody>
+                  <a:tcPr/>
+                </a:tc>
+                <a:tc>
+                  <a:txBody>
+                    <a:bodyPr/>
+                    <a:lstStyle/>
+                    <a:p>
+                      <a:pPr marL="0" marR="0" lvl="0" indent="0" algn="ctr" defTabSz="914400" rtl="0" eaLnBrk="1" fontAlgn="auto" latinLnBrk="0" hangingPunct="1">
+                        <a:lnSpc>
+                          <a:spcPct val="100000"/>
+                        </a:lnSpc>
+                        <a:spcBef>
+                          <a:spcPts val="0"/>
+                        </a:spcBef>
+                        <a:spcAft>
+                          <a:spcPts val="0"/>
+                        </a:spcAft>
+                        <a:buClrTx/>
+                        <a:buSzTx/>
+                        <a:buFontTx/>
+                        <a:buNone/>
+                        <a:tabLst/>
+                        <a:defRPr/>
+                      </a:pPr>
+                      <a:r>
+                        <a:rPr lang="en-US" altLang="zh-CN" dirty="0"/>
+                        <a:t>100</a:t>
+                      </a:r>
+                      <a:endParaRPr lang="zh-CN" altLang="en-US" dirty="0"/>
+                    </a:p>
+                  </a:txBody>
+                  <a:tcPr/>
+                </a:tc>
+                <a:tc>
+                  <a:txBody>
+                    <a:bodyPr/>
+                    <a:lstStyle/>
+                    <a:p>
+                      <a:pPr marL="0" marR="0" lvl="0" indent="0" algn="ctr" defTabSz="914400" rtl="0" eaLnBrk="1" fontAlgn="auto" latinLnBrk="0" hangingPunct="1">
+                        <a:lnSpc>
+                          <a:spcPct val="100000"/>
+                        </a:lnSpc>
+                        <a:spcBef>
+                          <a:spcPts val="0"/>
+                        </a:spcBef>
+                        <a:spcAft>
+                          <a:spcPts val="0"/>
+                        </a:spcAft>
+                        <a:buClrTx/>
+                        <a:buSzTx/>
+                        <a:buFontTx/>
+                        <a:buNone/>
+                        <a:tabLst/>
+                        <a:defRPr/>
+                      </a:pPr>
+                      <a:r>
+                        <a:rPr lang="en-US" altLang="zh-CN" dirty="0"/>
+                        <a:t>1.35</a:t>
+                      </a:r>
+                      <a:endParaRPr lang="zh-CN" altLang="en-US" dirty="0"/>
+                    </a:p>
+                  </a:txBody>
+                  <a:tcPr/>
+                </a:tc>
+                <a:tc>
+                  <a:txBody>
+                    <a:bodyPr/>
+                    <a:lstStyle/>
+                    <a:p>
+                      <a:pPr marL="0" marR="0" lvl="0" indent="0" algn="ctr" defTabSz="914400" rtl="0" eaLnBrk="1" fontAlgn="auto" latinLnBrk="0" hangingPunct="1">
+                        <a:lnSpc>
+                          <a:spcPct val="100000"/>
+                        </a:lnSpc>
+                        <a:spcBef>
+                          <a:spcPts val="0"/>
+                        </a:spcBef>
+                        <a:spcAft>
+                          <a:spcPts val="0"/>
+                        </a:spcAft>
+                        <a:buClrTx/>
+                        <a:buSzTx/>
+                        <a:buFontTx/>
+                        <a:buNone/>
+                        <a:tabLst/>
+                        <a:defRPr/>
+                      </a:pPr>
+                      <a:r>
+                        <a:rPr lang="en-US" altLang="zh-CN" dirty="0"/>
+                        <a:t>4.53</a:t>
+                      </a:r>
+                      <a:endParaRPr lang="zh-CN" altLang="en-US" dirty="0"/>
+                    </a:p>
+                  </a:txBody>
+                  <a:tcPr/>
+                </a:tc>
+                <a:extLst>
+                  <a:ext uri="{0D108BD9-81ED-4DB2-BD59-A6C34878D82A}">
+                    <a16:rowId xmlns:a16="http://schemas.microsoft.com/office/drawing/2014/main" val="213170710"/>
+                  </a:ext>
+                </a:extLst>
+              </a:tr>
+              <a:tr h="370840">
+                <a:tc>
+                  <a:txBody>
+                    <a:bodyPr/>
+                    <a:lstStyle/>
+                    <a:p>
+                      <a:pPr algn="ctr"/>
+                      <a:r>
+                        <a:rPr lang="en-US" altLang="zh-CN" dirty="0"/>
+                        <a:t>Template: Mean</a:t>
+                      </a:r>
+                    </a:p>
+                  </a:txBody>
+                  <a:tcPr/>
+                </a:tc>
+                <a:tc>
+                  <a:txBody>
+                    <a:bodyPr/>
+                    <a:lstStyle/>
+                    <a:p>
+                      <a:pPr algn="ctr"/>
+                      <a:r>
+                        <a:rPr lang="en-US" altLang="zh-CN" dirty="0"/>
+                        <a:t>150</a:t>
+                      </a:r>
+                      <a:endParaRPr lang="zh-CN" altLang="en-US" dirty="0"/>
+                    </a:p>
+                  </a:txBody>
+                  <a:tcPr/>
+                </a:tc>
+                <a:tc>
+                  <a:txBody>
+                    <a:bodyPr/>
+                    <a:lstStyle/>
+                    <a:p>
+                      <a:pPr algn="ctr"/>
+                      <a:r>
+                        <a:rPr lang="en-US" altLang="zh-CN" dirty="0"/>
+                        <a:t>0.92 </a:t>
+                      </a:r>
+                      <a:endParaRPr lang="zh-CN" altLang="en-US" dirty="0"/>
+                    </a:p>
+                  </a:txBody>
+                  <a:tcPr/>
+                </a:tc>
+                <a:tc>
+                  <a:txBody>
+                    <a:bodyPr/>
+                    <a:lstStyle/>
+                    <a:p>
+                      <a:pPr marL="0" marR="0" lvl="0" indent="0" algn="ctr" defTabSz="914400" rtl="0" eaLnBrk="1" fontAlgn="auto" latinLnBrk="0" hangingPunct="1">
+                        <a:lnSpc>
+                          <a:spcPct val="100000"/>
+                        </a:lnSpc>
+                        <a:spcBef>
+                          <a:spcPts val="0"/>
+                        </a:spcBef>
+                        <a:spcAft>
+                          <a:spcPts val="0"/>
+                        </a:spcAft>
+                        <a:buClrTx/>
+                        <a:buSzTx/>
+                        <a:buFontTx/>
+                        <a:buNone/>
+                        <a:tabLst/>
+                        <a:defRPr/>
+                      </a:pPr>
+                      <a:r>
+                        <a:rPr lang="en-US" altLang="zh-CN" dirty="0"/>
+                        <a:t>2.36</a:t>
+                      </a:r>
+                      <a:endParaRPr lang="zh-CN" altLang="en-US" dirty="0"/>
+                    </a:p>
+                  </a:txBody>
+                  <a:tcPr/>
+                </a:tc>
+                <a:extLst>
+                  <a:ext uri="{0D108BD9-81ED-4DB2-BD59-A6C34878D82A}">
+                    <a16:rowId xmlns:a16="http://schemas.microsoft.com/office/drawing/2014/main" val="26936941"/>
+                  </a:ext>
+                </a:extLst>
+              </a:tr>
+              <a:tr h="370840">
+                <a:tc>
+                  <a:txBody>
+                    <a:bodyPr/>
+                    <a:lstStyle/>
+                    <a:p>
+                      <a:pPr algn="ctr"/>
+                      <a:r>
+                        <a:rPr lang="en-US" altLang="zh-CN" dirty="0"/>
+                        <a:t>Template: Mean</a:t>
+                      </a:r>
+                    </a:p>
+                  </a:txBody>
+                  <a:tcPr/>
+                </a:tc>
+                <a:tc>
+                  <a:txBody>
+                    <a:bodyPr/>
+                    <a:lstStyle/>
+                    <a:p>
+                      <a:pPr algn="ctr"/>
+                      <a:r>
+                        <a:rPr lang="en-US" altLang="zh-CN" dirty="0"/>
+                        <a:t>200</a:t>
+                      </a:r>
+                      <a:endParaRPr lang="zh-CN" altLang="en-US" dirty="0"/>
+                    </a:p>
+                  </a:txBody>
+                  <a:tcPr/>
+                </a:tc>
+                <a:tc>
+                  <a:txBody>
+                    <a:bodyPr/>
+                    <a:lstStyle/>
+                    <a:p>
+                      <a:pPr algn="ctr"/>
+                      <a:r>
+                        <a:rPr lang="en-US" altLang="zh-CN" dirty="0"/>
+                        <a:t>0.65</a:t>
+                      </a:r>
+                      <a:endParaRPr lang="zh-CN" altLang="en-US" dirty="0"/>
+                    </a:p>
+                  </a:txBody>
+                  <a:tcPr/>
+                </a:tc>
+                <a:tc>
+                  <a:txBody>
+                    <a:bodyPr/>
+                    <a:lstStyle/>
+                    <a:p>
+                      <a:pPr algn="ctr"/>
+                      <a:r>
+                        <a:rPr lang="en-US" altLang="zh-CN" dirty="0"/>
+                        <a:t>1.75</a:t>
+                      </a:r>
+                      <a:endParaRPr lang="zh-CN" altLang="en-US" dirty="0"/>
+                    </a:p>
+                  </a:txBody>
+                  <a:tcPr/>
+                </a:tc>
+                <a:extLst>
+                  <a:ext uri="{0D108BD9-81ED-4DB2-BD59-A6C34878D82A}">
+                    <a16:rowId xmlns:a16="http://schemas.microsoft.com/office/drawing/2014/main" val="1684763513"/>
+                  </a:ext>
+                </a:extLst>
+              </a:tr>
+            </a:tbl>
+          </a:graphicData>
+        </a:graphic>
+      </p:graphicFrame>
+    </p:spTree>
+    <p:extLst>
+      <p:ext uri="{BB962C8B-B14F-4D97-AF65-F5344CB8AC3E}">
+        <p14:creationId xmlns:p14="http://schemas.microsoft.com/office/powerpoint/2010/main" val="989924135"/>
+      </p:ext>
+    </p:extLst>
+  </p:cSld>
+  <p:clrMapOvr>
+    <a:masterClrMapping/>
+  </p:clrMapOvr>
+</p:sld>
+</file>
+
+<file path=ppt/slides/slide6.xml><?xml version="1.0" encoding="utf-8"?>
+<p:sld xmlns:a="http://schemas.openxmlformats.org/drawingml/2006/main" xmlns:r="http://schemas.openxmlformats.org/officeDocument/2006/relationships" xmlns:p="http://schemas.openxmlformats.org/presentationml/2006/main">
+  <p:cSld>
+    <p:spTree>
+      <p:nvGrpSpPr>
+        <p:cNvPr id="1" name=""/>
+        <p:cNvGrpSpPr/>
+        <p:nvPr/>
+      </p:nvGrpSpPr>
+      <p:grpSpPr>
+        <a:xfrm>
+          <a:off x="0" y="0"/>
+          <a:ext cx="0" cy="0"/>
+          <a:chOff x="0" y="0"/>
+          <a:chExt cx="0" cy="0"/>
+        </a:xfrm>
+      </p:grpSpPr>
+      <p:sp>
+        <p:nvSpPr>
+          <p:cNvPr id="3" name="文本框 2">
+            <a:extLst>
+              <a:ext uri="{FF2B5EF4-FFF2-40B4-BE49-F238E27FC236}">
+                <a16:creationId xmlns:a16="http://schemas.microsoft.com/office/drawing/2014/main" id="{7AE48ACF-556B-341C-B600-0C8B9E70A747}"/>
+              </a:ext>
+            </a:extLst>
+          </p:cNvPr>
+          <p:cNvSpPr txBox="1"/>
+          <p:nvPr/>
+        </p:nvSpPr>
+        <p:spPr>
+          <a:xfrm>
+            <a:off x="3795484" y="2278742"/>
+            <a:ext cx="2772227" cy="369332"/>
+          </a:xfrm>
+          <a:prstGeom prst="rect">
+            <a:avLst/>
+          </a:prstGeom>
+          <a:noFill/>
+        </p:spPr>
+        <p:txBody>
+          <a:bodyPr wrap="square" rtlCol="0">
+            <a:spAutoFit/>
+          </a:bodyPr>
+          <a:lstStyle/>
+          <a:p>
+            <a:pPr algn="ctr"/>
+            <a:r>
+              <a:rPr lang="en-US" altLang="zh-CN" dirty="0"/>
+              <a:t>Time</a:t>
+            </a:r>
+            <a:r>
+              <a:rPr lang="zh-CN" altLang="en-US" dirty="0"/>
+              <a:t> </a:t>
+            </a:r>
+            <a:r>
+              <a:rPr lang="en-US" altLang="zh-CN" dirty="0"/>
+              <a:t>Series Average</a:t>
+            </a:r>
+          </a:p>
+        </p:txBody>
+      </p:sp>
+      <p:sp>
+        <p:nvSpPr>
+          <p:cNvPr id="4" name="文本框 3">
+            <a:extLst>
+              <a:ext uri="{FF2B5EF4-FFF2-40B4-BE49-F238E27FC236}">
+                <a16:creationId xmlns:a16="http://schemas.microsoft.com/office/drawing/2014/main" id="{23C11155-8B77-89B0-4860-5971201C7B37}"/>
+              </a:ext>
+            </a:extLst>
+          </p:cNvPr>
+          <p:cNvSpPr txBox="1"/>
+          <p:nvPr/>
+        </p:nvSpPr>
+        <p:spPr>
+          <a:xfrm>
+            <a:off x="7046688" y="1553029"/>
+            <a:ext cx="1386112" cy="369332"/>
+          </a:xfrm>
+          <a:prstGeom prst="rect">
+            <a:avLst/>
+          </a:prstGeom>
+          <a:noFill/>
+        </p:spPr>
+        <p:txBody>
+          <a:bodyPr wrap="square" rtlCol="0">
+            <a:spAutoFit/>
+          </a:bodyPr>
+          <a:lstStyle/>
+          <a:p>
+            <a:pPr algn="ctr"/>
+            <a:r>
+              <a:rPr lang="en-US" altLang="zh-CN" dirty="0"/>
+              <a:t>With DTW</a:t>
+            </a:r>
+          </a:p>
+        </p:txBody>
+      </p:sp>
+      <p:sp>
+        <p:nvSpPr>
+          <p:cNvPr id="5" name="文本框 4">
+            <a:extLst>
+              <a:ext uri="{FF2B5EF4-FFF2-40B4-BE49-F238E27FC236}">
+                <a16:creationId xmlns:a16="http://schemas.microsoft.com/office/drawing/2014/main" id="{A344159D-8B38-52FD-3DE1-CD6A0DE0F5C4}"/>
+              </a:ext>
+            </a:extLst>
+          </p:cNvPr>
+          <p:cNvSpPr txBox="1"/>
+          <p:nvPr/>
+        </p:nvSpPr>
+        <p:spPr>
+          <a:xfrm>
+            <a:off x="7046688" y="3264205"/>
+            <a:ext cx="1669141" cy="369332"/>
+          </a:xfrm>
+          <a:prstGeom prst="rect">
+            <a:avLst/>
+          </a:prstGeom>
+          <a:noFill/>
+        </p:spPr>
+        <p:txBody>
+          <a:bodyPr wrap="square" rtlCol="0">
+            <a:spAutoFit/>
+          </a:bodyPr>
+          <a:lstStyle/>
+          <a:p>
+            <a:r>
+              <a:rPr lang="en-US" altLang="zh-CN" dirty="0"/>
+              <a:t>Without DTW</a:t>
+            </a:r>
+          </a:p>
+        </p:txBody>
+      </p:sp>
+      <p:sp>
+        <p:nvSpPr>
+          <p:cNvPr id="6" name="文本框 5">
+            <a:extLst>
+              <a:ext uri="{FF2B5EF4-FFF2-40B4-BE49-F238E27FC236}">
+                <a16:creationId xmlns:a16="http://schemas.microsoft.com/office/drawing/2014/main" id="{B33DCD26-E91D-E4F2-B98B-6AB3FA4A058B}"/>
+              </a:ext>
+            </a:extLst>
+          </p:cNvPr>
+          <p:cNvSpPr txBox="1"/>
+          <p:nvPr/>
+        </p:nvSpPr>
+        <p:spPr>
+          <a:xfrm>
+            <a:off x="3795485" y="4157504"/>
+            <a:ext cx="2844799" cy="369332"/>
+          </a:xfrm>
+          <a:prstGeom prst="rect">
+            <a:avLst/>
+          </a:prstGeom>
+          <a:noFill/>
+        </p:spPr>
+        <p:txBody>
+          <a:bodyPr wrap="square" rtlCol="0">
+            <a:spAutoFit/>
+          </a:bodyPr>
+          <a:lstStyle/>
+          <a:p>
+            <a:pPr algn="ctr"/>
+            <a:r>
+              <a:rPr lang="en-US" altLang="zh-CN" dirty="0"/>
+              <a:t>Multi-Sensors Fusion</a:t>
+            </a:r>
+          </a:p>
+        </p:txBody>
+      </p:sp>
+      <p:sp>
+        <p:nvSpPr>
+          <p:cNvPr id="7" name="文本框 6">
+            <a:extLst>
+              <a:ext uri="{FF2B5EF4-FFF2-40B4-BE49-F238E27FC236}">
+                <a16:creationId xmlns:a16="http://schemas.microsoft.com/office/drawing/2014/main" id="{627C9CC3-07EB-4FC8-509C-A038444D1C2C}"/>
+              </a:ext>
+            </a:extLst>
+          </p:cNvPr>
+          <p:cNvSpPr txBox="1"/>
+          <p:nvPr/>
+        </p:nvSpPr>
+        <p:spPr>
+          <a:xfrm>
+            <a:off x="3795485" y="5666934"/>
+            <a:ext cx="2474684" cy="369332"/>
+          </a:xfrm>
+          <a:prstGeom prst="rect">
+            <a:avLst/>
+          </a:prstGeom>
+          <a:noFill/>
+        </p:spPr>
+        <p:txBody>
+          <a:bodyPr wrap="square" rtlCol="0">
+            <a:spAutoFit/>
+          </a:bodyPr>
+          <a:lstStyle/>
+          <a:p>
+            <a:pPr algn="ctr"/>
+            <a:r>
+              <a:rPr lang="en-US" altLang="zh-CN" dirty="0"/>
+              <a:t>Generative Model</a:t>
+            </a:r>
+          </a:p>
+        </p:txBody>
+      </p:sp>
+      <p:sp>
+        <p:nvSpPr>
+          <p:cNvPr id="8" name="文本框 7">
+            <a:extLst>
+              <a:ext uri="{FF2B5EF4-FFF2-40B4-BE49-F238E27FC236}">
+                <a16:creationId xmlns:a16="http://schemas.microsoft.com/office/drawing/2014/main" id="{07F892A6-C949-4EAD-290A-F277A46A8AFE}"/>
+              </a:ext>
+            </a:extLst>
+          </p:cNvPr>
+          <p:cNvSpPr txBox="1"/>
+          <p:nvPr/>
+        </p:nvSpPr>
+        <p:spPr>
+          <a:xfrm>
+            <a:off x="152398" y="3232666"/>
+            <a:ext cx="2910114" cy="646331"/>
+          </a:xfrm>
+          <a:prstGeom prst="rect">
+            <a:avLst/>
+          </a:prstGeom>
+          <a:noFill/>
+        </p:spPr>
+        <p:txBody>
+          <a:bodyPr wrap="square" rtlCol="0">
+            <a:spAutoFit/>
+          </a:bodyPr>
+          <a:lstStyle/>
+          <a:p>
+            <a:pPr algn="ctr"/>
+            <a:r>
+              <a:rPr lang="en-US" altLang="zh-CN" b="1" dirty="0"/>
+              <a:t>Phototype4Regression</a:t>
+            </a:r>
+          </a:p>
+          <a:p>
+            <a:pPr algn="ctr"/>
+            <a:r>
+              <a:rPr lang="en-US" altLang="zh-CN" b="1" dirty="0"/>
+              <a:t>Template4Regression</a:t>
+            </a:r>
+            <a:endParaRPr lang="zh-CN" altLang="en-US" b="1" dirty="0"/>
+          </a:p>
+        </p:txBody>
+      </p:sp>
+      <p:cxnSp>
+        <p:nvCxnSpPr>
+          <p:cNvPr id="10" name="连接符: 曲线 9">
+            <a:extLst>
+              <a:ext uri="{FF2B5EF4-FFF2-40B4-BE49-F238E27FC236}">
+                <a16:creationId xmlns:a16="http://schemas.microsoft.com/office/drawing/2014/main" id="{BCBEFD10-90E2-F646-13B0-CF0C03462D0A}"/>
+              </a:ext>
+            </a:extLst>
+          </p:cNvPr>
+          <p:cNvCxnSpPr>
+            <a:cxnSpLocks/>
+            <a:stCxn id="8" idx="3"/>
+            <a:endCxn id="3" idx="1"/>
+          </p:cNvCxnSpPr>
+          <p:nvPr/>
+        </p:nvCxnSpPr>
+        <p:spPr>
+          <a:xfrm flipV="1">
+            <a:off x="3062512" y="2463408"/>
+            <a:ext cx="732972" cy="1092424"/>
+          </a:xfrm>
+          <a:prstGeom prst="curvedConnector3">
+            <a:avLst/>
+          </a:prstGeom>
+          <a:ln w="19050">
+            <a:solidFill>
+              <a:srgbClr val="172C51"/>
+            </a:solidFill>
+            <a:tailEnd type="triangle"/>
+          </a:ln>
+        </p:spPr>
+        <p:style>
+          <a:lnRef idx="1">
+            <a:schemeClr val="accent1"/>
+          </a:lnRef>
+          <a:fillRef idx="0">
+            <a:schemeClr val="accent1"/>
+          </a:fillRef>
+          <a:effectRef idx="0">
+            <a:schemeClr val="accent1"/>
+          </a:effectRef>
+          <a:fontRef idx="minor">
+            <a:schemeClr val="tx1"/>
+          </a:fontRef>
+        </p:style>
+      </p:cxnSp>
+      <p:cxnSp>
+        <p:nvCxnSpPr>
+          <p:cNvPr id="12" name="连接符: 曲线 11">
+            <a:extLst>
+              <a:ext uri="{FF2B5EF4-FFF2-40B4-BE49-F238E27FC236}">
+                <a16:creationId xmlns:a16="http://schemas.microsoft.com/office/drawing/2014/main" id="{AA76E07A-D92D-8318-0FA0-5D7478166006}"/>
+              </a:ext>
+            </a:extLst>
+          </p:cNvPr>
+          <p:cNvCxnSpPr>
+            <a:cxnSpLocks/>
+            <a:stCxn id="8" idx="3"/>
+            <a:endCxn id="6" idx="1"/>
+          </p:cNvCxnSpPr>
+          <p:nvPr/>
+        </p:nvCxnSpPr>
+        <p:spPr>
+          <a:xfrm>
+            <a:off x="3062512" y="3555832"/>
+            <a:ext cx="732973" cy="786338"/>
+          </a:xfrm>
+          <a:prstGeom prst="curvedConnector3">
+            <a:avLst>
+              <a:gd name="adj1" fmla="val 50000"/>
+            </a:avLst>
+          </a:prstGeom>
+          <a:ln w="19050">
+            <a:solidFill>
+              <a:srgbClr val="172C51"/>
+            </a:solidFill>
+            <a:tailEnd type="triangle"/>
+          </a:ln>
+        </p:spPr>
+        <p:style>
+          <a:lnRef idx="1">
+            <a:schemeClr val="accent1"/>
+          </a:lnRef>
+          <a:fillRef idx="0">
+            <a:schemeClr val="accent1"/>
+          </a:fillRef>
+          <a:effectRef idx="0">
+            <a:schemeClr val="accent1"/>
+          </a:effectRef>
+          <a:fontRef idx="minor">
+            <a:schemeClr val="tx1"/>
+          </a:fontRef>
+        </p:style>
+      </p:cxnSp>
+      <p:cxnSp>
+        <p:nvCxnSpPr>
+          <p:cNvPr id="14" name="连接符: 曲线 13">
+            <a:extLst>
+              <a:ext uri="{FF2B5EF4-FFF2-40B4-BE49-F238E27FC236}">
+                <a16:creationId xmlns:a16="http://schemas.microsoft.com/office/drawing/2014/main" id="{85DC7965-0BE9-E7D3-5306-05A2290CBE13}"/>
+              </a:ext>
+            </a:extLst>
+          </p:cNvPr>
+          <p:cNvCxnSpPr>
+            <a:cxnSpLocks/>
+            <a:stCxn id="8" idx="3"/>
+            <a:endCxn id="7" idx="1"/>
+          </p:cNvCxnSpPr>
+          <p:nvPr/>
+        </p:nvCxnSpPr>
+        <p:spPr>
+          <a:xfrm>
+            <a:off x="3062512" y="3555832"/>
+            <a:ext cx="732973" cy="2295768"/>
+          </a:xfrm>
+          <a:prstGeom prst="curvedConnector3">
+            <a:avLst>
+              <a:gd name="adj1" fmla="val 50000"/>
+            </a:avLst>
+          </a:prstGeom>
+          <a:ln w="19050">
+            <a:solidFill>
+              <a:srgbClr val="172C51"/>
+            </a:solidFill>
+            <a:tailEnd type="triangle"/>
+          </a:ln>
+        </p:spPr>
+        <p:style>
+          <a:lnRef idx="1">
+            <a:schemeClr val="accent1"/>
+          </a:lnRef>
+          <a:fillRef idx="0">
+            <a:schemeClr val="accent1"/>
+          </a:fillRef>
+          <a:effectRef idx="0">
+            <a:schemeClr val="accent1"/>
+          </a:effectRef>
+          <a:fontRef idx="minor">
+            <a:schemeClr val="tx1"/>
+          </a:fontRef>
+        </p:style>
+      </p:cxnSp>
+      <p:cxnSp>
+        <p:nvCxnSpPr>
+          <p:cNvPr id="22" name="连接符: 曲线 21">
+            <a:extLst>
+              <a:ext uri="{FF2B5EF4-FFF2-40B4-BE49-F238E27FC236}">
+                <a16:creationId xmlns:a16="http://schemas.microsoft.com/office/drawing/2014/main" id="{8F56AF67-381C-5E88-6126-D17E8A477C43}"/>
+              </a:ext>
+            </a:extLst>
+          </p:cNvPr>
+          <p:cNvCxnSpPr>
+            <a:cxnSpLocks/>
+            <a:stCxn id="3" idx="3"/>
+            <a:endCxn id="4" idx="1"/>
+          </p:cNvCxnSpPr>
+          <p:nvPr/>
+        </p:nvCxnSpPr>
+        <p:spPr>
+          <a:xfrm flipV="1">
+            <a:off x="6567711" y="1737695"/>
+            <a:ext cx="478977" cy="725713"/>
+          </a:xfrm>
+          <a:prstGeom prst="curvedConnector3">
+            <a:avLst>
+              <a:gd name="adj1" fmla="val 50000"/>
+            </a:avLst>
+          </a:prstGeom>
+          <a:ln w="19050">
+            <a:solidFill>
+              <a:srgbClr val="172C51"/>
+            </a:solidFill>
+            <a:tailEnd type="triangle"/>
+          </a:ln>
+        </p:spPr>
+        <p:style>
+          <a:lnRef idx="1">
+            <a:schemeClr val="accent1"/>
+          </a:lnRef>
+          <a:fillRef idx="0">
+            <a:schemeClr val="accent1"/>
+          </a:fillRef>
+          <a:effectRef idx="0">
+            <a:schemeClr val="accent1"/>
+          </a:effectRef>
+          <a:fontRef idx="minor">
+            <a:schemeClr val="tx1"/>
+          </a:fontRef>
+        </p:style>
+      </p:cxnSp>
+      <p:cxnSp>
+        <p:nvCxnSpPr>
+          <p:cNvPr id="24" name="连接符: 曲线 23">
+            <a:extLst>
+              <a:ext uri="{FF2B5EF4-FFF2-40B4-BE49-F238E27FC236}">
+                <a16:creationId xmlns:a16="http://schemas.microsoft.com/office/drawing/2014/main" id="{69492347-795A-33CB-63C4-62F3E0E1D680}"/>
+              </a:ext>
+            </a:extLst>
+          </p:cNvPr>
+          <p:cNvCxnSpPr>
+            <a:cxnSpLocks/>
+            <a:stCxn id="3" idx="3"/>
+            <a:endCxn id="5" idx="1"/>
+          </p:cNvCxnSpPr>
+          <p:nvPr/>
+        </p:nvCxnSpPr>
+        <p:spPr>
+          <a:xfrm>
+            <a:off x="6567711" y="2463408"/>
+            <a:ext cx="478977" cy="985463"/>
+          </a:xfrm>
+          <a:prstGeom prst="curvedConnector3">
+            <a:avLst/>
+          </a:prstGeom>
+          <a:ln w="19050">
+            <a:solidFill>
+              <a:srgbClr val="172C51"/>
+            </a:solidFill>
+            <a:tailEnd type="triangle"/>
+          </a:ln>
+        </p:spPr>
+        <p:style>
+          <a:lnRef idx="1">
+            <a:schemeClr val="accent1"/>
+          </a:lnRef>
+          <a:fillRef idx="0">
+            <a:schemeClr val="accent1"/>
+          </a:fillRef>
+          <a:effectRef idx="0">
+            <a:schemeClr val="accent1"/>
+          </a:effectRef>
+          <a:fontRef idx="minor">
+            <a:schemeClr val="tx1"/>
+          </a:fontRef>
+        </p:style>
+      </p:cxnSp>
+      <p:sp>
+        <p:nvSpPr>
+          <p:cNvPr id="28" name="文本框 27">
+            <a:extLst>
+              <a:ext uri="{FF2B5EF4-FFF2-40B4-BE49-F238E27FC236}">
+                <a16:creationId xmlns:a16="http://schemas.microsoft.com/office/drawing/2014/main" id="{BAE6C22F-A529-E9A6-051A-DD0B22D60A88}"/>
+              </a:ext>
+            </a:extLst>
+          </p:cNvPr>
+          <p:cNvSpPr txBox="1"/>
+          <p:nvPr/>
+        </p:nvSpPr>
+        <p:spPr>
+          <a:xfrm>
+            <a:off x="9318173" y="482186"/>
+            <a:ext cx="2198914" cy="369332"/>
+          </a:xfrm>
+          <a:prstGeom prst="rect">
+            <a:avLst/>
+          </a:prstGeom>
+          <a:noFill/>
+        </p:spPr>
+        <p:txBody>
+          <a:bodyPr wrap="square" rtlCol="0">
+            <a:spAutoFit/>
+          </a:bodyPr>
+          <a:lstStyle/>
+          <a:p>
+            <a:r>
+              <a:rPr lang="en-US" altLang="zh-CN" dirty="0"/>
+              <a:t>Before 2018</a:t>
+            </a:r>
+          </a:p>
+        </p:txBody>
+      </p:sp>
+      <p:sp>
+        <p:nvSpPr>
+          <p:cNvPr id="29" name="文本框 28">
+            <a:extLst>
+              <a:ext uri="{FF2B5EF4-FFF2-40B4-BE49-F238E27FC236}">
+                <a16:creationId xmlns:a16="http://schemas.microsoft.com/office/drawing/2014/main" id="{95901F1B-1B6A-DEC3-D41E-F16DF753C424}"/>
+              </a:ext>
+            </a:extLst>
+          </p:cNvPr>
+          <p:cNvSpPr txBox="1"/>
+          <p:nvPr/>
+        </p:nvSpPr>
+        <p:spPr>
+          <a:xfrm>
+            <a:off x="9318173" y="1543149"/>
+            <a:ext cx="1516743" cy="369332"/>
+          </a:xfrm>
+          <a:prstGeom prst="rect">
+            <a:avLst/>
+          </a:prstGeom>
+          <a:noFill/>
+        </p:spPr>
+        <p:txBody>
+          <a:bodyPr wrap="square" rtlCol="0">
+            <a:spAutoFit/>
+          </a:bodyPr>
+          <a:lstStyle/>
+          <a:p>
+            <a:r>
+              <a:rPr lang="en-US" altLang="zh-CN" dirty="0"/>
+              <a:t>In 2018</a:t>
+            </a:r>
+          </a:p>
+        </p:txBody>
+      </p:sp>
+      <p:sp>
+        <p:nvSpPr>
+          <p:cNvPr id="30" name="文本框 29">
+            <a:extLst>
+              <a:ext uri="{FF2B5EF4-FFF2-40B4-BE49-F238E27FC236}">
+                <a16:creationId xmlns:a16="http://schemas.microsoft.com/office/drawing/2014/main" id="{E037A31D-A713-DAC1-0611-CEBF76EF0E39}"/>
+              </a:ext>
+            </a:extLst>
+          </p:cNvPr>
+          <p:cNvSpPr txBox="1"/>
+          <p:nvPr/>
+        </p:nvSpPr>
+        <p:spPr>
+          <a:xfrm>
+            <a:off x="9256485" y="2463408"/>
+            <a:ext cx="2198914" cy="369332"/>
+          </a:xfrm>
+          <a:prstGeom prst="rect">
+            <a:avLst/>
+          </a:prstGeom>
+          <a:noFill/>
+        </p:spPr>
+        <p:txBody>
+          <a:bodyPr wrap="square" rtlCol="0">
+            <a:spAutoFit/>
+          </a:bodyPr>
+          <a:lstStyle/>
+          <a:p>
+            <a:r>
+              <a:rPr lang="en-US" altLang="zh-CN" dirty="0"/>
+              <a:t>After 2018</a:t>
+            </a:r>
+          </a:p>
+        </p:txBody>
+      </p:sp>
+      <p:cxnSp>
+        <p:nvCxnSpPr>
+          <p:cNvPr id="41" name="连接符: 曲线 40">
+            <a:extLst>
+              <a:ext uri="{FF2B5EF4-FFF2-40B4-BE49-F238E27FC236}">
+                <a16:creationId xmlns:a16="http://schemas.microsoft.com/office/drawing/2014/main" id="{E64A6361-DF62-2344-148F-8850A9903270}"/>
+              </a:ext>
+            </a:extLst>
+          </p:cNvPr>
+          <p:cNvCxnSpPr>
+            <a:cxnSpLocks/>
+            <a:stCxn id="4" idx="3"/>
+            <a:endCxn id="28" idx="1"/>
+          </p:cNvCxnSpPr>
+          <p:nvPr/>
+        </p:nvCxnSpPr>
+        <p:spPr>
+          <a:xfrm flipV="1">
+            <a:off x="8432800" y="666852"/>
+            <a:ext cx="885373" cy="1070843"/>
+          </a:xfrm>
+          <a:prstGeom prst="curvedConnector3">
+            <a:avLst>
+              <a:gd name="adj1" fmla="val 36885"/>
+            </a:avLst>
+          </a:prstGeom>
+          <a:ln w="19050">
+            <a:solidFill>
+              <a:srgbClr val="172C51"/>
+            </a:solidFill>
+            <a:tailEnd type="triangle"/>
+          </a:ln>
+        </p:spPr>
+        <p:style>
+          <a:lnRef idx="1">
+            <a:schemeClr val="accent1"/>
+          </a:lnRef>
+          <a:fillRef idx="0">
+            <a:schemeClr val="accent1"/>
+          </a:fillRef>
+          <a:effectRef idx="0">
+            <a:schemeClr val="accent1"/>
+          </a:effectRef>
+          <a:fontRef idx="minor">
+            <a:schemeClr val="tx1"/>
+          </a:fontRef>
+        </p:style>
+      </p:cxnSp>
+      <p:cxnSp>
+        <p:nvCxnSpPr>
+          <p:cNvPr id="42" name="连接符: 曲线 41">
+            <a:extLst>
+              <a:ext uri="{FF2B5EF4-FFF2-40B4-BE49-F238E27FC236}">
+                <a16:creationId xmlns:a16="http://schemas.microsoft.com/office/drawing/2014/main" id="{6B15E572-5A8A-8AD8-9585-BE5411B2825F}"/>
+              </a:ext>
+            </a:extLst>
+          </p:cNvPr>
+          <p:cNvCxnSpPr>
+            <a:cxnSpLocks/>
+            <a:stCxn id="4" idx="3"/>
+            <a:endCxn id="29" idx="1"/>
+          </p:cNvCxnSpPr>
+          <p:nvPr/>
+        </p:nvCxnSpPr>
+        <p:spPr>
+          <a:xfrm flipV="1">
+            <a:off x="8432800" y="1727815"/>
+            <a:ext cx="885373" cy="9880"/>
+          </a:xfrm>
+          <a:prstGeom prst="curvedConnector3">
+            <a:avLst>
+              <a:gd name="adj1" fmla="val 50000"/>
+            </a:avLst>
+          </a:prstGeom>
+          <a:ln w="19050">
+            <a:solidFill>
+              <a:srgbClr val="172C51"/>
+            </a:solidFill>
+            <a:tailEnd type="triangle"/>
+          </a:ln>
+        </p:spPr>
+        <p:style>
+          <a:lnRef idx="1">
+            <a:schemeClr val="accent1"/>
+          </a:lnRef>
+          <a:fillRef idx="0">
+            <a:schemeClr val="accent1"/>
+          </a:fillRef>
+          <a:effectRef idx="0">
+            <a:schemeClr val="accent1"/>
+          </a:effectRef>
+          <a:fontRef idx="minor">
+            <a:schemeClr val="tx1"/>
+          </a:fontRef>
+        </p:style>
+      </p:cxnSp>
+      <p:cxnSp>
+        <p:nvCxnSpPr>
+          <p:cNvPr id="45" name="连接符: 曲线 44">
+            <a:extLst>
+              <a:ext uri="{FF2B5EF4-FFF2-40B4-BE49-F238E27FC236}">
+                <a16:creationId xmlns:a16="http://schemas.microsoft.com/office/drawing/2014/main" id="{F6B71FD2-F51D-B6CD-3DC2-457782D9D093}"/>
+              </a:ext>
+            </a:extLst>
+          </p:cNvPr>
+          <p:cNvCxnSpPr>
+            <a:cxnSpLocks/>
+            <a:stCxn id="4" idx="3"/>
+            <a:endCxn id="30" idx="1"/>
+          </p:cNvCxnSpPr>
+          <p:nvPr/>
+        </p:nvCxnSpPr>
+        <p:spPr>
+          <a:xfrm>
+            <a:off x="8432800" y="1737695"/>
+            <a:ext cx="823685" cy="910379"/>
+          </a:xfrm>
+          <a:prstGeom prst="curvedConnector3">
+            <a:avLst>
+              <a:gd name="adj1" fmla="val 50000"/>
+            </a:avLst>
+          </a:prstGeom>
+          <a:ln w="19050">
+            <a:solidFill>
+              <a:srgbClr val="172C51"/>
+            </a:solidFill>
+            <a:tailEnd type="triangle"/>
+          </a:ln>
+        </p:spPr>
+        <p:style>
+          <a:lnRef idx="1">
+            <a:schemeClr val="accent1"/>
+          </a:lnRef>
+          <a:fillRef idx="0">
+            <a:schemeClr val="accent1"/>
+          </a:fillRef>
+          <a:effectRef idx="0">
+            <a:schemeClr val="accent1"/>
+          </a:effectRef>
+          <a:fontRef idx="minor">
+            <a:schemeClr val="tx1"/>
+          </a:fontRef>
+        </p:style>
+      </p:cxnSp>
+      <p:sp>
+        <p:nvSpPr>
+          <p:cNvPr id="95" name="文本框 94">
+            <a:extLst>
+              <a:ext uri="{FF2B5EF4-FFF2-40B4-BE49-F238E27FC236}">
+                <a16:creationId xmlns:a16="http://schemas.microsoft.com/office/drawing/2014/main" id="{3FCF0453-1A26-7145-BC24-6636C12C3E00}"/>
+              </a:ext>
+            </a:extLst>
+          </p:cNvPr>
+          <p:cNvSpPr txBox="1"/>
+          <p:nvPr/>
+        </p:nvSpPr>
+        <p:spPr>
+          <a:xfrm>
+            <a:off x="7881258" y="5660964"/>
+            <a:ext cx="2474684" cy="369332"/>
+          </a:xfrm>
+          <a:prstGeom prst="rect">
+            <a:avLst/>
+          </a:prstGeom>
+          <a:noFill/>
+        </p:spPr>
+        <p:txBody>
+          <a:bodyPr wrap="square" rtlCol="0">
+            <a:spAutoFit/>
+          </a:bodyPr>
+          <a:lstStyle/>
+          <a:p>
+            <a:r>
+              <a:rPr lang="zh-CN" altLang="en-US" dirty="0"/>
+              <a:t>有零星的论文支撑</a:t>
+            </a:r>
+          </a:p>
+        </p:txBody>
+      </p:sp>
+      <p:sp>
+        <p:nvSpPr>
+          <p:cNvPr id="96" name="箭头: 右 95">
+            <a:extLst>
+              <a:ext uri="{FF2B5EF4-FFF2-40B4-BE49-F238E27FC236}">
+                <a16:creationId xmlns:a16="http://schemas.microsoft.com/office/drawing/2014/main" id="{C7AE85CB-8DC8-677B-36B5-6B3AA9D13264}"/>
+              </a:ext>
+            </a:extLst>
+          </p:cNvPr>
+          <p:cNvSpPr/>
+          <p:nvPr/>
+        </p:nvSpPr>
+        <p:spPr>
+          <a:xfrm rot="10800000">
+            <a:off x="6295572" y="5783944"/>
+            <a:ext cx="1393374" cy="123371"/>
+          </a:xfrm>
+          <a:prstGeom prst="rightArrow">
+            <a:avLst/>
+          </a:prstGeom>
+          <a:noFill/>
+        </p:spPr>
+        <p:style>
+          <a:lnRef idx="2">
+            <a:schemeClr val="accent1">
+              <a:shade val="15000"/>
+            </a:schemeClr>
+          </a:lnRef>
+          <a:fillRef idx="1">
+            <a:schemeClr val="accent1"/>
+          </a:fillRef>
+          <a:effectRef idx="0">
+            <a:schemeClr val="accent1"/>
+          </a:effectRef>
+          <a:fontRef idx="minor">
+            <a:schemeClr val="lt1"/>
+          </a:fontRef>
+        </p:style>
+        <p:txBody>
+          <a:bodyPr rtlCol="0" anchor="ctr"/>
+          <a:lstStyle/>
+          <a:p>
+            <a:pPr algn="ctr"/>
+            <a:endParaRPr lang="zh-CN" altLang="en-US"/>
+          </a:p>
+        </p:txBody>
+      </p:sp>
+      <p:sp>
+        <p:nvSpPr>
+          <p:cNvPr id="97" name="文本框 96">
+            <a:extLst>
+              <a:ext uri="{FF2B5EF4-FFF2-40B4-BE49-F238E27FC236}">
+                <a16:creationId xmlns:a16="http://schemas.microsoft.com/office/drawing/2014/main" id="{BB5C7D92-AF0F-5AFB-A3F8-EA5096C6E7E1}"/>
+              </a:ext>
+            </a:extLst>
+          </p:cNvPr>
+          <p:cNvSpPr txBox="1"/>
+          <p:nvPr/>
+        </p:nvSpPr>
+        <p:spPr>
+          <a:xfrm>
+            <a:off x="8182430" y="4150447"/>
+            <a:ext cx="2474684" cy="369332"/>
+          </a:xfrm>
+          <a:prstGeom prst="rect">
+            <a:avLst/>
+          </a:prstGeom>
+          <a:noFill/>
+        </p:spPr>
+        <p:txBody>
+          <a:bodyPr wrap="square" rtlCol="0">
+            <a:spAutoFit/>
+          </a:bodyPr>
+          <a:lstStyle/>
+          <a:p>
+            <a:r>
+              <a:rPr lang="zh-CN" altLang="en-US" dirty="0"/>
+              <a:t>另一个比较大的领域</a:t>
+            </a:r>
+          </a:p>
+        </p:txBody>
+      </p:sp>
+      <p:sp>
+        <p:nvSpPr>
+          <p:cNvPr id="98" name="箭头: 右 97">
+            <a:extLst>
+              <a:ext uri="{FF2B5EF4-FFF2-40B4-BE49-F238E27FC236}">
+                <a16:creationId xmlns:a16="http://schemas.microsoft.com/office/drawing/2014/main" id="{31223D98-733E-B0CF-B230-1645D9E11D13}"/>
+              </a:ext>
+            </a:extLst>
+          </p:cNvPr>
+          <p:cNvSpPr/>
+          <p:nvPr/>
+        </p:nvSpPr>
+        <p:spPr>
+          <a:xfrm>
+            <a:off x="6640284" y="4280484"/>
+            <a:ext cx="1393374" cy="123371"/>
+          </a:xfrm>
+          <a:prstGeom prst="rightArrow">
+            <a:avLst/>
+          </a:prstGeom>
+          <a:noFill/>
+        </p:spPr>
+        <p:style>
+          <a:lnRef idx="2">
+            <a:schemeClr val="accent1">
+              <a:shade val="15000"/>
+            </a:schemeClr>
+          </a:lnRef>
+          <a:fillRef idx="1">
+            <a:schemeClr val="accent1"/>
+          </a:fillRef>
+          <a:effectRef idx="0">
+            <a:schemeClr val="accent1"/>
+          </a:effectRef>
+          <a:fontRef idx="minor">
+            <a:schemeClr val="lt1"/>
+          </a:fontRef>
+        </p:style>
+        <p:txBody>
+          <a:bodyPr rtlCol="0" anchor="ctr"/>
+          <a:lstStyle/>
+          <a:p>
+            <a:pPr algn="ctr"/>
+            <a:endParaRPr lang="zh-CN" altLang="en-US"/>
+          </a:p>
+        </p:txBody>
+      </p:sp>
+      <p:sp>
+        <p:nvSpPr>
+          <p:cNvPr id="99" name="文本框 98">
+            <a:extLst>
+              <a:ext uri="{FF2B5EF4-FFF2-40B4-BE49-F238E27FC236}">
+                <a16:creationId xmlns:a16="http://schemas.microsoft.com/office/drawing/2014/main" id="{2829C724-B6CB-B482-A2CC-A5C9F23BA38A}"/>
+              </a:ext>
+            </a:extLst>
+          </p:cNvPr>
+          <p:cNvSpPr txBox="1"/>
+          <p:nvPr/>
+        </p:nvSpPr>
+        <p:spPr>
+          <a:xfrm>
+            <a:off x="152398" y="6113027"/>
+            <a:ext cx="3541486" cy="646331"/>
+          </a:xfrm>
+          <a:prstGeom prst="rect">
+            <a:avLst/>
+          </a:prstGeom>
+          <a:noFill/>
+        </p:spPr>
+        <p:txBody>
+          <a:bodyPr wrap="square" rtlCol="0">
+            <a:spAutoFit/>
+          </a:bodyPr>
+          <a:lstStyle/>
+          <a:p>
+            <a:r>
+              <a:rPr lang="en-US" altLang="zh-CN" dirty="0"/>
+              <a:t>2018</a:t>
+            </a:r>
+            <a:r>
+              <a:rPr lang="zh-CN" altLang="en-US" dirty="0"/>
+              <a:t>年及以前肯定没有这个概念</a:t>
+            </a:r>
+            <a:r>
+              <a:rPr lang="en-US" altLang="zh-CN" dirty="0"/>
+              <a:t>2019</a:t>
+            </a:r>
+            <a:r>
+              <a:rPr lang="zh-CN" altLang="en-US" dirty="0"/>
+              <a:t>年以后目前没发现</a:t>
+            </a:r>
+          </a:p>
+        </p:txBody>
+      </p:sp>
+      <p:sp>
+        <p:nvSpPr>
+          <p:cNvPr id="100" name="箭头: 右 99">
+            <a:extLst>
+              <a:ext uri="{FF2B5EF4-FFF2-40B4-BE49-F238E27FC236}">
+                <a16:creationId xmlns:a16="http://schemas.microsoft.com/office/drawing/2014/main" id="{0ECE5756-7384-96D3-97BC-290949864876}"/>
+              </a:ext>
+            </a:extLst>
+          </p:cNvPr>
+          <p:cNvSpPr/>
+          <p:nvPr/>
+        </p:nvSpPr>
+        <p:spPr>
+          <a:xfrm rot="16200000">
+            <a:off x="616283" y="4821800"/>
+            <a:ext cx="1989600" cy="181431"/>
+          </a:xfrm>
+          <a:prstGeom prst="rightArrow">
+            <a:avLst/>
+          </a:prstGeom>
+          <a:noFill/>
+        </p:spPr>
+        <p:style>
+          <a:lnRef idx="2">
+            <a:schemeClr val="accent1">
+              <a:shade val="15000"/>
+            </a:schemeClr>
+          </a:lnRef>
+          <a:fillRef idx="1">
+            <a:schemeClr val="accent1"/>
+          </a:fillRef>
+          <a:effectRef idx="0">
+            <a:schemeClr val="accent1"/>
+          </a:effectRef>
+          <a:fontRef idx="minor">
+            <a:schemeClr val="lt1"/>
+          </a:fontRef>
+        </p:style>
+        <p:txBody>
+          <a:bodyPr rtlCol="0" anchor="ctr"/>
+          <a:lstStyle/>
+          <a:p>
+            <a:pPr algn="ctr"/>
+            <a:endParaRPr lang="zh-CN" altLang="en-US"/>
+          </a:p>
+        </p:txBody>
+      </p:sp>
+      <p:sp>
+        <p:nvSpPr>
+          <p:cNvPr id="101" name="思想气泡: 云 100">
+            <a:extLst>
+              <a:ext uri="{FF2B5EF4-FFF2-40B4-BE49-F238E27FC236}">
+                <a16:creationId xmlns:a16="http://schemas.microsoft.com/office/drawing/2014/main" id="{71516924-29D4-5F2A-D2AB-CDE7104F5325}"/>
+              </a:ext>
+            </a:extLst>
+          </p:cNvPr>
+          <p:cNvSpPr/>
+          <p:nvPr/>
+        </p:nvSpPr>
+        <p:spPr>
+          <a:xfrm>
+            <a:off x="9510488" y="3185467"/>
+            <a:ext cx="2402108" cy="670808"/>
+          </a:xfrm>
+          <a:prstGeom prst="cloudCallout">
+            <a:avLst>
+              <a:gd name="adj1" fmla="val -85094"/>
+              <a:gd name="adj2" fmla="val -11511"/>
+            </a:avLst>
+          </a:prstGeom>
+          <a:noFill/>
+        </p:spPr>
+        <p:style>
+          <a:lnRef idx="2">
+            <a:schemeClr val="accent1">
+              <a:shade val="15000"/>
+            </a:schemeClr>
+          </a:lnRef>
+          <a:fillRef idx="1">
+            <a:schemeClr val="accent1"/>
+          </a:fillRef>
+          <a:effectRef idx="0">
+            <a:schemeClr val="accent1"/>
+          </a:effectRef>
+          <a:fontRef idx="minor">
+            <a:schemeClr val="lt1"/>
+          </a:fontRef>
+        </p:style>
+        <p:txBody>
+          <a:bodyPr rtlCol="0" anchor="ctr"/>
+          <a:lstStyle/>
+          <a:p>
+            <a:pPr algn="ctr"/>
+            <a:r>
+              <a:rPr lang="zh-CN" altLang="en-US" dirty="0">
+                <a:solidFill>
+                  <a:schemeClr val="tx1"/>
+                </a:solidFill>
+              </a:rPr>
+              <a:t>需要细细思考</a:t>
+            </a:r>
+          </a:p>
+        </p:txBody>
+      </p:sp>
+      <p:sp>
+        <p:nvSpPr>
+          <p:cNvPr id="102" name="对话气泡: 矩形 101">
+            <a:extLst>
+              <a:ext uri="{FF2B5EF4-FFF2-40B4-BE49-F238E27FC236}">
+                <a16:creationId xmlns:a16="http://schemas.microsoft.com/office/drawing/2014/main" id="{879714CE-F953-7F32-F341-49BF52AEC9DC}"/>
+              </a:ext>
+            </a:extLst>
+          </p:cNvPr>
+          <p:cNvSpPr/>
+          <p:nvPr/>
+        </p:nvSpPr>
+        <p:spPr>
+          <a:xfrm>
+            <a:off x="6393544" y="438491"/>
+            <a:ext cx="1868714" cy="883731"/>
+          </a:xfrm>
+          <a:prstGeom prst="wedgeRectCallout">
+            <a:avLst>
+              <a:gd name="adj1" fmla="val -506"/>
+              <a:gd name="adj2" fmla="val 87600"/>
+            </a:avLst>
+          </a:prstGeom>
+          <a:noFill/>
+        </p:spPr>
+        <p:style>
+          <a:lnRef idx="2">
+            <a:schemeClr val="accent1">
+              <a:shade val="15000"/>
+            </a:schemeClr>
+          </a:lnRef>
+          <a:fillRef idx="1">
+            <a:schemeClr val="accent1"/>
+          </a:fillRef>
+          <a:effectRef idx="0">
+            <a:schemeClr val="accent1"/>
+          </a:effectRef>
+          <a:fontRef idx="minor">
+            <a:schemeClr val="lt1"/>
+          </a:fontRef>
+        </p:style>
+        <p:txBody>
+          <a:bodyPr rtlCol="0" anchor="ctr"/>
+          <a:lstStyle/>
+          <a:p>
+            <a:pPr algn="ctr"/>
+            <a:r>
+              <a:rPr lang="zh-CN" altLang="en-US" dirty="0">
+                <a:solidFill>
+                  <a:schemeClr val="tx1"/>
+                </a:solidFill>
+              </a:rPr>
+              <a:t>当前探索的主要方向</a:t>
+            </a:r>
+          </a:p>
+        </p:txBody>
+      </p:sp>
+    </p:spTree>
+    <p:extLst>
+      <p:ext uri="{BB962C8B-B14F-4D97-AF65-F5344CB8AC3E}">
+        <p14:creationId xmlns:p14="http://schemas.microsoft.com/office/powerpoint/2010/main" val="325410356"/>
+      </p:ext>
+    </p:extLst>
+  </p:cSld>
+  <p:clrMapOvr>
+    <a:masterClrMapping/>
+  </p:clrMapOvr>
+</p:sld>
+</file>
+
+<file path=ppt/slides/slide7.xml><?xml version="1.0" encoding="utf-8"?>
 <p:sld xmlns:a="http://schemas.openxmlformats.org/drawingml/2006/main" xmlns:r="http://schemas.openxmlformats.org/officeDocument/2006/relationships" xmlns:p="http://schemas.openxmlformats.org/presentationml/2006/main">
   <p:cSld>
     <p:spTree>
@@ -8373,7 +10101,7 @@
 </p:sld>
 </file>
 
-<file path=ppt/slides/slide6.xml><?xml version="1.0" encoding="utf-8"?>
+<file path=ppt/slides/slide8.xml><?xml version="1.0" encoding="utf-8"?>
 <p:sld xmlns:a="http://schemas.openxmlformats.org/drawingml/2006/main" xmlns:r="http://schemas.openxmlformats.org/officeDocument/2006/relationships" xmlns:p="http://schemas.openxmlformats.org/presentationml/2006/main">
   <p:cSld>
     <p:spTree>
@@ -8699,7 +10427,7 @@
 </p:sld>
 </file>
 
-<file path=ppt/slides/slide7.xml><?xml version="1.0" encoding="utf-8"?>
+<file path=ppt/slides/slide9.xml><?xml version="1.0" encoding="utf-8"?>
 <p:sld xmlns:a="http://schemas.openxmlformats.org/drawingml/2006/main" xmlns:r="http://schemas.openxmlformats.org/officeDocument/2006/relationships" xmlns:p="http://schemas.openxmlformats.org/presentationml/2006/main">
   <p:cSld>
     <p:spTree>
@@ -14315,256 +16043,6 @@
     <p:extLst>
       <p:ext uri="{BB962C8B-B14F-4D97-AF65-F5344CB8AC3E}">
         <p14:creationId xmlns:p14="http://schemas.microsoft.com/office/powerpoint/2010/main" val="2622384523"/>
-      </p:ext>
-    </p:extLst>
-  </p:cSld>
-  <p:clrMapOvr>
-    <a:masterClrMapping/>
-  </p:clrMapOvr>
-</p:sld>
-</file>
-
-<file path=ppt/slides/slide8.xml><?xml version="1.0" encoding="utf-8"?>
-<p:sld xmlns:a="http://schemas.openxmlformats.org/drawingml/2006/main" xmlns:r="http://schemas.openxmlformats.org/officeDocument/2006/relationships" xmlns:p="http://schemas.openxmlformats.org/presentationml/2006/main">
-  <p:cSld>
-    <p:spTree>
-      <p:nvGrpSpPr>
-        <p:cNvPr id="1" name=""/>
-        <p:cNvGrpSpPr/>
-        <p:nvPr/>
-      </p:nvGrpSpPr>
-      <p:grpSpPr>
-        <a:xfrm>
-          <a:off x="0" y="0"/>
-          <a:ext cx="0" cy="0"/>
-          <a:chOff x="0" y="0"/>
-          <a:chExt cx="0" cy="0"/>
-        </a:xfrm>
-      </p:grpSpPr>
-      <p:sp>
-        <p:nvSpPr>
-          <p:cNvPr id="2" name="文本框 1">
-            <a:extLst>
-              <a:ext uri="{FF2B5EF4-FFF2-40B4-BE49-F238E27FC236}">
-                <a16:creationId xmlns:a16="http://schemas.microsoft.com/office/drawing/2014/main" id="{4301BE2B-0820-0143-B72A-D9CEA12265BD}"/>
-              </a:ext>
-            </a:extLst>
-          </p:cNvPr>
-          <p:cNvSpPr txBox="1"/>
-          <p:nvPr/>
-        </p:nvSpPr>
-        <p:spPr>
-          <a:xfrm>
-            <a:off x="1122219" y="92845"/>
-            <a:ext cx="5931724" cy="461665"/>
-          </a:xfrm>
-          <a:prstGeom prst="rect">
-            <a:avLst/>
-          </a:prstGeom>
-          <a:noFill/>
-        </p:spPr>
-        <p:txBody>
-          <a:bodyPr wrap="square" rtlCol="0">
-            <a:spAutoFit/>
-          </a:bodyPr>
-          <a:lstStyle>
-            <a:defPPr>
-              <a:defRPr lang="zh-CN"/>
-            </a:defPPr>
-            <a:lvl1pPr>
-              <a:defRPr sz="2400">
-                <a:latin typeface="Consolas" panose="020B0609020204030204" pitchFamily="49" charset="0"/>
-                <a:cs typeface="Times New Roman" panose="02020603050405020304" pitchFamily="18" charset="0"/>
-              </a:defRPr>
-            </a:lvl1pPr>
-          </a:lstStyle>
-          <a:p>
-            <a:r>
-              <a:rPr lang="en-US" altLang="zh-CN" dirty="0"/>
-              <a:t>Questions</a:t>
-            </a:r>
-            <a:endParaRPr lang="en-US" altLang="zh-CN" sz="1400" dirty="0"/>
-          </a:p>
-        </p:txBody>
-      </p:sp>
-      <p:sp>
-        <p:nvSpPr>
-          <p:cNvPr id="3" name="文本框 2">
-            <a:extLst>
-              <a:ext uri="{FF2B5EF4-FFF2-40B4-BE49-F238E27FC236}">
-                <a16:creationId xmlns:a16="http://schemas.microsoft.com/office/drawing/2014/main" id="{67F3CD36-4875-6579-F682-A0B365B9CD16}"/>
-              </a:ext>
-            </a:extLst>
-          </p:cNvPr>
-          <p:cNvSpPr txBox="1"/>
-          <p:nvPr/>
-        </p:nvSpPr>
-        <p:spPr>
-          <a:xfrm>
-            <a:off x="1122219" y="554510"/>
-            <a:ext cx="10111839" cy="6186309"/>
-          </a:xfrm>
-          <a:prstGeom prst="rect">
-            <a:avLst/>
-          </a:prstGeom>
-          <a:noFill/>
-        </p:spPr>
-        <p:txBody>
-          <a:bodyPr wrap="square" rtlCol="0">
-            <a:spAutoFit/>
-          </a:bodyPr>
-          <a:lstStyle>
-            <a:defPPr>
-              <a:defRPr lang="zh-CN"/>
-            </a:defPPr>
-            <a:lvl1pPr>
-              <a:defRPr/>
-            </a:lvl1pPr>
-          </a:lstStyle>
-          <a:p>
-            <a:pPr marL="342900" indent="-342900">
-              <a:buAutoNum type="arabicPeriod"/>
-            </a:pPr>
-            <a:r>
-              <a:rPr lang="en-US" altLang="zh-CN" dirty="0"/>
-              <a:t>Do you think what I just said has any research value, or if it's implemented, does it make sense?</a:t>
-            </a:r>
-          </a:p>
-          <a:p>
-            <a:pPr marL="342900" indent="-342900">
-              <a:buAutoNum type="arabicPeriod"/>
-            </a:pPr>
-            <a:endParaRPr lang="en-US" altLang="zh-CN" dirty="0"/>
-          </a:p>
-          <a:p>
-            <a:pPr marL="342900" indent="-342900">
-              <a:buAutoNum type="arabicPeriod"/>
-            </a:pPr>
-            <a:endParaRPr lang="en-US" altLang="zh-CN" dirty="0"/>
-          </a:p>
-          <a:p>
-            <a:r>
-              <a:rPr lang="en-US" altLang="zh-CN" dirty="0"/>
-              <a:t>2. In our laboratory paper, does the deep learning model also have data shift in its dataset? I have built an identical model, but it doesn't work.</a:t>
-            </a:r>
-          </a:p>
-          <a:p>
-            <a:endParaRPr lang="en-US" altLang="zh-CN" dirty="0"/>
-          </a:p>
-          <a:p>
-            <a:endParaRPr lang="en-US" altLang="zh-CN" dirty="0"/>
-          </a:p>
-          <a:p>
-            <a:r>
-              <a:rPr lang="en-US" altLang="zh-CN" dirty="0"/>
-              <a:t>3. Regarding the proposal presentation, Professor Xie's advice is to approach it from a more general perspective. For instance, what I should write about is how to perform the extraction of a standard template from a periodic physical signal, then elucidate my methodology, and in the experimental section, validate it using our SCG signal or BCG signal.</a:t>
-            </a:r>
-          </a:p>
-          <a:p>
-            <a:endParaRPr lang="en-US" altLang="zh-CN" dirty="0"/>
-          </a:p>
-          <a:p>
-            <a:endParaRPr lang="en-US" altLang="zh-CN" dirty="0"/>
-          </a:p>
-          <a:p>
-            <a:r>
-              <a:rPr lang="en-US" altLang="zh-CN" dirty="0"/>
-              <a:t>4. In the current thesis, when mentioning 'Time Alignment' or 'DTW,' they are often used for clustering, classification, and data argumentation. Can we refer to the current work as 'DTW for Regression'? Compared to 'DTW for Classification,' 'DTW for Regression' has a distinct focus.</a:t>
-            </a:r>
-          </a:p>
-          <a:p>
-            <a:endParaRPr lang="en-US" altLang="zh-CN" dirty="0"/>
-          </a:p>
-          <a:p>
-            <a:endParaRPr lang="en-US" altLang="zh-CN" dirty="0"/>
-          </a:p>
-          <a:p>
-            <a:r>
-              <a:rPr lang="en-US" altLang="zh-CN" dirty="0"/>
-              <a:t>5. Do you think the tutorial we wrote is too simple?</a:t>
-            </a:r>
-          </a:p>
-        </p:txBody>
-      </p:sp>
-    </p:spTree>
-    <p:extLst>
-      <p:ext uri="{BB962C8B-B14F-4D97-AF65-F5344CB8AC3E}">
-        <p14:creationId xmlns:p14="http://schemas.microsoft.com/office/powerpoint/2010/main" val="1125496112"/>
-      </p:ext>
-    </p:extLst>
-  </p:cSld>
-  <p:clrMapOvr>
-    <a:masterClrMapping/>
-  </p:clrMapOvr>
-</p:sld>
-</file>
-
-<file path=ppt/slides/slide9.xml><?xml version="1.0" encoding="utf-8"?>
-<p:sld xmlns:a="http://schemas.openxmlformats.org/drawingml/2006/main" xmlns:r="http://schemas.openxmlformats.org/officeDocument/2006/relationships" xmlns:p="http://schemas.openxmlformats.org/presentationml/2006/main">
-  <p:cSld>
-    <p:spTree>
-      <p:nvGrpSpPr>
-        <p:cNvPr id="1" name=""/>
-        <p:cNvGrpSpPr/>
-        <p:nvPr/>
-      </p:nvGrpSpPr>
-      <p:grpSpPr>
-        <a:xfrm>
-          <a:off x="0" y="0"/>
-          <a:ext cx="0" cy="0"/>
-          <a:chOff x="0" y="0"/>
-          <a:chExt cx="0" cy="0"/>
-        </a:xfrm>
-      </p:grpSpPr>
-      <p:sp>
-        <p:nvSpPr>
-          <p:cNvPr id="2" name="文本框 1">
-            <a:extLst>
-              <a:ext uri="{FF2B5EF4-FFF2-40B4-BE49-F238E27FC236}">
-                <a16:creationId xmlns:a16="http://schemas.microsoft.com/office/drawing/2014/main" id="{4301BE2B-0820-0143-B72A-D9CEA12265BD}"/>
-              </a:ext>
-            </a:extLst>
-          </p:cNvPr>
-          <p:cNvSpPr txBox="1"/>
-          <p:nvPr/>
-        </p:nvSpPr>
-        <p:spPr>
-          <a:xfrm>
-            <a:off x="5114486" y="3105834"/>
-            <a:ext cx="1963028" cy="646331"/>
-          </a:xfrm>
-          <a:prstGeom prst="rect">
-            <a:avLst/>
-          </a:prstGeom>
-          <a:noFill/>
-        </p:spPr>
-        <p:txBody>
-          <a:bodyPr wrap="square" rtlCol="0">
-            <a:spAutoFit/>
-          </a:bodyPr>
-          <a:lstStyle>
-            <a:defPPr>
-              <a:defRPr lang="zh-CN"/>
-            </a:defPPr>
-            <a:lvl1pPr algn="ctr">
-              <a:defRPr sz="3600">
-                <a:latin typeface="Consolas" panose="020B0609020204030204" pitchFamily="49" charset="0"/>
-                <a:cs typeface="Times New Roman" panose="02020603050405020304" pitchFamily="18" charset="0"/>
-              </a:defRPr>
-            </a:lvl1pPr>
-          </a:lstStyle>
-          <a:p>
-            <a:r>
-              <a:rPr lang="en-US" altLang="zh-CN" dirty="0"/>
-              <a:t>Thanks!</a:t>
-            </a:r>
-          </a:p>
-        </p:txBody>
-      </p:sp>
-    </p:spTree>
-    <p:extLst>
-      <p:ext uri="{BB962C8B-B14F-4D97-AF65-F5344CB8AC3E}">
-        <p14:creationId xmlns:p14="http://schemas.microsoft.com/office/powerpoint/2010/main" val="3015943919"/>
       </p:ext>
     </p:extLst>
   </p:cSld>

--- a/Presentation_1120_JiayuChen.pptx
+++ b/Presentation_1120_JiayuChen.pptx
@@ -5,20 +5,25 @@
     <p:sldMasterId id="2147483648" r:id="rId1"/>
   </p:sldMasterIdLst>
   <p:notesMasterIdLst>
-    <p:notesMasterId r:id="rId13"/>
+    <p:notesMasterId r:id="rId18"/>
   </p:notesMasterIdLst>
   <p:sldIdLst>
     <p:sldId id="256" r:id="rId2"/>
     <p:sldId id="291" r:id="rId3"/>
-    <p:sldId id="354" r:id="rId4"/>
-    <p:sldId id="362" r:id="rId5"/>
-    <p:sldId id="363" r:id="rId6"/>
-    <p:sldId id="364" r:id="rId7"/>
-    <p:sldId id="351" r:id="rId8"/>
-    <p:sldId id="346" r:id="rId9"/>
-    <p:sldId id="356" r:id="rId10"/>
-    <p:sldId id="348" r:id="rId11"/>
-    <p:sldId id="263" r:id="rId12"/>
+    <p:sldId id="364" r:id="rId4"/>
+    <p:sldId id="365" r:id="rId5"/>
+    <p:sldId id="366" r:id="rId6"/>
+    <p:sldId id="367" r:id="rId7"/>
+    <p:sldId id="369" r:id="rId8"/>
+    <p:sldId id="370" r:id="rId9"/>
+    <p:sldId id="368" r:id="rId10"/>
+    <p:sldId id="362" r:id="rId11"/>
+    <p:sldId id="363" r:id="rId12"/>
+    <p:sldId id="351" r:id="rId13"/>
+    <p:sldId id="346" r:id="rId14"/>
+    <p:sldId id="356" r:id="rId15"/>
+    <p:sldId id="348" r:id="rId16"/>
+    <p:sldId id="263" r:id="rId17"/>
   </p:sldIdLst>
   <p:sldSz cx="12192000" cy="6858000"/>
   <p:notesSz cx="6858000" cy="9144000"/>
@@ -614,6 +619,9 @@
           <a:bodyPr/>
           <a:lstStyle/>
           <a:p>
+            <a:pPr marL="228600" indent="-228600">
+              <a:buAutoNum type="arabicPeriod"/>
+            </a:pPr>
             <a:endParaRPr lang="en-US" altLang="zh-CN" dirty="0"/>
           </a:p>
         </p:txBody>
@@ -644,7 +652,7 @@
     </p:spTree>
     <p:extLst>
       <p:ext uri="{BB962C8B-B14F-4D97-AF65-F5344CB8AC3E}">
-        <p14:creationId xmlns:p14="http://schemas.microsoft.com/office/powerpoint/2010/main" val="3040035200"/>
+        <p14:creationId xmlns:p14="http://schemas.microsoft.com/office/powerpoint/2010/main" val="3517947827"/>
       </p:ext>
     </p:extLst>
   </p:cSld>
@@ -698,7 +706,10 @@
           <a:bodyPr/>
           <a:lstStyle/>
           <a:p>
-            <a:endParaRPr lang="zh-CN" altLang="en-US" dirty="0"/>
+            <a:pPr marL="228600" indent="-228600">
+              <a:buAutoNum type="arabicPeriod"/>
+            </a:pPr>
+            <a:endParaRPr lang="en-US" altLang="zh-CN" dirty="0"/>
           </a:p>
         </p:txBody>
       </p:sp>
@@ -720,6 +731,426 @@
             <a:fld id="{E39FA662-60CA-45D5-8BB1-0A7D21FB8FF0}" type="slidenum">
               <a:rPr lang="zh-CN" altLang="en-US" smtClean="0"/>
               <a:t>11</a:t>
+            </a:fld>
+            <a:endParaRPr lang="zh-CN" altLang="en-US"/>
+          </a:p>
+        </p:txBody>
+      </p:sp>
+    </p:spTree>
+    <p:extLst>
+      <p:ext uri="{BB962C8B-B14F-4D97-AF65-F5344CB8AC3E}">
+        <p14:creationId xmlns:p14="http://schemas.microsoft.com/office/powerpoint/2010/main" val="2828532776"/>
+      </p:ext>
+    </p:extLst>
+  </p:cSld>
+  <p:clrMapOvr>
+    <a:masterClrMapping/>
+  </p:clrMapOvr>
+</p:notes>
+</file>
+
+<file path=ppt/notesSlides/notesSlide12.xml><?xml version="1.0" encoding="utf-8"?>
+<p:notes xmlns:a="http://schemas.openxmlformats.org/drawingml/2006/main" xmlns:r="http://schemas.openxmlformats.org/officeDocument/2006/relationships" xmlns:p="http://schemas.openxmlformats.org/presentationml/2006/main">
+  <p:cSld>
+    <p:spTree>
+      <p:nvGrpSpPr>
+        <p:cNvPr id="1" name=""/>
+        <p:cNvGrpSpPr/>
+        <p:nvPr/>
+      </p:nvGrpSpPr>
+      <p:grpSpPr>
+        <a:xfrm>
+          <a:off x="0" y="0"/>
+          <a:ext cx="0" cy="0"/>
+          <a:chOff x="0" y="0"/>
+          <a:chExt cx="0" cy="0"/>
+        </a:xfrm>
+      </p:grpSpPr>
+      <p:sp>
+        <p:nvSpPr>
+          <p:cNvPr id="2" name="幻灯片图像占位符 1"/>
+          <p:cNvSpPr>
+            <a:spLocks noGrp="1" noRot="1" noChangeAspect="1"/>
+          </p:cNvSpPr>
+          <p:nvPr>
+            <p:ph type="sldImg"/>
+          </p:nvPr>
+        </p:nvSpPr>
+        <p:spPr/>
+      </p:sp>
+      <p:sp>
+        <p:nvSpPr>
+          <p:cNvPr id="3" name="备注占位符 2"/>
+          <p:cNvSpPr>
+            <a:spLocks noGrp="1"/>
+          </p:cNvSpPr>
+          <p:nvPr>
+            <p:ph type="body" idx="1"/>
+          </p:nvPr>
+        </p:nvSpPr>
+        <p:spPr/>
+        <p:txBody>
+          <a:bodyPr/>
+          <a:lstStyle/>
+          <a:p>
+            <a:endParaRPr lang="en-US" altLang="zh-CN" dirty="0"/>
+          </a:p>
+        </p:txBody>
+      </p:sp>
+      <p:sp>
+        <p:nvSpPr>
+          <p:cNvPr id="4" name="灯片编号占位符 3"/>
+          <p:cNvSpPr>
+            <a:spLocks noGrp="1"/>
+          </p:cNvSpPr>
+          <p:nvPr>
+            <p:ph type="sldNum" sz="quarter" idx="5"/>
+          </p:nvPr>
+        </p:nvSpPr>
+        <p:spPr/>
+        <p:txBody>
+          <a:bodyPr/>
+          <a:lstStyle/>
+          <a:p>
+            <a:fld id="{E39FA662-60CA-45D5-8BB1-0A7D21FB8FF0}" type="slidenum">
+              <a:rPr lang="zh-CN" altLang="en-US" smtClean="0"/>
+              <a:t>12</a:t>
+            </a:fld>
+            <a:endParaRPr lang="zh-CN" altLang="en-US"/>
+          </a:p>
+        </p:txBody>
+      </p:sp>
+    </p:spTree>
+    <p:extLst>
+      <p:ext uri="{BB962C8B-B14F-4D97-AF65-F5344CB8AC3E}">
+        <p14:creationId xmlns:p14="http://schemas.microsoft.com/office/powerpoint/2010/main" val="1896620225"/>
+      </p:ext>
+    </p:extLst>
+  </p:cSld>
+  <p:clrMapOvr>
+    <a:masterClrMapping/>
+  </p:clrMapOvr>
+</p:notes>
+</file>
+
+<file path=ppt/notesSlides/notesSlide13.xml><?xml version="1.0" encoding="utf-8"?>
+<p:notes xmlns:a="http://schemas.openxmlformats.org/drawingml/2006/main" xmlns:r="http://schemas.openxmlformats.org/officeDocument/2006/relationships" xmlns:p="http://schemas.openxmlformats.org/presentationml/2006/main">
+  <p:cSld>
+    <p:spTree>
+      <p:nvGrpSpPr>
+        <p:cNvPr id="1" name=""/>
+        <p:cNvGrpSpPr/>
+        <p:nvPr/>
+      </p:nvGrpSpPr>
+      <p:grpSpPr>
+        <a:xfrm>
+          <a:off x="0" y="0"/>
+          <a:ext cx="0" cy="0"/>
+          <a:chOff x="0" y="0"/>
+          <a:chExt cx="0" cy="0"/>
+        </a:xfrm>
+      </p:grpSpPr>
+      <p:sp>
+        <p:nvSpPr>
+          <p:cNvPr id="2" name="幻灯片图像占位符 1"/>
+          <p:cNvSpPr>
+            <a:spLocks noGrp="1" noRot="1" noChangeAspect="1"/>
+          </p:cNvSpPr>
+          <p:nvPr>
+            <p:ph type="sldImg"/>
+          </p:nvPr>
+        </p:nvSpPr>
+        <p:spPr/>
+      </p:sp>
+      <p:sp>
+        <p:nvSpPr>
+          <p:cNvPr id="3" name="备注占位符 2"/>
+          <p:cNvSpPr>
+            <a:spLocks noGrp="1"/>
+          </p:cNvSpPr>
+          <p:nvPr>
+            <p:ph type="body" idx="1"/>
+          </p:nvPr>
+        </p:nvSpPr>
+        <p:spPr/>
+        <p:txBody>
+          <a:bodyPr/>
+          <a:lstStyle/>
+          <a:p>
+            <a:endParaRPr lang="en-US" altLang="zh-CN" dirty="0"/>
+          </a:p>
+        </p:txBody>
+      </p:sp>
+      <p:sp>
+        <p:nvSpPr>
+          <p:cNvPr id="4" name="灯片编号占位符 3"/>
+          <p:cNvSpPr>
+            <a:spLocks noGrp="1"/>
+          </p:cNvSpPr>
+          <p:nvPr>
+            <p:ph type="sldNum" sz="quarter" idx="5"/>
+          </p:nvPr>
+        </p:nvSpPr>
+        <p:spPr/>
+        <p:txBody>
+          <a:bodyPr/>
+          <a:lstStyle/>
+          <a:p>
+            <a:fld id="{E39FA662-60CA-45D5-8BB1-0A7D21FB8FF0}" type="slidenum">
+              <a:rPr lang="zh-CN" altLang="en-US" smtClean="0"/>
+              <a:t>13</a:t>
+            </a:fld>
+            <a:endParaRPr lang="zh-CN" altLang="en-US"/>
+          </a:p>
+        </p:txBody>
+      </p:sp>
+    </p:spTree>
+    <p:extLst>
+      <p:ext uri="{BB962C8B-B14F-4D97-AF65-F5344CB8AC3E}">
+        <p14:creationId xmlns:p14="http://schemas.microsoft.com/office/powerpoint/2010/main" val="3611980438"/>
+      </p:ext>
+    </p:extLst>
+  </p:cSld>
+  <p:clrMapOvr>
+    <a:masterClrMapping/>
+  </p:clrMapOvr>
+</p:notes>
+</file>
+
+<file path=ppt/notesSlides/notesSlide14.xml><?xml version="1.0" encoding="utf-8"?>
+<p:notes xmlns:a="http://schemas.openxmlformats.org/drawingml/2006/main" xmlns:r="http://schemas.openxmlformats.org/officeDocument/2006/relationships" xmlns:p="http://schemas.openxmlformats.org/presentationml/2006/main">
+  <p:cSld>
+    <p:spTree>
+      <p:nvGrpSpPr>
+        <p:cNvPr id="1" name=""/>
+        <p:cNvGrpSpPr/>
+        <p:nvPr/>
+      </p:nvGrpSpPr>
+      <p:grpSpPr>
+        <a:xfrm>
+          <a:off x="0" y="0"/>
+          <a:ext cx="0" cy="0"/>
+          <a:chOff x="0" y="0"/>
+          <a:chExt cx="0" cy="0"/>
+        </a:xfrm>
+      </p:grpSpPr>
+      <p:sp>
+        <p:nvSpPr>
+          <p:cNvPr id="2" name="幻灯片图像占位符 1"/>
+          <p:cNvSpPr>
+            <a:spLocks noGrp="1" noRot="1" noChangeAspect="1"/>
+          </p:cNvSpPr>
+          <p:nvPr>
+            <p:ph type="sldImg"/>
+          </p:nvPr>
+        </p:nvSpPr>
+        <p:spPr/>
+      </p:sp>
+      <p:sp>
+        <p:nvSpPr>
+          <p:cNvPr id="3" name="备注占位符 2"/>
+          <p:cNvSpPr>
+            <a:spLocks noGrp="1"/>
+          </p:cNvSpPr>
+          <p:nvPr>
+            <p:ph type="body" idx="1"/>
+          </p:nvPr>
+        </p:nvSpPr>
+        <p:spPr/>
+        <p:txBody>
+          <a:bodyPr/>
+          <a:lstStyle/>
+          <a:p>
+            <a:endParaRPr lang="en-US" altLang="zh-CN" dirty="0"/>
+          </a:p>
+        </p:txBody>
+      </p:sp>
+      <p:sp>
+        <p:nvSpPr>
+          <p:cNvPr id="4" name="灯片编号占位符 3"/>
+          <p:cNvSpPr>
+            <a:spLocks noGrp="1"/>
+          </p:cNvSpPr>
+          <p:nvPr>
+            <p:ph type="sldNum" sz="quarter" idx="5"/>
+          </p:nvPr>
+        </p:nvSpPr>
+        <p:spPr/>
+        <p:txBody>
+          <a:bodyPr/>
+          <a:lstStyle/>
+          <a:p>
+            <a:fld id="{E39FA662-60CA-45D5-8BB1-0A7D21FB8FF0}" type="slidenum">
+              <a:rPr lang="zh-CN" altLang="en-US" smtClean="0"/>
+              <a:t>14</a:t>
+            </a:fld>
+            <a:endParaRPr lang="zh-CN" altLang="en-US"/>
+          </a:p>
+        </p:txBody>
+      </p:sp>
+    </p:spTree>
+    <p:extLst>
+      <p:ext uri="{BB962C8B-B14F-4D97-AF65-F5344CB8AC3E}">
+        <p14:creationId xmlns:p14="http://schemas.microsoft.com/office/powerpoint/2010/main" val="1878692281"/>
+      </p:ext>
+    </p:extLst>
+  </p:cSld>
+  <p:clrMapOvr>
+    <a:masterClrMapping/>
+  </p:clrMapOvr>
+</p:notes>
+</file>
+
+<file path=ppt/notesSlides/notesSlide15.xml><?xml version="1.0" encoding="utf-8"?>
+<p:notes xmlns:a="http://schemas.openxmlformats.org/drawingml/2006/main" xmlns:r="http://schemas.openxmlformats.org/officeDocument/2006/relationships" xmlns:p="http://schemas.openxmlformats.org/presentationml/2006/main">
+  <p:cSld>
+    <p:spTree>
+      <p:nvGrpSpPr>
+        <p:cNvPr id="1" name=""/>
+        <p:cNvGrpSpPr/>
+        <p:nvPr/>
+      </p:nvGrpSpPr>
+      <p:grpSpPr>
+        <a:xfrm>
+          <a:off x="0" y="0"/>
+          <a:ext cx="0" cy="0"/>
+          <a:chOff x="0" y="0"/>
+          <a:chExt cx="0" cy="0"/>
+        </a:xfrm>
+      </p:grpSpPr>
+      <p:sp>
+        <p:nvSpPr>
+          <p:cNvPr id="2" name="幻灯片图像占位符 1"/>
+          <p:cNvSpPr>
+            <a:spLocks noGrp="1" noRot="1" noChangeAspect="1"/>
+          </p:cNvSpPr>
+          <p:nvPr>
+            <p:ph type="sldImg"/>
+          </p:nvPr>
+        </p:nvSpPr>
+        <p:spPr/>
+      </p:sp>
+      <p:sp>
+        <p:nvSpPr>
+          <p:cNvPr id="3" name="备注占位符 2"/>
+          <p:cNvSpPr>
+            <a:spLocks noGrp="1"/>
+          </p:cNvSpPr>
+          <p:nvPr>
+            <p:ph type="body" idx="1"/>
+          </p:nvPr>
+        </p:nvSpPr>
+        <p:spPr/>
+        <p:txBody>
+          <a:bodyPr/>
+          <a:lstStyle/>
+          <a:p>
+            <a:endParaRPr lang="en-US" altLang="zh-CN" dirty="0"/>
+          </a:p>
+        </p:txBody>
+      </p:sp>
+      <p:sp>
+        <p:nvSpPr>
+          <p:cNvPr id="4" name="灯片编号占位符 3"/>
+          <p:cNvSpPr>
+            <a:spLocks noGrp="1"/>
+          </p:cNvSpPr>
+          <p:nvPr>
+            <p:ph type="sldNum" sz="quarter" idx="5"/>
+          </p:nvPr>
+        </p:nvSpPr>
+        <p:spPr/>
+        <p:txBody>
+          <a:bodyPr/>
+          <a:lstStyle/>
+          <a:p>
+            <a:fld id="{E39FA662-60CA-45D5-8BB1-0A7D21FB8FF0}" type="slidenum">
+              <a:rPr lang="zh-CN" altLang="en-US" smtClean="0"/>
+              <a:t>15</a:t>
+            </a:fld>
+            <a:endParaRPr lang="zh-CN" altLang="en-US"/>
+          </a:p>
+        </p:txBody>
+      </p:sp>
+    </p:spTree>
+    <p:extLst>
+      <p:ext uri="{BB962C8B-B14F-4D97-AF65-F5344CB8AC3E}">
+        <p14:creationId xmlns:p14="http://schemas.microsoft.com/office/powerpoint/2010/main" val="3040035200"/>
+      </p:ext>
+    </p:extLst>
+  </p:cSld>
+  <p:clrMapOvr>
+    <a:masterClrMapping/>
+  </p:clrMapOvr>
+</p:notes>
+</file>
+
+<file path=ppt/notesSlides/notesSlide16.xml><?xml version="1.0" encoding="utf-8"?>
+<p:notes xmlns:a="http://schemas.openxmlformats.org/drawingml/2006/main" xmlns:r="http://schemas.openxmlformats.org/officeDocument/2006/relationships" xmlns:p="http://schemas.openxmlformats.org/presentationml/2006/main">
+  <p:cSld>
+    <p:spTree>
+      <p:nvGrpSpPr>
+        <p:cNvPr id="1" name=""/>
+        <p:cNvGrpSpPr/>
+        <p:nvPr/>
+      </p:nvGrpSpPr>
+      <p:grpSpPr>
+        <a:xfrm>
+          <a:off x="0" y="0"/>
+          <a:ext cx="0" cy="0"/>
+          <a:chOff x="0" y="0"/>
+          <a:chExt cx="0" cy="0"/>
+        </a:xfrm>
+      </p:grpSpPr>
+      <p:sp>
+        <p:nvSpPr>
+          <p:cNvPr id="2" name="幻灯片图像占位符 1"/>
+          <p:cNvSpPr>
+            <a:spLocks noGrp="1" noRot="1" noChangeAspect="1"/>
+          </p:cNvSpPr>
+          <p:nvPr>
+            <p:ph type="sldImg"/>
+          </p:nvPr>
+        </p:nvSpPr>
+        <p:spPr/>
+      </p:sp>
+      <p:sp>
+        <p:nvSpPr>
+          <p:cNvPr id="3" name="备注占位符 2"/>
+          <p:cNvSpPr>
+            <a:spLocks noGrp="1"/>
+          </p:cNvSpPr>
+          <p:nvPr>
+            <p:ph type="body" idx="1"/>
+          </p:nvPr>
+        </p:nvSpPr>
+        <p:spPr/>
+        <p:txBody>
+          <a:bodyPr/>
+          <a:lstStyle/>
+          <a:p>
+            <a:endParaRPr lang="zh-CN" altLang="en-US" dirty="0"/>
+          </a:p>
+        </p:txBody>
+      </p:sp>
+      <p:sp>
+        <p:nvSpPr>
+          <p:cNvPr id="4" name="灯片编号占位符 3"/>
+          <p:cNvSpPr>
+            <a:spLocks noGrp="1"/>
+          </p:cNvSpPr>
+          <p:nvPr>
+            <p:ph type="sldNum" sz="quarter" idx="5"/>
+          </p:nvPr>
+        </p:nvSpPr>
+        <p:spPr/>
+        <p:txBody>
+          <a:bodyPr/>
+          <a:lstStyle/>
+          <a:p>
+            <a:fld id="{E39FA662-60CA-45D5-8BB1-0A7D21FB8FF0}" type="slidenum">
+              <a:rPr lang="zh-CN" altLang="en-US" smtClean="0"/>
+              <a:t>16</a:t>
             </a:fld>
             <a:endParaRPr lang="zh-CN" altLang="en-US"/>
           </a:p>
@@ -899,7 +1330,7 @@
     </p:spTree>
     <p:extLst>
       <p:ext uri="{BB962C8B-B14F-4D97-AF65-F5344CB8AC3E}">
-        <p14:creationId xmlns:p14="http://schemas.microsoft.com/office/powerpoint/2010/main" val="3399794954"/>
+        <p14:creationId xmlns:p14="http://schemas.microsoft.com/office/powerpoint/2010/main" val="1119363196"/>
       </p:ext>
     </p:extLst>
   </p:cSld>
@@ -986,7 +1417,7 @@
     </p:spTree>
     <p:extLst>
       <p:ext uri="{BB962C8B-B14F-4D97-AF65-F5344CB8AC3E}">
-        <p14:creationId xmlns:p14="http://schemas.microsoft.com/office/powerpoint/2010/main" val="3517947827"/>
+        <p14:creationId xmlns:p14="http://schemas.microsoft.com/office/powerpoint/2010/main" val="240319074"/>
       </p:ext>
     </p:extLst>
   </p:cSld>
@@ -1073,7 +1504,7 @@
     </p:spTree>
     <p:extLst>
       <p:ext uri="{BB962C8B-B14F-4D97-AF65-F5344CB8AC3E}">
-        <p14:creationId xmlns:p14="http://schemas.microsoft.com/office/powerpoint/2010/main" val="2828532776"/>
+        <p14:creationId xmlns:p14="http://schemas.microsoft.com/office/powerpoint/2010/main" val="1472863479"/>
       </p:ext>
     </p:extLst>
   </p:cSld>
@@ -1160,7 +1591,7 @@
     </p:spTree>
     <p:extLst>
       <p:ext uri="{BB962C8B-B14F-4D97-AF65-F5344CB8AC3E}">
-        <p14:creationId xmlns:p14="http://schemas.microsoft.com/office/powerpoint/2010/main" val="1119363196"/>
+        <p14:creationId xmlns:p14="http://schemas.microsoft.com/office/powerpoint/2010/main" val="2905112404"/>
       </p:ext>
     </p:extLst>
   </p:cSld>
@@ -1214,6 +1645,9 @@
           <a:bodyPr/>
           <a:lstStyle/>
           <a:p>
+            <a:pPr marL="228600" indent="-228600">
+              <a:buAutoNum type="arabicPeriod"/>
+            </a:pPr>
             <a:endParaRPr lang="en-US" altLang="zh-CN" dirty="0"/>
           </a:p>
         </p:txBody>
@@ -1244,7 +1678,7 @@
     </p:spTree>
     <p:extLst>
       <p:ext uri="{BB962C8B-B14F-4D97-AF65-F5344CB8AC3E}">
-        <p14:creationId xmlns:p14="http://schemas.microsoft.com/office/powerpoint/2010/main" val="1896620225"/>
+        <p14:creationId xmlns:p14="http://schemas.microsoft.com/office/powerpoint/2010/main" val="3895051595"/>
       </p:ext>
     </p:extLst>
   </p:cSld>
@@ -1298,6 +1732,9 @@
           <a:bodyPr/>
           <a:lstStyle/>
           <a:p>
+            <a:pPr marL="228600" indent="-228600">
+              <a:buAutoNum type="arabicPeriod"/>
+            </a:pPr>
             <a:endParaRPr lang="en-US" altLang="zh-CN" dirty="0"/>
           </a:p>
         </p:txBody>
@@ -1328,7 +1765,7 @@
     </p:spTree>
     <p:extLst>
       <p:ext uri="{BB962C8B-B14F-4D97-AF65-F5344CB8AC3E}">
-        <p14:creationId xmlns:p14="http://schemas.microsoft.com/office/powerpoint/2010/main" val="3611980438"/>
+        <p14:creationId xmlns:p14="http://schemas.microsoft.com/office/powerpoint/2010/main" val="1568859390"/>
       </p:ext>
     </p:extLst>
   </p:cSld>
@@ -1382,6 +1819,9 @@
           <a:bodyPr/>
           <a:lstStyle/>
           <a:p>
+            <a:pPr marL="228600" indent="-228600">
+              <a:buAutoNum type="arabicPeriod"/>
+            </a:pPr>
             <a:endParaRPr lang="en-US" altLang="zh-CN" dirty="0"/>
           </a:p>
         </p:txBody>
@@ -1412,7 +1852,7 @@
     </p:spTree>
     <p:extLst>
       <p:ext uri="{BB962C8B-B14F-4D97-AF65-F5344CB8AC3E}">
-        <p14:creationId xmlns:p14="http://schemas.microsoft.com/office/powerpoint/2010/main" val="1878692281"/>
+        <p14:creationId xmlns:p14="http://schemas.microsoft.com/office/powerpoint/2010/main" val="2006844102"/>
       </p:ext>
     </p:extLst>
   </p:cSld>
@@ -4745,1952 +5185,6 @@
 </file>
 
 <file path=ppt/slides/slide10.xml><?xml version="1.0" encoding="utf-8"?>
-<p:sld xmlns:a="http://schemas.openxmlformats.org/drawingml/2006/main" xmlns:r="http://schemas.openxmlformats.org/officeDocument/2006/relationships" xmlns:p="http://schemas.openxmlformats.org/presentationml/2006/main">
-  <p:cSld>
-    <p:spTree>
-      <p:nvGrpSpPr>
-        <p:cNvPr id="1" name=""/>
-        <p:cNvGrpSpPr/>
-        <p:nvPr/>
-      </p:nvGrpSpPr>
-      <p:grpSpPr>
-        <a:xfrm>
-          <a:off x="0" y="0"/>
-          <a:ext cx="0" cy="0"/>
-          <a:chOff x="0" y="0"/>
-          <a:chExt cx="0" cy="0"/>
-        </a:xfrm>
-      </p:grpSpPr>
-      <p:sp>
-        <p:nvSpPr>
-          <p:cNvPr id="2" name="文本框 1">
-            <a:extLst>
-              <a:ext uri="{FF2B5EF4-FFF2-40B4-BE49-F238E27FC236}">
-                <a16:creationId xmlns:a16="http://schemas.microsoft.com/office/drawing/2014/main" id="{4301BE2B-0820-0143-B72A-D9CEA12265BD}"/>
-              </a:ext>
-            </a:extLst>
-          </p:cNvPr>
-          <p:cNvSpPr txBox="1"/>
-          <p:nvPr/>
-        </p:nvSpPr>
-        <p:spPr>
-          <a:xfrm>
-            <a:off x="1122219" y="92845"/>
-            <a:ext cx="5931724" cy="461665"/>
-          </a:xfrm>
-          <a:prstGeom prst="rect">
-            <a:avLst/>
-          </a:prstGeom>
-          <a:noFill/>
-        </p:spPr>
-        <p:txBody>
-          <a:bodyPr wrap="square" rtlCol="0">
-            <a:spAutoFit/>
-          </a:bodyPr>
-          <a:lstStyle>
-            <a:defPPr>
-              <a:defRPr lang="zh-CN"/>
-            </a:defPPr>
-            <a:lvl1pPr>
-              <a:defRPr sz="2400">
-                <a:latin typeface="Consolas" panose="020B0609020204030204" pitchFamily="49" charset="0"/>
-                <a:cs typeface="Times New Roman" panose="02020603050405020304" pitchFamily="18" charset="0"/>
-              </a:defRPr>
-            </a:lvl1pPr>
-          </a:lstStyle>
-          <a:p>
-            <a:r>
-              <a:rPr lang="en-US" altLang="zh-CN" dirty="0"/>
-              <a:t>Questions</a:t>
-            </a:r>
-            <a:endParaRPr lang="en-US" altLang="zh-CN" sz="1400" dirty="0"/>
-          </a:p>
-        </p:txBody>
-      </p:sp>
-      <p:sp>
-        <p:nvSpPr>
-          <p:cNvPr id="3" name="文本框 2">
-            <a:extLst>
-              <a:ext uri="{FF2B5EF4-FFF2-40B4-BE49-F238E27FC236}">
-                <a16:creationId xmlns:a16="http://schemas.microsoft.com/office/drawing/2014/main" id="{67F3CD36-4875-6579-F682-A0B365B9CD16}"/>
-              </a:ext>
-            </a:extLst>
-          </p:cNvPr>
-          <p:cNvSpPr txBox="1"/>
-          <p:nvPr/>
-        </p:nvSpPr>
-        <p:spPr>
-          <a:xfrm>
-            <a:off x="1122219" y="554510"/>
-            <a:ext cx="10111839" cy="6186309"/>
-          </a:xfrm>
-          <a:prstGeom prst="rect">
-            <a:avLst/>
-          </a:prstGeom>
-          <a:noFill/>
-        </p:spPr>
-        <p:txBody>
-          <a:bodyPr wrap="square" rtlCol="0">
-            <a:spAutoFit/>
-          </a:bodyPr>
-          <a:lstStyle>
-            <a:defPPr>
-              <a:defRPr lang="zh-CN"/>
-            </a:defPPr>
-            <a:lvl1pPr>
-              <a:defRPr/>
-            </a:lvl1pPr>
-          </a:lstStyle>
-          <a:p>
-            <a:pPr marL="342900" indent="-342900">
-              <a:buAutoNum type="arabicPeriod"/>
-            </a:pPr>
-            <a:r>
-              <a:rPr lang="en-US" altLang="zh-CN" dirty="0"/>
-              <a:t>Do you think what I just said has any research value, or if it's implemented, does it make sense?</a:t>
-            </a:r>
-          </a:p>
-          <a:p>
-            <a:pPr marL="342900" indent="-342900">
-              <a:buAutoNum type="arabicPeriod"/>
-            </a:pPr>
-            <a:endParaRPr lang="en-US" altLang="zh-CN" dirty="0"/>
-          </a:p>
-          <a:p>
-            <a:pPr marL="342900" indent="-342900">
-              <a:buAutoNum type="arabicPeriod"/>
-            </a:pPr>
-            <a:endParaRPr lang="en-US" altLang="zh-CN" dirty="0"/>
-          </a:p>
-          <a:p>
-            <a:r>
-              <a:rPr lang="en-US" altLang="zh-CN" dirty="0"/>
-              <a:t>2. In our laboratory paper, does the deep learning model also have data shift in its dataset? I have built an identical model, but it doesn't work.</a:t>
-            </a:r>
-          </a:p>
-          <a:p>
-            <a:endParaRPr lang="en-US" altLang="zh-CN" dirty="0"/>
-          </a:p>
-          <a:p>
-            <a:endParaRPr lang="en-US" altLang="zh-CN" dirty="0"/>
-          </a:p>
-          <a:p>
-            <a:r>
-              <a:rPr lang="en-US" altLang="zh-CN" dirty="0"/>
-              <a:t>3. Regarding the proposal presentation, Professor Xie's advice is to approach it from a more general perspective. For instance, what I should write about is how to perform the extraction of a standard template from a periodic physical signal, then elucidate my methodology, and in the experimental section, validate it using our SCG signal or BCG signal.</a:t>
-            </a:r>
-          </a:p>
-          <a:p>
-            <a:endParaRPr lang="en-US" altLang="zh-CN" dirty="0"/>
-          </a:p>
-          <a:p>
-            <a:endParaRPr lang="en-US" altLang="zh-CN" dirty="0"/>
-          </a:p>
-          <a:p>
-            <a:r>
-              <a:rPr lang="en-US" altLang="zh-CN" dirty="0"/>
-              <a:t>4. In the current thesis, when mentioning 'Time Alignment' or 'DTW,' they are often used for clustering, classification, and data argumentation. Can we refer to the current work as 'DTW for Regression'? Compared to 'DTW for Classification,' 'DTW for Regression' has a distinct focus.</a:t>
-            </a:r>
-          </a:p>
-          <a:p>
-            <a:endParaRPr lang="en-US" altLang="zh-CN" dirty="0"/>
-          </a:p>
-          <a:p>
-            <a:endParaRPr lang="en-US" altLang="zh-CN" dirty="0"/>
-          </a:p>
-          <a:p>
-            <a:r>
-              <a:rPr lang="en-US" altLang="zh-CN" dirty="0"/>
-              <a:t>5. Do you think the tutorial we wrote is too simple?</a:t>
-            </a:r>
-          </a:p>
-        </p:txBody>
-      </p:sp>
-    </p:spTree>
-    <p:extLst>
-      <p:ext uri="{BB962C8B-B14F-4D97-AF65-F5344CB8AC3E}">
-        <p14:creationId xmlns:p14="http://schemas.microsoft.com/office/powerpoint/2010/main" val="1125496112"/>
-      </p:ext>
-    </p:extLst>
-  </p:cSld>
-  <p:clrMapOvr>
-    <a:masterClrMapping/>
-  </p:clrMapOvr>
-</p:sld>
-</file>
-
-<file path=ppt/slides/slide11.xml><?xml version="1.0" encoding="utf-8"?>
-<p:sld xmlns:a="http://schemas.openxmlformats.org/drawingml/2006/main" xmlns:r="http://schemas.openxmlformats.org/officeDocument/2006/relationships" xmlns:p="http://schemas.openxmlformats.org/presentationml/2006/main">
-  <p:cSld>
-    <p:spTree>
-      <p:nvGrpSpPr>
-        <p:cNvPr id="1" name=""/>
-        <p:cNvGrpSpPr/>
-        <p:nvPr/>
-      </p:nvGrpSpPr>
-      <p:grpSpPr>
-        <a:xfrm>
-          <a:off x="0" y="0"/>
-          <a:ext cx="0" cy="0"/>
-          <a:chOff x="0" y="0"/>
-          <a:chExt cx="0" cy="0"/>
-        </a:xfrm>
-      </p:grpSpPr>
-      <p:sp>
-        <p:nvSpPr>
-          <p:cNvPr id="2" name="文本框 1">
-            <a:extLst>
-              <a:ext uri="{FF2B5EF4-FFF2-40B4-BE49-F238E27FC236}">
-                <a16:creationId xmlns:a16="http://schemas.microsoft.com/office/drawing/2014/main" id="{4301BE2B-0820-0143-B72A-D9CEA12265BD}"/>
-              </a:ext>
-            </a:extLst>
-          </p:cNvPr>
-          <p:cNvSpPr txBox="1"/>
-          <p:nvPr/>
-        </p:nvSpPr>
-        <p:spPr>
-          <a:xfrm>
-            <a:off x="5114486" y="3105834"/>
-            <a:ext cx="1963028" cy="646331"/>
-          </a:xfrm>
-          <a:prstGeom prst="rect">
-            <a:avLst/>
-          </a:prstGeom>
-          <a:noFill/>
-        </p:spPr>
-        <p:txBody>
-          <a:bodyPr wrap="square" rtlCol="0">
-            <a:spAutoFit/>
-          </a:bodyPr>
-          <a:lstStyle>
-            <a:defPPr>
-              <a:defRPr lang="zh-CN"/>
-            </a:defPPr>
-            <a:lvl1pPr algn="ctr">
-              <a:defRPr sz="3600">
-                <a:latin typeface="Consolas" panose="020B0609020204030204" pitchFamily="49" charset="0"/>
-                <a:cs typeface="Times New Roman" panose="02020603050405020304" pitchFamily="18" charset="0"/>
-              </a:defRPr>
-            </a:lvl1pPr>
-          </a:lstStyle>
-          <a:p>
-            <a:r>
-              <a:rPr lang="en-US" altLang="zh-CN" dirty="0"/>
-              <a:t>Thanks!</a:t>
-            </a:r>
-          </a:p>
-        </p:txBody>
-      </p:sp>
-    </p:spTree>
-    <p:extLst>
-      <p:ext uri="{BB962C8B-B14F-4D97-AF65-F5344CB8AC3E}">
-        <p14:creationId xmlns:p14="http://schemas.microsoft.com/office/powerpoint/2010/main" val="3015943919"/>
-      </p:ext>
-    </p:extLst>
-  </p:cSld>
-  <p:clrMapOvr>
-    <a:masterClrMapping/>
-  </p:clrMapOvr>
-</p:sld>
-</file>
-
-<file path=ppt/slides/slide2.xml><?xml version="1.0" encoding="utf-8"?>
-<p:sld xmlns:a="http://schemas.openxmlformats.org/drawingml/2006/main" xmlns:r="http://schemas.openxmlformats.org/officeDocument/2006/relationships" xmlns:p="http://schemas.openxmlformats.org/presentationml/2006/main">
-  <p:cSld>
-    <p:spTree>
-      <p:nvGrpSpPr>
-        <p:cNvPr id="1" name=""/>
-        <p:cNvGrpSpPr/>
-        <p:nvPr/>
-      </p:nvGrpSpPr>
-      <p:grpSpPr>
-        <a:xfrm>
-          <a:off x="0" y="0"/>
-          <a:ext cx="0" cy="0"/>
-          <a:chOff x="0" y="0"/>
-          <a:chExt cx="0" cy="0"/>
-        </a:xfrm>
-      </p:grpSpPr>
-      <p:sp>
-        <p:nvSpPr>
-          <p:cNvPr id="2" name="文本框 1">
-            <a:extLst>
-              <a:ext uri="{FF2B5EF4-FFF2-40B4-BE49-F238E27FC236}">
-                <a16:creationId xmlns:a16="http://schemas.microsoft.com/office/drawing/2014/main" id="{4301BE2B-0820-0143-B72A-D9CEA12265BD}"/>
-              </a:ext>
-            </a:extLst>
-          </p:cNvPr>
-          <p:cNvSpPr txBox="1"/>
-          <p:nvPr/>
-        </p:nvSpPr>
-        <p:spPr>
-          <a:xfrm>
-            <a:off x="1574963" y="537330"/>
-            <a:ext cx="9042074" cy="461665"/>
-          </a:xfrm>
-          <a:prstGeom prst="rect">
-            <a:avLst/>
-          </a:prstGeom>
-          <a:noFill/>
-        </p:spPr>
-        <p:txBody>
-          <a:bodyPr wrap="square" rtlCol="0">
-            <a:spAutoFit/>
-          </a:bodyPr>
-          <a:lstStyle/>
-          <a:p>
-            <a:pPr algn="ctr"/>
-            <a:r>
-              <a:rPr lang="en-US" altLang="zh-CN" sz="2400" dirty="0">
-                <a:latin typeface="Consolas" panose="020B0609020204030204" pitchFamily="49" charset="0"/>
-                <a:cs typeface="Times New Roman" panose="02020603050405020304" pitchFamily="18" charset="0"/>
-              </a:rPr>
-              <a:t>Work Description</a:t>
-            </a:r>
-          </a:p>
-        </p:txBody>
-      </p:sp>
-      <p:sp>
-        <p:nvSpPr>
-          <p:cNvPr id="3" name="文本框 2">
-            <a:extLst>
-              <a:ext uri="{FF2B5EF4-FFF2-40B4-BE49-F238E27FC236}">
-                <a16:creationId xmlns:a16="http://schemas.microsoft.com/office/drawing/2014/main" id="{59F62255-7A4A-1C35-FF69-9A58CEC1EDD3}"/>
-              </a:ext>
-            </a:extLst>
-          </p:cNvPr>
-          <p:cNvSpPr txBox="1"/>
-          <p:nvPr/>
-        </p:nvSpPr>
-        <p:spPr>
-          <a:xfrm>
-            <a:off x="2185312" y="1242357"/>
-            <a:ext cx="8616079" cy="5078313"/>
-          </a:xfrm>
-          <a:prstGeom prst="rect">
-            <a:avLst/>
-          </a:prstGeom>
-          <a:noFill/>
-        </p:spPr>
-        <p:txBody>
-          <a:bodyPr wrap="square" rtlCol="0">
-            <a:spAutoFit/>
-          </a:bodyPr>
-          <a:lstStyle/>
-          <a:p>
-            <a:r>
-              <a:rPr lang="en-US" altLang="zh-CN" dirty="0"/>
-              <a:t>Part_1: </a:t>
-            </a:r>
-          </a:p>
-          <a:p>
-            <a:pPr marL="800100" lvl="1" indent="-342900">
-              <a:buAutoNum type="arabicPeriod"/>
-            </a:pPr>
-            <a:r>
-              <a:rPr lang="en-US" altLang="zh-CN" dirty="0"/>
-              <a:t>About Getting Template (Weighted Average, Kalman Filter, DTW)</a:t>
-            </a:r>
-          </a:p>
-          <a:p>
-            <a:pPr marL="800100" lvl="1" indent="-342900">
-              <a:buFontTx/>
-              <a:buAutoNum type="arabicPeriod"/>
-            </a:pPr>
-            <a:r>
-              <a:rPr lang="en-US" altLang="zh-CN" dirty="0"/>
-              <a:t>Some Thoughts about Removing Breathing Effect</a:t>
-            </a:r>
-          </a:p>
-          <a:p>
-            <a:pPr marL="800100" lvl="1" indent="-342900">
-              <a:buAutoNum type="arabicPeriod"/>
-            </a:pPr>
-            <a:endParaRPr lang="en-US" altLang="zh-CN" dirty="0"/>
-          </a:p>
-          <a:p>
-            <a:pPr marL="800100" lvl="1" indent="-342900">
-              <a:buAutoNum type="arabicPeriod"/>
-            </a:pPr>
-            <a:endParaRPr lang="en-US" altLang="zh-CN" dirty="0"/>
-          </a:p>
-          <a:p>
-            <a:r>
-              <a:rPr lang="en-US" altLang="zh-CN" dirty="0"/>
-              <a:t>Part_2: </a:t>
-            </a:r>
-          </a:p>
-          <a:p>
-            <a:pPr marL="800100" lvl="1" indent="-342900">
-              <a:buAutoNum type="arabicPeriod"/>
-            </a:pPr>
-            <a:r>
-              <a:rPr lang="en-US" altLang="zh-CN" dirty="0"/>
-              <a:t>Paper_1: A global averaging method for DTW</a:t>
-            </a:r>
-          </a:p>
-          <a:p>
-            <a:pPr marL="800100" lvl="1" indent="-342900">
-              <a:buAutoNum type="arabicPeriod"/>
-            </a:pPr>
-            <a:r>
-              <a:rPr lang="en-US" altLang="zh-CN" dirty="0"/>
-              <a:t>Paper_2: </a:t>
-            </a:r>
-            <a:r>
-              <a:rPr lang="en-US" altLang="zh-CN" dirty="0" err="1"/>
-              <a:t>shapeDTW</a:t>
-            </a:r>
-            <a:r>
-              <a:rPr lang="en-US" altLang="zh-CN" dirty="0"/>
-              <a:t>: shape Dynamic Time Warping</a:t>
-            </a:r>
-          </a:p>
-          <a:p>
-            <a:pPr marL="800100" lvl="1" indent="-342900">
-              <a:buAutoNum type="arabicPeriod"/>
-            </a:pPr>
-            <a:r>
-              <a:rPr lang="en-US" altLang="zh-CN" dirty="0"/>
-              <a:t>Paper_3: k-Shape</a:t>
-            </a:r>
-          </a:p>
-          <a:p>
-            <a:endParaRPr lang="en-US" altLang="zh-CN" dirty="0"/>
-          </a:p>
-          <a:p>
-            <a:endParaRPr lang="en-US" altLang="zh-CN" dirty="0"/>
-          </a:p>
-          <a:p>
-            <a:r>
-              <a:rPr lang="en-US" altLang="zh-CN" dirty="0"/>
-              <a:t>Part_3: Learning Progress and Future Learning Plan</a:t>
-            </a:r>
-          </a:p>
-          <a:p>
-            <a:endParaRPr lang="en-US" altLang="zh-CN" dirty="0"/>
-          </a:p>
-          <a:p>
-            <a:endParaRPr lang="en-US" altLang="zh-CN" dirty="0"/>
-          </a:p>
-          <a:p>
-            <a:r>
-              <a:rPr lang="en-US" altLang="zh-CN" dirty="0"/>
-              <a:t>Part_4: Some Thoughts about Undergraduate Thesis</a:t>
-            </a:r>
-          </a:p>
-          <a:p>
-            <a:endParaRPr lang="en-US" altLang="zh-CN" dirty="0"/>
-          </a:p>
-          <a:p>
-            <a:endParaRPr lang="en-US" altLang="zh-CN" dirty="0"/>
-          </a:p>
-          <a:p>
-            <a:r>
-              <a:rPr lang="en-US" altLang="zh-CN" dirty="0"/>
-              <a:t>Part_5: Questions</a:t>
-            </a:r>
-          </a:p>
-        </p:txBody>
-      </p:sp>
-    </p:spTree>
-    <p:extLst>
-      <p:ext uri="{BB962C8B-B14F-4D97-AF65-F5344CB8AC3E}">
-        <p14:creationId xmlns:p14="http://schemas.microsoft.com/office/powerpoint/2010/main" val="3563862824"/>
-      </p:ext>
-    </p:extLst>
-  </p:cSld>
-  <p:clrMapOvr>
-    <a:masterClrMapping/>
-  </p:clrMapOvr>
-</p:sld>
-</file>
-
-<file path=ppt/slides/slide3.xml><?xml version="1.0" encoding="utf-8"?>
-<p:sld xmlns:a="http://schemas.openxmlformats.org/drawingml/2006/main" xmlns:r="http://schemas.openxmlformats.org/officeDocument/2006/relationships" xmlns:p="http://schemas.openxmlformats.org/presentationml/2006/main">
-  <p:cSld>
-    <p:spTree>
-      <p:nvGrpSpPr>
-        <p:cNvPr id="1" name=""/>
-        <p:cNvGrpSpPr/>
-        <p:nvPr/>
-      </p:nvGrpSpPr>
-      <p:grpSpPr>
-        <a:xfrm>
-          <a:off x="0" y="0"/>
-          <a:ext cx="0" cy="0"/>
-          <a:chOff x="0" y="0"/>
-          <a:chExt cx="0" cy="0"/>
-        </a:xfrm>
-      </p:grpSpPr>
-      <p:sp>
-        <p:nvSpPr>
-          <p:cNvPr id="55" name="文本框 54">
-            <a:extLst>
-              <a:ext uri="{FF2B5EF4-FFF2-40B4-BE49-F238E27FC236}">
-                <a16:creationId xmlns:a16="http://schemas.microsoft.com/office/drawing/2014/main" id="{32A2BE86-86A6-F1FC-83EE-91A826B532E5}"/>
-              </a:ext>
-            </a:extLst>
-          </p:cNvPr>
-          <p:cNvSpPr txBox="1"/>
-          <p:nvPr/>
-        </p:nvSpPr>
-        <p:spPr>
-          <a:xfrm>
-            <a:off x="609600" y="106251"/>
-            <a:ext cx="4584920" cy="461665"/>
-          </a:xfrm>
-          <a:prstGeom prst="rect">
-            <a:avLst/>
-          </a:prstGeom>
-          <a:noFill/>
-        </p:spPr>
-        <p:txBody>
-          <a:bodyPr wrap="square" rtlCol="0">
-            <a:spAutoFit/>
-          </a:bodyPr>
-          <a:lstStyle>
-            <a:defPPr>
-              <a:defRPr lang="zh-CN"/>
-            </a:defPPr>
-            <a:lvl1pPr>
-              <a:defRPr sz="2400">
-                <a:latin typeface="Consolas" panose="020B0609020204030204" pitchFamily="49" charset="0"/>
-                <a:cs typeface="Times New Roman" panose="02020603050405020304" pitchFamily="18" charset="0"/>
-              </a:defRPr>
-            </a:lvl1pPr>
-          </a:lstStyle>
-          <a:p>
-            <a:r>
-              <a:rPr lang="en-US" altLang="zh-CN" dirty="0"/>
-              <a:t>Part_1: </a:t>
-            </a:r>
-            <a:r>
-              <a:rPr lang="en-US" altLang="zh-CN" sz="1400" dirty="0"/>
-              <a:t>Research - Getting Template</a:t>
-            </a:r>
-          </a:p>
-        </p:txBody>
-      </p:sp>
-      <p:graphicFrame>
-        <p:nvGraphicFramePr>
-          <p:cNvPr id="2" name="表格 1">
-            <a:extLst>
-              <a:ext uri="{FF2B5EF4-FFF2-40B4-BE49-F238E27FC236}">
-                <a16:creationId xmlns:a16="http://schemas.microsoft.com/office/drawing/2014/main" id="{AFE1193D-C098-489C-9107-B3F82B55CD51}"/>
-              </a:ext>
-            </a:extLst>
-          </p:cNvPr>
-          <p:cNvGraphicFramePr>
-            <a:graphicFrameLocks noGrp="1"/>
-          </p:cNvGraphicFramePr>
-          <p:nvPr>
-            <p:extLst>
-              <p:ext uri="{D42A27DB-BD31-4B8C-83A1-F6EECF244321}">
-                <p14:modId xmlns:p14="http://schemas.microsoft.com/office/powerpoint/2010/main" val="4045300960"/>
-              </p:ext>
-            </p:extLst>
-          </p:nvPr>
-        </p:nvGraphicFramePr>
-        <p:xfrm>
-          <a:off x="609600" y="702759"/>
-          <a:ext cx="10209162" cy="5562600"/>
-        </p:xfrm>
-        <a:graphic>
-          <a:graphicData uri="http://schemas.openxmlformats.org/drawingml/2006/table">
-            <a:tbl>
-              <a:tblPr firstRow="1" bandRow="1">
-                <a:tableStyleId>{5C22544A-7EE6-4342-B048-85BDC9FD1C3A}</a:tableStyleId>
-              </a:tblPr>
-              <a:tblGrid>
-                <a:gridCol w="2093336">
-                  <a:extLst>
-                    <a:ext uri="{9D8B030D-6E8A-4147-A177-3AD203B41FA5}">
-                      <a16:colId xmlns:a16="http://schemas.microsoft.com/office/drawing/2014/main" val="2721979233"/>
-                    </a:ext>
-                  </a:extLst>
-                </a:gridCol>
-                <a:gridCol w="4001025">
-                  <a:extLst>
-                    <a:ext uri="{9D8B030D-6E8A-4147-A177-3AD203B41FA5}">
-                      <a16:colId xmlns:a16="http://schemas.microsoft.com/office/drawing/2014/main" val="2329472157"/>
-                    </a:ext>
-                  </a:extLst>
-                </a:gridCol>
-                <a:gridCol w="2064774">
-                  <a:extLst>
-                    <a:ext uri="{9D8B030D-6E8A-4147-A177-3AD203B41FA5}">
-                      <a16:colId xmlns:a16="http://schemas.microsoft.com/office/drawing/2014/main" val="3887092843"/>
-                    </a:ext>
-                  </a:extLst>
-                </a:gridCol>
-                <a:gridCol w="2050027">
-                  <a:extLst>
-                    <a:ext uri="{9D8B030D-6E8A-4147-A177-3AD203B41FA5}">
-                      <a16:colId xmlns:a16="http://schemas.microsoft.com/office/drawing/2014/main" val="68501977"/>
-                    </a:ext>
-                  </a:extLst>
-                </a:gridCol>
-              </a:tblGrid>
-              <a:tr h="370840">
-                <a:tc>
-                  <a:txBody>
-                    <a:bodyPr/>
-                    <a:lstStyle/>
-                    <a:p>
-                      <a:r>
-                        <a:rPr lang="en-US" altLang="zh-CN" dirty="0"/>
-                        <a:t>Model</a:t>
-                      </a:r>
-                      <a:endParaRPr lang="zh-CN" altLang="en-US" dirty="0"/>
-                    </a:p>
-                  </a:txBody>
-                  <a:tcPr/>
-                </a:tc>
-                <a:tc>
-                  <a:txBody>
-                    <a:bodyPr/>
-                    <a:lstStyle/>
-                    <a:p>
-                      <a:r>
-                        <a:rPr lang="en-US" altLang="zh-CN" dirty="0"/>
-                        <a:t>State</a:t>
-                      </a:r>
-                      <a:endParaRPr lang="zh-CN" altLang="en-US" dirty="0"/>
-                    </a:p>
-                  </a:txBody>
-                  <a:tcPr/>
-                </a:tc>
-                <a:tc>
-                  <a:txBody>
-                    <a:bodyPr/>
-                    <a:lstStyle/>
-                    <a:p>
-                      <a:r>
-                        <a:rPr lang="en-US" altLang="zh-CN" dirty="0"/>
-                        <a:t>S Prediction</a:t>
-                      </a:r>
-                      <a:endParaRPr lang="zh-CN" altLang="en-US" dirty="0"/>
-                    </a:p>
-                  </a:txBody>
-                  <a:tcPr/>
-                </a:tc>
-                <a:tc>
-                  <a:txBody>
-                    <a:bodyPr/>
-                    <a:lstStyle/>
-                    <a:p>
-                      <a:r>
-                        <a:rPr lang="en-US" altLang="zh-CN" dirty="0"/>
-                        <a:t>D Prediction</a:t>
-                      </a:r>
-                      <a:endParaRPr lang="zh-CN" altLang="en-US" dirty="0"/>
-                    </a:p>
-                  </a:txBody>
-                  <a:tcPr/>
-                </a:tc>
-                <a:extLst>
-                  <a:ext uri="{0D108BD9-81ED-4DB2-BD59-A6C34878D82A}">
-                    <a16:rowId xmlns:a16="http://schemas.microsoft.com/office/drawing/2014/main" val="3312699029"/>
-                  </a:ext>
-                </a:extLst>
-              </a:tr>
-              <a:tr h="370840">
-                <a:tc>
-                  <a:txBody>
-                    <a:bodyPr/>
-                    <a:lstStyle/>
-                    <a:p>
-                      <a:r>
-                        <a:rPr lang="en-US" altLang="zh-CN" dirty="0"/>
-                        <a:t>No Template</a:t>
-                      </a:r>
-                    </a:p>
-                  </a:txBody>
-                  <a:tcPr/>
-                </a:tc>
-                <a:tc>
-                  <a:txBody>
-                    <a:bodyPr/>
-                    <a:lstStyle/>
-                    <a:p>
-                      <a:r>
-                        <a:rPr lang="en-US" altLang="zh-CN" dirty="0"/>
-                        <a:t>No RR, Peak-Based Segmentation</a:t>
-                      </a:r>
-                      <a:endParaRPr lang="zh-CN" altLang="en-US" dirty="0"/>
-                    </a:p>
-                  </a:txBody>
-                  <a:tcPr/>
-                </a:tc>
-                <a:tc>
-                  <a:txBody>
-                    <a:bodyPr/>
-                    <a:lstStyle/>
-                    <a:p>
-                      <a:pPr marL="0" marR="0" lvl="0" indent="0" algn="ctr" defTabSz="914400" rtl="0" eaLnBrk="1" fontAlgn="auto" latinLnBrk="0" hangingPunct="1">
-                        <a:lnSpc>
-                          <a:spcPct val="100000"/>
-                        </a:lnSpc>
-                        <a:spcBef>
-                          <a:spcPts val="0"/>
-                        </a:spcBef>
-                        <a:spcAft>
-                          <a:spcPts val="0"/>
-                        </a:spcAft>
-                        <a:buClrTx/>
-                        <a:buSzTx/>
-                        <a:buFontTx/>
-                        <a:buNone/>
-                        <a:tabLst/>
-                        <a:defRPr/>
-                      </a:pPr>
-                      <a:r>
-                        <a:rPr lang="en-US" altLang="zh-CN" dirty="0"/>
-                        <a:t>0.79 / 1.64</a:t>
-                      </a:r>
-                      <a:endParaRPr lang="zh-CN" altLang="en-US" dirty="0"/>
-                    </a:p>
-                  </a:txBody>
-                  <a:tcPr/>
-                </a:tc>
-                <a:tc>
-                  <a:txBody>
-                    <a:bodyPr/>
-                    <a:lstStyle/>
-                    <a:p>
-                      <a:pPr marL="0" marR="0" lvl="0" indent="0" algn="ctr" defTabSz="914400" rtl="0" eaLnBrk="1" fontAlgn="auto" latinLnBrk="0" hangingPunct="1">
-                        <a:lnSpc>
-                          <a:spcPct val="100000"/>
-                        </a:lnSpc>
-                        <a:spcBef>
-                          <a:spcPts val="0"/>
-                        </a:spcBef>
-                        <a:spcAft>
-                          <a:spcPts val="0"/>
-                        </a:spcAft>
-                        <a:buClrTx/>
-                        <a:buSzTx/>
-                        <a:buFontTx/>
-                        <a:buNone/>
-                        <a:tabLst/>
-                        <a:defRPr/>
-                      </a:pPr>
-                      <a:r>
-                        <a:rPr lang="en-US" altLang="zh-CN" dirty="0"/>
-                        <a:t>1.79 / 4.31</a:t>
-                      </a:r>
-                      <a:endParaRPr lang="zh-CN" altLang="en-US" dirty="0"/>
-                    </a:p>
-                  </a:txBody>
-                  <a:tcPr/>
-                </a:tc>
-                <a:extLst>
-                  <a:ext uri="{0D108BD9-81ED-4DB2-BD59-A6C34878D82A}">
-                    <a16:rowId xmlns:a16="http://schemas.microsoft.com/office/drawing/2014/main" val="645629362"/>
-                  </a:ext>
-                </a:extLst>
-              </a:tr>
-              <a:tr h="370840">
-                <a:tc>
-                  <a:txBody>
-                    <a:bodyPr/>
-                    <a:lstStyle/>
-                    <a:p>
-                      <a:r>
-                        <a:rPr lang="en-US" altLang="zh-CN" dirty="0"/>
-                        <a:t>Mean</a:t>
-                      </a:r>
-                    </a:p>
-                  </a:txBody>
-                  <a:tcPr/>
-                </a:tc>
-                <a:tc>
-                  <a:txBody>
-                    <a:bodyPr/>
-                    <a:lstStyle/>
-                    <a:p>
-                      <a:r>
-                        <a:rPr lang="en-US" altLang="zh-CN" dirty="0"/>
-                        <a:t>No RR, Peak-Based Segmentation</a:t>
-                      </a:r>
-                      <a:endParaRPr lang="zh-CN" altLang="en-US" dirty="0"/>
-                    </a:p>
-                  </a:txBody>
-                  <a:tcPr/>
-                </a:tc>
-                <a:tc>
-                  <a:txBody>
-                    <a:bodyPr/>
-                    <a:lstStyle/>
-                    <a:p>
-                      <a:pPr marL="0" marR="0" lvl="0" indent="0" algn="ctr" defTabSz="914400" rtl="0" eaLnBrk="1" fontAlgn="auto" latinLnBrk="0" hangingPunct="1">
-                        <a:lnSpc>
-                          <a:spcPct val="100000"/>
-                        </a:lnSpc>
-                        <a:spcBef>
-                          <a:spcPts val="0"/>
-                        </a:spcBef>
-                        <a:spcAft>
-                          <a:spcPts val="0"/>
-                        </a:spcAft>
-                        <a:buClrTx/>
-                        <a:buSzTx/>
-                        <a:buFontTx/>
-                        <a:buNone/>
-                        <a:tabLst/>
-                        <a:defRPr/>
-                      </a:pPr>
-                      <a:r>
-                        <a:rPr lang="en-US" altLang="zh-CN" dirty="0"/>
-                        <a:t>1.35 / 1.38</a:t>
-                      </a:r>
-                      <a:endParaRPr lang="zh-CN" altLang="en-US" dirty="0"/>
-                    </a:p>
-                  </a:txBody>
-                  <a:tcPr/>
-                </a:tc>
-                <a:tc>
-                  <a:txBody>
-                    <a:bodyPr/>
-                    <a:lstStyle/>
-                    <a:p>
-                      <a:pPr marL="0" marR="0" lvl="0" indent="0" algn="ctr" defTabSz="914400" rtl="0" eaLnBrk="1" fontAlgn="auto" latinLnBrk="0" hangingPunct="1">
-                        <a:lnSpc>
-                          <a:spcPct val="100000"/>
-                        </a:lnSpc>
-                        <a:spcBef>
-                          <a:spcPts val="0"/>
-                        </a:spcBef>
-                        <a:spcAft>
-                          <a:spcPts val="0"/>
-                        </a:spcAft>
-                        <a:buClrTx/>
-                        <a:buSzTx/>
-                        <a:buFontTx/>
-                        <a:buNone/>
-                        <a:tabLst/>
-                        <a:defRPr/>
-                      </a:pPr>
-                      <a:r>
-                        <a:rPr lang="en-US" altLang="zh-CN" dirty="0"/>
-                        <a:t>4.53 / 4.44</a:t>
-                      </a:r>
-                      <a:endParaRPr lang="zh-CN" altLang="en-US" dirty="0"/>
-                    </a:p>
-                  </a:txBody>
-                  <a:tcPr/>
-                </a:tc>
-                <a:extLst>
-                  <a:ext uri="{0D108BD9-81ED-4DB2-BD59-A6C34878D82A}">
-                    <a16:rowId xmlns:a16="http://schemas.microsoft.com/office/drawing/2014/main" val="213170710"/>
-                  </a:ext>
-                </a:extLst>
-              </a:tr>
-              <a:tr h="370840">
-                <a:tc>
-                  <a:txBody>
-                    <a:bodyPr/>
-                    <a:lstStyle/>
-                    <a:p>
-                      <a:r>
-                        <a:rPr lang="en-US" altLang="zh-CN" dirty="0"/>
-                        <a:t>Median</a:t>
-                      </a:r>
-                      <a:endParaRPr lang="zh-CN" altLang="en-US" dirty="0"/>
-                    </a:p>
-                  </a:txBody>
-                  <a:tcPr/>
-                </a:tc>
-                <a:tc>
-                  <a:txBody>
-                    <a:bodyPr/>
-                    <a:lstStyle/>
-                    <a:p>
-                      <a:pPr marL="0" marR="0" lvl="0" indent="0" algn="l" defTabSz="914400" rtl="0" eaLnBrk="1" fontAlgn="auto" latinLnBrk="0" hangingPunct="1">
-                        <a:lnSpc>
-                          <a:spcPct val="100000"/>
-                        </a:lnSpc>
-                        <a:spcBef>
-                          <a:spcPts val="0"/>
-                        </a:spcBef>
-                        <a:spcAft>
-                          <a:spcPts val="0"/>
-                        </a:spcAft>
-                        <a:buClrTx/>
-                        <a:buSzTx/>
-                        <a:buFontTx/>
-                        <a:buNone/>
-                        <a:tabLst/>
-                        <a:defRPr/>
-                      </a:pPr>
-                      <a:r>
-                        <a:rPr lang="en-US" altLang="zh-CN" dirty="0"/>
-                        <a:t>No RR, Peak-Based Segmentation</a:t>
-                      </a:r>
-                      <a:endParaRPr lang="zh-CN" altLang="en-US" dirty="0"/>
-                    </a:p>
-                  </a:txBody>
-                  <a:tcPr/>
-                </a:tc>
-                <a:tc>
-                  <a:txBody>
-                    <a:bodyPr/>
-                    <a:lstStyle/>
-                    <a:p>
-                      <a:pPr marL="0" marR="0" lvl="0" indent="0" algn="ctr" defTabSz="914400" rtl="0" eaLnBrk="1" fontAlgn="auto" latinLnBrk="0" hangingPunct="1">
-                        <a:lnSpc>
-                          <a:spcPct val="100000"/>
-                        </a:lnSpc>
-                        <a:spcBef>
-                          <a:spcPts val="0"/>
-                        </a:spcBef>
-                        <a:spcAft>
-                          <a:spcPts val="0"/>
-                        </a:spcAft>
-                        <a:buClrTx/>
-                        <a:buSzTx/>
-                        <a:buFontTx/>
-                        <a:buNone/>
-                        <a:tabLst/>
-                        <a:defRPr/>
-                      </a:pPr>
-                      <a:r>
-                        <a:rPr lang="en-US" altLang="zh-CN" dirty="0"/>
-                        <a:t>1.42 / 1.45</a:t>
-                      </a:r>
-                      <a:endParaRPr lang="zh-CN" altLang="en-US" dirty="0"/>
-                    </a:p>
-                  </a:txBody>
-                  <a:tcPr/>
-                </a:tc>
-                <a:tc>
-                  <a:txBody>
-                    <a:bodyPr/>
-                    <a:lstStyle/>
-                    <a:p>
-                      <a:pPr marL="0" marR="0" lvl="0" indent="0" algn="ctr" defTabSz="914400" rtl="0" eaLnBrk="1" fontAlgn="auto" latinLnBrk="0" hangingPunct="1">
-                        <a:lnSpc>
-                          <a:spcPct val="100000"/>
-                        </a:lnSpc>
-                        <a:spcBef>
-                          <a:spcPts val="0"/>
-                        </a:spcBef>
-                        <a:spcAft>
-                          <a:spcPts val="0"/>
-                        </a:spcAft>
-                        <a:buClrTx/>
-                        <a:buSzTx/>
-                        <a:buFontTx/>
-                        <a:buNone/>
-                        <a:tabLst/>
-                        <a:defRPr/>
-                      </a:pPr>
-                      <a:r>
-                        <a:rPr lang="en-US" altLang="zh-CN" dirty="0"/>
-                        <a:t>4.07 / 4.49</a:t>
-                      </a:r>
-                      <a:endParaRPr lang="zh-CN" altLang="en-US" dirty="0"/>
-                    </a:p>
-                  </a:txBody>
-                  <a:tcPr/>
-                </a:tc>
-                <a:extLst>
-                  <a:ext uri="{0D108BD9-81ED-4DB2-BD59-A6C34878D82A}">
-                    <a16:rowId xmlns:a16="http://schemas.microsoft.com/office/drawing/2014/main" val="3424492985"/>
-                  </a:ext>
-                </a:extLst>
-              </a:tr>
-              <a:tr h="370840">
-                <a:tc>
-                  <a:txBody>
-                    <a:bodyPr/>
-                    <a:lstStyle/>
-                    <a:p>
-                      <a:pPr marL="0" marR="0" lvl="0" indent="0" algn="l" defTabSz="914400" rtl="0" eaLnBrk="1" fontAlgn="auto" latinLnBrk="0" hangingPunct="1">
-                        <a:lnSpc>
-                          <a:spcPct val="100000"/>
-                        </a:lnSpc>
-                        <a:spcBef>
-                          <a:spcPts val="0"/>
-                        </a:spcBef>
-                        <a:spcAft>
-                          <a:spcPts val="0"/>
-                        </a:spcAft>
-                        <a:buClrTx/>
-                        <a:buSzTx/>
-                        <a:buFontTx/>
-                        <a:buNone/>
-                        <a:tabLst/>
-                        <a:defRPr/>
-                      </a:pPr>
-                      <a:r>
-                        <a:rPr lang="en-US" altLang="zh-CN" dirty="0"/>
-                        <a:t>PCA</a:t>
-                      </a:r>
-                    </a:p>
-                  </a:txBody>
-                  <a:tcPr/>
-                </a:tc>
-                <a:tc>
-                  <a:txBody>
-                    <a:bodyPr/>
-                    <a:lstStyle/>
-                    <a:p>
-                      <a:pPr marL="0" marR="0" lvl="0" indent="0" algn="l" defTabSz="914400" rtl="0" eaLnBrk="1" fontAlgn="auto" latinLnBrk="0" hangingPunct="1">
-                        <a:lnSpc>
-                          <a:spcPct val="100000"/>
-                        </a:lnSpc>
-                        <a:spcBef>
-                          <a:spcPts val="0"/>
-                        </a:spcBef>
-                        <a:spcAft>
-                          <a:spcPts val="0"/>
-                        </a:spcAft>
-                        <a:buClrTx/>
-                        <a:buSzTx/>
-                        <a:buFontTx/>
-                        <a:buNone/>
-                        <a:tabLst/>
-                        <a:defRPr/>
-                      </a:pPr>
-                      <a:r>
-                        <a:rPr lang="en-US" altLang="zh-CN" dirty="0"/>
-                        <a:t>No RR, Peak-Based Segmentation</a:t>
-                      </a:r>
-                      <a:endParaRPr lang="zh-CN" altLang="en-US" dirty="0"/>
-                    </a:p>
-                  </a:txBody>
-                  <a:tcPr/>
-                </a:tc>
-                <a:tc>
-                  <a:txBody>
-                    <a:bodyPr/>
-                    <a:lstStyle/>
-                    <a:p>
-                      <a:pPr algn="ctr"/>
-                      <a:r>
-                        <a:rPr lang="en-US" altLang="zh-CN" dirty="0"/>
-                        <a:t>- / -</a:t>
-                      </a:r>
-                      <a:endParaRPr lang="zh-CN" altLang="en-US" dirty="0"/>
-                    </a:p>
-                  </a:txBody>
-                  <a:tcPr/>
-                </a:tc>
-                <a:tc>
-                  <a:txBody>
-                    <a:bodyPr/>
-                    <a:lstStyle/>
-                    <a:p>
-                      <a:pPr algn="ctr"/>
-                      <a:r>
-                        <a:rPr lang="en-US" altLang="zh-CN" dirty="0"/>
-                        <a:t>- / -</a:t>
-                      </a:r>
-                      <a:endParaRPr lang="zh-CN" altLang="en-US" dirty="0"/>
-                    </a:p>
-                  </a:txBody>
-                  <a:tcPr/>
-                </a:tc>
-                <a:extLst>
-                  <a:ext uri="{0D108BD9-81ED-4DB2-BD59-A6C34878D82A}">
-                    <a16:rowId xmlns:a16="http://schemas.microsoft.com/office/drawing/2014/main" val="2111113704"/>
-                  </a:ext>
-                </a:extLst>
-              </a:tr>
-              <a:tr h="370840">
-                <a:tc>
-                  <a:txBody>
-                    <a:bodyPr/>
-                    <a:lstStyle/>
-                    <a:p>
-                      <a:r>
-                        <a:rPr lang="en-US" altLang="zh-CN" dirty="0"/>
-                        <a:t>K-shape 1</a:t>
-                      </a:r>
-                    </a:p>
-                  </a:txBody>
-                  <a:tcPr/>
-                </a:tc>
-                <a:tc>
-                  <a:txBody>
-                    <a:bodyPr/>
-                    <a:lstStyle/>
-                    <a:p>
-                      <a:pPr marL="0" marR="0" lvl="0" indent="0" algn="l" defTabSz="914400" rtl="0" eaLnBrk="1" fontAlgn="auto" latinLnBrk="0" hangingPunct="1">
-                        <a:lnSpc>
-                          <a:spcPct val="100000"/>
-                        </a:lnSpc>
-                        <a:spcBef>
-                          <a:spcPts val="0"/>
-                        </a:spcBef>
-                        <a:spcAft>
-                          <a:spcPts val="0"/>
-                        </a:spcAft>
-                        <a:buClrTx/>
-                        <a:buSzTx/>
-                        <a:buFontTx/>
-                        <a:buNone/>
-                        <a:tabLst/>
-                        <a:defRPr/>
-                      </a:pPr>
-                      <a:r>
-                        <a:rPr lang="en-US" altLang="zh-CN" dirty="0"/>
-                        <a:t>No RR, Peak-Based Segmentation</a:t>
-                      </a:r>
-                      <a:endParaRPr lang="zh-CN" altLang="en-US" dirty="0"/>
-                    </a:p>
-                  </a:txBody>
-                  <a:tcPr/>
-                </a:tc>
-                <a:tc>
-                  <a:txBody>
-                    <a:bodyPr/>
-                    <a:lstStyle/>
-                    <a:p>
-                      <a:pPr algn="ctr"/>
-                      <a:r>
-                        <a:rPr lang="en-US" altLang="zh-CN" dirty="0"/>
-                        <a:t>2.20 / 2.74</a:t>
-                      </a:r>
-                      <a:endParaRPr lang="zh-CN" altLang="en-US" dirty="0"/>
-                    </a:p>
-                  </a:txBody>
-                  <a:tcPr/>
-                </a:tc>
-                <a:tc>
-                  <a:txBody>
-                    <a:bodyPr/>
-                    <a:lstStyle/>
-                    <a:p>
-                      <a:pPr algn="ctr"/>
-                      <a:r>
-                        <a:rPr lang="en-US" altLang="zh-CN" dirty="0"/>
-                        <a:t>4.85 / 5.88</a:t>
-                      </a:r>
-                      <a:endParaRPr lang="zh-CN" altLang="en-US" dirty="0"/>
-                    </a:p>
-                  </a:txBody>
-                  <a:tcPr/>
-                </a:tc>
-                <a:extLst>
-                  <a:ext uri="{0D108BD9-81ED-4DB2-BD59-A6C34878D82A}">
-                    <a16:rowId xmlns:a16="http://schemas.microsoft.com/office/drawing/2014/main" val="26936941"/>
-                  </a:ext>
-                </a:extLst>
-              </a:tr>
-              <a:tr h="370840">
-                <a:tc>
-                  <a:txBody>
-                    <a:bodyPr/>
-                    <a:lstStyle/>
-                    <a:p>
-                      <a:pPr marL="0" marR="0" lvl="0" indent="0" algn="l" defTabSz="914400" rtl="0" eaLnBrk="1" fontAlgn="auto" latinLnBrk="0" hangingPunct="1">
-                        <a:lnSpc>
-                          <a:spcPct val="100000"/>
-                        </a:lnSpc>
-                        <a:spcBef>
-                          <a:spcPts val="0"/>
-                        </a:spcBef>
-                        <a:spcAft>
-                          <a:spcPts val="0"/>
-                        </a:spcAft>
-                        <a:buClrTx/>
-                        <a:buSzTx/>
-                        <a:buFontTx/>
-                        <a:buNone/>
-                        <a:tabLst/>
-                        <a:defRPr/>
-                      </a:pPr>
-                      <a:r>
-                        <a:rPr lang="en-US" altLang="zh-CN" dirty="0"/>
-                        <a:t>Weighted Avg</a:t>
-                      </a:r>
-                      <a:endParaRPr lang="zh-CN" altLang="en-US" dirty="0"/>
-                    </a:p>
-                  </a:txBody>
-                  <a:tcPr/>
-                </a:tc>
-                <a:tc>
-                  <a:txBody>
-                    <a:bodyPr/>
-                    <a:lstStyle/>
-                    <a:p>
-                      <a:pPr marL="0" marR="0" lvl="0" indent="0" algn="l" defTabSz="914400" rtl="0" eaLnBrk="1" fontAlgn="auto" latinLnBrk="0" hangingPunct="1">
-                        <a:lnSpc>
-                          <a:spcPct val="100000"/>
-                        </a:lnSpc>
-                        <a:spcBef>
-                          <a:spcPts val="0"/>
-                        </a:spcBef>
-                        <a:spcAft>
-                          <a:spcPts val="0"/>
-                        </a:spcAft>
-                        <a:buClrTx/>
-                        <a:buSzTx/>
-                        <a:buFontTx/>
-                        <a:buNone/>
-                        <a:tabLst/>
-                        <a:defRPr/>
-                      </a:pPr>
-                      <a:r>
-                        <a:rPr lang="en-US" altLang="zh-CN" dirty="0"/>
-                        <a:t>No RR, Peak-Based Segmentation</a:t>
-                      </a:r>
-                      <a:endParaRPr lang="zh-CN" altLang="en-US" dirty="0"/>
-                    </a:p>
-                  </a:txBody>
-                  <a:tcPr/>
-                </a:tc>
-                <a:tc>
-                  <a:txBody>
-                    <a:bodyPr/>
-                    <a:lstStyle/>
-                    <a:p>
-                      <a:pPr marL="0" marR="0" lvl="0" indent="0" algn="ctr" defTabSz="914400" rtl="0" eaLnBrk="1" fontAlgn="auto" latinLnBrk="0" hangingPunct="1">
-                        <a:lnSpc>
-                          <a:spcPct val="100000"/>
-                        </a:lnSpc>
-                        <a:spcBef>
-                          <a:spcPts val="0"/>
-                        </a:spcBef>
-                        <a:spcAft>
-                          <a:spcPts val="0"/>
-                        </a:spcAft>
-                        <a:buClrTx/>
-                        <a:buSzTx/>
-                        <a:buFontTx/>
-                        <a:buNone/>
-                        <a:tabLst/>
-                        <a:defRPr/>
-                      </a:pPr>
-                      <a:r>
-                        <a:rPr lang="en-US" altLang="zh-CN" dirty="0"/>
-                        <a:t>1.95 / 1.98</a:t>
-                      </a:r>
-                      <a:endParaRPr lang="zh-CN" altLang="en-US" dirty="0"/>
-                    </a:p>
-                  </a:txBody>
-                  <a:tcPr/>
-                </a:tc>
-                <a:tc>
-                  <a:txBody>
-                    <a:bodyPr/>
-                    <a:lstStyle/>
-                    <a:p>
-                      <a:pPr marL="0" marR="0" lvl="0" indent="0" algn="ctr" defTabSz="914400" rtl="0" eaLnBrk="1" fontAlgn="auto" latinLnBrk="0" hangingPunct="1">
-                        <a:lnSpc>
-                          <a:spcPct val="100000"/>
-                        </a:lnSpc>
-                        <a:spcBef>
-                          <a:spcPts val="0"/>
-                        </a:spcBef>
-                        <a:spcAft>
-                          <a:spcPts val="0"/>
-                        </a:spcAft>
-                        <a:buClrTx/>
-                        <a:buSzTx/>
-                        <a:buFontTx/>
-                        <a:buNone/>
-                        <a:tabLst/>
-                        <a:defRPr/>
-                      </a:pPr>
-                      <a:r>
-                        <a:rPr lang="en-US" altLang="zh-CN" dirty="0"/>
-                        <a:t>4.63 / 4.74</a:t>
-                      </a:r>
-                      <a:endParaRPr lang="zh-CN" altLang="en-US" dirty="0"/>
-                    </a:p>
-                  </a:txBody>
-                  <a:tcPr/>
-                </a:tc>
-                <a:extLst>
-                  <a:ext uri="{0D108BD9-81ED-4DB2-BD59-A6C34878D82A}">
-                    <a16:rowId xmlns:a16="http://schemas.microsoft.com/office/drawing/2014/main" val="766016371"/>
-                  </a:ext>
-                </a:extLst>
-              </a:tr>
-              <a:tr h="370840">
-                <a:tc>
-                  <a:txBody>
-                    <a:bodyPr/>
-                    <a:lstStyle/>
-                    <a:p>
-                      <a:r>
-                        <a:rPr lang="en-US" altLang="zh-CN" dirty="0"/>
-                        <a:t>K-shape 2</a:t>
-                      </a:r>
-                      <a:endParaRPr lang="zh-CN" altLang="en-US" dirty="0"/>
-                    </a:p>
-                  </a:txBody>
-                  <a:tcPr/>
-                </a:tc>
-                <a:tc>
-                  <a:txBody>
-                    <a:bodyPr/>
-                    <a:lstStyle/>
-                    <a:p>
-                      <a:pPr marL="0" marR="0" lvl="0" indent="0" algn="l" defTabSz="914400" rtl="0" eaLnBrk="1" fontAlgn="auto" latinLnBrk="0" hangingPunct="1">
-                        <a:lnSpc>
-                          <a:spcPct val="100000"/>
-                        </a:lnSpc>
-                        <a:spcBef>
-                          <a:spcPts val="0"/>
-                        </a:spcBef>
-                        <a:spcAft>
-                          <a:spcPts val="0"/>
-                        </a:spcAft>
-                        <a:buClrTx/>
-                        <a:buSzTx/>
-                        <a:buFontTx/>
-                        <a:buNone/>
-                        <a:tabLst/>
-                        <a:defRPr/>
-                      </a:pPr>
-                      <a:r>
-                        <a:rPr lang="en-US" altLang="zh-CN" dirty="0"/>
-                        <a:t>No RR, Peak-Based Segmentation</a:t>
-                      </a:r>
-                      <a:endParaRPr lang="zh-CN" altLang="en-US" dirty="0"/>
-                    </a:p>
-                  </a:txBody>
-                  <a:tcPr/>
-                </a:tc>
-                <a:tc>
-                  <a:txBody>
-                    <a:bodyPr/>
-                    <a:lstStyle/>
-                    <a:p>
-                      <a:pPr algn="ctr"/>
-                      <a:r>
-                        <a:rPr lang="en-US" altLang="zh-CN" dirty="0"/>
-                        <a:t>2.18 / 1.79</a:t>
-                      </a:r>
-                      <a:endParaRPr lang="zh-CN" altLang="en-US" dirty="0"/>
-                    </a:p>
-                  </a:txBody>
-                  <a:tcPr/>
-                </a:tc>
-                <a:tc>
-                  <a:txBody>
-                    <a:bodyPr/>
-                    <a:lstStyle/>
-                    <a:p>
-                      <a:pPr algn="ctr"/>
-                      <a:r>
-                        <a:rPr lang="en-US" altLang="zh-CN" dirty="0"/>
-                        <a:t>4.76 / 5.24</a:t>
-                      </a:r>
-                      <a:endParaRPr lang="zh-CN" altLang="en-US" dirty="0"/>
-                    </a:p>
-                  </a:txBody>
-                  <a:tcPr/>
-                </a:tc>
-                <a:extLst>
-                  <a:ext uri="{0D108BD9-81ED-4DB2-BD59-A6C34878D82A}">
-                    <a16:rowId xmlns:a16="http://schemas.microsoft.com/office/drawing/2014/main" val="1684763513"/>
-                  </a:ext>
-                </a:extLst>
-              </a:tr>
-              <a:tr h="370840">
-                <a:tc>
-                  <a:txBody>
-                    <a:bodyPr/>
-                    <a:lstStyle/>
-                    <a:p>
-                      <a:r>
-                        <a:rPr lang="en-US" altLang="zh-CN" dirty="0"/>
-                        <a:t>Kalman Filter</a:t>
-                      </a:r>
-                      <a:endParaRPr lang="zh-CN" altLang="en-US" dirty="0"/>
-                    </a:p>
-                  </a:txBody>
-                  <a:tcPr/>
-                </a:tc>
-                <a:tc>
-                  <a:txBody>
-                    <a:bodyPr/>
-                    <a:lstStyle/>
-                    <a:p>
-                      <a:pPr marL="0" marR="0" lvl="0" indent="0" algn="l" defTabSz="914400" rtl="0" eaLnBrk="1" fontAlgn="auto" latinLnBrk="0" hangingPunct="1">
-                        <a:lnSpc>
-                          <a:spcPct val="100000"/>
-                        </a:lnSpc>
-                        <a:spcBef>
-                          <a:spcPts val="0"/>
-                        </a:spcBef>
-                        <a:spcAft>
-                          <a:spcPts val="0"/>
-                        </a:spcAft>
-                        <a:buClrTx/>
-                        <a:buSzTx/>
-                        <a:buFontTx/>
-                        <a:buNone/>
-                        <a:tabLst/>
-                        <a:defRPr/>
-                      </a:pPr>
-                      <a:r>
-                        <a:rPr lang="en-US" altLang="zh-CN" dirty="0"/>
-                        <a:t>No RR, Peak-Based Segmentation</a:t>
-                      </a:r>
-                      <a:endParaRPr lang="zh-CN" altLang="en-US" dirty="0"/>
-                    </a:p>
-                  </a:txBody>
-                  <a:tcPr/>
-                </a:tc>
-                <a:tc>
-                  <a:txBody>
-                    <a:bodyPr/>
-                    <a:lstStyle/>
-                    <a:p>
-                      <a:r>
-                        <a:rPr lang="en-US" altLang="zh-CN" sz="1800" kern="1200" dirty="0">
-                          <a:solidFill>
-                            <a:schemeClr val="dk1"/>
-                          </a:solidFill>
-                          <a:effectLst/>
-                          <a:latin typeface="+mn-lt"/>
-                          <a:ea typeface="+mn-ea"/>
-                          <a:cs typeface="+mn-cs"/>
-                        </a:rPr>
-                        <a:t>  1.45 / 1.37</a:t>
-                      </a:r>
-                      <a:endParaRPr lang="zh-CN" altLang="en-US" dirty="0"/>
-                    </a:p>
-                  </a:txBody>
-                  <a:tcPr/>
-                </a:tc>
-                <a:tc>
-                  <a:txBody>
-                    <a:bodyPr/>
-                    <a:lstStyle/>
-                    <a:p>
-                      <a:r>
-                        <a:rPr lang="en-US" altLang="zh-CN" sz="1800" kern="1200" dirty="0">
-                          <a:solidFill>
-                            <a:schemeClr val="dk1"/>
-                          </a:solidFill>
-                          <a:effectLst/>
-                          <a:latin typeface="+mn-lt"/>
-                          <a:ea typeface="+mn-ea"/>
-                          <a:cs typeface="+mn-cs"/>
-                        </a:rPr>
-                        <a:t>  4.82 / 4.60</a:t>
-                      </a:r>
-                      <a:endParaRPr lang="zh-CN" altLang="en-US" dirty="0"/>
-                    </a:p>
-                  </a:txBody>
-                  <a:tcPr/>
-                </a:tc>
-                <a:extLst>
-                  <a:ext uri="{0D108BD9-81ED-4DB2-BD59-A6C34878D82A}">
-                    <a16:rowId xmlns:a16="http://schemas.microsoft.com/office/drawing/2014/main" val="1409619234"/>
-                  </a:ext>
-                </a:extLst>
-              </a:tr>
-              <a:tr h="370840">
-                <a:tc>
-                  <a:txBody>
-                    <a:bodyPr/>
-                    <a:lstStyle/>
-                    <a:p>
-                      <a:r>
-                        <a:rPr lang="en-US" altLang="zh-CN" b="1" dirty="0"/>
-                        <a:t>DBA</a:t>
-                      </a:r>
-                      <a:endParaRPr lang="zh-CN" altLang="en-US" b="1" dirty="0"/>
-                    </a:p>
-                  </a:txBody>
-                  <a:tcPr/>
-                </a:tc>
-                <a:tc>
-                  <a:txBody>
-                    <a:bodyPr/>
-                    <a:lstStyle/>
-                    <a:p>
-                      <a:pPr marL="0" marR="0" lvl="0" indent="0" algn="l" defTabSz="914400" rtl="0" eaLnBrk="1" fontAlgn="auto" latinLnBrk="0" hangingPunct="1">
-                        <a:lnSpc>
-                          <a:spcPct val="100000"/>
-                        </a:lnSpc>
-                        <a:spcBef>
-                          <a:spcPts val="0"/>
-                        </a:spcBef>
-                        <a:spcAft>
-                          <a:spcPts val="0"/>
-                        </a:spcAft>
-                        <a:buClrTx/>
-                        <a:buSzTx/>
-                        <a:buFontTx/>
-                        <a:buNone/>
-                        <a:tabLst/>
-                        <a:defRPr/>
-                      </a:pPr>
-                      <a:r>
-                        <a:rPr lang="en-US" altLang="zh-CN" dirty="0"/>
-                        <a:t>No RR, Peak-Based Segmentation</a:t>
-                      </a:r>
-                      <a:endParaRPr lang="zh-CN" altLang="en-US" dirty="0"/>
-                    </a:p>
-                  </a:txBody>
-                  <a:tcPr/>
-                </a:tc>
-                <a:tc>
-                  <a:txBody>
-                    <a:bodyPr/>
-                    <a:lstStyle/>
-                    <a:p>
-                      <a:pPr algn="ctr"/>
-                      <a:r>
-                        <a:rPr lang="en-US" altLang="zh-CN" u="sng" dirty="0"/>
-                        <a:t>2.05 / 1.96</a:t>
-                      </a:r>
-                      <a:endParaRPr lang="zh-CN" altLang="en-US" u="sng" dirty="0"/>
-                    </a:p>
-                  </a:txBody>
-                  <a:tcPr/>
-                </a:tc>
-                <a:tc>
-                  <a:txBody>
-                    <a:bodyPr/>
-                    <a:lstStyle/>
-                    <a:p>
-                      <a:pPr algn="ctr"/>
-                      <a:r>
-                        <a:rPr lang="en-US" altLang="zh-CN" u="sng" dirty="0"/>
-                        <a:t>3.43 / 4.15</a:t>
-                      </a:r>
-                      <a:endParaRPr lang="zh-CN" altLang="en-US" u="sng" dirty="0"/>
-                    </a:p>
-                  </a:txBody>
-                  <a:tcPr/>
-                </a:tc>
-                <a:extLst>
-                  <a:ext uri="{0D108BD9-81ED-4DB2-BD59-A6C34878D82A}">
-                    <a16:rowId xmlns:a16="http://schemas.microsoft.com/office/drawing/2014/main" val="994351504"/>
-                  </a:ext>
-                </a:extLst>
-              </a:tr>
-              <a:tr h="370840">
-                <a:tc>
-                  <a:txBody>
-                    <a:bodyPr/>
-                    <a:lstStyle/>
-                    <a:p>
-                      <a:r>
-                        <a:rPr lang="en-US" altLang="zh-CN" b="0" dirty="0"/>
-                        <a:t>NLAAF1</a:t>
-                      </a:r>
-                      <a:endParaRPr lang="zh-CN" altLang="en-US" b="0" dirty="0"/>
-                    </a:p>
-                  </a:txBody>
-                  <a:tcPr/>
-                </a:tc>
-                <a:tc>
-                  <a:txBody>
-                    <a:bodyPr/>
-                    <a:lstStyle/>
-                    <a:p>
-                      <a:pPr marL="0" marR="0" lvl="0" indent="0" algn="l" defTabSz="914400" rtl="0" eaLnBrk="1" fontAlgn="auto" latinLnBrk="0" hangingPunct="1">
-                        <a:lnSpc>
-                          <a:spcPct val="100000"/>
-                        </a:lnSpc>
-                        <a:spcBef>
-                          <a:spcPts val="0"/>
-                        </a:spcBef>
-                        <a:spcAft>
-                          <a:spcPts val="0"/>
-                        </a:spcAft>
-                        <a:buClrTx/>
-                        <a:buSzTx/>
-                        <a:buFontTx/>
-                        <a:buNone/>
-                        <a:tabLst/>
-                        <a:defRPr/>
-                      </a:pPr>
-                      <a:r>
-                        <a:rPr lang="en-US" altLang="zh-CN" dirty="0"/>
-                        <a:t>No RR, Peak-Based Segmentation</a:t>
-                      </a:r>
-                      <a:endParaRPr lang="zh-CN" altLang="en-US" dirty="0"/>
-                    </a:p>
-                  </a:txBody>
-                  <a:tcPr/>
-                </a:tc>
-                <a:tc>
-                  <a:txBody>
-                    <a:bodyPr/>
-                    <a:lstStyle/>
-                    <a:p>
-                      <a:pPr algn="ctr"/>
-                      <a:r>
-                        <a:rPr lang="en-US" altLang="zh-CN" u="none" dirty="0"/>
-                        <a:t>8.43 / 23.19</a:t>
-                      </a:r>
-                      <a:endParaRPr lang="zh-CN" altLang="en-US" u="none" dirty="0"/>
-                    </a:p>
-                  </a:txBody>
-                  <a:tcPr/>
-                </a:tc>
-                <a:tc>
-                  <a:txBody>
-                    <a:bodyPr/>
-                    <a:lstStyle/>
-                    <a:p>
-                      <a:pPr algn="ctr"/>
-                      <a:r>
-                        <a:rPr lang="en-US" altLang="zh-CN" u="none" dirty="0"/>
-                        <a:t>3.14 / 5.21</a:t>
-                      </a:r>
-                      <a:endParaRPr lang="zh-CN" altLang="en-US" u="none" dirty="0"/>
-                    </a:p>
-                  </a:txBody>
-                  <a:tcPr/>
-                </a:tc>
-                <a:extLst>
-                  <a:ext uri="{0D108BD9-81ED-4DB2-BD59-A6C34878D82A}">
-                    <a16:rowId xmlns:a16="http://schemas.microsoft.com/office/drawing/2014/main" val="707339749"/>
-                  </a:ext>
-                </a:extLst>
-              </a:tr>
-              <a:tr h="370840">
-                <a:tc>
-                  <a:txBody>
-                    <a:bodyPr/>
-                    <a:lstStyle/>
-                    <a:p>
-                      <a:r>
-                        <a:rPr lang="en-US" altLang="zh-CN" b="0" dirty="0"/>
-                        <a:t>NLAAF2</a:t>
-                      </a:r>
-                      <a:endParaRPr lang="zh-CN" altLang="en-US" b="0" dirty="0"/>
-                    </a:p>
-                  </a:txBody>
-                  <a:tcPr/>
-                </a:tc>
-                <a:tc>
-                  <a:txBody>
-                    <a:bodyPr/>
-                    <a:lstStyle/>
-                    <a:p>
-                      <a:pPr marL="0" marR="0" lvl="0" indent="0" algn="l" defTabSz="914400" rtl="0" eaLnBrk="1" fontAlgn="auto" latinLnBrk="0" hangingPunct="1">
-                        <a:lnSpc>
-                          <a:spcPct val="100000"/>
-                        </a:lnSpc>
-                        <a:spcBef>
-                          <a:spcPts val="0"/>
-                        </a:spcBef>
-                        <a:spcAft>
-                          <a:spcPts val="0"/>
-                        </a:spcAft>
-                        <a:buClrTx/>
-                        <a:buSzTx/>
-                        <a:buFontTx/>
-                        <a:buNone/>
-                        <a:tabLst/>
-                        <a:defRPr/>
-                      </a:pPr>
-                      <a:r>
-                        <a:rPr lang="en-US" altLang="zh-CN" dirty="0"/>
-                        <a:t>No RR, Peak-Based Segmentation</a:t>
-                      </a:r>
-                      <a:endParaRPr lang="zh-CN" altLang="en-US" dirty="0"/>
-                    </a:p>
-                  </a:txBody>
-                  <a:tcPr/>
-                </a:tc>
-                <a:tc>
-                  <a:txBody>
-                    <a:bodyPr/>
-                    <a:lstStyle/>
-                    <a:p>
-                      <a:pPr algn="ctr"/>
-                      <a:r>
-                        <a:rPr lang="en-US" altLang="zh-CN" u="none" dirty="0"/>
-                        <a:t>20.67 / 33.39</a:t>
-                      </a:r>
-                      <a:endParaRPr lang="zh-CN" altLang="en-US" u="none" dirty="0"/>
-                    </a:p>
-                  </a:txBody>
-                  <a:tcPr/>
-                </a:tc>
-                <a:tc>
-                  <a:txBody>
-                    <a:bodyPr/>
-                    <a:lstStyle/>
-                    <a:p>
-                      <a:pPr algn="ctr"/>
-                      <a:r>
-                        <a:rPr lang="en-US" altLang="zh-CN" u="none" dirty="0"/>
-                        <a:t>3.64 / 7.04</a:t>
-                      </a:r>
-                      <a:endParaRPr lang="zh-CN" altLang="en-US" u="none" dirty="0"/>
-                    </a:p>
-                  </a:txBody>
-                  <a:tcPr/>
-                </a:tc>
-                <a:extLst>
-                  <a:ext uri="{0D108BD9-81ED-4DB2-BD59-A6C34878D82A}">
-                    <a16:rowId xmlns:a16="http://schemas.microsoft.com/office/drawing/2014/main" val="776674729"/>
-                  </a:ext>
-                </a:extLst>
-              </a:tr>
-              <a:tr h="370840">
-                <a:tc>
-                  <a:txBody>
-                    <a:bodyPr/>
-                    <a:lstStyle/>
-                    <a:p>
-                      <a:r>
-                        <a:rPr lang="en-US" altLang="zh-CN" b="0" dirty="0"/>
-                        <a:t>GTW</a:t>
-                      </a:r>
-                      <a:endParaRPr lang="zh-CN" altLang="en-US" b="0" dirty="0"/>
-                    </a:p>
-                  </a:txBody>
-                  <a:tcPr/>
-                </a:tc>
-                <a:tc>
-                  <a:txBody>
-                    <a:bodyPr/>
-                    <a:lstStyle/>
-                    <a:p>
-                      <a:pPr marL="0" marR="0" lvl="0" indent="0" algn="l" defTabSz="914400" rtl="0" eaLnBrk="1" fontAlgn="auto" latinLnBrk="0" hangingPunct="1">
-                        <a:lnSpc>
-                          <a:spcPct val="100000"/>
-                        </a:lnSpc>
-                        <a:spcBef>
-                          <a:spcPts val="0"/>
-                        </a:spcBef>
-                        <a:spcAft>
-                          <a:spcPts val="0"/>
-                        </a:spcAft>
-                        <a:buClrTx/>
-                        <a:buSzTx/>
-                        <a:buFontTx/>
-                        <a:buNone/>
-                        <a:tabLst/>
-                        <a:defRPr/>
-                      </a:pPr>
-                      <a:r>
-                        <a:rPr lang="en-US" altLang="zh-CN" dirty="0"/>
-                        <a:t>No RR, Peak-Based Segmentation</a:t>
-                      </a:r>
-                      <a:endParaRPr lang="zh-CN" altLang="en-US" dirty="0"/>
-                    </a:p>
-                  </a:txBody>
-                  <a:tcPr/>
-                </a:tc>
-                <a:tc>
-                  <a:txBody>
-                    <a:bodyPr/>
-                    <a:lstStyle/>
-                    <a:p>
-                      <a:pPr algn="ctr"/>
-                      <a:r>
-                        <a:rPr lang="en-US" altLang="zh-CN" u="none" dirty="0"/>
-                        <a:t>- / -</a:t>
-                      </a:r>
-                      <a:endParaRPr lang="zh-CN" altLang="en-US" u="none" dirty="0"/>
-                    </a:p>
-                  </a:txBody>
-                  <a:tcPr/>
-                </a:tc>
-                <a:tc>
-                  <a:txBody>
-                    <a:bodyPr/>
-                    <a:lstStyle/>
-                    <a:p>
-                      <a:pPr algn="ctr"/>
-                      <a:r>
-                        <a:rPr lang="en-US" altLang="zh-CN" u="none" dirty="0"/>
-                        <a:t>- / -</a:t>
-                      </a:r>
-                      <a:endParaRPr lang="zh-CN" altLang="en-US" u="none" dirty="0"/>
-                    </a:p>
-                  </a:txBody>
-                  <a:tcPr/>
-                </a:tc>
-                <a:extLst>
-                  <a:ext uri="{0D108BD9-81ED-4DB2-BD59-A6C34878D82A}">
-                    <a16:rowId xmlns:a16="http://schemas.microsoft.com/office/drawing/2014/main" val="1109670016"/>
-                  </a:ext>
-                </a:extLst>
-              </a:tr>
-              <a:tr h="370840">
-                <a:tc>
-                  <a:txBody>
-                    <a:bodyPr/>
-                    <a:lstStyle/>
-                    <a:p>
-                      <a:r>
-                        <a:rPr lang="en-US" altLang="zh-CN" b="0" dirty="0"/>
-                        <a:t>TTW</a:t>
-                      </a:r>
-                      <a:endParaRPr lang="zh-CN" altLang="en-US" b="0" dirty="0"/>
-                    </a:p>
-                  </a:txBody>
-                  <a:tcPr/>
-                </a:tc>
-                <a:tc>
-                  <a:txBody>
-                    <a:bodyPr/>
-                    <a:lstStyle/>
-                    <a:p>
-                      <a:pPr marL="0" marR="0" lvl="0" indent="0" algn="l" defTabSz="914400" rtl="0" eaLnBrk="1" fontAlgn="auto" latinLnBrk="0" hangingPunct="1">
-                        <a:lnSpc>
-                          <a:spcPct val="100000"/>
-                        </a:lnSpc>
-                        <a:spcBef>
-                          <a:spcPts val="0"/>
-                        </a:spcBef>
-                        <a:spcAft>
-                          <a:spcPts val="0"/>
-                        </a:spcAft>
-                        <a:buClrTx/>
-                        <a:buSzTx/>
-                        <a:buFontTx/>
-                        <a:buNone/>
-                        <a:tabLst/>
-                        <a:defRPr/>
-                      </a:pPr>
-                      <a:r>
-                        <a:rPr lang="en-US" altLang="zh-CN" dirty="0"/>
-                        <a:t>No RR, Peak-Based Segmentation</a:t>
-                      </a:r>
-                      <a:endParaRPr lang="zh-CN" altLang="en-US" dirty="0"/>
-                    </a:p>
-                  </a:txBody>
-                  <a:tcPr/>
-                </a:tc>
-                <a:tc>
-                  <a:txBody>
-                    <a:bodyPr/>
-                    <a:lstStyle/>
-                    <a:p>
-                      <a:pPr algn="ctr"/>
-                      <a:r>
-                        <a:rPr lang="en-US" altLang="zh-CN" u="none" dirty="0"/>
-                        <a:t>1.52 / </a:t>
-                      </a:r>
-                      <a:endParaRPr lang="zh-CN" altLang="en-US" u="none" dirty="0"/>
-                    </a:p>
-                  </a:txBody>
-                  <a:tcPr/>
-                </a:tc>
-                <a:tc>
-                  <a:txBody>
-                    <a:bodyPr/>
-                    <a:lstStyle/>
-                    <a:p>
-                      <a:pPr algn="ctr"/>
-                      <a:r>
-                        <a:rPr lang="en-US" altLang="zh-CN" u="none" dirty="0"/>
-                        <a:t>4.28 / </a:t>
-                      </a:r>
-                      <a:endParaRPr lang="zh-CN" altLang="en-US" u="none" dirty="0"/>
-                    </a:p>
-                  </a:txBody>
-                  <a:tcPr/>
-                </a:tc>
-                <a:extLst>
-                  <a:ext uri="{0D108BD9-81ED-4DB2-BD59-A6C34878D82A}">
-                    <a16:rowId xmlns:a16="http://schemas.microsoft.com/office/drawing/2014/main" val="3414411294"/>
-                  </a:ext>
-                </a:extLst>
-              </a:tr>
-              <a:tr h="370840">
-                <a:tc>
-                  <a:txBody>
-                    <a:bodyPr/>
-                    <a:lstStyle/>
-                    <a:p>
-                      <a:r>
-                        <a:rPr lang="en-US" altLang="zh-CN" b="0" dirty="0"/>
-                        <a:t>K-SC</a:t>
-                      </a:r>
-                      <a:endParaRPr lang="zh-CN" altLang="en-US" b="0" dirty="0"/>
-                    </a:p>
-                  </a:txBody>
-                  <a:tcPr/>
-                </a:tc>
-                <a:tc>
-                  <a:txBody>
-                    <a:bodyPr/>
-                    <a:lstStyle/>
-                    <a:p>
-                      <a:pPr marL="0" marR="0" lvl="0" indent="0" algn="l" defTabSz="914400" rtl="0" eaLnBrk="1" fontAlgn="auto" latinLnBrk="0" hangingPunct="1">
-                        <a:lnSpc>
-                          <a:spcPct val="100000"/>
-                        </a:lnSpc>
-                        <a:spcBef>
-                          <a:spcPts val="0"/>
-                        </a:spcBef>
-                        <a:spcAft>
-                          <a:spcPts val="0"/>
-                        </a:spcAft>
-                        <a:buClrTx/>
-                        <a:buSzTx/>
-                        <a:buFontTx/>
-                        <a:buNone/>
-                        <a:tabLst/>
-                        <a:defRPr/>
-                      </a:pPr>
-                      <a:r>
-                        <a:rPr lang="en-US" altLang="zh-CN" dirty="0"/>
-                        <a:t>No RR, Peak-Based Segmentation</a:t>
-                      </a:r>
-                      <a:endParaRPr lang="zh-CN" altLang="en-US" dirty="0"/>
-                    </a:p>
-                  </a:txBody>
-                  <a:tcPr/>
-                </a:tc>
-                <a:tc>
-                  <a:txBody>
-                    <a:bodyPr/>
-                    <a:lstStyle/>
-                    <a:p>
-                      <a:pPr algn="ctr"/>
-                      <a:endParaRPr lang="zh-CN" altLang="en-US" u="none" dirty="0"/>
-                    </a:p>
-                  </a:txBody>
-                  <a:tcPr/>
-                </a:tc>
-                <a:tc>
-                  <a:txBody>
-                    <a:bodyPr/>
-                    <a:lstStyle/>
-                    <a:p>
-                      <a:pPr algn="ctr"/>
-                      <a:endParaRPr lang="zh-CN" altLang="en-US" u="none" dirty="0"/>
-                    </a:p>
-                  </a:txBody>
-                  <a:tcPr/>
-                </a:tc>
-                <a:extLst>
-                  <a:ext uri="{0D108BD9-81ED-4DB2-BD59-A6C34878D82A}">
-                    <a16:rowId xmlns:a16="http://schemas.microsoft.com/office/drawing/2014/main" val="1723074394"/>
-                  </a:ext>
-                </a:extLst>
-              </a:tr>
-            </a:tbl>
-          </a:graphicData>
-        </a:graphic>
-      </p:graphicFrame>
-    </p:spTree>
-    <p:extLst>
-      <p:ext uri="{BB962C8B-B14F-4D97-AF65-F5344CB8AC3E}">
-        <p14:creationId xmlns:p14="http://schemas.microsoft.com/office/powerpoint/2010/main" val="2541047928"/>
-      </p:ext>
-    </p:extLst>
-  </p:cSld>
-  <p:clrMapOvr>
-    <a:masterClrMapping/>
-  </p:clrMapOvr>
-</p:sld>
-</file>
-
-<file path=ppt/slides/slide4.xml><?xml version="1.0" encoding="utf-8"?>
 <p:sld xmlns:a="http://schemas.openxmlformats.org/drawingml/2006/main" xmlns:r="http://schemas.openxmlformats.org/officeDocument/2006/relationships" xmlns:p="http://schemas.openxmlformats.org/presentationml/2006/main">
   <p:cSld>
     <p:spTree>
@@ -8189,7 +6683,7 @@
 </p:sld>
 </file>
 
-<file path=ppt/slides/slide5.xml><?xml version="1.0" encoding="utf-8"?>
+<file path=ppt/slides/slide11.xml><?xml version="1.0" encoding="utf-8"?>
 <p:sld xmlns:a="http://schemas.openxmlformats.org/drawingml/2006/main" xmlns:r="http://schemas.openxmlformats.org/officeDocument/2006/relationships" xmlns:p="http://schemas.openxmlformats.org/presentationml/2006/main">
   <p:cSld>
     <p:spTree>
@@ -8661,1125 +7155,7 @@
 </p:sld>
 </file>
 
-<file path=ppt/slides/slide6.xml><?xml version="1.0" encoding="utf-8"?>
-<p:sld xmlns:a="http://schemas.openxmlformats.org/drawingml/2006/main" xmlns:r="http://schemas.openxmlformats.org/officeDocument/2006/relationships" xmlns:p="http://schemas.openxmlformats.org/presentationml/2006/main">
-  <p:cSld>
-    <p:spTree>
-      <p:nvGrpSpPr>
-        <p:cNvPr id="1" name=""/>
-        <p:cNvGrpSpPr/>
-        <p:nvPr/>
-      </p:nvGrpSpPr>
-      <p:grpSpPr>
-        <a:xfrm>
-          <a:off x="0" y="0"/>
-          <a:ext cx="0" cy="0"/>
-          <a:chOff x="0" y="0"/>
-          <a:chExt cx="0" cy="0"/>
-        </a:xfrm>
-      </p:grpSpPr>
-      <p:sp>
-        <p:nvSpPr>
-          <p:cNvPr id="3" name="文本框 2">
-            <a:extLst>
-              <a:ext uri="{FF2B5EF4-FFF2-40B4-BE49-F238E27FC236}">
-                <a16:creationId xmlns:a16="http://schemas.microsoft.com/office/drawing/2014/main" id="{7AE48ACF-556B-341C-B600-0C8B9E70A747}"/>
-              </a:ext>
-            </a:extLst>
-          </p:cNvPr>
-          <p:cNvSpPr txBox="1"/>
-          <p:nvPr/>
-        </p:nvSpPr>
-        <p:spPr>
-          <a:xfrm>
-            <a:off x="3795484" y="2278742"/>
-            <a:ext cx="2772227" cy="369332"/>
-          </a:xfrm>
-          <a:prstGeom prst="rect">
-            <a:avLst/>
-          </a:prstGeom>
-          <a:noFill/>
-        </p:spPr>
-        <p:txBody>
-          <a:bodyPr wrap="square" rtlCol="0">
-            <a:spAutoFit/>
-          </a:bodyPr>
-          <a:lstStyle/>
-          <a:p>
-            <a:pPr algn="ctr"/>
-            <a:r>
-              <a:rPr lang="en-US" altLang="zh-CN" dirty="0"/>
-              <a:t>Time</a:t>
-            </a:r>
-            <a:r>
-              <a:rPr lang="zh-CN" altLang="en-US" dirty="0"/>
-              <a:t> </a:t>
-            </a:r>
-            <a:r>
-              <a:rPr lang="en-US" altLang="zh-CN" dirty="0"/>
-              <a:t>Series Average</a:t>
-            </a:r>
-          </a:p>
-        </p:txBody>
-      </p:sp>
-      <p:sp>
-        <p:nvSpPr>
-          <p:cNvPr id="4" name="文本框 3">
-            <a:extLst>
-              <a:ext uri="{FF2B5EF4-FFF2-40B4-BE49-F238E27FC236}">
-                <a16:creationId xmlns:a16="http://schemas.microsoft.com/office/drawing/2014/main" id="{23C11155-8B77-89B0-4860-5971201C7B37}"/>
-              </a:ext>
-            </a:extLst>
-          </p:cNvPr>
-          <p:cNvSpPr txBox="1"/>
-          <p:nvPr/>
-        </p:nvSpPr>
-        <p:spPr>
-          <a:xfrm>
-            <a:off x="7046688" y="1553029"/>
-            <a:ext cx="1386112" cy="369332"/>
-          </a:xfrm>
-          <a:prstGeom prst="rect">
-            <a:avLst/>
-          </a:prstGeom>
-          <a:noFill/>
-        </p:spPr>
-        <p:txBody>
-          <a:bodyPr wrap="square" rtlCol="0">
-            <a:spAutoFit/>
-          </a:bodyPr>
-          <a:lstStyle/>
-          <a:p>
-            <a:pPr algn="ctr"/>
-            <a:r>
-              <a:rPr lang="en-US" altLang="zh-CN" dirty="0"/>
-              <a:t>With DTW</a:t>
-            </a:r>
-          </a:p>
-        </p:txBody>
-      </p:sp>
-      <p:sp>
-        <p:nvSpPr>
-          <p:cNvPr id="5" name="文本框 4">
-            <a:extLst>
-              <a:ext uri="{FF2B5EF4-FFF2-40B4-BE49-F238E27FC236}">
-                <a16:creationId xmlns:a16="http://schemas.microsoft.com/office/drawing/2014/main" id="{A344159D-8B38-52FD-3DE1-CD6A0DE0F5C4}"/>
-              </a:ext>
-            </a:extLst>
-          </p:cNvPr>
-          <p:cNvSpPr txBox="1"/>
-          <p:nvPr/>
-        </p:nvSpPr>
-        <p:spPr>
-          <a:xfrm>
-            <a:off x="7046688" y="3264205"/>
-            <a:ext cx="1669141" cy="369332"/>
-          </a:xfrm>
-          <a:prstGeom prst="rect">
-            <a:avLst/>
-          </a:prstGeom>
-          <a:noFill/>
-        </p:spPr>
-        <p:txBody>
-          <a:bodyPr wrap="square" rtlCol="0">
-            <a:spAutoFit/>
-          </a:bodyPr>
-          <a:lstStyle/>
-          <a:p>
-            <a:r>
-              <a:rPr lang="en-US" altLang="zh-CN" dirty="0"/>
-              <a:t>Without DTW</a:t>
-            </a:r>
-          </a:p>
-        </p:txBody>
-      </p:sp>
-      <p:sp>
-        <p:nvSpPr>
-          <p:cNvPr id="6" name="文本框 5">
-            <a:extLst>
-              <a:ext uri="{FF2B5EF4-FFF2-40B4-BE49-F238E27FC236}">
-                <a16:creationId xmlns:a16="http://schemas.microsoft.com/office/drawing/2014/main" id="{B33DCD26-E91D-E4F2-B98B-6AB3FA4A058B}"/>
-              </a:ext>
-            </a:extLst>
-          </p:cNvPr>
-          <p:cNvSpPr txBox="1"/>
-          <p:nvPr/>
-        </p:nvSpPr>
-        <p:spPr>
-          <a:xfrm>
-            <a:off x="3795485" y="4157504"/>
-            <a:ext cx="2844799" cy="369332"/>
-          </a:xfrm>
-          <a:prstGeom prst="rect">
-            <a:avLst/>
-          </a:prstGeom>
-          <a:noFill/>
-        </p:spPr>
-        <p:txBody>
-          <a:bodyPr wrap="square" rtlCol="0">
-            <a:spAutoFit/>
-          </a:bodyPr>
-          <a:lstStyle/>
-          <a:p>
-            <a:pPr algn="ctr"/>
-            <a:r>
-              <a:rPr lang="en-US" altLang="zh-CN" dirty="0"/>
-              <a:t>Multi-Sensors Fusion</a:t>
-            </a:r>
-          </a:p>
-        </p:txBody>
-      </p:sp>
-      <p:sp>
-        <p:nvSpPr>
-          <p:cNvPr id="7" name="文本框 6">
-            <a:extLst>
-              <a:ext uri="{FF2B5EF4-FFF2-40B4-BE49-F238E27FC236}">
-                <a16:creationId xmlns:a16="http://schemas.microsoft.com/office/drawing/2014/main" id="{627C9CC3-07EB-4FC8-509C-A038444D1C2C}"/>
-              </a:ext>
-            </a:extLst>
-          </p:cNvPr>
-          <p:cNvSpPr txBox="1"/>
-          <p:nvPr/>
-        </p:nvSpPr>
-        <p:spPr>
-          <a:xfrm>
-            <a:off x="3795485" y="5666934"/>
-            <a:ext cx="2474684" cy="369332"/>
-          </a:xfrm>
-          <a:prstGeom prst="rect">
-            <a:avLst/>
-          </a:prstGeom>
-          <a:noFill/>
-        </p:spPr>
-        <p:txBody>
-          <a:bodyPr wrap="square" rtlCol="0">
-            <a:spAutoFit/>
-          </a:bodyPr>
-          <a:lstStyle/>
-          <a:p>
-            <a:pPr algn="ctr"/>
-            <a:r>
-              <a:rPr lang="en-US" altLang="zh-CN" dirty="0"/>
-              <a:t>Generative Model</a:t>
-            </a:r>
-          </a:p>
-        </p:txBody>
-      </p:sp>
-      <p:sp>
-        <p:nvSpPr>
-          <p:cNvPr id="8" name="文本框 7">
-            <a:extLst>
-              <a:ext uri="{FF2B5EF4-FFF2-40B4-BE49-F238E27FC236}">
-                <a16:creationId xmlns:a16="http://schemas.microsoft.com/office/drawing/2014/main" id="{07F892A6-C949-4EAD-290A-F277A46A8AFE}"/>
-              </a:ext>
-            </a:extLst>
-          </p:cNvPr>
-          <p:cNvSpPr txBox="1"/>
-          <p:nvPr/>
-        </p:nvSpPr>
-        <p:spPr>
-          <a:xfrm>
-            <a:off x="152398" y="3232666"/>
-            <a:ext cx="2910114" cy="646331"/>
-          </a:xfrm>
-          <a:prstGeom prst="rect">
-            <a:avLst/>
-          </a:prstGeom>
-          <a:noFill/>
-        </p:spPr>
-        <p:txBody>
-          <a:bodyPr wrap="square" rtlCol="0">
-            <a:spAutoFit/>
-          </a:bodyPr>
-          <a:lstStyle/>
-          <a:p>
-            <a:pPr algn="ctr"/>
-            <a:r>
-              <a:rPr lang="en-US" altLang="zh-CN" b="1" dirty="0"/>
-              <a:t>Phototype4Regression</a:t>
-            </a:r>
-          </a:p>
-          <a:p>
-            <a:pPr algn="ctr"/>
-            <a:r>
-              <a:rPr lang="en-US" altLang="zh-CN" b="1" dirty="0"/>
-              <a:t>Template4Regression</a:t>
-            </a:r>
-            <a:endParaRPr lang="zh-CN" altLang="en-US" b="1" dirty="0"/>
-          </a:p>
-        </p:txBody>
-      </p:sp>
-      <p:cxnSp>
-        <p:nvCxnSpPr>
-          <p:cNvPr id="10" name="连接符: 曲线 9">
-            <a:extLst>
-              <a:ext uri="{FF2B5EF4-FFF2-40B4-BE49-F238E27FC236}">
-                <a16:creationId xmlns:a16="http://schemas.microsoft.com/office/drawing/2014/main" id="{BCBEFD10-90E2-F646-13B0-CF0C03462D0A}"/>
-              </a:ext>
-            </a:extLst>
-          </p:cNvPr>
-          <p:cNvCxnSpPr>
-            <a:cxnSpLocks/>
-            <a:stCxn id="8" idx="3"/>
-            <a:endCxn id="3" idx="1"/>
-          </p:cNvCxnSpPr>
-          <p:nvPr/>
-        </p:nvCxnSpPr>
-        <p:spPr>
-          <a:xfrm flipV="1">
-            <a:off x="3062512" y="2463408"/>
-            <a:ext cx="732972" cy="1092424"/>
-          </a:xfrm>
-          <a:prstGeom prst="curvedConnector3">
-            <a:avLst/>
-          </a:prstGeom>
-          <a:ln w="19050">
-            <a:solidFill>
-              <a:srgbClr val="172C51"/>
-            </a:solidFill>
-            <a:tailEnd type="triangle"/>
-          </a:ln>
-        </p:spPr>
-        <p:style>
-          <a:lnRef idx="1">
-            <a:schemeClr val="accent1"/>
-          </a:lnRef>
-          <a:fillRef idx="0">
-            <a:schemeClr val="accent1"/>
-          </a:fillRef>
-          <a:effectRef idx="0">
-            <a:schemeClr val="accent1"/>
-          </a:effectRef>
-          <a:fontRef idx="minor">
-            <a:schemeClr val="tx1"/>
-          </a:fontRef>
-        </p:style>
-      </p:cxnSp>
-      <p:cxnSp>
-        <p:nvCxnSpPr>
-          <p:cNvPr id="12" name="连接符: 曲线 11">
-            <a:extLst>
-              <a:ext uri="{FF2B5EF4-FFF2-40B4-BE49-F238E27FC236}">
-                <a16:creationId xmlns:a16="http://schemas.microsoft.com/office/drawing/2014/main" id="{AA76E07A-D92D-8318-0FA0-5D7478166006}"/>
-              </a:ext>
-            </a:extLst>
-          </p:cNvPr>
-          <p:cNvCxnSpPr>
-            <a:cxnSpLocks/>
-            <a:stCxn id="8" idx="3"/>
-            <a:endCxn id="6" idx="1"/>
-          </p:cNvCxnSpPr>
-          <p:nvPr/>
-        </p:nvCxnSpPr>
-        <p:spPr>
-          <a:xfrm>
-            <a:off x="3062512" y="3555832"/>
-            <a:ext cx="732973" cy="786338"/>
-          </a:xfrm>
-          <a:prstGeom prst="curvedConnector3">
-            <a:avLst>
-              <a:gd name="adj1" fmla="val 50000"/>
-            </a:avLst>
-          </a:prstGeom>
-          <a:ln w="19050">
-            <a:solidFill>
-              <a:srgbClr val="172C51"/>
-            </a:solidFill>
-            <a:tailEnd type="triangle"/>
-          </a:ln>
-        </p:spPr>
-        <p:style>
-          <a:lnRef idx="1">
-            <a:schemeClr val="accent1"/>
-          </a:lnRef>
-          <a:fillRef idx="0">
-            <a:schemeClr val="accent1"/>
-          </a:fillRef>
-          <a:effectRef idx="0">
-            <a:schemeClr val="accent1"/>
-          </a:effectRef>
-          <a:fontRef idx="minor">
-            <a:schemeClr val="tx1"/>
-          </a:fontRef>
-        </p:style>
-      </p:cxnSp>
-      <p:cxnSp>
-        <p:nvCxnSpPr>
-          <p:cNvPr id="14" name="连接符: 曲线 13">
-            <a:extLst>
-              <a:ext uri="{FF2B5EF4-FFF2-40B4-BE49-F238E27FC236}">
-                <a16:creationId xmlns:a16="http://schemas.microsoft.com/office/drawing/2014/main" id="{85DC7965-0BE9-E7D3-5306-05A2290CBE13}"/>
-              </a:ext>
-            </a:extLst>
-          </p:cNvPr>
-          <p:cNvCxnSpPr>
-            <a:cxnSpLocks/>
-            <a:stCxn id="8" idx="3"/>
-            <a:endCxn id="7" idx="1"/>
-          </p:cNvCxnSpPr>
-          <p:nvPr/>
-        </p:nvCxnSpPr>
-        <p:spPr>
-          <a:xfrm>
-            <a:off x="3062512" y="3555832"/>
-            <a:ext cx="732973" cy="2295768"/>
-          </a:xfrm>
-          <a:prstGeom prst="curvedConnector3">
-            <a:avLst>
-              <a:gd name="adj1" fmla="val 50000"/>
-            </a:avLst>
-          </a:prstGeom>
-          <a:ln w="19050">
-            <a:solidFill>
-              <a:srgbClr val="172C51"/>
-            </a:solidFill>
-            <a:tailEnd type="triangle"/>
-          </a:ln>
-        </p:spPr>
-        <p:style>
-          <a:lnRef idx="1">
-            <a:schemeClr val="accent1"/>
-          </a:lnRef>
-          <a:fillRef idx="0">
-            <a:schemeClr val="accent1"/>
-          </a:fillRef>
-          <a:effectRef idx="0">
-            <a:schemeClr val="accent1"/>
-          </a:effectRef>
-          <a:fontRef idx="minor">
-            <a:schemeClr val="tx1"/>
-          </a:fontRef>
-        </p:style>
-      </p:cxnSp>
-      <p:cxnSp>
-        <p:nvCxnSpPr>
-          <p:cNvPr id="22" name="连接符: 曲线 21">
-            <a:extLst>
-              <a:ext uri="{FF2B5EF4-FFF2-40B4-BE49-F238E27FC236}">
-                <a16:creationId xmlns:a16="http://schemas.microsoft.com/office/drawing/2014/main" id="{8F56AF67-381C-5E88-6126-D17E8A477C43}"/>
-              </a:ext>
-            </a:extLst>
-          </p:cNvPr>
-          <p:cNvCxnSpPr>
-            <a:cxnSpLocks/>
-            <a:stCxn id="3" idx="3"/>
-            <a:endCxn id="4" idx="1"/>
-          </p:cNvCxnSpPr>
-          <p:nvPr/>
-        </p:nvCxnSpPr>
-        <p:spPr>
-          <a:xfrm flipV="1">
-            <a:off x="6567711" y="1737695"/>
-            <a:ext cx="478977" cy="725713"/>
-          </a:xfrm>
-          <a:prstGeom prst="curvedConnector3">
-            <a:avLst>
-              <a:gd name="adj1" fmla="val 50000"/>
-            </a:avLst>
-          </a:prstGeom>
-          <a:ln w="19050">
-            <a:solidFill>
-              <a:srgbClr val="172C51"/>
-            </a:solidFill>
-            <a:tailEnd type="triangle"/>
-          </a:ln>
-        </p:spPr>
-        <p:style>
-          <a:lnRef idx="1">
-            <a:schemeClr val="accent1"/>
-          </a:lnRef>
-          <a:fillRef idx="0">
-            <a:schemeClr val="accent1"/>
-          </a:fillRef>
-          <a:effectRef idx="0">
-            <a:schemeClr val="accent1"/>
-          </a:effectRef>
-          <a:fontRef idx="minor">
-            <a:schemeClr val="tx1"/>
-          </a:fontRef>
-        </p:style>
-      </p:cxnSp>
-      <p:cxnSp>
-        <p:nvCxnSpPr>
-          <p:cNvPr id="24" name="连接符: 曲线 23">
-            <a:extLst>
-              <a:ext uri="{FF2B5EF4-FFF2-40B4-BE49-F238E27FC236}">
-                <a16:creationId xmlns:a16="http://schemas.microsoft.com/office/drawing/2014/main" id="{69492347-795A-33CB-63C4-62F3E0E1D680}"/>
-              </a:ext>
-            </a:extLst>
-          </p:cNvPr>
-          <p:cNvCxnSpPr>
-            <a:cxnSpLocks/>
-            <a:stCxn id="3" idx="3"/>
-            <a:endCxn id="5" idx="1"/>
-          </p:cNvCxnSpPr>
-          <p:nvPr/>
-        </p:nvCxnSpPr>
-        <p:spPr>
-          <a:xfrm>
-            <a:off x="6567711" y="2463408"/>
-            <a:ext cx="478977" cy="985463"/>
-          </a:xfrm>
-          <a:prstGeom prst="curvedConnector3">
-            <a:avLst/>
-          </a:prstGeom>
-          <a:ln w="19050">
-            <a:solidFill>
-              <a:srgbClr val="172C51"/>
-            </a:solidFill>
-            <a:tailEnd type="triangle"/>
-          </a:ln>
-        </p:spPr>
-        <p:style>
-          <a:lnRef idx="1">
-            <a:schemeClr val="accent1"/>
-          </a:lnRef>
-          <a:fillRef idx="0">
-            <a:schemeClr val="accent1"/>
-          </a:fillRef>
-          <a:effectRef idx="0">
-            <a:schemeClr val="accent1"/>
-          </a:effectRef>
-          <a:fontRef idx="minor">
-            <a:schemeClr val="tx1"/>
-          </a:fontRef>
-        </p:style>
-      </p:cxnSp>
-      <p:sp>
-        <p:nvSpPr>
-          <p:cNvPr id="28" name="文本框 27">
-            <a:extLst>
-              <a:ext uri="{FF2B5EF4-FFF2-40B4-BE49-F238E27FC236}">
-                <a16:creationId xmlns:a16="http://schemas.microsoft.com/office/drawing/2014/main" id="{BAE6C22F-A529-E9A6-051A-DD0B22D60A88}"/>
-              </a:ext>
-            </a:extLst>
-          </p:cNvPr>
-          <p:cNvSpPr txBox="1"/>
-          <p:nvPr/>
-        </p:nvSpPr>
-        <p:spPr>
-          <a:xfrm>
-            <a:off x="9318173" y="482186"/>
-            <a:ext cx="2198914" cy="369332"/>
-          </a:xfrm>
-          <a:prstGeom prst="rect">
-            <a:avLst/>
-          </a:prstGeom>
-          <a:noFill/>
-        </p:spPr>
-        <p:txBody>
-          <a:bodyPr wrap="square" rtlCol="0">
-            <a:spAutoFit/>
-          </a:bodyPr>
-          <a:lstStyle/>
-          <a:p>
-            <a:r>
-              <a:rPr lang="en-US" altLang="zh-CN" dirty="0"/>
-              <a:t>Before 2018</a:t>
-            </a:r>
-          </a:p>
-        </p:txBody>
-      </p:sp>
-      <p:sp>
-        <p:nvSpPr>
-          <p:cNvPr id="29" name="文本框 28">
-            <a:extLst>
-              <a:ext uri="{FF2B5EF4-FFF2-40B4-BE49-F238E27FC236}">
-                <a16:creationId xmlns:a16="http://schemas.microsoft.com/office/drawing/2014/main" id="{95901F1B-1B6A-DEC3-D41E-F16DF753C424}"/>
-              </a:ext>
-            </a:extLst>
-          </p:cNvPr>
-          <p:cNvSpPr txBox="1"/>
-          <p:nvPr/>
-        </p:nvSpPr>
-        <p:spPr>
-          <a:xfrm>
-            <a:off x="9318173" y="1543149"/>
-            <a:ext cx="1516743" cy="369332"/>
-          </a:xfrm>
-          <a:prstGeom prst="rect">
-            <a:avLst/>
-          </a:prstGeom>
-          <a:noFill/>
-        </p:spPr>
-        <p:txBody>
-          <a:bodyPr wrap="square" rtlCol="0">
-            <a:spAutoFit/>
-          </a:bodyPr>
-          <a:lstStyle/>
-          <a:p>
-            <a:r>
-              <a:rPr lang="en-US" altLang="zh-CN" dirty="0"/>
-              <a:t>In 2018</a:t>
-            </a:r>
-          </a:p>
-        </p:txBody>
-      </p:sp>
-      <p:sp>
-        <p:nvSpPr>
-          <p:cNvPr id="30" name="文本框 29">
-            <a:extLst>
-              <a:ext uri="{FF2B5EF4-FFF2-40B4-BE49-F238E27FC236}">
-                <a16:creationId xmlns:a16="http://schemas.microsoft.com/office/drawing/2014/main" id="{E037A31D-A713-DAC1-0611-CEBF76EF0E39}"/>
-              </a:ext>
-            </a:extLst>
-          </p:cNvPr>
-          <p:cNvSpPr txBox="1"/>
-          <p:nvPr/>
-        </p:nvSpPr>
-        <p:spPr>
-          <a:xfrm>
-            <a:off x="9256485" y="2463408"/>
-            <a:ext cx="2198914" cy="369332"/>
-          </a:xfrm>
-          <a:prstGeom prst="rect">
-            <a:avLst/>
-          </a:prstGeom>
-          <a:noFill/>
-        </p:spPr>
-        <p:txBody>
-          <a:bodyPr wrap="square" rtlCol="0">
-            <a:spAutoFit/>
-          </a:bodyPr>
-          <a:lstStyle/>
-          <a:p>
-            <a:r>
-              <a:rPr lang="en-US" altLang="zh-CN" dirty="0"/>
-              <a:t>After 2018</a:t>
-            </a:r>
-          </a:p>
-        </p:txBody>
-      </p:sp>
-      <p:cxnSp>
-        <p:nvCxnSpPr>
-          <p:cNvPr id="41" name="连接符: 曲线 40">
-            <a:extLst>
-              <a:ext uri="{FF2B5EF4-FFF2-40B4-BE49-F238E27FC236}">
-                <a16:creationId xmlns:a16="http://schemas.microsoft.com/office/drawing/2014/main" id="{E64A6361-DF62-2344-148F-8850A9903270}"/>
-              </a:ext>
-            </a:extLst>
-          </p:cNvPr>
-          <p:cNvCxnSpPr>
-            <a:cxnSpLocks/>
-            <a:stCxn id="4" idx="3"/>
-            <a:endCxn id="28" idx="1"/>
-          </p:cNvCxnSpPr>
-          <p:nvPr/>
-        </p:nvCxnSpPr>
-        <p:spPr>
-          <a:xfrm flipV="1">
-            <a:off x="8432800" y="666852"/>
-            <a:ext cx="885373" cy="1070843"/>
-          </a:xfrm>
-          <a:prstGeom prst="curvedConnector3">
-            <a:avLst>
-              <a:gd name="adj1" fmla="val 36885"/>
-            </a:avLst>
-          </a:prstGeom>
-          <a:ln w="19050">
-            <a:solidFill>
-              <a:srgbClr val="172C51"/>
-            </a:solidFill>
-            <a:tailEnd type="triangle"/>
-          </a:ln>
-        </p:spPr>
-        <p:style>
-          <a:lnRef idx="1">
-            <a:schemeClr val="accent1"/>
-          </a:lnRef>
-          <a:fillRef idx="0">
-            <a:schemeClr val="accent1"/>
-          </a:fillRef>
-          <a:effectRef idx="0">
-            <a:schemeClr val="accent1"/>
-          </a:effectRef>
-          <a:fontRef idx="minor">
-            <a:schemeClr val="tx1"/>
-          </a:fontRef>
-        </p:style>
-      </p:cxnSp>
-      <p:cxnSp>
-        <p:nvCxnSpPr>
-          <p:cNvPr id="42" name="连接符: 曲线 41">
-            <a:extLst>
-              <a:ext uri="{FF2B5EF4-FFF2-40B4-BE49-F238E27FC236}">
-                <a16:creationId xmlns:a16="http://schemas.microsoft.com/office/drawing/2014/main" id="{6B15E572-5A8A-8AD8-9585-BE5411B2825F}"/>
-              </a:ext>
-            </a:extLst>
-          </p:cNvPr>
-          <p:cNvCxnSpPr>
-            <a:cxnSpLocks/>
-            <a:stCxn id="4" idx="3"/>
-            <a:endCxn id="29" idx="1"/>
-          </p:cNvCxnSpPr>
-          <p:nvPr/>
-        </p:nvCxnSpPr>
-        <p:spPr>
-          <a:xfrm flipV="1">
-            <a:off x="8432800" y="1727815"/>
-            <a:ext cx="885373" cy="9880"/>
-          </a:xfrm>
-          <a:prstGeom prst="curvedConnector3">
-            <a:avLst>
-              <a:gd name="adj1" fmla="val 50000"/>
-            </a:avLst>
-          </a:prstGeom>
-          <a:ln w="19050">
-            <a:solidFill>
-              <a:srgbClr val="172C51"/>
-            </a:solidFill>
-            <a:tailEnd type="triangle"/>
-          </a:ln>
-        </p:spPr>
-        <p:style>
-          <a:lnRef idx="1">
-            <a:schemeClr val="accent1"/>
-          </a:lnRef>
-          <a:fillRef idx="0">
-            <a:schemeClr val="accent1"/>
-          </a:fillRef>
-          <a:effectRef idx="0">
-            <a:schemeClr val="accent1"/>
-          </a:effectRef>
-          <a:fontRef idx="minor">
-            <a:schemeClr val="tx1"/>
-          </a:fontRef>
-        </p:style>
-      </p:cxnSp>
-      <p:cxnSp>
-        <p:nvCxnSpPr>
-          <p:cNvPr id="45" name="连接符: 曲线 44">
-            <a:extLst>
-              <a:ext uri="{FF2B5EF4-FFF2-40B4-BE49-F238E27FC236}">
-                <a16:creationId xmlns:a16="http://schemas.microsoft.com/office/drawing/2014/main" id="{F6B71FD2-F51D-B6CD-3DC2-457782D9D093}"/>
-              </a:ext>
-            </a:extLst>
-          </p:cNvPr>
-          <p:cNvCxnSpPr>
-            <a:cxnSpLocks/>
-            <a:stCxn id="4" idx="3"/>
-            <a:endCxn id="30" idx="1"/>
-          </p:cNvCxnSpPr>
-          <p:nvPr/>
-        </p:nvCxnSpPr>
-        <p:spPr>
-          <a:xfrm>
-            <a:off x="8432800" y="1737695"/>
-            <a:ext cx="823685" cy="910379"/>
-          </a:xfrm>
-          <a:prstGeom prst="curvedConnector3">
-            <a:avLst>
-              <a:gd name="adj1" fmla="val 50000"/>
-            </a:avLst>
-          </a:prstGeom>
-          <a:ln w="19050">
-            <a:solidFill>
-              <a:srgbClr val="172C51"/>
-            </a:solidFill>
-            <a:tailEnd type="triangle"/>
-          </a:ln>
-        </p:spPr>
-        <p:style>
-          <a:lnRef idx="1">
-            <a:schemeClr val="accent1"/>
-          </a:lnRef>
-          <a:fillRef idx="0">
-            <a:schemeClr val="accent1"/>
-          </a:fillRef>
-          <a:effectRef idx="0">
-            <a:schemeClr val="accent1"/>
-          </a:effectRef>
-          <a:fontRef idx="minor">
-            <a:schemeClr val="tx1"/>
-          </a:fontRef>
-        </p:style>
-      </p:cxnSp>
-      <p:sp>
-        <p:nvSpPr>
-          <p:cNvPr id="95" name="文本框 94">
-            <a:extLst>
-              <a:ext uri="{FF2B5EF4-FFF2-40B4-BE49-F238E27FC236}">
-                <a16:creationId xmlns:a16="http://schemas.microsoft.com/office/drawing/2014/main" id="{3FCF0453-1A26-7145-BC24-6636C12C3E00}"/>
-              </a:ext>
-            </a:extLst>
-          </p:cNvPr>
-          <p:cNvSpPr txBox="1"/>
-          <p:nvPr/>
-        </p:nvSpPr>
-        <p:spPr>
-          <a:xfrm>
-            <a:off x="7881258" y="5660964"/>
-            <a:ext cx="2474684" cy="369332"/>
-          </a:xfrm>
-          <a:prstGeom prst="rect">
-            <a:avLst/>
-          </a:prstGeom>
-          <a:noFill/>
-        </p:spPr>
-        <p:txBody>
-          <a:bodyPr wrap="square" rtlCol="0">
-            <a:spAutoFit/>
-          </a:bodyPr>
-          <a:lstStyle/>
-          <a:p>
-            <a:r>
-              <a:rPr lang="zh-CN" altLang="en-US" dirty="0"/>
-              <a:t>有零星的论文支撑</a:t>
-            </a:r>
-          </a:p>
-        </p:txBody>
-      </p:sp>
-      <p:sp>
-        <p:nvSpPr>
-          <p:cNvPr id="96" name="箭头: 右 95">
-            <a:extLst>
-              <a:ext uri="{FF2B5EF4-FFF2-40B4-BE49-F238E27FC236}">
-                <a16:creationId xmlns:a16="http://schemas.microsoft.com/office/drawing/2014/main" id="{C7AE85CB-8DC8-677B-36B5-6B3AA9D13264}"/>
-              </a:ext>
-            </a:extLst>
-          </p:cNvPr>
-          <p:cNvSpPr/>
-          <p:nvPr/>
-        </p:nvSpPr>
-        <p:spPr>
-          <a:xfrm rot="10800000">
-            <a:off x="6295572" y="5783944"/>
-            <a:ext cx="1393374" cy="123371"/>
-          </a:xfrm>
-          <a:prstGeom prst="rightArrow">
-            <a:avLst/>
-          </a:prstGeom>
-          <a:noFill/>
-        </p:spPr>
-        <p:style>
-          <a:lnRef idx="2">
-            <a:schemeClr val="accent1">
-              <a:shade val="15000"/>
-            </a:schemeClr>
-          </a:lnRef>
-          <a:fillRef idx="1">
-            <a:schemeClr val="accent1"/>
-          </a:fillRef>
-          <a:effectRef idx="0">
-            <a:schemeClr val="accent1"/>
-          </a:effectRef>
-          <a:fontRef idx="minor">
-            <a:schemeClr val="lt1"/>
-          </a:fontRef>
-        </p:style>
-        <p:txBody>
-          <a:bodyPr rtlCol="0" anchor="ctr"/>
-          <a:lstStyle/>
-          <a:p>
-            <a:pPr algn="ctr"/>
-            <a:endParaRPr lang="zh-CN" altLang="en-US"/>
-          </a:p>
-        </p:txBody>
-      </p:sp>
-      <p:sp>
-        <p:nvSpPr>
-          <p:cNvPr id="97" name="文本框 96">
-            <a:extLst>
-              <a:ext uri="{FF2B5EF4-FFF2-40B4-BE49-F238E27FC236}">
-                <a16:creationId xmlns:a16="http://schemas.microsoft.com/office/drawing/2014/main" id="{BB5C7D92-AF0F-5AFB-A3F8-EA5096C6E7E1}"/>
-              </a:ext>
-            </a:extLst>
-          </p:cNvPr>
-          <p:cNvSpPr txBox="1"/>
-          <p:nvPr/>
-        </p:nvSpPr>
-        <p:spPr>
-          <a:xfrm>
-            <a:off x="8182430" y="4150447"/>
-            <a:ext cx="2474684" cy="369332"/>
-          </a:xfrm>
-          <a:prstGeom prst="rect">
-            <a:avLst/>
-          </a:prstGeom>
-          <a:noFill/>
-        </p:spPr>
-        <p:txBody>
-          <a:bodyPr wrap="square" rtlCol="0">
-            <a:spAutoFit/>
-          </a:bodyPr>
-          <a:lstStyle/>
-          <a:p>
-            <a:r>
-              <a:rPr lang="zh-CN" altLang="en-US" dirty="0"/>
-              <a:t>另一个比较大的领域</a:t>
-            </a:r>
-          </a:p>
-        </p:txBody>
-      </p:sp>
-      <p:sp>
-        <p:nvSpPr>
-          <p:cNvPr id="98" name="箭头: 右 97">
-            <a:extLst>
-              <a:ext uri="{FF2B5EF4-FFF2-40B4-BE49-F238E27FC236}">
-                <a16:creationId xmlns:a16="http://schemas.microsoft.com/office/drawing/2014/main" id="{31223D98-733E-B0CF-B230-1645D9E11D13}"/>
-              </a:ext>
-            </a:extLst>
-          </p:cNvPr>
-          <p:cNvSpPr/>
-          <p:nvPr/>
-        </p:nvSpPr>
-        <p:spPr>
-          <a:xfrm>
-            <a:off x="6640284" y="4280484"/>
-            <a:ext cx="1393374" cy="123371"/>
-          </a:xfrm>
-          <a:prstGeom prst="rightArrow">
-            <a:avLst/>
-          </a:prstGeom>
-          <a:noFill/>
-        </p:spPr>
-        <p:style>
-          <a:lnRef idx="2">
-            <a:schemeClr val="accent1">
-              <a:shade val="15000"/>
-            </a:schemeClr>
-          </a:lnRef>
-          <a:fillRef idx="1">
-            <a:schemeClr val="accent1"/>
-          </a:fillRef>
-          <a:effectRef idx="0">
-            <a:schemeClr val="accent1"/>
-          </a:effectRef>
-          <a:fontRef idx="minor">
-            <a:schemeClr val="lt1"/>
-          </a:fontRef>
-        </p:style>
-        <p:txBody>
-          <a:bodyPr rtlCol="0" anchor="ctr"/>
-          <a:lstStyle/>
-          <a:p>
-            <a:pPr algn="ctr"/>
-            <a:endParaRPr lang="zh-CN" altLang="en-US"/>
-          </a:p>
-        </p:txBody>
-      </p:sp>
-      <p:sp>
-        <p:nvSpPr>
-          <p:cNvPr id="99" name="文本框 98">
-            <a:extLst>
-              <a:ext uri="{FF2B5EF4-FFF2-40B4-BE49-F238E27FC236}">
-                <a16:creationId xmlns:a16="http://schemas.microsoft.com/office/drawing/2014/main" id="{2829C724-B6CB-B482-A2CC-A5C9F23BA38A}"/>
-              </a:ext>
-            </a:extLst>
-          </p:cNvPr>
-          <p:cNvSpPr txBox="1"/>
-          <p:nvPr/>
-        </p:nvSpPr>
-        <p:spPr>
-          <a:xfrm>
-            <a:off x="152398" y="6113027"/>
-            <a:ext cx="3541486" cy="646331"/>
-          </a:xfrm>
-          <a:prstGeom prst="rect">
-            <a:avLst/>
-          </a:prstGeom>
-          <a:noFill/>
-        </p:spPr>
-        <p:txBody>
-          <a:bodyPr wrap="square" rtlCol="0">
-            <a:spAutoFit/>
-          </a:bodyPr>
-          <a:lstStyle/>
-          <a:p>
-            <a:r>
-              <a:rPr lang="en-US" altLang="zh-CN" dirty="0"/>
-              <a:t>2018</a:t>
-            </a:r>
-            <a:r>
-              <a:rPr lang="zh-CN" altLang="en-US" dirty="0"/>
-              <a:t>年及以前肯定没有这个概念</a:t>
-            </a:r>
-            <a:r>
-              <a:rPr lang="en-US" altLang="zh-CN" dirty="0"/>
-              <a:t>2019</a:t>
-            </a:r>
-            <a:r>
-              <a:rPr lang="zh-CN" altLang="en-US" dirty="0"/>
-              <a:t>年以后目前没发现</a:t>
-            </a:r>
-          </a:p>
-        </p:txBody>
-      </p:sp>
-      <p:sp>
-        <p:nvSpPr>
-          <p:cNvPr id="100" name="箭头: 右 99">
-            <a:extLst>
-              <a:ext uri="{FF2B5EF4-FFF2-40B4-BE49-F238E27FC236}">
-                <a16:creationId xmlns:a16="http://schemas.microsoft.com/office/drawing/2014/main" id="{0ECE5756-7384-96D3-97BC-290949864876}"/>
-              </a:ext>
-            </a:extLst>
-          </p:cNvPr>
-          <p:cNvSpPr/>
-          <p:nvPr/>
-        </p:nvSpPr>
-        <p:spPr>
-          <a:xfrm rot="16200000">
-            <a:off x="616283" y="4821800"/>
-            <a:ext cx="1989600" cy="181431"/>
-          </a:xfrm>
-          <a:prstGeom prst="rightArrow">
-            <a:avLst/>
-          </a:prstGeom>
-          <a:noFill/>
-        </p:spPr>
-        <p:style>
-          <a:lnRef idx="2">
-            <a:schemeClr val="accent1">
-              <a:shade val="15000"/>
-            </a:schemeClr>
-          </a:lnRef>
-          <a:fillRef idx="1">
-            <a:schemeClr val="accent1"/>
-          </a:fillRef>
-          <a:effectRef idx="0">
-            <a:schemeClr val="accent1"/>
-          </a:effectRef>
-          <a:fontRef idx="minor">
-            <a:schemeClr val="lt1"/>
-          </a:fontRef>
-        </p:style>
-        <p:txBody>
-          <a:bodyPr rtlCol="0" anchor="ctr"/>
-          <a:lstStyle/>
-          <a:p>
-            <a:pPr algn="ctr"/>
-            <a:endParaRPr lang="zh-CN" altLang="en-US"/>
-          </a:p>
-        </p:txBody>
-      </p:sp>
-      <p:sp>
-        <p:nvSpPr>
-          <p:cNvPr id="101" name="思想气泡: 云 100">
-            <a:extLst>
-              <a:ext uri="{FF2B5EF4-FFF2-40B4-BE49-F238E27FC236}">
-                <a16:creationId xmlns:a16="http://schemas.microsoft.com/office/drawing/2014/main" id="{71516924-29D4-5F2A-D2AB-CDE7104F5325}"/>
-              </a:ext>
-            </a:extLst>
-          </p:cNvPr>
-          <p:cNvSpPr/>
-          <p:nvPr/>
-        </p:nvSpPr>
-        <p:spPr>
-          <a:xfrm>
-            <a:off x="9510488" y="3185467"/>
-            <a:ext cx="2402108" cy="670808"/>
-          </a:xfrm>
-          <a:prstGeom prst="cloudCallout">
-            <a:avLst>
-              <a:gd name="adj1" fmla="val -85094"/>
-              <a:gd name="adj2" fmla="val -11511"/>
-            </a:avLst>
-          </a:prstGeom>
-          <a:noFill/>
-        </p:spPr>
-        <p:style>
-          <a:lnRef idx="2">
-            <a:schemeClr val="accent1">
-              <a:shade val="15000"/>
-            </a:schemeClr>
-          </a:lnRef>
-          <a:fillRef idx="1">
-            <a:schemeClr val="accent1"/>
-          </a:fillRef>
-          <a:effectRef idx="0">
-            <a:schemeClr val="accent1"/>
-          </a:effectRef>
-          <a:fontRef idx="minor">
-            <a:schemeClr val="lt1"/>
-          </a:fontRef>
-        </p:style>
-        <p:txBody>
-          <a:bodyPr rtlCol="0" anchor="ctr"/>
-          <a:lstStyle/>
-          <a:p>
-            <a:pPr algn="ctr"/>
-            <a:r>
-              <a:rPr lang="zh-CN" altLang="en-US" dirty="0">
-                <a:solidFill>
-                  <a:schemeClr val="tx1"/>
-                </a:solidFill>
-              </a:rPr>
-              <a:t>需要细细思考</a:t>
-            </a:r>
-          </a:p>
-        </p:txBody>
-      </p:sp>
-      <p:sp>
-        <p:nvSpPr>
-          <p:cNvPr id="102" name="对话气泡: 矩形 101">
-            <a:extLst>
-              <a:ext uri="{FF2B5EF4-FFF2-40B4-BE49-F238E27FC236}">
-                <a16:creationId xmlns:a16="http://schemas.microsoft.com/office/drawing/2014/main" id="{879714CE-F953-7F32-F341-49BF52AEC9DC}"/>
-              </a:ext>
-            </a:extLst>
-          </p:cNvPr>
-          <p:cNvSpPr/>
-          <p:nvPr/>
-        </p:nvSpPr>
-        <p:spPr>
-          <a:xfrm>
-            <a:off x="6393544" y="438491"/>
-            <a:ext cx="1868714" cy="883731"/>
-          </a:xfrm>
-          <a:prstGeom prst="wedgeRectCallout">
-            <a:avLst>
-              <a:gd name="adj1" fmla="val -506"/>
-              <a:gd name="adj2" fmla="val 87600"/>
-            </a:avLst>
-          </a:prstGeom>
-          <a:noFill/>
-        </p:spPr>
-        <p:style>
-          <a:lnRef idx="2">
-            <a:schemeClr val="accent1">
-              <a:shade val="15000"/>
-            </a:schemeClr>
-          </a:lnRef>
-          <a:fillRef idx="1">
-            <a:schemeClr val="accent1"/>
-          </a:fillRef>
-          <a:effectRef idx="0">
-            <a:schemeClr val="accent1"/>
-          </a:effectRef>
-          <a:fontRef idx="minor">
-            <a:schemeClr val="lt1"/>
-          </a:fontRef>
-        </p:style>
-        <p:txBody>
-          <a:bodyPr rtlCol="0" anchor="ctr"/>
-          <a:lstStyle/>
-          <a:p>
-            <a:pPr algn="ctr"/>
-            <a:r>
-              <a:rPr lang="zh-CN" altLang="en-US" dirty="0">
-                <a:solidFill>
-                  <a:schemeClr val="tx1"/>
-                </a:solidFill>
-              </a:rPr>
-              <a:t>当前探索的主要方向</a:t>
-            </a:r>
-          </a:p>
-        </p:txBody>
-      </p:sp>
-    </p:spTree>
-    <p:extLst>
-      <p:ext uri="{BB962C8B-B14F-4D97-AF65-F5344CB8AC3E}">
-        <p14:creationId xmlns:p14="http://schemas.microsoft.com/office/powerpoint/2010/main" val="325410356"/>
-      </p:ext>
-    </p:extLst>
-  </p:cSld>
-  <p:clrMapOvr>
-    <a:masterClrMapping/>
-  </p:clrMapOvr>
-</p:sld>
-</file>
-
-<file path=ppt/slides/slide7.xml><?xml version="1.0" encoding="utf-8"?>
+<file path=ppt/slides/slide12.xml><?xml version="1.0" encoding="utf-8"?>
 <p:sld xmlns:a="http://schemas.openxmlformats.org/drawingml/2006/main" xmlns:r="http://schemas.openxmlformats.org/officeDocument/2006/relationships" xmlns:p="http://schemas.openxmlformats.org/presentationml/2006/main">
   <p:cSld>
     <p:spTree>
@@ -10101,7 +7477,7 @@
 </p:sld>
 </file>
 
-<file path=ppt/slides/slide8.xml><?xml version="1.0" encoding="utf-8"?>
+<file path=ppt/slides/slide13.xml><?xml version="1.0" encoding="utf-8"?>
 <p:sld xmlns:a="http://schemas.openxmlformats.org/drawingml/2006/main" xmlns:r="http://schemas.openxmlformats.org/officeDocument/2006/relationships" xmlns:p="http://schemas.openxmlformats.org/presentationml/2006/main">
   <p:cSld>
     <p:spTree>
@@ -10427,7 +7803,7 @@
 </p:sld>
 </file>
 
-<file path=ppt/slides/slide9.xml><?xml version="1.0" encoding="utf-8"?>
+<file path=ppt/slides/slide14.xml><?xml version="1.0" encoding="utf-8"?>
 <p:sld xmlns:a="http://schemas.openxmlformats.org/drawingml/2006/main" xmlns:r="http://schemas.openxmlformats.org/officeDocument/2006/relationships" xmlns:p="http://schemas.openxmlformats.org/presentationml/2006/main">
   <p:cSld>
     <p:spTree>
@@ -16052,6 +13428,5858 @@
 </p:sld>
 </file>
 
+<file path=ppt/slides/slide15.xml><?xml version="1.0" encoding="utf-8"?>
+<p:sld xmlns:a="http://schemas.openxmlformats.org/drawingml/2006/main" xmlns:r="http://schemas.openxmlformats.org/officeDocument/2006/relationships" xmlns:p="http://schemas.openxmlformats.org/presentationml/2006/main">
+  <p:cSld>
+    <p:spTree>
+      <p:nvGrpSpPr>
+        <p:cNvPr id="1" name=""/>
+        <p:cNvGrpSpPr/>
+        <p:nvPr/>
+      </p:nvGrpSpPr>
+      <p:grpSpPr>
+        <a:xfrm>
+          <a:off x="0" y="0"/>
+          <a:ext cx="0" cy="0"/>
+          <a:chOff x="0" y="0"/>
+          <a:chExt cx="0" cy="0"/>
+        </a:xfrm>
+      </p:grpSpPr>
+      <p:sp>
+        <p:nvSpPr>
+          <p:cNvPr id="2" name="文本框 1">
+            <a:extLst>
+              <a:ext uri="{FF2B5EF4-FFF2-40B4-BE49-F238E27FC236}">
+                <a16:creationId xmlns:a16="http://schemas.microsoft.com/office/drawing/2014/main" id="{4301BE2B-0820-0143-B72A-D9CEA12265BD}"/>
+              </a:ext>
+            </a:extLst>
+          </p:cNvPr>
+          <p:cNvSpPr txBox="1"/>
+          <p:nvPr/>
+        </p:nvSpPr>
+        <p:spPr>
+          <a:xfrm>
+            <a:off x="1122219" y="92845"/>
+            <a:ext cx="5931724" cy="461665"/>
+          </a:xfrm>
+          <a:prstGeom prst="rect">
+            <a:avLst/>
+          </a:prstGeom>
+          <a:noFill/>
+        </p:spPr>
+        <p:txBody>
+          <a:bodyPr wrap="square" rtlCol="0">
+            <a:spAutoFit/>
+          </a:bodyPr>
+          <a:lstStyle>
+            <a:defPPr>
+              <a:defRPr lang="zh-CN"/>
+            </a:defPPr>
+            <a:lvl1pPr>
+              <a:defRPr sz="2400">
+                <a:latin typeface="Consolas" panose="020B0609020204030204" pitchFamily="49" charset="0"/>
+                <a:cs typeface="Times New Roman" panose="02020603050405020304" pitchFamily="18" charset="0"/>
+              </a:defRPr>
+            </a:lvl1pPr>
+          </a:lstStyle>
+          <a:p>
+            <a:r>
+              <a:rPr lang="en-US" altLang="zh-CN" dirty="0"/>
+              <a:t>Questions</a:t>
+            </a:r>
+            <a:endParaRPr lang="en-US" altLang="zh-CN" sz="1400" dirty="0"/>
+          </a:p>
+        </p:txBody>
+      </p:sp>
+      <p:sp>
+        <p:nvSpPr>
+          <p:cNvPr id="3" name="文本框 2">
+            <a:extLst>
+              <a:ext uri="{FF2B5EF4-FFF2-40B4-BE49-F238E27FC236}">
+                <a16:creationId xmlns:a16="http://schemas.microsoft.com/office/drawing/2014/main" id="{67F3CD36-4875-6579-F682-A0B365B9CD16}"/>
+              </a:ext>
+            </a:extLst>
+          </p:cNvPr>
+          <p:cNvSpPr txBox="1"/>
+          <p:nvPr/>
+        </p:nvSpPr>
+        <p:spPr>
+          <a:xfrm>
+            <a:off x="1122219" y="554510"/>
+            <a:ext cx="10111839" cy="646331"/>
+          </a:xfrm>
+          <a:prstGeom prst="rect">
+            <a:avLst/>
+          </a:prstGeom>
+          <a:noFill/>
+        </p:spPr>
+        <p:txBody>
+          <a:bodyPr wrap="square" rtlCol="0">
+            <a:spAutoFit/>
+          </a:bodyPr>
+          <a:lstStyle>
+            <a:defPPr>
+              <a:defRPr lang="zh-CN"/>
+            </a:defPPr>
+            <a:lvl1pPr>
+              <a:defRPr/>
+            </a:lvl1pPr>
+          </a:lstStyle>
+          <a:p>
+            <a:pPr marL="342900" indent="-342900">
+              <a:buAutoNum type="arabicPeriod"/>
+            </a:pPr>
+            <a:r>
+              <a:rPr lang="en-US" altLang="zh-CN" dirty="0"/>
+              <a:t>Do you think what I just said has any research value, or if it's implemented, does it make sense?</a:t>
+            </a:r>
+          </a:p>
+        </p:txBody>
+      </p:sp>
+    </p:spTree>
+    <p:extLst>
+      <p:ext uri="{BB962C8B-B14F-4D97-AF65-F5344CB8AC3E}">
+        <p14:creationId xmlns:p14="http://schemas.microsoft.com/office/powerpoint/2010/main" val="1125496112"/>
+      </p:ext>
+    </p:extLst>
+  </p:cSld>
+  <p:clrMapOvr>
+    <a:masterClrMapping/>
+  </p:clrMapOvr>
+</p:sld>
+</file>
+
+<file path=ppt/slides/slide16.xml><?xml version="1.0" encoding="utf-8"?>
+<p:sld xmlns:a="http://schemas.openxmlformats.org/drawingml/2006/main" xmlns:r="http://schemas.openxmlformats.org/officeDocument/2006/relationships" xmlns:p="http://schemas.openxmlformats.org/presentationml/2006/main">
+  <p:cSld>
+    <p:spTree>
+      <p:nvGrpSpPr>
+        <p:cNvPr id="1" name=""/>
+        <p:cNvGrpSpPr/>
+        <p:nvPr/>
+      </p:nvGrpSpPr>
+      <p:grpSpPr>
+        <a:xfrm>
+          <a:off x="0" y="0"/>
+          <a:ext cx="0" cy="0"/>
+          <a:chOff x="0" y="0"/>
+          <a:chExt cx="0" cy="0"/>
+        </a:xfrm>
+      </p:grpSpPr>
+      <p:sp>
+        <p:nvSpPr>
+          <p:cNvPr id="2" name="文本框 1">
+            <a:extLst>
+              <a:ext uri="{FF2B5EF4-FFF2-40B4-BE49-F238E27FC236}">
+                <a16:creationId xmlns:a16="http://schemas.microsoft.com/office/drawing/2014/main" id="{4301BE2B-0820-0143-B72A-D9CEA12265BD}"/>
+              </a:ext>
+            </a:extLst>
+          </p:cNvPr>
+          <p:cNvSpPr txBox="1"/>
+          <p:nvPr/>
+        </p:nvSpPr>
+        <p:spPr>
+          <a:xfrm>
+            <a:off x="5114486" y="3105834"/>
+            <a:ext cx="1963028" cy="646331"/>
+          </a:xfrm>
+          <a:prstGeom prst="rect">
+            <a:avLst/>
+          </a:prstGeom>
+          <a:noFill/>
+        </p:spPr>
+        <p:txBody>
+          <a:bodyPr wrap="square" rtlCol="0">
+            <a:spAutoFit/>
+          </a:bodyPr>
+          <a:lstStyle>
+            <a:defPPr>
+              <a:defRPr lang="zh-CN"/>
+            </a:defPPr>
+            <a:lvl1pPr algn="ctr">
+              <a:defRPr sz="3600">
+                <a:latin typeface="Consolas" panose="020B0609020204030204" pitchFamily="49" charset="0"/>
+                <a:cs typeface="Times New Roman" panose="02020603050405020304" pitchFamily="18" charset="0"/>
+              </a:defRPr>
+            </a:lvl1pPr>
+          </a:lstStyle>
+          <a:p>
+            <a:r>
+              <a:rPr lang="en-US" altLang="zh-CN" dirty="0"/>
+              <a:t>Thanks!</a:t>
+            </a:r>
+          </a:p>
+        </p:txBody>
+      </p:sp>
+    </p:spTree>
+    <p:extLst>
+      <p:ext uri="{BB962C8B-B14F-4D97-AF65-F5344CB8AC3E}">
+        <p14:creationId xmlns:p14="http://schemas.microsoft.com/office/powerpoint/2010/main" val="3015943919"/>
+      </p:ext>
+    </p:extLst>
+  </p:cSld>
+  <p:clrMapOvr>
+    <a:masterClrMapping/>
+  </p:clrMapOvr>
+</p:sld>
+</file>
+
+<file path=ppt/slides/slide2.xml><?xml version="1.0" encoding="utf-8"?>
+<p:sld xmlns:a="http://schemas.openxmlformats.org/drawingml/2006/main" xmlns:r="http://schemas.openxmlformats.org/officeDocument/2006/relationships" xmlns:p="http://schemas.openxmlformats.org/presentationml/2006/main">
+  <p:cSld>
+    <p:spTree>
+      <p:nvGrpSpPr>
+        <p:cNvPr id="1" name=""/>
+        <p:cNvGrpSpPr/>
+        <p:nvPr/>
+      </p:nvGrpSpPr>
+      <p:grpSpPr>
+        <a:xfrm>
+          <a:off x="0" y="0"/>
+          <a:ext cx="0" cy="0"/>
+          <a:chOff x="0" y="0"/>
+          <a:chExt cx="0" cy="0"/>
+        </a:xfrm>
+      </p:grpSpPr>
+      <p:sp>
+        <p:nvSpPr>
+          <p:cNvPr id="2" name="文本框 1">
+            <a:extLst>
+              <a:ext uri="{FF2B5EF4-FFF2-40B4-BE49-F238E27FC236}">
+                <a16:creationId xmlns:a16="http://schemas.microsoft.com/office/drawing/2014/main" id="{4301BE2B-0820-0143-B72A-D9CEA12265BD}"/>
+              </a:ext>
+            </a:extLst>
+          </p:cNvPr>
+          <p:cNvSpPr txBox="1"/>
+          <p:nvPr/>
+        </p:nvSpPr>
+        <p:spPr>
+          <a:xfrm>
+            <a:off x="1574963" y="537330"/>
+            <a:ext cx="9042074" cy="461665"/>
+          </a:xfrm>
+          <a:prstGeom prst="rect">
+            <a:avLst/>
+          </a:prstGeom>
+          <a:noFill/>
+        </p:spPr>
+        <p:txBody>
+          <a:bodyPr wrap="square" rtlCol="0">
+            <a:spAutoFit/>
+          </a:bodyPr>
+          <a:lstStyle/>
+          <a:p>
+            <a:pPr algn="ctr"/>
+            <a:r>
+              <a:rPr lang="en-US" altLang="zh-CN" sz="2400" dirty="0">
+                <a:latin typeface="Consolas" panose="020B0609020204030204" pitchFamily="49" charset="0"/>
+                <a:cs typeface="Times New Roman" panose="02020603050405020304" pitchFamily="18" charset="0"/>
+              </a:rPr>
+              <a:t>Work Description</a:t>
+            </a:r>
+          </a:p>
+        </p:txBody>
+      </p:sp>
+      <p:sp>
+        <p:nvSpPr>
+          <p:cNvPr id="3" name="文本框 2">
+            <a:extLst>
+              <a:ext uri="{FF2B5EF4-FFF2-40B4-BE49-F238E27FC236}">
+                <a16:creationId xmlns:a16="http://schemas.microsoft.com/office/drawing/2014/main" id="{59F62255-7A4A-1C35-FF69-9A58CEC1EDD3}"/>
+              </a:ext>
+            </a:extLst>
+          </p:cNvPr>
+          <p:cNvSpPr txBox="1"/>
+          <p:nvPr/>
+        </p:nvSpPr>
+        <p:spPr>
+          <a:xfrm>
+            <a:off x="2185312" y="1242357"/>
+            <a:ext cx="8616079" cy="3970318"/>
+          </a:xfrm>
+          <a:prstGeom prst="rect">
+            <a:avLst/>
+          </a:prstGeom>
+          <a:noFill/>
+        </p:spPr>
+        <p:txBody>
+          <a:bodyPr wrap="square" rtlCol="0">
+            <a:spAutoFit/>
+          </a:bodyPr>
+          <a:lstStyle/>
+          <a:p>
+            <a:r>
+              <a:rPr lang="en-US" altLang="zh-CN" dirty="0"/>
+              <a:t>Part_1: </a:t>
+            </a:r>
+          </a:p>
+          <a:p>
+            <a:pPr marL="800100" lvl="1" indent="-342900">
+              <a:buAutoNum type="arabicPeriod"/>
+            </a:pPr>
+            <a:r>
+              <a:rPr lang="zh-CN" altLang="en-US" dirty="0"/>
+              <a:t>整体的框架</a:t>
+            </a:r>
+            <a:endParaRPr lang="en-US" altLang="zh-CN" dirty="0"/>
+          </a:p>
+          <a:p>
+            <a:pPr marL="800100" lvl="1" indent="-342900">
+              <a:buFontTx/>
+              <a:buAutoNum type="arabicPeriod"/>
+            </a:pPr>
+            <a:r>
+              <a:rPr lang="zh-CN" altLang="en-US" dirty="0"/>
+              <a:t>我们的研究和已有研究的一些关联</a:t>
+            </a:r>
+            <a:endParaRPr lang="en-US" altLang="zh-CN" dirty="0"/>
+          </a:p>
+          <a:p>
+            <a:pPr marL="800100" lvl="1" indent="-342900">
+              <a:buAutoNum type="arabicPeriod"/>
+            </a:pPr>
+            <a:r>
+              <a:rPr lang="zh-CN" altLang="en-US" dirty="0"/>
+              <a:t>极其重要的论文的导读</a:t>
+            </a:r>
+            <a:endParaRPr lang="en-US" altLang="zh-CN" dirty="0"/>
+          </a:p>
+          <a:p>
+            <a:pPr marL="800100" lvl="1" indent="-342900">
+              <a:buAutoNum type="arabicPeriod"/>
+            </a:pPr>
+            <a:endParaRPr lang="en-US" altLang="zh-CN" dirty="0"/>
+          </a:p>
+          <a:p>
+            <a:r>
+              <a:rPr lang="en-US" altLang="zh-CN" dirty="0"/>
+              <a:t>Part_2: </a:t>
+            </a:r>
+          </a:p>
+          <a:p>
+            <a:pPr marL="800100" lvl="1" indent="-342900">
+              <a:buAutoNum type="arabicPeriod"/>
+            </a:pPr>
+            <a:r>
+              <a:rPr lang="zh-CN" altLang="en-US" dirty="0"/>
+              <a:t>一些实验结果的分析</a:t>
+            </a:r>
+            <a:endParaRPr lang="en-US" altLang="zh-CN" dirty="0"/>
+          </a:p>
+          <a:p>
+            <a:pPr marL="800100" lvl="1" indent="-342900">
+              <a:buAutoNum type="arabicPeriod"/>
+            </a:pPr>
+            <a:r>
+              <a:rPr lang="en-US" altLang="zh-CN" dirty="0"/>
+              <a:t>IoT2023</a:t>
+            </a:r>
+            <a:r>
+              <a:rPr lang="zh-CN" altLang="en-US" dirty="0"/>
+              <a:t> 那篇论文的实验结果分析</a:t>
+            </a:r>
+            <a:endParaRPr lang="en-US" altLang="zh-CN" dirty="0"/>
+          </a:p>
+          <a:p>
+            <a:endParaRPr lang="en-US" altLang="zh-CN" dirty="0"/>
+          </a:p>
+          <a:p>
+            <a:r>
+              <a:rPr lang="en-US" altLang="zh-CN" dirty="0"/>
+              <a:t>Part_3:</a:t>
+            </a:r>
+          </a:p>
+          <a:p>
+            <a:r>
+              <a:rPr lang="en-US" altLang="zh-CN" dirty="0"/>
+              <a:t>   1. </a:t>
+            </a:r>
+            <a:r>
+              <a:rPr lang="zh-CN" altLang="en-US" dirty="0"/>
+              <a:t>接下来的一些安排</a:t>
+            </a:r>
+            <a:r>
+              <a:rPr lang="en-US" altLang="zh-CN" dirty="0"/>
+              <a:t> </a:t>
+            </a:r>
+          </a:p>
+          <a:p>
+            <a:r>
+              <a:rPr lang="en-US" altLang="zh-CN" dirty="0"/>
+              <a:t>   2. </a:t>
+            </a:r>
+          </a:p>
+          <a:p>
+            <a:endParaRPr lang="en-US" altLang="zh-CN" dirty="0"/>
+          </a:p>
+          <a:p>
+            <a:r>
+              <a:rPr lang="en-US" altLang="zh-CN" dirty="0"/>
+              <a:t>Part_5: Questions</a:t>
+            </a:r>
+          </a:p>
+        </p:txBody>
+      </p:sp>
+    </p:spTree>
+    <p:extLst>
+      <p:ext uri="{BB962C8B-B14F-4D97-AF65-F5344CB8AC3E}">
+        <p14:creationId xmlns:p14="http://schemas.microsoft.com/office/powerpoint/2010/main" val="3563862824"/>
+      </p:ext>
+    </p:extLst>
+  </p:cSld>
+  <p:clrMapOvr>
+    <a:masterClrMapping/>
+  </p:clrMapOvr>
+</p:sld>
+</file>
+
+<file path=ppt/slides/slide3.xml><?xml version="1.0" encoding="utf-8"?>
+<p:sld xmlns:a="http://schemas.openxmlformats.org/drawingml/2006/main" xmlns:r="http://schemas.openxmlformats.org/officeDocument/2006/relationships" xmlns:p="http://schemas.openxmlformats.org/presentationml/2006/main">
+  <p:cSld>
+    <p:spTree>
+      <p:nvGrpSpPr>
+        <p:cNvPr id="1" name=""/>
+        <p:cNvGrpSpPr/>
+        <p:nvPr/>
+      </p:nvGrpSpPr>
+      <p:grpSpPr>
+        <a:xfrm>
+          <a:off x="0" y="0"/>
+          <a:ext cx="0" cy="0"/>
+          <a:chOff x="0" y="0"/>
+          <a:chExt cx="0" cy="0"/>
+        </a:xfrm>
+      </p:grpSpPr>
+      <p:sp>
+        <p:nvSpPr>
+          <p:cNvPr id="3" name="文本框 2">
+            <a:extLst>
+              <a:ext uri="{FF2B5EF4-FFF2-40B4-BE49-F238E27FC236}">
+                <a16:creationId xmlns:a16="http://schemas.microsoft.com/office/drawing/2014/main" id="{7AE48ACF-556B-341C-B600-0C8B9E70A747}"/>
+              </a:ext>
+            </a:extLst>
+          </p:cNvPr>
+          <p:cNvSpPr txBox="1"/>
+          <p:nvPr/>
+        </p:nvSpPr>
+        <p:spPr>
+          <a:xfrm>
+            <a:off x="3795484" y="2278742"/>
+            <a:ext cx="2772227" cy="369332"/>
+          </a:xfrm>
+          <a:prstGeom prst="rect">
+            <a:avLst/>
+          </a:prstGeom>
+          <a:noFill/>
+        </p:spPr>
+        <p:txBody>
+          <a:bodyPr wrap="square" rtlCol="0">
+            <a:spAutoFit/>
+          </a:bodyPr>
+          <a:lstStyle/>
+          <a:p>
+            <a:pPr algn="ctr"/>
+            <a:r>
+              <a:rPr lang="en-US" altLang="zh-CN" dirty="0"/>
+              <a:t>Time</a:t>
+            </a:r>
+            <a:r>
+              <a:rPr lang="zh-CN" altLang="en-US" dirty="0"/>
+              <a:t> </a:t>
+            </a:r>
+            <a:r>
+              <a:rPr lang="en-US" altLang="zh-CN" dirty="0"/>
+              <a:t>Series Average</a:t>
+            </a:r>
+          </a:p>
+        </p:txBody>
+      </p:sp>
+      <p:sp>
+        <p:nvSpPr>
+          <p:cNvPr id="4" name="文本框 3">
+            <a:extLst>
+              <a:ext uri="{FF2B5EF4-FFF2-40B4-BE49-F238E27FC236}">
+                <a16:creationId xmlns:a16="http://schemas.microsoft.com/office/drawing/2014/main" id="{23C11155-8B77-89B0-4860-5971201C7B37}"/>
+              </a:ext>
+            </a:extLst>
+          </p:cNvPr>
+          <p:cNvSpPr txBox="1"/>
+          <p:nvPr/>
+        </p:nvSpPr>
+        <p:spPr>
+          <a:xfrm>
+            <a:off x="7046688" y="1553029"/>
+            <a:ext cx="1386112" cy="369332"/>
+          </a:xfrm>
+          <a:prstGeom prst="rect">
+            <a:avLst/>
+          </a:prstGeom>
+          <a:noFill/>
+        </p:spPr>
+        <p:txBody>
+          <a:bodyPr wrap="square" rtlCol="0">
+            <a:spAutoFit/>
+          </a:bodyPr>
+          <a:lstStyle/>
+          <a:p>
+            <a:pPr algn="ctr"/>
+            <a:r>
+              <a:rPr lang="en-US" altLang="zh-CN" dirty="0"/>
+              <a:t>With DTW</a:t>
+            </a:r>
+          </a:p>
+        </p:txBody>
+      </p:sp>
+      <p:sp>
+        <p:nvSpPr>
+          <p:cNvPr id="5" name="文本框 4">
+            <a:extLst>
+              <a:ext uri="{FF2B5EF4-FFF2-40B4-BE49-F238E27FC236}">
+                <a16:creationId xmlns:a16="http://schemas.microsoft.com/office/drawing/2014/main" id="{A344159D-8B38-52FD-3DE1-CD6A0DE0F5C4}"/>
+              </a:ext>
+            </a:extLst>
+          </p:cNvPr>
+          <p:cNvSpPr txBox="1"/>
+          <p:nvPr/>
+        </p:nvSpPr>
+        <p:spPr>
+          <a:xfrm>
+            <a:off x="7046688" y="3264205"/>
+            <a:ext cx="1669141" cy="369332"/>
+          </a:xfrm>
+          <a:prstGeom prst="rect">
+            <a:avLst/>
+          </a:prstGeom>
+          <a:noFill/>
+        </p:spPr>
+        <p:txBody>
+          <a:bodyPr wrap="square" rtlCol="0">
+            <a:spAutoFit/>
+          </a:bodyPr>
+          <a:lstStyle/>
+          <a:p>
+            <a:r>
+              <a:rPr lang="en-US" altLang="zh-CN" dirty="0"/>
+              <a:t>Without DTW</a:t>
+            </a:r>
+          </a:p>
+        </p:txBody>
+      </p:sp>
+      <p:sp>
+        <p:nvSpPr>
+          <p:cNvPr id="6" name="文本框 5">
+            <a:extLst>
+              <a:ext uri="{FF2B5EF4-FFF2-40B4-BE49-F238E27FC236}">
+                <a16:creationId xmlns:a16="http://schemas.microsoft.com/office/drawing/2014/main" id="{B33DCD26-E91D-E4F2-B98B-6AB3FA4A058B}"/>
+              </a:ext>
+            </a:extLst>
+          </p:cNvPr>
+          <p:cNvSpPr txBox="1"/>
+          <p:nvPr/>
+        </p:nvSpPr>
+        <p:spPr>
+          <a:xfrm>
+            <a:off x="3795485" y="4157504"/>
+            <a:ext cx="2844799" cy="369332"/>
+          </a:xfrm>
+          <a:prstGeom prst="rect">
+            <a:avLst/>
+          </a:prstGeom>
+          <a:noFill/>
+        </p:spPr>
+        <p:txBody>
+          <a:bodyPr wrap="square" rtlCol="0">
+            <a:spAutoFit/>
+          </a:bodyPr>
+          <a:lstStyle/>
+          <a:p>
+            <a:pPr algn="ctr"/>
+            <a:r>
+              <a:rPr lang="en-US" altLang="zh-CN" dirty="0"/>
+              <a:t>Multi-Sensors Fusion</a:t>
+            </a:r>
+          </a:p>
+        </p:txBody>
+      </p:sp>
+      <p:sp>
+        <p:nvSpPr>
+          <p:cNvPr id="7" name="文本框 6">
+            <a:extLst>
+              <a:ext uri="{FF2B5EF4-FFF2-40B4-BE49-F238E27FC236}">
+                <a16:creationId xmlns:a16="http://schemas.microsoft.com/office/drawing/2014/main" id="{627C9CC3-07EB-4FC8-509C-A038444D1C2C}"/>
+              </a:ext>
+            </a:extLst>
+          </p:cNvPr>
+          <p:cNvSpPr txBox="1"/>
+          <p:nvPr/>
+        </p:nvSpPr>
+        <p:spPr>
+          <a:xfrm>
+            <a:off x="3724731" y="5666934"/>
+            <a:ext cx="2474684" cy="369332"/>
+          </a:xfrm>
+          <a:prstGeom prst="rect">
+            <a:avLst/>
+          </a:prstGeom>
+          <a:noFill/>
+        </p:spPr>
+        <p:txBody>
+          <a:bodyPr wrap="square" rtlCol="0">
+            <a:spAutoFit/>
+          </a:bodyPr>
+          <a:lstStyle/>
+          <a:p>
+            <a:pPr algn="ctr"/>
+            <a:r>
+              <a:rPr lang="en-US" altLang="zh-CN" dirty="0"/>
+              <a:t>Generative Model</a:t>
+            </a:r>
+          </a:p>
+        </p:txBody>
+      </p:sp>
+      <p:sp>
+        <p:nvSpPr>
+          <p:cNvPr id="8" name="文本框 7">
+            <a:extLst>
+              <a:ext uri="{FF2B5EF4-FFF2-40B4-BE49-F238E27FC236}">
+                <a16:creationId xmlns:a16="http://schemas.microsoft.com/office/drawing/2014/main" id="{07F892A6-C949-4EAD-290A-F277A46A8AFE}"/>
+              </a:ext>
+            </a:extLst>
+          </p:cNvPr>
+          <p:cNvSpPr txBox="1"/>
+          <p:nvPr/>
+        </p:nvSpPr>
+        <p:spPr>
+          <a:xfrm>
+            <a:off x="152398" y="3232666"/>
+            <a:ext cx="2910114" cy="923330"/>
+          </a:xfrm>
+          <a:prstGeom prst="rect">
+            <a:avLst/>
+          </a:prstGeom>
+          <a:noFill/>
+        </p:spPr>
+        <p:txBody>
+          <a:bodyPr wrap="square" rtlCol="0">
+            <a:spAutoFit/>
+          </a:bodyPr>
+          <a:lstStyle/>
+          <a:p>
+            <a:pPr algn="ctr"/>
+            <a:r>
+              <a:rPr lang="en-US" altLang="zh-CN" b="1" dirty="0"/>
+              <a:t>Phototype4Regression</a:t>
+            </a:r>
+          </a:p>
+          <a:p>
+            <a:pPr algn="ctr"/>
+            <a:r>
+              <a:rPr lang="en-US" altLang="zh-CN" b="1" dirty="0"/>
+              <a:t>Template4Regression</a:t>
+            </a:r>
+          </a:p>
+          <a:p>
+            <a:pPr algn="ctr"/>
+            <a:r>
+              <a:rPr lang="en-US" altLang="zh-CN" b="1" dirty="0"/>
+              <a:t>Template4Prediction</a:t>
+            </a:r>
+            <a:endParaRPr lang="zh-CN" altLang="en-US" b="1" dirty="0"/>
+          </a:p>
+        </p:txBody>
+      </p:sp>
+      <p:cxnSp>
+        <p:nvCxnSpPr>
+          <p:cNvPr id="10" name="连接符: 曲线 9">
+            <a:extLst>
+              <a:ext uri="{FF2B5EF4-FFF2-40B4-BE49-F238E27FC236}">
+                <a16:creationId xmlns:a16="http://schemas.microsoft.com/office/drawing/2014/main" id="{BCBEFD10-90E2-F646-13B0-CF0C03462D0A}"/>
+              </a:ext>
+            </a:extLst>
+          </p:cNvPr>
+          <p:cNvCxnSpPr>
+            <a:cxnSpLocks/>
+            <a:stCxn id="8" idx="3"/>
+            <a:endCxn id="3" idx="1"/>
+          </p:cNvCxnSpPr>
+          <p:nvPr/>
+        </p:nvCxnSpPr>
+        <p:spPr>
+          <a:xfrm flipV="1">
+            <a:off x="3062512" y="2463408"/>
+            <a:ext cx="732972" cy="1230923"/>
+          </a:xfrm>
+          <a:prstGeom prst="curvedConnector3">
+            <a:avLst/>
+          </a:prstGeom>
+          <a:ln w="19050">
+            <a:solidFill>
+              <a:srgbClr val="172C51"/>
+            </a:solidFill>
+            <a:tailEnd type="triangle"/>
+          </a:ln>
+        </p:spPr>
+        <p:style>
+          <a:lnRef idx="1">
+            <a:schemeClr val="accent1"/>
+          </a:lnRef>
+          <a:fillRef idx="0">
+            <a:schemeClr val="accent1"/>
+          </a:fillRef>
+          <a:effectRef idx="0">
+            <a:schemeClr val="accent1"/>
+          </a:effectRef>
+          <a:fontRef idx="minor">
+            <a:schemeClr val="tx1"/>
+          </a:fontRef>
+        </p:style>
+      </p:cxnSp>
+      <p:cxnSp>
+        <p:nvCxnSpPr>
+          <p:cNvPr id="12" name="连接符: 曲线 11">
+            <a:extLst>
+              <a:ext uri="{FF2B5EF4-FFF2-40B4-BE49-F238E27FC236}">
+                <a16:creationId xmlns:a16="http://schemas.microsoft.com/office/drawing/2014/main" id="{AA76E07A-D92D-8318-0FA0-5D7478166006}"/>
+              </a:ext>
+            </a:extLst>
+          </p:cNvPr>
+          <p:cNvCxnSpPr>
+            <a:cxnSpLocks/>
+            <a:stCxn id="8" idx="3"/>
+            <a:endCxn id="6" idx="1"/>
+          </p:cNvCxnSpPr>
+          <p:nvPr/>
+        </p:nvCxnSpPr>
+        <p:spPr>
+          <a:xfrm>
+            <a:off x="3062512" y="3694331"/>
+            <a:ext cx="732973" cy="647839"/>
+          </a:xfrm>
+          <a:prstGeom prst="curvedConnector3">
+            <a:avLst>
+              <a:gd name="adj1" fmla="val 50000"/>
+            </a:avLst>
+          </a:prstGeom>
+          <a:ln w="19050">
+            <a:solidFill>
+              <a:srgbClr val="172C51"/>
+            </a:solidFill>
+            <a:tailEnd type="triangle"/>
+          </a:ln>
+        </p:spPr>
+        <p:style>
+          <a:lnRef idx="1">
+            <a:schemeClr val="accent1"/>
+          </a:lnRef>
+          <a:fillRef idx="0">
+            <a:schemeClr val="accent1"/>
+          </a:fillRef>
+          <a:effectRef idx="0">
+            <a:schemeClr val="accent1"/>
+          </a:effectRef>
+          <a:fontRef idx="minor">
+            <a:schemeClr val="tx1"/>
+          </a:fontRef>
+        </p:style>
+      </p:cxnSp>
+      <p:cxnSp>
+        <p:nvCxnSpPr>
+          <p:cNvPr id="14" name="连接符: 曲线 13">
+            <a:extLst>
+              <a:ext uri="{FF2B5EF4-FFF2-40B4-BE49-F238E27FC236}">
+                <a16:creationId xmlns:a16="http://schemas.microsoft.com/office/drawing/2014/main" id="{85DC7965-0BE9-E7D3-5306-05A2290CBE13}"/>
+              </a:ext>
+            </a:extLst>
+          </p:cNvPr>
+          <p:cNvCxnSpPr>
+            <a:cxnSpLocks/>
+            <a:stCxn id="8" idx="3"/>
+            <a:endCxn id="7" idx="1"/>
+          </p:cNvCxnSpPr>
+          <p:nvPr/>
+        </p:nvCxnSpPr>
+        <p:spPr>
+          <a:xfrm>
+            <a:off x="3062512" y="3694331"/>
+            <a:ext cx="662219" cy="2157269"/>
+          </a:xfrm>
+          <a:prstGeom prst="curvedConnector3">
+            <a:avLst>
+              <a:gd name="adj1" fmla="val 50000"/>
+            </a:avLst>
+          </a:prstGeom>
+          <a:ln w="19050">
+            <a:solidFill>
+              <a:srgbClr val="172C51"/>
+            </a:solidFill>
+            <a:tailEnd type="triangle"/>
+          </a:ln>
+        </p:spPr>
+        <p:style>
+          <a:lnRef idx="1">
+            <a:schemeClr val="accent1"/>
+          </a:lnRef>
+          <a:fillRef idx="0">
+            <a:schemeClr val="accent1"/>
+          </a:fillRef>
+          <a:effectRef idx="0">
+            <a:schemeClr val="accent1"/>
+          </a:effectRef>
+          <a:fontRef idx="minor">
+            <a:schemeClr val="tx1"/>
+          </a:fontRef>
+        </p:style>
+      </p:cxnSp>
+      <p:cxnSp>
+        <p:nvCxnSpPr>
+          <p:cNvPr id="22" name="连接符: 曲线 21">
+            <a:extLst>
+              <a:ext uri="{FF2B5EF4-FFF2-40B4-BE49-F238E27FC236}">
+                <a16:creationId xmlns:a16="http://schemas.microsoft.com/office/drawing/2014/main" id="{8F56AF67-381C-5E88-6126-D17E8A477C43}"/>
+              </a:ext>
+            </a:extLst>
+          </p:cNvPr>
+          <p:cNvCxnSpPr>
+            <a:cxnSpLocks/>
+            <a:stCxn id="3" idx="3"/>
+            <a:endCxn id="4" idx="1"/>
+          </p:cNvCxnSpPr>
+          <p:nvPr/>
+        </p:nvCxnSpPr>
+        <p:spPr>
+          <a:xfrm flipV="1">
+            <a:off x="6567711" y="1737695"/>
+            <a:ext cx="478977" cy="725713"/>
+          </a:xfrm>
+          <a:prstGeom prst="curvedConnector3">
+            <a:avLst>
+              <a:gd name="adj1" fmla="val 50000"/>
+            </a:avLst>
+          </a:prstGeom>
+          <a:ln w="19050">
+            <a:solidFill>
+              <a:srgbClr val="172C51"/>
+            </a:solidFill>
+            <a:tailEnd type="triangle"/>
+          </a:ln>
+        </p:spPr>
+        <p:style>
+          <a:lnRef idx="1">
+            <a:schemeClr val="accent1"/>
+          </a:lnRef>
+          <a:fillRef idx="0">
+            <a:schemeClr val="accent1"/>
+          </a:fillRef>
+          <a:effectRef idx="0">
+            <a:schemeClr val="accent1"/>
+          </a:effectRef>
+          <a:fontRef idx="minor">
+            <a:schemeClr val="tx1"/>
+          </a:fontRef>
+        </p:style>
+      </p:cxnSp>
+      <p:cxnSp>
+        <p:nvCxnSpPr>
+          <p:cNvPr id="24" name="连接符: 曲线 23">
+            <a:extLst>
+              <a:ext uri="{FF2B5EF4-FFF2-40B4-BE49-F238E27FC236}">
+                <a16:creationId xmlns:a16="http://schemas.microsoft.com/office/drawing/2014/main" id="{69492347-795A-33CB-63C4-62F3E0E1D680}"/>
+              </a:ext>
+            </a:extLst>
+          </p:cNvPr>
+          <p:cNvCxnSpPr>
+            <a:cxnSpLocks/>
+            <a:stCxn id="3" idx="3"/>
+            <a:endCxn id="5" idx="1"/>
+          </p:cNvCxnSpPr>
+          <p:nvPr/>
+        </p:nvCxnSpPr>
+        <p:spPr>
+          <a:xfrm>
+            <a:off x="6567711" y="2463408"/>
+            <a:ext cx="478977" cy="985463"/>
+          </a:xfrm>
+          <a:prstGeom prst="curvedConnector3">
+            <a:avLst/>
+          </a:prstGeom>
+          <a:ln w="19050">
+            <a:solidFill>
+              <a:srgbClr val="172C51"/>
+            </a:solidFill>
+            <a:tailEnd type="triangle"/>
+          </a:ln>
+        </p:spPr>
+        <p:style>
+          <a:lnRef idx="1">
+            <a:schemeClr val="accent1"/>
+          </a:lnRef>
+          <a:fillRef idx="0">
+            <a:schemeClr val="accent1"/>
+          </a:fillRef>
+          <a:effectRef idx="0">
+            <a:schemeClr val="accent1"/>
+          </a:effectRef>
+          <a:fontRef idx="minor">
+            <a:schemeClr val="tx1"/>
+          </a:fontRef>
+        </p:style>
+      </p:cxnSp>
+      <p:sp>
+        <p:nvSpPr>
+          <p:cNvPr id="28" name="文本框 27">
+            <a:extLst>
+              <a:ext uri="{FF2B5EF4-FFF2-40B4-BE49-F238E27FC236}">
+                <a16:creationId xmlns:a16="http://schemas.microsoft.com/office/drawing/2014/main" id="{BAE6C22F-A529-E9A6-051A-DD0B22D60A88}"/>
+              </a:ext>
+            </a:extLst>
+          </p:cNvPr>
+          <p:cNvSpPr txBox="1"/>
+          <p:nvPr/>
+        </p:nvSpPr>
+        <p:spPr>
+          <a:xfrm>
+            <a:off x="9318173" y="482186"/>
+            <a:ext cx="2198914" cy="369332"/>
+          </a:xfrm>
+          <a:prstGeom prst="rect">
+            <a:avLst/>
+          </a:prstGeom>
+          <a:noFill/>
+        </p:spPr>
+        <p:txBody>
+          <a:bodyPr wrap="square" rtlCol="0">
+            <a:spAutoFit/>
+          </a:bodyPr>
+          <a:lstStyle/>
+          <a:p>
+            <a:r>
+              <a:rPr lang="en-US" altLang="zh-CN" dirty="0"/>
+              <a:t>Before 2018</a:t>
+            </a:r>
+          </a:p>
+        </p:txBody>
+      </p:sp>
+      <p:sp>
+        <p:nvSpPr>
+          <p:cNvPr id="29" name="文本框 28">
+            <a:extLst>
+              <a:ext uri="{FF2B5EF4-FFF2-40B4-BE49-F238E27FC236}">
+                <a16:creationId xmlns:a16="http://schemas.microsoft.com/office/drawing/2014/main" id="{95901F1B-1B6A-DEC3-D41E-F16DF753C424}"/>
+              </a:ext>
+            </a:extLst>
+          </p:cNvPr>
+          <p:cNvSpPr txBox="1"/>
+          <p:nvPr/>
+        </p:nvSpPr>
+        <p:spPr>
+          <a:xfrm>
+            <a:off x="9318173" y="1543149"/>
+            <a:ext cx="1516743" cy="369332"/>
+          </a:xfrm>
+          <a:prstGeom prst="rect">
+            <a:avLst/>
+          </a:prstGeom>
+          <a:noFill/>
+        </p:spPr>
+        <p:txBody>
+          <a:bodyPr wrap="square" rtlCol="0">
+            <a:spAutoFit/>
+          </a:bodyPr>
+          <a:lstStyle/>
+          <a:p>
+            <a:r>
+              <a:rPr lang="en-US" altLang="zh-CN" dirty="0"/>
+              <a:t>In 2018</a:t>
+            </a:r>
+          </a:p>
+        </p:txBody>
+      </p:sp>
+      <p:sp>
+        <p:nvSpPr>
+          <p:cNvPr id="30" name="文本框 29">
+            <a:extLst>
+              <a:ext uri="{FF2B5EF4-FFF2-40B4-BE49-F238E27FC236}">
+                <a16:creationId xmlns:a16="http://schemas.microsoft.com/office/drawing/2014/main" id="{E037A31D-A713-DAC1-0611-CEBF76EF0E39}"/>
+              </a:ext>
+            </a:extLst>
+          </p:cNvPr>
+          <p:cNvSpPr txBox="1"/>
+          <p:nvPr/>
+        </p:nvSpPr>
+        <p:spPr>
+          <a:xfrm>
+            <a:off x="9256485" y="2463408"/>
+            <a:ext cx="2198914" cy="369332"/>
+          </a:xfrm>
+          <a:prstGeom prst="rect">
+            <a:avLst/>
+          </a:prstGeom>
+          <a:noFill/>
+        </p:spPr>
+        <p:txBody>
+          <a:bodyPr wrap="square" rtlCol="0">
+            <a:spAutoFit/>
+          </a:bodyPr>
+          <a:lstStyle/>
+          <a:p>
+            <a:r>
+              <a:rPr lang="en-US" altLang="zh-CN" dirty="0"/>
+              <a:t>After 2018</a:t>
+            </a:r>
+          </a:p>
+        </p:txBody>
+      </p:sp>
+      <p:cxnSp>
+        <p:nvCxnSpPr>
+          <p:cNvPr id="41" name="连接符: 曲线 40">
+            <a:extLst>
+              <a:ext uri="{FF2B5EF4-FFF2-40B4-BE49-F238E27FC236}">
+                <a16:creationId xmlns:a16="http://schemas.microsoft.com/office/drawing/2014/main" id="{E64A6361-DF62-2344-148F-8850A9903270}"/>
+              </a:ext>
+            </a:extLst>
+          </p:cNvPr>
+          <p:cNvCxnSpPr>
+            <a:cxnSpLocks/>
+            <a:stCxn id="4" idx="3"/>
+            <a:endCxn id="28" idx="1"/>
+          </p:cNvCxnSpPr>
+          <p:nvPr/>
+        </p:nvCxnSpPr>
+        <p:spPr>
+          <a:xfrm flipV="1">
+            <a:off x="8432800" y="666852"/>
+            <a:ext cx="885373" cy="1070843"/>
+          </a:xfrm>
+          <a:prstGeom prst="curvedConnector3">
+            <a:avLst>
+              <a:gd name="adj1" fmla="val 36885"/>
+            </a:avLst>
+          </a:prstGeom>
+          <a:ln w="19050">
+            <a:solidFill>
+              <a:srgbClr val="172C51"/>
+            </a:solidFill>
+            <a:tailEnd type="triangle"/>
+          </a:ln>
+        </p:spPr>
+        <p:style>
+          <a:lnRef idx="1">
+            <a:schemeClr val="accent1"/>
+          </a:lnRef>
+          <a:fillRef idx="0">
+            <a:schemeClr val="accent1"/>
+          </a:fillRef>
+          <a:effectRef idx="0">
+            <a:schemeClr val="accent1"/>
+          </a:effectRef>
+          <a:fontRef idx="minor">
+            <a:schemeClr val="tx1"/>
+          </a:fontRef>
+        </p:style>
+      </p:cxnSp>
+      <p:cxnSp>
+        <p:nvCxnSpPr>
+          <p:cNvPr id="42" name="连接符: 曲线 41">
+            <a:extLst>
+              <a:ext uri="{FF2B5EF4-FFF2-40B4-BE49-F238E27FC236}">
+                <a16:creationId xmlns:a16="http://schemas.microsoft.com/office/drawing/2014/main" id="{6B15E572-5A8A-8AD8-9585-BE5411B2825F}"/>
+              </a:ext>
+            </a:extLst>
+          </p:cNvPr>
+          <p:cNvCxnSpPr>
+            <a:cxnSpLocks/>
+            <a:stCxn id="4" idx="3"/>
+            <a:endCxn id="29" idx="1"/>
+          </p:cNvCxnSpPr>
+          <p:nvPr/>
+        </p:nvCxnSpPr>
+        <p:spPr>
+          <a:xfrm flipV="1">
+            <a:off x="8432800" y="1727815"/>
+            <a:ext cx="885373" cy="9880"/>
+          </a:xfrm>
+          <a:prstGeom prst="curvedConnector3">
+            <a:avLst>
+              <a:gd name="adj1" fmla="val 50000"/>
+            </a:avLst>
+          </a:prstGeom>
+          <a:ln w="19050">
+            <a:solidFill>
+              <a:srgbClr val="172C51"/>
+            </a:solidFill>
+            <a:tailEnd type="triangle"/>
+          </a:ln>
+        </p:spPr>
+        <p:style>
+          <a:lnRef idx="1">
+            <a:schemeClr val="accent1"/>
+          </a:lnRef>
+          <a:fillRef idx="0">
+            <a:schemeClr val="accent1"/>
+          </a:fillRef>
+          <a:effectRef idx="0">
+            <a:schemeClr val="accent1"/>
+          </a:effectRef>
+          <a:fontRef idx="minor">
+            <a:schemeClr val="tx1"/>
+          </a:fontRef>
+        </p:style>
+      </p:cxnSp>
+      <p:cxnSp>
+        <p:nvCxnSpPr>
+          <p:cNvPr id="45" name="连接符: 曲线 44">
+            <a:extLst>
+              <a:ext uri="{FF2B5EF4-FFF2-40B4-BE49-F238E27FC236}">
+                <a16:creationId xmlns:a16="http://schemas.microsoft.com/office/drawing/2014/main" id="{F6B71FD2-F51D-B6CD-3DC2-457782D9D093}"/>
+              </a:ext>
+            </a:extLst>
+          </p:cNvPr>
+          <p:cNvCxnSpPr>
+            <a:cxnSpLocks/>
+            <a:stCxn id="4" idx="3"/>
+            <a:endCxn id="30" idx="1"/>
+          </p:cNvCxnSpPr>
+          <p:nvPr/>
+        </p:nvCxnSpPr>
+        <p:spPr>
+          <a:xfrm>
+            <a:off x="8432800" y="1737695"/>
+            <a:ext cx="823685" cy="910379"/>
+          </a:xfrm>
+          <a:prstGeom prst="curvedConnector3">
+            <a:avLst>
+              <a:gd name="adj1" fmla="val 50000"/>
+            </a:avLst>
+          </a:prstGeom>
+          <a:ln w="19050">
+            <a:solidFill>
+              <a:srgbClr val="172C51"/>
+            </a:solidFill>
+            <a:tailEnd type="triangle"/>
+          </a:ln>
+        </p:spPr>
+        <p:style>
+          <a:lnRef idx="1">
+            <a:schemeClr val="accent1"/>
+          </a:lnRef>
+          <a:fillRef idx="0">
+            <a:schemeClr val="accent1"/>
+          </a:fillRef>
+          <a:effectRef idx="0">
+            <a:schemeClr val="accent1"/>
+          </a:effectRef>
+          <a:fontRef idx="minor">
+            <a:schemeClr val="tx1"/>
+          </a:fontRef>
+        </p:style>
+      </p:cxnSp>
+      <p:sp>
+        <p:nvSpPr>
+          <p:cNvPr id="95" name="文本框 94">
+            <a:extLst>
+              <a:ext uri="{FF2B5EF4-FFF2-40B4-BE49-F238E27FC236}">
+                <a16:creationId xmlns:a16="http://schemas.microsoft.com/office/drawing/2014/main" id="{3FCF0453-1A26-7145-BC24-6636C12C3E00}"/>
+              </a:ext>
+            </a:extLst>
+          </p:cNvPr>
+          <p:cNvSpPr txBox="1"/>
+          <p:nvPr/>
+        </p:nvSpPr>
+        <p:spPr>
+          <a:xfrm>
+            <a:off x="7881258" y="5660964"/>
+            <a:ext cx="2474684" cy="369332"/>
+          </a:xfrm>
+          <a:prstGeom prst="rect">
+            <a:avLst/>
+          </a:prstGeom>
+          <a:noFill/>
+        </p:spPr>
+        <p:txBody>
+          <a:bodyPr wrap="square" rtlCol="0">
+            <a:spAutoFit/>
+          </a:bodyPr>
+          <a:lstStyle/>
+          <a:p>
+            <a:r>
+              <a:rPr lang="zh-CN" altLang="en-US" dirty="0"/>
+              <a:t>有零星的论文支撑</a:t>
+            </a:r>
+          </a:p>
+        </p:txBody>
+      </p:sp>
+      <p:sp>
+        <p:nvSpPr>
+          <p:cNvPr id="96" name="箭头: 右 95">
+            <a:extLst>
+              <a:ext uri="{FF2B5EF4-FFF2-40B4-BE49-F238E27FC236}">
+                <a16:creationId xmlns:a16="http://schemas.microsoft.com/office/drawing/2014/main" id="{C7AE85CB-8DC8-677B-36B5-6B3AA9D13264}"/>
+              </a:ext>
+            </a:extLst>
+          </p:cNvPr>
+          <p:cNvSpPr/>
+          <p:nvPr/>
+        </p:nvSpPr>
+        <p:spPr>
+          <a:xfrm rot="10800000">
+            <a:off x="6295572" y="5783944"/>
+            <a:ext cx="1393374" cy="123371"/>
+          </a:xfrm>
+          <a:prstGeom prst="rightArrow">
+            <a:avLst/>
+          </a:prstGeom>
+          <a:noFill/>
+        </p:spPr>
+        <p:style>
+          <a:lnRef idx="2">
+            <a:schemeClr val="accent1">
+              <a:shade val="15000"/>
+            </a:schemeClr>
+          </a:lnRef>
+          <a:fillRef idx="1">
+            <a:schemeClr val="accent1"/>
+          </a:fillRef>
+          <a:effectRef idx="0">
+            <a:schemeClr val="accent1"/>
+          </a:effectRef>
+          <a:fontRef idx="minor">
+            <a:schemeClr val="lt1"/>
+          </a:fontRef>
+        </p:style>
+        <p:txBody>
+          <a:bodyPr rtlCol="0" anchor="ctr"/>
+          <a:lstStyle/>
+          <a:p>
+            <a:pPr algn="ctr"/>
+            <a:endParaRPr lang="zh-CN" altLang="en-US"/>
+          </a:p>
+        </p:txBody>
+      </p:sp>
+      <p:sp>
+        <p:nvSpPr>
+          <p:cNvPr id="97" name="文本框 96">
+            <a:extLst>
+              <a:ext uri="{FF2B5EF4-FFF2-40B4-BE49-F238E27FC236}">
+                <a16:creationId xmlns:a16="http://schemas.microsoft.com/office/drawing/2014/main" id="{BB5C7D92-AF0F-5AFB-A3F8-EA5096C6E7E1}"/>
+              </a:ext>
+            </a:extLst>
+          </p:cNvPr>
+          <p:cNvSpPr txBox="1"/>
+          <p:nvPr/>
+        </p:nvSpPr>
+        <p:spPr>
+          <a:xfrm>
+            <a:off x="8182430" y="4150447"/>
+            <a:ext cx="2474684" cy="369332"/>
+          </a:xfrm>
+          <a:prstGeom prst="rect">
+            <a:avLst/>
+          </a:prstGeom>
+          <a:noFill/>
+        </p:spPr>
+        <p:txBody>
+          <a:bodyPr wrap="square" rtlCol="0">
+            <a:spAutoFit/>
+          </a:bodyPr>
+          <a:lstStyle/>
+          <a:p>
+            <a:r>
+              <a:rPr lang="zh-CN" altLang="en-US" dirty="0"/>
+              <a:t>另一个比较大的领域</a:t>
+            </a:r>
+          </a:p>
+        </p:txBody>
+      </p:sp>
+      <p:sp>
+        <p:nvSpPr>
+          <p:cNvPr id="98" name="箭头: 右 97">
+            <a:extLst>
+              <a:ext uri="{FF2B5EF4-FFF2-40B4-BE49-F238E27FC236}">
+                <a16:creationId xmlns:a16="http://schemas.microsoft.com/office/drawing/2014/main" id="{31223D98-733E-B0CF-B230-1645D9E11D13}"/>
+              </a:ext>
+            </a:extLst>
+          </p:cNvPr>
+          <p:cNvSpPr/>
+          <p:nvPr/>
+        </p:nvSpPr>
+        <p:spPr>
+          <a:xfrm>
+            <a:off x="6640284" y="4280484"/>
+            <a:ext cx="1393374" cy="123371"/>
+          </a:xfrm>
+          <a:prstGeom prst="rightArrow">
+            <a:avLst/>
+          </a:prstGeom>
+          <a:noFill/>
+        </p:spPr>
+        <p:style>
+          <a:lnRef idx="2">
+            <a:schemeClr val="accent1">
+              <a:shade val="15000"/>
+            </a:schemeClr>
+          </a:lnRef>
+          <a:fillRef idx="1">
+            <a:schemeClr val="accent1"/>
+          </a:fillRef>
+          <a:effectRef idx="0">
+            <a:schemeClr val="accent1"/>
+          </a:effectRef>
+          <a:fontRef idx="minor">
+            <a:schemeClr val="lt1"/>
+          </a:fontRef>
+        </p:style>
+        <p:txBody>
+          <a:bodyPr rtlCol="0" anchor="ctr"/>
+          <a:lstStyle/>
+          <a:p>
+            <a:pPr algn="ctr"/>
+            <a:endParaRPr lang="zh-CN" altLang="en-US"/>
+          </a:p>
+        </p:txBody>
+      </p:sp>
+      <p:sp>
+        <p:nvSpPr>
+          <p:cNvPr id="99" name="文本框 98">
+            <a:extLst>
+              <a:ext uri="{FF2B5EF4-FFF2-40B4-BE49-F238E27FC236}">
+                <a16:creationId xmlns:a16="http://schemas.microsoft.com/office/drawing/2014/main" id="{2829C724-B6CB-B482-A2CC-A5C9F23BA38A}"/>
+              </a:ext>
+            </a:extLst>
+          </p:cNvPr>
+          <p:cNvSpPr txBox="1"/>
+          <p:nvPr/>
+        </p:nvSpPr>
+        <p:spPr>
+          <a:xfrm>
+            <a:off x="152398" y="6113027"/>
+            <a:ext cx="3541486" cy="646331"/>
+          </a:xfrm>
+          <a:prstGeom prst="rect">
+            <a:avLst/>
+          </a:prstGeom>
+          <a:noFill/>
+        </p:spPr>
+        <p:txBody>
+          <a:bodyPr wrap="square" rtlCol="0">
+            <a:spAutoFit/>
+          </a:bodyPr>
+          <a:lstStyle/>
+          <a:p>
+            <a:r>
+              <a:rPr lang="en-US" altLang="zh-CN" dirty="0"/>
+              <a:t>2018</a:t>
+            </a:r>
+            <a:r>
+              <a:rPr lang="zh-CN" altLang="en-US" dirty="0"/>
+              <a:t>年及以前肯定没有这个概念</a:t>
+            </a:r>
+            <a:r>
+              <a:rPr lang="en-US" altLang="zh-CN" dirty="0"/>
+              <a:t>2019</a:t>
+            </a:r>
+            <a:r>
+              <a:rPr lang="zh-CN" altLang="en-US" dirty="0"/>
+              <a:t>年以后目前没发现</a:t>
+            </a:r>
+          </a:p>
+        </p:txBody>
+      </p:sp>
+      <p:sp>
+        <p:nvSpPr>
+          <p:cNvPr id="100" name="箭头: 右 99">
+            <a:extLst>
+              <a:ext uri="{FF2B5EF4-FFF2-40B4-BE49-F238E27FC236}">
+                <a16:creationId xmlns:a16="http://schemas.microsoft.com/office/drawing/2014/main" id="{0ECE5756-7384-96D3-97BC-290949864876}"/>
+              </a:ext>
+            </a:extLst>
+          </p:cNvPr>
+          <p:cNvSpPr/>
+          <p:nvPr/>
+        </p:nvSpPr>
+        <p:spPr>
+          <a:xfrm rot="16200000">
+            <a:off x="723579" y="4925463"/>
+            <a:ext cx="1756867" cy="206835"/>
+          </a:xfrm>
+          <a:prstGeom prst="rightArrow">
+            <a:avLst/>
+          </a:prstGeom>
+          <a:noFill/>
+        </p:spPr>
+        <p:style>
+          <a:lnRef idx="2">
+            <a:schemeClr val="accent1">
+              <a:shade val="15000"/>
+            </a:schemeClr>
+          </a:lnRef>
+          <a:fillRef idx="1">
+            <a:schemeClr val="accent1"/>
+          </a:fillRef>
+          <a:effectRef idx="0">
+            <a:schemeClr val="accent1"/>
+          </a:effectRef>
+          <a:fontRef idx="minor">
+            <a:schemeClr val="lt1"/>
+          </a:fontRef>
+        </p:style>
+        <p:txBody>
+          <a:bodyPr rtlCol="0" anchor="ctr"/>
+          <a:lstStyle/>
+          <a:p>
+            <a:pPr algn="ctr"/>
+            <a:endParaRPr lang="zh-CN" altLang="en-US"/>
+          </a:p>
+        </p:txBody>
+      </p:sp>
+      <p:sp>
+        <p:nvSpPr>
+          <p:cNvPr id="101" name="思想气泡: 云 100">
+            <a:extLst>
+              <a:ext uri="{FF2B5EF4-FFF2-40B4-BE49-F238E27FC236}">
+                <a16:creationId xmlns:a16="http://schemas.microsoft.com/office/drawing/2014/main" id="{71516924-29D4-5F2A-D2AB-CDE7104F5325}"/>
+              </a:ext>
+            </a:extLst>
+          </p:cNvPr>
+          <p:cNvSpPr/>
+          <p:nvPr/>
+        </p:nvSpPr>
+        <p:spPr>
+          <a:xfrm>
+            <a:off x="9510488" y="3185467"/>
+            <a:ext cx="2402108" cy="670808"/>
+          </a:xfrm>
+          <a:prstGeom prst="cloudCallout">
+            <a:avLst>
+              <a:gd name="adj1" fmla="val -85094"/>
+              <a:gd name="adj2" fmla="val -11511"/>
+            </a:avLst>
+          </a:prstGeom>
+          <a:noFill/>
+        </p:spPr>
+        <p:style>
+          <a:lnRef idx="2">
+            <a:schemeClr val="accent1">
+              <a:shade val="15000"/>
+            </a:schemeClr>
+          </a:lnRef>
+          <a:fillRef idx="1">
+            <a:schemeClr val="accent1"/>
+          </a:fillRef>
+          <a:effectRef idx="0">
+            <a:schemeClr val="accent1"/>
+          </a:effectRef>
+          <a:fontRef idx="minor">
+            <a:schemeClr val="lt1"/>
+          </a:fontRef>
+        </p:style>
+        <p:txBody>
+          <a:bodyPr rtlCol="0" anchor="ctr"/>
+          <a:lstStyle/>
+          <a:p>
+            <a:pPr algn="ctr"/>
+            <a:r>
+              <a:rPr lang="zh-CN" altLang="en-US" dirty="0">
+                <a:solidFill>
+                  <a:schemeClr val="tx1"/>
+                </a:solidFill>
+              </a:rPr>
+              <a:t>需要细细思考</a:t>
+            </a:r>
+          </a:p>
+        </p:txBody>
+      </p:sp>
+      <p:sp>
+        <p:nvSpPr>
+          <p:cNvPr id="102" name="对话气泡: 矩形 101">
+            <a:extLst>
+              <a:ext uri="{FF2B5EF4-FFF2-40B4-BE49-F238E27FC236}">
+                <a16:creationId xmlns:a16="http://schemas.microsoft.com/office/drawing/2014/main" id="{879714CE-F953-7F32-F341-49BF52AEC9DC}"/>
+              </a:ext>
+            </a:extLst>
+          </p:cNvPr>
+          <p:cNvSpPr/>
+          <p:nvPr/>
+        </p:nvSpPr>
+        <p:spPr>
+          <a:xfrm>
+            <a:off x="5885545" y="566027"/>
+            <a:ext cx="2322285" cy="504786"/>
+          </a:xfrm>
+          <a:prstGeom prst="wedgeRectCallout">
+            <a:avLst>
+              <a:gd name="adj1" fmla="val 41727"/>
+              <a:gd name="adj2" fmla="val 159182"/>
+            </a:avLst>
+          </a:prstGeom>
+          <a:noFill/>
+        </p:spPr>
+        <p:style>
+          <a:lnRef idx="2">
+            <a:schemeClr val="accent1">
+              <a:shade val="15000"/>
+            </a:schemeClr>
+          </a:lnRef>
+          <a:fillRef idx="1">
+            <a:schemeClr val="accent1"/>
+          </a:fillRef>
+          <a:effectRef idx="0">
+            <a:schemeClr val="accent1"/>
+          </a:effectRef>
+          <a:fontRef idx="minor">
+            <a:schemeClr val="lt1"/>
+          </a:fontRef>
+        </p:style>
+        <p:txBody>
+          <a:bodyPr rtlCol="0" anchor="ctr"/>
+          <a:lstStyle/>
+          <a:p>
+            <a:pPr algn="ctr"/>
+            <a:r>
+              <a:rPr lang="zh-CN" altLang="en-US" dirty="0">
+                <a:solidFill>
+                  <a:schemeClr val="tx1"/>
+                </a:solidFill>
+              </a:rPr>
+              <a:t>当前探索的主要方向</a:t>
+            </a:r>
+          </a:p>
+        </p:txBody>
+      </p:sp>
+    </p:spTree>
+    <p:extLst>
+      <p:ext uri="{BB962C8B-B14F-4D97-AF65-F5344CB8AC3E}">
+        <p14:creationId xmlns:p14="http://schemas.microsoft.com/office/powerpoint/2010/main" val="325410356"/>
+      </p:ext>
+    </p:extLst>
+  </p:cSld>
+  <p:clrMapOvr>
+    <a:masterClrMapping/>
+  </p:clrMapOvr>
+</p:sld>
+</file>
+
+<file path=ppt/slides/slide4.xml><?xml version="1.0" encoding="utf-8"?>
+<p:sld xmlns:a="http://schemas.openxmlformats.org/drawingml/2006/main" xmlns:r="http://schemas.openxmlformats.org/officeDocument/2006/relationships" xmlns:p="http://schemas.openxmlformats.org/presentationml/2006/main">
+  <p:cSld>
+    <p:spTree>
+      <p:nvGrpSpPr>
+        <p:cNvPr id="1" name=""/>
+        <p:cNvGrpSpPr/>
+        <p:nvPr/>
+      </p:nvGrpSpPr>
+      <p:grpSpPr>
+        <a:xfrm>
+          <a:off x="0" y="0"/>
+          <a:ext cx="0" cy="0"/>
+          <a:chOff x="0" y="0"/>
+          <a:chExt cx="0" cy="0"/>
+        </a:xfrm>
+      </p:grpSpPr>
+      <p:sp>
+        <p:nvSpPr>
+          <p:cNvPr id="13" name="文本框 12">
+            <a:extLst>
+              <a:ext uri="{FF2B5EF4-FFF2-40B4-BE49-F238E27FC236}">
+                <a16:creationId xmlns:a16="http://schemas.microsoft.com/office/drawing/2014/main" id="{0BFACC5B-F759-45D8-6D24-34D71F57C704}"/>
+              </a:ext>
+            </a:extLst>
+          </p:cNvPr>
+          <p:cNvSpPr txBox="1"/>
+          <p:nvPr/>
+        </p:nvSpPr>
+        <p:spPr>
+          <a:xfrm>
+            <a:off x="255637" y="1622322"/>
+            <a:ext cx="1742769" cy="707886"/>
+          </a:xfrm>
+          <a:prstGeom prst="rect">
+            <a:avLst/>
+          </a:prstGeom>
+          <a:noFill/>
+        </p:spPr>
+        <p:txBody>
+          <a:bodyPr wrap="square" rtlCol="0">
+            <a:spAutoFit/>
+          </a:bodyPr>
+          <a:lstStyle/>
+          <a:p>
+            <a:pPr algn="ctr"/>
+            <a:r>
+              <a:rPr lang="en-US" altLang="zh-CN" sz="2000" b="1" dirty="0"/>
+              <a:t>Incremental Averaging</a:t>
+            </a:r>
+            <a:endParaRPr lang="zh-CN" altLang="en-US" sz="2000" b="1" dirty="0"/>
+          </a:p>
+        </p:txBody>
+      </p:sp>
+      <p:sp>
+        <p:nvSpPr>
+          <p:cNvPr id="15" name="文本框 14">
+            <a:extLst>
+              <a:ext uri="{FF2B5EF4-FFF2-40B4-BE49-F238E27FC236}">
+                <a16:creationId xmlns:a16="http://schemas.microsoft.com/office/drawing/2014/main" id="{E41FF542-9E53-AD94-A14F-6AB8112C091C}"/>
+              </a:ext>
+            </a:extLst>
+          </p:cNvPr>
+          <p:cNvSpPr txBox="1"/>
+          <p:nvPr/>
+        </p:nvSpPr>
+        <p:spPr>
+          <a:xfrm>
+            <a:off x="255636" y="4802571"/>
+            <a:ext cx="1742769" cy="707886"/>
+          </a:xfrm>
+          <a:prstGeom prst="rect">
+            <a:avLst/>
+          </a:prstGeom>
+          <a:noFill/>
+        </p:spPr>
+        <p:txBody>
+          <a:bodyPr wrap="square" rtlCol="0">
+            <a:spAutoFit/>
+          </a:bodyPr>
+          <a:lstStyle/>
+          <a:p>
+            <a:pPr algn="ctr"/>
+            <a:r>
+              <a:rPr lang="en-US" altLang="zh-CN" sz="2000" b="1" dirty="0"/>
+              <a:t>Batch</a:t>
+            </a:r>
+          </a:p>
+          <a:p>
+            <a:pPr algn="ctr"/>
+            <a:r>
+              <a:rPr lang="en-US" altLang="zh-CN" sz="2000" b="1" dirty="0"/>
+              <a:t>Averaging</a:t>
+            </a:r>
+            <a:endParaRPr lang="zh-CN" altLang="en-US" sz="2000" b="1" dirty="0"/>
+          </a:p>
+        </p:txBody>
+      </p:sp>
+      <p:sp>
+        <p:nvSpPr>
+          <p:cNvPr id="16" name="文本框 15">
+            <a:extLst>
+              <a:ext uri="{FF2B5EF4-FFF2-40B4-BE49-F238E27FC236}">
+                <a16:creationId xmlns:a16="http://schemas.microsoft.com/office/drawing/2014/main" id="{92A58980-64FE-C1CE-BB6E-DCCC5A7B05FE}"/>
+              </a:ext>
+            </a:extLst>
+          </p:cNvPr>
+          <p:cNvSpPr txBox="1"/>
+          <p:nvPr/>
+        </p:nvSpPr>
+        <p:spPr>
+          <a:xfrm>
+            <a:off x="2828001" y="4017622"/>
+            <a:ext cx="1629696" cy="646331"/>
+          </a:xfrm>
+          <a:prstGeom prst="rect">
+            <a:avLst/>
+          </a:prstGeom>
+          <a:noFill/>
+        </p:spPr>
+        <p:txBody>
+          <a:bodyPr wrap="square" rtlCol="0">
+            <a:spAutoFit/>
+          </a:bodyPr>
+          <a:lstStyle/>
+          <a:p>
+            <a:pPr algn="ctr"/>
+            <a:r>
+              <a:rPr lang="en-US" altLang="zh-CN" dirty="0"/>
+              <a:t>Asymmetric</a:t>
+            </a:r>
+          </a:p>
+          <a:p>
+            <a:pPr algn="ctr"/>
+            <a:r>
+              <a:rPr lang="en-US" altLang="zh-CN" dirty="0"/>
+              <a:t>Batch</a:t>
+            </a:r>
+            <a:endParaRPr lang="zh-CN" altLang="en-US" dirty="0"/>
+          </a:p>
+        </p:txBody>
+      </p:sp>
+      <p:sp>
+        <p:nvSpPr>
+          <p:cNvPr id="17" name="文本框 16">
+            <a:extLst>
+              <a:ext uri="{FF2B5EF4-FFF2-40B4-BE49-F238E27FC236}">
+                <a16:creationId xmlns:a16="http://schemas.microsoft.com/office/drawing/2014/main" id="{AE9946B4-FEA7-EC1B-88AE-32FDC9FD219B}"/>
+              </a:ext>
+            </a:extLst>
+          </p:cNvPr>
+          <p:cNvSpPr txBox="1"/>
+          <p:nvPr/>
+        </p:nvSpPr>
+        <p:spPr>
+          <a:xfrm>
+            <a:off x="2828001" y="5705036"/>
+            <a:ext cx="1629696" cy="646331"/>
+          </a:xfrm>
+          <a:prstGeom prst="rect">
+            <a:avLst/>
+          </a:prstGeom>
+          <a:noFill/>
+        </p:spPr>
+        <p:txBody>
+          <a:bodyPr wrap="square" rtlCol="0">
+            <a:spAutoFit/>
+          </a:bodyPr>
+          <a:lstStyle/>
+          <a:p>
+            <a:pPr algn="ctr"/>
+            <a:r>
+              <a:rPr lang="en-US" altLang="zh-CN" dirty="0"/>
+              <a:t>Symmetric</a:t>
+            </a:r>
+          </a:p>
+          <a:p>
+            <a:pPr algn="ctr"/>
+            <a:r>
+              <a:rPr lang="en-US" altLang="zh-CN" dirty="0"/>
+              <a:t>Batch</a:t>
+            </a:r>
+            <a:endParaRPr lang="zh-CN" altLang="en-US" dirty="0"/>
+          </a:p>
+        </p:txBody>
+      </p:sp>
+      <p:sp>
+        <p:nvSpPr>
+          <p:cNvPr id="18" name="文本框 17">
+            <a:extLst>
+              <a:ext uri="{FF2B5EF4-FFF2-40B4-BE49-F238E27FC236}">
+                <a16:creationId xmlns:a16="http://schemas.microsoft.com/office/drawing/2014/main" id="{6EEE649E-2DE6-42B3-8312-23DD9C9CEF2D}"/>
+              </a:ext>
+            </a:extLst>
+          </p:cNvPr>
+          <p:cNvSpPr txBox="1"/>
+          <p:nvPr/>
+        </p:nvSpPr>
+        <p:spPr>
+          <a:xfrm>
+            <a:off x="2828001" y="837373"/>
+            <a:ext cx="1629696" cy="646331"/>
+          </a:xfrm>
+          <a:prstGeom prst="rect">
+            <a:avLst/>
+          </a:prstGeom>
+          <a:noFill/>
+        </p:spPr>
+        <p:txBody>
+          <a:bodyPr wrap="square" rtlCol="0">
+            <a:spAutoFit/>
+          </a:bodyPr>
+          <a:lstStyle/>
+          <a:p>
+            <a:pPr algn="ctr"/>
+            <a:r>
+              <a:rPr lang="en-US" altLang="zh-CN" dirty="0"/>
+              <a:t>Asymmetric</a:t>
+            </a:r>
+          </a:p>
+          <a:p>
+            <a:pPr algn="ctr"/>
+            <a:r>
+              <a:rPr lang="en-US" altLang="zh-CN" dirty="0"/>
+              <a:t>Increment</a:t>
+            </a:r>
+            <a:endParaRPr lang="zh-CN" altLang="en-US" dirty="0"/>
+          </a:p>
+        </p:txBody>
+      </p:sp>
+      <p:sp>
+        <p:nvSpPr>
+          <p:cNvPr id="19" name="文本框 18">
+            <a:extLst>
+              <a:ext uri="{FF2B5EF4-FFF2-40B4-BE49-F238E27FC236}">
+                <a16:creationId xmlns:a16="http://schemas.microsoft.com/office/drawing/2014/main" id="{09C590BB-5F59-1734-1397-BFB8590E3230}"/>
+              </a:ext>
+            </a:extLst>
+          </p:cNvPr>
+          <p:cNvSpPr txBox="1"/>
+          <p:nvPr/>
+        </p:nvSpPr>
+        <p:spPr>
+          <a:xfrm>
+            <a:off x="2828001" y="2330208"/>
+            <a:ext cx="1629696" cy="646331"/>
+          </a:xfrm>
+          <a:prstGeom prst="rect">
+            <a:avLst/>
+          </a:prstGeom>
+          <a:noFill/>
+        </p:spPr>
+        <p:txBody>
+          <a:bodyPr wrap="square" rtlCol="0">
+            <a:spAutoFit/>
+          </a:bodyPr>
+          <a:lstStyle/>
+          <a:p>
+            <a:pPr algn="ctr"/>
+            <a:r>
+              <a:rPr lang="en-US" altLang="zh-CN" dirty="0"/>
+              <a:t>Symmetric</a:t>
+            </a:r>
+          </a:p>
+          <a:p>
+            <a:pPr algn="ctr"/>
+            <a:r>
+              <a:rPr lang="en-US" altLang="zh-CN" dirty="0"/>
+              <a:t>Increment</a:t>
+            </a:r>
+            <a:endParaRPr lang="zh-CN" altLang="en-US" dirty="0"/>
+          </a:p>
+        </p:txBody>
+      </p:sp>
+      <p:cxnSp>
+        <p:nvCxnSpPr>
+          <p:cNvPr id="21" name="连接符: 曲线 20">
+            <a:extLst>
+              <a:ext uri="{FF2B5EF4-FFF2-40B4-BE49-F238E27FC236}">
+                <a16:creationId xmlns:a16="http://schemas.microsoft.com/office/drawing/2014/main" id="{BCF52039-59AD-F6D1-F3D4-47864B84BF0A}"/>
+              </a:ext>
+            </a:extLst>
+          </p:cNvPr>
+          <p:cNvCxnSpPr>
+            <a:cxnSpLocks/>
+            <a:stCxn id="13" idx="3"/>
+            <a:endCxn id="18" idx="1"/>
+          </p:cNvCxnSpPr>
+          <p:nvPr/>
+        </p:nvCxnSpPr>
+        <p:spPr>
+          <a:xfrm flipV="1">
+            <a:off x="1998406" y="1160539"/>
+            <a:ext cx="829595" cy="815726"/>
+          </a:xfrm>
+          <a:prstGeom prst="curvedConnector3">
+            <a:avLst>
+              <a:gd name="adj1" fmla="val 50000"/>
+            </a:avLst>
+          </a:prstGeom>
+          <a:ln w="19050">
+            <a:solidFill>
+              <a:srgbClr val="172C51"/>
+            </a:solidFill>
+            <a:tailEnd type="triangle"/>
+          </a:ln>
+        </p:spPr>
+        <p:style>
+          <a:lnRef idx="1">
+            <a:schemeClr val="accent1"/>
+          </a:lnRef>
+          <a:fillRef idx="0">
+            <a:schemeClr val="accent1"/>
+          </a:fillRef>
+          <a:effectRef idx="0">
+            <a:schemeClr val="accent1"/>
+          </a:effectRef>
+          <a:fontRef idx="minor">
+            <a:schemeClr val="tx1"/>
+          </a:fontRef>
+        </p:style>
+      </p:cxnSp>
+      <p:cxnSp>
+        <p:nvCxnSpPr>
+          <p:cNvPr id="27" name="连接符: 曲线 26">
+            <a:extLst>
+              <a:ext uri="{FF2B5EF4-FFF2-40B4-BE49-F238E27FC236}">
+                <a16:creationId xmlns:a16="http://schemas.microsoft.com/office/drawing/2014/main" id="{315FB6BC-9C43-B897-F394-00C57135E408}"/>
+              </a:ext>
+            </a:extLst>
+          </p:cNvPr>
+          <p:cNvCxnSpPr>
+            <a:cxnSpLocks/>
+            <a:stCxn id="13" idx="3"/>
+            <a:endCxn id="19" idx="1"/>
+          </p:cNvCxnSpPr>
+          <p:nvPr/>
+        </p:nvCxnSpPr>
+        <p:spPr>
+          <a:xfrm>
+            <a:off x="1998406" y="1976265"/>
+            <a:ext cx="829595" cy="677109"/>
+          </a:xfrm>
+          <a:prstGeom prst="curvedConnector3">
+            <a:avLst>
+              <a:gd name="adj1" fmla="val 50000"/>
+            </a:avLst>
+          </a:prstGeom>
+          <a:ln w="19050">
+            <a:solidFill>
+              <a:srgbClr val="172C51"/>
+            </a:solidFill>
+            <a:tailEnd type="triangle"/>
+          </a:ln>
+        </p:spPr>
+        <p:style>
+          <a:lnRef idx="1">
+            <a:schemeClr val="accent1"/>
+          </a:lnRef>
+          <a:fillRef idx="0">
+            <a:schemeClr val="accent1"/>
+          </a:fillRef>
+          <a:effectRef idx="0">
+            <a:schemeClr val="accent1"/>
+          </a:effectRef>
+          <a:fontRef idx="minor">
+            <a:schemeClr val="tx1"/>
+          </a:fontRef>
+        </p:style>
+      </p:cxnSp>
+      <p:cxnSp>
+        <p:nvCxnSpPr>
+          <p:cNvPr id="36" name="连接符: 曲线 35">
+            <a:extLst>
+              <a:ext uri="{FF2B5EF4-FFF2-40B4-BE49-F238E27FC236}">
+                <a16:creationId xmlns:a16="http://schemas.microsoft.com/office/drawing/2014/main" id="{7D91DABE-E0D5-2827-5E5E-5E55370D8DB6}"/>
+              </a:ext>
+            </a:extLst>
+          </p:cNvPr>
+          <p:cNvCxnSpPr>
+            <a:cxnSpLocks/>
+            <a:stCxn id="15" idx="3"/>
+            <a:endCxn id="16" idx="1"/>
+          </p:cNvCxnSpPr>
+          <p:nvPr/>
+        </p:nvCxnSpPr>
+        <p:spPr>
+          <a:xfrm flipV="1">
+            <a:off x="1998405" y="4340788"/>
+            <a:ext cx="829596" cy="815726"/>
+          </a:xfrm>
+          <a:prstGeom prst="curvedConnector3">
+            <a:avLst>
+              <a:gd name="adj1" fmla="val 50000"/>
+            </a:avLst>
+          </a:prstGeom>
+          <a:ln w="19050">
+            <a:solidFill>
+              <a:srgbClr val="172C51"/>
+            </a:solidFill>
+            <a:tailEnd type="triangle"/>
+          </a:ln>
+        </p:spPr>
+        <p:style>
+          <a:lnRef idx="1">
+            <a:schemeClr val="accent1"/>
+          </a:lnRef>
+          <a:fillRef idx="0">
+            <a:schemeClr val="accent1"/>
+          </a:fillRef>
+          <a:effectRef idx="0">
+            <a:schemeClr val="accent1"/>
+          </a:effectRef>
+          <a:fontRef idx="minor">
+            <a:schemeClr val="tx1"/>
+          </a:fontRef>
+        </p:style>
+      </p:cxnSp>
+      <p:cxnSp>
+        <p:nvCxnSpPr>
+          <p:cNvPr id="39" name="连接符: 曲线 38">
+            <a:extLst>
+              <a:ext uri="{FF2B5EF4-FFF2-40B4-BE49-F238E27FC236}">
+                <a16:creationId xmlns:a16="http://schemas.microsoft.com/office/drawing/2014/main" id="{3A7CDD79-9764-452C-F505-2275A20FADEA}"/>
+              </a:ext>
+            </a:extLst>
+          </p:cNvPr>
+          <p:cNvCxnSpPr>
+            <a:cxnSpLocks/>
+            <a:stCxn id="15" idx="3"/>
+            <a:endCxn id="17" idx="1"/>
+          </p:cNvCxnSpPr>
+          <p:nvPr/>
+        </p:nvCxnSpPr>
+        <p:spPr>
+          <a:xfrm>
+            <a:off x="1998405" y="5156514"/>
+            <a:ext cx="829596" cy="871688"/>
+          </a:xfrm>
+          <a:prstGeom prst="curvedConnector3">
+            <a:avLst>
+              <a:gd name="adj1" fmla="val 50000"/>
+            </a:avLst>
+          </a:prstGeom>
+          <a:ln w="19050">
+            <a:solidFill>
+              <a:srgbClr val="172C51"/>
+            </a:solidFill>
+            <a:tailEnd type="triangle"/>
+          </a:ln>
+        </p:spPr>
+        <p:style>
+          <a:lnRef idx="1">
+            <a:schemeClr val="accent1"/>
+          </a:lnRef>
+          <a:fillRef idx="0">
+            <a:schemeClr val="accent1"/>
+          </a:fillRef>
+          <a:effectRef idx="0">
+            <a:schemeClr val="accent1"/>
+          </a:effectRef>
+          <a:fontRef idx="minor">
+            <a:schemeClr val="tx1"/>
+          </a:fontRef>
+        </p:style>
+      </p:cxnSp>
+      <p:cxnSp>
+        <p:nvCxnSpPr>
+          <p:cNvPr id="54" name="直接连接符 53">
+            <a:extLst>
+              <a:ext uri="{FF2B5EF4-FFF2-40B4-BE49-F238E27FC236}">
+                <a16:creationId xmlns:a16="http://schemas.microsoft.com/office/drawing/2014/main" id="{9065DC27-D26F-45FD-9BAD-726932AAE45E}"/>
+              </a:ext>
+            </a:extLst>
+          </p:cNvPr>
+          <p:cNvCxnSpPr/>
+          <p:nvPr/>
+        </p:nvCxnSpPr>
+        <p:spPr>
+          <a:xfrm>
+            <a:off x="4705320" y="0"/>
+            <a:ext cx="0" cy="6858000"/>
+          </a:xfrm>
+          <a:prstGeom prst="line">
+            <a:avLst/>
+          </a:prstGeom>
+          <a:ln w="19050">
+            <a:solidFill>
+              <a:schemeClr val="accent3"/>
+            </a:solidFill>
+            <a:prstDash val="dash"/>
+          </a:ln>
+        </p:spPr>
+        <p:style>
+          <a:lnRef idx="1">
+            <a:schemeClr val="accent1"/>
+          </a:lnRef>
+          <a:fillRef idx="0">
+            <a:schemeClr val="accent1"/>
+          </a:fillRef>
+          <a:effectRef idx="0">
+            <a:schemeClr val="accent1"/>
+          </a:effectRef>
+          <a:fontRef idx="minor">
+            <a:schemeClr val="tx1"/>
+          </a:fontRef>
+        </p:style>
+      </p:cxnSp>
+      <p:sp>
+        <p:nvSpPr>
+          <p:cNvPr id="56" name="文本框 55">
+            <a:extLst>
+              <a:ext uri="{FF2B5EF4-FFF2-40B4-BE49-F238E27FC236}">
+                <a16:creationId xmlns:a16="http://schemas.microsoft.com/office/drawing/2014/main" id="{DD13E436-219C-85FB-2B22-507D604586B5}"/>
+              </a:ext>
+            </a:extLst>
+          </p:cNvPr>
+          <p:cNvSpPr txBox="1"/>
+          <p:nvPr/>
+        </p:nvSpPr>
+        <p:spPr>
+          <a:xfrm>
+            <a:off x="5083573" y="4734342"/>
+            <a:ext cx="7108427" cy="2123658"/>
+          </a:xfrm>
+          <a:prstGeom prst="rect">
+            <a:avLst/>
+          </a:prstGeom>
+          <a:noFill/>
+        </p:spPr>
+        <p:txBody>
+          <a:bodyPr wrap="square" rtlCol="0">
+            <a:spAutoFit/>
+          </a:bodyPr>
+          <a:lstStyle/>
+          <a:p>
+            <a:r>
+              <a:rPr lang="en-US" altLang="zh-CN" sz="2000" b="1" dirty="0"/>
+              <a:t>Symmetric Method: Create a new one.</a:t>
+            </a:r>
+          </a:p>
+          <a:p>
+            <a:endParaRPr lang="en-US" altLang="zh-CN" sz="2000" b="1" dirty="0"/>
+          </a:p>
+          <a:p>
+            <a:pPr marL="0" marR="0" lvl="0" indent="0" algn="l" defTabSz="914400" rtl="0" eaLnBrk="1" fontAlgn="auto" latinLnBrk="0" hangingPunct="1">
+              <a:lnSpc>
+                <a:spcPct val="100000"/>
+              </a:lnSpc>
+              <a:spcBef>
+                <a:spcPts val="0"/>
+              </a:spcBef>
+              <a:spcAft>
+                <a:spcPts val="0"/>
+              </a:spcAft>
+              <a:buClrTx/>
+              <a:buSzTx/>
+              <a:buFontTx/>
+              <a:buNone/>
+              <a:tabLst/>
+              <a:defRPr/>
+            </a:pPr>
+            <a:r>
+              <a:rPr kumimoji="0" lang="en-US" altLang="zh-CN" sz="1800" b="0" i="0" u="none" strike="noStrike" kern="1200" cap="none" spc="0" normalizeH="0" baseline="0" noProof="0" dirty="0">
+                <a:ln>
+                  <a:noFill/>
+                </a:ln>
+                <a:solidFill>
+                  <a:prstClr val="black"/>
+                </a:solidFill>
+                <a:effectLst/>
+                <a:uLnTx/>
+                <a:uFillTx/>
+                <a:latin typeface="Consolas"/>
+                <a:ea typeface="等线"/>
+                <a:cs typeface="+mn-cs"/>
+              </a:rPr>
+              <a:t>Result: Z_t+1 = (</a:t>
+            </a:r>
+            <a:r>
+              <a:rPr kumimoji="0" lang="en-US" altLang="zh-CN" sz="1800" b="0" i="0" u="none" strike="noStrike" kern="1200" cap="none" spc="0" normalizeH="0" baseline="0" noProof="0" dirty="0" err="1">
+                <a:ln>
+                  <a:noFill/>
+                </a:ln>
+                <a:solidFill>
+                  <a:prstClr val="black"/>
+                </a:solidFill>
+                <a:effectLst/>
+                <a:uLnTx/>
+                <a:uFillTx/>
+                <a:latin typeface="Consolas"/>
+                <a:ea typeface="等线"/>
+                <a:cs typeface="+mn-cs"/>
+              </a:rPr>
+              <a:t>X_t</a:t>
+            </a:r>
+            <a:r>
+              <a:rPr kumimoji="0" lang="en-US" altLang="zh-CN" sz="1800" b="0" i="0" u="none" strike="noStrike" kern="1200" cap="none" spc="0" normalizeH="0" baseline="0" noProof="0" dirty="0">
+                <a:ln>
+                  <a:noFill/>
+                </a:ln>
+                <a:solidFill>
+                  <a:prstClr val="black"/>
+                </a:solidFill>
+                <a:effectLst/>
+                <a:uLnTx/>
+                <a:uFillTx/>
+                <a:latin typeface="Consolas"/>
+                <a:ea typeface="等线"/>
+                <a:cs typeface="+mn-cs"/>
+              </a:rPr>
+              <a:t> + Y_t-1) / 2</a:t>
+            </a:r>
+          </a:p>
+          <a:p>
+            <a:pPr marL="0" marR="0" lvl="0" indent="0" algn="l" defTabSz="914400" rtl="0" eaLnBrk="1" fontAlgn="auto" latinLnBrk="0" hangingPunct="1">
+              <a:lnSpc>
+                <a:spcPct val="100000"/>
+              </a:lnSpc>
+              <a:spcBef>
+                <a:spcPts val="0"/>
+              </a:spcBef>
+              <a:spcAft>
+                <a:spcPts val="0"/>
+              </a:spcAft>
+              <a:buClrTx/>
+              <a:buSzTx/>
+              <a:buFontTx/>
+              <a:buNone/>
+              <a:tabLst/>
+              <a:defRPr/>
+            </a:pPr>
+            <a:r>
+              <a:rPr kumimoji="0" lang="en-US" altLang="zh-CN" sz="1800" b="0" i="0" u="none" strike="noStrike" kern="1200" cap="none" spc="0" normalizeH="0" baseline="0" noProof="0" dirty="0">
+                <a:ln>
+                  <a:noFill/>
+                </a:ln>
+                <a:solidFill>
+                  <a:prstClr val="black"/>
+                </a:solidFill>
+                <a:effectLst/>
+                <a:uLnTx/>
+                <a:uFillTx/>
+                <a:latin typeface="Consolas"/>
+                <a:ea typeface="等线"/>
+                <a:cs typeface="+mn-cs"/>
+              </a:rPr>
+              <a:t>	 </a:t>
+            </a:r>
+            <a:r>
+              <a:rPr kumimoji="0" lang="en-US" altLang="zh-CN" sz="1800" b="0" i="0" u="none" strike="noStrike" kern="1200" cap="none" spc="0" normalizeH="0" baseline="0" noProof="0" dirty="0" err="1">
+                <a:ln>
+                  <a:noFill/>
+                </a:ln>
+                <a:solidFill>
+                  <a:prstClr val="black"/>
+                </a:solidFill>
+                <a:effectLst/>
+                <a:uLnTx/>
+                <a:uFillTx/>
+                <a:latin typeface="Consolas"/>
+                <a:ea typeface="等线"/>
+                <a:cs typeface="+mn-cs"/>
+              </a:rPr>
+              <a:t>Z_t</a:t>
+            </a:r>
+            <a:r>
+              <a:rPr kumimoji="0" lang="en-US" altLang="zh-CN" sz="1800" b="0" i="0" u="none" strike="noStrike" kern="1200" cap="none" spc="0" normalizeH="0" baseline="0" noProof="0" dirty="0">
+                <a:ln>
+                  <a:noFill/>
+                </a:ln>
+                <a:solidFill>
+                  <a:prstClr val="black"/>
+                </a:solidFill>
+                <a:effectLst/>
+                <a:uLnTx/>
+                <a:uFillTx/>
+                <a:latin typeface="Consolas"/>
+                <a:ea typeface="等线"/>
+                <a:cs typeface="+mn-cs"/>
+              </a:rPr>
+              <a:t> = (</a:t>
+            </a:r>
+            <a:r>
+              <a:rPr kumimoji="0" lang="en-US" altLang="zh-CN" sz="1800" b="0" i="0" u="none" strike="noStrike" kern="1200" cap="none" spc="0" normalizeH="0" baseline="0" noProof="0" dirty="0" err="1">
+                <a:ln>
+                  <a:noFill/>
+                </a:ln>
+                <a:solidFill>
+                  <a:prstClr val="black"/>
+                </a:solidFill>
+                <a:effectLst/>
+                <a:uLnTx/>
+                <a:uFillTx/>
+                <a:latin typeface="Consolas"/>
+                <a:ea typeface="等线"/>
+                <a:cs typeface="+mn-cs"/>
+              </a:rPr>
+              <a:t>X_t</a:t>
+            </a:r>
+            <a:r>
+              <a:rPr kumimoji="0" lang="en-US" altLang="zh-CN" sz="1800" b="0" i="0" u="none" strike="noStrike" kern="1200" cap="none" spc="0" normalizeH="0" baseline="0" noProof="0" dirty="0">
+                <a:ln>
+                  <a:noFill/>
+                </a:ln>
+                <a:solidFill>
+                  <a:prstClr val="black"/>
+                </a:solidFill>
+                <a:effectLst/>
+                <a:uLnTx/>
+                <a:uFillTx/>
+                <a:latin typeface="Consolas"/>
+                <a:ea typeface="等线"/>
+                <a:cs typeface="+mn-cs"/>
+              </a:rPr>
+              <a:t> + </a:t>
+            </a:r>
+            <a:r>
+              <a:rPr kumimoji="0" lang="en-US" altLang="zh-CN" sz="1800" b="0" i="0" u="none" strike="noStrike" kern="1200" cap="none" spc="0" normalizeH="0" baseline="0" noProof="0" dirty="0" err="1">
+                <a:ln>
+                  <a:noFill/>
+                </a:ln>
+                <a:solidFill>
+                  <a:prstClr val="black"/>
+                </a:solidFill>
+                <a:effectLst/>
+                <a:uLnTx/>
+                <a:uFillTx/>
+                <a:latin typeface="Consolas"/>
+                <a:ea typeface="等线"/>
+                <a:cs typeface="+mn-cs"/>
+              </a:rPr>
+              <a:t>Y_t</a:t>
+            </a:r>
+            <a:r>
+              <a:rPr kumimoji="0" lang="en-US" altLang="zh-CN" sz="1800" b="0" i="0" u="none" strike="noStrike" kern="1200" cap="none" spc="0" normalizeH="0" baseline="0" noProof="0" dirty="0">
+                <a:ln>
+                  <a:noFill/>
+                </a:ln>
+                <a:solidFill>
+                  <a:prstClr val="black"/>
+                </a:solidFill>
+                <a:effectLst/>
+                <a:uLnTx/>
+                <a:uFillTx/>
+                <a:latin typeface="Consolas"/>
+                <a:ea typeface="等线"/>
+                <a:cs typeface="+mn-cs"/>
+              </a:rPr>
+              <a:t>) / 2</a:t>
+            </a:r>
+          </a:p>
+          <a:p>
+            <a:pPr marL="0" marR="0" lvl="0" indent="0" algn="l" defTabSz="914400" rtl="0" eaLnBrk="1" fontAlgn="auto" latinLnBrk="0" hangingPunct="1">
+              <a:lnSpc>
+                <a:spcPct val="100000"/>
+              </a:lnSpc>
+              <a:spcBef>
+                <a:spcPts val="0"/>
+              </a:spcBef>
+              <a:spcAft>
+                <a:spcPts val="0"/>
+              </a:spcAft>
+              <a:buClrTx/>
+              <a:buSzTx/>
+              <a:buFontTx/>
+              <a:buNone/>
+              <a:tabLst/>
+              <a:defRPr/>
+            </a:pPr>
+            <a:r>
+              <a:rPr kumimoji="0" lang="en-US" altLang="zh-CN" sz="1800" b="0" i="0" u="none" strike="noStrike" kern="1200" cap="none" spc="0" normalizeH="0" baseline="0" noProof="0" dirty="0">
+                <a:ln>
+                  <a:noFill/>
+                </a:ln>
+                <a:solidFill>
+                  <a:prstClr val="black"/>
+                </a:solidFill>
+                <a:effectLst/>
+                <a:uLnTx/>
+                <a:uFillTx/>
+                <a:latin typeface="Consolas"/>
+                <a:ea typeface="等线"/>
+                <a:cs typeface="+mn-cs"/>
+              </a:rPr>
+              <a:t>	 Z_t+1 = (</a:t>
+            </a:r>
+            <a:r>
+              <a:rPr kumimoji="0" lang="en-US" altLang="zh-CN" sz="1800" b="0" i="0" u="none" strike="noStrike" kern="1200" cap="none" spc="0" normalizeH="0" baseline="0" noProof="0" dirty="0" err="1">
+                <a:ln>
+                  <a:noFill/>
+                </a:ln>
+                <a:solidFill>
+                  <a:prstClr val="black"/>
+                </a:solidFill>
+                <a:effectLst/>
+                <a:uLnTx/>
+                <a:uFillTx/>
+                <a:latin typeface="Consolas"/>
+                <a:ea typeface="等线"/>
+                <a:cs typeface="+mn-cs"/>
+              </a:rPr>
+              <a:t>X_t</a:t>
+            </a:r>
+            <a:r>
+              <a:rPr kumimoji="0" lang="en-US" altLang="zh-CN" sz="1800" b="0" i="0" u="none" strike="noStrike" kern="1200" cap="none" spc="0" normalizeH="0" baseline="0" noProof="0" dirty="0">
+                <a:ln>
+                  <a:noFill/>
+                </a:ln>
+                <a:solidFill>
+                  <a:prstClr val="black"/>
+                </a:solidFill>
+                <a:effectLst/>
+                <a:uLnTx/>
+                <a:uFillTx/>
+                <a:latin typeface="Consolas"/>
+                <a:ea typeface="等线"/>
+                <a:cs typeface="+mn-cs"/>
+              </a:rPr>
+              <a:t> + Y_t+1) / 2</a:t>
+            </a:r>
+          </a:p>
+          <a:p>
+            <a:pPr marL="0" marR="0" lvl="0" indent="0" algn="l" defTabSz="914400" rtl="0" eaLnBrk="1" fontAlgn="auto" latinLnBrk="0" hangingPunct="1">
+              <a:lnSpc>
+                <a:spcPct val="100000"/>
+              </a:lnSpc>
+              <a:spcBef>
+                <a:spcPts val="0"/>
+              </a:spcBef>
+              <a:spcAft>
+                <a:spcPts val="0"/>
+              </a:spcAft>
+              <a:buClrTx/>
+              <a:buSzTx/>
+              <a:buFontTx/>
+              <a:buNone/>
+              <a:tabLst/>
+              <a:defRPr/>
+            </a:pPr>
+            <a:endParaRPr kumimoji="0" lang="en-US" altLang="zh-CN" sz="1800" b="0" i="0" u="none" strike="noStrike" kern="1200" cap="none" spc="0" normalizeH="0" baseline="0" noProof="0" dirty="0">
+              <a:ln>
+                <a:noFill/>
+              </a:ln>
+              <a:solidFill>
+                <a:prstClr val="black"/>
+              </a:solidFill>
+              <a:effectLst/>
+              <a:uLnTx/>
+              <a:uFillTx/>
+              <a:latin typeface="Consolas"/>
+              <a:ea typeface="等线"/>
+              <a:cs typeface="+mn-cs"/>
+            </a:endParaRPr>
+          </a:p>
+          <a:p>
+            <a:r>
+              <a:rPr lang="en-US" altLang="zh-CN" sz="2000" dirty="0"/>
+              <a:t>Disadvantage: Have more time points than X and Y. </a:t>
+            </a:r>
+            <a:endParaRPr lang="zh-CN" altLang="en-US" sz="2000" b="1" dirty="0"/>
+          </a:p>
+        </p:txBody>
+      </p:sp>
+      <p:sp>
+        <p:nvSpPr>
+          <p:cNvPr id="57" name="任意多边形: 形状 56">
+            <a:extLst>
+              <a:ext uri="{FF2B5EF4-FFF2-40B4-BE49-F238E27FC236}">
+                <a16:creationId xmlns:a16="http://schemas.microsoft.com/office/drawing/2014/main" id="{B49C7679-DCC6-99B7-DDB8-37DD99D65E54}"/>
+              </a:ext>
+            </a:extLst>
+          </p:cNvPr>
+          <p:cNvSpPr/>
+          <p:nvPr/>
+        </p:nvSpPr>
+        <p:spPr>
+          <a:xfrm>
+            <a:off x="6500355" y="1030469"/>
+            <a:ext cx="4096204" cy="896862"/>
+          </a:xfrm>
+          <a:custGeom>
+            <a:avLst/>
+            <a:gdLst>
+              <a:gd name="connsiteX0" fmla="*/ 0 w 1858297"/>
+              <a:gd name="connsiteY0" fmla="*/ 577693 h 1274790"/>
+              <a:gd name="connsiteX1" fmla="*/ 184355 w 1858297"/>
+              <a:gd name="connsiteY1" fmla="*/ 695681 h 1274790"/>
+              <a:gd name="connsiteX2" fmla="*/ 324465 w 1858297"/>
+              <a:gd name="connsiteY2" fmla="*/ 408087 h 1274790"/>
+              <a:gd name="connsiteX3" fmla="*/ 582561 w 1858297"/>
+              <a:gd name="connsiteY3" fmla="*/ 931655 h 1274790"/>
+              <a:gd name="connsiteX4" fmla="*/ 803787 w 1858297"/>
+              <a:gd name="connsiteY4" fmla="*/ 2506 h 1274790"/>
+              <a:gd name="connsiteX5" fmla="*/ 1017639 w 1858297"/>
+              <a:gd name="connsiteY5" fmla="*/ 1270868 h 1274790"/>
+              <a:gd name="connsiteX6" fmla="*/ 1297858 w 1858297"/>
+              <a:gd name="connsiteY6" fmla="*/ 408087 h 1274790"/>
+              <a:gd name="connsiteX7" fmla="*/ 1578077 w 1858297"/>
+              <a:gd name="connsiteY7" fmla="*/ 651435 h 1274790"/>
+              <a:gd name="connsiteX8" fmla="*/ 1696065 w 1858297"/>
+              <a:gd name="connsiteY8" fmla="*/ 474455 h 1274790"/>
+              <a:gd name="connsiteX9" fmla="*/ 1858297 w 1858297"/>
+              <a:gd name="connsiteY9" fmla="*/ 629313 h 1274790"/>
+              <a:gd name="connsiteX10" fmla="*/ 1858297 w 1858297"/>
+              <a:gd name="connsiteY10" fmla="*/ 629313 h 1274790"/>
+              <a:gd name="connsiteX11" fmla="*/ 1858297 w 1858297"/>
+              <a:gd name="connsiteY11" fmla="*/ 621939 h 1274790"/>
+            </a:gdLst>
+            <a:ahLst/>
+            <a:cxnLst>
+              <a:cxn ang="0">
+                <a:pos x="connsiteX0" y="connsiteY0"/>
+              </a:cxn>
+              <a:cxn ang="0">
+                <a:pos x="connsiteX1" y="connsiteY1"/>
+              </a:cxn>
+              <a:cxn ang="0">
+                <a:pos x="connsiteX2" y="connsiteY2"/>
+              </a:cxn>
+              <a:cxn ang="0">
+                <a:pos x="connsiteX3" y="connsiteY3"/>
+              </a:cxn>
+              <a:cxn ang="0">
+                <a:pos x="connsiteX4" y="connsiteY4"/>
+              </a:cxn>
+              <a:cxn ang="0">
+                <a:pos x="connsiteX5" y="connsiteY5"/>
+              </a:cxn>
+              <a:cxn ang="0">
+                <a:pos x="connsiteX6" y="connsiteY6"/>
+              </a:cxn>
+              <a:cxn ang="0">
+                <a:pos x="connsiteX7" y="connsiteY7"/>
+              </a:cxn>
+              <a:cxn ang="0">
+                <a:pos x="connsiteX8" y="connsiteY8"/>
+              </a:cxn>
+              <a:cxn ang="0">
+                <a:pos x="connsiteX9" y="connsiteY9"/>
+              </a:cxn>
+              <a:cxn ang="0">
+                <a:pos x="connsiteX10" y="connsiteY10"/>
+              </a:cxn>
+              <a:cxn ang="0">
+                <a:pos x="connsiteX11" y="connsiteY11"/>
+              </a:cxn>
+            </a:cxnLst>
+            <a:rect l="l" t="t" r="r" b="b"/>
+            <a:pathLst>
+              <a:path w="1858297" h="1274790">
+                <a:moveTo>
+                  <a:pt x="0" y="577693"/>
+                </a:moveTo>
+                <a:cubicBezTo>
+                  <a:pt x="65139" y="650821"/>
+                  <a:pt x="130278" y="723949"/>
+                  <a:pt x="184355" y="695681"/>
+                </a:cubicBezTo>
+                <a:cubicBezTo>
+                  <a:pt x="238433" y="667413"/>
+                  <a:pt x="258097" y="368758"/>
+                  <a:pt x="324465" y="408087"/>
+                </a:cubicBezTo>
+                <a:cubicBezTo>
+                  <a:pt x="390833" y="447416"/>
+                  <a:pt x="502674" y="999252"/>
+                  <a:pt x="582561" y="931655"/>
+                </a:cubicBezTo>
+                <a:cubicBezTo>
+                  <a:pt x="662448" y="864058"/>
+                  <a:pt x="731274" y="-54029"/>
+                  <a:pt x="803787" y="2506"/>
+                </a:cubicBezTo>
+                <a:cubicBezTo>
+                  <a:pt x="876300" y="59041"/>
+                  <a:pt x="935294" y="1203271"/>
+                  <a:pt x="1017639" y="1270868"/>
+                </a:cubicBezTo>
+                <a:cubicBezTo>
+                  <a:pt x="1099984" y="1338465"/>
+                  <a:pt x="1204452" y="511326"/>
+                  <a:pt x="1297858" y="408087"/>
+                </a:cubicBezTo>
+                <a:cubicBezTo>
+                  <a:pt x="1391264" y="304848"/>
+                  <a:pt x="1511709" y="640374"/>
+                  <a:pt x="1578077" y="651435"/>
+                </a:cubicBezTo>
+                <a:cubicBezTo>
+                  <a:pt x="1644445" y="662496"/>
+                  <a:pt x="1649362" y="478142"/>
+                  <a:pt x="1696065" y="474455"/>
+                </a:cubicBezTo>
+                <a:cubicBezTo>
+                  <a:pt x="1742768" y="470768"/>
+                  <a:pt x="1858297" y="629313"/>
+                  <a:pt x="1858297" y="629313"/>
+                </a:cubicBezTo>
+                <a:lnTo>
+                  <a:pt x="1858297" y="629313"/>
+                </a:lnTo>
+                <a:lnTo>
+                  <a:pt x="1858297" y="621939"/>
+                </a:lnTo>
+              </a:path>
+            </a:pathLst>
+          </a:custGeom>
+          <a:noFill/>
+        </p:spPr>
+        <p:style>
+          <a:lnRef idx="2">
+            <a:schemeClr val="accent1">
+              <a:shade val="15000"/>
+            </a:schemeClr>
+          </a:lnRef>
+          <a:fillRef idx="1">
+            <a:schemeClr val="accent1"/>
+          </a:fillRef>
+          <a:effectRef idx="0">
+            <a:schemeClr val="accent1"/>
+          </a:effectRef>
+          <a:fontRef idx="minor">
+            <a:schemeClr val="lt1"/>
+          </a:fontRef>
+        </p:style>
+        <p:txBody>
+          <a:bodyPr rtlCol="0" anchor="ctr"/>
+          <a:lstStyle/>
+          <a:p>
+            <a:pPr algn="ctr"/>
+            <a:endParaRPr lang="zh-CN" altLang="en-US"/>
+          </a:p>
+        </p:txBody>
+      </p:sp>
+      <p:sp>
+        <p:nvSpPr>
+          <p:cNvPr id="58" name="任意多边形: 形状 57">
+            <a:extLst>
+              <a:ext uri="{FF2B5EF4-FFF2-40B4-BE49-F238E27FC236}">
+                <a16:creationId xmlns:a16="http://schemas.microsoft.com/office/drawing/2014/main" id="{31D4D277-9006-7013-F482-D4605C7975EC}"/>
+              </a:ext>
+            </a:extLst>
+          </p:cNvPr>
+          <p:cNvSpPr/>
+          <p:nvPr/>
+        </p:nvSpPr>
+        <p:spPr>
+          <a:xfrm>
+            <a:off x="6526420" y="47818"/>
+            <a:ext cx="3394594" cy="896862"/>
+          </a:xfrm>
+          <a:custGeom>
+            <a:avLst/>
+            <a:gdLst>
+              <a:gd name="connsiteX0" fmla="*/ 0 w 1858297"/>
+              <a:gd name="connsiteY0" fmla="*/ 577693 h 1274790"/>
+              <a:gd name="connsiteX1" fmla="*/ 184355 w 1858297"/>
+              <a:gd name="connsiteY1" fmla="*/ 695681 h 1274790"/>
+              <a:gd name="connsiteX2" fmla="*/ 324465 w 1858297"/>
+              <a:gd name="connsiteY2" fmla="*/ 408087 h 1274790"/>
+              <a:gd name="connsiteX3" fmla="*/ 582561 w 1858297"/>
+              <a:gd name="connsiteY3" fmla="*/ 931655 h 1274790"/>
+              <a:gd name="connsiteX4" fmla="*/ 803787 w 1858297"/>
+              <a:gd name="connsiteY4" fmla="*/ 2506 h 1274790"/>
+              <a:gd name="connsiteX5" fmla="*/ 1017639 w 1858297"/>
+              <a:gd name="connsiteY5" fmla="*/ 1270868 h 1274790"/>
+              <a:gd name="connsiteX6" fmla="*/ 1297858 w 1858297"/>
+              <a:gd name="connsiteY6" fmla="*/ 408087 h 1274790"/>
+              <a:gd name="connsiteX7" fmla="*/ 1578077 w 1858297"/>
+              <a:gd name="connsiteY7" fmla="*/ 651435 h 1274790"/>
+              <a:gd name="connsiteX8" fmla="*/ 1696065 w 1858297"/>
+              <a:gd name="connsiteY8" fmla="*/ 474455 h 1274790"/>
+              <a:gd name="connsiteX9" fmla="*/ 1858297 w 1858297"/>
+              <a:gd name="connsiteY9" fmla="*/ 629313 h 1274790"/>
+              <a:gd name="connsiteX10" fmla="*/ 1858297 w 1858297"/>
+              <a:gd name="connsiteY10" fmla="*/ 629313 h 1274790"/>
+              <a:gd name="connsiteX11" fmla="*/ 1858297 w 1858297"/>
+              <a:gd name="connsiteY11" fmla="*/ 621939 h 1274790"/>
+            </a:gdLst>
+            <a:ahLst/>
+            <a:cxnLst>
+              <a:cxn ang="0">
+                <a:pos x="connsiteX0" y="connsiteY0"/>
+              </a:cxn>
+              <a:cxn ang="0">
+                <a:pos x="connsiteX1" y="connsiteY1"/>
+              </a:cxn>
+              <a:cxn ang="0">
+                <a:pos x="connsiteX2" y="connsiteY2"/>
+              </a:cxn>
+              <a:cxn ang="0">
+                <a:pos x="connsiteX3" y="connsiteY3"/>
+              </a:cxn>
+              <a:cxn ang="0">
+                <a:pos x="connsiteX4" y="connsiteY4"/>
+              </a:cxn>
+              <a:cxn ang="0">
+                <a:pos x="connsiteX5" y="connsiteY5"/>
+              </a:cxn>
+              <a:cxn ang="0">
+                <a:pos x="connsiteX6" y="connsiteY6"/>
+              </a:cxn>
+              <a:cxn ang="0">
+                <a:pos x="connsiteX7" y="connsiteY7"/>
+              </a:cxn>
+              <a:cxn ang="0">
+                <a:pos x="connsiteX8" y="connsiteY8"/>
+              </a:cxn>
+              <a:cxn ang="0">
+                <a:pos x="connsiteX9" y="connsiteY9"/>
+              </a:cxn>
+              <a:cxn ang="0">
+                <a:pos x="connsiteX10" y="connsiteY10"/>
+              </a:cxn>
+              <a:cxn ang="0">
+                <a:pos x="connsiteX11" y="connsiteY11"/>
+              </a:cxn>
+            </a:cxnLst>
+            <a:rect l="l" t="t" r="r" b="b"/>
+            <a:pathLst>
+              <a:path w="1858297" h="1274790">
+                <a:moveTo>
+                  <a:pt x="0" y="577693"/>
+                </a:moveTo>
+                <a:cubicBezTo>
+                  <a:pt x="65139" y="650821"/>
+                  <a:pt x="130278" y="723949"/>
+                  <a:pt x="184355" y="695681"/>
+                </a:cubicBezTo>
+                <a:cubicBezTo>
+                  <a:pt x="238433" y="667413"/>
+                  <a:pt x="258097" y="368758"/>
+                  <a:pt x="324465" y="408087"/>
+                </a:cubicBezTo>
+                <a:cubicBezTo>
+                  <a:pt x="390833" y="447416"/>
+                  <a:pt x="502674" y="999252"/>
+                  <a:pt x="582561" y="931655"/>
+                </a:cubicBezTo>
+                <a:cubicBezTo>
+                  <a:pt x="662448" y="864058"/>
+                  <a:pt x="731274" y="-54029"/>
+                  <a:pt x="803787" y="2506"/>
+                </a:cubicBezTo>
+                <a:cubicBezTo>
+                  <a:pt x="876300" y="59041"/>
+                  <a:pt x="935294" y="1203271"/>
+                  <a:pt x="1017639" y="1270868"/>
+                </a:cubicBezTo>
+                <a:cubicBezTo>
+                  <a:pt x="1099984" y="1338465"/>
+                  <a:pt x="1204452" y="511326"/>
+                  <a:pt x="1297858" y="408087"/>
+                </a:cubicBezTo>
+                <a:cubicBezTo>
+                  <a:pt x="1391264" y="304848"/>
+                  <a:pt x="1511709" y="640374"/>
+                  <a:pt x="1578077" y="651435"/>
+                </a:cubicBezTo>
+                <a:cubicBezTo>
+                  <a:pt x="1644445" y="662496"/>
+                  <a:pt x="1649362" y="478142"/>
+                  <a:pt x="1696065" y="474455"/>
+                </a:cubicBezTo>
+                <a:cubicBezTo>
+                  <a:pt x="1742768" y="470768"/>
+                  <a:pt x="1858297" y="629313"/>
+                  <a:pt x="1858297" y="629313"/>
+                </a:cubicBezTo>
+                <a:lnTo>
+                  <a:pt x="1858297" y="629313"/>
+                </a:lnTo>
+                <a:lnTo>
+                  <a:pt x="1858297" y="621939"/>
+                </a:lnTo>
+              </a:path>
+            </a:pathLst>
+          </a:custGeom>
+          <a:noFill/>
+        </p:spPr>
+        <p:style>
+          <a:lnRef idx="2">
+            <a:schemeClr val="accent1">
+              <a:shade val="15000"/>
+            </a:schemeClr>
+          </a:lnRef>
+          <a:fillRef idx="1">
+            <a:schemeClr val="accent1"/>
+          </a:fillRef>
+          <a:effectRef idx="0">
+            <a:schemeClr val="accent1"/>
+          </a:effectRef>
+          <a:fontRef idx="minor">
+            <a:schemeClr val="lt1"/>
+          </a:fontRef>
+        </p:style>
+        <p:txBody>
+          <a:bodyPr rtlCol="0" anchor="ctr"/>
+          <a:lstStyle/>
+          <a:p>
+            <a:pPr algn="ctr"/>
+            <a:endParaRPr lang="zh-CN" altLang="en-US"/>
+          </a:p>
+        </p:txBody>
+      </p:sp>
+      <p:sp>
+        <p:nvSpPr>
+          <p:cNvPr id="59" name="椭圆 58">
+            <a:extLst>
+              <a:ext uri="{FF2B5EF4-FFF2-40B4-BE49-F238E27FC236}">
+                <a16:creationId xmlns:a16="http://schemas.microsoft.com/office/drawing/2014/main" id="{D9554B5E-6F49-70E0-604F-271DF17DCE05}"/>
+              </a:ext>
+            </a:extLst>
+          </p:cNvPr>
+          <p:cNvSpPr/>
+          <p:nvPr/>
+        </p:nvSpPr>
+        <p:spPr>
+          <a:xfrm>
+            <a:off x="7140678" y="1253979"/>
+            <a:ext cx="140322" cy="143805"/>
+          </a:xfrm>
+          <a:prstGeom prst="ellipse">
+            <a:avLst/>
+          </a:prstGeom>
+          <a:noFill/>
+          <a:ln>
+            <a:solidFill>
+              <a:srgbClr val="FF0000"/>
+            </a:solidFill>
+          </a:ln>
+        </p:spPr>
+        <p:style>
+          <a:lnRef idx="2">
+            <a:schemeClr val="accent1">
+              <a:shade val="15000"/>
+            </a:schemeClr>
+          </a:lnRef>
+          <a:fillRef idx="1">
+            <a:schemeClr val="accent1"/>
+          </a:fillRef>
+          <a:effectRef idx="0">
+            <a:schemeClr val="accent1"/>
+          </a:effectRef>
+          <a:fontRef idx="minor">
+            <a:schemeClr val="lt1"/>
+          </a:fontRef>
+        </p:style>
+        <p:txBody>
+          <a:bodyPr rtlCol="0" anchor="ctr"/>
+          <a:lstStyle/>
+          <a:p>
+            <a:pPr algn="ctr"/>
+            <a:endParaRPr lang="zh-CN" altLang="en-US"/>
+          </a:p>
+        </p:txBody>
+      </p:sp>
+      <p:sp>
+        <p:nvSpPr>
+          <p:cNvPr id="60" name="椭圆 59">
+            <a:extLst>
+              <a:ext uri="{FF2B5EF4-FFF2-40B4-BE49-F238E27FC236}">
+                <a16:creationId xmlns:a16="http://schemas.microsoft.com/office/drawing/2014/main" id="{C5DC254D-C020-46AE-C698-C070EC46F27B}"/>
+              </a:ext>
+            </a:extLst>
+          </p:cNvPr>
+          <p:cNvSpPr/>
+          <p:nvPr/>
+        </p:nvSpPr>
+        <p:spPr>
+          <a:xfrm>
+            <a:off x="7343060" y="1355905"/>
+            <a:ext cx="140322" cy="143805"/>
+          </a:xfrm>
+          <a:prstGeom prst="ellipse">
+            <a:avLst/>
+          </a:prstGeom>
+          <a:noFill/>
+          <a:ln>
+            <a:solidFill>
+              <a:srgbClr val="FF0000"/>
+            </a:solidFill>
+          </a:ln>
+        </p:spPr>
+        <p:style>
+          <a:lnRef idx="2">
+            <a:schemeClr val="accent1">
+              <a:shade val="15000"/>
+            </a:schemeClr>
+          </a:lnRef>
+          <a:fillRef idx="1">
+            <a:schemeClr val="accent1"/>
+          </a:fillRef>
+          <a:effectRef idx="0">
+            <a:schemeClr val="accent1"/>
+          </a:effectRef>
+          <a:fontRef idx="minor">
+            <a:schemeClr val="lt1"/>
+          </a:fontRef>
+        </p:style>
+        <p:txBody>
+          <a:bodyPr rtlCol="0" anchor="ctr"/>
+          <a:lstStyle/>
+          <a:p>
+            <a:pPr algn="ctr"/>
+            <a:endParaRPr lang="zh-CN" altLang="en-US"/>
+          </a:p>
+        </p:txBody>
+      </p:sp>
+      <p:sp>
+        <p:nvSpPr>
+          <p:cNvPr id="61" name="椭圆 60">
+            <a:extLst>
+              <a:ext uri="{FF2B5EF4-FFF2-40B4-BE49-F238E27FC236}">
+                <a16:creationId xmlns:a16="http://schemas.microsoft.com/office/drawing/2014/main" id="{D6D60692-D8D0-9CA0-DA9A-70C14F1CB7BA}"/>
+              </a:ext>
+            </a:extLst>
+          </p:cNvPr>
+          <p:cNvSpPr/>
+          <p:nvPr/>
+        </p:nvSpPr>
+        <p:spPr>
+          <a:xfrm>
+            <a:off x="7070774" y="254023"/>
+            <a:ext cx="140322" cy="143805"/>
+          </a:xfrm>
+          <a:prstGeom prst="ellipse">
+            <a:avLst/>
+          </a:prstGeom>
+          <a:noFill/>
+          <a:ln>
+            <a:solidFill>
+              <a:srgbClr val="FF0000"/>
+            </a:solidFill>
+          </a:ln>
+        </p:spPr>
+        <p:style>
+          <a:lnRef idx="2">
+            <a:schemeClr val="accent1">
+              <a:shade val="15000"/>
+            </a:schemeClr>
+          </a:lnRef>
+          <a:fillRef idx="1">
+            <a:schemeClr val="accent1"/>
+          </a:fillRef>
+          <a:effectRef idx="0">
+            <a:schemeClr val="accent1"/>
+          </a:effectRef>
+          <a:fontRef idx="minor">
+            <a:schemeClr val="lt1"/>
+          </a:fontRef>
+        </p:style>
+        <p:txBody>
+          <a:bodyPr rtlCol="0" anchor="ctr"/>
+          <a:lstStyle/>
+          <a:p>
+            <a:pPr algn="ctr"/>
+            <a:endParaRPr lang="zh-CN" altLang="en-US"/>
+          </a:p>
+        </p:txBody>
+      </p:sp>
+      <p:sp>
+        <p:nvSpPr>
+          <p:cNvPr id="62" name="椭圆 61">
+            <a:extLst>
+              <a:ext uri="{FF2B5EF4-FFF2-40B4-BE49-F238E27FC236}">
+                <a16:creationId xmlns:a16="http://schemas.microsoft.com/office/drawing/2014/main" id="{718DBE08-75D1-5132-0DA0-B364D38B40BD}"/>
+              </a:ext>
+            </a:extLst>
+          </p:cNvPr>
+          <p:cNvSpPr/>
+          <p:nvPr/>
+        </p:nvSpPr>
+        <p:spPr>
+          <a:xfrm>
+            <a:off x="7545029" y="1516238"/>
+            <a:ext cx="140322" cy="143805"/>
+          </a:xfrm>
+          <a:prstGeom prst="ellipse">
+            <a:avLst/>
+          </a:prstGeom>
+          <a:noFill/>
+          <a:ln>
+            <a:solidFill>
+              <a:srgbClr val="FF0000"/>
+            </a:solidFill>
+          </a:ln>
+        </p:spPr>
+        <p:style>
+          <a:lnRef idx="2">
+            <a:schemeClr val="accent1">
+              <a:shade val="15000"/>
+            </a:schemeClr>
+          </a:lnRef>
+          <a:fillRef idx="1">
+            <a:schemeClr val="accent1"/>
+          </a:fillRef>
+          <a:effectRef idx="0">
+            <a:schemeClr val="accent1"/>
+          </a:effectRef>
+          <a:fontRef idx="minor">
+            <a:schemeClr val="lt1"/>
+          </a:fontRef>
+        </p:style>
+        <p:txBody>
+          <a:bodyPr rtlCol="0" anchor="ctr"/>
+          <a:lstStyle/>
+          <a:p>
+            <a:pPr algn="ctr"/>
+            <a:endParaRPr lang="zh-CN" altLang="en-US"/>
+          </a:p>
+        </p:txBody>
+      </p:sp>
+      <p:sp>
+        <p:nvSpPr>
+          <p:cNvPr id="63" name="椭圆 62">
+            <a:extLst>
+              <a:ext uri="{FF2B5EF4-FFF2-40B4-BE49-F238E27FC236}">
+                <a16:creationId xmlns:a16="http://schemas.microsoft.com/office/drawing/2014/main" id="{B6D4662B-E710-8B2A-460F-863FD30BD98B}"/>
+              </a:ext>
+            </a:extLst>
+          </p:cNvPr>
+          <p:cNvSpPr/>
+          <p:nvPr/>
+        </p:nvSpPr>
+        <p:spPr>
+          <a:xfrm>
+            <a:off x="7545289" y="632664"/>
+            <a:ext cx="140322" cy="143805"/>
+          </a:xfrm>
+          <a:prstGeom prst="ellipse">
+            <a:avLst/>
+          </a:prstGeom>
+          <a:noFill/>
+          <a:ln>
+            <a:solidFill>
+              <a:srgbClr val="FF0000"/>
+            </a:solidFill>
+          </a:ln>
+        </p:spPr>
+        <p:style>
+          <a:lnRef idx="2">
+            <a:schemeClr val="accent1">
+              <a:shade val="15000"/>
+            </a:schemeClr>
+          </a:lnRef>
+          <a:fillRef idx="1">
+            <a:schemeClr val="accent1"/>
+          </a:fillRef>
+          <a:effectRef idx="0">
+            <a:schemeClr val="accent1"/>
+          </a:effectRef>
+          <a:fontRef idx="minor">
+            <a:schemeClr val="lt1"/>
+          </a:fontRef>
+        </p:style>
+        <p:txBody>
+          <a:bodyPr rtlCol="0" anchor="ctr"/>
+          <a:lstStyle/>
+          <a:p>
+            <a:pPr algn="ctr"/>
+            <a:endParaRPr lang="zh-CN" altLang="en-US"/>
+          </a:p>
+        </p:txBody>
+      </p:sp>
+      <p:sp>
+        <p:nvSpPr>
+          <p:cNvPr id="64" name="椭圆 63">
+            <a:extLst>
+              <a:ext uri="{FF2B5EF4-FFF2-40B4-BE49-F238E27FC236}">
+                <a16:creationId xmlns:a16="http://schemas.microsoft.com/office/drawing/2014/main" id="{3AC51EFD-5A69-67B5-84EE-0C8507FE215C}"/>
+              </a:ext>
+            </a:extLst>
+          </p:cNvPr>
+          <p:cNvSpPr/>
+          <p:nvPr/>
+        </p:nvSpPr>
+        <p:spPr>
+          <a:xfrm>
+            <a:off x="7314227" y="477452"/>
+            <a:ext cx="140322" cy="143805"/>
+          </a:xfrm>
+          <a:prstGeom prst="ellipse">
+            <a:avLst/>
+          </a:prstGeom>
+          <a:noFill/>
+          <a:ln>
+            <a:solidFill>
+              <a:srgbClr val="FF0000"/>
+            </a:solidFill>
+          </a:ln>
+        </p:spPr>
+        <p:style>
+          <a:lnRef idx="2">
+            <a:schemeClr val="accent1">
+              <a:shade val="15000"/>
+            </a:schemeClr>
+          </a:lnRef>
+          <a:fillRef idx="1">
+            <a:schemeClr val="accent1"/>
+          </a:fillRef>
+          <a:effectRef idx="0">
+            <a:schemeClr val="accent1"/>
+          </a:effectRef>
+          <a:fontRef idx="minor">
+            <a:schemeClr val="lt1"/>
+          </a:fontRef>
+        </p:style>
+        <p:txBody>
+          <a:bodyPr rtlCol="0" anchor="ctr"/>
+          <a:lstStyle/>
+          <a:p>
+            <a:pPr algn="ctr"/>
+            <a:endParaRPr lang="zh-CN" altLang="en-US"/>
+          </a:p>
+        </p:txBody>
+      </p:sp>
+      <p:sp>
+        <p:nvSpPr>
+          <p:cNvPr id="65" name="椭圆 64">
+            <a:extLst>
+              <a:ext uri="{FF2B5EF4-FFF2-40B4-BE49-F238E27FC236}">
+                <a16:creationId xmlns:a16="http://schemas.microsoft.com/office/drawing/2014/main" id="{1A285903-9EF3-E659-C486-10E7D65421C8}"/>
+              </a:ext>
+            </a:extLst>
+          </p:cNvPr>
+          <p:cNvSpPr/>
+          <p:nvPr/>
+        </p:nvSpPr>
+        <p:spPr>
+          <a:xfrm>
+            <a:off x="7746998" y="1602587"/>
+            <a:ext cx="140322" cy="143805"/>
+          </a:xfrm>
+          <a:prstGeom prst="ellipse">
+            <a:avLst/>
+          </a:prstGeom>
+          <a:noFill/>
+          <a:ln>
+            <a:solidFill>
+              <a:srgbClr val="FF0000"/>
+            </a:solidFill>
+          </a:ln>
+        </p:spPr>
+        <p:style>
+          <a:lnRef idx="2">
+            <a:schemeClr val="accent1">
+              <a:shade val="15000"/>
+            </a:schemeClr>
+          </a:lnRef>
+          <a:fillRef idx="1">
+            <a:schemeClr val="accent1"/>
+          </a:fillRef>
+          <a:effectRef idx="0">
+            <a:schemeClr val="accent1"/>
+          </a:effectRef>
+          <a:fontRef idx="minor">
+            <a:schemeClr val="lt1"/>
+          </a:fontRef>
+        </p:style>
+        <p:txBody>
+          <a:bodyPr rtlCol="0" anchor="ctr"/>
+          <a:lstStyle/>
+          <a:p>
+            <a:pPr algn="ctr"/>
+            <a:endParaRPr lang="zh-CN" altLang="en-US"/>
+          </a:p>
+        </p:txBody>
+      </p:sp>
+      <p:sp>
+        <p:nvSpPr>
+          <p:cNvPr id="66" name="椭圆 65">
+            <a:extLst>
+              <a:ext uri="{FF2B5EF4-FFF2-40B4-BE49-F238E27FC236}">
+                <a16:creationId xmlns:a16="http://schemas.microsoft.com/office/drawing/2014/main" id="{D1965CD0-C703-A47C-3203-A53B545DCFDA}"/>
+              </a:ext>
+            </a:extLst>
+          </p:cNvPr>
+          <p:cNvSpPr/>
+          <p:nvPr/>
+        </p:nvSpPr>
+        <p:spPr>
+          <a:xfrm>
+            <a:off x="6960213" y="1375676"/>
+            <a:ext cx="140322" cy="143805"/>
+          </a:xfrm>
+          <a:prstGeom prst="ellipse">
+            <a:avLst/>
+          </a:prstGeom>
+          <a:noFill/>
+          <a:ln>
+            <a:solidFill>
+              <a:srgbClr val="FF0000"/>
+            </a:solidFill>
+          </a:ln>
+        </p:spPr>
+        <p:style>
+          <a:lnRef idx="2">
+            <a:schemeClr val="accent1">
+              <a:shade val="15000"/>
+            </a:schemeClr>
+          </a:lnRef>
+          <a:fillRef idx="1">
+            <a:schemeClr val="accent1"/>
+          </a:fillRef>
+          <a:effectRef idx="0">
+            <a:schemeClr val="accent1"/>
+          </a:effectRef>
+          <a:fontRef idx="minor">
+            <a:schemeClr val="lt1"/>
+          </a:fontRef>
+        </p:style>
+        <p:txBody>
+          <a:bodyPr rtlCol="0" anchor="ctr"/>
+          <a:lstStyle/>
+          <a:p>
+            <a:pPr algn="ctr"/>
+            <a:endParaRPr lang="zh-CN" altLang="en-US"/>
+          </a:p>
+        </p:txBody>
+      </p:sp>
+      <p:cxnSp>
+        <p:nvCxnSpPr>
+          <p:cNvPr id="68" name="直接连接符 67">
+            <a:extLst>
+              <a:ext uri="{FF2B5EF4-FFF2-40B4-BE49-F238E27FC236}">
+                <a16:creationId xmlns:a16="http://schemas.microsoft.com/office/drawing/2014/main" id="{C503B45D-59B5-071E-45D7-DF1B0DF4905A}"/>
+              </a:ext>
+            </a:extLst>
+          </p:cNvPr>
+          <p:cNvCxnSpPr>
+            <a:stCxn id="66" idx="4"/>
+            <a:endCxn id="61" idx="0"/>
+          </p:cNvCxnSpPr>
+          <p:nvPr/>
+        </p:nvCxnSpPr>
+        <p:spPr>
+          <a:xfrm flipV="1">
+            <a:off x="7030374" y="254023"/>
+            <a:ext cx="110561" cy="1265458"/>
+          </a:xfrm>
+          <a:prstGeom prst="line">
+            <a:avLst/>
+          </a:prstGeom>
+          <a:ln w="12700">
+            <a:solidFill>
+              <a:schemeClr val="accent3"/>
+            </a:solidFill>
+          </a:ln>
+        </p:spPr>
+        <p:style>
+          <a:lnRef idx="1">
+            <a:schemeClr val="accent1"/>
+          </a:lnRef>
+          <a:fillRef idx="0">
+            <a:schemeClr val="accent1"/>
+          </a:fillRef>
+          <a:effectRef idx="0">
+            <a:schemeClr val="accent1"/>
+          </a:effectRef>
+          <a:fontRef idx="minor">
+            <a:schemeClr val="tx1"/>
+          </a:fontRef>
+        </p:style>
+      </p:cxnSp>
+      <p:cxnSp>
+        <p:nvCxnSpPr>
+          <p:cNvPr id="69" name="直接连接符 68">
+            <a:extLst>
+              <a:ext uri="{FF2B5EF4-FFF2-40B4-BE49-F238E27FC236}">
+                <a16:creationId xmlns:a16="http://schemas.microsoft.com/office/drawing/2014/main" id="{7FFC2527-267C-B51E-B4DE-F45A0CAC5F34}"/>
+              </a:ext>
+            </a:extLst>
+          </p:cNvPr>
+          <p:cNvCxnSpPr>
+            <a:cxnSpLocks/>
+            <a:stCxn id="59" idx="4"/>
+            <a:endCxn id="61" idx="0"/>
+          </p:cNvCxnSpPr>
+          <p:nvPr/>
+        </p:nvCxnSpPr>
+        <p:spPr>
+          <a:xfrm flipH="1" flipV="1">
+            <a:off x="7140935" y="254023"/>
+            <a:ext cx="69904" cy="1143761"/>
+          </a:xfrm>
+          <a:prstGeom prst="line">
+            <a:avLst/>
+          </a:prstGeom>
+          <a:ln w="12700">
+            <a:solidFill>
+              <a:schemeClr val="accent3"/>
+            </a:solidFill>
+          </a:ln>
+        </p:spPr>
+        <p:style>
+          <a:lnRef idx="1">
+            <a:schemeClr val="accent1"/>
+          </a:lnRef>
+          <a:fillRef idx="0">
+            <a:schemeClr val="accent1"/>
+          </a:fillRef>
+          <a:effectRef idx="0">
+            <a:schemeClr val="accent1"/>
+          </a:effectRef>
+          <a:fontRef idx="minor">
+            <a:schemeClr val="tx1"/>
+          </a:fontRef>
+        </p:style>
+      </p:cxnSp>
+      <p:cxnSp>
+        <p:nvCxnSpPr>
+          <p:cNvPr id="73" name="直接连接符 72">
+            <a:extLst>
+              <a:ext uri="{FF2B5EF4-FFF2-40B4-BE49-F238E27FC236}">
+                <a16:creationId xmlns:a16="http://schemas.microsoft.com/office/drawing/2014/main" id="{1C1FF836-8033-B4F6-58A6-825D9BE19731}"/>
+              </a:ext>
+            </a:extLst>
+          </p:cNvPr>
+          <p:cNvCxnSpPr>
+            <a:cxnSpLocks/>
+            <a:stCxn id="60" idx="3"/>
+            <a:endCxn id="61" idx="0"/>
+          </p:cNvCxnSpPr>
+          <p:nvPr/>
+        </p:nvCxnSpPr>
+        <p:spPr>
+          <a:xfrm flipH="1" flipV="1">
+            <a:off x="7140935" y="254023"/>
+            <a:ext cx="222675" cy="1224627"/>
+          </a:xfrm>
+          <a:prstGeom prst="line">
+            <a:avLst/>
+          </a:prstGeom>
+          <a:ln w="12700">
+            <a:solidFill>
+              <a:schemeClr val="accent3"/>
+            </a:solidFill>
+          </a:ln>
+        </p:spPr>
+        <p:style>
+          <a:lnRef idx="1">
+            <a:schemeClr val="accent1"/>
+          </a:lnRef>
+          <a:fillRef idx="0">
+            <a:schemeClr val="accent1"/>
+          </a:fillRef>
+          <a:effectRef idx="0">
+            <a:schemeClr val="accent1"/>
+          </a:effectRef>
+          <a:fontRef idx="minor">
+            <a:schemeClr val="tx1"/>
+          </a:fontRef>
+        </p:style>
+      </p:cxnSp>
+      <p:sp>
+        <p:nvSpPr>
+          <p:cNvPr id="89" name="文本框 88">
+            <a:extLst>
+              <a:ext uri="{FF2B5EF4-FFF2-40B4-BE49-F238E27FC236}">
+                <a16:creationId xmlns:a16="http://schemas.microsoft.com/office/drawing/2014/main" id="{17BB8303-B0BD-15A3-85D1-2E3B2963F2B4}"/>
+              </a:ext>
+            </a:extLst>
+          </p:cNvPr>
+          <p:cNvSpPr txBox="1"/>
+          <p:nvPr/>
+        </p:nvSpPr>
+        <p:spPr>
+          <a:xfrm>
+            <a:off x="5152808" y="1882492"/>
+            <a:ext cx="7039192" cy="369332"/>
+          </a:xfrm>
+          <a:prstGeom prst="rect">
+            <a:avLst/>
+          </a:prstGeom>
+          <a:noFill/>
+        </p:spPr>
+        <p:txBody>
+          <a:bodyPr wrap="square" rtlCol="0">
+            <a:spAutoFit/>
+          </a:bodyPr>
+          <a:lstStyle/>
+          <a:p>
+            <a:r>
+              <a:rPr lang="en-US" altLang="zh-CN" dirty="0"/>
+              <a:t>Warping Path: (</a:t>
+            </a:r>
+            <a:r>
+              <a:rPr lang="en-US" altLang="zh-CN" dirty="0" err="1"/>
+              <a:t>X_t</a:t>
+            </a:r>
+            <a:r>
+              <a:rPr lang="en-US" altLang="zh-CN" dirty="0"/>
+              <a:t>, Y_t-1), (</a:t>
+            </a:r>
+            <a:r>
+              <a:rPr lang="en-US" altLang="zh-CN" dirty="0" err="1"/>
+              <a:t>X_t</a:t>
+            </a:r>
+            <a:r>
+              <a:rPr lang="en-US" altLang="zh-CN" dirty="0"/>
+              <a:t>, </a:t>
+            </a:r>
+            <a:r>
+              <a:rPr lang="en-US" altLang="zh-CN" dirty="0" err="1"/>
+              <a:t>Y_t</a:t>
+            </a:r>
+            <a:r>
+              <a:rPr lang="en-US" altLang="zh-CN" dirty="0"/>
+              <a:t>), (</a:t>
+            </a:r>
+            <a:r>
+              <a:rPr lang="en-US" altLang="zh-CN" dirty="0" err="1"/>
+              <a:t>X_t</a:t>
+            </a:r>
+            <a:r>
+              <a:rPr lang="en-US" altLang="zh-CN" dirty="0"/>
+              <a:t>, Y_t+1)</a:t>
+            </a:r>
+          </a:p>
+        </p:txBody>
+      </p:sp>
+      <p:sp>
+        <p:nvSpPr>
+          <p:cNvPr id="130" name="文本框 129">
+            <a:extLst>
+              <a:ext uri="{FF2B5EF4-FFF2-40B4-BE49-F238E27FC236}">
+                <a16:creationId xmlns:a16="http://schemas.microsoft.com/office/drawing/2014/main" id="{99CCF9D7-67F0-2ED3-BCF3-D408825B2D9B}"/>
+              </a:ext>
+            </a:extLst>
+          </p:cNvPr>
+          <p:cNvSpPr txBox="1"/>
+          <p:nvPr/>
+        </p:nvSpPr>
+        <p:spPr>
+          <a:xfrm>
+            <a:off x="5083573" y="2503184"/>
+            <a:ext cx="7039187" cy="2062103"/>
+          </a:xfrm>
+          <a:prstGeom prst="rect">
+            <a:avLst/>
+          </a:prstGeom>
+          <a:noFill/>
+        </p:spPr>
+        <p:txBody>
+          <a:bodyPr wrap="square" rtlCol="0">
+            <a:spAutoFit/>
+          </a:bodyPr>
+          <a:lstStyle/>
+          <a:p>
+            <a:r>
+              <a:rPr lang="en-US" altLang="zh-CN" sz="2000" b="1" dirty="0"/>
+              <a:t>Asymmetric Method: Take a reference.</a:t>
+            </a:r>
+          </a:p>
+          <a:p>
+            <a:endParaRPr lang="en-US" altLang="zh-CN" dirty="0"/>
+          </a:p>
+          <a:p>
+            <a:r>
+              <a:rPr lang="en-US" altLang="zh-CN" dirty="0"/>
+              <a:t>Take X as a reference.</a:t>
+            </a:r>
+          </a:p>
+          <a:p>
+            <a:r>
+              <a:rPr lang="en-US" altLang="zh-CN" dirty="0"/>
+              <a:t>Result: </a:t>
+            </a:r>
+            <a:r>
+              <a:rPr lang="en-US" altLang="zh-CN" dirty="0" err="1"/>
+              <a:t>X_t</a:t>
+            </a:r>
+            <a:r>
+              <a:rPr lang="en-US" altLang="zh-CN" dirty="0"/>
+              <a:t> = (</a:t>
+            </a:r>
+            <a:r>
+              <a:rPr lang="en-US" altLang="zh-CN" dirty="0" err="1"/>
+              <a:t>X_t</a:t>
+            </a:r>
+            <a:r>
+              <a:rPr lang="en-US" altLang="zh-CN" dirty="0"/>
+              <a:t> + Y_t-1 + </a:t>
+            </a:r>
+            <a:r>
+              <a:rPr lang="en-US" altLang="zh-CN" dirty="0" err="1"/>
+              <a:t>Y_t</a:t>
+            </a:r>
+            <a:r>
+              <a:rPr lang="en-US" altLang="zh-CN" dirty="0"/>
+              <a:t>, + Y_t+1) / 4</a:t>
+            </a:r>
+          </a:p>
+          <a:p>
+            <a:endParaRPr lang="en-US" altLang="zh-CN" dirty="0"/>
+          </a:p>
+          <a:p>
+            <a:r>
+              <a:rPr lang="en-US" altLang="zh-CN" dirty="0"/>
+              <a:t>Disadvantage: Not well-defined. There is no natural criterion for choosing a reference.</a:t>
+            </a:r>
+          </a:p>
+        </p:txBody>
+      </p:sp>
+    </p:spTree>
+    <p:extLst>
+      <p:ext uri="{BB962C8B-B14F-4D97-AF65-F5344CB8AC3E}">
+        <p14:creationId xmlns:p14="http://schemas.microsoft.com/office/powerpoint/2010/main" val="3352072749"/>
+      </p:ext>
+    </p:extLst>
+  </p:cSld>
+  <p:clrMapOvr>
+    <a:masterClrMapping/>
+  </p:clrMapOvr>
+</p:sld>
+</file>
+
+<file path=ppt/slides/slide5.xml><?xml version="1.0" encoding="utf-8"?>
+<p:sld xmlns:a="http://schemas.openxmlformats.org/drawingml/2006/main" xmlns:r="http://schemas.openxmlformats.org/officeDocument/2006/relationships" xmlns:p="http://schemas.openxmlformats.org/presentationml/2006/main">
+  <p:cSld>
+    <p:spTree>
+      <p:nvGrpSpPr>
+        <p:cNvPr id="1" name=""/>
+        <p:cNvGrpSpPr/>
+        <p:nvPr/>
+      </p:nvGrpSpPr>
+      <p:grpSpPr>
+        <a:xfrm>
+          <a:off x="0" y="0"/>
+          <a:ext cx="0" cy="0"/>
+          <a:chOff x="0" y="0"/>
+          <a:chExt cx="0" cy="0"/>
+        </a:xfrm>
+      </p:grpSpPr>
+      <p:sp>
+        <p:nvSpPr>
+          <p:cNvPr id="13" name="文本框 12">
+            <a:extLst>
+              <a:ext uri="{FF2B5EF4-FFF2-40B4-BE49-F238E27FC236}">
+                <a16:creationId xmlns:a16="http://schemas.microsoft.com/office/drawing/2014/main" id="{0BFACC5B-F759-45D8-6D24-34D71F57C704}"/>
+              </a:ext>
+            </a:extLst>
+          </p:cNvPr>
+          <p:cNvSpPr txBox="1"/>
+          <p:nvPr/>
+        </p:nvSpPr>
+        <p:spPr>
+          <a:xfrm>
+            <a:off x="255637" y="1622322"/>
+            <a:ext cx="1742769" cy="707886"/>
+          </a:xfrm>
+          <a:prstGeom prst="rect">
+            <a:avLst/>
+          </a:prstGeom>
+          <a:noFill/>
+        </p:spPr>
+        <p:txBody>
+          <a:bodyPr wrap="square" rtlCol="0">
+            <a:spAutoFit/>
+          </a:bodyPr>
+          <a:lstStyle/>
+          <a:p>
+            <a:pPr algn="ctr"/>
+            <a:r>
+              <a:rPr lang="en-US" altLang="zh-CN" sz="2000" b="1" dirty="0"/>
+              <a:t>Incremental Averaging</a:t>
+            </a:r>
+            <a:endParaRPr lang="zh-CN" altLang="en-US" sz="2000" b="1" dirty="0"/>
+          </a:p>
+        </p:txBody>
+      </p:sp>
+      <p:sp>
+        <p:nvSpPr>
+          <p:cNvPr id="15" name="文本框 14">
+            <a:extLst>
+              <a:ext uri="{FF2B5EF4-FFF2-40B4-BE49-F238E27FC236}">
+                <a16:creationId xmlns:a16="http://schemas.microsoft.com/office/drawing/2014/main" id="{E41FF542-9E53-AD94-A14F-6AB8112C091C}"/>
+              </a:ext>
+            </a:extLst>
+          </p:cNvPr>
+          <p:cNvSpPr txBox="1"/>
+          <p:nvPr/>
+        </p:nvSpPr>
+        <p:spPr>
+          <a:xfrm>
+            <a:off x="249183" y="4336394"/>
+            <a:ext cx="1742769" cy="707886"/>
+          </a:xfrm>
+          <a:prstGeom prst="rect">
+            <a:avLst/>
+          </a:prstGeom>
+          <a:noFill/>
+        </p:spPr>
+        <p:txBody>
+          <a:bodyPr wrap="square" rtlCol="0">
+            <a:spAutoFit/>
+          </a:bodyPr>
+          <a:lstStyle/>
+          <a:p>
+            <a:pPr algn="ctr"/>
+            <a:r>
+              <a:rPr lang="en-US" altLang="zh-CN" sz="2000" b="1" dirty="0"/>
+              <a:t>Batch</a:t>
+            </a:r>
+          </a:p>
+          <a:p>
+            <a:pPr algn="ctr"/>
+            <a:r>
+              <a:rPr lang="en-US" altLang="zh-CN" sz="2000" b="1" dirty="0"/>
+              <a:t>Averaging</a:t>
+            </a:r>
+            <a:endParaRPr lang="zh-CN" altLang="en-US" sz="2000" b="1" dirty="0"/>
+          </a:p>
+        </p:txBody>
+      </p:sp>
+      <p:sp>
+        <p:nvSpPr>
+          <p:cNvPr id="16" name="文本框 15">
+            <a:extLst>
+              <a:ext uri="{FF2B5EF4-FFF2-40B4-BE49-F238E27FC236}">
+                <a16:creationId xmlns:a16="http://schemas.microsoft.com/office/drawing/2014/main" id="{92A58980-64FE-C1CE-BB6E-DCCC5A7B05FE}"/>
+              </a:ext>
+            </a:extLst>
+          </p:cNvPr>
+          <p:cNvSpPr txBox="1"/>
+          <p:nvPr/>
+        </p:nvSpPr>
+        <p:spPr>
+          <a:xfrm>
+            <a:off x="2669148" y="3720841"/>
+            <a:ext cx="1629696" cy="646331"/>
+          </a:xfrm>
+          <a:prstGeom prst="rect">
+            <a:avLst/>
+          </a:prstGeom>
+          <a:noFill/>
+        </p:spPr>
+        <p:txBody>
+          <a:bodyPr wrap="square" rtlCol="0">
+            <a:spAutoFit/>
+          </a:bodyPr>
+          <a:lstStyle/>
+          <a:p>
+            <a:pPr algn="ctr"/>
+            <a:r>
+              <a:rPr lang="en-US" altLang="zh-CN" dirty="0"/>
+              <a:t>Asymmetric</a:t>
+            </a:r>
+          </a:p>
+          <a:p>
+            <a:pPr algn="ctr"/>
+            <a:r>
+              <a:rPr lang="en-US" altLang="zh-CN" dirty="0"/>
+              <a:t>Batch</a:t>
+            </a:r>
+            <a:endParaRPr lang="zh-CN" altLang="en-US" dirty="0"/>
+          </a:p>
+        </p:txBody>
+      </p:sp>
+      <p:sp>
+        <p:nvSpPr>
+          <p:cNvPr id="17" name="文本框 16">
+            <a:extLst>
+              <a:ext uri="{FF2B5EF4-FFF2-40B4-BE49-F238E27FC236}">
+                <a16:creationId xmlns:a16="http://schemas.microsoft.com/office/drawing/2014/main" id="{AE9946B4-FEA7-EC1B-88AE-32FDC9FD219B}"/>
+              </a:ext>
+            </a:extLst>
+          </p:cNvPr>
+          <p:cNvSpPr txBox="1"/>
+          <p:nvPr/>
+        </p:nvSpPr>
+        <p:spPr>
+          <a:xfrm>
+            <a:off x="2663706" y="4894179"/>
+            <a:ext cx="1629696" cy="646331"/>
+          </a:xfrm>
+          <a:prstGeom prst="rect">
+            <a:avLst/>
+          </a:prstGeom>
+          <a:noFill/>
+        </p:spPr>
+        <p:txBody>
+          <a:bodyPr wrap="square" rtlCol="0">
+            <a:spAutoFit/>
+          </a:bodyPr>
+          <a:lstStyle/>
+          <a:p>
+            <a:pPr algn="ctr"/>
+            <a:r>
+              <a:rPr lang="en-US" altLang="zh-CN" dirty="0"/>
+              <a:t>Symmetric</a:t>
+            </a:r>
+          </a:p>
+          <a:p>
+            <a:pPr algn="ctr"/>
+            <a:r>
+              <a:rPr lang="en-US" altLang="zh-CN" dirty="0"/>
+              <a:t>Batch</a:t>
+            </a:r>
+            <a:endParaRPr lang="zh-CN" altLang="en-US" dirty="0"/>
+          </a:p>
+        </p:txBody>
+      </p:sp>
+      <p:sp>
+        <p:nvSpPr>
+          <p:cNvPr id="18" name="文本框 17">
+            <a:extLst>
+              <a:ext uri="{FF2B5EF4-FFF2-40B4-BE49-F238E27FC236}">
+                <a16:creationId xmlns:a16="http://schemas.microsoft.com/office/drawing/2014/main" id="{6EEE649E-2DE6-42B3-8312-23DD9C9CEF2D}"/>
+              </a:ext>
+            </a:extLst>
+          </p:cNvPr>
+          <p:cNvSpPr txBox="1"/>
+          <p:nvPr/>
+        </p:nvSpPr>
+        <p:spPr>
+          <a:xfrm>
+            <a:off x="2559487" y="837373"/>
+            <a:ext cx="1629696" cy="646331"/>
+          </a:xfrm>
+          <a:prstGeom prst="rect">
+            <a:avLst/>
+          </a:prstGeom>
+          <a:noFill/>
+        </p:spPr>
+        <p:txBody>
+          <a:bodyPr wrap="square" rtlCol="0">
+            <a:spAutoFit/>
+          </a:bodyPr>
+          <a:lstStyle/>
+          <a:p>
+            <a:pPr algn="ctr"/>
+            <a:r>
+              <a:rPr lang="en-US" altLang="zh-CN" dirty="0"/>
+              <a:t>Asymmetric</a:t>
+            </a:r>
+          </a:p>
+          <a:p>
+            <a:pPr algn="ctr"/>
+            <a:r>
+              <a:rPr lang="en-US" altLang="zh-CN" dirty="0"/>
+              <a:t>Increment</a:t>
+            </a:r>
+            <a:endParaRPr lang="zh-CN" altLang="en-US" dirty="0"/>
+          </a:p>
+        </p:txBody>
+      </p:sp>
+      <p:sp>
+        <p:nvSpPr>
+          <p:cNvPr id="19" name="文本框 18">
+            <a:extLst>
+              <a:ext uri="{FF2B5EF4-FFF2-40B4-BE49-F238E27FC236}">
+                <a16:creationId xmlns:a16="http://schemas.microsoft.com/office/drawing/2014/main" id="{09C590BB-5F59-1734-1397-BFB8590E3230}"/>
+              </a:ext>
+            </a:extLst>
+          </p:cNvPr>
+          <p:cNvSpPr txBox="1"/>
+          <p:nvPr/>
+        </p:nvSpPr>
+        <p:spPr>
+          <a:xfrm>
+            <a:off x="2559487" y="2209209"/>
+            <a:ext cx="1629696" cy="646331"/>
+          </a:xfrm>
+          <a:prstGeom prst="rect">
+            <a:avLst/>
+          </a:prstGeom>
+          <a:noFill/>
+        </p:spPr>
+        <p:txBody>
+          <a:bodyPr wrap="square" rtlCol="0">
+            <a:spAutoFit/>
+          </a:bodyPr>
+          <a:lstStyle/>
+          <a:p>
+            <a:pPr algn="ctr"/>
+            <a:r>
+              <a:rPr lang="en-US" altLang="zh-CN" dirty="0"/>
+              <a:t>Symmetric</a:t>
+            </a:r>
+          </a:p>
+          <a:p>
+            <a:pPr algn="ctr"/>
+            <a:r>
+              <a:rPr lang="en-US" altLang="zh-CN" dirty="0"/>
+              <a:t>Increment</a:t>
+            </a:r>
+            <a:endParaRPr lang="zh-CN" altLang="en-US" dirty="0"/>
+          </a:p>
+        </p:txBody>
+      </p:sp>
+      <p:cxnSp>
+        <p:nvCxnSpPr>
+          <p:cNvPr id="21" name="连接符: 曲线 20">
+            <a:extLst>
+              <a:ext uri="{FF2B5EF4-FFF2-40B4-BE49-F238E27FC236}">
+                <a16:creationId xmlns:a16="http://schemas.microsoft.com/office/drawing/2014/main" id="{BCF52039-59AD-F6D1-F3D4-47864B84BF0A}"/>
+              </a:ext>
+            </a:extLst>
+          </p:cNvPr>
+          <p:cNvCxnSpPr>
+            <a:cxnSpLocks/>
+            <a:stCxn id="13" idx="3"/>
+            <a:endCxn id="18" idx="1"/>
+          </p:cNvCxnSpPr>
+          <p:nvPr/>
+        </p:nvCxnSpPr>
+        <p:spPr>
+          <a:xfrm flipV="1">
+            <a:off x="1998406" y="1160539"/>
+            <a:ext cx="561081" cy="815726"/>
+          </a:xfrm>
+          <a:prstGeom prst="curvedConnector3">
+            <a:avLst>
+              <a:gd name="adj1" fmla="val 50000"/>
+            </a:avLst>
+          </a:prstGeom>
+          <a:ln w="19050">
+            <a:solidFill>
+              <a:srgbClr val="172C51"/>
+            </a:solidFill>
+            <a:tailEnd type="triangle"/>
+          </a:ln>
+        </p:spPr>
+        <p:style>
+          <a:lnRef idx="1">
+            <a:schemeClr val="accent1"/>
+          </a:lnRef>
+          <a:fillRef idx="0">
+            <a:schemeClr val="accent1"/>
+          </a:fillRef>
+          <a:effectRef idx="0">
+            <a:schemeClr val="accent1"/>
+          </a:effectRef>
+          <a:fontRef idx="minor">
+            <a:schemeClr val="tx1"/>
+          </a:fontRef>
+        </p:style>
+      </p:cxnSp>
+      <p:cxnSp>
+        <p:nvCxnSpPr>
+          <p:cNvPr id="27" name="连接符: 曲线 26">
+            <a:extLst>
+              <a:ext uri="{FF2B5EF4-FFF2-40B4-BE49-F238E27FC236}">
+                <a16:creationId xmlns:a16="http://schemas.microsoft.com/office/drawing/2014/main" id="{315FB6BC-9C43-B897-F394-00C57135E408}"/>
+              </a:ext>
+            </a:extLst>
+          </p:cNvPr>
+          <p:cNvCxnSpPr>
+            <a:cxnSpLocks/>
+            <a:stCxn id="13" idx="3"/>
+            <a:endCxn id="19" idx="1"/>
+          </p:cNvCxnSpPr>
+          <p:nvPr/>
+        </p:nvCxnSpPr>
+        <p:spPr>
+          <a:xfrm>
+            <a:off x="1998406" y="1976265"/>
+            <a:ext cx="561081" cy="556110"/>
+          </a:xfrm>
+          <a:prstGeom prst="curvedConnector3">
+            <a:avLst>
+              <a:gd name="adj1" fmla="val 50000"/>
+            </a:avLst>
+          </a:prstGeom>
+          <a:ln w="19050">
+            <a:solidFill>
+              <a:srgbClr val="172C51"/>
+            </a:solidFill>
+            <a:tailEnd type="triangle"/>
+          </a:ln>
+        </p:spPr>
+        <p:style>
+          <a:lnRef idx="1">
+            <a:schemeClr val="accent1"/>
+          </a:lnRef>
+          <a:fillRef idx="0">
+            <a:schemeClr val="accent1"/>
+          </a:fillRef>
+          <a:effectRef idx="0">
+            <a:schemeClr val="accent1"/>
+          </a:effectRef>
+          <a:fontRef idx="minor">
+            <a:schemeClr val="tx1"/>
+          </a:fontRef>
+        </p:style>
+      </p:cxnSp>
+      <p:cxnSp>
+        <p:nvCxnSpPr>
+          <p:cNvPr id="36" name="连接符: 曲线 35">
+            <a:extLst>
+              <a:ext uri="{FF2B5EF4-FFF2-40B4-BE49-F238E27FC236}">
+                <a16:creationId xmlns:a16="http://schemas.microsoft.com/office/drawing/2014/main" id="{7D91DABE-E0D5-2827-5E5E-5E55370D8DB6}"/>
+              </a:ext>
+            </a:extLst>
+          </p:cNvPr>
+          <p:cNvCxnSpPr>
+            <a:cxnSpLocks/>
+            <a:stCxn id="15" idx="3"/>
+            <a:endCxn id="16" idx="1"/>
+          </p:cNvCxnSpPr>
+          <p:nvPr/>
+        </p:nvCxnSpPr>
+        <p:spPr>
+          <a:xfrm flipV="1">
+            <a:off x="1991952" y="4044007"/>
+            <a:ext cx="677196" cy="646330"/>
+          </a:xfrm>
+          <a:prstGeom prst="curvedConnector3">
+            <a:avLst>
+              <a:gd name="adj1" fmla="val 50000"/>
+            </a:avLst>
+          </a:prstGeom>
+          <a:ln w="19050">
+            <a:solidFill>
+              <a:srgbClr val="172C51"/>
+            </a:solidFill>
+            <a:tailEnd type="triangle"/>
+          </a:ln>
+        </p:spPr>
+        <p:style>
+          <a:lnRef idx="1">
+            <a:schemeClr val="accent1"/>
+          </a:lnRef>
+          <a:fillRef idx="0">
+            <a:schemeClr val="accent1"/>
+          </a:fillRef>
+          <a:effectRef idx="0">
+            <a:schemeClr val="accent1"/>
+          </a:effectRef>
+          <a:fontRef idx="minor">
+            <a:schemeClr val="tx1"/>
+          </a:fontRef>
+        </p:style>
+      </p:cxnSp>
+      <p:cxnSp>
+        <p:nvCxnSpPr>
+          <p:cNvPr id="39" name="连接符: 曲线 38">
+            <a:extLst>
+              <a:ext uri="{FF2B5EF4-FFF2-40B4-BE49-F238E27FC236}">
+                <a16:creationId xmlns:a16="http://schemas.microsoft.com/office/drawing/2014/main" id="{3A7CDD79-9764-452C-F505-2275A20FADEA}"/>
+              </a:ext>
+            </a:extLst>
+          </p:cNvPr>
+          <p:cNvCxnSpPr>
+            <a:cxnSpLocks/>
+            <a:stCxn id="15" idx="3"/>
+            <a:endCxn id="17" idx="1"/>
+          </p:cNvCxnSpPr>
+          <p:nvPr/>
+        </p:nvCxnSpPr>
+        <p:spPr>
+          <a:xfrm>
+            <a:off x="1991952" y="4690337"/>
+            <a:ext cx="671754" cy="527008"/>
+          </a:xfrm>
+          <a:prstGeom prst="curvedConnector3">
+            <a:avLst>
+              <a:gd name="adj1" fmla="val 50000"/>
+            </a:avLst>
+          </a:prstGeom>
+          <a:ln w="19050">
+            <a:solidFill>
+              <a:srgbClr val="172C51"/>
+            </a:solidFill>
+            <a:tailEnd type="triangle"/>
+          </a:ln>
+        </p:spPr>
+        <p:style>
+          <a:lnRef idx="1">
+            <a:schemeClr val="accent1"/>
+          </a:lnRef>
+          <a:fillRef idx="0">
+            <a:schemeClr val="accent1"/>
+          </a:fillRef>
+          <a:effectRef idx="0">
+            <a:schemeClr val="accent1"/>
+          </a:effectRef>
+          <a:fontRef idx="minor">
+            <a:schemeClr val="tx1"/>
+          </a:fontRef>
+        </p:style>
+      </p:cxnSp>
+      <p:sp>
+        <p:nvSpPr>
+          <p:cNvPr id="2" name="文本框 1">
+            <a:extLst>
+              <a:ext uri="{FF2B5EF4-FFF2-40B4-BE49-F238E27FC236}">
+                <a16:creationId xmlns:a16="http://schemas.microsoft.com/office/drawing/2014/main" id="{0C437EBB-FE0F-13D1-81C9-B1AB43ECCB25}"/>
+              </a:ext>
+            </a:extLst>
+          </p:cNvPr>
+          <p:cNvSpPr txBox="1"/>
+          <p:nvPr/>
+        </p:nvSpPr>
+        <p:spPr>
+          <a:xfrm>
+            <a:off x="6629822" y="3859340"/>
+            <a:ext cx="1475481" cy="369332"/>
+          </a:xfrm>
+          <a:prstGeom prst="rect">
+            <a:avLst/>
+          </a:prstGeom>
+          <a:noFill/>
+          <a:ln w="12700">
+            <a:solidFill>
+              <a:schemeClr val="tx1"/>
+            </a:solidFill>
+          </a:ln>
+        </p:spPr>
+        <p:txBody>
+          <a:bodyPr wrap="square" rtlCol="0">
+            <a:spAutoFit/>
+          </a:bodyPr>
+          <a:lstStyle>
+            <a:defPPr>
+              <a:defRPr lang="zh-CN"/>
+            </a:defPPr>
+            <a:lvl1pPr algn="ctr">
+              <a:defRPr/>
+            </a:lvl1pPr>
+          </a:lstStyle>
+          <a:p>
+            <a:r>
+              <a:rPr lang="en-US" altLang="zh-CN" dirty="0"/>
+              <a:t>DBA, 2011</a:t>
+            </a:r>
+            <a:endParaRPr lang="zh-CN" altLang="en-US" dirty="0"/>
+          </a:p>
+        </p:txBody>
+      </p:sp>
+      <p:sp>
+        <p:nvSpPr>
+          <p:cNvPr id="3" name="文本框 2">
+            <a:extLst>
+              <a:ext uri="{FF2B5EF4-FFF2-40B4-BE49-F238E27FC236}">
+                <a16:creationId xmlns:a16="http://schemas.microsoft.com/office/drawing/2014/main" id="{42590001-AABA-718A-2230-6EC82779D4C3}"/>
+              </a:ext>
+            </a:extLst>
+          </p:cNvPr>
+          <p:cNvSpPr txBox="1"/>
+          <p:nvPr/>
+        </p:nvSpPr>
+        <p:spPr>
+          <a:xfrm>
+            <a:off x="4543660" y="4894179"/>
+            <a:ext cx="3894002" cy="646331"/>
+          </a:xfrm>
+          <a:prstGeom prst="rect">
+            <a:avLst/>
+          </a:prstGeom>
+          <a:noFill/>
+        </p:spPr>
+        <p:txBody>
+          <a:bodyPr wrap="square" rtlCol="0">
+            <a:spAutoFit/>
+          </a:bodyPr>
+          <a:lstStyle/>
+          <a:p>
+            <a:pPr algn="ctr"/>
+            <a:r>
+              <a:rPr lang="en-US" altLang="zh-CN" dirty="0"/>
+              <a:t>O(T^N)</a:t>
+            </a:r>
+          </a:p>
+          <a:p>
+            <a:pPr algn="ctr"/>
+            <a:r>
+              <a:rPr lang="en-US" altLang="zh-CN" dirty="0"/>
+              <a:t>computationally expensive</a:t>
+            </a:r>
+            <a:endParaRPr lang="zh-CN" altLang="en-US" dirty="0"/>
+          </a:p>
+        </p:txBody>
+      </p:sp>
+      <p:sp>
+        <p:nvSpPr>
+          <p:cNvPr id="4" name="文本框 3">
+            <a:extLst>
+              <a:ext uri="{FF2B5EF4-FFF2-40B4-BE49-F238E27FC236}">
+                <a16:creationId xmlns:a16="http://schemas.microsoft.com/office/drawing/2014/main" id="{BDFD84B5-B4BD-597F-9A63-3E8DE3B49332}"/>
+              </a:ext>
+            </a:extLst>
+          </p:cNvPr>
+          <p:cNvSpPr txBox="1"/>
+          <p:nvPr/>
+        </p:nvSpPr>
+        <p:spPr>
+          <a:xfrm>
+            <a:off x="4466304" y="2350612"/>
+            <a:ext cx="1629696" cy="369332"/>
+          </a:xfrm>
+          <a:prstGeom prst="rect">
+            <a:avLst/>
+          </a:prstGeom>
+          <a:noFill/>
+          <a:ln w="12700">
+            <a:solidFill>
+              <a:schemeClr val="tx1"/>
+            </a:solidFill>
+          </a:ln>
+        </p:spPr>
+        <p:txBody>
+          <a:bodyPr wrap="square" rtlCol="0">
+            <a:spAutoFit/>
+          </a:bodyPr>
+          <a:lstStyle/>
+          <a:p>
+            <a:r>
+              <a:rPr lang="en-US" altLang="zh-CN" dirty="0"/>
+              <a:t>NLAAF, 1996</a:t>
+            </a:r>
+          </a:p>
+        </p:txBody>
+      </p:sp>
+      <p:sp>
+        <p:nvSpPr>
+          <p:cNvPr id="6" name="文本框 5">
+            <a:extLst>
+              <a:ext uri="{FF2B5EF4-FFF2-40B4-BE49-F238E27FC236}">
+                <a16:creationId xmlns:a16="http://schemas.microsoft.com/office/drawing/2014/main" id="{B4619B90-BBAF-712A-3D3A-C6919B10F360}"/>
+              </a:ext>
+            </a:extLst>
+          </p:cNvPr>
+          <p:cNvSpPr txBox="1"/>
+          <p:nvPr/>
+        </p:nvSpPr>
+        <p:spPr>
+          <a:xfrm>
+            <a:off x="6586646" y="1751896"/>
+            <a:ext cx="1340523" cy="369332"/>
+          </a:xfrm>
+          <a:prstGeom prst="rect">
+            <a:avLst/>
+          </a:prstGeom>
+          <a:noFill/>
+          <a:ln w="12700">
+            <a:solidFill>
+              <a:schemeClr val="tx1"/>
+            </a:solidFill>
+          </a:ln>
+        </p:spPr>
+        <p:txBody>
+          <a:bodyPr wrap="square" rtlCol="0">
+            <a:spAutoFit/>
+          </a:bodyPr>
+          <a:lstStyle>
+            <a:defPPr>
+              <a:defRPr lang="zh-CN"/>
+            </a:defPPr>
+            <a:lvl1pPr>
+              <a:defRPr/>
+            </a:lvl1pPr>
+          </a:lstStyle>
+          <a:p>
+            <a:pPr algn="ctr"/>
+            <a:r>
+              <a:rPr lang="en-US" altLang="zh-CN" dirty="0"/>
+              <a:t>PSA</a:t>
+            </a:r>
+            <a:r>
+              <a:rPr lang="en-US" altLang="zh-CN"/>
+              <a:t>, 2009</a:t>
+            </a:r>
+            <a:endParaRPr lang="en-US" altLang="zh-CN" dirty="0"/>
+          </a:p>
+        </p:txBody>
+      </p:sp>
+      <p:sp>
+        <p:nvSpPr>
+          <p:cNvPr id="8" name="文本框 7">
+            <a:extLst>
+              <a:ext uri="{FF2B5EF4-FFF2-40B4-BE49-F238E27FC236}">
+                <a16:creationId xmlns:a16="http://schemas.microsoft.com/office/drawing/2014/main" id="{7DBEAB75-769F-864E-6EE1-63F686D1F92E}"/>
+              </a:ext>
+            </a:extLst>
+          </p:cNvPr>
+          <p:cNvSpPr txBox="1"/>
+          <p:nvPr/>
+        </p:nvSpPr>
+        <p:spPr>
+          <a:xfrm>
+            <a:off x="7344726" y="3107533"/>
+            <a:ext cx="1629696" cy="369332"/>
+          </a:xfrm>
+          <a:prstGeom prst="rect">
+            <a:avLst/>
+          </a:prstGeom>
+          <a:noFill/>
+          <a:ln w="12700">
+            <a:solidFill>
+              <a:schemeClr val="tx1"/>
+            </a:solidFill>
+          </a:ln>
+        </p:spPr>
+        <p:txBody>
+          <a:bodyPr wrap="square" rtlCol="0">
+            <a:spAutoFit/>
+          </a:bodyPr>
+          <a:lstStyle>
+            <a:defPPr>
+              <a:defRPr lang="zh-CN"/>
+            </a:defPPr>
+            <a:lvl1pPr>
+              <a:defRPr/>
+            </a:lvl1pPr>
+          </a:lstStyle>
+          <a:p>
+            <a:pPr algn="ctr"/>
+            <a:r>
+              <a:rPr lang="en-US" altLang="zh-CN" dirty="0"/>
+              <a:t>ICDTW, 2012</a:t>
+            </a:r>
+            <a:endParaRPr lang="zh-CN" altLang="en-US" dirty="0"/>
+          </a:p>
+        </p:txBody>
+      </p:sp>
+      <p:cxnSp>
+        <p:nvCxnSpPr>
+          <p:cNvPr id="9" name="连接符: 曲线 8">
+            <a:extLst>
+              <a:ext uri="{FF2B5EF4-FFF2-40B4-BE49-F238E27FC236}">
+                <a16:creationId xmlns:a16="http://schemas.microsoft.com/office/drawing/2014/main" id="{E9AB71A0-C9D6-29F7-7EE7-8D401B46C613}"/>
+              </a:ext>
+            </a:extLst>
+          </p:cNvPr>
+          <p:cNvCxnSpPr>
+            <a:cxnSpLocks/>
+            <a:stCxn id="4" idx="3"/>
+            <a:endCxn id="6" idx="1"/>
+          </p:cNvCxnSpPr>
+          <p:nvPr/>
+        </p:nvCxnSpPr>
+        <p:spPr>
+          <a:xfrm flipV="1">
+            <a:off x="6096000" y="1936562"/>
+            <a:ext cx="490646" cy="598716"/>
+          </a:xfrm>
+          <a:prstGeom prst="curvedConnector3">
+            <a:avLst>
+              <a:gd name="adj1" fmla="val 50000"/>
+            </a:avLst>
+          </a:prstGeom>
+          <a:ln w="19050">
+            <a:solidFill>
+              <a:srgbClr val="172C51"/>
+            </a:solidFill>
+            <a:tailEnd type="triangle"/>
+          </a:ln>
+        </p:spPr>
+        <p:style>
+          <a:lnRef idx="1">
+            <a:schemeClr val="accent1"/>
+          </a:lnRef>
+          <a:fillRef idx="0">
+            <a:schemeClr val="accent1"/>
+          </a:fillRef>
+          <a:effectRef idx="0">
+            <a:schemeClr val="accent1"/>
+          </a:effectRef>
+          <a:fontRef idx="minor">
+            <a:schemeClr val="tx1"/>
+          </a:fontRef>
+        </p:style>
+      </p:cxnSp>
+      <p:cxnSp>
+        <p:nvCxnSpPr>
+          <p:cNvPr id="12" name="连接符: 曲线 11">
+            <a:extLst>
+              <a:ext uri="{FF2B5EF4-FFF2-40B4-BE49-F238E27FC236}">
+                <a16:creationId xmlns:a16="http://schemas.microsoft.com/office/drawing/2014/main" id="{0024D019-1187-4E47-ED29-31747DF089BA}"/>
+              </a:ext>
+            </a:extLst>
+          </p:cNvPr>
+          <p:cNvCxnSpPr>
+            <a:cxnSpLocks/>
+            <a:stCxn id="4" idx="3"/>
+            <a:endCxn id="8" idx="1"/>
+          </p:cNvCxnSpPr>
+          <p:nvPr/>
+        </p:nvCxnSpPr>
+        <p:spPr>
+          <a:xfrm>
+            <a:off x="6096000" y="2535278"/>
+            <a:ext cx="1248726" cy="756921"/>
+          </a:xfrm>
+          <a:prstGeom prst="curvedConnector3">
+            <a:avLst>
+              <a:gd name="adj1" fmla="val 50000"/>
+            </a:avLst>
+          </a:prstGeom>
+          <a:ln w="19050">
+            <a:solidFill>
+              <a:srgbClr val="172C51"/>
+            </a:solidFill>
+            <a:tailEnd type="triangle"/>
+          </a:ln>
+        </p:spPr>
+        <p:style>
+          <a:lnRef idx="1">
+            <a:schemeClr val="accent1"/>
+          </a:lnRef>
+          <a:fillRef idx="0">
+            <a:schemeClr val="accent1"/>
+          </a:fillRef>
+          <a:effectRef idx="0">
+            <a:schemeClr val="accent1"/>
+          </a:effectRef>
+          <a:fontRef idx="minor">
+            <a:schemeClr val="tx1"/>
+          </a:fontRef>
+        </p:style>
+      </p:cxnSp>
+      <p:cxnSp>
+        <p:nvCxnSpPr>
+          <p:cNvPr id="43" name="直接箭头连接符 42">
+            <a:extLst>
+              <a:ext uri="{FF2B5EF4-FFF2-40B4-BE49-F238E27FC236}">
+                <a16:creationId xmlns:a16="http://schemas.microsoft.com/office/drawing/2014/main" id="{F1518FA1-EEC8-8A10-8225-F775E3509E72}"/>
+              </a:ext>
+            </a:extLst>
+          </p:cNvPr>
+          <p:cNvCxnSpPr>
+            <a:cxnSpLocks/>
+            <a:stCxn id="19" idx="3"/>
+            <a:endCxn id="4" idx="1"/>
+          </p:cNvCxnSpPr>
+          <p:nvPr/>
+        </p:nvCxnSpPr>
+        <p:spPr>
+          <a:xfrm>
+            <a:off x="4189183" y="2532375"/>
+            <a:ext cx="277121" cy="2903"/>
+          </a:xfrm>
+          <a:prstGeom prst="straightConnector1">
+            <a:avLst/>
+          </a:prstGeom>
+          <a:ln w="19050">
+            <a:solidFill>
+              <a:srgbClr val="172C51"/>
+            </a:solidFill>
+            <a:tailEnd type="triangle"/>
+          </a:ln>
+        </p:spPr>
+        <p:style>
+          <a:lnRef idx="1">
+            <a:schemeClr val="accent1"/>
+          </a:lnRef>
+          <a:fillRef idx="0">
+            <a:schemeClr val="accent1"/>
+          </a:fillRef>
+          <a:effectRef idx="0">
+            <a:schemeClr val="accent1"/>
+          </a:effectRef>
+          <a:fontRef idx="minor">
+            <a:schemeClr val="tx1"/>
+          </a:fontRef>
+        </p:style>
+      </p:cxnSp>
+      <p:cxnSp>
+        <p:nvCxnSpPr>
+          <p:cNvPr id="48" name="直接箭头连接符 47">
+            <a:extLst>
+              <a:ext uri="{FF2B5EF4-FFF2-40B4-BE49-F238E27FC236}">
+                <a16:creationId xmlns:a16="http://schemas.microsoft.com/office/drawing/2014/main" id="{DE504E9E-C6AD-1EB1-77C3-0614A242397A}"/>
+              </a:ext>
+            </a:extLst>
+          </p:cNvPr>
+          <p:cNvCxnSpPr>
+            <a:cxnSpLocks/>
+            <a:stCxn id="16" idx="3"/>
+            <a:endCxn id="2" idx="1"/>
+          </p:cNvCxnSpPr>
+          <p:nvPr/>
+        </p:nvCxnSpPr>
+        <p:spPr>
+          <a:xfrm flipV="1">
+            <a:off x="4298844" y="4044006"/>
+            <a:ext cx="2330978" cy="1"/>
+          </a:xfrm>
+          <a:prstGeom prst="straightConnector1">
+            <a:avLst/>
+          </a:prstGeom>
+          <a:ln w="19050">
+            <a:solidFill>
+              <a:srgbClr val="172C51"/>
+            </a:solidFill>
+            <a:tailEnd type="triangle"/>
+          </a:ln>
+        </p:spPr>
+        <p:style>
+          <a:lnRef idx="1">
+            <a:schemeClr val="accent1"/>
+          </a:lnRef>
+          <a:fillRef idx="0">
+            <a:schemeClr val="accent1"/>
+          </a:fillRef>
+          <a:effectRef idx="0">
+            <a:schemeClr val="accent1"/>
+          </a:effectRef>
+          <a:fontRef idx="minor">
+            <a:schemeClr val="tx1"/>
+          </a:fontRef>
+        </p:style>
+      </p:cxnSp>
+      <p:sp>
+        <p:nvSpPr>
+          <p:cNvPr id="79" name="文本框 78">
+            <a:extLst>
+              <a:ext uri="{FF2B5EF4-FFF2-40B4-BE49-F238E27FC236}">
+                <a16:creationId xmlns:a16="http://schemas.microsoft.com/office/drawing/2014/main" id="{FC985448-4854-DC43-868F-C46F62D512A8}"/>
+              </a:ext>
+            </a:extLst>
+          </p:cNvPr>
+          <p:cNvSpPr txBox="1"/>
+          <p:nvPr/>
+        </p:nvSpPr>
+        <p:spPr>
+          <a:xfrm>
+            <a:off x="9281681" y="975872"/>
+            <a:ext cx="1475481" cy="369332"/>
+          </a:xfrm>
+          <a:prstGeom prst="rect">
+            <a:avLst/>
+          </a:prstGeom>
+          <a:noFill/>
+          <a:ln w="12700">
+            <a:solidFill>
+              <a:schemeClr val="tx1"/>
+            </a:solidFill>
+          </a:ln>
+        </p:spPr>
+        <p:txBody>
+          <a:bodyPr wrap="square" rtlCol="0">
+            <a:spAutoFit/>
+          </a:bodyPr>
+          <a:lstStyle>
+            <a:defPPr>
+              <a:defRPr lang="zh-CN"/>
+            </a:defPPr>
+            <a:lvl1pPr algn="ctr">
+              <a:defRPr/>
+            </a:lvl1pPr>
+          </a:lstStyle>
+          <a:p>
+            <a:r>
+              <a:rPr lang="en-US" altLang="zh-CN" dirty="0"/>
+              <a:t>SSG, 2017</a:t>
+            </a:r>
+            <a:endParaRPr lang="zh-CN" altLang="en-US" dirty="0"/>
+          </a:p>
+        </p:txBody>
+      </p:sp>
+      <p:cxnSp>
+        <p:nvCxnSpPr>
+          <p:cNvPr id="80" name="直接箭头连接符 79">
+            <a:extLst>
+              <a:ext uri="{FF2B5EF4-FFF2-40B4-BE49-F238E27FC236}">
+                <a16:creationId xmlns:a16="http://schemas.microsoft.com/office/drawing/2014/main" id="{E95174B2-4F3F-F352-63FB-51E660CFD814}"/>
+              </a:ext>
+            </a:extLst>
+          </p:cNvPr>
+          <p:cNvCxnSpPr>
+            <a:cxnSpLocks/>
+            <a:stCxn id="18" idx="3"/>
+            <a:endCxn id="79" idx="1"/>
+          </p:cNvCxnSpPr>
+          <p:nvPr/>
+        </p:nvCxnSpPr>
+        <p:spPr>
+          <a:xfrm flipV="1">
+            <a:off x="4189183" y="1160538"/>
+            <a:ext cx="5092498" cy="1"/>
+          </a:xfrm>
+          <a:prstGeom prst="straightConnector1">
+            <a:avLst/>
+          </a:prstGeom>
+          <a:ln w="19050">
+            <a:solidFill>
+              <a:srgbClr val="172C51"/>
+            </a:solidFill>
+            <a:tailEnd type="triangle"/>
+          </a:ln>
+        </p:spPr>
+        <p:style>
+          <a:lnRef idx="1">
+            <a:schemeClr val="accent1"/>
+          </a:lnRef>
+          <a:fillRef idx="0">
+            <a:schemeClr val="accent1"/>
+          </a:fillRef>
+          <a:effectRef idx="0">
+            <a:schemeClr val="accent1"/>
+          </a:effectRef>
+          <a:fontRef idx="minor">
+            <a:schemeClr val="tx1"/>
+          </a:fontRef>
+        </p:style>
+      </p:cxnSp>
+      <p:cxnSp>
+        <p:nvCxnSpPr>
+          <p:cNvPr id="95" name="直接连接符 94">
+            <a:extLst>
+              <a:ext uri="{FF2B5EF4-FFF2-40B4-BE49-F238E27FC236}">
+                <a16:creationId xmlns:a16="http://schemas.microsoft.com/office/drawing/2014/main" id="{29E9A136-D21C-DAD2-6064-A5BBB7FF7FBC}"/>
+              </a:ext>
+            </a:extLst>
+          </p:cNvPr>
+          <p:cNvCxnSpPr/>
+          <p:nvPr/>
+        </p:nvCxnSpPr>
+        <p:spPr>
+          <a:xfrm>
+            <a:off x="10012163" y="0"/>
+            <a:ext cx="0" cy="6858000"/>
+          </a:xfrm>
+          <a:prstGeom prst="line">
+            <a:avLst/>
+          </a:prstGeom>
+          <a:ln w="19050">
+            <a:solidFill>
+              <a:schemeClr val="accent3"/>
+            </a:solidFill>
+            <a:prstDash val="dash"/>
+          </a:ln>
+        </p:spPr>
+        <p:style>
+          <a:lnRef idx="1">
+            <a:schemeClr val="accent1"/>
+          </a:lnRef>
+          <a:fillRef idx="0">
+            <a:schemeClr val="accent1"/>
+          </a:fillRef>
+          <a:effectRef idx="0">
+            <a:schemeClr val="accent1"/>
+          </a:effectRef>
+          <a:fontRef idx="minor">
+            <a:schemeClr val="tx1"/>
+          </a:fontRef>
+        </p:style>
+      </p:cxnSp>
+      <p:sp>
+        <p:nvSpPr>
+          <p:cNvPr id="104" name="文本框 103">
+            <a:extLst>
+              <a:ext uri="{FF2B5EF4-FFF2-40B4-BE49-F238E27FC236}">
+                <a16:creationId xmlns:a16="http://schemas.microsoft.com/office/drawing/2014/main" id="{C4CDF24A-D385-0738-3A0E-25DDF8EC4DBA}"/>
+              </a:ext>
+            </a:extLst>
+          </p:cNvPr>
+          <p:cNvSpPr txBox="1"/>
+          <p:nvPr/>
+        </p:nvSpPr>
+        <p:spPr>
+          <a:xfrm>
+            <a:off x="270153" y="219371"/>
+            <a:ext cx="5550076" cy="461665"/>
+          </a:xfrm>
+          <a:prstGeom prst="rect">
+            <a:avLst/>
+          </a:prstGeom>
+          <a:noFill/>
+        </p:spPr>
+        <p:txBody>
+          <a:bodyPr wrap="square" rtlCol="0">
+            <a:spAutoFit/>
+          </a:bodyPr>
+          <a:lstStyle/>
+          <a:p>
+            <a:r>
+              <a:rPr lang="en-US" altLang="zh-CN" sz="2400" b="1" dirty="0"/>
+              <a:t>Before 2017: Intuitive</a:t>
+            </a:r>
+            <a:endParaRPr lang="zh-CN" altLang="en-US" sz="2400" b="1" dirty="0"/>
+          </a:p>
+        </p:txBody>
+      </p:sp>
+      <p:sp>
+        <p:nvSpPr>
+          <p:cNvPr id="106" name="文本框 105">
+            <a:extLst>
+              <a:ext uri="{FF2B5EF4-FFF2-40B4-BE49-F238E27FC236}">
+                <a16:creationId xmlns:a16="http://schemas.microsoft.com/office/drawing/2014/main" id="{CBCB8E12-86C2-49F7-8B51-98C6122D56A3}"/>
+              </a:ext>
+            </a:extLst>
+          </p:cNvPr>
+          <p:cNvSpPr txBox="1"/>
+          <p:nvPr/>
+        </p:nvSpPr>
+        <p:spPr>
+          <a:xfrm>
+            <a:off x="10258907" y="162015"/>
+            <a:ext cx="1933093" cy="461665"/>
+          </a:xfrm>
+          <a:prstGeom prst="rect">
+            <a:avLst/>
+          </a:prstGeom>
+          <a:noFill/>
+        </p:spPr>
+        <p:txBody>
+          <a:bodyPr wrap="square" rtlCol="0">
+            <a:spAutoFit/>
+          </a:bodyPr>
+          <a:lstStyle/>
+          <a:p>
+            <a:r>
+              <a:rPr lang="en-US" altLang="zh-CN" sz="2400" b="1" dirty="0"/>
+              <a:t>After 2017</a:t>
+            </a:r>
+            <a:endParaRPr lang="zh-CN" altLang="en-US" sz="2400" b="1" dirty="0"/>
+          </a:p>
+        </p:txBody>
+      </p:sp>
+      <p:sp>
+        <p:nvSpPr>
+          <p:cNvPr id="108" name="矩形 107">
+            <a:extLst>
+              <a:ext uri="{FF2B5EF4-FFF2-40B4-BE49-F238E27FC236}">
+                <a16:creationId xmlns:a16="http://schemas.microsoft.com/office/drawing/2014/main" id="{0AB1A3CB-26B5-5C8C-C860-3638F888F3DC}"/>
+              </a:ext>
+            </a:extLst>
+          </p:cNvPr>
+          <p:cNvSpPr/>
+          <p:nvPr/>
+        </p:nvSpPr>
+        <p:spPr>
+          <a:xfrm>
+            <a:off x="270153" y="703679"/>
+            <a:ext cx="8830304" cy="5994664"/>
+          </a:xfrm>
+          <a:prstGeom prst="rect">
+            <a:avLst/>
+          </a:prstGeom>
+          <a:ln w="19050">
+            <a:solidFill>
+              <a:schemeClr val="accent3"/>
+            </a:solidFill>
+            <a:prstDash val="dash"/>
+          </a:ln>
+        </p:spPr>
+        <p:style>
+          <a:lnRef idx="1">
+            <a:schemeClr val="accent1"/>
+          </a:lnRef>
+          <a:fillRef idx="0">
+            <a:schemeClr val="accent1"/>
+          </a:fillRef>
+          <a:effectRef idx="0">
+            <a:schemeClr val="accent1"/>
+          </a:effectRef>
+          <a:fontRef idx="minor">
+            <a:schemeClr val="tx1"/>
+          </a:fontRef>
+        </p:style>
+        <p:txBody>
+          <a:bodyPr rtlCol="0" anchor="ctr"/>
+          <a:lstStyle/>
+          <a:p>
+            <a:pPr algn="ctr"/>
+            <a:endParaRPr lang="zh-CN" altLang="en-US"/>
+          </a:p>
+        </p:txBody>
+      </p:sp>
+      <p:sp>
+        <p:nvSpPr>
+          <p:cNvPr id="110" name="文本框 109">
+            <a:extLst>
+              <a:ext uri="{FF2B5EF4-FFF2-40B4-BE49-F238E27FC236}">
+                <a16:creationId xmlns:a16="http://schemas.microsoft.com/office/drawing/2014/main" id="{5CF3427E-B8B0-E51E-404C-5E385729715A}"/>
+              </a:ext>
+            </a:extLst>
+          </p:cNvPr>
+          <p:cNvSpPr txBox="1"/>
+          <p:nvPr/>
+        </p:nvSpPr>
+        <p:spPr>
+          <a:xfrm>
+            <a:off x="9281681" y="1997910"/>
+            <a:ext cx="1475481" cy="646331"/>
+          </a:xfrm>
+          <a:prstGeom prst="rect">
+            <a:avLst/>
+          </a:prstGeom>
+          <a:noFill/>
+          <a:ln w="12700">
+            <a:solidFill>
+              <a:schemeClr val="tx1"/>
+            </a:solidFill>
+          </a:ln>
+        </p:spPr>
+        <p:txBody>
+          <a:bodyPr wrap="square" rtlCol="0">
+            <a:spAutoFit/>
+          </a:bodyPr>
+          <a:lstStyle>
+            <a:defPPr>
+              <a:defRPr lang="zh-CN"/>
+            </a:defPPr>
+            <a:lvl1pPr algn="ctr">
+              <a:defRPr/>
+            </a:lvl1pPr>
+          </a:lstStyle>
+          <a:p>
+            <a:r>
+              <a:rPr lang="en-US" altLang="zh-CN" dirty="0"/>
+              <a:t>Soft-DTW 2017</a:t>
+            </a:r>
+            <a:endParaRPr lang="zh-CN" altLang="en-US" dirty="0"/>
+          </a:p>
+        </p:txBody>
+      </p:sp>
+      <p:sp>
+        <p:nvSpPr>
+          <p:cNvPr id="111" name="文本框 110">
+            <a:extLst>
+              <a:ext uri="{FF2B5EF4-FFF2-40B4-BE49-F238E27FC236}">
+                <a16:creationId xmlns:a16="http://schemas.microsoft.com/office/drawing/2014/main" id="{F63CDFAA-7BF6-529B-D930-92DCF877381C}"/>
+              </a:ext>
+            </a:extLst>
+          </p:cNvPr>
+          <p:cNvSpPr txBox="1"/>
+          <p:nvPr/>
+        </p:nvSpPr>
+        <p:spPr>
+          <a:xfrm>
+            <a:off x="10580709" y="3143444"/>
+            <a:ext cx="1475481" cy="369332"/>
+          </a:xfrm>
+          <a:prstGeom prst="rect">
+            <a:avLst/>
+          </a:prstGeom>
+          <a:noFill/>
+          <a:ln w="12700">
+            <a:solidFill>
+              <a:schemeClr val="tx1"/>
+            </a:solidFill>
+          </a:ln>
+        </p:spPr>
+        <p:txBody>
+          <a:bodyPr wrap="square" rtlCol="0">
+            <a:spAutoFit/>
+          </a:bodyPr>
+          <a:lstStyle>
+            <a:defPPr>
+              <a:defRPr lang="zh-CN"/>
+            </a:defPPr>
+            <a:lvl1pPr algn="ctr">
+              <a:defRPr/>
+            </a:lvl1pPr>
+          </a:lstStyle>
+          <a:p>
+            <a:r>
+              <a:rPr lang="en-US" altLang="zh-CN" dirty="0"/>
+              <a:t>TTW, 2018</a:t>
+            </a:r>
+            <a:endParaRPr lang="zh-CN" altLang="en-US" dirty="0"/>
+          </a:p>
+        </p:txBody>
+      </p:sp>
+      <p:sp>
+        <p:nvSpPr>
+          <p:cNvPr id="124" name="文本框 123">
+            <a:extLst>
+              <a:ext uri="{FF2B5EF4-FFF2-40B4-BE49-F238E27FC236}">
+                <a16:creationId xmlns:a16="http://schemas.microsoft.com/office/drawing/2014/main" id="{8F7D9A7F-33BD-D19C-47BC-AF74604FEC72}"/>
+              </a:ext>
+            </a:extLst>
+          </p:cNvPr>
+          <p:cNvSpPr txBox="1"/>
+          <p:nvPr/>
+        </p:nvSpPr>
+        <p:spPr>
+          <a:xfrm>
+            <a:off x="464457" y="5776686"/>
+            <a:ext cx="7887589" cy="646331"/>
+          </a:xfrm>
+          <a:prstGeom prst="rect">
+            <a:avLst/>
+          </a:prstGeom>
+          <a:noFill/>
+        </p:spPr>
+        <p:txBody>
+          <a:bodyPr wrap="square" rtlCol="0">
+            <a:spAutoFit/>
+          </a:bodyPr>
+          <a:lstStyle/>
+          <a:p>
+            <a:r>
+              <a:rPr lang="en-US" altLang="zh-CN" dirty="0"/>
+              <a:t>1 </a:t>
+            </a:r>
+            <a:r>
+              <a:rPr lang="zh-CN" altLang="en-US" dirty="0"/>
+              <a:t>改进</a:t>
+            </a:r>
+            <a:r>
+              <a:rPr lang="en-US" altLang="zh-CN" dirty="0"/>
+              <a:t>NLAAF</a:t>
+            </a:r>
+            <a:r>
+              <a:rPr lang="zh-CN" altLang="en-US" dirty="0"/>
+              <a:t>算法</a:t>
+            </a:r>
+            <a:endParaRPr lang="en-US" altLang="zh-CN" dirty="0"/>
+          </a:p>
+          <a:p>
+            <a:r>
+              <a:rPr lang="en-US" altLang="zh-CN" dirty="0"/>
+              <a:t>2 </a:t>
+            </a:r>
+            <a:r>
+              <a:rPr lang="zh-CN" altLang="en-US" dirty="0"/>
+              <a:t>为</a:t>
+            </a:r>
+            <a:r>
+              <a:rPr lang="en-US" altLang="zh-CN" dirty="0"/>
+              <a:t>DBA</a:t>
+            </a:r>
+            <a:r>
+              <a:rPr lang="zh-CN" altLang="en-US" dirty="0"/>
+              <a:t>算法的出现做准备</a:t>
+            </a:r>
+          </a:p>
+        </p:txBody>
+      </p:sp>
+      <p:sp>
+        <p:nvSpPr>
+          <p:cNvPr id="126" name="文本框 125">
+            <a:extLst>
+              <a:ext uri="{FF2B5EF4-FFF2-40B4-BE49-F238E27FC236}">
+                <a16:creationId xmlns:a16="http://schemas.microsoft.com/office/drawing/2014/main" id="{33556331-7B8D-1B02-1057-C1CC8A9E53D4}"/>
+              </a:ext>
+            </a:extLst>
+          </p:cNvPr>
+          <p:cNvSpPr txBox="1"/>
+          <p:nvPr/>
+        </p:nvSpPr>
+        <p:spPr>
+          <a:xfrm>
+            <a:off x="9281681" y="3859340"/>
+            <a:ext cx="1475481" cy="369332"/>
+          </a:xfrm>
+          <a:prstGeom prst="rect">
+            <a:avLst/>
+          </a:prstGeom>
+          <a:noFill/>
+          <a:ln w="12700">
+            <a:solidFill>
+              <a:schemeClr val="tx1"/>
+            </a:solidFill>
+          </a:ln>
+        </p:spPr>
+        <p:txBody>
+          <a:bodyPr wrap="square" rtlCol="0">
+            <a:spAutoFit/>
+          </a:bodyPr>
+          <a:lstStyle>
+            <a:defPPr>
+              <a:defRPr lang="zh-CN"/>
+            </a:defPPr>
+            <a:lvl1pPr algn="ctr">
+              <a:defRPr/>
+            </a:lvl1pPr>
+          </a:lstStyle>
+          <a:p>
+            <a:r>
+              <a:rPr lang="en-US" altLang="zh-CN" dirty="0"/>
+              <a:t>CDBA, 2017</a:t>
+            </a:r>
+            <a:endParaRPr lang="zh-CN" altLang="en-US" dirty="0"/>
+          </a:p>
+        </p:txBody>
+      </p:sp>
+      <p:cxnSp>
+        <p:nvCxnSpPr>
+          <p:cNvPr id="127" name="直接箭头连接符 126">
+            <a:extLst>
+              <a:ext uri="{FF2B5EF4-FFF2-40B4-BE49-F238E27FC236}">
+                <a16:creationId xmlns:a16="http://schemas.microsoft.com/office/drawing/2014/main" id="{52B7F1A7-209E-AD82-D1A6-3BF001654F01}"/>
+              </a:ext>
+            </a:extLst>
+          </p:cNvPr>
+          <p:cNvCxnSpPr>
+            <a:cxnSpLocks/>
+            <a:stCxn id="2" idx="3"/>
+            <a:endCxn id="126" idx="1"/>
+          </p:cNvCxnSpPr>
+          <p:nvPr/>
+        </p:nvCxnSpPr>
+        <p:spPr>
+          <a:xfrm>
+            <a:off x="8105303" y="4044006"/>
+            <a:ext cx="1176378" cy="0"/>
+          </a:xfrm>
+          <a:prstGeom prst="straightConnector1">
+            <a:avLst/>
+          </a:prstGeom>
+          <a:ln w="19050">
+            <a:solidFill>
+              <a:srgbClr val="172C51"/>
+            </a:solidFill>
+            <a:tailEnd type="triangle"/>
+          </a:ln>
+        </p:spPr>
+        <p:style>
+          <a:lnRef idx="1">
+            <a:schemeClr val="accent1"/>
+          </a:lnRef>
+          <a:fillRef idx="0">
+            <a:schemeClr val="accent1"/>
+          </a:fillRef>
+          <a:effectRef idx="0">
+            <a:schemeClr val="accent1"/>
+          </a:effectRef>
+          <a:fontRef idx="minor">
+            <a:schemeClr val="tx1"/>
+          </a:fontRef>
+        </p:style>
+      </p:cxnSp>
+    </p:spTree>
+    <p:extLst>
+      <p:ext uri="{BB962C8B-B14F-4D97-AF65-F5344CB8AC3E}">
+        <p14:creationId xmlns:p14="http://schemas.microsoft.com/office/powerpoint/2010/main" val="865583698"/>
+      </p:ext>
+    </p:extLst>
+  </p:cSld>
+  <p:clrMapOvr>
+    <a:masterClrMapping/>
+  </p:clrMapOvr>
+</p:sld>
+</file>
+
+<file path=ppt/slides/slide6.xml><?xml version="1.0" encoding="utf-8"?>
+<p:sld xmlns:a="http://schemas.openxmlformats.org/drawingml/2006/main" xmlns:r="http://schemas.openxmlformats.org/officeDocument/2006/relationships" xmlns:p="http://schemas.openxmlformats.org/presentationml/2006/main">
+  <p:cSld>
+    <p:spTree>
+      <p:nvGrpSpPr>
+        <p:cNvPr id="1" name=""/>
+        <p:cNvGrpSpPr/>
+        <p:nvPr/>
+      </p:nvGrpSpPr>
+      <p:grpSpPr>
+        <a:xfrm>
+          <a:off x="0" y="0"/>
+          <a:ext cx="0" cy="0"/>
+          <a:chOff x="0" y="0"/>
+          <a:chExt cx="0" cy="0"/>
+        </a:xfrm>
+      </p:grpSpPr>
+      <p:sp>
+        <p:nvSpPr>
+          <p:cNvPr id="79" name="文本框 78">
+            <a:extLst>
+              <a:ext uri="{FF2B5EF4-FFF2-40B4-BE49-F238E27FC236}">
+                <a16:creationId xmlns:a16="http://schemas.microsoft.com/office/drawing/2014/main" id="{FC985448-4854-DC43-868F-C46F62D512A8}"/>
+              </a:ext>
+            </a:extLst>
+          </p:cNvPr>
+          <p:cNvSpPr txBox="1"/>
+          <p:nvPr/>
+        </p:nvSpPr>
+        <p:spPr>
+          <a:xfrm>
+            <a:off x="398938" y="990387"/>
+            <a:ext cx="1475481" cy="369332"/>
+          </a:xfrm>
+          <a:prstGeom prst="rect">
+            <a:avLst/>
+          </a:prstGeom>
+          <a:noFill/>
+          <a:ln w="12700">
+            <a:solidFill>
+              <a:schemeClr val="tx1"/>
+            </a:solidFill>
+          </a:ln>
+        </p:spPr>
+        <p:txBody>
+          <a:bodyPr wrap="square" rtlCol="0">
+            <a:spAutoFit/>
+          </a:bodyPr>
+          <a:lstStyle>
+            <a:defPPr>
+              <a:defRPr lang="zh-CN"/>
+            </a:defPPr>
+            <a:lvl1pPr algn="ctr">
+              <a:defRPr/>
+            </a:lvl1pPr>
+          </a:lstStyle>
+          <a:p>
+            <a:r>
+              <a:rPr lang="en-US" altLang="zh-CN" dirty="0"/>
+              <a:t>SSG, 2017</a:t>
+            </a:r>
+            <a:endParaRPr lang="zh-CN" altLang="en-US" dirty="0"/>
+          </a:p>
+        </p:txBody>
+      </p:sp>
+      <p:cxnSp>
+        <p:nvCxnSpPr>
+          <p:cNvPr id="95" name="直接连接符 94">
+            <a:extLst>
+              <a:ext uri="{FF2B5EF4-FFF2-40B4-BE49-F238E27FC236}">
+                <a16:creationId xmlns:a16="http://schemas.microsoft.com/office/drawing/2014/main" id="{29E9A136-D21C-DAD2-6064-A5BBB7FF7FBC}"/>
+              </a:ext>
+            </a:extLst>
+          </p:cNvPr>
+          <p:cNvCxnSpPr/>
+          <p:nvPr/>
+        </p:nvCxnSpPr>
+        <p:spPr>
+          <a:xfrm>
+            <a:off x="1129420" y="14515"/>
+            <a:ext cx="0" cy="6858000"/>
+          </a:xfrm>
+          <a:prstGeom prst="line">
+            <a:avLst/>
+          </a:prstGeom>
+          <a:ln w="19050">
+            <a:solidFill>
+              <a:schemeClr val="accent3"/>
+            </a:solidFill>
+            <a:prstDash val="dash"/>
+          </a:ln>
+        </p:spPr>
+        <p:style>
+          <a:lnRef idx="1">
+            <a:schemeClr val="accent1"/>
+          </a:lnRef>
+          <a:fillRef idx="0">
+            <a:schemeClr val="accent1"/>
+          </a:fillRef>
+          <a:effectRef idx="0">
+            <a:schemeClr val="accent1"/>
+          </a:effectRef>
+          <a:fontRef idx="minor">
+            <a:schemeClr val="tx1"/>
+          </a:fontRef>
+        </p:style>
+      </p:cxnSp>
+      <p:sp>
+        <p:nvSpPr>
+          <p:cNvPr id="106" name="文本框 105">
+            <a:extLst>
+              <a:ext uri="{FF2B5EF4-FFF2-40B4-BE49-F238E27FC236}">
+                <a16:creationId xmlns:a16="http://schemas.microsoft.com/office/drawing/2014/main" id="{CBCB8E12-86C2-49F7-8B51-98C6122D56A3}"/>
+              </a:ext>
+            </a:extLst>
+          </p:cNvPr>
+          <p:cNvSpPr txBox="1"/>
+          <p:nvPr/>
+        </p:nvSpPr>
+        <p:spPr>
+          <a:xfrm>
+            <a:off x="1376163" y="176530"/>
+            <a:ext cx="7434007" cy="461665"/>
+          </a:xfrm>
+          <a:prstGeom prst="rect">
+            <a:avLst/>
+          </a:prstGeom>
+          <a:noFill/>
+        </p:spPr>
+        <p:txBody>
+          <a:bodyPr wrap="square" rtlCol="0">
+            <a:spAutoFit/>
+          </a:bodyPr>
+          <a:lstStyle/>
+          <a:p>
+            <a:r>
+              <a:rPr lang="en-US" altLang="zh-CN" sz="2400" b="1" dirty="0"/>
+              <a:t>After 2017: Optimization</a:t>
+            </a:r>
+            <a:endParaRPr lang="zh-CN" altLang="en-US" sz="2400" b="1" dirty="0"/>
+          </a:p>
+        </p:txBody>
+      </p:sp>
+      <p:sp>
+        <p:nvSpPr>
+          <p:cNvPr id="110" name="文本框 109">
+            <a:extLst>
+              <a:ext uri="{FF2B5EF4-FFF2-40B4-BE49-F238E27FC236}">
+                <a16:creationId xmlns:a16="http://schemas.microsoft.com/office/drawing/2014/main" id="{5CF3427E-B8B0-E51E-404C-5E385729715A}"/>
+              </a:ext>
+            </a:extLst>
+          </p:cNvPr>
+          <p:cNvSpPr txBox="1"/>
+          <p:nvPr/>
+        </p:nvSpPr>
+        <p:spPr>
+          <a:xfrm>
+            <a:off x="398938" y="2012425"/>
+            <a:ext cx="1475481" cy="646331"/>
+          </a:xfrm>
+          <a:prstGeom prst="rect">
+            <a:avLst/>
+          </a:prstGeom>
+          <a:noFill/>
+          <a:ln w="12700">
+            <a:solidFill>
+              <a:schemeClr val="tx1"/>
+            </a:solidFill>
+          </a:ln>
+        </p:spPr>
+        <p:txBody>
+          <a:bodyPr wrap="square" rtlCol="0">
+            <a:spAutoFit/>
+          </a:bodyPr>
+          <a:lstStyle>
+            <a:defPPr>
+              <a:defRPr lang="zh-CN"/>
+            </a:defPPr>
+            <a:lvl1pPr algn="ctr">
+              <a:defRPr/>
+            </a:lvl1pPr>
+          </a:lstStyle>
+          <a:p>
+            <a:r>
+              <a:rPr lang="en-US" altLang="zh-CN" dirty="0"/>
+              <a:t>Soft-DTW 2017</a:t>
+            </a:r>
+            <a:endParaRPr lang="zh-CN" altLang="en-US" dirty="0"/>
+          </a:p>
+        </p:txBody>
+      </p:sp>
+      <p:sp>
+        <p:nvSpPr>
+          <p:cNvPr id="5" name="文本框 4">
+            <a:extLst>
+              <a:ext uri="{FF2B5EF4-FFF2-40B4-BE49-F238E27FC236}">
+                <a16:creationId xmlns:a16="http://schemas.microsoft.com/office/drawing/2014/main" id="{9323D4BA-FF1A-D867-2034-EC45186AF5BC}"/>
+              </a:ext>
+            </a:extLst>
+          </p:cNvPr>
+          <p:cNvSpPr txBox="1"/>
+          <p:nvPr/>
+        </p:nvSpPr>
+        <p:spPr>
+          <a:xfrm>
+            <a:off x="1604969" y="3168166"/>
+            <a:ext cx="1475481" cy="369332"/>
+          </a:xfrm>
+          <a:prstGeom prst="rect">
+            <a:avLst/>
+          </a:prstGeom>
+          <a:noFill/>
+          <a:ln w="12700">
+            <a:solidFill>
+              <a:schemeClr val="tx1"/>
+            </a:solidFill>
+          </a:ln>
+        </p:spPr>
+        <p:txBody>
+          <a:bodyPr wrap="square" rtlCol="0">
+            <a:spAutoFit/>
+          </a:bodyPr>
+          <a:lstStyle>
+            <a:defPPr>
+              <a:defRPr lang="zh-CN"/>
+            </a:defPPr>
+            <a:lvl1pPr algn="ctr">
+              <a:defRPr/>
+            </a:lvl1pPr>
+          </a:lstStyle>
+          <a:p>
+            <a:r>
+              <a:rPr lang="en-US" altLang="zh-CN" dirty="0"/>
+              <a:t>TTW, 2018</a:t>
+            </a:r>
+            <a:endParaRPr lang="zh-CN" altLang="en-US" dirty="0"/>
+          </a:p>
+        </p:txBody>
+      </p:sp>
+      <p:sp>
+        <p:nvSpPr>
+          <p:cNvPr id="31" name="文本框 30">
+            <a:extLst>
+              <a:ext uri="{FF2B5EF4-FFF2-40B4-BE49-F238E27FC236}">
+                <a16:creationId xmlns:a16="http://schemas.microsoft.com/office/drawing/2014/main" id="{B23C5582-01B1-B44E-D2C7-3CD3518DEBA7}"/>
+              </a:ext>
+            </a:extLst>
+          </p:cNvPr>
+          <p:cNvSpPr txBox="1"/>
+          <p:nvPr/>
+        </p:nvSpPr>
+        <p:spPr>
+          <a:xfrm>
+            <a:off x="3556000" y="932020"/>
+            <a:ext cx="3511505" cy="461665"/>
+          </a:xfrm>
+          <a:prstGeom prst="rect">
+            <a:avLst/>
+          </a:prstGeom>
+          <a:noFill/>
+        </p:spPr>
+        <p:txBody>
+          <a:bodyPr wrap="square">
+            <a:spAutoFit/>
+          </a:bodyPr>
+          <a:lstStyle/>
+          <a:p>
+            <a:pPr algn="ctr"/>
+            <a:r>
+              <a:rPr lang="en-US" altLang="zh-CN" sz="2400" dirty="0" err="1">
+                <a:solidFill>
+                  <a:schemeClr val="tx1"/>
+                </a:solidFill>
+              </a:rPr>
+              <a:t>Fr´echet</a:t>
+            </a:r>
+            <a:r>
+              <a:rPr lang="en-US" altLang="zh-CN" sz="2400" dirty="0">
+                <a:solidFill>
+                  <a:schemeClr val="tx1"/>
+                </a:solidFill>
+              </a:rPr>
+              <a:t> </a:t>
+            </a:r>
+            <a:r>
+              <a:rPr lang="en-US" altLang="zh-CN" sz="2400" dirty="0"/>
+              <a:t>F</a:t>
+            </a:r>
+            <a:r>
+              <a:rPr lang="en-US" altLang="zh-CN" sz="2400" dirty="0">
+                <a:solidFill>
+                  <a:schemeClr val="tx1"/>
+                </a:solidFill>
+              </a:rPr>
+              <a:t>unction</a:t>
+            </a:r>
+          </a:p>
+        </p:txBody>
+      </p:sp>
+      <p:pic>
+        <p:nvPicPr>
+          <p:cNvPr id="33" name="图片 32">
+            <a:extLst>
+              <a:ext uri="{FF2B5EF4-FFF2-40B4-BE49-F238E27FC236}">
+                <a16:creationId xmlns:a16="http://schemas.microsoft.com/office/drawing/2014/main" id="{AC493D76-BE37-606F-1A8D-D102F0F522A2}"/>
+              </a:ext>
+            </a:extLst>
+          </p:cNvPr>
+          <p:cNvPicPr>
+            <a:picLocks noChangeAspect="1"/>
+          </p:cNvPicPr>
+          <p:nvPr/>
+        </p:nvPicPr>
+        <p:blipFill>
+          <a:blip r:embed="rId3"/>
+          <a:stretch>
+            <a:fillRect/>
+          </a:stretch>
+        </p:blipFill>
+        <p:spPr>
+          <a:xfrm>
+            <a:off x="6803180" y="802022"/>
+            <a:ext cx="2584535" cy="748738"/>
+          </a:xfrm>
+          <a:prstGeom prst="rect">
+            <a:avLst/>
+          </a:prstGeom>
+        </p:spPr>
+      </p:pic>
+      <p:sp>
+        <p:nvSpPr>
+          <p:cNvPr id="35" name="文本框 34">
+            <a:extLst>
+              <a:ext uri="{FF2B5EF4-FFF2-40B4-BE49-F238E27FC236}">
+                <a16:creationId xmlns:a16="http://schemas.microsoft.com/office/drawing/2014/main" id="{1F15AFB2-94DF-DED6-8052-9EF511391C9A}"/>
+              </a:ext>
+            </a:extLst>
+          </p:cNvPr>
+          <p:cNvSpPr txBox="1"/>
+          <p:nvPr/>
+        </p:nvSpPr>
+        <p:spPr>
+          <a:xfrm>
+            <a:off x="3841020" y="1550760"/>
+            <a:ext cx="7368721" cy="923330"/>
+          </a:xfrm>
+          <a:prstGeom prst="rect">
+            <a:avLst/>
+          </a:prstGeom>
+          <a:noFill/>
+        </p:spPr>
+        <p:txBody>
+          <a:bodyPr wrap="square">
+            <a:spAutoFit/>
+          </a:bodyPr>
+          <a:lstStyle/>
+          <a:p>
+            <a:r>
+              <a:rPr lang="en-US" altLang="zh-CN" dirty="0"/>
+              <a:t>A polynomial-time algorithm for finding a global minimum of the non-differentiable, non-convex </a:t>
+            </a:r>
+            <a:r>
+              <a:rPr lang="en-US" altLang="zh-CN" dirty="0" err="1"/>
+              <a:t>Fr´echet</a:t>
+            </a:r>
+            <a:r>
+              <a:rPr lang="en-US" altLang="zh-CN" dirty="0"/>
+              <a:t> function is unknown.</a:t>
+            </a:r>
+            <a:endParaRPr lang="zh-CN" altLang="en-US" dirty="0"/>
+          </a:p>
+        </p:txBody>
+      </p:sp>
+      <p:sp>
+        <p:nvSpPr>
+          <p:cNvPr id="37" name="文本框 36">
+            <a:extLst>
+              <a:ext uri="{FF2B5EF4-FFF2-40B4-BE49-F238E27FC236}">
+                <a16:creationId xmlns:a16="http://schemas.microsoft.com/office/drawing/2014/main" id="{8A5D121E-7A49-C90D-D2AA-791C77FD2716}"/>
+              </a:ext>
+            </a:extLst>
+          </p:cNvPr>
+          <p:cNvSpPr txBox="1"/>
+          <p:nvPr/>
+        </p:nvSpPr>
+        <p:spPr>
+          <a:xfrm>
+            <a:off x="3841019" y="3040214"/>
+            <a:ext cx="8038923" cy="3477875"/>
+          </a:xfrm>
+          <a:prstGeom prst="rect">
+            <a:avLst/>
+          </a:prstGeom>
+          <a:noFill/>
+        </p:spPr>
+        <p:txBody>
+          <a:bodyPr wrap="square" rtlCol="0">
+            <a:spAutoFit/>
+          </a:bodyPr>
+          <a:lstStyle/>
+          <a:p>
+            <a:r>
+              <a:rPr lang="en-US" altLang="zh-CN" sz="2000" b="1" dirty="0"/>
+              <a:t>SSG</a:t>
+            </a:r>
+          </a:p>
+          <a:p>
+            <a:r>
+              <a:rPr lang="en-US" altLang="zh-CN" sz="2000" dirty="0"/>
+              <a:t>F = min{F_C1, F_C2, F_C3, …}, F_C is differentiable and convex function.</a:t>
+            </a:r>
+          </a:p>
+          <a:p>
+            <a:endParaRPr lang="en-US" altLang="zh-CN" sz="2000" b="1" dirty="0"/>
+          </a:p>
+          <a:p>
+            <a:r>
+              <a:rPr lang="en-US" altLang="zh-CN" sz="2000" b="1" dirty="0"/>
+              <a:t>Soft-DTW</a:t>
+            </a:r>
+          </a:p>
+          <a:p>
+            <a:r>
+              <a:rPr lang="en-US" altLang="zh-CN" sz="2000" dirty="0"/>
+              <a:t>DTW(min, +) -&gt; DTW(*, +)</a:t>
+            </a:r>
+          </a:p>
+          <a:p>
+            <a:endParaRPr lang="en-US" altLang="zh-CN" sz="2000" b="1" dirty="0"/>
+          </a:p>
+          <a:p>
+            <a:r>
+              <a:rPr lang="en-US" altLang="zh-CN" sz="2000" b="1" dirty="0"/>
+              <a:t>TTW</a:t>
+            </a:r>
+          </a:p>
+          <a:p>
+            <a:r>
+              <a:rPr lang="en-US" altLang="zh-CN" sz="2000" dirty="0"/>
+              <a:t>Translate Discrete Signal into Continuous Signal by </a:t>
+            </a:r>
+            <a:r>
+              <a:rPr lang="en-US" altLang="zh-CN" sz="2000" dirty="0" err="1"/>
+              <a:t>Sinc</a:t>
+            </a:r>
+            <a:r>
+              <a:rPr lang="en-US" altLang="zh-CN" sz="2000" dirty="0"/>
+              <a:t> function. And Take DTW as constraints of optimization problem. </a:t>
+            </a:r>
+          </a:p>
+        </p:txBody>
+      </p:sp>
+    </p:spTree>
+    <p:extLst>
+      <p:ext uri="{BB962C8B-B14F-4D97-AF65-F5344CB8AC3E}">
+        <p14:creationId xmlns:p14="http://schemas.microsoft.com/office/powerpoint/2010/main" val="187366209"/>
+      </p:ext>
+    </p:extLst>
+  </p:cSld>
+  <p:clrMapOvr>
+    <a:masterClrMapping/>
+  </p:clrMapOvr>
+</p:sld>
+</file>
+
+<file path=ppt/slides/slide7.xml><?xml version="1.0" encoding="utf-8"?>
+<p:sld xmlns:a="http://schemas.openxmlformats.org/drawingml/2006/main" xmlns:r="http://schemas.openxmlformats.org/officeDocument/2006/relationships" xmlns:p="http://schemas.openxmlformats.org/presentationml/2006/main">
+  <p:cSld>
+    <p:spTree>
+      <p:nvGrpSpPr>
+        <p:cNvPr id="1" name=""/>
+        <p:cNvGrpSpPr/>
+        <p:nvPr/>
+      </p:nvGrpSpPr>
+      <p:grpSpPr>
+        <a:xfrm>
+          <a:off x="0" y="0"/>
+          <a:ext cx="0" cy="0"/>
+          <a:chOff x="0" y="0"/>
+          <a:chExt cx="0" cy="0"/>
+        </a:xfrm>
+      </p:grpSpPr>
+      <p:sp>
+        <p:nvSpPr>
+          <p:cNvPr id="2" name="文本框 1">
+            <a:extLst>
+              <a:ext uri="{FF2B5EF4-FFF2-40B4-BE49-F238E27FC236}">
+                <a16:creationId xmlns:a16="http://schemas.microsoft.com/office/drawing/2014/main" id="{FA2DEFE6-4C42-164F-FD9B-3EBED220B343}"/>
+              </a:ext>
+            </a:extLst>
+          </p:cNvPr>
+          <p:cNvSpPr txBox="1"/>
+          <p:nvPr/>
+        </p:nvSpPr>
+        <p:spPr>
+          <a:xfrm>
+            <a:off x="878114" y="457200"/>
+            <a:ext cx="5021943" cy="3693319"/>
+          </a:xfrm>
+          <a:prstGeom prst="rect">
+            <a:avLst/>
+          </a:prstGeom>
+          <a:noFill/>
+        </p:spPr>
+        <p:txBody>
+          <a:bodyPr wrap="square" rtlCol="0">
+            <a:spAutoFit/>
+          </a:bodyPr>
+          <a:lstStyle/>
+          <a:p>
+            <a:pPr marL="342900" indent="-342900">
+              <a:buAutoNum type="arabicPeriod"/>
+            </a:pPr>
+            <a:r>
+              <a:rPr lang="en-US" altLang="zh-CN" dirty="0"/>
+              <a:t>Denoising Effect</a:t>
+            </a:r>
+          </a:p>
+          <a:p>
+            <a:pPr marL="342900" indent="-342900">
+              <a:buAutoNum type="arabicPeriod"/>
+            </a:pPr>
+            <a:endParaRPr lang="en-US" altLang="zh-CN" dirty="0"/>
+          </a:p>
+          <a:p>
+            <a:pPr marL="342900" indent="-342900">
+              <a:buAutoNum type="arabicPeriod"/>
+            </a:pPr>
+            <a:endParaRPr lang="en-US" altLang="zh-CN" dirty="0"/>
+          </a:p>
+          <a:p>
+            <a:pPr marL="342900" indent="-342900">
+              <a:buAutoNum type="arabicPeriod"/>
+            </a:pPr>
+            <a:r>
+              <a:rPr lang="en-US" altLang="zh-CN" dirty="0"/>
+              <a:t>ZCR</a:t>
+            </a:r>
+            <a:r>
+              <a:rPr lang="zh-CN" altLang="en-US" dirty="0"/>
+              <a:t> </a:t>
+            </a:r>
+            <a:r>
+              <a:rPr lang="en-US" altLang="zh-CN" dirty="0"/>
+              <a:t>Effect</a:t>
+            </a:r>
+          </a:p>
+          <a:p>
+            <a:pPr marL="342900" indent="-342900">
+              <a:buAutoNum type="arabicPeriod"/>
+            </a:pPr>
+            <a:endParaRPr lang="en-US" altLang="zh-CN" dirty="0"/>
+          </a:p>
+          <a:p>
+            <a:pPr marL="342900" indent="-342900">
+              <a:buAutoNum type="arabicPeriod"/>
+            </a:pPr>
+            <a:endParaRPr lang="en-US" altLang="zh-CN" dirty="0"/>
+          </a:p>
+          <a:p>
+            <a:pPr marL="342900" indent="-342900">
+              <a:buAutoNum type="arabicPeriod"/>
+            </a:pPr>
+            <a:r>
+              <a:rPr lang="en-US" altLang="zh-CN" dirty="0"/>
+              <a:t>Requirements</a:t>
+            </a:r>
+          </a:p>
+          <a:p>
+            <a:pPr marL="342900" indent="-342900">
+              <a:buAutoNum type="arabicPeriod"/>
+            </a:pPr>
+            <a:endParaRPr lang="en-US" altLang="zh-CN" dirty="0"/>
+          </a:p>
+          <a:p>
+            <a:pPr marL="342900" indent="-342900">
+              <a:buAutoNum type="arabicPeriod"/>
+            </a:pPr>
+            <a:endParaRPr lang="en-US" altLang="zh-CN" dirty="0"/>
+          </a:p>
+          <a:p>
+            <a:pPr marL="342900" indent="-342900">
+              <a:buAutoNum type="arabicPeriod"/>
+            </a:pPr>
+            <a:r>
+              <a:rPr lang="en-US" altLang="zh-CN" dirty="0"/>
+              <a:t>ACF</a:t>
+            </a:r>
+            <a:r>
+              <a:rPr lang="zh-CN" altLang="en-US" dirty="0"/>
+              <a:t> </a:t>
+            </a:r>
+            <a:r>
+              <a:rPr lang="en-US" altLang="zh-CN" dirty="0"/>
+              <a:t>Effect</a:t>
+            </a:r>
+          </a:p>
+          <a:p>
+            <a:pPr marL="342900" indent="-342900">
+              <a:buAutoNum type="arabicPeriod"/>
+            </a:pPr>
+            <a:endParaRPr lang="en-US" altLang="zh-CN" dirty="0"/>
+          </a:p>
+          <a:p>
+            <a:pPr marL="342900" indent="-342900">
+              <a:buAutoNum type="arabicPeriod"/>
+            </a:pPr>
+            <a:endParaRPr lang="en-US" altLang="zh-CN" dirty="0"/>
+          </a:p>
+          <a:p>
+            <a:pPr marL="342900" indent="-342900">
+              <a:buAutoNum type="arabicPeriod"/>
+            </a:pPr>
+            <a:endParaRPr lang="zh-CN" altLang="en-US" dirty="0"/>
+          </a:p>
+        </p:txBody>
+      </p:sp>
+      <p:cxnSp>
+        <p:nvCxnSpPr>
+          <p:cNvPr id="3" name="直接连接符 2">
+            <a:extLst>
+              <a:ext uri="{FF2B5EF4-FFF2-40B4-BE49-F238E27FC236}">
+                <a16:creationId xmlns:a16="http://schemas.microsoft.com/office/drawing/2014/main" id="{B5A2163E-849D-3C46-830B-53DCA8A0EA13}"/>
+              </a:ext>
+            </a:extLst>
+          </p:cNvPr>
+          <p:cNvCxnSpPr/>
+          <p:nvPr/>
+        </p:nvCxnSpPr>
+        <p:spPr>
+          <a:xfrm>
+            <a:off x="6064276" y="0"/>
+            <a:ext cx="0" cy="6858000"/>
+          </a:xfrm>
+          <a:prstGeom prst="line">
+            <a:avLst/>
+          </a:prstGeom>
+          <a:ln w="19050">
+            <a:solidFill>
+              <a:schemeClr val="accent3"/>
+            </a:solidFill>
+            <a:prstDash val="dash"/>
+          </a:ln>
+        </p:spPr>
+        <p:style>
+          <a:lnRef idx="1">
+            <a:schemeClr val="accent1"/>
+          </a:lnRef>
+          <a:fillRef idx="0">
+            <a:schemeClr val="accent1"/>
+          </a:fillRef>
+          <a:effectRef idx="0">
+            <a:schemeClr val="accent1"/>
+          </a:effectRef>
+          <a:fontRef idx="minor">
+            <a:schemeClr val="tx1"/>
+          </a:fontRef>
+        </p:style>
+      </p:cxnSp>
+    </p:spTree>
+    <p:extLst>
+      <p:ext uri="{BB962C8B-B14F-4D97-AF65-F5344CB8AC3E}">
+        <p14:creationId xmlns:p14="http://schemas.microsoft.com/office/powerpoint/2010/main" val="373948821"/>
+      </p:ext>
+    </p:extLst>
+  </p:cSld>
+  <p:clrMapOvr>
+    <a:masterClrMapping/>
+  </p:clrMapOvr>
+</p:sld>
+</file>
+
+<file path=ppt/slides/slide8.xml><?xml version="1.0" encoding="utf-8"?>
+<p:sld xmlns:a="http://schemas.openxmlformats.org/drawingml/2006/main" xmlns:r="http://schemas.openxmlformats.org/officeDocument/2006/relationships" xmlns:p="http://schemas.openxmlformats.org/presentationml/2006/main">
+  <p:cSld>
+    <p:spTree>
+      <p:nvGrpSpPr>
+        <p:cNvPr id="1" name=""/>
+        <p:cNvGrpSpPr/>
+        <p:nvPr/>
+      </p:nvGrpSpPr>
+      <p:grpSpPr>
+        <a:xfrm>
+          <a:off x="0" y="0"/>
+          <a:ext cx="0" cy="0"/>
+          <a:chOff x="0" y="0"/>
+          <a:chExt cx="0" cy="0"/>
+        </a:xfrm>
+      </p:grpSpPr>
+      <p:sp>
+        <p:nvSpPr>
+          <p:cNvPr id="2" name="文本框 1">
+            <a:extLst>
+              <a:ext uri="{FF2B5EF4-FFF2-40B4-BE49-F238E27FC236}">
+                <a16:creationId xmlns:a16="http://schemas.microsoft.com/office/drawing/2014/main" id="{FA2DEFE6-4C42-164F-FD9B-3EBED220B343}"/>
+              </a:ext>
+            </a:extLst>
+          </p:cNvPr>
+          <p:cNvSpPr txBox="1"/>
+          <p:nvPr/>
+        </p:nvSpPr>
+        <p:spPr>
+          <a:xfrm>
+            <a:off x="856343" y="442686"/>
+            <a:ext cx="9688286" cy="2862322"/>
+          </a:xfrm>
+          <a:prstGeom prst="rect">
+            <a:avLst/>
+          </a:prstGeom>
+          <a:noFill/>
+        </p:spPr>
+        <p:txBody>
+          <a:bodyPr wrap="square" rtlCol="0">
+            <a:spAutoFit/>
+          </a:bodyPr>
+          <a:lstStyle/>
+          <a:p>
+            <a:pPr marL="342900" indent="-342900">
+              <a:buAutoNum type="arabicPeriod"/>
+            </a:pPr>
+            <a:r>
+              <a:rPr lang="en-US" altLang="zh-CN" dirty="0"/>
+              <a:t>Respiration</a:t>
+            </a:r>
+          </a:p>
+          <a:p>
+            <a:pPr marL="342900" indent="-342900">
+              <a:buAutoNum type="arabicPeriod"/>
+            </a:pPr>
+            <a:endParaRPr lang="en-US" altLang="zh-CN" dirty="0"/>
+          </a:p>
+          <a:p>
+            <a:pPr marL="342900" indent="-342900">
+              <a:buAutoNum type="arabicPeriod"/>
+            </a:pPr>
+            <a:endParaRPr lang="en-US" altLang="zh-CN" dirty="0"/>
+          </a:p>
+          <a:p>
+            <a:pPr marL="342900" indent="-342900">
+              <a:buAutoNum type="arabicPeriod"/>
+            </a:pPr>
+            <a:r>
+              <a:rPr lang="en-US" altLang="zh-CN" dirty="0"/>
+              <a:t>Signal fusion</a:t>
+            </a:r>
+          </a:p>
+          <a:p>
+            <a:pPr marL="342900" indent="-342900">
+              <a:buAutoNum type="arabicPeriod"/>
+            </a:pPr>
+            <a:endParaRPr lang="en-US" altLang="zh-CN" dirty="0"/>
+          </a:p>
+          <a:p>
+            <a:pPr marL="342900" indent="-342900">
+              <a:buAutoNum type="arabicPeriod"/>
+            </a:pPr>
+            <a:endParaRPr lang="en-US" altLang="zh-CN" dirty="0"/>
+          </a:p>
+          <a:p>
+            <a:pPr marL="342900" indent="-342900">
+              <a:buAutoNum type="arabicPeriod"/>
+            </a:pPr>
+            <a:r>
+              <a:rPr lang="en-US" altLang="zh-CN" dirty="0"/>
+              <a:t>Why Respiration Pattern will appear?</a:t>
+            </a:r>
+          </a:p>
+          <a:p>
+            <a:pPr marL="342900" indent="-342900">
+              <a:buAutoNum type="arabicPeriod"/>
+            </a:pPr>
+            <a:endParaRPr lang="en-US" altLang="zh-CN" dirty="0"/>
+          </a:p>
+          <a:p>
+            <a:pPr marL="342900" indent="-342900">
+              <a:buAutoNum type="arabicPeriod"/>
+            </a:pPr>
+            <a:endParaRPr lang="en-US" altLang="zh-CN" dirty="0"/>
+          </a:p>
+          <a:p>
+            <a:pPr marL="342900" indent="-342900">
+              <a:buAutoNum type="arabicPeriod"/>
+            </a:pPr>
+            <a:endParaRPr lang="zh-CN" altLang="en-US" dirty="0"/>
+          </a:p>
+        </p:txBody>
+      </p:sp>
+      <p:cxnSp>
+        <p:nvCxnSpPr>
+          <p:cNvPr id="3" name="直接连接符 2">
+            <a:extLst>
+              <a:ext uri="{FF2B5EF4-FFF2-40B4-BE49-F238E27FC236}">
+                <a16:creationId xmlns:a16="http://schemas.microsoft.com/office/drawing/2014/main" id="{21E5095F-4561-06A0-B774-07506706D9A8}"/>
+              </a:ext>
+            </a:extLst>
+          </p:cNvPr>
+          <p:cNvCxnSpPr/>
+          <p:nvPr/>
+        </p:nvCxnSpPr>
+        <p:spPr>
+          <a:xfrm>
+            <a:off x="6064276" y="0"/>
+            <a:ext cx="0" cy="6858000"/>
+          </a:xfrm>
+          <a:prstGeom prst="line">
+            <a:avLst/>
+          </a:prstGeom>
+          <a:ln w="19050">
+            <a:solidFill>
+              <a:schemeClr val="accent3"/>
+            </a:solidFill>
+            <a:prstDash val="dash"/>
+          </a:ln>
+        </p:spPr>
+        <p:style>
+          <a:lnRef idx="1">
+            <a:schemeClr val="accent1"/>
+          </a:lnRef>
+          <a:fillRef idx="0">
+            <a:schemeClr val="accent1"/>
+          </a:fillRef>
+          <a:effectRef idx="0">
+            <a:schemeClr val="accent1"/>
+          </a:effectRef>
+          <a:fontRef idx="minor">
+            <a:schemeClr val="tx1"/>
+          </a:fontRef>
+        </p:style>
+      </p:cxnSp>
+    </p:spTree>
+    <p:extLst>
+      <p:ext uri="{BB962C8B-B14F-4D97-AF65-F5344CB8AC3E}">
+        <p14:creationId xmlns:p14="http://schemas.microsoft.com/office/powerpoint/2010/main" val="3896171719"/>
+      </p:ext>
+    </p:extLst>
+  </p:cSld>
+  <p:clrMapOvr>
+    <a:masterClrMapping/>
+  </p:clrMapOvr>
+</p:sld>
+</file>
+
+<file path=ppt/slides/slide9.xml><?xml version="1.0" encoding="utf-8"?>
+<p:sld xmlns:a="http://schemas.openxmlformats.org/drawingml/2006/main" xmlns:r="http://schemas.openxmlformats.org/officeDocument/2006/relationships" xmlns:p="http://schemas.openxmlformats.org/presentationml/2006/main">
+  <p:cSld>
+    <p:spTree>
+      <p:nvGrpSpPr>
+        <p:cNvPr id="1" name=""/>
+        <p:cNvGrpSpPr/>
+        <p:nvPr/>
+      </p:nvGrpSpPr>
+      <p:grpSpPr>
+        <a:xfrm>
+          <a:off x="0" y="0"/>
+          <a:ext cx="0" cy="0"/>
+          <a:chOff x="0" y="0"/>
+          <a:chExt cx="0" cy="0"/>
+        </a:xfrm>
+      </p:grpSpPr>
+      <p:cxnSp>
+        <p:nvCxnSpPr>
+          <p:cNvPr id="2" name="直接连接符 1">
+            <a:extLst>
+              <a:ext uri="{FF2B5EF4-FFF2-40B4-BE49-F238E27FC236}">
+                <a16:creationId xmlns:a16="http://schemas.microsoft.com/office/drawing/2014/main" id="{458985AA-D72F-1F5C-ED67-9281DC0CDCB1}"/>
+              </a:ext>
+            </a:extLst>
+          </p:cNvPr>
+          <p:cNvCxnSpPr/>
+          <p:nvPr/>
+        </p:nvCxnSpPr>
+        <p:spPr>
+          <a:xfrm>
+            <a:off x="6209419" y="0"/>
+            <a:ext cx="0" cy="6858000"/>
+          </a:xfrm>
+          <a:prstGeom prst="line">
+            <a:avLst/>
+          </a:prstGeom>
+          <a:ln w="19050">
+            <a:solidFill>
+              <a:schemeClr val="accent3"/>
+            </a:solidFill>
+            <a:prstDash val="dash"/>
+          </a:ln>
+        </p:spPr>
+        <p:style>
+          <a:lnRef idx="1">
+            <a:schemeClr val="accent1"/>
+          </a:lnRef>
+          <a:fillRef idx="0">
+            <a:schemeClr val="accent1"/>
+          </a:fillRef>
+          <a:effectRef idx="0">
+            <a:schemeClr val="accent1"/>
+          </a:effectRef>
+          <a:fontRef idx="minor">
+            <a:schemeClr val="tx1"/>
+          </a:fontRef>
+        </p:style>
+      </p:cxnSp>
+      <p:sp>
+        <p:nvSpPr>
+          <p:cNvPr id="4" name="文本框 3">
+            <a:extLst>
+              <a:ext uri="{FF2B5EF4-FFF2-40B4-BE49-F238E27FC236}">
+                <a16:creationId xmlns:a16="http://schemas.microsoft.com/office/drawing/2014/main" id="{5623878B-F779-191D-CA80-670DD122797C}"/>
+              </a:ext>
+            </a:extLst>
+          </p:cNvPr>
+          <p:cNvSpPr txBox="1"/>
+          <p:nvPr/>
+        </p:nvSpPr>
+        <p:spPr>
+          <a:xfrm>
+            <a:off x="464456" y="326571"/>
+            <a:ext cx="5370286" cy="369332"/>
+          </a:xfrm>
+          <a:prstGeom prst="rect">
+            <a:avLst/>
+          </a:prstGeom>
+          <a:noFill/>
+        </p:spPr>
+        <p:txBody>
+          <a:bodyPr wrap="square" rtlCol="0">
+            <a:spAutoFit/>
+          </a:bodyPr>
+          <a:lstStyle/>
+          <a:p>
+            <a:pPr algn="ctr"/>
+            <a:r>
+              <a:rPr lang="en-US" altLang="zh-CN" dirty="0"/>
+              <a:t>Time Series Average For Classification</a:t>
+            </a:r>
+            <a:endParaRPr lang="zh-CN" altLang="en-US" dirty="0"/>
+          </a:p>
+        </p:txBody>
+      </p:sp>
+      <p:sp>
+        <p:nvSpPr>
+          <p:cNvPr id="5" name="文本框 4">
+            <a:extLst>
+              <a:ext uri="{FF2B5EF4-FFF2-40B4-BE49-F238E27FC236}">
+                <a16:creationId xmlns:a16="http://schemas.microsoft.com/office/drawing/2014/main" id="{FE6BE75D-3732-78B1-21DF-21FA0BEA744D}"/>
+              </a:ext>
+            </a:extLst>
+          </p:cNvPr>
+          <p:cNvSpPr txBox="1"/>
+          <p:nvPr/>
+        </p:nvSpPr>
+        <p:spPr>
+          <a:xfrm>
+            <a:off x="6293811" y="326571"/>
+            <a:ext cx="5370286" cy="369332"/>
+          </a:xfrm>
+          <a:prstGeom prst="rect">
+            <a:avLst/>
+          </a:prstGeom>
+          <a:noFill/>
+        </p:spPr>
+        <p:txBody>
+          <a:bodyPr wrap="square" rtlCol="0">
+            <a:spAutoFit/>
+          </a:bodyPr>
+          <a:lstStyle/>
+          <a:p>
+            <a:pPr algn="ctr"/>
+            <a:r>
+              <a:rPr lang="en-US" altLang="zh-CN" dirty="0"/>
+              <a:t>Time Series Average For Regression</a:t>
+            </a:r>
+            <a:endParaRPr lang="zh-CN" altLang="en-US" dirty="0"/>
+          </a:p>
+        </p:txBody>
+      </p:sp>
+    </p:spTree>
+    <p:extLst>
+      <p:ext uri="{BB962C8B-B14F-4D97-AF65-F5344CB8AC3E}">
+        <p14:creationId xmlns:p14="http://schemas.microsoft.com/office/powerpoint/2010/main" val="2632979381"/>
+      </p:ext>
+    </p:extLst>
+  </p:cSld>
+  <p:clrMapOvr>
+    <a:masterClrMapping/>
+  </p:clrMapOvr>
+</p:sld>
+</file>
+
 <file path=ppt/theme/theme1.xml><?xml version="1.0" encoding="utf-8"?>
 <a:theme xmlns:a="http://schemas.openxmlformats.org/drawingml/2006/main" name="Office 主题​​">
   <a:themeElements>

--- a/Presentation_1120_JiayuChen.pptx
+++ b/Presentation_1120_JiayuChen.pptx
@@ -5,7 +5,7 @@
     <p:sldMasterId id="2147483648" r:id="rId1"/>
   </p:sldMasterIdLst>
   <p:notesMasterIdLst>
-    <p:notesMasterId r:id="rId23"/>
+    <p:notesMasterId r:id="rId26"/>
   </p:notesMasterIdLst>
   <p:sldIdLst>
     <p:sldId id="256" r:id="rId2"/>
@@ -18,17 +18,20 @@
     <p:sldId id="363" r:id="rId9"/>
     <p:sldId id="362" r:id="rId10"/>
     <p:sldId id="374" r:id="rId11"/>
-    <p:sldId id="351" r:id="rId12"/>
-    <p:sldId id="375" r:id="rId13"/>
-    <p:sldId id="376" r:id="rId14"/>
-    <p:sldId id="372" r:id="rId15"/>
-    <p:sldId id="369" r:id="rId16"/>
-    <p:sldId id="370" r:id="rId17"/>
-    <p:sldId id="368" r:id="rId18"/>
-    <p:sldId id="373" r:id="rId19"/>
-    <p:sldId id="346" r:id="rId20"/>
-    <p:sldId id="348" r:id="rId21"/>
-    <p:sldId id="263" r:id="rId22"/>
+    <p:sldId id="378" r:id="rId12"/>
+    <p:sldId id="351" r:id="rId13"/>
+    <p:sldId id="375" r:id="rId14"/>
+    <p:sldId id="380" r:id="rId15"/>
+    <p:sldId id="381" r:id="rId16"/>
+    <p:sldId id="376" r:id="rId17"/>
+    <p:sldId id="372" r:id="rId18"/>
+    <p:sldId id="369" r:id="rId19"/>
+    <p:sldId id="370" r:id="rId20"/>
+    <p:sldId id="368" r:id="rId21"/>
+    <p:sldId id="373" r:id="rId22"/>
+    <p:sldId id="346" r:id="rId23"/>
+    <p:sldId id="348" r:id="rId24"/>
+    <p:sldId id="263" r:id="rId25"/>
   </p:sldIdLst>
   <p:sldSz cx="12192000" cy="6858000"/>
   <p:notesSz cx="6858000" cy="9144000"/>
@@ -711,6 +714,9 @@
           <a:bodyPr/>
           <a:lstStyle/>
           <a:p>
+            <a:pPr marL="228600" indent="-228600">
+              <a:buAutoNum type="arabicPeriod"/>
+            </a:pPr>
             <a:endParaRPr lang="en-US" altLang="zh-CN" dirty="0"/>
           </a:p>
         </p:txBody>
@@ -741,7 +747,7 @@
     </p:spTree>
     <p:extLst>
       <p:ext uri="{BB962C8B-B14F-4D97-AF65-F5344CB8AC3E}">
-        <p14:creationId xmlns:p14="http://schemas.microsoft.com/office/powerpoint/2010/main" val="2073078653"/>
+        <p14:creationId xmlns:p14="http://schemas.microsoft.com/office/powerpoint/2010/main" val="1458394862"/>
       </p:ext>
     </p:extLst>
   </p:cSld>
@@ -795,9 +801,6 @@
           <a:bodyPr/>
           <a:lstStyle/>
           <a:p>
-            <a:pPr marL="228600" indent="-228600">
-              <a:buAutoNum type="arabicPeriod"/>
-            </a:pPr>
             <a:endParaRPr lang="en-US" altLang="zh-CN" dirty="0"/>
           </a:p>
         </p:txBody>
@@ -828,7 +831,7 @@
     </p:spTree>
     <p:extLst>
       <p:ext uri="{BB962C8B-B14F-4D97-AF65-F5344CB8AC3E}">
-        <p14:creationId xmlns:p14="http://schemas.microsoft.com/office/powerpoint/2010/main" val="828303217"/>
+        <p14:creationId xmlns:p14="http://schemas.microsoft.com/office/powerpoint/2010/main" val="2073078653"/>
       </p:ext>
     </p:extLst>
   </p:cSld>
@@ -915,7 +918,7 @@
     </p:spTree>
     <p:extLst>
       <p:ext uri="{BB962C8B-B14F-4D97-AF65-F5344CB8AC3E}">
-        <p14:creationId xmlns:p14="http://schemas.microsoft.com/office/powerpoint/2010/main" val="618167159"/>
+        <p14:creationId xmlns:p14="http://schemas.microsoft.com/office/powerpoint/2010/main" val="828303217"/>
       </p:ext>
     </p:extLst>
   </p:cSld>
@@ -969,7 +972,10 @@
           <a:bodyPr/>
           <a:lstStyle/>
           <a:p>
-            <a:endParaRPr lang="zh-CN" altLang="en-US" dirty="0"/>
+            <a:pPr marL="228600" indent="-228600">
+              <a:buAutoNum type="arabicPeriod"/>
+            </a:pPr>
+            <a:endParaRPr lang="en-US" altLang="zh-CN" dirty="0"/>
           </a:p>
         </p:txBody>
       </p:sp>
@@ -999,7 +1005,7 @@
     </p:spTree>
     <p:extLst>
       <p:ext uri="{BB962C8B-B14F-4D97-AF65-F5344CB8AC3E}">
-        <p14:creationId xmlns:p14="http://schemas.microsoft.com/office/powerpoint/2010/main" val="253085109"/>
+        <p14:creationId xmlns:p14="http://schemas.microsoft.com/office/powerpoint/2010/main" val="678843511"/>
       </p:ext>
     </p:extLst>
   </p:cSld>
@@ -1086,7 +1092,7 @@
     </p:spTree>
     <p:extLst>
       <p:ext uri="{BB962C8B-B14F-4D97-AF65-F5344CB8AC3E}">
-        <p14:creationId xmlns:p14="http://schemas.microsoft.com/office/powerpoint/2010/main" val="3895051595"/>
+        <p14:creationId xmlns:p14="http://schemas.microsoft.com/office/powerpoint/2010/main" val="3583067376"/>
       </p:ext>
     </p:extLst>
   </p:cSld>
@@ -1173,7 +1179,7 @@
     </p:spTree>
     <p:extLst>
       <p:ext uri="{BB962C8B-B14F-4D97-AF65-F5344CB8AC3E}">
-        <p14:creationId xmlns:p14="http://schemas.microsoft.com/office/powerpoint/2010/main" val="1568859390"/>
+        <p14:creationId xmlns:p14="http://schemas.microsoft.com/office/powerpoint/2010/main" val="618167159"/>
       </p:ext>
     </p:extLst>
   </p:cSld>
@@ -1227,10 +1233,7 @@
           <a:bodyPr/>
           <a:lstStyle/>
           <a:p>
-            <a:pPr marL="228600" indent="-228600">
-              <a:buAutoNum type="arabicPeriod"/>
-            </a:pPr>
-            <a:endParaRPr lang="en-US" altLang="zh-CN" dirty="0"/>
+            <a:endParaRPr lang="zh-CN" altLang="en-US" dirty="0"/>
           </a:p>
         </p:txBody>
       </p:sp>
@@ -1260,7 +1263,7 @@
     </p:spTree>
     <p:extLst>
       <p:ext uri="{BB962C8B-B14F-4D97-AF65-F5344CB8AC3E}">
-        <p14:creationId xmlns:p14="http://schemas.microsoft.com/office/powerpoint/2010/main" val="2006844102"/>
+        <p14:creationId xmlns:p14="http://schemas.microsoft.com/office/powerpoint/2010/main" val="253085109"/>
       </p:ext>
     </p:extLst>
   </p:cSld>
@@ -1314,7 +1317,10 @@
           <a:bodyPr/>
           <a:lstStyle/>
           <a:p>
-            <a:endParaRPr lang="zh-CN" altLang="en-US" dirty="0"/>
+            <a:pPr marL="228600" indent="-228600">
+              <a:buAutoNum type="arabicPeriod"/>
+            </a:pPr>
+            <a:endParaRPr lang="en-US" altLang="zh-CN" dirty="0"/>
           </a:p>
         </p:txBody>
       </p:sp>
@@ -1344,7 +1350,7 @@
     </p:spTree>
     <p:extLst>
       <p:ext uri="{BB962C8B-B14F-4D97-AF65-F5344CB8AC3E}">
-        <p14:creationId xmlns:p14="http://schemas.microsoft.com/office/powerpoint/2010/main" val="2910629398"/>
+        <p14:creationId xmlns:p14="http://schemas.microsoft.com/office/powerpoint/2010/main" val="3895051595"/>
       </p:ext>
     </p:extLst>
   </p:cSld>
@@ -1398,6 +1404,9 @@
           <a:bodyPr/>
           <a:lstStyle/>
           <a:p>
+            <a:pPr marL="228600" indent="-228600">
+              <a:buAutoNum type="arabicPeriod"/>
+            </a:pPr>
             <a:endParaRPr lang="en-US" altLang="zh-CN" dirty="0"/>
           </a:p>
         </p:txBody>
@@ -1428,7 +1437,7 @@
     </p:spTree>
     <p:extLst>
       <p:ext uri="{BB962C8B-B14F-4D97-AF65-F5344CB8AC3E}">
-        <p14:creationId xmlns:p14="http://schemas.microsoft.com/office/powerpoint/2010/main" val="3611980438"/>
+        <p14:creationId xmlns:p14="http://schemas.microsoft.com/office/powerpoint/2010/main" val="1568859390"/>
       </p:ext>
     </p:extLst>
   </p:cSld>
@@ -1566,6 +1575,9 @@
           <a:bodyPr/>
           <a:lstStyle/>
           <a:p>
+            <a:pPr marL="228600" indent="-228600">
+              <a:buAutoNum type="arabicPeriod"/>
+            </a:pPr>
             <a:endParaRPr lang="en-US" altLang="zh-CN" dirty="0"/>
           </a:p>
         </p:txBody>
@@ -1596,7 +1608,7 @@
     </p:spTree>
     <p:extLst>
       <p:ext uri="{BB962C8B-B14F-4D97-AF65-F5344CB8AC3E}">
-        <p14:creationId xmlns:p14="http://schemas.microsoft.com/office/powerpoint/2010/main" val="3040035200"/>
+        <p14:creationId xmlns:p14="http://schemas.microsoft.com/office/powerpoint/2010/main" val="2006844102"/>
       </p:ext>
     </p:extLst>
   </p:cSld>
@@ -1672,6 +1684,258 @@
             <a:fld id="{E39FA662-60CA-45D5-8BB1-0A7D21FB8FF0}" type="slidenum">
               <a:rPr lang="zh-CN" altLang="en-US" smtClean="0"/>
               <a:t>21</a:t>
+            </a:fld>
+            <a:endParaRPr lang="zh-CN" altLang="en-US"/>
+          </a:p>
+        </p:txBody>
+      </p:sp>
+    </p:spTree>
+    <p:extLst>
+      <p:ext uri="{BB962C8B-B14F-4D97-AF65-F5344CB8AC3E}">
+        <p14:creationId xmlns:p14="http://schemas.microsoft.com/office/powerpoint/2010/main" val="2910629398"/>
+      </p:ext>
+    </p:extLst>
+  </p:cSld>
+  <p:clrMapOvr>
+    <a:masterClrMapping/>
+  </p:clrMapOvr>
+</p:notes>
+</file>
+
+<file path=ppt/notesSlides/notesSlide22.xml><?xml version="1.0" encoding="utf-8"?>
+<p:notes xmlns:a="http://schemas.openxmlformats.org/drawingml/2006/main" xmlns:r="http://schemas.openxmlformats.org/officeDocument/2006/relationships" xmlns:p="http://schemas.openxmlformats.org/presentationml/2006/main">
+  <p:cSld>
+    <p:spTree>
+      <p:nvGrpSpPr>
+        <p:cNvPr id="1" name=""/>
+        <p:cNvGrpSpPr/>
+        <p:nvPr/>
+      </p:nvGrpSpPr>
+      <p:grpSpPr>
+        <a:xfrm>
+          <a:off x="0" y="0"/>
+          <a:ext cx="0" cy="0"/>
+          <a:chOff x="0" y="0"/>
+          <a:chExt cx="0" cy="0"/>
+        </a:xfrm>
+      </p:grpSpPr>
+      <p:sp>
+        <p:nvSpPr>
+          <p:cNvPr id="2" name="幻灯片图像占位符 1"/>
+          <p:cNvSpPr>
+            <a:spLocks noGrp="1" noRot="1" noChangeAspect="1"/>
+          </p:cNvSpPr>
+          <p:nvPr>
+            <p:ph type="sldImg"/>
+          </p:nvPr>
+        </p:nvSpPr>
+        <p:spPr/>
+      </p:sp>
+      <p:sp>
+        <p:nvSpPr>
+          <p:cNvPr id="3" name="备注占位符 2"/>
+          <p:cNvSpPr>
+            <a:spLocks noGrp="1"/>
+          </p:cNvSpPr>
+          <p:nvPr>
+            <p:ph type="body" idx="1"/>
+          </p:nvPr>
+        </p:nvSpPr>
+        <p:spPr/>
+        <p:txBody>
+          <a:bodyPr/>
+          <a:lstStyle/>
+          <a:p>
+            <a:endParaRPr lang="en-US" altLang="zh-CN" dirty="0"/>
+          </a:p>
+        </p:txBody>
+      </p:sp>
+      <p:sp>
+        <p:nvSpPr>
+          <p:cNvPr id="4" name="灯片编号占位符 3"/>
+          <p:cNvSpPr>
+            <a:spLocks noGrp="1"/>
+          </p:cNvSpPr>
+          <p:nvPr>
+            <p:ph type="sldNum" sz="quarter" idx="5"/>
+          </p:nvPr>
+        </p:nvSpPr>
+        <p:spPr/>
+        <p:txBody>
+          <a:bodyPr/>
+          <a:lstStyle/>
+          <a:p>
+            <a:fld id="{E39FA662-60CA-45D5-8BB1-0A7D21FB8FF0}" type="slidenum">
+              <a:rPr lang="zh-CN" altLang="en-US" smtClean="0"/>
+              <a:t>22</a:t>
+            </a:fld>
+            <a:endParaRPr lang="zh-CN" altLang="en-US"/>
+          </a:p>
+        </p:txBody>
+      </p:sp>
+    </p:spTree>
+    <p:extLst>
+      <p:ext uri="{BB962C8B-B14F-4D97-AF65-F5344CB8AC3E}">
+        <p14:creationId xmlns:p14="http://schemas.microsoft.com/office/powerpoint/2010/main" val="3611980438"/>
+      </p:ext>
+    </p:extLst>
+  </p:cSld>
+  <p:clrMapOvr>
+    <a:masterClrMapping/>
+  </p:clrMapOvr>
+</p:notes>
+</file>
+
+<file path=ppt/notesSlides/notesSlide23.xml><?xml version="1.0" encoding="utf-8"?>
+<p:notes xmlns:a="http://schemas.openxmlformats.org/drawingml/2006/main" xmlns:r="http://schemas.openxmlformats.org/officeDocument/2006/relationships" xmlns:p="http://schemas.openxmlformats.org/presentationml/2006/main">
+  <p:cSld>
+    <p:spTree>
+      <p:nvGrpSpPr>
+        <p:cNvPr id="1" name=""/>
+        <p:cNvGrpSpPr/>
+        <p:nvPr/>
+      </p:nvGrpSpPr>
+      <p:grpSpPr>
+        <a:xfrm>
+          <a:off x="0" y="0"/>
+          <a:ext cx="0" cy="0"/>
+          <a:chOff x="0" y="0"/>
+          <a:chExt cx="0" cy="0"/>
+        </a:xfrm>
+      </p:grpSpPr>
+      <p:sp>
+        <p:nvSpPr>
+          <p:cNvPr id="2" name="幻灯片图像占位符 1"/>
+          <p:cNvSpPr>
+            <a:spLocks noGrp="1" noRot="1" noChangeAspect="1"/>
+          </p:cNvSpPr>
+          <p:nvPr>
+            <p:ph type="sldImg"/>
+          </p:nvPr>
+        </p:nvSpPr>
+        <p:spPr/>
+      </p:sp>
+      <p:sp>
+        <p:nvSpPr>
+          <p:cNvPr id="3" name="备注占位符 2"/>
+          <p:cNvSpPr>
+            <a:spLocks noGrp="1"/>
+          </p:cNvSpPr>
+          <p:nvPr>
+            <p:ph type="body" idx="1"/>
+          </p:nvPr>
+        </p:nvSpPr>
+        <p:spPr/>
+        <p:txBody>
+          <a:bodyPr/>
+          <a:lstStyle/>
+          <a:p>
+            <a:endParaRPr lang="en-US" altLang="zh-CN" dirty="0"/>
+          </a:p>
+        </p:txBody>
+      </p:sp>
+      <p:sp>
+        <p:nvSpPr>
+          <p:cNvPr id="4" name="灯片编号占位符 3"/>
+          <p:cNvSpPr>
+            <a:spLocks noGrp="1"/>
+          </p:cNvSpPr>
+          <p:nvPr>
+            <p:ph type="sldNum" sz="quarter" idx="5"/>
+          </p:nvPr>
+        </p:nvSpPr>
+        <p:spPr/>
+        <p:txBody>
+          <a:bodyPr/>
+          <a:lstStyle/>
+          <a:p>
+            <a:fld id="{E39FA662-60CA-45D5-8BB1-0A7D21FB8FF0}" type="slidenum">
+              <a:rPr lang="zh-CN" altLang="en-US" smtClean="0"/>
+              <a:t>23</a:t>
+            </a:fld>
+            <a:endParaRPr lang="zh-CN" altLang="en-US"/>
+          </a:p>
+        </p:txBody>
+      </p:sp>
+    </p:spTree>
+    <p:extLst>
+      <p:ext uri="{BB962C8B-B14F-4D97-AF65-F5344CB8AC3E}">
+        <p14:creationId xmlns:p14="http://schemas.microsoft.com/office/powerpoint/2010/main" val="3040035200"/>
+      </p:ext>
+    </p:extLst>
+  </p:cSld>
+  <p:clrMapOvr>
+    <a:masterClrMapping/>
+  </p:clrMapOvr>
+</p:notes>
+</file>
+
+<file path=ppt/notesSlides/notesSlide24.xml><?xml version="1.0" encoding="utf-8"?>
+<p:notes xmlns:a="http://schemas.openxmlformats.org/drawingml/2006/main" xmlns:r="http://schemas.openxmlformats.org/officeDocument/2006/relationships" xmlns:p="http://schemas.openxmlformats.org/presentationml/2006/main">
+  <p:cSld>
+    <p:spTree>
+      <p:nvGrpSpPr>
+        <p:cNvPr id="1" name=""/>
+        <p:cNvGrpSpPr/>
+        <p:nvPr/>
+      </p:nvGrpSpPr>
+      <p:grpSpPr>
+        <a:xfrm>
+          <a:off x="0" y="0"/>
+          <a:ext cx="0" cy="0"/>
+          <a:chOff x="0" y="0"/>
+          <a:chExt cx="0" cy="0"/>
+        </a:xfrm>
+      </p:grpSpPr>
+      <p:sp>
+        <p:nvSpPr>
+          <p:cNvPr id="2" name="幻灯片图像占位符 1"/>
+          <p:cNvSpPr>
+            <a:spLocks noGrp="1" noRot="1" noChangeAspect="1"/>
+          </p:cNvSpPr>
+          <p:nvPr>
+            <p:ph type="sldImg"/>
+          </p:nvPr>
+        </p:nvSpPr>
+        <p:spPr/>
+      </p:sp>
+      <p:sp>
+        <p:nvSpPr>
+          <p:cNvPr id="3" name="备注占位符 2"/>
+          <p:cNvSpPr>
+            <a:spLocks noGrp="1"/>
+          </p:cNvSpPr>
+          <p:nvPr>
+            <p:ph type="body" idx="1"/>
+          </p:nvPr>
+        </p:nvSpPr>
+        <p:spPr/>
+        <p:txBody>
+          <a:bodyPr/>
+          <a:lstStyle/>
+          <a:p>
+            <a:endParaRPr lang="zh-CN" altLang="en-US" dirty="0"/>
+          </a:p>
+        </p:txBody>
+      </p:sp>
+      <p:sp>
+        <p:nvSpPr>
+          <p:cNvPr id="4" name="灯片编号占位符 3"/>
+          <p:cNvSpPr>
+            <a:spLocks noGrp="1"/>
+          </p:cNvSpPr>
+          <p:nvPr>
+            <p:ph type="sldNum" sz="quarter" idx="5"/>
+          </p:nvPr>
+        </p:nvSpPr>
+        <p:spPr/>
+        <p:txBody>
+          <a:bodyPr/>
+          <a:lstStyle/>
+          <a:p>
+            <a:fld id="{E39FA662-60CA-45D5-8BB1-0A7D21FB8FF0}" type="slidenum">
+              <a:rPr lang="zh-CN" altLang="en-US" smtClean="0"/>
+              <a:t>24</a:t>
             </a:fld>
             <a:endParaRPr lang="zh-CN" altLang="en-US"/>
           </a:p>
@@ -5635,55 +5899,6 @@
           <a:chExt cx="0" cy="0"/>
         </a:xfrm>
       </p:grpSpPr>
-      <p:sp>
-        <p:nvSpPr>
-          <p:cNvPr id="55" name="文本框 54">
-            <a:extLst>
-              <a:ext uri="{FF2B5EF4-FFF2-40B4-BE49-F238E27FC236}">
-                <a16:creationId xmlns:a16="http://schemas.microsoft.com/office/drawing/2014/main" id="{32A2BE86-86A6-F1FC-83EE-91A826B532E5}"/>
-              </a:ext>
-            </a:extLst>
-          </p:cNvPr>
-          <p:cNvSpPr txBox="1"/>
-          <p:nvPr/>
-        </p:nvSpPr>
-        <p:spPr>
-          <a:xfrm>
-            <a:off x="609600" y="106251"/>
-            <a:ext cx="4584920" cy="461665"/>
-          </a:xfrm>
-          <a:prstGeom prst="rect">
-            <a:avLst/>
-          </a:prstGeom>
-          <a:noFill/>
-        </p:spPr>
-        <p:txBody>
-          <a:bodyPr wrap="square" rtlCol="0">
-            <a:spAutoFit/>
-          </a:bodyPr>
-          <a:lstStyle>
-            <a:defPPr>
-              <a:defRPr lang="zh-CN"/>
-            </a:defPPr>
-            <a:lvl1pPr>
-              <a:defRPr sz="2400">
-                <a:latin typeface="Consolas" panose="020B0609020204030204" pitchFamily="49" charset="0"/>
-                <a:cs typeface="Times New Roman" panose="02020603050405020304" pitchFamily="18" charset="0"/>
-              </a:defRPr>
-            </a:lvl1pPr>
-          </a:lstStyle>
-          <a:p>
-            <a:r>
-              <a:rPr lang="en-US" altLang="zh-CN" dirty="0"/>
-              <a:t>Part_1: </a:t>
-            </a:r>
-            <a:r>
-              <a:rPr lang="en-US" altLang="zh-CN" sz="1400" dirty="0"/>
-              <a:t>Research - Getting Template</a:t>
-            </a:r>
-          </a:p>
-        </p:txBody>
-      </p:sp>
       <p:graphicFrame>
         <p:nvGraphicFramePr>
           <p:cNvPr id="2" name="表格 1">
@@ -5696,11 +5911,17 @@
           <p:cNvGraphicFramePr>
             <a:graphicFrameLocks noGrp="1"/>
           </p:cNvGraphicFramePr>
-          <p:nvPr/>
+          <p:nvPr>
+            <p:extLst>
+              <p:ext uri="{D42A27DB-BD31-4B8C-83A1-F6EECF244321}">
+                <p14:modId xmlns:p14="http://schemas.microsoft.com/office/powerpoint/2010/main" val="542863375"/>
+              </p:ext>
+            </p:extLst>
+          </p:nvPr>
         </p:nvGraphicFramePr>
         <p:xfrm>
-          <a:off x="2902060" y="1000935"/>
-          <a:ext cx="4812665" cy="1849120"/>
+          <a:off x="2778235" y="842779"/>
+          <a:ext cx="6783245" cy="2219960"/>
         </p:xfrm>
         <a:graphic>
           <a:graphicData uri="http://schemas.openxmlformats.org/drawingml/2006/table">
@@ -5709,21 +5930,21 @@
                 <a:tableStyleId>{5C22544A-7EE6-4342-B048-85BDC9FD1C3A}</a:tableStyleId>
               </a:tblPr>
               <a:tblGrid>
-                <a:gridCol w="1060767">
+                <a:gridCol w="1687830">
                   <a:extLst>
                     <a:ext uri="{9D8B030D-6E8A-4147-A177-3AD203B41FA5}">
                       <a16:colId xmlns:a16="http://schemas.microsoft.com/office/drawing/2014/main" val="2721979233"/>
                     </a:ext>
                   </a:extLst>
                 </a:gridCol>
-                <a:gridCol w="1938655">
+                <a:gridCol w="2490951">
                   <a:extLst>
                     <a:ext uri="{9D8B030D-6E8A-4147-A177-3AD203B41FA5}">
                       <a16:colId xmlns:a16="http://schemas.microsoft.com/office/drawing/2014/main" val="3887092843"/>
                     </a:ext>
                   </a:extLst>
                 </a:gridCol>
-                <a:gridCol w="1813243">
+                <a:gridCol w="2604464">
                   <a:extLst>
                     <a:ext uri="{9D8B030D-6E8A-4147-A177-3AD203B41FA5}">
                       <a16:colId xmlns:a16="http://schemas.microsoft.com/office/drawing/2014/main" val="68501977"/>
@@ -5780,6 +6001,89 @@
                 <a:extLst>
                   <a:ext uri="{0D108BD9-81ED-4DB2-BD59-A6C34878D82A}">
                     <a16:rowId xmlns:a16="http://schemas.microsoft.com/office/drawing/2014/main" val="3312699029"/>
+                  </a:ext>
+                </a:extLst>
+              </a:tr>
+              <a:tr h="370840">
+                <a:tc>
+                  <a:txBody>
+                    <a:bodyPr/>
+                    <a:lstStyle/>
+                    <a:p>
+                      <a:pPr algn="ctr"/>
+                      <a:r>
+                        <a:rPr lang="en-US" altLang="zh-CN" dirty="0"/>
+                        <a:t>No Template</a:t>
+                      </a:r>
+                    </a:p>
+                  </a:txBody>
+                  <a:tcPr/>
+                </a:tc>
+                <a:tc>
+                  <a:txBody>
+                    <a:bodyPr/>
+                    <a:lstStyle/>
+                    <a:p>
+                      <a:pPr marL="0" marR="0" lvl="0" indent="0" algn="ctr" defTabSz="914400" rtl="0" eaLnBrk="1" fontAlgn="auto" latinLnBrk="0" hangingPunct="1">
+                        <a:lnSpc>
+                          <a:spcPct val="100000"/>
+                        </a:lnSpc>
+                        <a:spcBef>
+                          <a:spcPts val="0"/>
+                        </a:spcBef>
+                        <a:spcAft>
+                          <a:spcPts val="0"/>
+                        </a:spcAft>
+                        <a:buClrTx/>
+                        <a:buSzTx/>
+                        <a:buFontTx/>
+                        <a:buNone/>
+                        <a:tabLst/>
+                        <a:defRPr/>
+                      </a:pPr>
+                      <a:r>
+                        <a:rPr lang="en-US" altLang="zh-CN" dirty="0"/>
+                        <a:t>0.79 / 1.64</a:t>
+                      </a:r>
+                      <a:endParaRPr lang="zh-CN" altLang="en-US" dirty="0"/>
+                    </a:p>
+                  </a:txBody>
+                  <a:tcPr/>
+                </a:tc>
+                <a:tc>
+                  <a:txBody>
+                    <a:bodyPr/>
+                    <a:lstStyle/>
+                    <a:p>
+                      <a:pPr marL="0" marR="0" lvl="0" indent="0" algn="ctr" defTabSz="914400" rtl="0" eaLnBrk="1" fontAlgn="auto" latinLnBrk="0" hangingPunct="1">
+                        <a:lnSpc>
+                          <a:spcPct val="100000"/>
+                        </a:lnSpc>
+                        <a:spcBef>
+                          <a:spcPts val="0"/>
+                        </a:spcBef>
+                        <a:spcAft>
+                          <a:spcPts val="0"/>
+                        </a:spcAft>
+                        <a:buClrTx/>
+                        <a:buSzTx/>
+                        <a:buFontTx/>
+                        <a:buNone/>
+                        <a:tabLst/>
+                        <a:defRPr/>
+                      </a:pPr>
+                      <a:r>
+                        <a:rPr lang="en-US" altLang="zh-CN" dirty="0"/>
+                        <a:t>1.79 / 4.31</a:t>
+                      </a:r>
+                      <a:endParaRPr lang="zh-CN" altLang="en-US" dirty="0"/>
+                    </a:p>
+                  </a:txBody>
+                  <a:tcPr/>
+                </a:tc>
+                <a:extLst>
+                  <a:ext uri="{0D108BD9-81ED-4DB2-BD59-A6C34878D82A}">
+                    <a16:rowId xmlns:a16="http://schemas.microsoft.com/office/drawing/2014/main" val="116356882"/>
                   </a:ext>
                 </a:extLst>
               </a:tr>
@@ -6002,7 +6306,15 @@
                       <a:pPr algn="ctr"/>
                       <a:r>
                         <a:rPr lang="en-US" altLang="zh-CN" u="sng" dirty="0"/>
-                        <a:t>2.05 / 1.96</a:t>
+                        <a:t>2.05</a:t>
+                      </a:r>
+                      <a:r>
+                        <a:rPr lang="en-US" altLang="zh-CN" u="none" dirty="0"/>
+                        <a:t> / </a:t>
+                      </a:r>
+                      <a:r>
+                        <a:rPr lang="en-US" altLang="zh-CN" u="sng" dirty="0"/>
+                        <a:t>1.96</a:t>
                       </a:r>
                       <a:endParaRPr lang="zh-CN" altLang="en-US" u="sng" dirty="0"/>
                     </a:p>
@@ -6017,7 +6329,15 @@
                       <a:pPr algn="ctr"/>
                       <a:r>
                         <a:rPr lang="en-US" altLang="zh-CN" u="sng" dirty="0"/>
-                        <a:t>3.43 / 4.15</a:t>
+                        <a:t>3.43</a:t>
+                      </a:r>
+                      <a:r>
+                        <a:rPr lang="en-US" altLang="zh-CN" u="none" dirty="0"/>
+                        <a:t> / </a:t>
+                      </a:r>
+                      <a:r>
+                        <a:rPr lang="en-US" altLang="zh-CN" u="sng" dirty="0"/>
+                        <a:t>4.15</a:t>
                       </a:r>
                       <a:endParaRPr lang="zh-CN" altLang="en-US" u="sng" dirty="0"/>
                     </a:p>
@@ -6048,16 +6368,15 @@
           </p:cNvPicPr>
           <p:nvPr/>
         </p:nvPicPr>
-        <p:blipFill>
+        <p:blipFill rotWithShape="1">
           <a:blip r:embed="rId3"/>
-          <a:stretch>
-            <a:fillRect/>
-          </a:stretch>
+          <a:srcRect t="4186"/>
+          <a:stretch/>
         </p:blipFill>
         <p:spPr>
           <a:xfrm>
-            <a:off x="609600" y="4466160"/>
-            <a:ext cx="4240797" cy="2285589"/>
+            <a:off x="840781" y="3147364"/>
+            <a:ext cx="4240797" cy="2189915"/>
           </a:xfrm>
           <a:prstGeom prst="rect">
             <a:avLst/>
@@ -6086,7 +6405,7 @@
         </p:blipFill>
         <p:spPr>
           <a:xfrm>
-            <a:off x="4850397" y="4516122"/>
+            <a:off x="5081578" y="3147366"/>
             <a:ext cx="6376135" cy="2094238"/>
           </a:xfrm>
           <a:prstGeom prst="rect">
@@ -6094,6 +6413,742 @@
           </a:prstGeom>
         </p:spPr>
       </p:pic>
+      <p:sp>
+        <p:nvSpPr>
+          <p:cNvPr id="3" name="文本框 2">
+            <a:extLst>
+              <a:ext uri="{FF2B5EF4-FFF2-40B4-BE49-F238E27FC236}">
+                <a16:creationId xmlns:a16="http://schemas.microsoft.com/office/drawing/2014/main" id="{FDD7BE27-0713-455D-3173-DE448A1556B2}"/>
+              </a:ext>
+            </a:extLst>
+          </p:cNvPr>
+          <p:cNvSpPr txBox="1"/>
+          <p:nvPr/>
+        </p:nvSpPr>
+        <p:spPr>
+          <a:xfrm>
+            <a:off x="609599" y="503493"/>
+            <a:ext cx="3599543" cy="369332"/>
+          </a:xfrm>
+          <a:prstGeom prst="rect">
+            <a:avLst/>
+          </a:prstGeom>
+          <a:noFill/>
+        </p:spPr>
+        <p:txBody>
+          <a:bodyPr wrap="square" rtlCol="0">
+            <a:spAutoFit/>
+          </a:bodyPr>
+          <a:lstStyle/>
+          <a:p>
+            <a:r>
+              <a:rPr lang="en-US" altLang="zh-CN" dirty="0"/>
+              <a:t>2. Effectiveness of NLAAF</a:t>
+            </a:r>
+            <a:endParaRPr lang="zh-CN" altLang="en-US" dirty="0"/>
+          </a:p>
+        </p:txBody>
+      </p:sp>
+      <p:cxnSp>
+        <p:nvCxnSpPr>
+          <p:cNvPr id="5" name="直接连接符 4">
+            <a:extLst>
+              <a:ext uri="{FF2B5EF4-FFF2-40B4-BE49-F238E27FC236}">
+                <a16:creationId xmlns:a16="http://schemas.microsoft.com/office/drawing/2014/main" id="{F1062703-2BE8-66D5-2C6D-9F64A3AAB594}"/>
+              </a:ext>
+            </a:extLst>
+          </p:cNvPr>
+          <p:cNvCxnSpPr>
+            <a:cxnSpLocks/>
+          </p:cNvCxnSpPr>
+          <p:nvPr/>
+        </p:nvCxnSpPr>
+        <p:spPr>
+          <a:xfrm>
+            <a:off x="3412838" y="3847791"/>
+            <a:ext cx="0" cy="666750"/>
+          </a:xfrm>
+          <a:prstGeom prst="line">
+            <a:avLst/>
+          </a:prstGeom>
+          <a:ln w="19050">
+            <a:solidFill>
+              <a:srgbClr val="FF0000"/>
+            </a:solidFill>
+            <a:prstDash val="sysDash"/>
+          </a:ln>
+        </p:spPr>
+        <p:style>
+          <a:lnRef idx="1">
+            <a:schemeClr val="accent1"/>
+          </a:lnRef>
+          <a:fillRef idx="0">
+            <a:schemeClr val="accent1"/>
+          </a:fillRef>
+          <a:effectRef idx="0">
+            <a:schemeClr val="accent1"/>
+          </a:effectRef>
+          <a:fontRef idx="minor">
+            <a:schemeClr val="tx1"/>
+          </a:fontRef>
+        </p:style>
+      </p:cxnSp>
+      <p:cxnSp>
+        <p:nvCxnSpPr>
+          <p:cNvPr id="9" name="直接连接符 8">
+            <a:extLst>
+              <a:ext uri="{FF2B5EF4-FFF2-40B4-BE49-F238E27FC236}">
+                <a16:creationId xmlns:a16="http://schemas.microsoft.com/office/drawing/2014/main" id="{3BA4E937-749B-50FB-E15E-D530A387B7B2}"/>
+              </a:ext>
+            </a:extLst>
+          </p:cNvPr>
+          <p:cNvCxnSpPr>
+            <a:cxnSpLocks/>
+          </p:cNvCxnSpPr>
+          <p:nvPr/>
+        </p:nvCxnSpPr>
+        <p:spPr>
+          <a:xfrm flipH="1">
+            <a:off x="3412838" y="3847791"/>
+            <a:ext cx="82550" cy="666750"/>
+          </a:xfrm>
+          <a:prstGeom prst="line">
+            <a:avLst/>
+          </a:prstGeom>
+          <a:ln w="19050">
+            <a:solidFill>
+              <a:srgbClr val="FF0000"/>
+            </a:solidFill>
+            <a:prstDash val="sysDash"/>
+          </a:ln>
+        </p:spPr>
+        <p:style>
+          <a:lnRef idx="1">
+            <a:schemeClr val="accent1"/>
+          </a:lnRef>
+          <a:fillRef idx="0">
+            <a:schemeClr val="accent1"/>
+          </a:fillRef>
+          <a:effectRef idx="0">
+            <a:schemeClr val="accent1"/>
+          </a:effectRef>
+          <a:fontRef idx="minor">
+            <a:schemeClr val="tx1"/>
+          </a:fontRef>
+        </p:style>
+      </p:cxnSp>
+      <p:sp>
+        <p:nvSpPr>
+          <p:cNvPr id="12" name="矩形 11">
+            <a:extLst>
+              <a:ext uri="{FF2B5EF4-FFF2-40B4-BE49-F238E27FC236}">
+                <a16:creationId xmlns:a16="http://schemas.microsoft.com/office/drawing/2014/main" id="{B01FE9E3-E759-F2AC-0111-DA236D50CB9A}"/>
+              </a:ext>
+            </a:extLst>
+          </p:cNvPr>
+          <p:cNvSpPr/>
+          <p:nvPr/>
+        </p:nvSpPr>
+        <p:spPr>
+          <a:xfrm>
+            <a:off x="8469026" y="4124017"/>
+            <a:ext cx="766763" cy="438150"/>
+          </a:xfrm>
+          <a:prstGeom prst="rect">
+            <a:avLst/>
+          </a:prstGeom>
+          <a:noFill/>
+          <a:ln w="19050">
+            <a:solidFill>
+              <a:srgbClr val="FF0000"/>
+            </a:solidFill>
+          </a:ln>
+        </p:spPr>
+        <p:style>
+          <a:lnRef idx="2">
+            <a:schemeClr val="accent1">
+              <a:shade val="15000"/>
+            </a:schemeClr>
+          </a:lnRef>
+          <a:fillRef idx="1">
+            <a:schemeClr val="accent1"/>
+          </a:fillRef>
+          <a:effectRef idx="0">
+            <a:schemeClr val="accent1"/>
+          </a:effectRef>
+          <a:fontRef idx="minor">
+            <a:schemeClr val="lt1"/>
+          </a:fontRef>
+        </p:style>
+        <p:txBody>
+          <a:bodyPr rtlCol="0" anchor="ctr"/>
+          <a:lstStyle/>
+          <a:p>
+            <a:pPr algn="ctr"/>
+            <a:endParaRPr lang="zh-CN" altLang="en-US" dirty="0"/>
+          </a:p>
+        </p:txBody>
+      </p:sp>
+      <p:sp>
+        <p:nvSpPr>
+          <p:cNvPr id="15" name="文本框 14">
+            <a:extLst>
+              <a:ext uri="{FF2B5EF4-FFF2-40B4-BE49-F238E27FC236}">
+                <a16:creationId xmlns:a16="http://schemas.microsoft.com/office/drawing/2014/main" id="{AD958C84-3860-2DD2-BAA2-CE019C88E1EB}"/>
+              </a:ext>
+            </a:extLst>
+          </p:cNvPr>
+          <p:cNvSpPr txBox="1"/>
+          <p:nvPr/>
+        </p:nvSpPr>
+        <p:spPr>
+          <a:xfrm>
+            <a:off x="1014424" y="5138058"/>
+            <a:ext cx="6096000" cy="1754326"/>
+          </a:xfrm>
+          <a:prstGeom prst="rect">
+            <a:avLst/>
+          </a:prstGeom>
+          <a:noFill/>
+        </p:spPr>
+        <p:txBody>
+          <a:bodyPr wrap="square">
+            <a:spAutoFit/>
+          </a:bodyPr>
+          <a:lstStyle/>
+          <a:p>
+            <a:pPr marL="0" marR="0" lvl="0" indent="0" algn="l" defTabSz="914400" rtl="0" eaLnBrk="1" fontAlgn="auto" latinLnBrk="0" hangingPunct="1">
+              <a:lnSpc>
+                <a:spcPct val="100000"/>
+              </a:lnSpc>
+              <a:spcBef>
+                <a:spcPts val="0"/>
+              </a:spcBef>
+              <a:spcAft>
+                <a:spcPts val="0"/>
+              </a:spcAft>
+              <a:buClrTx/>
+              <a:buSzTx/>
+              <a:buFontTx/>
+              <a:buNone/>
+              <a:tabLst/>
+              <a:defRPr/>
+            </a:pPr>
+            <a:r>
+              <a:rPr kumimoji="0" lang="en-US" altLang="zh-CN" sz="1800" b="0" i="0" u="none" strike="noStrike" kern="1200" cap="none" spc="0" normalizeH="0" baseline="0" noProof="0" dirty="0">
+                <a:ln>
+                  <a:noFill/>
+                </a:ln>
+                <a:solidFill>
+                  <a:prstClr val="black"/>
+                </a:solidFill>
+                <a:effectLst/>
+                <a:uLnTx/>
+                <a:uFillTx/>
+                <a:latin typeface="Consolas"/>
+                <a:ea typeface="等线"/>
+                <a:cs typeface="+mn-cs"/>
+              </a:rPr>
+              <a:t>NLAAF</a:t>
+            </a:r>
+            <a:r>
+              <a:rPr lang="en-US" altLang="zh-CN" dirty="0">
+                <a:solidFill>
+                  <a:prstClr val="black"/>
+                </a:solidFill>
+                <a:latin typeface="Consolas"/>
+                <a:ea typeface="等线"/>
+              </a:rPr>
+              <a:t>:</a:t>
+            </a:r>
+            <a:endParaRPr kumimoji="0" lang="en-US" altLang="zh-CN" sz="1800" b="0" i="0" u="none" strike="noStrike" kern="1200" cap="none" spc="0" normalizeH="0" baseline="0" noProof="0" dirty="0">
+              <a:ln>
+                <a:noFill/>
+              </a:ln>
+              <a:solidFill>
+                <a:prstClr val="black"/>
+              </a:solidFill>
+              <a:effectLst/>
+              <a:uLnTx/>
+              <a:uFillTx/>
+              <a:latin typeface="Consolas"/>
+              <a:ea typeface="等线"/>
+              <a:cs typeface="+mn-cs"/>
+            </a:endParaRPr>
+          </a:p>
+          <a:p>
+            <a:pPr marL="0" marR="0" lvl="0" indent="0" algn="l" defTabSz="914400" rtl="0" eaLnBrk="1" fontAlgn="auto" latinLnBrk="0" hangingPunct="1">
+              <a:lnSpc>
+                <a:spcPct val="100000"/>
+              </a:lnSpc>
+              <a:spcBef>
+                <a:spcPts val="0"/>
+              </a:spcBef>
+              <a:spcAft>
+                <a:spcPts val="0"/>
+              </a:spcAft>
+              <a:buClrTx/>
+              <a:buSzTx/>
+              <a:buFontTx/>
+              <a:buNone/>
+              <a:tabLst/>
+              <a:defRPr/>
+            </a:pPr>
+            <a:r>
+              <a:rPr kumimoji="0" lang="en-US" altLang="zh-CN" sz="1800" b="0" i="0" u="none" strike="noStrike" kern="1200" cap="none" spc="0" normalizeH="0" baseline="0" noProof="0" dirty="0">
+                <a:ln>
+                  <a:noFill/>
+                </a:ln>
+                <a:solidFill>
+                  <a:prstClr val="black"/>
+                </a:solidFill>
+                <a:effectLst/>
+                <a:uLnTx/>
+                <a:uFillTx/>
+                <a:latin typeface="Consolas"/>
+                <a:ea typeface="等线"/>
+                <a:cs typeface="+mn-cs"/>
+              </a:rPr>
+              <a:t>Z_t+1 = (</a:t>
+            </a:r>
+            <a:r>
+              <a:rPr kumimoji="0" lang="en-US" altLang="zh-CN" sz="1800" b="0" i="0" u="none" strike="noStrike" kern="1200" cap="none" spc="0" normalizeH="0" baseline="0" noProof="0" dirty="0" err="1">
+                <a:ln>
+                  <a:noFill/>
+                </a:ln>
+                <a:solidFill>
+                  <a:prstClr val="black"/>
+                </a:solidFill>
+                <a:effectLst/>
+                <a:uLnTx/>
+                <a:uFillTx/>
+                <a:latin typeface="Consolas"/>
+                <a:ea typeface="等线"/>
+                <a:cs typeface="+mn-cs"/>
+              </a:rPr>
+              <a:t>X_t</a:t>
+            </a:r>
+            <a:r>
+              <a:rPr kumimoji="0" lang="en-US" altLang="zh-CN" sz="1800" b="0" i="0" u="none" strike="noStrike" kern="1200" cap="none" spc="0" normalizeH="0" baseline="0" noProof="0" dirty="0">
+                <a:ln>
+                  <a:noFill/>
+                </a:ln>
+                <a:solidFill>
+                  <a:prstClr val="black"/>
+                </a:solidFill>
+                <a:effectLst/>
+                <a:uLnTx/>
+                <a:uFillTx/>
+                <a:latin typeface="Consolas"/>
+                <a:ea typeface="等线"/>
+                <a:cs typeface="+mn-cs"/>
+              </a:rPr>
+              <a:t> + Y_t-1) / 2</a:t>
+            </a:r>
+          </a:p>
+          <a:p>
+            <a:pPr marL="0" marR="0" lvl="0" indent="0" algn="l" defTabSz="914400" rtl="0" eaLnBrk="1" fontAlgn="auto" latinLnBrk="0" hangingPunct="1">
+              <a:lnSpc>
+                <a:spcPct val="100000"/>
+              </a:lnSpc>
+              <a:spcBef>
+                <a:spcPts val="0"/>
+              </a:spcBef>
+              <a:spcAft>
+                <a:spcPts val="0"/>
+              </a:spcAft>
+              <a:buClrTx/>
+              <a:buSzTx/>
+              <a:buFontTx/>
+              <a:buNone/>
+              <a:tabLst/>
+              <a:defRPr/>
+            </a:pPr>
+            <a:r>
+              <a:rPr kumimoji="0" lang="en-US" altLang="zh-CN" sz="1800" b="0" i="0" u="none" strike="noStrike" kern="1200" cap="none" spc="0" normalizeH="0" baseline="0" noProof="0" dirty="0" err="1">
+                <a:ln>
+                  <a:noFill/>
+                </a:ln>
+                <a:solidFill>
+                  <a:prstClr val="black"/>
+                </a:solidFill>
+                <a:effectLst/>
+                <a:uLnTx/>
+                <a:uFillTx/>
+                <a:latin typeface="Consolas"/>
+                <a:ea typeface="等线"/>
+                <a:cs typeface="+mn-cs"/>
+              </a:rPr>
+              <a:t>Z_t</a:t>
+            </a:r>
+            <a:r>
+              <a:rPr kumimoji="0" lang="en-US" altLang="zh-CN" sz="1800" b="0" i="0" u="none" strike="noStrike" kern="1200" cap="none" spc="0" normalizeH="0" baseline="0" noProof="0" dirty="0">
+                <a:ln>
+                  <a:noFill/>
+                </a:ln>
+                <a:solidFill>
+                  <a:prstClr val="black"/>
+                </a:solidFill>
+                <a:effectLst/>
+                <a:uLnTx/>
+                <a:uFillTx/>
+                <a:latin typeface="Consolas"/>
+                <a:ea typeface="等线"/>
+                <a:cs typeface="+mn-cs"/>
+              </a:rPr>
+              <a:t> = (</a:t>
+            </a:r>
+            <a:r>
+              <a:rPr kumimoji="0" lang="en-US" altLang="zh-CN" sz="1800" b="0" i="0" u="none" strike="noStrike" kern="1200" cap="none" spc="0" normalizeH="0" baseline="0" noProof="0" dirty="0" err="1">
+                <a:ln>
+                  <a:noFill/>
+                </a:ln>
+                <a:solidFill>
+                  <a:prstClr val="black"/>
+                </a:solidFill>
+                <a:effectLst/>
+                <a:uLnTx/>
+                <a:uFillTx/>
+                <a:latin typeface="Consolas"/>
+                <a:ea typeface="等线"/>
+                <a:cs typeface="+mn-cs"/>
+              </a:rPr>
+              <a:t>X_t</a:t>
+            </a:r>
+            <a:r>
+              <a:rPr kumimoji="0" lang="en-US" altLang="zh-CN" sz="1800" b="0" i="0" u="none" strike="noStrike" kern="1200" cap="none" spc="0" normalizeH="0" baseline="0" noProof="0" dirty="0">
+                <a:ln>
+                  <a:noFill/>
+                </a:ln>
+                <a:solidFill>
+                  <a:prstClr val="black"/>
+                </a:solidFill>
+                <a:effectLst/>
+                <a:uLnTx/>
+                <a:uFillTx/>
+                <a:latin typeface="Consolas"/>
+                <a:ea typeface="等线"/>
+                <a:cs typeface="+mn-cs"/>
+              </a:rPr>
+              <a:t> + </a:t>
+            </a:r>
+            <a:r>
+              <a:rPr kumimoji="0" lang="en-US" altLang="zh-CN" sz="1800" b="0" i="0" u="none" strike="noStrike" kern="1200" cap="none" spc="0" normalizeH="0" baseline="0" noProof="0" dirty="0" err="1">
+                <a:ln>
+                  <a:noFill/>
+                </a:ln>
+                <a:solidFill>
+                  <a:prstClr val="black"/>
+                </a:solidFill>
+                <a:effectLst/>
+                <a:uLnTx/>
+                <a:uFillTx/>
+                <a:latin typeface="Consolas"/>
+                <a:ea typeface="等线"/>
+                <a:cs typeface="+mn-cs"/>
+              </a:rPr>
+              <a:t>Y_t</a:t>
+            </a:r>
+            <a:r>
+              <a:rPr kumimoji="0" lang="en-US" altLang="zh-CN" sz="1800" b="0" i="0" u="none" strike="noStrike" kern="1200" cap="none" spc="0" normalizeH="0" baseline="0" noProof="0" dirty="0">
+                <a:ln>
+                  <a:noFill/>
+                </a:ln>
+                <a:solidFill>
+                  <a:prstClr val="black"/>
+                </a:solidFill>
+                <a:effectLst/>
+                <a:uLnTx/>
+                <a:uFillTx/>
+                <a:latin typeface="Consolas"/>
+                <a:ea typeface="等线"/>
+                <a:cs typeface="+mn-cs"/>
+              </a:rPr>
+              <a:t>) / 2</a:t>
+            </a:r>
+          </a:p>
+          <a:p>
+            <a:pPr marL="0" marR="0" lvl="0" indent="0" algn="l" defTabSz="914400" rtl="0" eaLnBrk="1" fontAlgn="auto" latinLnBrk="0" hangingPunct="1">
+              <a:lnSpc>
+                <a:spcPct val="100000"/>
+              </a:lnSpc>
+              <a:spcBef>
+                <a:spcPts val="0"/>
+              </a:spcBef>
+              <a:spcAft>
+                <a:spcPts val="0"/>
+              </a:spcAft>
+              <a:buClrTx/>
+              <a:buSzTx/>
+              <a:buFontTx/>
+              <a:buNone/>
+              <a:tabLst/>
+              <a:defRPr/>
+            </a:pPr>
+            <a:endParaRPr kumimoji="0" lang="en-US" altLang="zh-CN" sz="1800" b="0" i="0" u="none" strike="noStrike" kern="1200" cap="none" spc="0" normalizeH="0" baseline="0" noProof="0" dirty="0">
+              <a:ln>
+                <a:noFill/>
+              </a:ln>
+              <a:solidFill>
+                <a:prstClr val="black"/>
+              </a:solidFill>
+              <a:effectLst/>
+              <a:uLnTx/>
+              <a:uFillTx/>
+              <a:latin typeface="Consolas"/>
+              <a:ea typeface="等线"/>
+              <a:cs typeface="+mn-cs"/>
+            </a:endParaRPr>
+          </a:p>
+          <a:p>
+            <a:pPr marL="0" marR="0" lvl="0" indent="0" algn="l" defTabSz="914400" rtl="0" eaLnBrk="1" fontAlgn="auto" latinLnBrk="0" hangingPunct="1">
+              <a:lnSpc>
+                <a:spcPct val="100000"/>
+              </a:lnSpc>
+              <a:spcBef>
+                <a:spcPts val="0"/>
+              </a:spcBef>
+              <a:spcAft>
+                <a:spcPts val="0"/>
+              </a:spcAft>
+              <a:buClrTx/>
+              <a:buSzTx/>
+              <a:buFontTx/>
+              <a:buNone/>
+              <a:tabLst/>
+              <a:defRPr/>
+            </a:pPr>
+            <a:r>
+              <a:rPr lang="en-US" altLang="zh-CN" dirty="0">
+                <a:solidFill>
+                  <a:prstClr val="black"/>
+                </a:solidFill>
+                <a:latin typeface="Consolas"/>
+                <a:ea typeface="等线"/>
+              </a:rPr>
+              <a:t>DBA:</a:t>
+            </a:r>
+          </a:p>
+          <a:p>
+            <a:pPr marL="0" marR="0" lvl="0" indent="0" algn="l" defTabSz="914400" rtl="0" eaLnBrk="1" fontAlgn="auto" latinLnBrk="0" hangingPunct="1">
+              <a:lnSpc>
+                <a:spcPct val="100000"/>
+              </a:lnSpc>
+              <a:spcBef>
+                <a:spcPts val="0"/>
+              </a:spcBef>
+              <a:spcAft>
+                <a:spcPts val="0"/>
+              </a:spcAft>
+              <a:buClrTx/>
+              <a:buSzTx/>
+              <a:buFontTx/>
+              <a:buNone/>
+              <a:tabLst/>
+              <a:defRPr/>
+            </a:pPr>
+            <a:r>
+              <a:rPr lang="en-US" altLang="zh-CN" dirty="0" err="1">
+                <a:solidFill>
+                  <a:prstClr val="black"/>
+                </a:solidFill>
+                <a:latin typeface="Consolas"/>
+                <a:ea typeface="等线"/>
+              </a:rPr>
+              <a:t>Z_t</a:t>
+            </a:r>
+            <a:r>
+              <a:rPr lang="en-US" altLang="zh-CN" dirty="0">
+                <a:solidFill>
+                  <a:prstClr val="black"/>
+                </a:solidFill>
+                <a:latin typeface="Consolas"/>
+                <a:ea typeface="等线"/>
+              </a:rPr>
+              <a:t> = (</a:t>
+            </a:r>
+            <a:r>
+              <a:rPr lang="en-US" altLang="zh-CN" dirty="0" err="1">
+                <a:solidFill>
+                  <a:prstClr val="black"/>
+                </a:solidFill>
+                <a:latin typeface="Consolas"/>
+                <a:ea typeface="等线"/>
+              </a:rPr>
+              <a:t>X_t</a:t>
+            </a:r>
+            <a:r>
+              <a:rPr lang="en-US" altLang="zh-CN" dirty="0">
+                <a:solidFill>
+                  <a:prstClr val="black"/>
+                </a:solidFill>
+                <a:latin typeface="Consolas"/>
+                <a:ea typeface="等线"/>
+              </a:rPr>
+              <a:t> + Y_t-1 + </a:t>
+            </a:r>
+            <a:r>
+              <a:rPr lang="en-US" altLang="zh-CN" dirty="0" err="1">
+                <a:solidFill>
+                  <a:prstClr val="black"/>
+                </a:solidFill>
+                <a:latin typeface="Consolas"/>
+                <a:ea typeface="等线"/>
+              </a:rPr>
+              <a:t>Y_t</a:t>
+            </a:r>
+            <a:r>
+              <a:rPr lang="en-US" altLang="zh-CN" dirty="0">
+                <a:solidFill>
+                  <a:prstClr val="black"/>
+                </a:solidFill>
+                <a:latin typeface="Consolas"/>
+                <a:ea typeface="等线"/>
+              </a:rPr>
+              <a:t>) / 3</a:t>
+            </a:r>
+          </a:p>
+        </p:txBody>
+      </p:sp>
+      <p:sp>
+        <p:nvSpPr>
+          <p:cNvPr id="17" name="文本框 16">
+            <a:extLst>
+              <a:ext uri="{FF2B5EF4-FFF2-40B4-BE49-F238E27FC236}">
+                <a16:creationId xmlns:a16="http://schemas.microsoft.com/office/drawing/2014/main" id="{6BE1AF08-EF66-22AC-F726-FC103BCBB497}"/>
+              </a:ext>
+            </a:extLst>
+          </p:cNvPr>
+          <p:cNvSpPr txBox="1"/>
+          <p:nvPr/>
+        </p:nvSpPr>
+        <p:spPr>
+          <a:xfrm>
+            <a:off x="5081578" y="5421904"/>
+            <a:ext cx="7021522" cy="1200329"/>
+          </a:xfrm>
+          <a:prstGeom prst="rect">
+            <a:avLst/>
+          </a:prstGeom>
+          <a:noFill/>
+        </p:spPr>
+        <p:txBody>
+          <a:bodyPr wrap="square">
+            <a:spAutoFit/>
+          </a:bodyPr>
+          <a:lstStyle/>
+          <a:p>
+            <a:r>
+              <a:rPr lang="en-US" altLang="zh-CN" dirty="0"/>
+              <a:t>V</a:t>
+            </a:r>
+            <a:r>
+              <a:rPr lang="zh-CN" altLang="en-US" dirty="0"/>
+              <a:t>alue</a:t>
+            </a:r>
+            <a:r>
+              <a:rPr lang="en-US" altLang="zh-CN" dirty="0"/>
+              <a:t>s</a:t>
+            </a:r>
+            <a:r>
+              <a:rPr lang="zh-CN" altLang="en-US" dirty="0"/>
+              <a:t> of </a:t>
+            </a:r>
+            <a:r>
+              <a:rPr lang="en-US" altLang="zh-CN" dirty="0"/>
+              <a:t>large </a:t>
+            </a:r>
+            <a:r>
+              <a:rPr lang="zh-CN" altLang="en-US" dirty="0"/>
+              <a:t>peak and </a:t>
+            </a:r>
+            <a:r>
+              <a:rPr lang="en-US" altLang="zh-CN" dirty="0"/>
+              <a:t>small</a:t>
+            </a:r>
+            <a:r>
+              <a:rPr lang="zh-CN" altLang="en-US" dirty="0"/>
+              <a:t> pe</a:t>
+            </a:r>
+            <a:r>
+              <a:rPr lang="en-US" altLang="zh-CN" dirty="0" err="1"/>
+              <a:t>ak</a:t>
+            </a:r>
+            <a:r>
+              <a:rPr lang="zh-CN" altLang="en-US" dirty="0"/>
+              <a:t> in template must be the average of all correctly extracted peak values.</a:t>
+            </a:r>
+            <a:endParaRPr lang="en-US" altLang="zh-CN" dirty="0"/>
+          </a:p>
+          <a:p>
+            <a:r>
+              <a:rPr lang="zh-CN" altLang="en-US" dirty="0"/>
+              <a:t> </a:t>
+            </a:r>
+            <a:endParaRPr lang="en-US" altLang="zh-CN" dirty="0"/>
+          </a:p>
+          <a:p>
+            <a:r>
+              <a:rPr lang="zh-CN" altLang="en-US" dirty="0"/>
+              <a:t>Therefore, its </a:t>
+            </a:r>
+            <a:r>
+              <a:rPr lang="zh-CN" altLang="en-US" b="1" dirty="0"/>
+              <a:t>theoretical upper limit </a:t>
+            </a:r>
+            <a:r>
+              <a:rPr lang="zh-CN" altLang="en-US" dirty="0"/>
+              <a:t>should be 1.79.</a:t>
+            </a:r>
+          </a:p>
+        </p:txBody>
+      </p:sp>
+      <p:sp>
+        <p:nvSpPr>
+          <p:cNvPr id="18" name="文本框 17">
+            <a:extLst>
+              <a:ext uri="{FF2B5EF4-FFF2-40B4-BE49-F238E27FC236}">
+                <a16:creationId xmlns:a16="http://schemas.microsoft.com/office/drawing/2014/main" id="{741A6307-6B0E-3F08-AE68-400E0797E3B3}"/>
+              </a:ext>
+            </a:extLst>
+          </p:cNvPr>
+          <p:cNvSpPr txBox="1"/>
+          <p:nvPr/>
+        </p:nvSpPr>
+        <p:spPr>
+          <a:xfrm>
+            <a:off x="609600" y="106251"/>
+            <a:ext cx="4584920" cy="369332"/>
+          </a:xfrm>
+          <a:prstGeom prst="rect">
+            <a:avLst/>
+          </a:prstGeom>
+          <a:noFill/>
+        </p:spPr>
+        <p:txBody>
+          <a:bodyPr wrap="square" rtlCol="0">
+            <a:spAutoFit/>
+          </a:bodyPr>
+          <a:lstStyle>
+            <a:defPPr>
+              <a:defRPr lang="zh-CN"/>
+            </a:defPPr>
+            <a:lvl1pPr>
+              <a:defRPr sz="2400">
+                <a:latin typeface="Consolas" panose="020B0609020204030204" pitchFamily="49" charset="0"/>
+                <a:cs typeface="Times New Roman" panose="02020603050405020304" pitchFamily="18" charset="0"/>
+              </a:defRPr>
+            </a:lvl1pPr>
+          </a:lstStyle>
+          <a:p>
+            <a:r>
+              <a:rPr lang="en-US" altLang="zh-CN" sz="1800" b="1" dirty="0"/>
+              <a:t>Analysis of Experimental Results</a:t>
+            </a:r>
+            <a:endParaRPr lang="en-US" altLang="zh-CN" sz="1100" b="1" dirty="0"/>
+          </a:p>
+        </p:txBody>
+      </p:sp>
     </p:spTree>
     <p:extLst>
       <p:ext uri="{BB962C8B-B14F-4D97-AF65-F5344CB8AC3E}">
@@ -6124,40 +7179,625 @@
           <a:chExt cx="0" cy="0"/>
         </a:xfrm>
       </p:grpSpPr>
-      <p:pic>
-        <p:nvPicPr>
-          <p:cNvPr id="3" name="图片 2">
-            <a:extLst>
-              <a:ext uri="{FF2B5EF4-FFF2-40B4-BE49-F238E27FC236}">
-                <a16:creationId xmlns:a16="http://schemas.microsoft.com/office/drawing/2014/main" id="{13D69B5E-DE27-C0A3-B883-EAC3C248EFEA}"/>
-              </a:ext>
-            </a:extLst>
-          </p:cNvPr>
-          <p:cNvPicPr>
-            <a:picLocks noChangeAspect="1"/>
-          </p:cNvPicPr>
+      <p:graphicFrame>
+        <p:nvGraphicFramePr>
+          <p:cNvPr id="2" name="表格 1">
+            <a:extLst>
+              <a:ext uri="{FF2B5EF4-FFF2-40B4-BE49-F238E27FC236}">
+                <a16:creationId xmlns:a16="http://schemas.microsoft.com/office/drawing/2014/main" id="{AFE1193D-C098-489C-9107-B3F82B55CD51}"/>
+              </a:ext>
+            </a:extLst>
+          </p:cNvPr>
+          <p:cNvGraphicFramePr>
+            <a:graphicFrameLocks noGrp="1"/>
+          </p:cNvGraphicFramePr>
+          <p:nvPr>
+            <p:extLst>
+              <p:ext uri="{D42A27DB-BD31-4B8C-83A1-F6EECF244321}">
+                <p14:modId xmlns:p14="http://schemas.microsoft.com/office/powerpoint/2010/main" val="2216494741"/>
+              </p:ext>
+            </p:extLst>
+          </p:nvPr>
+        </p:nvGraphicFramePr>
+        <p:xfrm>
+          <a:off x="2756463" y="1124142"/>
+          <a:ext cx="6783245" cy="2219960"/>
+        </p:xfrm>
+        <a:graphic>
+          <a:graphicData uri="http://schemas.openxmlformats.org/drawingml/2006/table">
+            <a:tbl>
+              <a:tblPr firstRow="1" bandRow="1">
+                <a:tableStyleId>{5C22544A-7EE6-4342-B048-85BDC9FD1C3A}</a:tableStyleId>
+              </a:tblPr>
+              <a:tblGrid>
+                <a:gridCol w="1687830">
+                  <a:extLst>
+                    <a:ext uri="{9D8B030D-6E8A-4147-A177-3AD203B41FA5}">
+                      <a16:colId xmlns:a16="http://schemas.microsoft.com/office/drawing/2014/main" val="2721979233"/>
+                    </a:ext>
+                  </a:extLst>
+                </a:gridCol>
+                <a:gridCol w="2490951">
+                  <a:extLst>
+                    <a:ext uri="{9D8B030D-6E8A-4147-A177-3AD203B41FA5}">
+                      <a16:colId xmlns:a16="http://schemas.microsoft.com/office/drawing/2014/main" val="3887092843"/>
+                    </a:ext>
+                  </a:extLst>
+                </a:gridCol>
+                <a:gridCol w="2604464">
+                  <a:extLst>
+                    <a:ext uri="{9D8B030D-6E8A-4147-A177-3AD203B41FA5}">
+                      <a16:colId xmlns:a16="http://schemas.microsoft.com/office/drawing/2014/main" val="68501977"/>
+                    </a:ext>
+                  </a:extLst>
+                </a:gridCol>
+              </a:tblGrid>
+              <a:tr h="370840">
+                <a:tc>
+                  <a:txBody>
+                    <a:bodyPr/>
+                    <a:lstStyle/>
+                    <a:p>
+                      <a:pPr algn="ctr"/>
+                      <a:r>
+                        <a:rPr lang="en-US" altLang="zh-CN" dirty="0"/>
+                        <a:t>Model</a:t>
+                      </a:r>
+                      <a:endParaRPr lang="zh-CN" altLang="en-US" dirty="0"/>
+                    </a:p>
+                  </a:txBody>
+                  <a:tcPr/>
+                </a:tc>
+                <a:tc>
+                  <a:txBody>
+                    <a:bodyPr/>
+                    <a:lstStyle/>
+                    <a:p>
+                      <a:pPr algn="ctr"/>
+                      <a:r>
+                        <a:rPr lang="en-US" altLang="zh-CN" dirty="0"/>
+                        <a:t>S Prediction</a:t>
+                      </a:r>
+                      <a:endParaRPr lang="zh-CN" altLang="en-US" dirty="0"/>
+                    </a:p>
+                  </a:txBody>
+                  <a:tcPr/>
+                </a:tc>
+                <a:tc>
+                  <a:txBody>
+                    <a:bodyPr/>
+                    <a:lstStyle/>
+                    <a:p>
+                      <a:pPr algn="ctr"/>
+                      <a:r>
+                        <a:rPr lang="en-US" altLang="zh-CN" dirty="0"/>
+                        <a:t>D Prediction</a:t>
+                      </a:r>
+                      <a:endParaRPr lang="zh-CN" altLang="en-US" dirty="0"/>
+                    </a:p>
+                  </a:txBody>
+                  <a:tcPr/>
+                </a:tc>
+                <a:extLst>
+                  <a:ext uri="{0D108BD9-81ED-4DB2-BD59-A6C34878D82A}">
+                    <a16:rowId xmlns:a16="http://schemas.microsoft.com/office/drawing/2014/main" val="3312699029"/>
+                  </a:ext>
+                </a:extLst>
+              </a:tr>
+              <a:tr h="370840">
+                <a:tc>
+                  <a:txBody>
+                    <a:bodyPr/>
+                    <a:lstStyle/>
+                    <a:p>
+                      <a:pPr algn="ctr"/>
+                      <a:r>
+                        <a:rPr lang="en-US" altLang="zh-CN" dirty="0"/>
+                        <a:t>No Template</a:t>
+                      </a:r>
+                    </a:p>
+                  </a:txBody>
+                  <a:tcPr/>
+                </a:tc>
+                <a:tc>
+                  <a:txBody>
+                    <a:bodyPr/>
+                    <a:lstStyle/>
+                    <a:p>
+                      <a:pPr marL="0" marR="0" lvl="0" indent="0" algn="ctr" defTabSz="914400" rtl="0" eaLnBrk="1" fontAlgn="auto" latinLnBrk="0" hangingPunct="1">
+                        <a:lnSpc>
+                          <a:spcPct val="100000"/>
+                        </a:lnSpc>
+                        <a:spcBef>
+                          <a:spcPts val="0"/>
+                        </a:spcBef>
+                        <a:spcAft>
+                          <a:spcPts val="0"/>
+                        </a:spcAft>
+                        <a:buClrTx/>
+                        <a:buSzTx/>
+                        <a:buFontTx/>
+                        <a:buNone/>
+                        <a:tabLst/>
+                        <a:defRPr/>
+                      </a:pPr>
+                      <a:r>
+                        <a:rPr lang="en-US" altLang="zh-CN" dirty="0"/>
+                        <a:t>0.79 / 1.64</a:t>
+                      </a:r>
+                      <a:endParaRPr lang="zh-CN" altLang="en-US" dirty="0"/>
+                    </a:p>
+                  </a:txBody>
+                  <a:tcPr/>
+                </a:tc>
+                <a:tc>
+                  <a:txBody>
+                    <a:bodyPr/>
+                    <a:lstStyle/>
+                    <a:p>
+                      <a:pPr marL="0" marR="0" lvl="0" indent="0" algn="ctr" defTabSz="914400" rtl="0" eaLnBrk="1" fontAlgn="auto" latinLnBrk="0" hangingPunct="1">
+                        <a:lnSpc>
+                          <a:spcPct val="100000"/>
+                        </a:lnSpc>
+                        <a:spcBef>
+                          <a:spcPts val="0"/>
+                        </a:spcBef>
+                        <a:spcAft>
+                          <a:spcPts val="0"/>
+                        </a:spcAft>
+                        <a:buClrTx/>
+                        <a:buSzTx/>
+                        <a:buFontTx/>
+                        <a:buNone/>
+                        <a:tabLst/>
+                        <a:defRPr/>
+                      </a:pPr>
+                      <a:r>
+                        <a:rPr lang="en-US" altLang="zh-CN" dirty="0"/>
+                        <a:t>1.79 / 4.31</a:t>
+                      </a:r>
+                      <a:endParaRPr lang="zh-CN" altLang="en-US" dirty="0"/>
+                    </a:p>
+                  </a:txBody>
+                  <a:tcPr/>
+                </a:tc>
+                <a:extLst>
+                  <a:ext uri="{0D108BD9-81ED-4DB2-BD59-A6C34878D82A}">
+                    <a16:rowId xmlns:a16="http://schemas.microsoft.com/office/drawing/2014/main" val="116356882"/>
+                  </a:ext>
+                </a:extLst>
+              </a:tr>
+              <a:tr h="370840">
+                <a:tc>
+                  <a:txBody>
+                    <a:bodyPr/>
+                    <a:lstStyle/>
+                    <a:p>
+                      <a:pPr algn="ctr"/>
+                      <a:r>
+                        <a:rPr lang="en-US" altLang="zh-CN" dirty="0"/>
+                        <a:t>Mean</a:t>
+                      </a:r>
+                    </a:p>
+                  </a:txBody>
+                  <a:tcPr/>
+                </a:tc>
+                <a:tc>
+                  <a:txBody>
+                    <a:bodyPr/>
+                    <a:lstStyle/>
+                    <a:p>
+                      <a:pPr marL="0" marR="0" lvl="0" indent="0" algn="ctr" defTabSz="914400" rtl="0" eaLnBrk="1" fontAlgn="auto" latinLnBrk="0" hangingPunct="1">
+                        <a:lnSpc>
+                          <a:spcPct val="100000"/>
+                        </a:lnSpc>
+                        <a:spcBef>
+                          <a:spcPts val="0"/>
+                        </a:spcBef>
+                        <a:spcAft>
+                          <a:spcPts val="0"/>
+                        </a:spcAft>
+                        <a:buClrTx/>
+                        <a:buSzTx/>
+                        <a:buFontTx/>
+                        <a:buNone/>
+                        <a:tabLst/>
+                        <a:defRPr/>
+                      </a:pPr>
+                      <a:r>
+                        <a:rPr lang="en-US" altLang="zh-CN" dirty="0"/>
+                        <a:t>1.35 / 1.38</a:t>
+                      </a:r>
+                      <a:endParaRPr lang="zh-CN" altLang="en-US" dirty="0"/>
+                    </a:p>
+                  </a:txBody>
+                  <a:tcPr/>
+                </a:tc>
+                <a:tc>
+                  <a:txBody>
+                    <a:bodyPr/>
+                    <a:lstStyle/>
+                    <a:p>
+                      <a:pPr marL="0" marR="0" lvl="0" indent="0" algn="ctr" defTabSz="914400" rtl="0" eaLnBrk="1" fontAlgn="auto" latinLnBrk="0" hangingPunct="1">
+                        <a:lnSpc>
+                          <a:spcPct val="100000"/>
+                        </a:lnSpc>
+                        <a:spcBef>
+                          <a:spcPts val="0"/>
+                        </a:spcBef>
+                        <a:spcAft>
+                          <a:spcPts val="0"/>
+                        </a:spcAft>
+                        <a:buClrTx/>
+                        <a:buSzTx/>
+                        <a:buFontTx/>
+                        <a:buNone/>
+                        <a:tabLst/>
+                        <a:defRPr/>
+                      </a:pPr>
+                      <a:r>
+                        <a:rPr lang="en-US" altLang="zh-CN" dirty="0"/>
+                        <a:t>4.53 / 4.44</a:t>
+                      </a:r>
+                      <a:endParaRPr lang="zh-CN" altLang="en-US" dirty="0"/>
+                    </a:p>
+                  </a:txBody>
+                  <a:tcPr/>
+                </a:tc>
+                <a:extLst>
+                  <a:ext uri="{0D108BD9-81ED-4DB2-BD59-A6C34878D82A}">
+                    <a16:rowId xmlns:a16="http://schemas.microsoft.com/office/drawing/2014/main" val="213170710"/>
+                  </a:ext>
+                </a:extLst>
+              </a:tr>
+              <a:tr h="358578">
+                <a:tc>
+                  <a:txBody>
+                    <a:bodyPr/>
+                    <a:lstStyle/>
+                    <a:p>
+                      <a:pPr algn="ctr"/>
+                      <a:r>
+                        <a:rPr lang="en-US" altLang="zh-CN" b="0" dirty="0"/>
+                        <a:t>NLAAF1</a:t>
+                      </a:r>
+                      <a:endParaRPr lang="zh-CN" altLang="en-US" b="0" dirty="0"/>
+                    </a:p>
+                  </a:txBody>
+                  <a:tcPr/>
+                </a:tc>
+                <a:tc>
+                  <a:txBody>
+                    <a:bodyPr/>
+                    <a:lstStyle/>
+                    <a:p>
+                      <a:pPr algn="ctr"/>
+                      <a:r>
+                        <a:rPr lang="en-US" altLang="zh-CN" u="none" dirty="0"/>
+                        <a:t>8.43 / 23.19</a:t>
+                      </a:r>
+                      <a:endParaRPr lang="zh-CN" altLang="en-US" u="none" dirty="0"/>
+                    </a:p>
+                  </a:txBody>
+                  <a:tcPr/>
+                </a:tc>
+                <a:tc>
+                  <a:txBody>
+                    <a:bodyPr/>
+                    <a:lstStyle/>
+                    <a:p>
+                      <a:pPr algn="ctr"/>
+                      <a:r>
+                        <a:rPr lang="en-US" altLang="zh-CN" b="1" u="sng" dirty="0"/>
+                        <a:t>3.14</a:t>
+                      </a:r>
+                      <a:r>
+                        <a:rPr lang="en-US" altLang="zh-CN" u="none" dirty="0"/>
+                        <a:t> / 5.21</a:t>
+                      </a:r>
+                      <a:endParaRPr lang="zh-CN" altLang="en-US" u="none" dirty="0"/>
+                    </a:p>
+                  </a:txBody>
+                  <a:tcPr/>
+                </a:tc>
+                <a:extLst>
+                  <a:ext uri="{0D108BD9-81ED-4DB2-BD59-A6C34878D82A}">
+                    <a16:rowId xmlns:a16="http://schemas.microsoft.com/office/drawing/2014/main" val="3424492985"/>
+                  </a:ext>
+                </a:extLst>
+              </a:tr>
+              <a:tr h="370840">
+                <a:tc>
+                  <a:txBody>
+                    <a:bodyPr/>
+                    <a:lstStyle/>
+                    <a:p>
+                      <a:pPr algn="ctr"/>
+                      <a:r>
+                        <a:rPr lang="en-US" altLang="zh-CN" b="0" dirty="0"/>
+                        <a:t>NLAAF2</a:t>
+                      </a:r>
+                      <a:endParaRPr lang="zh-CN" altLang="en-US" b="0" dirty="0"/>
+                    </a:p>
+                  </a:txBody>
+                  <a:tcPr/>
+                </a:tc>
+                <a:tc>
+                  <a:txBody>
+                    <a:bodyPr/>
+                    <a:lstStyle/>
+                    <a:p>
+                      <a:pPr algn="ctr"/>
+                      <a:r>
+                        <a:rPr lang="en-US" altLang="zh-CN" u="none" dirty="0"/>
+                        <a:t>20.67 / 33.39</a:t>
+                      </a:r>
+                      <a:endParaRPr lang="zh-CN" altLang="en-US" u="none" dirty="0"/>
+                    </a:p>
+                  </a:txBody>
+                  <a:tcPr/>
+                </a:tc>
+                <a:tc>
+                  <a:txBody>
+                    <a:bodyPr/>
+                    <a:lstStyle/>
+                    <a:p>
+                      <a:pPr algn="ctr"/>
+                      <a:r>
+                        <a:rPr lang="en-US" altLang="zh-CN" b="1" u="sng" dirty="0"/>
+                        <a:t>3.64</a:t>
+                      </a:r>
+                      <a:r>
+                        <a:rPr lang="en-US" altLang="zh-CN" u="none" dirty="0"/>
+                        <a:t> / 7.04</a:t>
+                      </a:r>
+                      <a:endParaRPr lang="zh-CN" altLang="en-US" u="none" dirty="0"/>
+                    </a:p>
+                  </a:txBody>
+                  <a:tcPr/>
+                </a:tc>
+                <a:extLst>
+                  <a:ext uri="{0D108BD9-81ED-4DB2-BD59-A6C34878D82A}">
+                    <a16:rowId xmlns:a16="http://schemas.microsoft.com/office/drawing/2014/main" val="994351504"/>
+                  </a:ext>
+                </a:extLst>
+              </a:tr>
+              <a:tr h="370840">
+                <a:tc>
+                  <a:txBody>
+                    <a:bodyPr/>
+                    <a:lstStyle/>
+                    <a:p>
+                      <a:pPr algn="ctr"/>
+                      <a:r>
+                        <a:rPr lang="en-US" altLang="zh-CN" b="1" dirty="0"/>
+                        <a:t>DBA</a:t>
+                      </a:r>
+                      <a:endParaRPr lang="zh-CN" altLang="en-US" b="1" dirty="0"/>
+                    </a:p>
+                  </a:txBody>
+                  <a:tcPr/>
+                </a:tc>
+                <a:tc>
+                  <a:txBody>
+                    <a:bodyPr/>
+                    <a:lstStyle/>
+                    <a:p>
+                      <a:pPr algn="ctr"/>
+                      <a:r>
+                        <a:rPr lang="en-US" altLang="zh-CN" u="sng" dirty="0"/>
+                        <a:t>2.05</a:t>
+                      </a:r>
+                      <a:r>
+                        <a:rPr lang="en-US" altLang="zh-CN" u="none" dirty="0"/>
+                        <a:t> / </a:t>
+                      </a:r>
+                      <a:r>
+                        <a:rPr lang="en-US" altLang="zh-CN" u="sng" dirty="0"/>
+                        <a:t>1.96</a:t>
+                      </a:r>
+                      <a:endParaRPr lang="zh-CN" altLang="en-US" u="sng" dirty="0"/>
+                    </a:p>
+                  </a:txBody>
+                  <a:tcPr/>
+                </a:tc>
+                <a:tc>
+                  <a:txBody>
+                    <a:bodyPr/>
+                    <a:lstStyle/>
+                    <a:p>
+                      <a:pPr algn="ctr"/>
+                      <a:r>
+                        <a:rPr lang="en-US" altLang="zh-CN" u="sng" dirty="0"/>
+                        <a:t>3.43</a:t>
+                      </a:r>
+                      <a:r>
+                        <a:rPr lang="en-US" altLang="zh-CN" u="none" dirty="0"/>
+                        <a:t> / </a:t>
+                      </a:r>
+                      <a:r>
+                        <a:rPr lang="en-US" altLang="zh-CN" u="sng" dirty="0"/>
+                        <a:t>4.15</a:t>
+                      </a:r>
+                      <a:endParaRPr lang="zh-CN" altLang="en-US" u="sng" dirty="0"/>
+                    </a:p>
+                  </a:txBody>
+                  <a:tcPr/>
+                </a:tc>
+                <a:extLst>
+                  <a:ext uri="{0D108BD9-81ED-4DB2-BD59-A6C34878D82A}">
+                    <a16:rowId xmlns:a16="http://schemas.microsoft.com/office/drawing/2014/main" val="2589729432"/>
+                  </a:ext>
+                </a:extLst>
+              </a:tr>
+            </a:tbl>
+          </a:graphicData>
+        </a:graphic>
+      </p:graphicFrame>
+      <p:sp>
+        <p:nvSpPr>
+          <p:cNvPr id="3" name="文本框 2">
+            <a:extLst>
+              <a:ext uri="{FF2B5EF4-FFF2-40B4-BE49-F238E27FC236}">
+                <a16:creationId xmlns:a16="http://schemas.microsoft.com/office/drawing/2014/main" id="{FDD7BE27-0713-455D-3173-DE448A1556B2}"/>
+              </a:ext>
+            </a:extLst>
+          </p:cNvPr>
+          <p:cNvSpPr txBox="1"/>
           <p:nvPr/>
-        </p:nvPicPr>
-        <p:blipFill>
-          <a:blip r:embed="rId3"/>
-          <a:stretch>
-            <a:fillRect/>
-          </a:stretch>
-        </p:blipFill>
+        </p:nvSpPr>
         <p:spPr>
           <a:xfrm>
-            <a:off x="422515" y="2227961"/>
-            <a:ext cx="6191899" cy="2738885"/>
+            <a:off x="609599" y="474515"/>
+            <a:ext cx="3780971" cy="369332"/>
           </a:xfrm>
           <a:prstGeom prst="rect">
             <a:avLst/>
           </a:prstGeom>
+          <a:noFill/>
         </p:spPr>
-      </p:pic>
+        <p:txBody>
+          <a:bodyPr wrap="square" rtlCol="0">
+            <a:spAutoFit/>
+          </a:bodyPr>
+          <a:lstStyle/>
+          <a:p>
+            <a:r>
+              <a:rPr lang="en-US" altLang="zh-CN" dirty="0"/>
+              <a:t>2. Effectiveness of NLAAF</a:t>
+            </a:r>
+            <a:endParaRPr lang="zh-CN" altLang="en-US" dirty="0"/>
+          </a:p>
+        </p:txBody>
+      </p:sp>
+      <p:sp>
+        <p:nvSpPr>
+          <p:cNvPr id="7" name="文本框 6">
+            <a:extLst>
+              <a:ext uri="{FF2B5EF4-FFF2-40B4-BE49-F238E27FC236}">
+                <a16:creationId xmlns:a16="http://schemas.microsoft.com/office/drawing/2014/main" id="{D8DFDA09-0C1F-F59D-5CC8-FBD24E9F9A15}"/>
+              </a:ext>
+            </a:extLst>
+          </p:cNvPr>
+          <p:cNvSpPr txBox="1"/>
+          <p:nvPr/>
+        </p:nvSpPr>
+        <p:spPr>
+          <a:xfrm>
+            <a:off x="1741712" y="3864766"/>
+            <a:ext cx="10072915" cy="1754326"/>
+          </a:xfrm>
+          <a:prstGeom prst="rect">
+            <a:avLst/>
+          </a:prstGeom>
+          <a:noFill/>
+        </p:spPr>
+        <p:txBody>
+          <a:bodyPr wrap="square">
+            <a:spAutoFit/>
+          </a:bodyPr>
+          <a:lstStyle/>
+          <a:p>
+            <a:r>
+              <a:rPr lang="zh-CN" altLang="en-US" dirty="0"/>
+              <a:t>The poor performance in the presence of noise</a:t>
+            </a:r>
+            <a:r>
+              <a:rPr lang="en-US" altLang="zh-CN" dirty="0"/>
+              <a:t>.</a:t>
+            </a:r>
+            <a:r>
+              <a:rPr lang="zh-CN" altLang="en-US" dirty="0"/>
+              <a:t> </a:t>
+            </a:r>
+            <a:endParaRPr lang="en-US" altLang="zh-CN" dirty="0"/>
+          </a:p>
+          <a:p>
+            <a:endParaRPr lang="en-US" altLang="zh-CN" dirty="0"/>
+          </a:p>
+          <a:p>
+            <a:r>
+              <a:rPr lang="en-US" altLang="zh-CN" dirty="0"/>
+              <a:t>I</a:t>
+            </a:r>
+            <a:r>
+              <a:rPr lang="zh-CN" altLang="en-US" dirty="0"/>
+              <a:t>s likely because the highest peak corresponds to another highest peak</a:t>
+            </a:r>
+            <a:r>
+              <a:rPr lang="en-US" altLang="zh-CN" dirty="0"/>
+              <a:t>.</a:t>
+            </a:r>
+          </a:p>
+          <a:p>
+            <a:r>
+              <a:rPr lang="en-US" altLang="zh-CN" dirty="0"/>
+              <a:t>T</a:t>
+            </a:r>
+            <a:r>
+              <a:rPr lang="zh-CN" altLang="en-US" dirty="0"/>
+              <a:t>here is never a situation where positive and negative contributions cancel each other out. </a:t>
+            </a:r>
+            <a:endParaRPr lang="en-US" altLang="zh-CN" dirty="0"/>
+          </a:p>
+          <a:p>
+            <a:r>
+              <a:rPr lang="zh-CN" altLang="en-US" dirty="0"/>
+              <a:t>This scenario tends to amplify the noise rather than mitigating it.</a:t>
+            </a:r>
+          </a:p>
+        </p:txBody>
+      </p:sp>
+      <p:sp>
+        <p:nvSpPr>
+          <p:cNvPr id="10" name="文本框 9">
+            <a:extLst>
+              <a:ext uri="{FF2B5EF4-FFF2-40B4-BE49-F238E27FC236}">
+                <a16:creationId xmlns:a16="http://schemas.microsoft.com/office/drawing/2014/main" id="{2E38C884-D1DF-3588-474C-D79074728EA2}"/>
+              </a:ext>
+            </a:extLst>
+          </p:cNvPr>
+          <p:cNvSpPr txBox="1"/>
+          <p:nvPr/>
+        </p:nvSpPr>
+        <p:spPr>
+          <a:xfrm>
+            <a:off x="609600" y="106251"/>
+            <a:ext cx="4584920" cy="369332"/>
+          </a:xfrm>
+          <a:prstGeom prst="rect">
+            <a:avLst/>
+          </a:prstGeom>
+          <a:noFill/>
+        </p:spPr>
+        <p:txBody>
+          <a:bodyPr wrap="square" rtlCol="0">
+            <a:spAutoFit/>
+          </a:bodyPr>
+          <a:lstStyle>
+            <a:defPPr>
+              <a:defRPr lang="zh-CN"/>
+            </a:defPPr>
+            <a:lvl1pPr>
+              <a:defRPr sz="2400">
+                <a:latin typeface="Consolas" panose="020B0609020204030204" pitchFamily="49" charset="0"/>
+                <a:cs typeface="Times New Roman" panose="02020603050405020304" pitchFamily="18" charset="0"/>
+              </a:defRPr>
+            </a:lvl1pPr>
+          </a:lstStyle>
+          <a:p>
+            <a:r>
+              <a:rPr lang="en-US" altLang="zh-CN" sz="1800" b="1" dirty="0"/>
+              <a:t>Analysis of Experimental Results</a:t>
+            </a:r>
+            <a:endParaRPr lang="en-US" altLang="zh-CN" sz="1100" b="1" dirty="0"/>
+          </a:p>
+        </p:txBody>
+      </p:sp>
     </p:spTree>
     <p:extLst>
       <p:ext uri="{BB962C8B-B14F-4D97-AF65-F5344CB8AC3E}">
-        <p14:creationId xmlns:p14="http://schemas.microsoft.com/office/powerpoint/2010/main" val="3665964354"/>
+        <p14:creationId xmlns:p14="http://schemas.microsoft.com/office/powerpoint/2010/main" val="3543055914"/>
       </p:ext>
     </p:extLst>
   </p:cSld>
@@ -6184,12 +7824,369 @@
           <a:chExt cx="0" cy="0"/>
         </a:xfrm>
       </p:grpSpPr>
-      <p:sp>
-        <p:nvSpPr>
-          <p:cNvPr id="55" name="文本框 54">
-            <a:extLst>
-              <a:ext uri="{FF2B5EF4-FFF2-40B4-BE49-F238E27FC236}">
-                <a16:creationId xmlns:a16="http://schemas.microsoft.com/office/drawing/2014/main" id="{32A2BE86-86A6-F1FC-83EE-91A826B532E5}"/>
+      <p:pic>
+        <p:nvPicPr>
+          <p:cNvPr id="3" name="图片 2">
+            <a:extLst>
+              <a:ext uri="{FF2B5EF4-FFF2-40B4-BE49-F238E27FC236}">
+                <a16:creationId xmlns:a16="http://schemas.microsoft.com/office/drawing/2014/main" id="{13D69B5E-DE27-C0A3-B883-EAC3C248EFEA}"/>
+              </a:ext>
+            </a:extLst>
+          </p:cNvPr>
+          <p:cNvPicPr>
+            <a:picLocks noChangeAspect="1"/>
+          </p:cNvPicPr>
+          <p:nvPr/>
+        </p:nvPicPr>
+        <p:blipFill>
+          <a:blip r:embed="rId3"/>
+          <a:stretch>
+            <a:fillRect/>
+          </a:stretch>
+        </p:blipFill>
+        <p:spPr>
+          <a:xfrm>
+            <a:off x="239613" y="3180233"/>
+            <a:ext cx="6191899" cy="2738885"/>
+          </a:xfrm>
+          <a:prstGeom prst="rect">
+            <a:avLst/>
+          </a:prstGeom>
+        </p:spPr>
+      </p:pic>
+      <p:graphicFrame>
+        <p:nvGraphicFramePr>
+          <p:cNvPr id="2" name="表格 1">
+            <a:extLst>
+              <a:ext uri="{FF2B5EF4-FFF2-40B4-BE49-F238E27FC236}">
+                <a16:creationId xmlns:a16="http://schemas.microsoft.com/office/drawing/2014/main" id="{3F85552B-5FE0-51D1-1655-066D2E6FA66F}"/>
+              </a:ext>
+            </a:extLst>
+          </p:cNvPr>
+          <p:cNvGraphicFramePr>
+            <a:graphicFrameLocks noGrp="1"/>
+          </p:cNvGraphicFramePr>
+          <p:nvPr>
+            <p:extLst>
+              <p:ext uri="{D42A27DB-BD31-4B8C-83A1-F6EECF244321}">
+                <p14:modId xmlns:p14="http://schemas.microsoft.com/office/powerpoint/2010/main" val="3523906370"/>
+              </p:ext>
+            </p:extLst>
+          </p:nvPr>
+        </p:nvGraphicFramePr>
+        <p:xfrm>
+          <a:off x="490287" y="1451409"/>
+          <a:ext cx="5690553" cy="1478280"/>
+        </p:xfrm>
+        <a:graphic>
+          <a:graphicData uri="http://schemas.openxmlformats.org/drawingml/2006/table">
+            <a:tbl>
+              <a:tblPr firstRow="1" bandRow="1">
+                <a:tableStyleId>{5C22544A-7EE6-4342-B048-85BDC9FD1C3A}</a:tableStyleId>
+              </a:tblPr>
+              <a:tblGrid>
+                <a:gridCol w="1938655">
+                  <a:extLst>
+                    <a:ext uri="{9D8B030D-6E8A-4147-A177-3AD203B41FA5}">
+                      <a16:colId xmlns:a16="http://schemas.microsoft.com/office/drawing/2014/main" val="2721979233"/>
+                    </a:ext>
+                  </a:extLst>
+                </a:gridCol>
+                <a:gridCol w="1938655">
+                  <a:extLst>
+                    <a:ext uri="{9D8B030D-6E8A-4147-A177-3AD203B41FA5}">
+                      <a16:colId xmlns:a16="http://schemas.microsoft.com/office/drawing/2014/main" val="3887092843"/>
+                    </a:ext>
+                  </a:extLst>
+                </a:gridCol>
+                <a:gridCol w="1813243">
+                  <a:extLst>
+                    <a:ext uri="{9D8B030D-6E8A-4147-A177-3AD203B41FA5}">
+                      <a16:colId xmlns:a16="http://schemas.microsoft.com/office/drawing/2014/main" val="68501977"/>
+                    </a:ext>
+                  </a:extLst>
+                </a:gridCol>
+              </a:tblGrid>
+              <a:tr h="0">
+                <a:tc>
+                  <a:txBody>
+                    <a:bodyPr/>
+                    <a:lstStyle/>
+                    <a:p>
+                      <a:pPr algn="ctr"/>
+                      <a:r>
+                        <a:rPr lang="en-US" altLang="zh-CN" dirty="0"/>
+                        <a:t>Model</a:t>
+                      </a:r>
+                      <a:endParaRPr lang="zh-CN" altLang="en-US" dirty="0"/>
+                    </a:p>
+                  </a:txBody>
+                  <a:tcPr/>
+                </a:tc>
+                <a:tc>
+                  <a:txBody>
+                    <a:bodyPr/>
+                    <a:lstStyle/>
+                    <a:p>
+                      <a:pPr algn="ctr"/>
+                      <a:r>
+                        <a:rPr lang="en-US" altLang="zh-CN" dirty="0"/>
+                        <a:t>S Prediction</a:t>
+                      </a:r>
+                      <a:endParaRPr lang="zh-CN" altLang="en-US" dirty="0"/>
+                    </a:p>
+                  </a:txBody>
+                  <a:tcPr/>
+                </a:tc>
+                <a:tc>
+                  <a:txBody>
+                    <a:bodyPr/>
+                    <a:lstStyle/>
+                    <a:p>
+                      <a:pPr algn="ctr"/>
+                      <a:r>
+                        <a:rPr lang="en-US" altLang="zh-CN" dirty="0"/>
+                        <a:t>D Prediction</a:t>
+                      </a:r>
+                      <a:endParaRPr lang="zh-CN" altLang="en-US" dirty="0"/>
+                    </a:p>
+                  </a:txBody>
+                  <a:tcPr/>
+                </a:tc>
+                <a:extLst>
+                  <a:ext uri="{0D108BD9-81ED-4DB2-BD59-A6C34878D82A}">
+                    <a16:rowId xmlns:a16="http://schemas.microsoft.com/office/drawing/2014/main" val="3312699029"/>
+                  </a:ext>
+                </a:extLst>
+              </a:tr>
+              <a:tr h="370840">
+                <a:tc>
+                  <a:txBody>
+                    <a:bodyPr/>
+                    <a:lstStyle/>
+                    <a:p>
+                      <a:pPr algn="ctr"/>
+                      <a:r>
+                        <a:rPr lang="en-US" altLang="zh-CN" dirty="0"/>
+                        <a:t>No Template</a:t>
+                      </a:r>
+                    </a:p>
+                  </a:txBody>
+                  <a:tcPr/>
+                </a:tc>
+                <a:tc>
+                  <a:txBody>
+                    <a:bodyPr/>
+                    <a:lstStyle/>
+                    <a:p>
+                      <a:pPr marL="0" marR="0" lvl="0" indent="0" algn="ctr" defTabSz="914400" rtl="0" eaLnBrk="1" fontAlgn="auto" latinLnBrk="0" hangingPunct="1">
+                        <a:lnSpc>
+                          <a:spcPct val="100000"/>
+                        </a:lnSpc>
+                        <a:spcBef>
+                          <a:spcPts val="0"/>
+                        </a:spcBef>
+                        <a:spcAft>
+                          <a:spcPts val="0"/>
+                        </a:spcAft>
+                        <a:buClrTx/>
+                        <a:buSzTx/>
+                        <a:buFontTx/>
+                        <a:buNone/>
+                        <a:tabLst/>
+                        <a:defRPr/>
+                      </a:pPr>
+                      <a:r>
+                        <a:rPr lang="en-US" altLang="zh-CN" dirty="0"/>
+                        <a:t>0.79 / 1.64</a:t>
+                      </a:r>
+                      <a:endParaRPr lang="zh-CN" altLang="en-US" dirty="0"/>
+                    </a:p>
+                  </a:txBody>
+                  <a:tcPr/>
+                </a:tc>
+                <a:tc>
+                  <a:txBody>
+                    <a:bodyPr/>
+                    <a:lstStyle/>
+                    <a:p>
+                      <a:pPr marL="0" marR="0" lvl="0" indent="0" algn="ctr" defTabSz="914400" rtl="0" eaLnBrk="1" fontAlgn="auto" latinLnBrk="0" hangingPunct="1">
+                        <a:lnSpc>
+                          <a:spcPct val="100000"/>
+                        </a:lnSpc>
+                        <a:spcBef>
+                          <a:spcPts val="0"/>
+                        </a:spcBef>
+                        <a:spcAft>
+                          <a:spcPts val="0"/>
+                        </a:spcAft>
+                        <a:buClrTx/>
+                        <a:buSzTx/>
+                        <a:buFontTx/>
+                        <a:buNone/>
+                        <a:tabLst/>
+                        <a:defRPr/>
+                      </a:pPr>
+                      <a:r>
+                        <a:rPr lang="en-US" altLang="zh-CN" dirty="0"/>
+                        <a:t>1.79 / 4.31</a:t>
+                      </a:r>
+                      <a:endParaRPr lang="zh-CN" altLang="en-US" dirty="0"/>
+                    </a:p>
+                  </a:txBody>
+                  <a:tcPr/>
+                </a:tc>
+                <a:extLst>
+                  <a:ext uri="{0D108BD9-81ED-4DB2-BD59-A6C34878D82A}">
+                    <a16:rowId xmlns:a16="http://schemas.microsoft.com/office/drawing/2014/main" val="645629362"/>
+                  </a:ext>
+                </a:extLst>
+              </a:tr>
+              <a:tr h="370840">
+                <a:tc>
+                  <a:txBody>
+                    <a:bodyPr/>
+                    <a:lstStyle/>
+                    <a:p>
+                      <a:pPr algn="ctr"/>
+                      <a:r>
+                        <a:rPr lang="en-US" altLang="zh-CN" dirty="0"/>
+                        <a:t>Mean</a:t>
+                      </a:r>
+                    </a:p>
+                  </a:txBody>
+                  <a:tcPr/>
+                </a:tc>
+                <a:tc>
+                  <a:txBody>
+                    <a:bodyPr/>
+                    <a:lstStyle/>
+                    <a:p>
+                      <a:pPr marL="0" marR="0" lvl="0" indent="0" algn="ctr" defTabSz="914400" rtl="0" eaLnBrk="1" fontAlgn="auto" latinLnBrk="0" hangingPunct="1">
+                        <a:lnSpc>
+                          <a:spcPct val="100000"/>
+                        </a:lnSpc>
+                        <a:spcBef>
+                          <a:spcPts val="0"/>
+                        </a:spcBef>
+                        <a:spcAft>
+                          <a:spcPts val="0"/>
+                        </a:spcAft>
+                        <a:buClrTx/>
+                        <a:buSzTx/>
+                        <a:buFontTx/>
+                        <a:buNone/>
+                        <a:tabLst/>
+                        <a:defRPr/>
+                      </a:pPr>
+                      <a:r>
+                        <a:rPr lang="en-US" altLang="zh-CN" dirty="0"/>
+                        <a:t>1.35 / 1.38</a:t>
+                      </a:r>
+                      <a:endParaRPr lang="zh-CN" altLang="en-US" dirty="0"/>
+                    </a:p>
+                  </a:txBody>
+                  <a:tcPr/>
+                </a:tc>
+                <a:tc>
+                  <a:txBody>
+                    <a:bodyPr/>
+                    <a:lstStyle/>
+                    <a:p>
+                      <a:pPr marL="0" marR="0" lvl="0" indent="0" algn="ctr" defTabSz="914400" rtl="0" eaLnBrk="1" fontAlgn="auto" latinLnBrk="0" hangingPunct="1">
+                        <a:lnSpc>
+                          <a:spcPct val="100000"/>
+                        </a:lnSpc>
+                        <a:spcBef>
+                          <a:spcPts val="0"/>
+                        </a:spcBef>
+                        <a:spcAft>
+                          <a:spcPts val="0"/>
+                        </a:spcAft>
+                        <a:buClrTx/>
+                        <a:buSzTx/>
+                        <a:buFontTx/>
+                        <a:buNone/>
+                        <a:tabLst/>
+                        <a:defRPr/>
+                      </a:pPr>
+                      <a:r>
+                        <a:rPr lang="en-US" altLang="zh-CN" dirty="0"/>
+                        <a:t>4.53 / 4.44</a:t>
+                      </a:r>
+                      <a:endParaRPr lang="zh-CN" altLang="en-US" dirty="0"/>
+                    </a:p>
+                  </a:txBody>
+                  <a:tcPr/>
+                </a:tc>
+                <a:extLst>
+                  <a:ext uri="{0D108BD9-81ED-4DB2-BD59-A6C34878D82A}">
+                    <a16:rowId xmlns:a16="http://schemas.microsoft.com/office/drawing/2014/main" val="213170710"/>
+                  </a:ext>
+                </a:extLst>
+              </a:tr>
+              <a:tr h="370840">
+                <a:tc>
+                  <a:txBody>
+                    <a:bodyPr/>
+                    <a:lstStyle/>
+                    <a:p>
+                      <a:pPr algn="ctr"/>
+                      <a:r>
+                        <a:rPr lang="en-US" altLang="zh-CN" b="1" dirty="0"/>
+                        <a:t>DBA</a:t>
+                      </a:r>
+                      <a:endParaRPr lang="zh-CN" altLang="en-US" b="1" dirty="0"/>
+                    </a:p>
+                  </a:txBody>
+                  <a:tcPr/>
+                </a:tc>
+                <a:tc>
+                  <a:txBody>
+                    <a:bodyPr/>
+                    <a:lstStyle/>
+                    <a:p>
+                      <a:pPr algn="ctr"/>
+                      <a:r>
+                        <a:rPr lang="en-US" altLang="zh-CN" u="sng" dirty="0"/>
+                        <a:t>2.05 / 1.96</a:t>
+                      </a:r>
+                      <a:endParaRPr lang="zh-CN" altLang="en-US" u="sng" dirty="0"/>
+                    </a:p>
+                  </a:txBody>
+                  <a:tcPr/>
+                </a:tc>
+                <a:tc>
+                  <a:txBody>
+                    <a:bodyPr/>
+                    <a:lstStyle/>
+                    <a:p>
+                      <a:pPr algn="ctr"/>
+                      <a:r>
+                        <a:rPr lang="en-US" altLang="zh-CN" u="sng" dirty="0"/>
+                        <a:t>3.43 / 4.15</a:t>
+                      </a:r>
+                      <a:endParaRPr lang="zh-CN" altLang="en-US" u="sng" dirty="0"/>
+                    </a:p>
+                  </a:txBody>
+                  <a:tcPr/>
+                </a:tc>
+                <a:extLst>
+                  <a:ext uri="{0D108BD9-81ED-4DB2-BD59-A6C34878D82A}">
+                    <a16:rowId xmlns:a16="http://schemas.microsoft.com/office/drawing/2014/main" val="994351504"/>
+                  </a:ext>
+                </a:extLst>
+              </a:tr>
+            </a:tbl>
+          </a:graphicData>
+        </a:graphic>
+      </p:graphicFrame>
+      <p:sp>
+        <p:nvSpPr>
+          <p:cNvPr id="4" name="文本框 3">
+            <a:extLst>
+              <a:ext uri="{FF2B5EF4-FFF2-40B4-BE49-F238E27FC236}">
+                <a16:creationId xmlns:a16="http://schemas.microsoft.com/office/drawing/2014/main" id="{DF227627-20A9-A643-E80B-E7DF4D2EEC02}"/>
               </a:ext>
             </a:extLst>
           </p:cNvPr>
@@ -6199,7 +8196,7 @@
         <p:spPr>
           <a:xfrm>
             <a:off x="609600" y="106251"/>
-            <a:ext cx="4584920" cy="461665"/>
+            <a:ext cx="4584920" cy="369332"/>
           </a:xfrm>
           <a:prstGeom prst="rect">
             <a:avLst/>
@@ -6223,16 +8220,443 @@
           </a:lstStyle>
           <a:p>
             <a:r>
+              <a:rPr lang="en-US" altLang="zh-CN" sz="1800" b="1" dirty="0"/>
+              <a:t>Analysis of Experimental Results</a:t>
+            </a:r>
+            <a:endParaRPr lang="en-US" altLang="zh-CN" sz="1100" b="1" dirty="0"/>
+          </a:p>
+        </p:txBody>
+      </p:sp>
+      <p:sp>
+        <p:nvSpPr>
+          <p:cNvPr id="6" name="文本框 5">
+            <a:extLst>
+              <a:ext uri="{FF2B5EF4-FFF2-40B4-BE49-F238E27FC236}">
+                <a16:creationId xmlns:a16="http://schemas.microsoft.com/office/drawing/2014/main" id="{E95FC0B1-836B-6C7F-3CA5-559332FCD304}"/>
+              </a:ext>
+            </a:extLst>
+          </p:cNvPr>
+          <p:cNvSpPr txBox="1"/>
+          <p:nvPr/>
+        </p:nvSpPr>
+        <p:spPr>
+          <a:xfrm>
+            <a:off x="609599" y="474515"/>
+            <a:ext cx="11582402" cy="646331"/>
+          </a:xfrm>
+          <a:prstGeom prst="rect">
+            <a:avLst/>
+          </a:prstGeom>
+          <a:noFill/>
+        </p:spPr>
+        <p:txBody>
+          <a:bodyPr wrap="square" rtlCol="0">
+            <a:spAutoFit/>
+          </a:bodyPr>
+          <a:lstStyle/>
+          <a:p>
+            <a:r>
               <a:rPr lang="en-US" altLang="zh-CN" dirty="0"/>
-              <a:t>Part_1: </a:t>
-            </a:r>
-            <a:r>
-              <a:rPr lang="en-US" altLang="zh-CN" sz="1400" dirty="0"/>
-              <a:t>Research - Getting Template</a:t>
-            </a:r>
-          </a:p>
-        </p:txBody>
-      </p:sp>
+              <a:t>2. Source of Error of DBA</a:t>
+            </a:r>
+          </a:p>
+          <a:p>
+            <a:r>
+              <a:rPr lang="en-US" altLang="zh-CN" dirty="0"/>
+              <a:t>Why, despite the template looking very similar, is the error in D unsatisfactory (3.43)?</a:t>
+            </a:r>
+            <a:endParaRPr lang="zh-CN" altLang="en-US" dirty="0"/>
+          </a:p>
+        </p:txBody>
+      </p:sp>
+      <p:pic>
+        <p:nvPicPr>
+          <p:cNvPr id="8" name="图片 7">
+            <a:extLst>
+              <a:ext uri="{FF2B5EF4-FFF2-40B4-BE49-F238E27FC236}">
+                <a16:creationId xmlns:a16="http://schemas.microsoft.com/office/drawing/2014/main" id="{EE73AD36-837C-4768-9B1C-4874C7893AA2}"/>
+              </a:ext>
+            </a:extLst>
+          </p:cNvPr>
+          <p:cNvPicPr>
+            <a:picLocks noChangeAspect="1"/>
+          </p:cNvPicPr>
+          <p:nvPr/>
+        </p:nvPicPr>
+        <p:blipFill>
+          <a:blip r:embed="rId4"/>
+          <a:stretch>
+            <a:fillRect/>
+          </a:stretch>
+        </p:blipFill>
+        <p:spPr>
+          <a:xfrm>
+            <a:off x="6712857" y="1190379"/>
+            <a:ext cx="5138057" cy="3419382"/>
+          </a:xfrm>
+          <a:prstGeom prst="rect">
+            <a:avLst/>
+          </a:prstGeom>
+        </p:spPr>
+      </p:pic>
+      <p:cxnSp>
+        <p:nvCxnSpPr>
+          <p:cNvPr id="10" name="直接连接符 9">
+            <a:extLst>
+              <a:ext uri="{FF2B5EF4-FFF2-40B4-BE49-F238E27FC236}">
+                <a16:creationId xmlns:a16="http://schemas.microsoft.com/office/drawing/2014/main" id="{B9159E2B-B47D-341E-3492-05C1DD0BFB98}"/>
+              </a:ext>
+            </a:extLst>
+          </p:cNvPr>
+          <p:cNvCxnSpPr/>
+          <p:nvPr/>
+        </p:nvCxnSpPr>
+        <p:spPr>
+          <a:xfrm>
+            <a:off x="7358742" y="1451409"/>
+            <a:ext cx="1923143" cy="2605314"/>
+          </a:xfrm>
+          <a:prstGeom prst="line">
+            <a:avLst/>
+          </a:prstGeom>
+          <a:ln w="28575">
+            <a:solidFill>
+              <a:schemeClr val="accent2"/>
+            </a:solidFill>
+            <a:prstDash val="dash"/>
+          </a:ln>
+        </p:spPr>
+        <p:style>
+          <a:lnRef idx="1">
+            <a:schemeClr val="accent1"/>
+          </a:lnRef>
+          <a:fillRef idx="0">
+            <a:schemeClr val="accent1"/>
+          </a:fillRef>
+          <a:effectRef idx="0">
+            <a:schemeClr val="accent1"/>
+          </a:effectRef>
+          <a:fontRef idx="minor">
+            <a:schemeClr val="tx1"/>
+          </a:fontRef>
+        </p:style>
+      </p:cxnSp>
+      <p:cxnSp>
+        <p:nvCxnSpPr>
+          <p:cNvPr id="11" name="直接连接符 10">
+            <a:extLst>
+              <a:ext uri="{FF2B5EF4-FFF2-40B4-BE49-F238E27FC236}">
+                <a16:creationId xmlns:a16="http://schemas.microsoft.com/office/drawing/2014/main" id="{241E57DF-454E-B6F0-3D2B-BF977515C5C2}"/>
+              </a:ext>
+            </a:extLst>
+          </p:cNvPr>
+          <p:cNvCxnSpPr/>
+          <p:nvPr/>
+        </p:nvCxnSpPr>
+        <p:spPr>
+          <a:xfrm>
+            <a:off x="7082971" y="1706167"/>
+            <a:ext cx="1923143" cy="2605314"/>
+          </a:xfrm>
+          <a:prstGeom prst="line">
+            <a:avLst/>
+          </a:prstGeom>
+          <a:ln w="28575">
+            <a:solidFill>
+              <a:schemeClr val="accent2"/>
+            </a:solidFill>
+            <a:prstDash val="dash"/>
+          </a:ln>
+        </p:spPr>
+        <p:style>
+          <a:lnRef idx="1">
+            <a:schemeClr val="accent1"/>
+          </a:lnRef>
+          <a:fillRef idx="0">
+            <a:schemeClr val="accent1"/>
+          </a:fillRef>
+          <a:effectRef idx="0">
+            <a:schemeClr val="accent1"/>
+          </a:effectRef>
+          <a:fontRef idx="minor">
+            <a:schemeClr val="tx1"/>
+          </a:fontRef>
+        </p:style>
+      </p:cxnSp>
+      <p:sp>
+        <p:nvSpPr>
+          <p:cNvPr id="12" name="文本框 11">
+            <a:extLst>
+              <a:ext uri="{FF2B5EF4-FFF2-40B4-BE49-F238E27FC236}">
+                <a16:creationId xmlns:a16="http://schemas.microsoft.com/office/drawing/2014/main" id="{52D62603-D5EA-0A03-E5EB-9FD6101B3F5D}"/>
+              </a:ext>
+            </a:extLst>
+          </p:cNvPr>
+          <p:cNvSpPr txBox="1"/>
+          <p:nvPr/>
+        </p:nvSpPr>
+        <p:spPr>
+          <a:xfrm>
+            <a:off x="6550575" y="4549676"/>
+            <a:ext cx="5641425" cy="2308324"/>
+          </a:xfrm>
+          <a:prstGeom prst="rect">
+            <a:avLst/>
+          </a:prstGeom>
+          <a:noFill/>
+        </p:spPr>
+        <p:txBody>
+          <a:bodyPr wrap="square" rtlCol="0">
+            <a:spAutoFit/>
+          </a:bodyPr>
+          <a:lstStyle/>
+          <a:p>
+            <a:r>
+              <a:rPr lang="en-US" altLang="zh-CN" dirty="0"/>
+              <a:t>Feature = Amp(Large Peak) / Amp(Small Peak)</a:t>
+            </a:r>
+          </a:p>
+          <a:p>
+            <a:endParaRPr lang="en-US" altLang="zh-CN" dirty="0"/>
+          </a:p>
+          <a:p>
+            <a:r>
+              <a:rPr lang="en-US" altLang="zh-CN" dirty="0"/>
+              <a:t>Source of Errors:</a:t>
+            </a:r>
+          </a:p>
+          <a:p>
+            <a:r>
+              <a:rPr lang="en-US" altLang="zh-CN" dirty="0"/>
+              <a:t>Amplitudes of large peak are underestimated.</a:t>
+            </a:r>
+          </a:p>
+          <a:p>
+            <a:endParaRPr lang="en-US" altLang="zh-CN" dirty="0"/>
+          </a:p>
+          <a:p>
+            <a:r>
+              <a:rPr lang="en-US" altLang="zh-CN" dirty="0"/>
+              <a:t>Large peaks have more points than small peaks, leading to inevitable errors in matching due to DTW misalignment.</a:t>
+            </a:r>
+            <a:endParaRPr lang="zh-CN" altLang="en-US" dirty="0"/>
+          </a:p>
+        </p:txBody>
+      </p:sp>
+      <p:sp>
+        <p:nvSpPr>
+          <p:cNvPr id="13" name="椭圆 12">
+            <a:extLst>
+              <a:ext uri="{FF2B5EF4-FFF2-40B4-BE49-F238E27FC236}">
+                <a16:creationId xmlns:a16="http://schemas.microsoft.com/office/drawing/2014/main" id="{8C752F1A-0C70-3550-1A57-74B1B1F6A582}"/>
+              </a:ext>
+            </a:extLst>
+          </p:cNvPr>
+          <p:cNvSpPr/>
+          <p:nvPr/>
+        </p:nvSpPr>
+        <p:spPr>
+          <a:xfrm>
+            <a:off x="8641556" y="3539976"/>
+            <a:ext cx="119063" cy="114300"/>
+          </a:xfrm>
+          <a:prstGeom prst="ellipse">
+            <a:avLst/>
+          </a:prstGeom>
+          <a:solidFill>
+            <a:schemeClr val="accent6"/>
+          </a:solidFill>
+          <a:ln>
+            <a:solidFill>
+              <a:schemeClr val="accent6"/>
+            </a:solidFill>
+          </a:ln>
+        </p:spPr>
+        <p:style>
+          <a:lnRef idx="2">
+            <a:schemeClr val="accent1">
+              <a:shade val="15000"/>
+            </a:schemeClr>
+          </a:lnRef>
+          <a:fillRef idx="1">
+            <a:schemeClr val="accent1"/>
+          </a:fillRef>
+          <a:effectRef idx="0">
+            <a:schemeClr val="accent1"/>
+          </a:effectRef>
+          <a:fontRef idx="minor">
+            <a:schemeClr val="lt1"/>
+          </a:fontRef>
+        </p:style>
+        <p:txBody>
+          <a:bodyPr rtlCol="0" anchor="ctr"/>
+          <a:lstStyle/>
+          <a:p>
+            <a:pPr algn="ctr"/>
+            <a:endParaRPr lang="zh-CN" altLang="en-US"/>
+          </a:p>
+        </p:txBody>
+      </p:sp>
+      <p:cxnSp>
+        <p:nvCxnSpPr>
+          <p:cNvPr id="15" name="直接箭头连接符 14">
+            <a:extLst>
+              <a:ext uri="{FF2B5EF4-FFF2-40B4-BE49-F238E27FC236}">
+                <a16:creationId xmlns:a16="http://schemas.microsoft.com/office/drawing/2014/main" id="{312A9179-A3EB-8A40-72B8-4EBFED64CF20}"/>
+              </a:ext>
+            </a:extLst>
+          </p:cNvPr>
+          <p:cNvCxnSpPr/>
+          <p:nvPr/>
+        </p:nvCxnSpPr>
+        <p:spPr>
+          <a:xfrm>
+            <a:off x="8081963" y="3597126"/>
+            <a:ext cx="559593" cy="0"/>
+          </a:xfrm>
+          <a:prstGeom prst="straightConnector1">
+            <a:avLst/>
+          </a:prstGeom>
+          <a:ln w="19050">
+            <a:solidFill>
+              <a:schemeClr val="accent6"/>
+            </a:solidFill>
+            <a:tailEnd type="triangle"/>
+          </a:ln>
+        </p:spPr>
+        <p:style>
+          <a:lnRef idx="1">
+            <a:schemeClr val="accent1"/>
+          </a:lnRef>
+          <a:fillRef idx="0">
+            <a:schemeClr val="accent1"/>
+          </a:fillRef>
+          <a:effectRef idx="0">
+            <a:schemeClr val="accent1"/>
+          </a:effectRef>
+          <a:fontRef idx="minor">
+            <a:schemeClr val="tx1"/>
+          </a:fontRef>
+        </p:style>
+      </p:cxnSp>
+      <p:sp>
+        <p:nvSpPr>
+          <p:cNvPr id="17" name="矩形 16">
+            <a:extLst>
+              <a:ext uri="{FF2B5EF4-FFF2-40B4-BE49-F238E27FC236}">
+                <a16:creationId xmlns:a16="http://schemas.microsoft.com/office/drawing/2014/main" id="{6441D253-DF04-5733-EEEE-A1EECE4FB48E}"/>
+              </a:ext>
+            </a:extLst>
+          </p:cNvPr>
+          <p:cNvSpPr/>
+          <p:nvPr/>
+        </p:nvSpPr>
+        <p:spPr>
+          <a:xfrm>
+            <a:off x="3760446" y="3462703"/>
+            <a:ext cx="766763" cy="2125434"/>
+          </a:xfrm>
+          <a:prstGeom prst="rect">
+            <a:avLst/>
+          </a:prstGeom>
+          <a:noFill/>
+          <a:ln w="19050">
+            <a:solidFill>
+              <a:srgbClr val="FF0000"/>
+            </a:solidFill>
+          </a:ln>
+        </p:spPr>
+        <p:style>
+          <a:lnRef idx="2">
+            <a:schemeClr val="accent1">
+              <a:shade val="15000"/>
+            </a:schemeClr>
+          </a:lnRef>
+          <a:fillRef idx="1">
+            <a:schemeClr val="accent1"/>
+          </a:fillRef>
+          <a:effectRef idx="0">
+            <a:schemeClr val="accent1"/>
+          </a:effectRef>
+          <a:fontRef idx="minor">
+            <a:schemeClr val="lt1"/>
+          </a:fontRef>
+        </p:style>
+        <p:txBody>
+          <a:bodyPr rtlCol="0" anchor="ctr"/>
+          <a:lstStyle/>
+          <a:p>
+            <a:pPr algn="ctr"/>
+            <a:endParaRPr lang="zh-CN" altLang="en-US" dirty="0"/>
+          </a:p>
+        </p:txBody>
+      </p:sp>
+      <p:sp>
+        <p:nvSpPr>
+          <p:cNvPr id="18" name="文本框 17">
+            <a:extLst>
+              <a:ext uri="{FF2B5EF4-FFF2-40B4-BE49-F238E27FC236}">
+                <a16:creationId xmlns:a16="http://schemas.microsoft.com/office/drawing/2014/main" id="{581ABB93-CFD0-2FF1-44E4-4747FC58CF57}"/>
+              </a:ext>
+            </a:extLst>
+          </p:cNvPr>
+          <p:cNvSpPr txBox="1"/>
+          <p:nvPr/>
+        </p:nvSpPr>
+        <p:spPr>
+          <a:xfrm>
+            <a:off x="422516" y="5984590"/>
+            <a:ext cx="5927834" cy="646331"/>
+          </a:xfrm>
+          <a:prstGeom prst="rect">
+            <a:avLst/>
+          </a:prstGeom>
+          <a:noFill/>
+        </p:spPr>
+        <p:txBody>
+          <a:bodyPr wrap="square" rtlCol="0">
+            <a:spAutoFit/>
+          </a:bodyPr>
+          <a:lstStyle/>
+          <a:p>
+            <a:r>
+              <a:rPr lang="en-US" altLang="zh-CN" dirty="0"/>
+              <a:t>Error from small peaks’ misalignment has been solved successfully.</a:t>
+            </a:r>
+            <a:endParaRPr lang="zh-CN" altLang="en-US" dirty="0"/>
+          </a:p>
+        </p:txBody>
+      </p:sp>
+    </p:spTree>
+    <p:extLst>
+      <p:ext uri="{BB962C8B-B14F-4D97-AF65-F5344CB8AC3E}">
+        <p14:creationId xmlns:p14="http://schemas.microsoft.com/office/powerpoint/2010/main" val="3665964354"/>
+      </p:ext>
+    </p:extLst>
+  </p:cSld>
+  <p:clrMapOvr>
+    <a:masterClrMapping/>
+  </p:clrMapOvr>
+</p:sld>
+</file>
+
+<file path=ppt/slides/slide13.xml><?xml version="1.0" encoding="utf-8"?>
+<p:sld xmlns:a="http://schemas.openxmlformats.org/drawingml/2006/main" xmlns:r="http://schemas.openxmlformats.org/officeDocument/2006/relationships" xmlns:p="http://schemas.openxmlformats.org/presentationml/2006/main">
+  <p:cSld>
+    <p:spTree>
+      <p:nvGrpSpPr>
+        <p:cNvPr id="1" name=""/>
+        <p:cNvGrpSpPr/>
+        <p:nvPr/>
+      </p:nvGrpSpPr>
+      <p:grpSpPr>
+        <a:xfrm>
+          <a:off x="0" y="0"/>
+          <a:ext cx="0" cy="0"/>
+          <a:chOff x="0" y="0"/>
+          <a:chExt cx="0" cy="0"/>
+        </a:xfrm>
+      </p:grpSpPr>
       <p:graphicFrame>
         <p:nvGraphicFramePr>
           <p:cNvPr id="2" name="表格 1">
@@ -6245,10 +8669,16 @@
           <p:cNvGraphicFramePr>
             <a:graphicFrameLocks noGrp="1"/>
           </p:cNvGraphicFramePr>
-          <p:nvPr/>
+          <p:nvPr>
+            <p:extLst>
+              <p:ext uri="{D42A27DB-BD31-4B8C-83A1-F6EECF244321}">
+                <p14:modId xmlns:p14="http://schemas.microsoft.com/office/powerpoint/2010/main" val="2267937592"/>
+              </p:ext>
+            </p:extLst>
+          </p:nvPr>
         </p:nvGraphicFramePr>
         <p:xfrm>
-          <a:off x="715803" y="847527"/>
+          <a:off x="3250722" y="1209258"/>
           <a:ext cx="5690553" cy="1112520"/>
         </p:xfrm>
         <a:graphic>
@@ -6525,7 +8955,7 @@
         </p:blipFill>
         <p:spPr>
           <a:xfrm>
-            <a:off x="1293306" y="2609850"/>
+            <a:off x="2118853" y="2691830"/>
             <a:ext cx="3977146" cy="2799119"/>
           </a:xfrm>
           <a:prstGeom prst="rect">
@@ -6555,7 +8985,7 @@
         </p:blipFill>
         <p:spPr>
           <a:xfrm>
-            <a:off x="5327134" y="2666836"/>
+            <a:off x="6152681" y="2748816"/>
             <a:ext cx="4070866" cy="2696424"/>
           </a:xfrm>
           <a:prstGeom prst="rect">
@@ -6563,42 +8993,90 @@
           </a:prstGeom>
         </p:spPr>
       </p:pic>
-    </p:spTree>
-    <p:extLst>
-      <p:ext uri="{BB962C8B-B14F-4D97-AF65-F5344CB8AC3E}">
-        <p14:creationId xmlns:p14="http://schemas.microsoft.com/office/powerpoint/2010/main" val="1940344085"/>
-      </p:ext>
-    </p:extLst>
-  </p:cSld>
-  <p:clrMapOvr>
-    <a:masterClrMapping/>
-  </p:clrMapOvr>
-</p:sld>
-</file>
-
-<file path=ppt/slides/slide13.xml><?xml version="1.0" encoding="utf-8"?>
-<p:sld xmlns:a="http://schemas.openxmlformats.org/drawingml/2006/main" xmlns:r="http://schemas.openxmlformats.org/officeDocument/2006/relationships" xmlns:p="http://schemas.openxmlformats.org/presentationml/2006/main">
-  <p:cSld>
-    <p:spTree>
-      <p:nvGrpSpPr>
-        <p:cNvPr id="1" name=""/>
-        <p:cNvGrpSpPr/>
-        <p:nvPr/>
-      </p:nvGrpSpPr>
-      <p:grpSpPr>
-        <a:xfrm>
-          <a:off x="0" y="0"/>
-          <a:ext cx="0" cy="0"/>
-          <a:chOff x="0" y="0"/>
-          <a:chExt cx="0" cy="0"/>
-        </a:xfrm>
-      </p:grpSpPr>
-      <p:sp>
-        <p:nvSpPr>
-          <p:cNvPr id="55" name="文本框 54">
-            <a:extLst>
-              <a:ext uri="{FF2B5EF4-FFF2-40B4-BE49-F238E27FC236}">
-                <a16:creationId xmlns:a16="http://schemas.microsoft.com/office/drawing/2014/main" id="{32A2BE86-86A6-F1FC-83EE-91A826B532E5}"/>
+      <p:sp>
+        <p:nvSpPr>
+          <p:cNvPr id="3" name="文本框 2">
+            <a:extLst>
+              <a:ext uri="{FF2B5EF4-FFF2-40B4-BE49-F238E27FC236}">
+                <a16:creationId xmlns:a16="http://schemas.microsoft.com/office/drawing/2014/main" id="{5B5D75D9-E2C1-D1A1-591A-079F6B4D3D85}"/>
+              </a:ext>
+            </a:extLst>
+          </p:cNvPr>
+          <p:cNvSpPr txBox="1"/>
+          <p:nvPr/>
+        </p:nvSpPr>
+        <p:spPr>
+          <a:xfrm>
+            <a:off x="609599" y="568636"/>
+            <a:ext cx="11582402" cy="369332"/>
+          </a:xfrm>
+          <a:prstGeom prst="rect">
+            <a:avLst/>
+          </a:prstGeom>
+          <a:noFill/>
+        </p:spPr>
+        <p:txBody>
+          <a:bodyPr wrap="square" rtlCol="0">
+            <a:spAutoFit/>
+          </a:bodyPr>
+          <a:lstStyle/>
+          <a:p>
+            <a:r>
+              <a:rPr lang="en-US" altLang="zh-CN" dirty="0"/>
+              <a:t>3. A type of Ineffective Centroid Calculation Method</a:t>
+            </a:r>
+            <a:endParaRPr lang="zh-CN" altLang="en-US" dirty="0"/>
+          </a:p>
+        </p:txBody>
+      </p:sp>
+      <p:sp>
+        <p:nvSpPr>
+          <p:cNvPr id="7" name="文本框 6">
+            <a:extLst>
+              <a:ext uri="{FF2B5EF4-FFF2-40B4-BE49-F238E27FC236}">
+                <a16:creationId xmlns:a16="http://schemas.microsoft.com/office/drawing/2014/main" id="{5BEBAB40-C10A-5838-BDCC-C261AD22F08D}"/>
+              </a:ext>
+            </a:extLst>
+          </p:cNvPr>
+          <p:cNvSpPr txBox="1"/>
+          <p:nvPr/>
+        </p:nvSpPr>
+        <p:spPr>
+          <a:xfrm>
+            <a:off x="2512422" y="5618214"/>
+            <a:ext cx="8296416" cy="1200329"/>
+          </a:xfrm>
+          <a:prstGeom prst="rect">
+            <a:avLst/>
+          </a:prstGeom>
+          <a:noFill/>
+        </p:spPr>
+        <p:txBody>
+          <a:bodyPr wrap="square">
+            <a:spAutoFit/>
+          </a:bodyPr>
+          <a:lstStyle/>
+          <a:p>
+            <a:r>
+              <a:rPr lang="en-US" altLang="zh-CN" dirty="0"/>
+              <a:t>Essentially, all of them use the eigenvector of a matrix as centroids for quick clustering. </a:t>
+            </a:r>
+          </a:p>
+          <a:p>
+            <a:r>
+              <a:rPr lang="en-US" altLang="zh-CN" dirty="0"/>
+              <a:t>However, for Template4Prediction task, this approach is too coarse and cannot be used.</a:t>
+            </a:r>
+            <a:endParaRPr lang="zh-CN" altLang="en-US" dirty="0"/>
+          </a:p>
+        </p:txBody>
+      </p:sp>
+      <p:sp>
+        <p:nvSpPr>
+          <p:cNvPr id="8" name="文本框 7">
+            <a:extLst>
+              <a:ext uri="{FF2B5EF4-FFF2-40B4-BE49-F238E27FC236}">
+                <a16:creationId xmlns:a16="http://schemas.microsoft.com/office/drawing/2014/main" id="{C5658FD2-7959-E3F6-E938-11C5289D3792}"/>
               </a:ext>
             </a:extLst>
           </p:cNvPr>
@@ -6608,7 +9086,7 @@
         <p:spPr>
           <a:xfrm>
             <a:off x="609600" y="106251"/>
-            <a:ext cx="4584920" cy="461665"/>
+            <a:ext cx="4584920" cy="369332"/>
           </a:xfrm>
           <a:prstGeom prst="rect">
             <a:avLst/>
@@ -6632,80 +9110,17 @@
           </a:lstStyle>
           <a:p>
             <a:r>
-              <a:rPr lang="en-US" altLang="zh-CN" dirty="0"/>
-              <a:t>Part_1: </a:t>
-            </a:r>
-            <a:r>
-              <a:rPr lang="en-US" altLang="zh-CN" sz="1400" dirty="0"/>
-              <a:t>Research - Getting Template</a:t>
-            </a:r>
-          </a:p>
-        </p:txBody>
-      </p:sp>
-      <p:pic>
-        <p:nvPicPr>
-          <p:cNvPr id="4" name="图片 3">
-            <a:extLst>
-              <a:ext uri="{FF2B5EF4-FFF2-40B4-BE49-F238E27FC236}">
-                <a16:creationId xmlns:a16="http://schemas.microsoft.com/office/drawing/2014/main" id="{C272616A-963B-5E4A-6482-7FACDDCAC948}"/>
-              </a:ext>
-            </a:extLst>
-          </p:cNvPr>
-          <p:cNvPicPr>
-            <a:picLocks noChangeAspect="1"/>
-          </p:cNvPicPr>
-          <p:nvPr/>
-        </p:nvPicPr>
-        <p:blipFill>
-          <a:blip r:embed="rId3"/>
-          <a:stretch>
-            <a:fillRect/>
-          </a:stretch>
-        </p:blipFill>
-        <p:spPr>
-          <a:xfrm>
-            <a:off x="2438400" y="658702"/>
-            <a:ext cx="8794750" cy="2864435"/>
-          </a:xfrm>
-          <a:prstGeom prst="rect">
-            <a:avLst/>
-          </a:prstGeom>
-        </p:spPr>
-      </p:pic>
-      <p:pic>
-        <p:nvPicPr>
-          <p:cNvPr id="6" name="图片 5">
-            <a:extLst>
-              <a:ext uri="{FF2B5EF4-FFF2-40B4-BE49-F238E27FC236}">
-                <a16:creationId xmlns:a16="http://schemas.microsoft.com/office/drawing/2014/main" id="{CD38A061-2B36-0206-8CC3-CBF36305F7EA}"/>
-              </a:ext>
-            </a:extLst>
-          </p:cNvPr>
-          <p:cNvPicPr>
-            <a:picLocks noChangeAspect="1"/>
-          </p:cNvPicPr>
-          <p:nvPr/>
-        </p:nvPicPr>
-        <p:blipFill>
-          <a:blip r:embed="rId4"/>
-          <a:stretch>
-            <a:fillRect/>
-          </a:stretch>
-        </p:blipFill>
-        <p:spPr>
-          <a:xfrm>
-            <a:off x="2438400" y="3523137"/>
-            <a:ext cx="5592041" cy="2623663"/>
-          </a:xfrm>
-          <a:prstGeom prst="rect">
-            <a:avLst/>
-          </a:prstGeom>
-        </p:spPr>
-      </p:pic>
+              <a:rPr lang="en-US" altLang="zh-CN" sz="1800" b="1" dirty="0"/>
+              <a:t>Analysis of Experimental Results</a:t>
+            </a:r>
+            <a:endParaRPr lang="en-US" altLang="zh-CN" sz="1100" b="1" dirty="0"/>
+          </a:p>
+        </p:txBody>
+      </p:sp>
     </p:spTree>
     <p:extLst>
       <p:ext uri="{BB962C8B-B14F-4D97-AF65-F5344CB8AC3E}">
-        <p14:creationId xmlns:p14="http://schemas.microsoft.com/office/powerpoint/2010/main" val="153185469"/>
+        <p14:creationId xmlns:p14="http://schemas.microsoft.com/office/powerpoint/2010/main" val="1940344085"/>
       </p:ext>
     </p:extLst>
   </p:cSld>
@@ -6734,6 +9149,991 @@
       </p:grpSpPr>
       <p:sp>
         <p:nvSpPr>
+          <p:cNvPr id="3" name="文本框 2">
+            <a:extLst>
+              <a:ext uri="{FF2B5EF4-FFF2-40B4-BE49-F238E27FC236}">
+                <a16:creationId xmlns:a16="http://schemas.microsoft.com/office/drawing/2014/main" id="{5B5D75D9-E2C1-D1A1-591A-079F6B4D3D85}"/>
+              </a:ext>
+            </a:extLst>
+          </p:cNvPr>
+          <p:cNvSpPr txBox="1"/>
+          <p:nvPr/>
+        </p:nvSpPr>
+        <p:spPr>
+          <a:xfrm>
+            <a:off x="609599" y="568636"/>
+            <a:ext cx="11582402" cy="369332"/>
+          </a:xfrm>
+          <a:prstGeom prst="rect">
+            <a:avLst/>
+          </a:prstGeom>
+          <a:noFill/>
+        </p:spPr>
+        <p:txBody>
+          <a:bodyPr wrap="square" rtlCol="0">
+            <a:spAutoFit/>
+          </a:bodyPr>
+          <a:lstStyle/>
+          <a:p>
+            <a:r>
+              <a:rPr lang="en-US" altLang="zh-CN" dirty="0"/>
+              <a:t>4. Trainable Method</a:t>
+            </a:r>
+            <a:endParaRPr lang="zh-CN" altLang="en-US" dirty="0"/>
+          </a:p>
+        </p:txBody>
+      </p:sp>
+      <p:sp>
+        <p:nvSpPr>
+          <p:cNvPr id="8" name="文本框 7">
+            <a:extLst>
+              <a:ext uri="{FF2B5EF4-FFF2-40B4-BE49-F238E27FC236}">
+                <a16:creationId xmlns:a16="http://schemas.microsoft.com/office/drawing/2014/main" id="{C5658FD2-7959-E3F6-E938-11C5289D3792}"/>
+              </a:ext>
+            </a:extLst>
+          </p:cNvPr>
+          <p:cNvSpPr txBox="1"/>
+          <p:nvPr/>
+        </p:nvSpPr>
+        <p:spPr>
+          <a:xfrm>
+            <a:off x="609600" y="106251"/>
+            <a:ext cx="4584920" cy="369332"/>
+          </a:xfrm>
+          <a:prstGeom prst="rect">
+            <a:avLst/>
+          </a:prstGeom>
+          <a:noFill/>
+        </p:spPr>
+        <p:txBody>
+          <a:bodyPr wrap="square" rtlCol="0">
+            <a:spAutoFit/>
+          </a:bodyPr>
+          <a:lstStyle>
+            <a:defPPr>
+              <a:defRPr lang="zh-CN"/>
+            </a:defPPr>
+            <a:lvl1pPr>
+              <a:defRPr sz="2400">
+                <a:latin typeface="Consolas" panose="020B0609020204030204" pitchFamily="49" charset="0"/>
+                <a:cs typeface="Times New Roman" panose="02020603050405020304" pitchFamily="18" charset="0"/>
+              </a:defRPr>
+            </a:lvl1pPr>
+          </a:lstStyle>
+          <a:p>
+            <a:r>
+              <a:rPr lang="en-US" altLang="zh-CN" sz="1800" b="1" dirty="0"/>
+              <a:t>Analysis of Experimental Results</a:t>
+            </a:r>
+            <a:endParaRPr lang="en-US" altLang="zh-CN" sz="1100" b="1" dirty="0"/>
+          </a:p>
+        </p:txBody>
+      </p:sp>
+      <p:graphicFrame>
+        <p:nvGraphicFramePr>
+          <p:cNvPr id="5" name="表格 4">
+            <a:extLst>
+              <a:ext uri="{FF2B5EF4-FFF2-40B4-BE49-F238E27FC236}">
+                <a16:creationId xmlns:a16="http://schemas.microsoft.com/office/drawing/2014/main" id="{AAAE904D-2998-174E-5874-42E721AF3C84}"/>
+              </a:ext>
+            </a:extLst>
+          </p:cNvPr>
+          <p:cNvGraphicFramePr>
+            <a:graphicFrameLocks noGrp="1"/>
+          </p:cNvGraphicFramePr>
+          <p:nvPr>
+            <p:extLst>
+              <p:ext uri="{D42A27DB-BD31-4B8C-83A1-F6EECF244321}">
+                <p14:modId xmlns:p14="http://schemas.microsoft.com/office/powerpoint/2010/main" val="3620617189"/>
+              </p:ext>
+            </p:extLst>
+          </p:nvPr>
+        </p:nvGraphicFramePr>
+        <p:xfrm>
+          <a:off x="3626960" y="1182370"/>
+          <a:ext cx="4938079" cy="1854200"/>
+        </p:xfrm>
+        <a:graphic>
+          <a:graphicData uri="http://schemas.openxmlformats.org/drawingml/2006/table">
+            <a:tbl>
+              <a:tblPr firstRow="1" bandRow="1">
+                <a:tableStyleId>{5C22544A-7EE6-4342-B048-85BDC9FD1C3A}</a:tableStyleId>
+              </a:tblPr>
+              <a:tblGrid>
+                <a:gridCol w="1311593">
+                  <a:extLst>
+                    <a:ext uri="{9D8B030D-6E8A-4147-A177-3AD203B41FA5}">
+                      <a16:colId xmlns:a16="http://schemas.microsoft.com/office/drawing/2014/main" val="25069024"/>
+                    </a:ext>
+                  </a:extLst>
+                </a:gridCol>
+                <a:gridCol w="1813243">
+                  <a:extLst>
+                    <a:ext uri="{9D8B030D-6E8A-4147-A177-3AD203B41FA5}">
+                      <a16:colId xmlns:a16="http://schemas.microsoft.com/office/drawing/2014/main" val="2599089463"/>
+                    </a:ext>
+                  </a:extLst>
+                </a:gridCol>
+                <a:gridCol w="1813243">
+                  <a:extLst>
+                    <a:ext uri="{9D8B030D-6E8A-4147-A177-3AD203B41FA5}">
+                      <a16:colId xmlns:a16="http://schemas.microsoft.com/office/drawing/2014/main" val="2991976042"/>
+                    </a:ext>
+                  </a:extLst>
+                </a:gridCol>
+              </a:tblGrid>
+              <a:tr h="370840">
+                <a:tc>
+                  <a:txBody>
+                    <a:bodyPr/>
+                    <a:lstStyle/>
+                    <a:p>
+                      <a:pPr algn="ctr"/>
+                      <a:r>
+                        <a:rPr lang="en-US" altLang="zh-CN" dirty="0"/>
+                        <a:t>Model</a:t>
+                      </a:r>
+                      <a:endParaRPr lang="zh-CN" altLang="en-US" dirty="0"/>
+                    </a:p>
+                  </a:txBody>
+                  <a:tcPr/>
+                </a:tc>
+                <a:tc>
+                  <a:txBody>
+                    <a:bodyPr/>
+                    <a:lstStyle/>
+                    <a:p>
+                      <a:pPr algn="ctr"/>
+                      <a:r>
+                        <a:rPr lang="en-US" altLang="zh-CN" dirty="0"/>
+                        <a:t>S Prediction</a:t>
+                      </a:r>
+                      <a:endParaRPr lang="zh-CN" altLang="en-US" dirty="0"/>
+                    </a:p>
+                  </a:txBody>
+                  <a:tcPr/>
+                </a:tc>
+                <a:tc>
+                  <a:txBody>
+                    <a:bodyPr/>
+                    <a:lstStyle/>
+                    <a:p>
+                      <a:pPr algn="ctr"/>
+                      <a:r>
+                        <a:rPr lang="en-US" altLang="zh-CN" dirty="0"/>
+                        <a:t>D Prediction</a:t>
+                      </a:r>
+                      <a:endParaRPr lang="zh-CN" altLang="en-US" dirty="0"/>
+                    </a:p>
+                  </a:txBody>
+                  <a:tcPr/>
+                </a:tc>
+                <a:extLst>
+                  <a:ext uri="{0D108BD9-81ED-4DB2-BD59-A6C34878D82A}">
+                    <a16:rowId xmlns:a16="http://schemas.microsoft.com/office/drawing/2014/main" val="3570425653"/>
+                  </a:ext>
+                </a:extLst>
+              </a:tr>
+              <a:tr h="370840">
+                <a:tc>
+                  <a:txBody>
+                    <a:bodyPr/>
+                    <a:lstStyle/>
+                    <a:p>
+                      <a:pPr algn="ctr"/>
+                      <a:r>
+                        <a:rPr lang="en-US" altLang="zh-CN" b="1" dirty="0"/>
+                        <a:t>DBA</a:t>
+                      </a:r>
+                      <a:endParaRPr lang="zh-CN" altLang="en-US" b="1" dirty="0"/>
+                    </a:p>
+                  </a:txBody>
+                  <a:tcPr/>
+                </a:tc>
+                <a:tc>
+                  <a:txBody>
+                    <a:bodyPr/>
+                    <a:lstStyle/>
+                    <a:p>
+                      <a:pPr algn="ctr"/>
+                      <a:r>
+                        <a:rPr lang="en-US" altLang="zh-CN" u="sng" dirty="0"/>
+                        <a:t>2.05 / 1.96</a:t>
+                      </a:r>
+                      <a:endParaRPr lang="zh-CN" altLang="en-US" u="sng" dirty="0"/>
+                    </a:p>
+                  </a:txBody>
+                  <a:tcPr/>
+                </a:tc>
+                <a:tc>
+                  <a:txBody>
+                    <a:bodyPr/>
+                    <a:lstStyle/>
+                    <a:p>
+                      <a:pPr algn="ctr"/>
+                      <a:r>
+                        <a:rPr lang="en-US" altLang="zh-CN" u="sng" dirty="0"/>
+                        <a:t>3.43 / 4.15</a:t>
+                      </a:r>
+                      <a:endParaRPr lang="zh-CN" altLang="en-US" u="sng" dirty="0"/>
+                    </a:p>
+                  </a:txBody>
+                  <a:tcPr/>
+                </a:tc>
+                <a:extLst>
+                  <a:ext uri="{0D108BD9-81ED-4DB2-BD59-A6C34878D82A}">
+                    <a16:rowId xmlns:a16="http://schemas.microsoft.com/office/drawing/2014/main" val="3389503476"/>
+                  </a:ext>
+                </a:extLst>
+              </a:tr>
+              <a:tr h="370840">
+                <a:tc>
+                  <a:txBody>
+                    <a:bodyPr/>
+                    <a:lstStyle/>
+                    <a:p>
+                      <a:pPr algn="ctr"/>
+                      <a:r>
+                        <a:rPr lang="en-US" altLang="zh-CN" b="0" dirty="0"/>
+                        <a:t>GTW</a:t>
+                      </a:r>
+                      <a:endParaRPr lang="zh-CN" altLang="en-US" b="0" dirty="0"/>
+                    </a:p>
+                  </a:txBody>
+                  <a:tcPr/>
+                </a:tc>
+                <a:tc>
+                  <a:txBody>
+                    <a:bodyPr/>
+                    <a:lstStyle/>
+                    <a:p>
+                      <a:pPr algn="ctr"/>
+                      <a:r>
+                        <a:rPr lang="en-US" altLang="zh-CN" u="none" dirty="0"/>
+                        <a:t>- / -</a:t>
+                      </a:r>
+                      <a:endParaRPr lang="zh-CN" altLang="en-US" u="none" dirty="0"/>
+                    </a:p>
+                  </a:txBody>
+                  <a:tcPr/>
+                </a:tc>
+                <a:tc>
+                  <a:txBody>
+                    <a:bodyPr/>
+                    <a:lstStyle/>
+                    <a:p>
+                      <a:pPr algn="ctr"/>
+                      <a:r>
+                        <a:rPr lang="en-US" altLang="zh-CN" u="none" dirty="0"/>
+                        <a:t>- / -</a:t>
+                      </a:r>
+                      <a:endParaRPr lang="zh-CN" altLang="en-US" u="none" dirty="0"/>
+                    </a:p>
+                  </a:txBody>
+                  <a:tcPr/>
+                </a:tc>
+                <a:extLst>
+                  <a:ext uri="{0D108BD9-81ED-4DB2-BD59-A6C34878D82A}">
+                    <a16:rowId xmlns:a16="http://schemas.microsoft.com/office/drawing/2014/main" val="568204412"/>
+                  </a:ext>
+                </a:extLst>
+              </a:tr>
+              <a:tr h="370840">
+                <a:tc>
+                  <a:txBody>
+                    <a:bodyPr/>
+                    <a:lstStyle/>
+                    <a:p>
+                      <a:pPr algn="ctr"/>
+                      <a:r>
+                        <a:rPr lang="en-US" altLang="zh-CN" b="0" dirty="0"/>
+                        <a:t>TTW</a:t>
+                      </a:r>
+                      <a:endParaRPr lang="zh-CN" altLang="en-US" b="0" dirty="0"/>
+                    </a:p>
+                  </a:txBody>
+                  <a:tcPr/>
+                </a:tc>
+                <a:tc>
+                  <a:txBody>
+                    <a:bodyPr/>
+                    <a:lstStyle/>
+                    <a:p>
+                      <a:pPr algn="ctr"/>
+                      <a:r>
+                        <a:rPr lang="en-US" altLang="zh-CN" u="none" dirty="0"/>
+                        <a:t>1.52 / -</a:t>
+                      </a:r>
+                      <a:endParaRPr lang="zh-CN" altLang="en-US" u="none" dirty="0"/>
+                    </a:p>
+                  </a:txBody>
+                  <a:tcPr/>
+                </a:tc>
+                <a:tc>
+                  <a:txBody>
+                    <a:bodyPr/>
+                    <a:lstStyle/>
+                    <a:p>
+                      <a:pPr algn="ctr"/>
+                      <a:r>
+                        <a:rPr lang="en-US" altLang="zh-CN" u="none" dirty="0"/>
+                        <a:t>4.28 / -</a:t>
+                      </a:r>
+                      <a:endParaRPr lang="zh-CN" altLang="en-US" u="none" dirty="0"/>
+                    </a:p>
+                  </a:txBody>
+                  <a:tcPr/>
+                </a:tc>
+                <a:extLst>
+                  <a:ext uri="{0D108BD9-81ED-4DB2-BD59-A6C34878D82A}">
+                    <a16:rowId xmlns:a16="http://schemas.microsoft.com/office/drawing/2014/main" val="2706733731"/>
+                  </a:ext>
+                </a:extLst>
+              </a:tr>
+              <a:tr h="370840">
+                <a:tc>
+                  <a:txBody>
+                    <a:bodyPr/>
+                    <a:lstStyle/>
+                    <a:p>
+                      <a:pPr marL="0" marR="0" lvl="0" indent="0" algn="ctr" defTabSz="914400" rtl="0" eaLnBrk="1" fontAlgn="auto" latinLnBrk="0" hangingPunct="1">
+                        <a:lnSpc>
+                          <a:spcPct val="100000"/>
+                        </a:lnSpc>
+                        <a:spcBef>
+                          <a:spcPts val="0"/>
+                        </a:spcBef>
+                        <a:spcAft>
+                          <a:spcPts val="0"/>
+                        </a:spcAft>
+                        <a:buClrTx/>
+                        <a:buSzTx/>
+                        <a:buFontTx/>
+                        <a:buNone/>
+                        <a:tabLst/>
+                        <a:defRPr/>
+                      </a:pPr>
+                      <a:r>
+                        <a:rPr lang="en-US" altLang="zh-CN" dirty="0"/>
+                        <a:t>Soft-DTW</a:t>
+                      </a:r>
+                      <a:endParaRPr lang="zh-CN" altLang="en-US" dirty="0"/>
+                    </a:p>
+                  </a:txBody>
+                  <a:tcPr/>
+                </a:tc>
+                <a:tc>
+                  <a:txBody>
+                    <a:bodyPr/>
+                    <a:lstStyle/>
+                    <a:p>
+                      <a:pPr marL="0" marR="0" lvl="0" indent="0" algn="ctr" defTabSz="914400" rtl="0" eaLnBrk="1" fontAlgn="auto" latinLnBrk="0" hangingPunct="1">
+                        <a:lnSpc>
+                          <a:spcPct val="100000"/>
+                        </a:lnSpc>
+                        <a:spcBef>
+                          <a:spcPts val="0"/>
+                        </a:spcBef>
+                        <a:spcAft>
+                          <a:spcPts val="0"/>
+                        </a:spcAft>
+                        <a:buClrTx/>
+                        <a:buSzTx/>
+                        <a:buFontTx/>
+                        <a:buNone/>
+                        <a:tabLst/>
+                        <a:defRPr/>
+                      </a:pPr>
+                      <a:r>
+                        <a:rPr lang="en-US" altLang="zh-CN" dirty="0"/>
+                        <a:t>1.35 / 1.38</a:t>
+                      </a:r>
+                      <a:endParaRPr lang="zh-CN" altLang="en-US" dirty="0"/>
+                    </a:p>
+                  </a:txBody>
+                  <a:tcPr/>
+                </a:tc>
+                <a:tc>
+                  <a:txBody>
+                    <a:bodyPr/>
+                    <a:lstStyle/>
+                    <a:p>
+                      <a:pPr marL="0" marR="0" lvl="0" indent="0" algn="ctr" defTabSz="914400" rtl="0" eaLnBrk="1" fontAlgn="auto" latinLnBrk="0" hangingPunct="1">
+                        <a:lnSpc>
+                          <a:spcPct val="100000"/>
+                        </a:lnSpc>
+                        <a:spcBef>
+                          <a:spcPts val="0"/>
+                        </a:spcBef>
+                        <a:spcAft>
+                          <a:spcPts val="0"/>
+                        </a:spcAft>
+                        <a:buClrTx/>
+                        <a:buSzTx/>
+                        <a:buFontTx/>
+                        <a:buNone/>
+                        <a:tabLst/>
+                        <a:defRPr/>
+                      </a:pPr>
+                      <a:r>
+                        <a:rPr lang="en-US" altLang="zh-CN" dirty="0"/>
+                        <a:t>4.53 / 4.44 </a:t>
+                      </a:r>
+                      <a:endParaRPr lang="zh-CN" altLang="en-US" dirty="0"/>
+                    </a:p>
+                  </a:txBody>
+                  <a:tcPr/>
+                </a:tc>
+                <a:extLst>
+                  <a:ext uri="{0D108BD9-81ED-4DB2-BD59-A6C34878D82A}">
+                    <a16:rowId xmlns:a16="http://schemas.microsoft.com/office/drawing/2014/main" val="1036085488"/>
+                  </a:ext>
+                </a:extLst>
+              </a:tr>
+            </a:tbl>
+          </a:graphicData>
+        </a:graphic>
+      </p:graphicFrame>
+      <p:sp>
+        <p:nvSpPr>
+          <p:cNvPr id="9" name="文本框 8">
+            <a:extLst>
+              <a:ext uri="{FF2B5EF4-FFF2-40B4-BE49-F238E27FC236}">
+                <a16:creationId xmlns:a16="http://schemas.microsoft.com/office/drawing/2014/main" id="{E51AFF3B-C43F-D864-8E5F-9F6A55883110}"/>
+              </a:ext>
+            </a:extLst>
+          </p:cNvPr>
+          <p:cNvSpPr txBox="1"/>
+          <p:nvPr/>
+        </p:nvSpPr>
+        <p:spPr>
+          <a:xfrm>
+            <a:off x="2056461" y="3603616"/>
+            <a:ext cx="8688677" cy="2585323"/>
+          </a:xfrm>
+          <a:prstGeom prst="rect">
+            <a:avLst/>
+          </a:prstGeom>
+          <a:noFill/>
+        </p:spPr>
+        <p:txBody>
+          <a:bodyPr wrap="square">
+            <a:spAutoFit/>
+          </a:bodyPr>
+          <a:lstStyle/>
+          <a:p>
+            <a:r>
+              <a:rPr lang="en-US" altLang="zh-CN" dirty="0"/>
+              <a:t>These models all have available libraries. Currently, the trainable methods don't seem effective. </a:t>
+            </a:r>
+          </a:p>
+          <a:p>
+            <a:endParaRPr lang="en-US" altLang="zh-CN" dirty="0"/>
+          </a:p>
+          <a:p>
+            <a:r>
+              <a:rPr lang="en-US" altLang="zh-CN" dirty="0"/>
+              <a:t>However, these papers involve a lot of mathematical theory, and I'll need some time to understand it. </a:t>
+            </a:r>
+          </a:p>
+          <a:p>
+            <a:endParaRPr lang="en-US" altLang="zh-CN" dirty="0"/>
+          </a:p>
+          <a:p>
+            <a:r>
+              <a:rPr lang="en-US" altLang="zh-CN" dirty="0"/>
+              <a:t>As of now (up to papers from 2018), there‘s a trend in Time Series Average method shifting </a:t>
+            </a:r>
+            <a:r>
+              <a:rPr lang="en-US" altLang="zh-CN" b="1" dirty="0"/>
+              <a:t>from intuitive to counterintuitive</a:t>
+            </a:r>
+            <a:r>
+              <a:rPr lang="en-US" altLang="zh-CN" dirty="0"/>
+              <a:t>(Gradient related), which we need to pay attention to.</a:t>
+            </a:r>
+            <a:endParaRPr lang="zh-CN" altLang="en-US" dirty="0"/>
+          </a:p>
+        </p:txBody>
+      </p:sp>
+    </p:spTree>
+    <p:extLst>
+      <p:ext uri="{BB962C8B-B14F-4D97-AF65-F5344CB8AC3E}">
+        <p14:creationId xmlns:p14="http://schemas.microsoft.com/office/powerpoint/2010/main" val="2874080383"/>
+      </p:ext>
+    </p:extLst>
+  </p:cSld>
+  <p:clrMapOvr>
+    <a:masterClrMapping/>
+  </p:clrMapOvr>
+</p:sld>
+</file>
+
+<file path=ppt/slides/slide15.xml><?xml version="1.0" encoding="utf-8"?>
+<p:sld xmlns:a="http://schemas.openxmlformats.org/drawingml/2006/main" xmlns:r="http://schemas.openxmlformats.org/officeDocument/2006/relationships" xmlns:p="http://schemas.openxmlformats.org/presentationml/2006/main">
+  <p:cSld>
+    <p:spTree>
+      <p:nvGrpSpPr>
+        <p:cNvPr id="1" name=""/>
+        <p:cNvGrpSpPr/>
+        <p:nvPr/>
+      </p:nvGrpSpPr>
+      <p:grpSpPr>
+        <a:xfrm>
+          <a:off x="0" y="0"/>
+          <a:ext cx="0" cy="0"/>
+          <a:chOff x="0" y="0"/>
+          <a:chExt cx="0" cy="0"/>
+        </a:xfrm>
+      </p:grpSpPr>
+      <p:sp>
+        <p:nvSpPr>
+          <p:cNvPr id="8" name="文本框 7">
+            <a:extLst>
+              <a:ext uri="{FF2B5EF4-FFF2-40B4-BE49-F238E27FC236}">
+                <a16:creationId xmlns:a16="http://schemas.microsoft.com/office/drawing/2014/main" id="{C5658FD2-7959-E3F6-E938-11C5289D3792}"/>
+              </a:ext>
+            </a:extLst>
+          </p:cNvPr>
+          <p:cNvSpPr txBox="1"/>
+          <p:nvPr/>
+        </p:nvSpPr>
+        <p:spPr>
+          <a:xfrm>
+            <a:off x="609600" y="106251"/>
+            <a:ext cx="4584920" cy="369332"/>
+          </a:xfrm>
+          <a:prstGeom prst="rect">
+            <a:avLst/>
+          </a:prstGeom>
+          <a:noFill/>
+        </p:spPr>
+        <p:txBody>
+          <a:bodyPr wrap="square" rtlCol="0">
+            <a:spAutoFit/>
+          </a:bodyPr>
+          <a:lstStyle>
+            <a:defPPr>
+              <a:defRPr lang="zh-CN"/>
+            </a:defPPr>
+            <a:lvl1pPr>
+              <a:defRPr sz="2400">
+                <a:latin typeface="Consolas" panose="020B0609020204030204" pitchFamily="49" charset="0"/>
+                <a:cs typeface="Times New Roman" panose="02020603050405020304" pitchFamily="18" charset="0"/>
+              </a:defRPr>
+            </a:lvl1pPr>
+          </a:lstStyle>
+          <a:p>
+            <a:r>
+              <a:rPr lang="en-US" altLang="zh-CN" sz="1800" b="1" dirty="0"/>
+              <a:t>Analysis of Experimental Results</a:t>
+            </a:r>
+            <a:endParaRPr lang="en-US" altLang="zh-CN" sz="1100" b="1" dirty="0"/>
+          </a:p>
+        </p:txBody>
+      </p:sp>
+      <p:sp>
+        <p:nvSpPr>
+          <p:cNvPr id="4" name="文本框 3">
+            <a:extLst>
+              <a:ext uri="{FF2B5EF4-FFF2-40B4-BE49-F238E27FC236}">
+                <a16:creationId xmlns:a16="http://schemas.microsoft.com/office/drawing/2014/main" id="{C0C2F67C-8BC3-9CFA-9509-E6B11DF745B9}"/>
+              </a:ext>
+            </a:extLst>
+          </p:cNvPr>
+          <p:cNvSpPr txBox="1"/>
+          <p:nvPr/>
+        </p:nvSpPr>
+        <p:spPr>
+          <a:xfrm>
+            <a:off x="1393372" y="1618733"/>
+            <a:ext cx="9927772" cy="1508105"/>
+          </a:xfrm>
+          <a:prstGeom prst="rect">
+            <a:avLst/>
+          </a:prstGeom>
+          <a:noFill/>
+        </p:spPr>
+        <p:txBody>
+          <a:bodyPr wrap="square">
+            <a:spAutoFit/>
+          </a:bodyPr>
+          <a:lstStyle/>
+          <a:p>
+            <a:r>
+              <a:rPr lang="en-US" altLang="zh-CN" sz="2000" dirty="0"/>
+              <a:t>General trend in the development of models in time series average:</a:t>
+            </a:r>
+          </a:p>
+          <a:p>
+            <a:endParaRPr lang="en-US" altLang="zh-CN" b="1" dirty="0"/>
+          </a:p>
+          <a:p>
+            <a:r>
+              <a:rPr lang="en-US" altLang="zh-CN" b="1" dirty="0"/>
+              <a:t>Incremental -&gt; Batch</a:t>
+            </a:r>
+          </a:p>
+          <a:p>
+            <a:endParaRPr lang="en-US" altLang="zh-CN" b="1" dirty="0"/>
+          </a:p>
+          <a:p>
+            <a:r>
+              <a:rPr lang="en-US" altLang="zh-CN" b="1" dirty="0"/>
+              <a:t>Intuitive -&gt; Counterintuitive</a:t>
+            </a:r>
+            <a:endParaRPr lang="zh-CN" altLang="en-US" dirty="0"/>
+          </a:p>
+        </p:txBody>
+      </p:sp>
+      <p:sp>
+        <p:nvSpPr>
+          <p:cNvPr id="7" name="文本框 6">
+            <a:extLst>
+              <a:ext uri="{FF2B5EF4-FFF2-40B4-BE49-F238E27FC236}">
+                <a16:creationId xmlns:a16="http://schemas.microsoft.com/office/drawing/2014/main" id="{C115DD30-80E1-6B37-C04B-70D740ED865E}"/>
+              </a:ext>
+            </a:extLst>
+          </p:cNvPr>
+          <p:cNvSpPr txBox="1"/>
+          <p:nvPr/>
+        </p:nvSpPr>
+        <p:spPr>
+          <a:xfrm>
+            <a:off x="1393372" y="3991205"/>
+            <a:ext cx="9550399" cy="1477328"/>
+          </a:xfrm>
+          <a:prstGeom prst="rect">
+            <a:avLst/>
+          </a:prstGeom>
+          <a:noFill/>
+        </p:spPr>
+        <p:txBody>
+          <a:bodyPr wrap="square">
+            <a:spAutoFit/>
+          </a:bodyPr>
+          <a:lstStyle/>
+          <a:p>
+            <a:r>
+              <a:rPr lang="zh-CN" altLang="en-US" dirty="0"/>
+              <a:t>Based on current experimental results, this development trend seems to be inconsistent with the goal of </a:t>
+            </a:r>
+            <a:r>
+              <a:rPr lang="en-US" altLang="zh-CN" dirty="0"/>
+              <a:t>T</a:t>
+            </a:r>
+            <a:r>
+              <a:rPr lang="zh-CN" altLang="en-US" dirty="0"/>
+              <a:t>emplate</a:t>
+            </a:r>
+            <a:r>
+              <a:rPr lang="en-US" altLang="zh-CN" dirty="0"/>
+              <a:t>4P</a:t>
+            </a:r>
+            <a:r>
+              <a:rPr lang="zh-CN" altLang="en-US" dirty="0"/>
+              <a:t>rediction.</a:t>
+            </a:r>
+            <a:endParaRPr lang="en-US" altLang="zh-CN" dirty="0"/>
+          </a:p>
+          <a:p>
+            <a:endParaRPr lang="en-US" altLang="zh-CN" dirty="0"/>
+          </a:p>
+          <a:p>
+            <a:r>
+              <a:rPr lang="zh-CN" altLang="en-US" dirty="0"/>
+              <a:t>At the current pace, it will take me at least another </a:t>
+            </a:r>
+            <a:r>
+              <a:rPr lang="zh-CN" altLang="en-US" b="1" dirty="0"/>
+              <a:t>5-6 weeks </a:t>
+            </a:r>
+            <a:r>
+              <a:rPr lang="zh-CN" altLang="en-US" dirty="0"/>
+              <a:t>to fully review important </a:t>
+            </a:r>
+            <a:r>
+              <a:rPr lang="en-US" altLang="zh-CN" dirty="0"/>
+              <a:t>papers</a:t>
+            </a:r>
+            <a:r>
+              <a:rPr lang="zh-CN" altLang="en-US" dirty="0"/>
+              <a:t> up to the year 2023.</a:t>
+            </a:r>
+          </a:p>
+        </p:txBody>
+      </p:sp>
+    </p:spTree>
+    <p:extLst>
+      <p:ext uri="{BB962C8B-B14F-4D97-AF65-F5344CB8AC3E}">
+        <p14:creationId xmlns:p14="http://schemas.microsoft.com/office/powerpoint/2010/main" val="2928044565"/>
+      </p:ext>
+    </p:extLst>
+  </p:cSld>
+  <p:clrMapOvr>
+    <a:masterClrMapping/>
+  </p:clrMapOvr>
+</p:sld>
+</file>
+
+<file path=ppt/slides/slide16.xml><?xml version="1.0" encoding="utf-8"?>
+<p:sld xmlns:a="http://schemas.openxmlformats.org/drawingml/2006/main" xmlns:r="http://schemas.openxmlformats.org/officeDocument/2006/relationships" xmlns:p="http://schemas.openxmlformats.org/presentationml/2006/main">
+  <p:cSld>
+    <p:spTree>
+      <p:nvGrpSpPr>
+        <p:cNvPr id="1" name=""/>
+        <p:cNvGrpSpPr/>
+        <p:nvPr/>
+      </p:nvGrpSpPr>
+      <p:grpSpPr>
+        <a:xfrm>
+          <a:off x="0" y="0"/>
+          <a:ext cx="0" cy="0"/>
+          <a:chOff x="0" y="0"/>
+          <a:chExt cx="0" cy="0"/>
+        </a:xfrm>
+      </p:grpSpPr>
+      <p:pic>
+        <p:nvPicPr>
+          <p:cNvPr id="4" name="图片 3">
+            <a:extLst>
+              <a:ext uri="{FF2B5EF4-FFF2-40B4-BE49-F238E27FC236}">
+                <a16:creationId xmlns:a16="http://schemas.microsoft.com/office/drawing/2014/main" id="{C272616A-963B-5E4A-6482-7FACDDCAC948}"/>
+              </a:ext>
+            </a:extLst>
+          </p:cNvPr>
+          <p:cNvPicPr>
+            <a:picLocks noChangeAspect="1"/>
+          </p:cNvPicPr>
+          <p:nvPr/>
+        </p:nvPicPr>
+        <p:blipFill>
+          <a:blip r:embed="rId3"/>
+          <a:stretch>
+            <a:fillRect/>
+          </a:stretch>
+        </p:blipFill>
+        <p:spPr>
+          <a:xfrm>
+            <a:off x="842930" y="1742165"/>
+            <a:ext cx="6247721" cy="2034872"/>
+          </a:xfrm>
+          <a:prstGeom prst="rect">
+            <a:avLst/>
+          </a:prstGeom>
+        </p:spPr>
+      </p:pic>
+      <p:pic>
+        <p:nvPicPr>
+          <p:cNvPr id="6" name="图片 5">
+            <a:extLst>
+              <a:ext uri="{FF2B5EF4-FFF2-40B4-BE49-F238E27FC236}">
+                <a16:creationId xmlns:a16="http://schemas.microsoft.com/office/drawing/2014/main" id="{CD38A061-2B36-0206-8CC3-CBF36305F7EA}"/>
+              </a:ext>
+            </a:extLst>
+          </p:cNvPr>
+          <p:cNvPicPr>
+            <a:picLocks noChangeAspect="1"/>
+          </p:cNvPicPr>
+          <p:nvPr/>
+        </p:nvPicPr>
+        <p:blipFill>
+          <a:blip r:embed="rId4"/>
+          <a:stretch>
+            <a:fillRect/>
+          </a:stretch>
+        </p:blipFill>
+        <p:spPr>
+          <a:xfrm>
+            <a:off x="7432917" y="1742165"/>
+            <a:ext cx="4337100" cy="2034872"/>
+          </a:xfrm>
+          <a:prstGeom prst="rect">
+            <a:avLst/>
+          </a:prstGeom>
+        </p:spPr>
+      </p:pic>
+      <p:sp>
+        <p:nvSpPr>
+          <p:cNvPr id="5" name="文本框 4">
+            <a:extLst>
+              <a:ext uri="{FF2B5EF4-FFF2-40B4-BE49-F238E27FC236}">
+                <a16:creationId xmlns:a16="http://schemas.microsoft.com/office/drawing/2014/main" id="{55734EFF-2A0F-4DC3-5A9D-9D009CC80470}"/>
+              </a:ext>
+            </a:extLst>
+          </p:cNvPr>
+          <p:cNvSpPr txBox="1"/>
+          <p:nvPr/>
+        </p:nvSpPr>
+        <p:spPr>
+          <a:xfrm>
+            <a:off x="643033" y="130629"/>
+            <a:ext cx="6094948" cy="369332"/>
+          </a:xfrm>
+          <a:prstGeom prst="rect">
+            <a:avLst/>
+          </a:prstGeom>
+          <a:noFill/>
+        </p:spPr>
+        <p:txBody>
+          <a:bodyPr wrap="square">
+            <a:spAutoFit/>
+          </a:bodyPr>
+          <a:lstStyle/>
+          <a:p>
+            <a:r>
+              <a:rPr lang="en-US" altLang="zh-CN" b="1" dirty="0"/>
+              <a:t>Generative Model</a:t>
+            </a:r>
+          </a:p>
+        </p:txBody>
+      </p:sp>
+      <p:sp>
+        <p:nvSpPr>
+          <p:cNvPr id="8" name="文本框 7">
+            <a:extLst>
+              <a:ext uri="{FF2B5EF4-FFF2-40B4-BE49-F238E27FC236}">
+                <a16:creationId xmlns:a16="http://schemas.microsoft.com/office/drawing/2014/main" id="{47BA36BB-5263-BEDC-F698-0CFDF4D3CC05}"/>
+              </a:ext>
+            </a:extLst>
+          </p:cNvPr>
+          <p:cNvSpPr txBox="1"/>
+          <p:nvPr/>
+        </p:nvSpPr>
+        <p:spPr>
+          <a:xfrm>
+            <a:off x="842930" y="881968"/>
+            <a:ext cx="8068841" cy="369332"/>
+          </a:xfrm>
+          <a:prstGeom prst="rect">
+            <a:avLst/>
+          </a:prstGeom>
+          <a:noFill/>
+        </p:spPr>
+        <p:txBody>
+          <a:bodyPr wrap="square">
+            <a:spAutoFit/>
+          </a:bodyPr>
+          <a:lstStyle/>
+          <a:p>
+            <a:r>
+              <a:rPr lang="en-US" altLang="zh-CN" dirty="0"/>
+              <a:t>Rec-</a:t>
+            </a:r>
+            <a:r>
+              <a:rPr lang="en-US" altLang="zh-CN" dirty="0" err="1"/>
+              <a:t>AUNet</a:t>
+            </a:r>
+            <a:r>
+              <a:rPr lang="en-US" altLang="zh-CN" dirty="0"/>
+              <a:t>: Attentive </a:t>
+            </a:r>
+            <a:r>
+              <a:rPr lang="en-US" altLang="zh-CN" dirty="0" err="1"/>
+              <a:t>UNet</a:t>
+            </a:r>
+            <a:r>
+              <a:rPr lang="en-US" altLang="zh-CN" dirty="0"/>
+              <a:t> for Reconstruction of ECG from BCG</a:t>
+            </a:r>
+            <a:endParaRPr lang="zh-CN" altLang="en-US" dirty="0"/>
+          </a:p>
+        </p:txBody>
+      </p:sp>
+      <p:sp>
+        <p:nvSpPr>
+          <p:cNvPr id="10" name="文本框 9">
+            <a:extLst>
+              <a:ext uri="{FF2B5EF4-FFF2-40B4-BE49-F238E27FC236}">
+                <a16:creationId xmlns:a16="http://schemas.microsoft.com/office/drawing/2014/main" id="{494C2A90-0C6C-444C-33CE-586E7781A078}"/>
+              </a:ext>
+            </a:extLst>
+          </p:cNvPr>
+          <p:cNvSpPr txBox="1"/>
+          <p:nvPr/>
+        </p:nvSpPr>
+        <p:spPr>
+          <a:xfrm>
+            <a:off x="884725" y="4267902"/>
+            <a:ext cx="10885292" cy="2031325"/>
+          </a:xfrm>
+          <a:prstGeom prst="rect">
+            <a:avLst/>
+          </a:prstGeom>
+          <a:noFill/>
+        </p:spPr>
+        <p:txBody>
+          <a:bodyPr wrap="square">
+            <a:spAutoFit/>
+          </a:bodyPr>
+          <a:lstStyle/>
+          <a:p>
+            <a:r>
+              <a:rPr lang="zh-CN" altLang="en-US" dirty="0"/>
+              <a:t>While generating a template from a lengthy signal may not be feasible</a:t>
+            </a:r>
+            <a:r>
+              <a:rPr lang="en-US" altLang="zh-CN" dirty="0"/>
+              <a:t>. </a:t>
+            </a:r>
+          </a:p>
+          <a:p>
+            <a:endParaRPr lang="en-US" altLang="zh-CN" dirty="0"/>
+          </a:p>
+          <a:p>
+            <a:r>
+              <a:rPr lang="en-US" altLang="zh-CN" dirty="0"/>
+              <a:t>T</a:t>
+            </a:r>
+            <a:r>
+              <a:rPr lang="zh-CN" altLang="en-US" dirty="0"/>
+              <a:t>his network architecture should, at the very least, be able to capture the characteristics of the BCG signal. </a:t>
+            </a:r>
+            <a:endParaRPr lang="en-US" altLang="zh-CN" dirty="0"/>
+          </a:p>
+          <a:p>
+            <a:endParaRPr lang="en-US" altLang="zh-CN" dirty="0"/>
+          </a:p>
+          <a:p>
+            <a:r>
+              <a:rPr lang="zh-CN" altLang="en-US" dirty="0"/>
+              <a:t>If someone in our lab is working on this direction, they might consider trying out this architecture.</a:t>
+            </a:r>
+          </a:p>
+        </p:txBody>
+      </p:sp>
+    </p:spTree>
+    <p:extLst>
+      <p:ext uri="{BB962C8B-B14F-4D97-AF65-F5344CB8AC3E}">
+        <p14:creationId xmlns:p14="http://schemas.microsoft.com/office/powerpoint/2010/main" val="153185469"/>
+      </p:ext>
+    </p:extLst>
+  </p:cSld>
+  <p:clrMapOvr>
+    <a:masterClrMapping/>
+  </p:clrMapOvr>
+</p:sld>
+</file>
+
+<file path=ppt/slides/slide17.xml><?xml version="1.0" encoding="utf-8"?>
+<p:sld xmlns:a="http://schemas.openxmlformats.org/drawingml/2006/main" xmlns:r="http://schemas.openxmlformats.org/officeDocument/2006/relationships" xmlns:p="http://schemas.openxmlformats.org/presentationml/2006/main">
+  <p:cSld>
+    <p:spTree>
+      <p:nvGrpSpPr>
+        <p:cNvPr id="1" name=""/>
+        <p:cNvGrpSpPr/>
+        <p:nvPr/>
+      </p:nvGrpSpPr>
+      <p:grpSpPr>
+        <a:xfrm>
+          <a:off x="0" y="0"/>
+          <a:ext cx="0" cy="0"/>
+          <a:chOff x="0" y="0"/>
+          <a:chExt cx="0" cy="0"/>
+        </a:xfrm>
+      </p:grpSpPr>
+      <p:sp>
+        <p:nvSpPr>
           <p:cNvPr id="2" name="文本框 1">
             <a:extLst>
               <a:ext uri="{FF2B5EF4-FFF2-40B4-BE49-F238E27FC236}">
@@ -6784,7 +10184,7 @@
 </p:sld>
 </file>
 
-<file path=ppt/slides/slide15.xml><?xml version="1.0" encoding="utf-8"?>
+<file path=ppt/slides/slide18.xml><?xml version="1.0" encoding="utf-8"?>
 <p:sld xmlns:a="http://schemas.openxmlformats.org/drawingml/2006/main" xmlns:r="http://schemas.openxmlformats.org/officeDocument/2006/relationships" xmlns:p="http://schemas.openxmlformats.org/presentationml/2006/main">
   <p:cSld>
     <p:spTree>
@@ -6991,7 +10391,7 @@
 </p:sld>
 </file>
 
-<file path=ppt/slides/slide16.xml><?xml version="1.0" encoding="utf-8"?>
+<file path=ppt/slides/slide19.xml><?xml version="1.0" encoding="utf-8"?>
 <p:sld xmlns:a="http://schemas.openxmlformats.org/drawingml/2006/main" xmlns:r="http://schemas.openxmlformats.org/officeDocument/2006/relationships" xmlns:p="http://schemas.openxmlformats.org/presentationml/2006/main">
   <p:cSld>
     <p:spTree>
@@ -7161,7 +10561,190 @@
 </p:sld>
 </file>
 
-<file path=ppt/slides/slide17.xml><?xml version="1.0" encoding="utf-8"?>
+<file path=ppt/slides/slide2.xml><?xml version="1.0" encoding="utf-8"?>
+<p:sld xmlns:a="http://schemas.openxmlformats.org/drawingml/2006/main" xmlns:r="http://schemas.openxmlformats.org/officeDocument/2006/relationships" xmlns:p="http://schemas.openxmlformats.org/presentationml/2006/main">
+  <p:cSld>
+    <p:spTree>
+      <p:nvGrpSpPr>
+        <p:cNvPr id="1" name=""/>
+        <p:cNvGrpSpPr/>
+        <p:nvPr/>
+      </p:nvGrpSpPr>
+      <p:grpSpPr>
+        <a:xfrm>
+          <a:off x="0" y="0"/>
+          <a:ext cx="0" cy="0"/>
+          <a:chOff x="0" y="0"/>
+          <a:chExt cx="0" cy="0"/>
+        </a:xfrm>
+      </p:grpSpPr>
+      <p:sp>
+        <p:nvSpPr>
+          <p:cNvPr id="2" name="文本框 1">
+            <a:extLst>
+              <a:ext uri="{FF2B5EF4-FFF2-40B4-BE49-F238E27FC236}">
+                <a16:creationId xmlns:a16="http://schemas.microsoft.com/office/drawing/2014/main" id="{4301BE2B-0820-0143-B72A-D9CEA12265BD}"/>
+              </a:ext>
+            </a:extLst>
+          </p:cNvPr>
+          <p:cNvSpPr txBox="1"/>
+          <p:nvPr/>
+        </p:nvSpPr>
+        <p:spPr>
+          <a:xfrm>
+            <a:off x="1574963" y="537330"/>
+            <a:ext cx="9042074" cy="461665"/>
+          </a:xfrm>
+          <a:prstGeom prst="rect">
+            <a:avLst/>
+          </a:prstGeom>
+          <a:noFill/>
+        </p:spPr>
+        <p:txBody>
+          <a:bodyPr wrap="square" rtlCol="0">
+            <a:spAutoFit/>
+          </a:bodyPr>
+          <a:lstStyle/>
+          <a:p>
+            <a:pPr algn="ctr"/>
+            <a:r>
+              <a:rPr lang="en-US" altLang="zh-CN" sz="2400" dirty="0">
+                <a:latin typeface="Consolas" panose="020B0609020204030204" pitchFamily="49" charset="0"/>
+                <a:cs typeface="Times New Roman" panose="02020603050405020304" pitchFamily="18" charset="0"/>
+              </a:rPr>
+              <a:t>Work Description</a:t>
+            </a:r>
+          </a:p>
+        </p:txBody>
+      </p:sp>
+      <p:sp>
+        <p:nvSpPr>
+          <p:cNvPr id="3" name="文本框 2">
+            <a:extLst>
+              <a:ext uri="{FF2B5EF4-FFF2-40B4-BE49-F238E27FC236}">
+                <a16:creationId xmlns:a16="http://schemas.microsoft.com/office/drawing/2014/main" id="{59F62255-7A4A-1C35-FF69-9A58CEC1EDD3}"/>
+              </a:ext>
+            </a:extLst>
+          </p:cNvPr>
+          <p:cNvSpPr txBox="1"/>
+          <p:nvPr/>
+        </p:nvSpPr>
+        <p:spPr>
+          <a:xfrm>
+            <a:off x="2216536" y="1443841"/>
+            <a:ext cx="8692764" cy="3693319"/>
+          </a:xfrm>
+          <a:prstGeom prst="rect">
+            <a:avLst/>
+          </a:prstGeom>
+          <a:noFill/>
+        </p:spPr>
+        <p:txBody>
+          <a:bodyPr wrap="square" rtlCol="0">
+            <a:spAutoFit/>
+          </a:bodyPr>
+          <a:lstStyle/>
+          <a:p>
+            <a:r>
+              <a:rPr lang="en-US" altLang="zh-CN" b="1" dirty="0"/>
+              <a:t>Part_1: </a:t>
+            </a:r>
+          </a:p>
+          <a:p>
+            <a:pPr marL="800100" lvl="1" indent="-342900">
+              <a:buAutoNum type="arabicPeriod"/>
+            </a:pPr>
+            <a:r>
+              <a:rPr lang="en-US" altLang="zh-CN" dirty="0"/>
+              <a:t>The overall framework of the research</a:t>
+            </a:r>
+          </a:p>
+          <a:p>
+            <a:pPr marL="800100" lvl="1" indent="-342900">
+              <a:buAutoNum type="arabicPeriod"/>
+            </a:pPr>
+            <a:r>
+              <a:rPr lang="en-US" altLang="zh-CN" dirty="0"/>
+              <a:t>Easy introduction to important papers</a:t>
+            </a:r>
+          </a:p>
+          <a:p>
+            <a:pPr marL="800100" lvl="1" indent="-342900">
+              <a:buAutoNum type="arabicPeriod"/>
+            </a:pPr>
+            <a:r>
+              <a:rPr lang="en-US" altLang="zh-CN" dirty="0"/>
+              <a:t>Analysis of experimental results</a:t>
+            </a:r>
+          </a:p>
+          <a:p>
+            <a:pPr marL="800100" lvl="1" indent="-342900">
+              <a:buAutoNum type="arabicPeriod"/>
+            </a:pPr>
+            <a:endParaRPr lang="en-US" altLang="zh-CN" dirty="0"/>
+          </a:p>
+          <a:p>
+            <a:pPr lvl="1"/>
+            <a:endParaRPr lang="en-US" altLang="zh-CN" dirty="0"/>
+          </a:p>
+          <a:p>
+            <a:r>
+              <a:rPr lang="en-US" altLang="zh-CN" b="1" dirty="0"/>
+              <a:t>Part_2: </a:t>
+            </a:r>
+            <a:r>
+              <a:rPr lang="en-US" altLang="zh-CN" dirty="0"/>
+              <a:t>Analysis of experimental results of the paper from IoT2023</a:t>
+            </a:r>
+          </a:p>
+          <a:p>
+            <a:endParaRPr lang="en-US" altLang="zh-CN" dirty="0"/>
+          </a:p>
+          <a:p>
+            <a:endParaRPr lang="en-US" altLang="zh-CN" dirty="0"/>
+          </a:p>
+          <a:p>
+            <a:r>
+              <a:rPr lang="en-US" altLang="zh-CN" b="1" dirty="0"/>
+              <a:t>Part_3: </a:t>
+            </a:r>
+            <a:r>
+              <a:rPr lang="en-US" altLang="zh-CN" dirty="0"/>
+              <a:t>Some arrangements for future research studies.</a:t>
+            </a:r>
+          </a:p>
+          <a:p>
+            <a:endParaRPr lang="en-US" altLang="zh-CN" dirty="0"/>
+          </a:p>
+          <a:p>
+            <a:endParaRPr lang="en-US" altLang="zh-CN" dirty="0"/>
+          </a:p>
+          <a:p>
+            <a:r>
+              <a:rPr lang="en-US" altLang="zh-CN" b="1" dirty="0"/>
+              <a:t>Part_4: </a:t>
+            </a:r>
+            <a:r>
+              <a:rPr lang="en-US" altLang="zh-CN" dirty="0"/>
+              <a:t>Questions</a:t>
+            </a:r>
+          </a:p>
+        </p:txBody>
+      </p:sp>
+    </p:spTree>
+    <p:extLst>
+      <p:ext uri="{BB962C8B-B14F-4D97-AF65-F5344CB8AC3E}">
+        <p14:creationId xmlns:p14="http://schemas.microsoft.com/office/powerpoint/2010/main" val="3563862824"/>
+      </p:ext>
+    </p:extLst>
+  </p:cSld>
+  <p:clrMapOvr>
+    <a:masterClrMapping/>
+  </p:clrMapOvr>
+</p:sld>
+</file>
+
+<file path=ppt/slides/slide20.xml><?xml version="1.0" encoding="utf-8"?>
 <p:sld xmlns:a="http://schemas.openxmlformats.org/drawingml/2006/main" xmlns:r="http://schemas.openxmlformats.org/officeDocument/2006/relationships" xmlns:p="http://schemas.openxmlformats.org/presentationml/2006/main">
   <p:cSld>
     <p:spTree>
@@ -7307,7 +10890,7 @@
 </p:sld>
 </file>
 
-<file path=ppt/slides/slide18.xml><?xml version="1.0" encoding="utf-8"?>
+<file path=ppt/slides/slide21.xml><?xml version="1.0" encoding="utf-8"?>
 <p:sld xmlns:a="http://schemas.openxmlformats.org/drawingml/2006/main" xmlns:r="http://schemas.openxmlformats.org/officeDocument/2006/relationships" xmlns:p="http://schemas.openxmlformats.org/presentationml/2006/main">
   <p:cSld>
     <p:spTree>
@@ -7376,7 +10959,7 @@
 </p:sld>
 </file>
 
-<file path=ppt/slides/slide19.xml><?xml version="1.0" encoding="utf-8"?>
+<file path=ppt/slides/slide22.xml><?xml version="1.0" encoding="utf-8"?>
 <p:sld xmlns:a="http://schemas.openxmlformats.org/drawingml/2006/main" xmlns:r="http://schemas.openxmlformats.org/officeDocument/2006/relationships" xmlns:p="http://schemas.openxmlformats.org/presentationml/2006/main">
   <p:cSld>
     <p:spTree>
@@ -7702,7 +11285,7 @@
 </p:sld>
 </file>
 
-<file path=ppt/slides/slide2.xml><?xml version="1.0" encoding="utf-8"?>
+<file path=ppt/slides/slide23.xml><?xml version="1.0" encoding="utf-8"?>
 <p:sld xmlns:a="http://schemas.openxmlformats.org/drawingml/2006/main" xmlns:r="http://schemas.openxmlformats.org/officeDocument/2006/relationships" xmlns:p="http://schemas.openxmlformats.org/presentationml/2006/main">
   <p:cSld>
     <p:spTree>
@@ -7733,197 +11316,6 @@
         </p:nvSpPr>
         <p:spPr>
           <a:xfrm>
-            <a:off x="1574963" y="537330"/>
-            <a:ext cx="9042074" cy="461665"/>
-          </a:xfrm>
-          <a:prstGeom prst="rect">
-            <a:avLst/>
-          </a:prstGeom>
-          <a:noFill/>
-        </p:spPr>
-        <p:txBody>
-          <a:bodyPr wrap="square" rtlCol="0">
-            <a:spAutoFit/>
-          </a:bodyPr>
-          <a:lstStyle/>
-          <a:p>
-            <a:pPr algn="ctr"/>
-            <a:r>
-              <a:rPr lang="en-US" altLang="zh-CN" sz="2400" dirty="0">
-                <a:latin typeface="Consolas" panose="020B0609020204030204" pitchFamily="49" charset="0"/>
-                <a:cs typeface="Times New Roman" panose="02020603050405020304" pitchFamily="18" charset="0"/>
-              </a:rPr>
-              <a:t>Work Description</a:t>
-            </a:r>
-          </a:p>
-        </p:txBody>
-      </p:sp>
-      <p:sp>
-        <p:nvSpPr>
-          <p:cNvPr id="3" name="文本框 2">
-            <a:extLst>
-              <a:ext uri="{FF2B5EF4-FFF2-40B4-BE49-F238E27FC236}">
-                <a16:creationId xmlns:a16="http://schemas.microsoft.com/office/drawing/2014/main" id="{59F62255-7A4A-1C35-FF69-9A58CEC1EDD3}"/>
-              </a:ext>
-            </a:extLst>
-          </p:cNvPr>
-          <p:cNvSpPr txBox="1"/>
-          <p:nvPr/>
-        </p:nvSpPr>
-        <p:spPr>
-          <a:xfrm>
-            <a:off x="2216536" y="1443841"/>
-            <a:ext cx="8692764" cy="3970318"/>
-          </a:xfrm>
-          <a:prstGeom prst="rect">
-            <a:avLst/>
-          </a:prstGeom>
-          <a:noFill/>
-        </p:spPr>
-        <p:txBody>
-          <a:bodyPr wrap="square" rtlCol="0">
-            <a:spAutoFit/>
-          </a:bodyPr>
-          <a:lstStyle/>
-          <a:p>
-            <a:r>
-              <a:rPr lang="en-US" altLang="zh-CN" b="1" dirty="0"/>
-              <a:t>Part_1: </a:t>
-            </a:r>
-          </a:p>
-          <a:p>
-            <a:pPr marL="800100" lvl="1" indent="-342900">
-              <a:buAutoNum type="arabicPeriod"/>
-            </a:pPr>
-            <a:r>
-              <a:rPr lang="en-US" altLang="zh-CN" dirty="0"/>
-              <a:t>The overall framework of the research</a:t>
-            </a:r>
-          </a:p>
-          <a:p>
-            <a:pPr marL="800100" lvl="1" indent="-342900">
-              <a:buAutoNum type="arabicPeriod"/>
-            </a:pPr>
-            <a:r>
-              <a:rPr lang="en-US" altLang="zh-CN" dirty="0"/>
-              <a:t>Introduction to the critically important paper</a:t>
-            </a:r>
-          </a:p>
-          <a:p>
-            <a:pPr marL="800100" lvl="1" indent="-342900">
-              <a:buAutoNum type="arabicPeriod"/>
-            </a:pPr>
-            <a:r>
-              <a:rPr lang="en-US" altLang="zh-CN" dirty="0"/>
-              <a:t>Analysis of some experimental results</a:t>
-            </a:r>
-          </a:p>
-          <a:p>
-            <a:pPr marL="800100" lvl="1" indent="-342900">
-              <a:buFontTx/>
-              <a:buAutoNum type="arabicPeriod"/>
-            </a:pPr>
-            <a:r>
-              <a:rPr lang="en-US" altLang="zh-CN" dirty="0"/>
-              <a:t>Some correlations between our research and existing studies</a:t>
-            </a:r>
-          </a:p>
-          <a:p>
-            <a:pPr lvl="1"/>
-            <a:endParaRPr lang="en-US" altLang="zh-CN" dirty="0"/>
-          </a:p>
-          <a:p>
-            <a:pPr lvl="1"/>
-            <a:endParaRPr lang="en-US" altLang="zh-CN" dirty="0"/>
-          </a:p>
-          <a:p>
-            <a:r>
-              <a:rPr lang="en-US" altLang="zh-CN" b="1" dirty="0"/>
-              <a:t>Part_2: </a:t>
-            </a:r>
-            <a:r>
-              <a:rPr lang="en-US" altLang="zh-CN" dirty="0"/>
-              <a:t>Analysis of the experimental results of the IoT2023 paper</a:t>
-            </a:r>
-          </a:p>
-          <a:p>
-            <a:endParaRPr lang="en-US" altLang="zh-CN" dirty="0"/>
-          </a:p>
-          <a:p>
-            <a:endParaRPr lang="en-US" altLang="zh-CN" dirty="0"/>
-          </a:p>
-          <a:p>
-            <a:r>
-              <a:rPr lang="en-US" altLang="zh-CN" b="1" dirty="0"/>
-              <a:t>Part_3: </a:t>
-            </a:r>
-            <a:r>
-              <a:rPr lang="en-US" altLang="zh-CN" dirty="0"/>
-              <a:t>Some arrangements for future research studies.</a:t>
-            </a:r>
-          </a:p>
-          <a:p>
-            <a:endParaRPr lang="en-US" altLang="zh-CN" dirty="0"/>
-          </a:p>
-          <a:p>
-            <a:endParaRPr lang="en-US" altLang="zh-CN" dirty="0"/>
-          </a:p>
-          <a:p>
-            <a:r>
-              <a:rPr lang="en-US" altLang="zh-CN" b="1" dirty="0"/>
-              <a:t>Part_4: </a:t>
-            </a:r>
-            <a:r>
-              <a:rPr lang="en-US" altLang="zh-CN" dirty="0"/>
-              <a:t>Questions</a:t>
-            </a:r>
-          </a:p>
-        </p:txBody>
-      </p:sp>
-    </p:spTree>
-    <p:extLst>
-      <p:ext uri="{BB962C8B-B14F-4D97-AF65-F5344CB8AC3E}">
-        <p14:creationId xmlns:p14="http://schemas.microsoft.com/office/powerpoint/2010/main" val="3563862824"/>
-      </p:ext>
-    </p:extLst>
-  </p:cSld>
-  <p:clrMapOvr>
-    <a:masterClrMapping/>
-  </p:clrMapOvr>
-</p:sld>
-</file>
-
-<file path=ppt/slides/slide20.xml><?xml version="1.0" encoding="utf-8"?>
-<p:sld xmlns:a="http://schemas.openxmlformats.org/drawingml/2006/main" xmlns:r="http://schemas.openxmlformats.org/officeDocument/2006/relationships" xmlns:p="http://schemas.openxmlformats.org/presentationml/2006/main">
-  <p:cSld>
-    <p:spTree>
-      <p:nvGrpSpPr>
-        <p:cNvPr id="1" name=""/>
-        <p:cNvGrpSpPr/>
-        <p:nvPr/>
-      </p:nvGrpSpPr>
-      <p:grpSpPr>
-        <a:xfrm>
-          <a:off x="0" y="0"/>
-          <a:ext cx="0" cy="0"/>
-          <a:chOff x="0" y="0"/>
-          <a:chExt cx="0" cy="0"/>
-        </a:xfrm>
-      </p:grpSpPr>
-      <p:sp>
-        <p:nvSpPr>
-          <p:cNvPr id="2" name="文本框 1">
-            <a:extLst>
-              <a:ext uri="{FF2B5EF4-FFF2-40B4-BE49-F238E27FC236}">
-                <a16:creationId xmlns:a16="http://schemas.microsoft.com/office/drawing/2014/main" id="{4301BE2B-0820-0143-B72A-D9CEA12265BD}"/>
-              </a:ext>
-            </a:extLst>
-          </p:cNvPr>
-          <p:cNvSpPr txBox="1"/>
-          <p:nvPr/>
-        </p:nvSpPr>
-        <p:spPr>
-          <a:xfrm>
             <a:off x="1122219" y="92845"/>
             <a:ext cx="5931724" cy="461665"/>
           </a:xfrm>
@@ -8014,7 +11406,7 @@
 </p:sld>
 </file>
 
-<file path=ppt/slides/slide21.xml><?xml version="1.0" encoding="utf-8"?>
+<file path=ppt/slides/slide24.xml><?xml version="1.0" encoding="utf-8"?>
 <p:sld xmlns:a="http://schemas.openxmlformats.org/drawingml/2006/main" xmlns:r="http://schemas.openxmlformats.org/officeDocument/2006/relationships" xmlns:p="http://schemas.openxmlformats.org/presentationml/2006/main">
   <p:cSld>
     <p:spTree>
@@ -8377,7 +11769,7 @@
         <p:spPr>
           <a:xfrm>
             <a:off x="152398" y="2895327"/>
-            <a:ext cx="2910114" cy="923330"/>
+            <a:ext cx="2910114" cy="1200329"/>
           </a:xfrm>
           <a:prstGeom prst="rect">
             <a:avLst/>
@@ -8401,6 +11793,13 @@
             <a:r>
               <a:rPr lang="en-US" altLang="zh-CN" b="1" dirty="0"/>
               <a:t>Template4Regression</a:t>
+            </a:r>
+          </a:p>
+          <a:p>
+            <a:pPr algn="ctr"/>
+            <a:r>
+              <a:rPr lang="en-US" altLang="zh-CN" b="1" dirty="0"/>
+              <a:t>Phototype4Prediction</a:t>
             </a:r>
           </a:p>
           <a:p>
@@ -8432,7 +11831,7 @@
         <p:spPr>
           <a:xfrm flipV="1">
             <a:off x="3062512" y="2126069"/>
-            <a:ext cx="732972" cy="1230923"/>
+            <a:ext cx="732972" cy="1369423"/>
           </a:xfrm>
           <a:prstGeom prst="curvedConnector3">
             <a:avLst/>
@@ -8477,8 +11876,8 @@
         </p:nvCxnSpPr>
         <p:spPr>
           <a:xfrm>
-            <a:off x="3062512" y="3356992"/>
-            <a:ext cx="776062" cy="704663"/>
+            <a:off x="3062512" y="3495492"/>
+            <a:ext cx="776062" cy="566163"/>
           </a:xfrm>
           <a:prstGeom prst="curvedConnector3">
             <a:avLst>
@@ -8525,8 +11924,8 @@
         </p:nvCxnSpPr>
         <p:spPr>
           <a:xfrm>
-            <a:off x="3062512" y="3356992"/>
-            <a:ext cx="662219" cy="2063428"/>
+            <a:off x="3062512" y="3495492"/>
+            <a:ext cx="662219" cy="1924928"/>
           </a:xfrm>
           <a:prstGeom prst="curvedConnector3">
             <a:avLst>
@@ -8934,7 +12333,7 @@
           <a:p>
             <a:r>
               <a:rPr lang="en-US" altLang="zh-CN" dirty="0"/>
-              <a:t>research papers.</a:t>
+              <a:t>research papers</a:t>
             </a:r>
             <a:endParaRPr lang="zh-CN" altLang="en-US" dirty="0"/>
           </a:p>
@@ -9120,8 +12519,8 @@
         </p:nvSpPr>
         <p:spPr>
           <a:xfrm rot="16200000">
-            <a:off x="461017" y="4824377"/>
-            <a:ext cx="2219392" cy="196852"/>
+            <a:off x="608251" y="4971609"/>
+            <a:ext cx="1924927" cy="196852"/>
           </a:xfrm>
           <a:prstGeom prst="rightArrow">
             <a:avLst/>
@@ -13235,13 +16634,13 @@
           <p:nvPr>
             <p:extLst>
               <p:ext uri="{D42A27DB-BD31-4B8C-83A1-F6EECF244321}">
-                <p14:modId xmlns:p14="http://schemas.microsoft.com/office/powerpoint/2010/main" val="22995519"/>
+                <p14:modId xmlns:p14="http://schemas.microsoft.com/office/powerpoint/2010/main" val="3139237344"/>
               </p:ext>
             </p:extLst>
           </p:nvPr>
         </p:nvGraphicFramePr>
         <p:xfrm>
-          <a:off x="2280849" y="1284897"/>
+          <a:off x="2280849" y="1179184"/>
           <a:ext cx="7630301" cy="1483360"/>
         </p:xfrm>
         <a:graphic>
@@ -15333,7 +18732,7 @@
         </p:nvSpPr>
         <p:spPr>
           <a:xfrm>
-            <a:off x="4622702" y="3297254"/>
+            <a:off x="4686434" y="3098346"/>
             <a:ext cx="7569298" cy="1477328"/>
           </a:xfrm>
           <a:prstGeom prst="rect">
@@ -15463,55 +18862,6 @@
           <a:chExt cx="0" cy="0"/>
         </a:xfrm>
       </p:grpSpPr>
-      <p:sp>
-        <p:nvSpPr>
-          <p:cNvPr id="55" name="文本框 54">
-            <a:extLst>
-              <a:ext uri="{FF2B5EF4-FFF2-40B4-BE49-F238E27FC236}">
-                <a16:creationId xmlns:a16="http://schemas.microsoft.com/office/drawing/2014/main" id="{32A2BE86-86A6-F1FC-83EE-91A826B532E5}"/>
-              </a:ext>
-            </a:extLst>
-          </p:cNvPr>
-          <p:cNvSpPr txBox="1"/>
-          <p:nvPr/>
-        </p:nvSpPr>
-        <p:spPr>
-          <a:xfrm>
-            <a:off x="609600" y="106251"/>
-            <a:ext cx="4584920" cy="461665"/>
-          </a:xfrm>
-          <a:prstGeom prst="rect">
-            <a:avLst/>
-          </a:prstGeom>
-          <a:noFill/>
-        </p:spPr>
-        <p:txBody>
-          <a:bodyPr wrap="square" rtlCol="0">
-            <a:spAutoFit/>
-          </a:bodyPr>
-          <a:lstStyle>
-            <a:defPPr>
-              <a:defRPr lang="zh-CN"/>
-            </a:defPPr>
-            <a:lvl1pPr>
-              <a:defRPr sz="2400">
-                <a:latin typeface="Consolas" panose="020B0609020204030204" pitchFamily="49" charset="0"/>
-                <a:cs typeface="Times New Roman" panose="02020603050405020304" pitchFamily="18" charset="0"/>
-              </a:defRPr>
-            </a:lvl1pPr>
-          </a:lstStyle>
-          <a:p>
-            <a:r>
-              <a:rPr lang="en-US" altLang="zh-CN" dirty="0"/>
-              <a:t>Part_1: </a:t>
-            </a:r>
-            <a:r>
-              <a:rPr lang="en-US" altLang="zh-CN" sz="1400" dirty="0"/>
-              <a:t>Research - Getting Template</a:t>
-            </a:r>
-          </a:p>
-        </p:txBody>
-      </p:sp>
       <p:graphicFrame>
         <p:nvGraphicFramePr>
           <p:cNvPr id="2" name="表格 1">
@@ -15524,10 +18874,16 @@
           <p:cNvGraphicFramePr>
             <a:graphicFrameLocks noGrp="1"/>
           </p:cNvGraphicFramePr>
-          <p:nvPr/>
+          <p:nvPr>
+            <p:extLst>
+              <p:ext uri="{D42A27DB-BD31-4B8C-83A1-F6EECF244321}">
+                <p14:modId xmlns:p14="http://schemas.microsoft.com/office/powerpoint/2010/main" val="330848604"/>
+              </p:ext>
+            </p:extLst>
+          </p:nvPr>
         </p:nvGraphicFramePr>
         <p:xfrm>
-          <a:off x="609600" y="1127059"/>
+          <a:off x="781684" y="1133365"/>
           <a:ext cx="10628632" cy="3703320"/>
         </p:xfrm>
         <a:graphic>
@@ -15929,10 +19285,10 @@
                     <a:p>
                       <a:pPr algn="ctr"/>
                       <a:r>
-                        <a:rPr lang="en-US" altLang="zh-CN" b="0" dirty="0"/>
+                        <a:rPr lang="en-US" altLang="zh-CN" b="1" dirty="0"/>
                         <a:t>NLAAF1</a:t>
                       </a:r>
-                      <a:endParaRPr lang="zh-CN" altLang="en-US" b="0" dirty="0"/>
+                      <a:endParaRPr lang="zh-CN" altLang="en-US" b="1" dirty="0"/>
                     </a:p>
                   </a:txBody>
                   <a:tcPr/>
@@ -16062,10 +19418,10 @@
                     <a:p>
                       <a:pPr algn="ctr"/>
                       <a:r>
-                        <a:rPr lang="en-US" altLang="zh-CN" b="0" dirty="0"/>
+                        <a:rPr lang="en-US" altLang="zh-CN" b="1" dirty="0"/>
                         <a:t>NLAAF2</a:t>
                       </a:r>
-                      <a:endParaRPr lang="zh-CN" altLang="en-US" b="0" dirty="0"/>
+                      <a:endParaRPr lang="zh-CN" altLang="en-US" b="1" dirty="0"/>
                     </a:p>
                   </a:txBody>
                   <a:tcPr/>
@@ -16934,6 +20290,151 @@
           </a:graphicData>
         </a:graphic>
       </p:graphicFrame>
+      <p:sp>
+        <p:nvSpPr>
+          <p:cNvPr id="3" name="文本框 2">
+            <a:extLst>
+              <a:ext uri="{FF2B5EF4-FFF2-40B4-BE49-F238E27FC236}">
+                <a16:creationId xmlns:a16="http://schemas.microsoft.com/office/drawing/2014/main" id="{66BE0AFF-7463-B69F-B94D-A2B5EB541456}"/>
+              </a:ext>
+            </a:extLst>
+          </p:cNvPr>
+          <p:cNvSpPr txBox="1"/>
+          <p:nvPr/>
+        </p:nvSpPr>
+        <p:spPr>
+          <a:xfrm>
+            <a:off x="609600" y="567916"/>
+            <a:ext cx="6959600" cy="369332"/>
+          </a:xfrm>
+          <a:prstGeom prst="rect">
+            <a:avLst/>
+          </a:prstGeom>
+          <a:noFill/>
+        </p:spPr>
+        <p:txBody>
+          <a:bodyPr wrap="square" rtlCol="0">
+            <a:spAutoFit/>
+          </a:bodyPr>
+          <a:lstStyle/>
+          <a:p>
+            <a:r>
+              <a:rPr lang="en-US" altLang="zh-CN" dirty="0"/>
+              <a:t>1. All Experiment Results</a:t>
+            </a:r>
+            <a:endParaRPr lang="zh-CN" altLang="en-US" dirty="0"/>
+          </a:p>
+        </p:txBody>
+      </p:sp>
+      <p:sp>
+        <p:nvSpPr>
+          <p:cNvPr id="5" name="文本框 4">
+            <a:extLst>
+              <a:ext uri="{FF2B5EF4-FFF2-40B4-BE49-F238E27FC236}">
+                <a16:creationId xmlns:a16="http://schemas.microsoft.com/office/drawing/2014/main" id="{55D12BA5-8B6E-A8AB-0941-51D702D386F8}"/>
+              </a:ext>
+            </a:extLst>
+          </p:cNvPr>
+          <p:cNvSpPr txBox="1"/>
+          <p:nvPr/>
+        </p:nvSpPr>
+        <p:spPr>
+          <a:xfrm>
+            <a:off x="731234" y="4892303"/>
+            <a:ext cx="10903718" cy="1477328"/>
+          </a:xfrm>
+          <a:prstGeom prst="rect">
+            <a:avLst/>
+          </a:prstGeom>
+          <a:noFill/>
+        </p:spPr>
+        <p:txBody>
+          <a:bodyPr wrap="square">
+            <a:spAutoFit/>
+          </a:bodyPr>
+          <a:lstStyle/>
+          <a:p>
+            <a:r>
+              <a:rPr lang="en-US" altLang="zh-CN" dirty="0"/>
+              <a:t>Segmentation Methods: Base on Large Peaks</a:t>
+            </a:r>
+          </a:p>
+          <a:p>
+            <a:endParaRPr lang="en-US" altLang="zh-CN" dirty="0"/>
+          </a:p>
+          <a:p>
+            <a:endParaRPr lang="en-US" altLang="zh-CN" dirty="0"/>
+          </a:p>
+          <a:p>
+            <a:r>
+              <a:rPr lang="zh-CN" altLang="en-US" dirty="0"/>
+              <a:t>The implication of experimental results</a:t>
+            </a:r>
+            <a:r>
+              <a:rPr lang="en-US" altLang="zh-CN" dirty="0"/>
+              <a:t>:</a:t>
+            </a:r>
+            <a:r>
+              <a:rPr lang="zh-CN" altLang="en-US" dirty="0"/>
+              <a:t> </a:t>
+            </a:r>
+            <a:r>
+              <a:rPr lang="en-US" altLang="zh-CN" dirty="0"/>
+              <a:t>A</a:t>
+            </a:r>
+            <a:r>
+              <a:rPr lang="zh-CN" altLang="en-US" dirty="0"/>
+              <a:t>ssess the performance limits of various algorithms under the most ideal conditions.</a:t>
+            </a:r>
+          </a:p>
+        </p:txBody>
+      </p:sp>
+      <p:sp>
+        <p:nvSpPr>
+          <p:cNvPr id="6" name="文本框 5">
+            <a:extLst>
+              <a:ext uri="{FF2B5EF4-FFF2-40B4-BE49-F238E27FC236}">
+                <a16:creationId xmlns:a16="http://schemas.microsoft.com/office/drawing/2014/main" id="{0F1405E2-D371-AFED-7A47-4EB22D349072}"/>
+              </a:ext>
+            </a:extLst>
+          </p:cNvPr>
+          <p:cNvSpPr txBox="1"/>
+          <p:nvPr/>
+        </p:nvSpPr>
+        <p:spPr>
+          <a:xfrm>
+            <a:off x="609600" y="106251"/>
+            <a:ext cx="4584920" cy="369332"/>
+          </a:xfrm>
+          <a:prstGeom prst="rect">
+            <a:avLst/>
+          </a:prstGeom>
+          <a:noFill/>
+        </p:spPr>
+        <p:txBody>
+          <a:bodyPr wrap="square" rtlCol="0">
+            <a:spAutoFit/>
+          </a:bodyPr>
+          <a:lstStyle>
+            <a:defPPr>
+              <a:defRPr lang="zh-CN"/>
+            </a:defPPr>
+            <a:lvl1pPr>
+              <a:defRPr sz="2400">
+                <a:latin typeface="Consolas" panose="020B0609020204030204" pitchFamily="49" charset="0"/>
+                <a:cs typeface="Times New Roman" panose="02020603050405020304" pitchFamily="18" charset="0"/>
+              </a:defRPr>
+            </a:lvl1pPr>
+          </a:lstStyle>
+          <a:p>
+            <a:r>
+              <a:rPr lang="en-US" altLang="zh-CN" sz="1800" b="1" dirty="0"/>
+              <a:t>Analysis of Experimental Results</a:t>
+            </a:r>
+            <a:endParaRPr lang="en-US" altLang="zh-CN" sz="1100" b="1" dirty="0"/>
+          </a:p>
+        </p:txBody>
+      </p:sp>
     </p:spTree>
     <p:extLst>
       <p:ext uri="{BB962C8B-B14F-4D97-AF65-F5344CB8AC3E}">

--- a/Presentation_1120_JiayuChen.pptx
+++ b/Presentation_1120_JiayuChen.pptx
@@ -27,10 +27,10 @@
     <p:sldId id="372" r:id="rId18"/>
     <p:sldId id="369" r:id="rId19"/>
     <p:sldId id="370" r:id="rId20"/>
-    <p:sldId id="368" r:id="rId21"/>
-    <p:sldId id="373" r:id="rId22"/>
-    <p:sldId id="346" r:id="rId23"/>
-    <p:sldId id="348" r:id="rId24"/>
+    <p:sldId id="373" r:id="rId21"/>
+    <p:sldId id="346" r:id="rId22"/>
+    <p:sldId id="348" r:id="rId23"/>
+    <p:sldId id="382" r:id="rId24"/>
     <p:sldId id="263" r:id="rId25"/>
   </p:sldIdLst>
   <p:sldSz cx="12192000" cy="6858000"/>
@@ -1575,10 +1575,7 @@
           <a:bodyPr/>
           <a:lstStyle/>
           <a:p>
-            <a:pPr marL="228600" indent="-228600">
-              <a:buAutoNum type="arabicPeriod"/>
-            </a:pPr>
-            <a:endParaRPr lang="en-US" altLang="zh-CN" dirty="0"/>
+            <a:endParaRPr lang="zh-CN" altLang="en-US" dirty="0"/>
           </a:p>
         </p:txBody>
       </p:sp>
@@ -1608,7 +1605,7 @@
     </p:spTree>
     <p:extLst>
       <p:ext uri="{BB962C8B-B14F-4D97-AF65-F5344CB8AC3E}">
-        <p14:creationId xmlns:p14="http://schemas.microsoft.com/office/powerpoint/2010/main" val="2006844102"/>
+        <p14:creationId xmlns:p14="http://schemas.microsoft.com/office/powerpoint/2010/main" val="2910629398"/>
       </p:ext>
     </p:extLst>
   </p:cSld>
@@ -1662,7 +1659,7 @@
           <a:bodyPr/>
           <a:lstStyle/>
           <a:p>
-            <a:endParaRPr lang="zh-CN" altLang="en-US" dirty="0"/>
+            <a:endParaRPr lang="en-US" altLang="zh-CN" dirty="0"/>
           </a:p>
         </p:txBody>
       </p:sp>
@@ -1692,7 +1689,7 @@
     </p:spTree>
     <p:extLst>
       <p:ext uri="{BB962C8B-B14F-4D97-AF65-F5344CB8AC3E}">
-        <p14:creationId xmlns:p14="http://schemas.microsoft.com/office/powerpoint/2010/main" val="2910629398"/>
+        <p14:creationId xmlns:p14="http://schemas.microsoft.com/office/powerpoint/2010/main" val="3611980438"/>
       </p:ext>
     </p:extLst>
   </p:cSld>
@@ -1776,7 +1773,7 @@
     </p:spTree>
     <p:extLst>
       <p:ext uri="{BB962C8B-B14F-4D97-AF65-F5344CB8AC3E}">
-        <p14:creationId xmlns:p14="http://schemas.microsoft.com/office/powerpoint/2010/main" val="3611980438"/>
+        <p14:creationId xmlns:p14="http://schemas.microsoft.com/office/powerpoint/2010/main" val="3040035200"/>
       </p:ext>
     </p:extLst>
   </p:cSld>
@@ -1787,90 +1784,6 @@
 </file>
 
 <file path=ppt/notesSlides/notesSlide23.xml><?xml version="1.0" encoding="utf-8"?>
-<p:notes xmlns:a="http://schemas.openxmlformats.org/drawingml/2006/main" xmlns:r="http://schemas.openxmlformats.org/officeDocument/2006/relationships" xmlns:p="http://schemas.openxmlformats.org/presentationml/2006/main">
-  <p:cSld>
-    <p:spTree>
-      <p:nvGrpSpPr>
-        <p:cNvPr id="1" name=""/>
-        <p:cNvGrpSpPr/>
-        <p:nvPr/>
-      </p:nvGrpSpPr>
-      <p:grpSpPr>
-        <a:xfrm>
-          <a:off x="0" y="0"/>
-          <a:ext cx="0" cy="0"/>
-          <a:chOff x="0" y="0"/>
-          <a:chExt cx="0" cy="0"/>
-        </a:xfrm>
-      </p:grpSpPr>
-      <p:sp>
-        <p:nvSpPr>
-          <p:cNvPr id="2" name="幻灯片图像占位符 1"/>
-          <p:cNvSpPr>
-            <a:spLocks noGrp="1" noRot="1" noChangeAspect="1"/>
-          </p:cNvSpPr>
-          <p:nvPr>
-            <p:ph type="sldImg"/>
-          </p:nvPr>
-        </p:nvSpPr>
-        <p:spPr/>
-      </p:sp>
-      <p:sp>
-        <p:nvSpPr>
-          <p:cNvPr id="3" name="备注占位符 2"/>
-          <p:cNvSpPr>
-            <a:spLocks noGrp="1"/>
-          </p:cNvSpPr>
-          <p:nvPr>
-            <p:ph type="body" idx="1"/>
-          </p:nvPr>
-        </p:nvSpPr>
-        <p:spPr/>
-        <p:txBody>
-          <a:bodyPr/>
-          <a:lstStyle/>
-          <a:p>
-            <a:endParaRPr lang="en-US" altLang="zh-CN" dirty="0"/>
-          </a:p>
-        </p:txBody>
-      </p:sp>
-      <p:sp>
-        <p:nvSpPr>
-          <p:cNvPr id="4" name="灯片编号占位符 3"/>
-          <p:cNvSpPr>
-            <a:spLocks noGrp="1"/>
-          </p:cNvSpPr>
-          <p:nvPr>
-            <p:ph type="sldNum" sz="quarter" idx="5"/>
-          </p:nvPr>
-        </p:nvSpPr>
-        <p:spPr/>
-        <p:txBody>
-          <a:bodyPr/>
-          <a:lstStyle/>
-          <a:p>
-            <a:fld id="{E39FA662-60CA-45D5-8BB1-0A7D21FB8FF0}" type="slidenum">
-              <a:rPr lang="zh-CN" altLang="en-US" smtClean="0"/>
-              <a:t>23</a:t>
-            </a:fld>
-            <a:endParaRPr lang="zh-CN" altLang="en-US"/>
-          </a:p>
-        </p:txBody>
-      </p:sp>
-    </p:spTree>
-    <p:extLst>
-      <p:ext uri="{BB962C8B-B14F-4D97-AF65-F5344CB8AC3E}">
-        <p14:creationId xmlns:p14="http://schemas.microsoft.com/office/powerpoint/2010/main" val="3040035200"/>
-      </p:ext>
-    </p:extLst>
-  </p:cSld>
-  <p:clrMapOvr>
-    <a:masterClrMapping/>
-  </p:clrMapOvr>
-</p:notes>
-</file>
-
-<file path=ppt/notesSlides/notesSlide24.xml><?xml version="1.0" encoding="utf-8"?>
 <p:notes xmlns:a="http://schemas.openxmlformats.org/drawingml/2006/main" xmlns:r="http://schemas.openxmlformats.org/officeDocument/2006/relationships" xmlns:p="http://schemas.openxmlformats.org/presentationml/2006/main">
   <p:cSld>
     <p:spTree>
@@ -9023,7 +8936,7 @@
           <a:p>
             <a:r>
               <a:rPr lang="en-US" altLang="zh-CN" dirty="0"/>
-              <a:t>3. A type of Ineffective Centroid Calculation Method</a:t>
+              <a:t>3. A Type of Ineffective Centroid Calculation Method</a:t>
             </a:r>
             <a:endParaRPr lang="zh-CN" altLang="en-US" dirty="0"/>
           </a:p>
@@ -10036,7 +9949,11 @@
               <a:rPr lang="en-US" altLang="zh-CN" dirty="0"/>
               <a:t> for Reconstruction of ECG from BCG</a:t>
             </a:r>
-            <a:endParaRPr lang="zh-CN" altLang="en-US" dirty="0"/>
+            <a:r>
+              <a:rPr lang="en-US" altLang="zh-CN" baseline="30000" dirty="0"/>
+              <a:t>[9]</a:t>
+            </a:r>
+            <a:endParaRPr lang="zh-CN" altLang="en-US" baseline="30000" dirty="0"/>
           </a:p>
         </p:txBody>
       </p:sp>
@@ -10215,8 +10132,8 @@
         </p:nvSpPr>
         <p:spPr>
           <a:xfrm>
-            <a:off x="878114" y="457200"/>
-            <a:ext cx="5021943" cy="3693319"/>
+            <a:off x="495097" y="231525"/>
+            <a:ext cx="5652240" cy="400110"/>
           </a:xfrm>
           <a:prstGeom prst="rect">
             <a:avLst/>
@@ -10229,110 +10146,10 @@
           </a:bodyPr>
           <a:lstStyle/>
           <a:p>
-            <a:pPr marL="342900" indent="-342900">
-              <a:buAutoNum type="arabicPeriod"/>
-            </a:pPr>
-            <a:r>
-              <a:rPr lang="en-US" altLang="zh-CN" dirty="0"/>
-              <a:t>Denoising Effect</a:t>
-            </a:r>
-          </a:p>
-          <a:p>
-            <a:pPr marL="342900" indent="-342900">
-              <a:buAutoNum type="arabicPeriod"/>
-            </a:pPr>
-            <a:endParaRPr lang="en-US" altLang="zh-CN" dirty="0"/>
-          </a:p>
-          <a:p>
-            <a:pPr marL="342900" indent="-342900">
-              <a:buAutoNum type="arabicPeriod"/>
-            </a:pPr>
-            <a:endParaRPr lang="en-US" altLang="zh-CN" dirty="0"/>
-          </a:p>
-          <a:p>
-            <a:pPr marL="342900" indent="-342900">
-              <a:buAutoNum type="arabicPeriod"/>
-            </a:pPr>
-            <a:r>
-              <a:rPr lang="en-US" altLang="zh-CN" dirty="0"/>
-              <a:t>ZCR</a:t>
-            </a:r>
-            <a:r>
-              <a:rPr lang="zh-CN" altLang="en-US" dirty="0"/>
-              <a:t> </a:t>
-            </a:r>
-            <a:r>
-              <a:rPr lang="en-US" altLang="zh-CN" dirty="0"/>
-              <a:t>Effect</a:t>
-            </a:r>
-          </a:p>
-          <a:p>
-            <a:pPr marL="342900" indent="-342900">
-              <a:buAutoNum type="arabicPeriod"/>
-            </a:pPr>
-            <a:endParaRPr lang="en-US" altLang="zh-CN" dirty="0"/>
-          </a:p>
-          <a:p>
-            <a:pPr marL="342900" indent="-342900">
-              <a:buAutoNum type="arabicPeriod"/>
-            </a:pPr>
-            <a:endParaRPr lang="en-US" altLang="zh-CN" dirty="0"/>
-          </a:p>
-          <a:p>
-            <a:pPr marL="342900" indent="-342900">
-              <a:buAutoNum type="arabicPeriod"/>
-            </a:pPr>
-            <a:r>
-              <a:rPr lang="en-US" altLang="zh-CN" dirty="0"/>
-              <a:t>Requirements</a:t>
-            </a:r>
-          </a:p>
-          <a:p>
-            <a:pPr marL="342900" indent="-342900">
-              <a:buAutoNum type="arabicPeriod"/>
-            </a:pPr>
-            <a:endParaRPr lang="en-US" altLang="zh-CN" dirty="0"/>
-          </a:p>
-          <a:p>
-            <a:pPr marL="342900" indent="-342900">
-              <a:buAutoNum type="arabicPeriod"/>
-            </a:pPr>
-            <a:endParaRPr lang="en-US" altLang="zh-CN" dirty="0"/>
-          </a:p>
-          <a:p>
-            <a:pPr marL="342900" indent="-342900">
-              <a:buAutoNum type="arabicPeriod"/>
-            </a:pPr>
-            <a:r>
-              <a:rPr lang="en-US" altLang="zh-CN" dirty="0"/>
-              <a:t>ACF</a:t>
-            </a:r>
-            <a:r>
-              <a:rPr lang="zh-CN" altLang="en-US" dirty="0"/>
-              <a:t> </a:t>
-            </a:r>
-            <a:r>
-              <a:rPr lang="en-US" altLang="zh-CN" dirty="0"/>
-              <a:t>Effect</a:t>
-            </a:r>
-          </a:p>
-          <a:p>
-            <a:pPr marL="342900" indent="-342900">
-              <a:buAutoNum type="arabicPeriod"/>
-            </a:pPr>
-            <a:endParaRPr lang="en-US" altLang="zh-CN" dirty="0"/>
-          </a:p>
-          <a:p>
-            <a:pPr marL="342900" indent="-342900">
-              <a:buAutoNum type="arabicPeriod"/>
-            </a:pPr>
-            <a:endParaRPr lang="en-US" altLang="zh-CN" dirty="0"/>
-          </a:p>
-          <a:p>
-            <a:pPr marL="342900" indent="-342900">
-              <a:buAutoNum type="arabicPeriod"/>
-            </a:pPr>
-            <a:endParaRPr lang="zh-CN" altLang="en-US" dirty="0"/>
+            <a:r>
+              <a:rPr lang="en-US" altLang="zh-CN" sz="2000" dirty="0"/>
+              <a:t>Denoise and Choose High Quality Signals</a:t>
+            </a:r>
           </a:p>
         </p:txBody>
       </p:sp>
@@ -10378,6 +10195,299 @@
           </a:fontRef>
         </p:style>
       </p:cxnSp>
+      <p:pic>
+        <p:nvPicPr>
+          <p:cNvPr id="5" name="图片 4">
+            <a:extLst>
+              <a:ext uri="{FF2B5EF4-FFF2-40B4-BE49-F238E27FC236}">
+                <a16:creationId xmlns:a16="http://schemas.microsoft.com/office/drawing/2014/main" id="{54459165-4F09-F0D5-946D-601942760034}"/>
+              </a:ext>
+            </a:extLst>
+          </p:cNvPr>
+          <p:cNvPicPr>
+            <a:picLocks noChangeAspect="1"/>
+          </p:cNvPicPr>
+          <p:nvPr/>
+        </p:nvPicPr>
+        <p:blipFill>
+          <a:blip r:embed="rId3"/>
+          <a:stretch>
+            <a:fillRect/>
+          </a:stretch>
+        </p:blipFill>
+        <p:spPr>
+          <a:xfrm>
+            <a:off x="584599" y="1654388"/>
+            <a:ext cx="5081252" cy="1228119"/>
+          </a:xfrm>
+          <a:prstGeom prst="rect">
+            <a:avLst/>
+          </a:prstGeom>
+        </p:spPr>
+      </p:pic>
+      <p:pic>
+        <p:nvPicPr>
+          <p:cNvPr id="9" name="图片 8">
+            <a:extLst>
+              <a:ext uri="{FF2B5EF4-FFF2-40B4-BE49-F238E27FC236}">
+                <a16:creationId xmlns:a16="http://schemas.microsoft.com/office/drawing/2014/main" id="{C681199F-2A4F-1D1C-C631-81BC4F9CEC27}"/>
+              </a:ext>
+            </a:extLst>
+          </p:cNvPr>
+          <p:cNvPicPr>
+            <a:picLocks noChangeAspect="1"/>
+          </p:cNvPicPr>
+          <p:nvPr/>
+        </p:nvPicPr>
+        <p:blipFill>
+          <a:blip r:embed="rId4"/>
+          <a:stretch>
+            <a:fillRect/>
+          </a:stretch>
+        </p:blipFill>
+        <p:spPr>
+          <a:xfrm>
+            <a:off x="495097" y="3844013"/>
+            <a:ext cx="5254502" cy="2598301"/>
+          </a:xfrm>
+          <a:prstGeom prst="rect">
+            <a:avLst/>
+          </a:prstGeom>
+        </p:spPr>
+      </p:pic>
+      <p:sp>
+        <p:nvSpPr>
+          <p:cNvPr id="10" name="文本框 9">
+            <a:extLst>
+              <a:ext uri="{FF2B5EF4-FFF2-40B4-BE49-F238E27FC236}">
+                <a16:creationId xmlns:a16="http://schemas.microsoft.com/office/drawing/2014/main" id="{72F60A9F-1801-2FCF-9298-A7B2584BCE7C}"/>
+              </a:ext>
+            </a:extLst>
+          </p:cNvPr>
+          <p:cNvSpPr txBox="1"/>
+          <p:nvPr/>
+        </p:nvSpPr>
+        <p:spPr>
+          <a:xfrm>
+            <a:off x="8205136" y="3880934"/>
+            <a:ext cx="2035353" cy="369332"/>
+          </a:xfrm>
+          <a:prstGeom prst="rect">
+            <a:avLst/>
+          </a:prstGeom>
+          <a:noFill/>
+        </p:spPr>
+        <p:txBody>
+          <a:bodyPr wrap="square">
+            <a:spAutoFit/>
+          </a:bodyPr>
+          <a:lstStyle/>
+          <a:p>
+            <a:pPr algn="ctr"/>
+            <a:r>
+              <a:rPr lang="en-US" altLang="zh-CN" dirty="0"/>
+              <a:t>ACF</a:t>
+            </a:r>
+          </a:p>
+        </p:txBody>
+      </p:sp>
+      <p:sp>
+        <p:nvSpPr>
+          <p:cNvPr id="12" name="文本框 11">
+            <a:extLst>
+              <a:ext uri="{FF2B5EF4-FFF2-40B4-BE49-F238E27FC236}">
+                <a16:creationId xmlns:a16="http://schemas.microsoft.com/office/drawing/2014/main" id="{3ECC397C-28B7-23CC-5EEB-E85DD5F3A688}"/>
+              </a:ext>
+            </a:extLst>
+          </p:cNvPr>
+          <p:cNvSpPr txBox="1"/>
+          <p:nvPr/>
+        </p:nvSpPr>
+        <p:spPr>
+          <a:xfrm>
+            <a:off x="8248493" y="245923"/>
+            <a:ext cx="1948641" cy="369332"/>
+          </a:xfrm>
+          <a:prstGeom prst="rect">
+            <a:avLst/>
+          </a:prstGeom>
+          <a:noFill/>
+        </p:spPr>
+        <p:txBody>
+          <a:bodyPr wrap="square">
+            <a:spAutoFit/>
+          </a:bodyPr>
+          <a:lstStyle/>
+          <a:p>
+            <a:pPr algn="ctr"/>
+            <a:r>
+              <a:rPr lang="en-US" altLang="zh-CN" dirty="0"/>
+              <a:t>ZCR</a:t>
+            </a:r>
+          </a:p>
+        </p:txBody>
+      </p:sp>
+      <p:sp>
+        <p:nvSpPr>
+          <p:cNvPr id="13" name="文本框 12">
+            <a:extLst>
+              <a:ext uri="{FF2B5EF4-FFF2-40B4-BE49-F238E27FC236}">
+                <a16:creationId xmlns:a16="http://schemas.microsoft.com/office/drawing/2014/main" id="{D442802A-4545-711E-2719-6CB977362CE9}"/>
+              </a:ext>
+            </a:extLst>
+          </p:cNvPr>
+          <p:cNvSpPr txBox="1"/>
+          <p:nvPr/>
+        </p:nvSpPr>
+        <p:spPr>
+          <a:xfrm>
+            <a:off x="1643268" y="1312443"/>
+            <a:ext cx="3014366" cy="369332"/>
+          </a:xfrm>
+          <a:prstGeom prst="rect">
+            <a:avLst/>
+          </a:prstGeom>
+          <a:noFill/>
+        </p:spPr>
+        <p:txBody>
+          <a:bodyPr wrap="square" rtlCol="0">
+            <a:spAutoFit/>
+          </a:bodyPr>
+          <a:lstStyle/>
+          <a:p>
+            <a:pPr algn="ctr"/>
+            <a:r>
+              <a:rPr lang="en-US" altLang="zh-CN" dirty="0"/>
+              <a:t>High Quality Signal</a:t>
+            </a:r>
+            <a:endParaRPr lang="zh-CN" altLang="en-US" dirty="0"/>
+          </a:p>
+        </p:txBody>
+      </p:sp>
+      <p:sp>
+        <p:nvSpPr>
+          <p:cNvPr id="14" name="文本框 13">
+            <a:extLst>
+              <a:ext uri="{FF2B5EF4-FFF2-40B4-BE49-F238E27FC236}">
+                <a16:creationId xmlns:a16="http://schemas.microsoft.com/office/drawing/2014/main" id="{3C79D36D-F7CA-9183-E0BF-4151506E08B9}"/>
+              </a:ext>
+            </a:extLst>
+          </p:cNvPr>
+          <p:cNvSpPr txBox="1"/>
+          <p:nvPr/>
+        </p:nvSpPr>
+        <p:spPr>
+          <a:xfrm>
+            <a:off x="1996415" y="3506212"/>
+            <a:ext cx="2308072" cy="369332"/>
+          </a:xfrm>
+          <a:prstGeom prst="rect">
+            <a:avLst/>
+          </a:prstGeom>
+          <a:noFill/>
+        </p:spPr>
+        <p:txBody>
+          <a:bodyPr wrap="square" rtlCol="0">
+            <a:spAutoFit/>
+          </a:bodyPr>
+          <a:lstStyle/>
+          <a:p>
+            <a:r>
+              <a:rPr lang="en-US" altLang="zh-CN" dirty="0"/>
+              <a:t>Sliding Window?</a:t>
+            </a:r>
+            <a:endParaRPr lang="zh-CN" altLang="en-US" dirty="0"/>
+          </a:p>
+        </p:txBody>
+      </p:sp>
+      <p:pic>
+        <p:nvPicPr>
+          <p:cNvPr id="18" name="图片 17">
+            <a:extLst>
+              <a:ext uri="{FF2B5EF4-FFF2-40B4-BE49-F238E27FC236}">
+                <a16:creationId xmlns:a16="http://schemas.microsoft.com/office/drawing/2014/main" id="{8CE3472F-A27F-9EDA-F3E3-45397401C1CE}"/>
+              </a:ext>
+            </a:extLst>
+          </p:cNvPr>
+          <p:cNvPicPr>
+            <a:picLocks noChangeAspect="1"/>
+          </p:cNvPicPr>
+          <p:nvPr/>
+        </p:nvPicPr>
+        <p:blipFill rotWithShape="1">
+          <a:blip r:embed="rId5"/>
+          <a:srcRect l="3238" r="7020" b="4616"/>
+          <a:stretch/>
+        </p:blipFill>
+        <p:spPr>
+          <a:xfrm>
+            <a:off x="6127725" y="1046730"/>
+            <a:ext cx="3339054" cy="1963520"/>
+          </a:xfrm>
+          <a:prstGeom prst="rect">
+            <a:avLst/>
+          </a:prstGeom>
+        </p:spPr>
+      </p:pic>
+      <p:pic>
+        <p:nvPicPr>
+          <p:cNvPr id="20" name="图片 19">
+            <a:extLst>
+              <a:ext uri="{FF2B5EF4-FFF2-40B4-BE49-F238E27FC236}">
+                <a16:creationId xmlns:a16="http://schemas.microsoft.com/office/drawing/2014/main" id="{05DCF17D-A8F8-8DC5-43C5-4017E8D98F8E}"/>
+              </a:ext>
+            </a:extLst>
+          </p:cNvPr>
+          <p:cNvPicPr>
+            <a:picLocks noChangeAspect="1"/>
+          </p:cNvPicPr>
+          <p:nvPr/>
+        </p:nvPicPr>
+        <p:blipFill>
+          <a:blip r:embed="rId6"/>
+          <a:stretch>
+            <a:fillRect/>
+          </a:stretch>
+        </p:blipFill>
+        <p:spPr>
+          <a:xfrm>
+            <a:off x="7735779" y="4583587"/>
+            <a:ext cx="3107979" cy="2028490"/>
+          </a:xfrm>
+          <a:prstGeom prst="rect">
+            <a:avLst/>
+          </a:prstGeom>
+        </p:spPr>
+      </p:pic>
+      <p:pic>
+        <p:nvPicPr>
+          <p:cNvPr id="22" name="图片 21">
+            <a:extLst>
+              <a:ext uri="{FF2B5EF4-FFF2-40B4-BE49-F238E27FC236}">
+                <a16:creationId xmlns:a16="http://schemas.microsoft.com/office/drawing/2014/main" id="{0F6A5E4F-B8F5-4E85-4CEC-F299A9F8BEDF}"/>
+              </a:ext>
+            </a:extLst>
+          </p:cNvPr>
+          <p:cNvPicPr>
+            <a:picLocks noChangeAspect="1"/>
+          </p:cNvPicPr>
+          <p:nvPr/>
+        </p:nvPicPr>
+        <p:blipFill rotWithShape="1">
+          <a:blip r:embed="rId7"/>
+          <a:srcRect l="3216" r="3092"/>
+          <a:stretch/>
+        </p:blipFill>
+        <p:spPr>
+          <a:xfrm>
+            <a:off x="9378055" y="1041696"/>
+            <a:ext cx="2729861" cy="1953386"/>
+          </a:xfrm>
+          <a:prstGeom prst="rect">
+            <a:avLst/>
+          </a:prstGeom>
+        </p:spPr>
+      </p:pic>
     </p:spTree>
     <p:extLst>
       <p:ext uri="{BB962C8B-B14F-4D97-AF65-F5344CB8AC3E}">
@@ -10422,8 +10532,8 @@
         </p:nvSpPr>
         <p:spPr>
           <a:xfrm>
-            <a:off x="856343" y="442686"/>
-            <a:ext cx="9688286" cy="2862322"/>
+            <a:off x="2092214" y="442686"/>
+            <a:ext cx="2159206" cy="369332"/>
           </a:xfrm>
           <a:prstGeom prst="rect">
             <a:avLst/>
@@ -10436,73 +10546,11 @@
           </a:bodyPr>
           <a:lstStyle/>
           <a:p>
-            <a:pPr marL="342900" indent="-342900">
-              <a:buAutoNum type="arabicPeriod"/>
-            </a:pPr>
+            <a:pPr algn="ctr"/>
             <a:r>
               <a:rPr lang="en-US" altLang="zh-CN" dirty="0"/>
               <a:t>Respiration</a:t>
             </a:r>
-          </a:p>
-          <a:p>
-            <a:pPr marL="342900" indent="-342900">
-              <a:buAutoNum type="arabicPeriod"/>
-            </a:pPr>
-            <a:endParaRPr lang="en-US" altLang="zh-CN" dirty="0"/>
-          </a:p>
-          <a:p>
-            <a:pPr marL="342900" indent="-342900">
-              <a:buAutoNum type="arabicPeriod"/>
-            </a:pPr>
-            <a:endParaRPr lang="en-US" altLang="zh-CN" dirty="0"/>
-          </a:p>
-          <a:p>
-            <a:pPr marL="342900" indent="-342900">
-              <a:buAutoNum type="arabicPeriod"/>
-            </a:pPr>
-            <a:r>
-              <a:rPr lang="en-US" altLang="zh-CN" dirty="0"/>
-              <a:t>Signal fusion</a:t>
-            </a:r>
-          </a:p>
-          <a:p>
-            <a:pPr marL="342900" indent="-342900">
-              <a:buAutoNum type="arabicPeriod"/>
-            </a:pPr>
-            <a:endParaRPr lang="en-US" altLang="zh-CN" dirty="0"/>
-          </a:p>
-          <a:p>
-            <a:pPr marL="342900" indent="-342900">
-              <a:buAutoNum type="arabicPeriod"/>
-            </a:pPr>
-            <a:endParaRPr lang="en-US" altLang="zh-CN" dirty="0"/>
-          </a:p>
-          <a:p>
-            <a:pPr marL="342900" indent="-342900">
-              <a:buAutoNum type="arabicPeriod"/>
-            </a:pPr>
-            <a:r>
-              <a:rPr lang="en-US" altLang="zh-CN" dirty="0"/>
-              <a:t>Why Respiration Pattern will appear?</a:t>
-            </a:r>
-          </a:p>
-          <a:p>
-            <a:pPr marL="342900" indent="-342900">
-              <a:buAutoNum type="arabicPeriod"/>
-            </a:pPr>
-            <a:endParaRPr lang="en-US" altLang="zh-CN" dirty="0"/>
-          </a:p>
-          <a:p>
-            <a:pPr marL="342900" indent="-342900">
-              <a:buAutoNum type="arabicPeriod"/>
-            </a:pPr>
-            <a:endParaRPr lang="en-US" altLang="zh-CN" dirty="0"/>
-          </a:p>
-          <a:p>
-            <a:pPr marL="342900" indent="-342900">
-              <a:buAutoNum type="arabicPeriod"/>
-            </a:pPr>
-            <a:endParaRPr lang="zh-CN" altLang="en-US" dirty="0"/>
           </a:p>
         </p:txBody>
       </p:sp>
@@ -10548,6 +10596,235 @@
           </a:fontRef>
         </p:style>
       </p:cxnSp>
+      <p:pic>
+        <p:nvPicPr>
+          <p:cNvPr id="5" name="图片 4">
+            <a:extLst>
+              <a:ext uri="{FF2B5EF4-FFF2-40B4-BE49-F238E27FC236}">
+                <a16:creationId xmlns:a16="http://schemas.microsoft.com/office/drawing/2014/main" id="{C7D8746E-3632-8D54-0E1D-C423000FB24E}"/>
+              </a:ext>
+            </a:extLst>
+          </p:cNvPr>
+          <p:cNvPicPr>
+            <a:picLocks noChangeAspect="1"/>
+          </p:cNvPicPr>
+          <p:nvPr/>
+        </p:nvPicPr>
+        <p:blipFill>
+          <a:blip r:embed="rId3"/>
+          <a:stretch>
+            <a:fillRect/>
+          </a:stretch>
+        </p:blipFill>
+        <p:spPr>
+          <a:xfrm>
+            <a:off x="527239" y="1154037"/>
+            <a:ext cx="5011684" cy="2862322"/>
+          </a:xfrm>
+          <a:prstGeom prst="rect">
+            <a:avLst/>
+          </a:prstGeom>
+        </p:spPr>
+      </p:pic>
+      <p:sp>
+        <p:nvSpPr>
+          <p:cNvPr id="7" name="文本框 6">
+            <a:extLst>
+              <a:ext uri="{FF2B5EF4-FFF2-40B4-BE49-F238E27FC236}">
+                <a16:creationId xmlns:a16="http://schemas.microsoft.com/office/drawing/2014/main" id="{C053BE97-EF28-8533-50D6-C64DCC66F5AC}"/>
+              </a:ext>
+            </a:extLst>
+          </p:cNvPr>
+          <p:cNvSpPr txBox="1"/>
+          <p:nvPr/>
+        </p:nvSpPr>
+        <p:spPr>
+          <a:xfrm>
+            <a:off x="8119073" y="442686"/>
+            <a:ext cx="2230820" cy="369332"/>
+          </a:xfrm>
+          <a:prstGeom prst="rect">
+            <a:avLst/>
+          </a:prstGeom>
+          <a:noFill/>
+        </p:spPr>
+        <p:txBody>
+          <a:bodyPr wrap="square">
+            <a:spAutoFit/>
+          </a:bodyPr>
+          <a:lstStyle/>
+          <a:p>
+            <a:pPr algn="ctr"/>
+            <a:r>
+              <a:rPr lang="en-US" altLang="zh-CN" dirty="0"/>
+              <a:t>Fusion</a:t>
+            </a:r>
+          </a:p>
+        </p:txBody>
+      </p:sp>
+      <p:sp>
+        <p:nvSpPr>
+          <p:cNvPr id="9" name="文本框 8">
+            <a:extLst>
+              <a:ext uri="{FF2B5EF4-FFF2-40B4-BE49-F238E27FC236}">
+                <a16:creationId xmlns:a16="http://schemas.microsoft.com/office/drawing/2014/main" id="{937F09DE-9A2B-B509-90CF-076395FE2269}"/>
+              </a:ext>
+            </a:extLst>
+          </p:cNvPr>
+          <p:cNvSpPr txBox="1"/>
+          <p:nvPr/>
+        </p:nvSpPr>
+        <p:spPr>
+          <a:xfrm>
+            <a:off x="346656" y="4503634"/>
+            <a:ext cx="5724118" cy="1200329"/>
+          </a:xfrm>
+          <a:prstGeom prst="rect">
+            <a:avLst/>
+          </a:prstGeom>
+          <a:noFill/>
+        </p:spPr>
+        <p:txBody>
+          <a:bodyPr wrap="square">
+            <a:spAutoFit/>
+          </a:bodyPr>
+          <a:lstStyle/>
+          <a:p>
+            <a:r>
+              <a:rPr lang="en-US" altLang="zh-CN" dirty="0"/>
+              <a:t>Why Respiration Pattern will appear? </a:t>
+            </a:r>
+          </a:p>
+          <a:p>
+            <a:endParaRPr lang="en-US" altLang="zh-CN" dirty="0"/>
+          </a:p>
+          <a:p>
+            <a:r>
+              <a:rPr lang="en-US" altLang="zh-CN" dirty="0"/>
+              <a:t>How does it help and guide us in eliminating Respiration?</a:t>
+            </a:r>
+          </a:p>
+        </p:txBody>
+      </p:sp>
+      <p:pic>
+        <p:nvPicPr>
+          <p:cNvPr id="11" name="图片 10">
+            <a:extLst>
+              <a:ext uri="{FF2B5EF4-FFF2-40B4-BE49-F238E27FC236}">
+                <a16:creationId xmlns:a16="http://schemas.microsoft.com/office/drawing/2014/main" id="{BBBB37DF-8FD2-4DB1-B133-173CF93D2904}"/>
+              </a:ext>
+            </a:extLst>
+          </p:cNvPr>
+          <p:cNvPicPr>
+            <a:picLocks noChangeAspect="1"/>
+          </p:cNvPicPr>
+          <p:nvPr/>
+        </p:nvPicPr>
+        <p:blipFill>
+          <a:blip r:embed="rId4"/>
+          <a:stretch>
+            <a:fillRect/>
+          </a:stretch>
+        </p:blipFill>
+        <p:spPr>
+          <a:xfrm>
+            <a:off x="6455824" y="1629949"/>
+            <a:ext cx="1734563" cy="348335"/>
+          </a:xfrm>
+          <a:prstGeom prst="rect">
+            <a:avLst/>
+          </a:prstGeom>
+        </p:spPr>
+      </p:pic>
+      <p:pic>
+        <p:nvPicPr>
+          <p:cNvPr id="13" name="图片 12">
+            <a:extLst>
+              <a:ext uri="{FF2B5EF4-FFF2-40B4-BE49-F238E27FC236}">
+                <a16:creationId xmlns:a16="http://schemas.microsoft.com/office/drawing/2014/main" id="{C977719D-D594-D3AA-61B6-7E58EE82889C}"/>
+              </a:ext>
+            </a:extLst>
+          </p:cNvPr>
+          <p:cNvPicPr>
+            <a:picLocks noChangeAspect="1"/>
+          </p:cNvPicPr>
+          <p:nvPr/>
+        </p:nvPicPr>
+        <p:blipFill>
+          <a:blip r:embed="rId5"/>
+          <a:stretch>
+            <a:fillRect/>
+          </a:stretch>
+        </p:blipFill>
+        <p:spPr>
+          <a:xfrm>
+            <a:off x="6328148" y="2131596"/>
+            <a:ext cx="5870735" cy="534318"/>
+          </a:xfrm>
+          <a:prstGeom prst="rect">
+            <a:avLst/>
+          </a:prstGeom>
+        </p:spPr>
+      </p:pic>
+      <p:pic>
+        <p:nvPicPr>
+          <p:cNvPr id="15" name="图片 14">
+            <a:extLst>
+              <a:ext uri="{FF2B5EF4-FFF2-40B4-BE49-F238E27FC236}">
+                <a16:creationId xmlns:a16="http://schemas.microsoft.com/office/drawing/2014/main" id="{57DD61E2-6A11-5120-5A1B-CE005D0FBC14}"/>
+              </a:ext>
+            </a:extLst>
+          </p:cNvPr>
+          <p:cNvPicPr>
+            <a:picLocks noChangeAspect="1"/>
+          </p:cNvPicPr>
+          <p:nvPr/>
+        </p:nvPicPr>
+        <p:blipFill>
+          <a:blip r:embed="rId6"/>
+          <a:stretch>
+            <a:fillRect/>
+          </a:stretch>
+        </p:blipFill>
+        <p:spPr>
+          <a:xfrm>
+            <a:off x="8640483" y="1602509"/>
+            <a:ext cx="920388" cy="444325"/>
+          </a:xfrm>
+          <a:prstGeom prst="rect">
+            <a:avLst/>
+          </a:prstGeom>
+        </p:spPr>
+      </p:pic>
+      <p:pic>
+        <p:nvPicPr>
+          <p:cNvPr id="6" name="图片 5">
+            <a:extLst>
+              <a:ext uri="{FF2B5EF4-FFF2-40B4-BE49-F238E27FC236}">
+                <a16:creationId xmlns:a16="http://schemas.microsoft.com/office/drawing/2014/main" id="{8D47B29D-04EA-4D1F-9E59-C3DAD41ED752}"/>
+              </a:ext>
+            </a:extLst>
+          </p:cNvPr>
+          <p:cNvPicPr>
+            <a:picLocks noChangeAspect="1"/>
+          </p:cNvPicPr>
+          <p:nvPr/>
+        </p:nvPicPr>
+        <p:blipFill rotWithShape="1">
+          <a:blip r:embed="rId7"/>
+          <a:srcRect l="500" r="5858"/>
+          <a:stretch/>
+        </p:blipFill>
+        <p:spPr>
+          <a:xfrm>
+            <a:off x="6096000" y="3216444"/>
+            <a:ext cx="6062061" cy="2487519"/>
+          </a:xfrm>
+          <a:prstGeom prst="rect">
+            <a:avLst/>
+          </a:prstGeom>
+        </p:spPr>
+      </p:pic>
     </p:spTree>
     <p:extLst>
       <p:ext uri="{BB962C8B-B14F-4D97-AF65-F5344CB8AC3E}">
@@ -10761,64 +11038,22 @@
           <a:chExt cx="0" cy="0"/>
         </a:xfrm>
       </p:grpSpPr>
-      <p:cxnSp>
-        <p:nvCxnSpPr>
-          <p:cNvPr id="2" name="直接连接符 1">
-            <a:extLst>
-              <a:ext uri="{FF2B5EF4-FFF2-40B4-BE49-F238E27FC236}">
-                <a16:creationId xmlns:a16="http://schemas.microsoft.com/office/drawing/2014/main" id="{458985AA-D72F-1F5C-ED67-9281DC0CDCB1}"/>
-              </a:ext>
-            </a:extLst>
-          </p:cNvPr>
-          <p:cNvCxnSpPr/>
+      <p:sp>
+        <p:nvSpPr>
+          <p:cNvPr id="2" name="文本框 1">
+            <a:extLst>
+              <a:ext uri="{FF2B5EF4-FFF2-40B4-BE49-F238E27FC236}">
+                <a16:creationId xmlns:a16="http://schemas.microsoft.com/office/drawing/2014/main" id="{4301BE2B-0820-0143-B72A-D9CEA12265BD}"/>
+              </a:ext>
+            </a:extLst>
+          </p:cNvPr>
+          <p:cNvSpPr txBox="1"/>
           <p:nvPr/>
-        </p:nvCxnSpPr>
+        </p:nvSpPr>
         <p:spPr>
           <a:xfrm>
-            <a:off x="6209419" y="0"/>
-            <a:ext cx="0" cy="6858000"/>
-          </a:xfrm>
-          <a:prstGeom prst="line">
-            <a:avLst/>
-          </a:prstGeom>
-          <a:ln w="19050">
-            <a:solidFill>
-              <a:schemeClr val="accent3"/>
-            </a:solidFill>
-            <a:prstDash val="dash"/>
-          </a:ln>
-        </p:spPr>
-        <p:style>
-          <a:lnRef idx="1">
-            <a:schemeClr val="accent1"/>
-          </a:lnRef>
-          <a:fillRef idx="0">
-            <a:schemeClr val="accent1"/>
-          </a:fillRef>
-          <a:effectRef idx="0">
-            <a:schemeClr val="accent1"/>
-          </a:effectRef>
-          <a:fontRef idx="minor">
-            <a:schemeClr val="tx1"/>
-          </a:fontRef>
-        </p:style>
-      </p:cxnSp>
-      <p:sp>
-        <p:nvSpPr>
-          <p:cNvPr id="4" name="文本框 3">
-            <a:extLst>
-              <a:ext uri="{FF2B5EF4-FFF2-40B4-BE49-F238E27FC236}">
-                <a16:creationId xmlns:a16="http://schemas.microsoft.com/office/drawing/2014/main" id="{5623878B-F779-191D-CA80-670DD122797C}"/>
-              </a:ext>
-            </a:extLst>
-          </p:cNvPr>
-          <p:cNvSpPr txBox="1"/>
-          <p:nvPr/>
-        </p:nvSpPr>
-        <p:spPr>
-          <a:xfrm>
-            <a:off x="464456" y="326571"/>
-            <a:ext cx="5370286" cy="369332"/>
+            <a:off x="4913071" y="3105834"/>
+            <a:ext cx="2365858" cy="646331"/>
           </a:xfrm>
           <a:prstGeom prst="rect">
             <a:avLst/>
@@ -10833,54 +11068,19 @@
           <a:p>
             <a:pPr algn="ctr"/>
             <a:r>
-              <a:rPr lang="en-US" altLang="zh-CN" dirty="0"/>
-              <a:t>Time Series Average For Classification</a:t>
-            </a:r>
-            <a:endParaRPr lang="zh-CN" altLang="en-US" dirty="0"/>
-          </a:p>
-        </p:txBody>
-      </p:sp>
-      <p:sp>
-        <p:nvSpPr>
-          <p:cNvPr id="5" name="文本框 4">
-            <a:extLst>
-              <a:ext uri="{FF2B5EF4-FFF2-40B4-BE49-F238E27FC236}">
-                <a16:creationId xmlns:a16="http://schemas.microsoft.com/office/drawing/2014/main" id="{FE6BE75D-3732-78B1-21DF-21FA0BEA744D}"/>
-              </a:ext>
-            </a:extLst>
-          </p:cNvPr>
-          <p:cNvSpPr txBox="1"/>
-          <p:nvPr/>
-        </p:nvSpPr>
-        <p:spPr>
-          <a:xfrm>
-            <a:off x="6293811" y="326571"/>
-            <a:ext cx="5370286" cy="369332"/>
-          </a:xfrm>
-          <a:prstGeom prst="rect">
-            <a:avLst/>
-          </a:prstGeom>
-          <a:noFill/>
-        </p:spPr>
-        <p:txBody>
-          <a:bodyPr wrap="square" rtlCol="0">
-            <a:spAutoFit/>
-          </a:bodyPr>
-          <a:lstStyle/>
-          <a:p>
-            <a:pPr algn="ctr"/>
-            <a:r>
-              <a:rPr lang="en-US" altLang="zh-CN" dirty="0"/>
-              <a:t>Time Series Average For Regression</a:t>
-            </a:r>
-            <a:endParaRPr lang="zh-CN" altLang="en-US" dirty="0"/>
+              <a:rPr lang="en-US" altLang="zh-CN" sz="3600" dirty="0">
+                <a:latin typeface="Consolas" panose="020B0609020204030204" pitchFamily="49" charset="0"/>
+                <a:cs typeface="Times New Roman" panose="02020603050405020304" pitchFamily="18" charset="0"/>
+              </a:rPr>
+              <a:t>Part_3</a:t>
+            </a:r>
           </a:p>
         </p:txBody>
       </p:sp>
     </p:spTree>
     <p:extLst>
       <p:ext uri="{BB962C8B-B14F-4D97-AF65-F5344CB8AC3E}">
-        <p14:creationId xmlns:p14="http://schemas.microsoft.com/office/powerpoint/2010/main" val="2632979381"/>
+        <p14:creationId xmlns:p14="http://schemas.microsoft.com/office/powerpoint/2010/main" val="2052589804"/>
       </p:ext>
     </p:extLst>
   </p:cSld>
@@ -10909,10 +11109,10 @@
       </p:grpSpPr>
       <p:sp>
         <p:nvSpPr>
-          <p:cNvPr id="2" name="文本框 1">
-            <a:extLst>
-              <a:ext uri="{FF2B5EF4-FFF2-40B4-BE49-F238E27FC236}">
-                <a16:creationId xmlns:a16="http://schemas.microsoft.com/office/drawing/2014/main" id="{4301BE2B-0820-0143-B72A-D9CEA12265BD}"/>
+          <p:cNvPr id="63" name="文本框 62">
+            <a:extLst>
+              <a:ext uri="{FF2B5EF4-FFF2-40B4-BE49-F238E27FC236}">
+                <a16:creationId xmlns:a16="http://schemas.microsoft.com/office/drawing/2014/main" id="{204AE680-9190-FAD6-3CF8-9C593C260F05}"/>
               </a:ext>
             </a:extLst>
           </p:cNvPr>
@@ -10921,8 +11121,8 @@
         </p:nvSpPr>
         <p:spPr>
           <a:xfrm>
-            <a:off x="4913071" y="3105834"/>
-            <a:ext cx="2365858" cy="646331"/>
+            <a:off x="609599" y="106251"/>
+            <a:ext cx="6400801" cy="461665"/>
           </a:xfrm>
           <a:prstGeom prst="rect">
             <a:avLst/>
@@ -10933,15 +11133,196 @@
           <a:bodyPr wrap="square" rtlCol="0">
             <a:spAutoFit/>
           </a:bodyPr>
-          <a:lstStyle/>
-          <a:p>
-            <a:pPr algn="ctr"/>
-            <a:r>
-              <a:rPr lang="en-US" altLang="zh-CN" sz="3600" dirty="0">
+          <a:lstStyle>
+            <a:defPPr>
+              <a:defRPr lang="zh-CN"/>
+            </a:defPPr>
+            <a:lvl1pPr>
+              <a:defRPr sz="2400">
                 <a:latin typeface="Consolas" panose="020B0609020204030204" pitchFamily="49" charset="0"/>
                 <a:cs typeface="Times New Roman" panose="02020603050405020304" pitchFamily="18" charset="0"/>
+              </a:defRPr>
+            </a:lvl1pPr>
+          </a:lstStyle>
+          <a:p>
+            <a:r>
+              <a:rPr lang="en-US" altLang="zh-CN" dirty="0"/>
+              <a:t>Work_3: </a:t>
+            </a:r>
+            <a:r>
+              <a:rPr lang="en-US" altLang="zh-CN" sz="1400" dirty="0"/>
+              <a:t>Learning Progress and Future Learning Plan</a:t>
+            </a:r>
+          </a:p>
+        </p:txBody>
+      </p:sp>
+      <p:sp>
+        <p:nvSpPr>
+          <p:cNvPr id="2" name="文本框 1">
+            <a:extLst>
+              <a:ext uri="{FF2B5EF4-FFF2-40B4-BE49-F238E27FC236}">
+                <a16:creationId xmlns:a16="http://schemas.microsoft.com/office/drawing/2014/main" id="{83F21988-D9C8-EEB1-82D8-632A3509FA1C}"/>
+              </a:ext>
+            </a:extLst>
+          </p:cNvPr>
+          <p:cNvSpPr txBox="1"/>
+          <p:nvPr/>
+        </p:nvSpPr>
+        <p:spPr>
+          <a:xfrm>
+            <a:off x="703943" y="776514"/>
+            <a:ext cx="10522857" cy="2369880"/>
+          </a:xfrm>
+          <a:prstGeom prst="rect">
+            <a:avLst/>
+          </a:prstGeom>
+          <a:noFill/>
+        </p:spPr>
+        <p:txBody>
+          <a:bodyPr wrap="square" rtlCol="0">
+            <a:spAutoFit/>
+          </a:bodyPr>
+          <a:lstStyle/>
+          <a:p>
+            <a:r>
+              <a:rPr lang="en-US" altLang="zh-CN" sz="2000" b="1" dirty="0"/>
+              <a:t>Theoretical Studies:</a:t>
+            </a:r>
+          </a:p>
+          <a:p>
+            <a:endParaRPr lang="en-US" altLang="zh-CN" sz="2000" b="1" dirty="0"/>
+          </a:p>
+          <a:p>
+            <a:r>
+              <a:rPr lang="en-US" altLang="zh-CN" dirty="0"/>
+              <a:t>1. </a:t>
+            </a:r>
+            <a:r>
+              <a:rPr lang="zh-CN" altLang="en-US" dirty="0"/>
+              <a:t>现代数字信号处理</a:t>
+            </a:r>
+            <a:r>
+              <a:rPr lang="en-US" altLang="zh-CN" dirty="0"/>
+              <a:t>I/II  </a:t>
+            </a:r>
+            <a:r>
+              <a:rPr lang="zh-CN" altLang="en-US" b="0" i="0" dirty="0">
+                <a:effectLst/>
+                <a:latin typeface="PingFang SC"/>
               </a:rPr>
-              <a:t>Part_2</a:t>
+              <a:t>张颢 </a:t>
+            </a:r>
+            <a:endParaRPr lang="en-US" altLang="zh-CN" b="0" i="0" dirty="0">
+              <a:effectLst/>
+              <a:latin typeface="PingFang SC"/>
+            </a:endParaRPr>
+          </a:p>
+          <a:p>
+            <a:r>
+              <a:rPr lang="en-US" altLang="zh-CN" dirty="0"/>
+              <a:t>Too difficult, omitted too many relevant foundations of traditional filter design.</a:t>
+            </a:r>
+          </a:p>
+          <a:p>
+            <a:endParaRPr lang="en-US" altLang="zh-CN" dirty="0"/>
+          </a:p>
+          <a:p>
+            <a:r>
+              <a:rPr lang="en-US" altLang="zh-CN" dirty="0"/>
+              <a:t>2. EE123</a:t>
+            </a:r>
+            <a:r>
+              <a:rPr lang="en-US" altLang="zh-CN" b="0" i="0" dirty="0">
+                <a:effectLst/>
+                <a:latin typeface="PingFang SC"/>
+              </a:rPr>
+              <a:t>  Digital Signal Processing, UCB</a:t>
+            </a:r>
+          </a:p>
+          <a:p>
+            <a:r>
+              <a:rPr lang="en-US" altLang="zh-CN" dirty="0"/>
+              <a:t>More inclined towards traditional methods, more suitable for laying a solid foundation.</a:t>
+            </a:r>
+          </a:p>
+        </p:txBody>
+      </p:sp>
+      <p:sp>
+        <p:nvSpPr>
+          <p:cNvPr id="3" name="文本框 2">
+            <a:extLst>
+              <a:ext uri="{FF2B5EF4-FFF2-40B4-BE49-F238E27FC236}">
+                <a16:creationId xmlns:a16="http://schemas.microsoft.com/office/drawing/2014/main" id="{2FCE5A5B-C1EF-0E6E-FD4B-81D319F00A3D}"/>
+              </a:ext>
+            </a:extLst>
+          </p:cNvPr>
+          <p:cNvSpPr txBox="1"/>
+          <p:nvPr/>
+        </p:nvSpPr>
+        <p:spPr>
+          <a:xfrm>
+            <a:off x="703943" y="3429000"/>
+            <a:ext cx="10205795" cy="3170099"/>
+          </a:xfrm>
+          <a:prstGeom prst="rect">
+            <a:avLst/>
+          </a:prstGeom>
+          <a:noFill/>
+        </p:spPr>
+        <p:txBody>
+          <a:bodyPr wrap="square" rtlCol="0">
+            <a:spAutoFit/>
+          </a:bodyPr>
+          <a:lstStyle/>
+          <a:p>
+            <a:r>
+              <a:rPr lang="en-US" altLang="zh-CN" sz="2000" b="1" dirty="0"/>
+              <a:t>Next Research Directions:</a:t>
+            </a:r>
+          </a:p>
+          <a:p>
+            <a:endParaRPr lang="en-US" altLang="zh-CN" dirty="0"/>
+          </a:p>
+          <a:p>
+            <a:pPr marL="342900" indent="-342900">
+              <a:buAutoNum type="arabicPeriod"/>
+            </a:pPr>
+            <a:r>
+              <a:rPr lang="en-US" altLang="zh-CN" dirty="0"/>
+              <a:t>Read more papers in the relevant field between 2018-2023.</a:t>
+            </a:r>
+          </a:p>
+          <a:p>
+            <a:pPr marL="342900" indent="-342900">
+              <a:buAutoNum type="arabicPeriod"/>
+            </a:pPr>
+            <a:endParaRPr lang="en-US" altLang="zh-CN" dirty="0"/>
+          </a:p>
+          <a:p>
+            <a:pPr marL="342900" indent="-342900">
+              <a:buAutoNum type="arabicPeriod"/>
+            </a:pPr>
+            <a:r>
+              <a:rPr lang="en-US" altLang="zh-CN" dirty="0"/>
+              <a:t>Read and contemplate papers you sent me that are related to blood pressure.</a:t>
+            </a:r>
+          </a:p>
+          <a:p>
+            <a:endParaRPr lang="en-US" altLang="zh-CN" dirty="0"/>
+          </a:p>
+          <a:p>
+            <a:r>
+              <a:rPr lang="en-US" altLang="zh-CN" dirty="0"/>
+              <a:t>3. When evaluating algorithm performance, make extensive use of real datasets, or explore the effects on different types of signals.</a:t>
+            </a:r>
+          </a:p>
+          <a:p>
+            <a:endParaRPr lang="en-US" altLang="zh-CN" dirty="0"/>
+          </a:p>
+          <a:p>
+            <a:r>
+              <a:rPr lang="en-US" altLang="zh-CN" dirty="0"/>
+              <a:t>4. Prioritize knowledge in DSP and if there's additional capacity, delve into Li Mu's hands-on deep learning series.</a:t>
             </a:r>
           </a:p>
         </p:txBody>
@@ -10949,7 +11330,7 @@
     </p:spTree>
     <p:extLst>
       <p:ext uri="{BB962C8B-B14F-4D97-AF65-F5344CB8AC3E}">
-        <p14:creationId xmlns:p14="http://schemas.microsoft.com/office/powerpoint/2010/main" val="2052589804"/>
+        <p14:creationId xmlns:p14="http://schemas.microsoft.com/office/powerpoint/2010/main" val="1512982219"/>
       </p:ext>
     </p:extLst>
   </p:cSld>
@@ -10978,10 +11359,10 @@
       </p:grpSpPr>
       <p:sp>
         <p:nvSpPr>
-          <p:cNvPr id="63" name="文本框 62">
-            <a:extLst>
-              <a:ext uri="{FF2B5EF4-FFF2-40B4-BE49-F238E27FC236}">
-                <a16:creationId xmlns:a16="http://schemas.microsoft.com/office/drawing/2014/main" id="{204AE680-9190-FAD6-3CF8-9C593C260F05}"/>
+          <p:cNvPr id="2" name="文本框 1">
+            <a:extLst>
+              <a:ext uri="{FF2B5EF4-FFF2-40B4-BE49-F238E27FC236}">
+                <a16:creationId xmlns:a16="http://schemas.microsoft.com/office/drawing/2014/main" id="{4301BE2B-0820-0143-B72A-D9CEA12265BD}"/>
               </a:ext>
             </a:extLst>
           </p:cNvPr>
@@ -10990,8 +11371,8 @@
         </p:nvSpPr>
         <p:spPr>
           <a:xfrm>
-            <a:off x="609599" y="106251"/>
-            <a:ext cx="6400801" cy="461665"/>
+            <a:off x="1122219" y="92845"/>
+            <a:ext cx="5931724" cy="461665"/>
           </a:xfrm>
           <a:prstGeom prst="rect">
             <a:avLst/>
@@ -11016,21 +11397,18 @@
           <a:p>
             <a:r>
               <a:rPr lang="en-US" altLang="zh-CN" dirty="0"/>
-              <a:t>Work_3: </a:t>
-            </a:r>
-            <a:r>
-              <a:rPr lang="en-US" altLang="zh-CN" sz="1400" dirty="0"/>
-              <a:t>Learning Progress and Future Learning Plan</a:t>
-            </a:r>
-          </a:p>
-        </p:txBody>
-      </p:sp>
-      <p:sp>
-        <p:nvSpPr>
-          <p:cNvPr id="2" name="文本框 1">
-            <a:extLst>
-              <a:ext uri="{FF2B5EF4-FFF2-40B4-BE49-F238E27FC236}">
-                <a16:creationId xmlns:a16="http://schemas.microsoft.com/office/drawing/2014/main" id="{83F21988-D9C8-EEB1-82D8-632A3509FA1C}"/>
+              <a:t>Questions</a:t>
+            </a:r>
+            <a:endParaRPr lang="en-US" altLang="zh-CN" sz="1400" dirty="0"/>
+          </a:p>
+        </p:txBody>
+      </p:sp>
+      <p:sp>
+        <p:nvSpPr>
+          <p:cNvPr id="3" name="文本框 2">
+            <a:extLst>
+              <a:ext uri="{FF2B5EF4-FFF2-40B4-BE49-F238E27FC236}">
+                <a16:creationId xmlns:a16="http://schemas.microsoft.com/office/drawing/2014/main" id="{67F3CD36-4875-6579-F682-A0B365B9CD16}"/>
               </a:ext>
             </a:extLst>
           </p:cNvPr>
@@ -11039,8 +11417,8 @@
         </p:nvSpPr>
         <p:spPr>
           <a:xfrm>
-            <a:off x="703943" y="776514"/>
-            <a:ext cx="10522857" cy="2923877"/>
+            <a:off x="1122219" y="1443841"/>
+            <a:ext cx="10111839" cy="3970318"/>
           </a:xfrm>
           <a:prstGeom prst="rect">
             <a:avLst/>
@@ -11051,12 +11429,16 @@
           <a:bodyPr wrap="square" rtlCol="0">
             <a:spAutoFit/>
           </a:bodyPr>
-          <a:lstStyle/>
-          <a:p>
-            <a:r>
-              <a:rPr lang="en-US" altLang="zh-CN" sz="2000" b="1" dirty="0"/>
-              <a:t>Completed theoretical studies:</a:t>
-            </a:r>
+          <a:lstStyle>
+            <a:defPPr>
+              <a:defRPr lang="zh-CN"/>
+            </a:defPPr>
+            <a:lvl1pPr>
+              <a:defRPr/>
+            </a:lvl1pPr>
+          </a:lstStyle>
+          <a:p>
+            <a:endParaRPr lang="en-US" altLang="zh-CN" dirty="0"/>
           </a:p>
           <a:p>
             <a:pPr marL="342900" indent="-342900">
@@ -11064,16 +11446,7 @@
             </a:pPr>
             <a:r>
               <a:rPr lang="en-US" altLang="zh-CN" dirty="0"/>
-              <a:t>EE120 (all videos and lectures)</a:t>
-            </a:r>
-          </a:p>
-          <a:p>
-            <a:pPr marL="342900" indent="-342900">
-              <a:buAutoNum type="arabicPeriod"/>
-            </a:pPr>
-            <a:r>
-              <a:rPr lang="en-US" altLang="zh-CN" dirty="0"/>
-              <a:t>Complex Functions and Integral Transforms (completed half of the exercise book)</a:t>
+              <a:t>To what extent should my research reach? What will the results be compared against? Will testing be done on publicly available datasets of real signals? Currently, even if we extract templates from our mixed signals, we can't find corresponding indicators for S and D.</a:t>
             </a:r>
           </a:p>
           <a:p>
@@ -11083,191 +11456,39 @@
             <a:endParaRPr lang="en-US" altLang="zh-CN" dirty="0"/>
           </a:p>
           <a:p>
-            <a:endParaRPr lang="en-US" altLang="zh-CN" dirty="0"/>
-          </a:p>
-          <a:p>
-            <a:r>
-              <a:rPr lang="en-US" altLang="zh-CN" sz="2000" b="1" dirty="0"/>
-              <a:t>Theoretical studies I plan to undertake next.</a:t>
-            </a:r>
-            <a:r>
-              <a:rPr lang="zh-CN" altLang="en-US" sz="2000" b="1" dirty="0"/>
-              <a:t>：</a:t>
-            </a:r>
-            <a:endParaRPr lang="en-US" altLang="zh-CN" sz="2000" b="1" dirty="0"/>
-          </a:p>
-          <a:p>
             <a:pPr marL="342900" indent="-342900">
-              <a:buFontTx/>
               <a:buAutoNum type="arabicPeriod"/>
             </a:pPr>
-            <a:r>
-              <a:rPr lang="zh-CN" altLang="en-US" dirty="0"/>
-              <a:t>现代数字信号处理</a:t>
-            </a:r>
-            <a:r>
-              <a:rPr lang="en-US" altLang="zh-CN" dirty="0"/>
-              <a:t>I  </a:t>
-            </a:r>
-            <a:r>
-              <a:rPr lang="zh-CN" altLang="en-US" b="0" i="0" dirty="0">
-                <a:effectLst/>
-                <a:latin typeface="PingFang SC"/>
-              </a:rPr>
-              <a:t>张颢</a:t>
-            </a:r>
             <a:endParaRPr lang="en-US" altLang="zh-CN" dirty="0"/>
           </a:p>
           <a:p>
             <a:pPr marL="342900" indent="-342900">
-              <a:buFontTx/>
               <a:buAutoNum type="arabicPeriod"/>
             </a:pPr>
             <a:r>
-              <a:rPr lang="zh-CN" altLang="en-US" dirty="0"/>
-              <a:t>现在数字信号处理</a:t>
-            </a:r>
-            <a:r>
               <a:rPr lang="en-US" altLang="zh-CN" dirty="0"/>
-              <a:t>II </a:t>
-            </a:r>
-            <a:r>
-              <a:rPr lang="zh-CN" altLang="en-US" b="0" i="0" dirty="0">
-                <a:effectLst/>
-                <a:latin typeface="PingFang SC"/>
-              </a:rPr>
-              <a:t>张颢</a:t>
-            </a:r>
+              <a:t>Regarding the TS-LLM project, is it already decided to proceed, or are we still in the observation stage? What level of knowledge should be acquired for the foundation?</a:t>
+            </a:r>
+          </a:p>
+          <a:p>
+            <a:pPr marL="342900" indent="-342900">
+              <a:buAutoNum type="arabicPeriod"/>
+            </a:pPr>
             <a:endParaRPr lang="en-US" altLang="zh-CN" dirty="0"/>
           </a:p>
           <a:p>
+            <a:pPr marL="342900" indent="-342900">
+              <a:buAutoNum type="arabicPeriod"/>
+            </a:pPr>
+            <a:endParaRPr lang="en-US" altLang="zh-CN" dirty="0"/>
+          </a:p>
+          <a:p>
+            <a:pPr marL="342900" indent="-342900">
+              <a:buAutoNum type="arabicPeriod"/>
+            </a:pPr>
             <a:r>
               <a:rPr lang="en-US" altLang="zh-CN" dirty="0"/>
-              <a:t>(Array signal processing, time-frequency analysis, </a:t>
-            </a:r>
-          </a:p>
-          <a:p>
-            <a:r>
-              <a:rPr lang="en-US" altLang="zh-CN" dirty="0"/>
-              <a:t>compressive sensing, Bayesian methods)</a:t>
-            </a:r>
-          </a:p>
-        </p:txBody>
-      </p:sp>
-      <p:pic>
-        <p:nvPicPr>
-          <p:cNvPr id="9" name="图片 8">
-            <a:extLst>
-              <a:ext uri="{FF2B5EF4-FFF2-40B4-BE49-F238E27FC236}">
-                <a16:creationId xmlns:a16="http://schemas.microsoft.com/office/drawing/2014/main" id="{9F0DF3EA-DF71-889D-DC00-CFFA65C6846D}"/>
-              </a:ext>
-            </a:extLst>
-          </p:cNvPr>
-          <p:cNvPicPr>
-            <a:picLocks noChangeAspect="1"/>
-          </p:cNvPicPr>
-          <p:nvPr/>
-        </p:nvPicPr>
-        <p:blipFill rotWithShape="1">
-          <a:blip r:embed="rId3"/>
-          <a:srcRect r="39409"/>
-          <a:stretch/>
-        </p:blipFill>
-        <p:spPr>
-          <a:xfrm>
-            <a:off x="8099579" y="2443670"/>
-            <a:ext cx="1630118" cy="2740993"/>
-          </a:xfrm>
-          <a:prstGeom prst="rect">
-            <a:avLst/>
-          </a:prstGeom>
-        </p:spPr>
-      </p:pic>
-      <p:pic>
-        <p:nvPicPr>
-          <p:cNvPr id="15" name="图片 14">
-            <a:extLst>
-              <a:ext uri="{FF2B5EF4-FFF2-40B4-BE49-F238E27FC236}">
-                <a16:creationId xmlns:a16="http://schemas.microsoft.com/office/drawing/2014/main" id="{779C41A8-3A07-F1CB-D9E5-058891249DFE}"/>
-              </a:ext>
-            </a:extLst>
-          </p:cNvPr>
-          <p:cNvPicPr>
-            <a:picLocks noChangeAspect="1"/>
-          </p:cNvPicPr>
-          <p:nvPr/>
-        </p:nvPicPr>
-        <p:blipFill rotWithShape="1">
-          <a:blip r:embed="rId4"/>
-          <a:srcRect r="17025"/>
-          <a:stretch/>
-        </p:blipFill>
-        <p:spPr>
-          <a:xfrm>
-            <a:off x="9739729" y="2443670"/>
-            <a:ext cx="2312162" cy="2740993"/>
-          </a:xfrm>
-          <a:prstGeom prst="rect">
-            <a:avLst/>
-          </a:prstGeom>
-        </p:spPr>
-      </p:pic>
-      <p:sp>
-        <p:nvSpPr>
-          <p:cNvPr id="3" name="文本框 2">
-            <a:extLst>
-              <a:ext uri="{FF2B5EF4-FFF2-40B4-BE49-F238E27FC236}">
-                <a16:creationId xmlns:a16="http://schemas.microsoft.com/office/drawing/2014/main" id="{2FCE5A5B-C1EF-0E6E-FD4B-81D319F00A3D}"/>
-              </a:ext>
-            </a:extLst>
-          </p:cNvPr>
-          <p:cNvSpPr txBox="1"/>
-          <p:nvPr/>
-        </p:nvSpPr>
-        <p:spPr>
-          <a:xfrm>
-            <a:off x="703943" y="4141234"/>
-            <a:ext cx="7142199" cy="2062103"/>
-          </a:xfrm>
-          <a:prstGeom prst="rect">
-            <a:avLst/>
-          </a:prstGeom>
-          <a:noFill/>
-        </p:spPr>
-        <p:txBody>
-          <a:bodyPr wrap="square" rtlCol="0">
-            <a:spAutoFit/>
-          </a:bodyPr>
-          <a:lstStyle/>
-          <a:p>
-            <a:r>
-              <a:rPr lang="en-US" altLang="zh-CN" sz="2000" b="1" dirty="0"/>
-              <a:t>Next research directions:</a:t>
-            </a:r>
-            <a:endParaRPr lang="en-US" altLang="zh-CN" dirty="0"/>
-          </a:p>
-          <a:p>
-            <a:r>
-              <a:rPr lang="en-US" altLang="zh-CN" dirty="0"/>
-              <a:t>1. Further exploration of methods mentioned in K-shape.</a:t>
-            </a:r>
-          </a:p>
-          <a:p>
-            <a:r>
-              <a:rPr lang="en-US" altLang="zh-CN" dirty="0"/>
-              <a:t>2. Seek out latest methods in data mining journals.</a:t>
-            </a:r>
-          </a:p>
-          <a:p>
-            <a:r>
-              <a:rPr lang="en-US" altLang="zh-CN" dirty="0"/>
-              <a:t>3. Search for algorithms that can effectively decompose the frequency domain.</a:t>
-            </a:r>
-          </a:p>
-          <a:p>
-            <a:r>
-              <a:rPr lang="en-US" altLang="zh-CN" dirty="0"/>
-              <a:t>4. Gradually explore real datasets based on the laboratory's research papers.</a:t>
+              <a:t>Do we have the latest real data? I noticed many signals in IOT2023 are 30 seconds long.</a:t>
             </a:r>
           </a:p>
         </p:txBody>
@@ -11275,7 +11496,7 @@
     </p:spTree>
     <p:extLst>
       <p:ext uri="{BB962C8B-B14F-4D97-AF65-F5344CB8AC3E}">
-        <p14:creationId xmlns:p14="http://schemas.microsoft.com/office/powerpoint/2010/main" val="1512982219"/>
+        <p14:creationId xmlns:p14="http://schemas.microsoft.com/office/powerpoint/2010/main" val="1125496112"/>
       </p:ext>
     </p:extLst>
   </p:cSld>
@@ -11304,10 +11525,10 @@
       </p:grpSpPr>
       <p:sp>
         <p:nvSpPr>
-          <p:cNvPr id="2" name="文本框 1">
-            <a:extLst>
-              <a:ext uri="{FF2B5EF4-FFF2-40B4-BE49-F238E27FC236}">
-                <a16:creationId xmlns:a16="http://schemas.microsoft.com/office/drawing/2014/main" id="{4301BE2B-0820-0143-B72A-D9CEA12265BD}"/>
+          <p:cNvPr id="4" name="文本框 3">
+            <a:extLst>
+              <a:ext uri="{FF2B5EF4-FFF2-40B4-BE49-F238E27FC236}">
+                <a16:creationId xmlns:a16="http://schemas.microsoft.com/office/drawing/2014/main" id="{6E4199DA-1447-EAE0-8E33-D5E7DABA11DF}"/>
               </a:ext>
             </a:extLst>
           </p:cNvPr>
@@ -11316,8 +11537,806 @@
         </p:nvSpPr>
         <p:spPr>
           <a:xfrm>
-            <a:off x="1122219" y="92845"/>
-            <a:ext cx="5931724" cy="461665"/>
+            <a:off x="717958" y="733246"/>
+            <a:ext cx="10756084" cy="6124754"/>
+          </a:xfrm>
+          <a:prstGeom prst="rect">
+            <a:avLst/>
+          </a:prstGeom>
+          <a:noFill/>
+        </p:spPr>
+        <p:txBody>
+          <a:bodyPr wrap="square" rtlCol="0">
+            <a:spAutoFit/>
+          </a:bodyPr>
+          <a:lstStyle/>
+          <a:p>
+            <a:r>
+              <a:rPr lang="en-US" altLang="zh-CN" sz="1400" dirty="0">
+                <a:solidFill>
+                  <a:srgbClr val="222222"/>
+                </a:solidFill>
+                <a:latin typeface="Consolas (正文)"/>
+              </a:rPr>
+              <a:t>[1] </a:t>
+            </a:r>
+            <a:r>
+              <a:rPr lang="en-US" altLang="zh-CN" sz="1400" b="0" i="0" dirty="0">
+                <a:solidFill>
+                  <a:srgbClr val="222222"/>
+                </a:solidFill>
+                <a:effectLst/>
+                <a:latin typeface="Consolas (正文)"/>
+              </a:rPr>
+              <a:t>Gupta, Lalit, et al. "Nonlinear alignment and averaging for estimating the evoked potential." </a:t>
+            </a:r>
+            <a:r>
+              <a:rPr lang="en-US" altLang="zh-CN" sz="1400" b="0" i="1" dirty="0">
+                <a:solidFill>
+                  <a:srgbClr val="222222"/>
+                </a:solidFill>
+                <a:effectLst/>
+                <a:latin typeface="Consolas (正文)"/>
+              </a:rPr>
+              <a:t>IEEE transactions on biomedical engineering</a:t>
+            </a:r>
+            <a:r>
+              <a:rPr lang="en-US" altLang="zh-CN" sz="1400" b="0" i="0" dirty="0">
+                <a:solidFill>
+                  <a:srgbClr val="222222"/>
+                </a:solidFill>
+                <a:effectLst/>
+                <a:latin typeface="Consolas (正文)"/>
+              </a:rPr>
+              <a:t> 43.4 (1996): 348-356.</a:t>
+            </a:r>
+          </a:p>
+          <a:p>
+            <a:endParaRPr lang="en-US" altLang="zh-CN" sz="1400" dirty="0">
+              <a:solidFill>
+                <a:srgbClr val="222222"/>
+              </a:solidFill>
+              <a:latin typeface="Consolas (正文)"/>
+            </a:endParaRPr>
+          </a:p>
+          <a:p>
+            <a:r>
+              <a:rPr lang="en-US" altLang="zh-CN" sz="1400" dirty="0">
+                <a:solidFill>
+                  <a:srgbClr val="222222"/>
+                </a:solidFill>
+                <a:latin typeface="Consolas (正文)"/>
+              </a:rPr>
+              <a:t>[2]</a:t>
+            </a:r>
+            <a:r>
+              <a:rPr lang="en-US" altLang="zh-CN" sz="1400" b="0" i="0" dirty="0">
+                <a:solidFill>
+                  <a:srgbClr val="222222"/>
+                </a:solidFill>
+                <a:effectLst/>
+                <a:latin typeface="Consolas (正文)"/>
+              </a:rPr>
+              <a:t> </a:t>
+            </a:r>
+            <a:r>
+              <a:rPr lang="en-US" altLang="zh-CN" sz="1400" b="0" i="0" dirty="0" err="1">
+                <a:solidFill>
+                  <a:srgbClr val="222222"/>
+                </a:solidFill>
+                <a:effectLst/>
+                <a:latin typeface="Consolas (正文)"/>
+              </a:rPr>
+              <a:t>Niennattrakul</a:t>
+            </a:r>
+            <a:r>
+              <a:rPr lang="en-US" altLang="zh-CN" sz="1400" b="0" i="0" dirty="0">
+                <a:solidFill>
+                  <a:srgbClr val="222222"/>
+                </a:solidFill>
+                <a:effectLst/>
+                <a:latin typeface="Consolas (正文)"/>
+              </a:rPr>
+              <a:t>, Vit, and </a:t>
+            </a:r>
+            <a:r>
+              <a:rPr lang="en-US" altLang="zh-CN" sz="1400" b="0" i="0" dirty="0" err="1">
+                <a:solidFill>
+                  <a:srgbClr val="222222"/>
+                </a:solidFill>
+                <a:effectLst/>
+                <a:latin typeface="Consolas (正文)"/>
+              </a:rPr>
+              <a:t>Chotirat</a:t>
+            </a:r>
+            <a:r>
+              <a:rPr lang="en-US" altLang="zh-CN" sz="1400" b="0" i="0" dirty="0">
+                <a:solidFill>
+                  <a:srgbClr val="222222"/>
+                </a:solidFill>
+                <a:effectLst/>
+                <a:latin typeface="Consolas (正文)"/>
+              </a:rPr>
+              <a:t> Ann </a:t>
+            </a:r>
+            <a:r>
+              <a:rPr lang="en-US" altLang="zh-CN" sz="1400" b="0" i="0" dirty="0" err="1">
+                <a:solidFill>
+                  <a:srgbClr val="222222"/>
+                </a:solidFill>
+                <a:effectLst/>
+                <a:latin typeface="Consolas (正文)"/>
+              </a:rPr>
+              <a:t>Ratanamahatana</a:t>
+            </a:r>
+            <a:r>
+              <a:rPr lang="en-US" altLang="zh-CN" sz="1400" b="0" i="0" dirty="0">
+                <a:solidFill>
+                  <a:srgbClr val="222222"/>
+                </a:solidFill>
+                <a:effectLst/>
+                <a:latin typeface="Consolas (正文)"/>
+              </a:rPr>
+              <a:t>. "Shape averaging under time war**." </a:t>
+            </a:r>
+            <a:r>
+              <a:rPr lang="en-US" altLang="zh-CN" sz="1400" b="0" i="1" dirty="0">
+                <a:solidFill>
+                  <a:srgbClr val="222222"/>
+                </a:solidFill>
+                <a:effectLst/>
+                <a:latin typeface="Consolas (正文)"/>
+              </a:rPr>
+              <a:t>2009 6th International Conference on Electrical Engineering/Electronics, Computer, Telecommunications and Information Technology</a:t>
+            </a:r>
+            <a:r>
+              <a:rPr lang="en-US" altLang="zh-CN" sz="1400" b="0" i="0" dirty="0">
+                <a:solidFill>
+                  <a:srgbClr val="222222"/>
+                </a:solidFill>
+                <a:effectLst/>
+                <a:latin typeface="Consolas (正文)"/>
+              </a:rPr>
+              <a:t>. Vol. 2. IEEE, 2009.</a:t>
+            </a:r>
+          </a:p>
+          <a:p>
+            <a:endParaRPr lang="en-US" altLang="zh-CN" sz="1400" dirty="0">
+              <a:solidFill>
+                <a:srgbClr val="222222"/>
+              </a:solidFill>
+              <a:latin typeface="Consolas (正文)"/>
+            </a:endParaRPr>
+          </a:p>
+          <a:p>
+            <a:r>
+              <a:rPr lang="en-US" altLang="zh-CN" sz="1400" dirty="0">
+                <a:solidFill>
+                  <a:srgbClr val="222222"/>
+                </a:solidFill>
+                <a:latin typeface="Consolas (正文)"/>
+              </a:rPr>
+              <a:t>[3] </a:t>
+            </a:r>
+            <a:r>
+              <a:rPr lang="en-US" altLang="zh-CN" sz="1400" b="0" i="0" dirty="0" err="1">
+                <a:solidFill>
+                  <a:srgbClr val="222222"/>
+                </a:solidFill>
+                <a:effectLst/>
+                <a:latin typeface="Consolas (正文)"/>
+              </a:rPr>
+              <a:t>Niennattrakul</a:t>
+            </a:r>
+            <a:r>
+              <a:rPr lang="en-US" altLang="zh-CN" sz="1400" b="0" i="0" dirty="0">
+                <a:solidFill>
+                  <a:srgbClr val="222222"/>
+                </a:solidFill>
+                <a:effectLst/>
+                <a:latin typeface="Consolas (正文)"/>
+              </a:rPr>
+              <a:t>, Vit, </a:t>
+            </a:r>
+            <a:r>
+              <a:rPr lang="en-US" altLang="zh-CN" sz="1400" b="0" i="0" dirty="0" err="1">
+                <a:solidFill>
+                  <a:srgbClr val="222222"/>
+                </a:solidFill>
+                <a:effectLst/>
+                <a:latin typeface="Consolas (正文)"/>
+              </a:rPr>
+              <a:t>Dararat</a:t>
+            </a:r>
+            <a:r>
+              <a:rPr lang="en-US" altLang="zh-CN" sz="1400" b="0" i="0" dirty="0">
+                <a:solidFill>
+                  <a:srgbClr val="222222"/>
+                </a:solidFill>
+                <a:effectLst/>
+                <a:latin typeface="Consolas (正文)"/>
+              </a:rPr>
+              <a:t> </a:t>
+            </a:r>
+            <a:r>
+              <a:rPr lang="en-US" altLang="zh-CN" sz="1400" b="0" i="0" dirty="0" err="1">
+                <a:solidFill>
+                  <a:srgbClr val="222222"/>
+                </a:solidFill>
+                <a:effectLst/>
+                <a:latin typeface="Consolas (正文)"/>
+              </a:rPr>
+              <a:t>Srisai</a:t>
+            </a:r>
+            <a:r>
+              <a:rPr lang="en-US" altLang="zh-CN" sz="1400" b="0" i="0" dirty="0">
+                <a:solidFill>
+                  <a:srgbClr val="222222"/>
+                </a:solidFill>
+                <a:effectLst/>
+                <a:latin typeface="Consolas (正文)"/>
+              </a:rPr>
+              <a:t>, and </a:t>
+            </a:r>
+            <a:r>
+              <a:rPr lang="en-US" altLang="zh-CN" sz="1400" b="0" i="0" dirty="0" err="1">
+                <a:solidFill>
+                  <a:srgbClr val="222222"/>
+                </a:solidFill>
+                <a:effectLst/>
+                <a:latin typeface="Consolas (正文)"/>
+              </a:rPr>
+              <a:t>Chotirat</a:t>
+            </a:r>
+            <a:r>
+              <a:rPr lang="en-US" altLang="zh-CN" sz="1400" b="0" i="0" dirty="0">
+                <a:solidFill>
+                  <a:srgbClr val="222222"/>
+                </a:solidFill>
+                <a:effectLst/>
+                <a:latin typeface="Consolas (正文)"/>
+              </a:rPr>
+              <a:t> Ann </a:t>
+            </a:r>
+            <a:r>
+              <a:rPr lang="en-US" altLang="zh-CN" sz="1400" b="0" i="0" dirty="0" err="1">
+                <a:solidFill>
+                  <a:srgbClr val="222222"/>
+                </a:solidFill>
+                <a:effectLst/>
+                <a:latin typeface="Consolas (正文)"/>
+              </a:rPr>
+              <a:t>Ratanamahatana</a:t>
+            </a:r>
+            <a:r>
+              <a:rPr lang="en-US" altLang="zh-CN" sz="1400" b="0" i="0" dirty="0">
+                <a:solidFill>
+                  <a:srgbClr val="222222"/>
+                </a:solidFill>
+                <a:effectLst/>
+                <a:latin typeface="Consolas (正文)"/>
+              </a:rPr>
+              <a:t>. "Shape-based template matching for time series data." </a:t>
+            </a:r>
+            <a:r>
+              <a:rPr lang="en-US" altLang="zh-CN" sz="1400" b="0" i="1" dirty="0">
+                <a:solidFill>
+                  <a:srgbClr val="222222"/>
+                </a:solidFill>
+                <a:effectLst/>
+                <a:latin typeface="Consolas (正文)"/>
+              </a:rPr>
+              <a:t>Knowledge-Based Systems</a:t>
+            </a:r>
+            <a:r>
+              <a:rPr lang="en-US" altLang="zh-CN" sz="1400" b="0" i="0" dirty="0">
+                <a:solidFill>
+                  <a:srgbClr val="222222"/>
+                </a:solidFill>
+                <a:effectLst/>
+                <a:latin typeface="Consolas (正文)"/>
+              </a:rPr>
+              <a:t> 26 (2012): 1-8.</a:t>
+            </a:r>
+          </a:p>
+          <a:p>
+            <a:endParaRPr lang="en-US" altLang="zh-CN" sz="1400" dirty="0">
+              <a:solidFill>
+                <a:srgbClr val="222222"/>
+              </a:solidFill>
+              <a:latin typeface="Consolas (正文)"/>
+            </a:endParaRPr>
+          </a:p>
+          <a:p>
+            <a:r>
+              <a:rPr lang="en-US" altLang="zh-CN" sz="1400" b="0" i="0" dirty="0">
+                <a:solidFill>
+                  <a:srgbClr val="222222"/>
+                </a:solidFill>
+                <a:effectLst/>
+                <a:latin typeface="Consolas (正文)"/>
+              </a:rPr>
+              <a:t>[4] </a:t>
+            </a:r>
+            <a:r>
+              <a:rPr lang="en-US" altLang="zh-CN" sz="1400" b="0" i="0" dirty="0" err="1">
+                <a:solidFill>
+                  <a:srgbClr val="222222"/>
+                </a:solidFill>
+                <a:effectLst/>
+                <a:latin typeface="Consolas (正文)"/>
+              </a:rPr>
+              <a:t>Petitjean</a:t>
+            </a:r>
+            <a:r>
+              <a:rPr lang="en-US" altLang="zh-CN" sz="1400" b="0" i="0" dirty="0">
+                <a:solidFill>
+                  <a:srgbClr val="222222"/>
+                </a:solidFill>
+                <a:effectLst/>
+                <a:latin typeface="Consolas (正文)"/>
+              </a:rPr>
+              <a:t>, François, Alain </a:t>
+            </a:r>
+            <a:r>
+              <a:rPr lang="en-US" altLang="zh-CN" sz="1400" b="0" i="0" dirty="0" err="1">
+                <a:solidFill>
+                  <a:srgbClr val="222222"/>
+                </a:solidFill>
+                <a:effectLst/>
+                <a:latin typeface="Consolas (正文)"/>
+              </a:rPr>
+              <a:t>Ketterlin</a:t>
+            </a:r>
+            <a:r>
+              <a:rPr lang="en-US" altLang="zh-CN" sz="1400" b="0" i="0" dirty="0">
+                <a:solidFill>
+                  <a:srgbClr val="222222"/>
+                </a:solidFill>
+                <a:effectLst/>
+                <a:latin typeface="Consolas (正文)"/>
+              </a:rPr>
+              <a:t>, and Pierre </a:t>
+            </a:r>
+            <a:r>
+              <a:rPr lang="en-US" altLang="zh-CN" sz="1400" b="0" i="0" dirty="0" err="1">
+                <a:solidFill>
+                  <a:srgbClr val="222222"/>
+                </a:solidFill>
+                <a:effectLst/>
+                <a:latin typeface="Consolas (正文)"/>
+              </a:rPr>
+              <a:t>Gançarski</a:t>
+            </a:r>
+            <a:r>
+              <a:rPr lang="en-US" altLang="zh-CN" sz="1400" b="0" i="0" dirty="0">
+                <a:solidFill>
+                  <a:srgbClr val="222222"/>
+                </a:solidFill>
+                <a:effectLst/>
+                <a:latin typeface="Consolas (正文)"/>
+              </a:rPr>
+              <a:t>. "A global averaging method for dynamic time war**, with applications to clustering." </a:t>
+            </a:r>
+            <a:r>
+              <a:rPr lang="en-US" altLang="zh-CN" sz="1400" b="0" i="1" dirty="0">
+                <a:solidFill>
+                  <a:srgbClr val="222222"/>
+                </a:solidFill>
+                <a:effectLst/>
+                <a:latin typeface="Consolas (正文)"/>
+              </a:rPr>
+              <a:t>Pattern recognition</a:t>
+            </a:r>
+            <a:r>
+              <a:rPr lang="en-US" altLang="zh-CN" sz="1400" b="0" i="0" dirty="0">
+                <a:solidFill>
+                  <a:srgbClr val="222222"/>
+                </a:solidFill>
+                <a:effectLst/>
+                <a:latin typeface="Consolas (正文)"/>
+              </a:rPr>
+              <a:t> 44.3 (2011): 678-693.</a:t>
+            </a:r>
+          </a:p>
+          <a:p>
+            <a:endParaRPr lang="en-US" altLang="zh-CN" sz="1400" dirty="0">
+              <a:solidFill>
+                <a:srgbClr val="222222"/>
+              </a:solidFill>
+              <a:latin typeface="Consolas (正文)"/>
+            </a:endParaRPr>
+          </a:p>
+          <a:p>
+            <a:r>
+              <a:rPr lang="en-US" altLang="zh-CN" sz="1400" b="0" i="0" dirty="0">
+                <a:solidFill>
+                  <a:srgbClr val="222222"/>
+                </a:solidFill>
+                <a:effectLst/>
+                <a:latin typeface="Consolas (正文)"/>
+              </a:rPr>
+              <a:t>[5] Schultz, David, and </a:t>
+            </a:r>
+            <a:r>
+              <a:rPr lang="en-US" altLang="zh-CN" sz="1400" b="0" i="0" dirty="0" err="1">
+                <a:solidFill>
+                  <a:srgbClr val="222222"/>
+                </a:solidFill>
+                <a:effectLst/>
+                <a:latin typeface="Consolas (正文)"/>
+              </a:rPr>
+              <a:t>Brijnesh</a:t>
+            </a:r>
+            <a:r>
+              <a:rPr lang="en-US" altLang="zh-CN" sz="1400" b="0" i="0" dirty="0">
+                <a:solidFill>
+                  <a:srgbClr val="222222"/>
+                </a:solidFill>
+                <a:effectLst/>
+                <a:latin typeface="Consolas (正文)"/>
+              </a:rPr>
+              <a:t> Jain. "</a:t>
+            </a:r>
+            <a:r>
+              <a:rPr lang="en-US" altLang="zh-CN" sz="1400" b="0" i="0" dirty="0" err="1">
+                <a:solidFill>
+                  <a:srgbClr val="222222"/>
+                </a:solidFill>
+                <a:effectLst/>
+                <a:latin typeface="Consolas (正文)"/>
+              </a:rPr>
+              <a:t>Nonsmooth</a:t>
+            </a:r>
+            <a:r>
+              <a:rPr lang="en-US" altLang="zh-CN" sz="1400" b="0" i="0" dirty="0">
+                <a:solidFill>
+                  <a:srgbClr val="222222"/>
+                </a:solidFill>
+                <a:effectLst/>
+                <a:latin typeface="Consolas (正文)"/>
+              </a:rPr>
+              <a:t> analysis and </a:t>
+            </a:r>
+            <a:r>
+              <a:rPr lang="en-US" altLang="zh-CN" sz="1400" b="0" i="0" dirty="0" err="1">
+                <a:solidFill>
+                  <a:srgbClr val="222222"/>
+                </a:solidFill>
+                <a:effectLst/>
+                <a:latin typeface="Consolas (正文)"/>
+              </a:rPr>
+              <a:t>subgradient</a:t>
+            </a:r>
+            <a:r>
+              <a:rPr lang="en-US" altLang="zh-CN" sz="1400" b="0" i="0" dirty="0">
+                <a:solidFill>
+                  <a:srgbClr val="222222"/>
+                </a:solidFill>
+                <a:effectLst/>
+                <a:latin typeface="Consolas (正文)"/>
+              </a:rPr>
+              <a:t> methods for averaging in dynamic time war** spaces." </a:t>
+            </a:r>
+            <a:r>
+              <a:rPr lang="en-US" altLang="zh-CN" sz="1400" b="0" i="1" dirty="0">
+                <a:solidFill>
+                  <a:srgbClr val="222222"/>
+                </a:solidFill>
+                <a:effectLst/>
+                <a:latin typeface="Consolas (正文)"/>
+              </a:rPr>
+              <a:t>Pattern Recognition</a:t>
+            </a:r>
+            <a:r>
+              <a:rPr lang="en-US" altLang="zh-CN" sz="1400" b="0" i="0" dirty="0">
+                <a:solidFill>
+                  <a:srgbClr val="222222"/>
+                </a:solidFill>
+                <a:effectLst/>
+                <a:latin typeface="Consolas (正文)"/>
+              </a:rPr>
+              <a:t> 74 (2018): 340-358.</a:t>
+            </a:r>
+          </a:p>
+          <a:p>
+            <a:endParaRPr lang="en-US" altLang="zh-CN" sz="1400" dirty="0">
+              <a:solidFill>
+                <a:srgbClr val="222222"/>
+              </a:solidFill>
+              <a:latin typeface="Consolas (正文)"/>
+            </a:endParaRPr>
+          </a:p>
+          <a:p>
+            <a:r>
+              <a:rPr lang="en-US" altLang="zh-CN" sz="1400" dirty="0">
+                <a:solidFill>
+                  <a:srgbClr val="222222"/>
+                </a:solidFill>
+                <a:latin typeface="Consolas (正文)"/>
+              </a:rPr>
+              <a:t>[6] </a:t>
+            </a:r>
+            <a:r>
+              <a:rPr lang="en-US" altLang="zh-CN" sz="1400" b="0" i="0" dirty="0" err="1">
+                <a:solidFill>
+                  <a:srgbClr val="222222"/>
+                </a:solidFill>
+                <a:effectLst/>
+                <a:latin typeface="Consolas (正文)"/>
+              </a:rPr>
+              <a:t>Cuturi</a:t>
+            </a:r>
+            <a:r>
+              <a:rPr lang="en-US" altLang="zh-CN" sz="1400" b="0" i="0" dirty="0">
+                <a:solidFill>
+                  <a:srgbClr val="222222"/>
+                </a:solidFill>
+                <a:effectLst/>
+                <a:latin typeface="Consolas (正文)"/>
+              </a:rPr>
+              <a:t>, Marco, and Mathieu Blondel. "Soft-</a:t>
+            </a:r>
+            <a:r>
+              <a:rPr lang="en-US" altLang="zh-CN" sz="1400" b="0" i="0" dirty="0" err="1">
+                <a:solidFill>
+                  <a:srgbClr val="222222"/>
+                </a:solidFill>
+                <a:effectLst/>
+                <a:latin typeface="Consolas (正文)"/>
+              </a:rPr>
+              <a:t>dtw</a:t>
+            </a:r>
+            <a:r>
+              <a:rPr lang="en-US" altLang="zh-CN" sz="1400" b="0" i="0" dirty="0">
+                <a:solidFill>
+                  <a:srgbClr val="222222"/>
+                </a:solidFill>
+                <a:effectLst/>
+                <a:latin typeface="Consolas (正文)"/>
+              </a:rPr>
+              <a:t>: a differentiable loss function for time-series." </a:t>
+            </a:r>
+            <a:r>
+              <a:rPr lang="en-US" altLang="zh-CN" sz="1400" b="0" i="1" dirty="0">
+                <a:solidFill>
+                  <a:srgbClr val="222222"/>
+                </a:solidFill>
+                <a:effectLst/>
+                <a:latin typeface="Consolas (正文)"/>
+              </a:rPr>
+              <a:t>International conference on machine learning</a:t>
+            </a:r>
+            <a:r>
+              <a:rPr lang="en-US" altLang="zh-CN" sz="1400" b="0" i="0" dirty="0">
+                <a:solidFill>
+                  <a:srgbClr val="222222"/>
+                </a:solidFill>
+                <a:effectLst/>
+                <a:latin typeface="Consolas (正文)"/>
+              </a:rPr>
+              <a:t>. PMLR, 2017.</a:t>
+            </a:r>
+            <a:endParaRPr lang="en-US" altLang="zh-CN" sz="1400" dirty="0">
+              <a:solidFill>
+                <a:srgbClr val="222222"/>
+              </a:solidFill>
+              <a:latin typeface="Consolas (正文)"/>
+            </a:endParaRPr>
+          </a:p>
+          <a:p>
+            <a:endParaRPr lang="en-US" altLang="zh-CN" sz="1400" dirty="0">
+              <a:latin typeface="Consolas (正文)"/>
+            </a:endParaRPr>
+          </a:p>
+          <a:p>
+            <a:r>
+              <a:rPr lang="en-US" altLang="zh-CN" sz="1400" dirty="0">
+                <a:latin typeface="Consolas (正文)"/>
+              </a:rPr>
+              <a:t>[7] </a:t>
+            </a:r>
+            <a:r>
+              <a:rPr lang="en-US" altLang="zh-CN" sz="1400" b="0" i="0" dirty="0">
+                <a:solidFill>
+                  <a:srgbClr val="222222"/>
+                </a:solidFill>
+                <a:effectLst/>
+                <a:latin typeface="Consolas (正文)"/>
+              </a:rPr>
+              <a:t>Morel, Marion, et al. "Time-series averaging using constrained dynamic time war** with tolerance." </a:t>
+            </a:r>
+            <a:r>
+              <a:rPr lang="en-US" altLang="zh-CN" sz="1400" b="0" i="1" dirty="0">
+                <a:solidFill>
+                  <a:srgbClr val="222222"/>
+                </a:solidFill>
+                <a:effectLst/>
+                <a:latin typeface="Consolas (正文)"/>
+              </a:rPr>
+              <a:t>Pattern Recognition</a:t>
+            </a:r>
+            <a:r>
+              <a:rPr lang="en-US" altLang="zh-CN" sz="1400" b="0" i="0" dirty="0">
+                <a:solidFill>
+                  <a:srgbClr val="222222"/>
+                </a:solidFill>
+                <a:effectLst/>
+                <a:latin typeface="Consolas (正文)"/>
+              </a:rPr>
+              <a:t> 74 (2018): 77-89.</a:t>
+            </a:r>
+          </a:p>
+          <a:p>
+            <a:endParaRPr lang="en-US" altLang="zh-CN" sz="1400" b="0" i="0" dirty="0">
+              <a:solidFill>
+                <a:srgbClr val="222222"/>
+              </a:solidFill>
+              <a:effectLst/>
+              <a:latin typeface="Consolas (正文)"/>
+            </a:endParaRPr>
+          </a:p>
+          <a:p>
+            <a:r>
+              <a:rPr lang="en-US" altLang="zh-CN" sz="1400" dirty="0">
+                <a:solidFill>
+                  <a:srgbClr val="222222"/>
+                </a:solidFill>
+                <a:latin typeface="Consolas (正文)"/>
+              </a:rPr>
+              <a:t>[8] </a:t>
+            </a:r>
+            <a:r>
+              <a:rPr lang="en-US" altLang="zh-CN" sz="1400" b="0" i="0" dirty="0" err="1">
+                <a:solidFill>
+                  <a:srgbClr val="222222"/>
+                </a:solidFill>
+                <a:effectLst/>
+                <a:latin typeface="Consolas (正文)"/>
+              </a:rPr>
+              <a:t>Khorram</a:t>
+            </a:r>
+            <a:r>
+              <a:rPr lang="en-US" altLang="zh-CN" sz="1400" b="0" i="0" dirty="0">
+                <a:solidFill>
+                  <a:srgbClr val="222222"/>
+                </a:solidFill>
+                <a:effectLst/>
+                <a:latin typeface="Consolas (正文)"/>
+              </a:rPr>
+              <a:t>, Soheil, Melvin G. McInnis, and Emily Mower Provost. "Trainable time war**: Aligning time-series in the continuous-time domain." </a:t>
+            </a:r>
+            <a:r>
+              <a:rPr lang="en-US" altLang="zh-CN" sz="1400" b="0" i="1" dirty="0">
+                <a:solidFill>
+                  <a:srgbClr val="222222"/>
+                </a:solidFill>
+                <a:effectLst/>
+                <a:latin typeface="Consolas (正文)"/>
+              </a:rPr>
+              <a:t>ICASSP 2019-2019 IEEE International Conference on Acoustics, Speech and Signal Processing (ICASSP)</a:t>
+            </a:r>
+            <a:r>
+              <a:rPr lang="en-US" altLang="zh-CN" sz="1400" b="0" i="0" dirty="0">
+                <a:solidFill>
+                  <a:srgbClr val="222222"/>
+                </a:solidFill>
+                <a:effectLst/>
+                <a:latin typeface="Consolas (正文)"/>
+              </a:rPr>
+              <a:t>. IEEE, 2019.</a:t>
+            </a:r>
+          </a:p>
+          <a:p>
+            <a:endParaRPr lang="en-US" altLang="zh-CN" sz="1400" dirty="0">
+              <a:solidFill>
+                <a:srgbClr val="222222"/>
+              </a:solidFill>
+              <a:latin typeface="Consolas (正文)"/>
+            </a:endParaRPr>
+          </a:p>
+          <a:p>
+            <a:r>
+              <a:rPr lang="en-US" altLang="zh-CN" sz="1400" dirty="0">
+                <a:solidFill>
+                  <a:srgbClr val="222222"/>
+                </a:solidFill>
+                <a:latin typeface="Consolas (正文)"/>
+              </a:rPr>
+              <a:t>[9] </a:t>
+            </a:r>
+            <a:r>
+              <a:rPr lang="en-US" altLang="zh-CN" sz="1400" b="0" i="0" dirty="0">
+                <a:solidFill>
+                  <a:srgbClr val="222222"/>
+                </a:solidFill>
+                <a:effectLst/>
+                <a:latin typeface="Consolas (正文)"/>
+              </a:rPr>
+              <a:t>Wang, Peng, et al. "Rec-</a:t>
+            </a:r>
+            <a:r>
+              <a:rPr lang="en-US" altLang="zh-CN" sz="1400" b="0" i="0" dirty="0" err="1">
+                <a:solidFill>
+                  <a:srgbClr val="222222"/>
+                </a:solidFill>
+                <a:effectLst/>
+                <a:latin typeface="Consolas (正文)"/>
+              </a:rPr>
+              <a:t>AUNet</a:t>
+            </a:r>
+            <a:r>
+              <a:rPr lang="en-US" altLang="zh-CN" sz="1400" b="0" i="0" dirty="0">
+                <a:solidFill>
+                  <a:srgbClr val="222222"/>
+                </a:solidFill>
+                <a:effectLst/>
+                <a:latin typeface="Consolas (正文)"/>
+              </a:rPr>
+              <a:t>: Attentive </a:t>
+            </a:r>
+            <a:r>
+              <a:rPr lang="en-US" altLang="zh-CN" sz="1400" b="0" i="0" dirty="0" err="1">
+                <a:solidFill>
+                  <a:srgbClr val="222222"/>
+                </a:solidFill>
+                <a:effectLst/>
+                <a:latin typeface="Consolas (正文)"/>
+              </a:rPr>
+              <a:t>UNet</a:t>
+            </a:r>
+            <a:r>
+              <a:rPr lang="en-US" altLang="zh-CN" sz="1400" b="0" i="0" dirty="0">
+                <a:solidFill>
+                  <a:srgbClr val="222222"/>
+                </a:solidFill>
+                <a:effectLst/>
+                <a:latin typeface="Consolas (正文)"/>
+              </a:rPr>
+              <a:t> for Reconstruction of ECG from BCG." </a:t>
+            </a:r>
+            <a:r>
+              <a:rPr lang="en-US" altLang="zh-CN" sz="1400" b="0" i="1" dirty="0">
+                <a:solidFill>
+                  <a:srgbClr val="222222"/>
+                </a:solidFill>
+                <a:effectLst/>
+                <a:latin typeface="Consolas (正文)"/>
+              </a:rPr>
+              <a:t>2022 IEEE International Conference on Bioinformatics and Biomedicine (BIBM)</a:t>
+            </a:r>
+            <a:r>
+              <a:rPr lang="en-US" altLang="zh-CN" sz="1400" b="0" i="0" dirty="0">
+                <a:solidFill>
+                  <a:srgbClr val="222222"/>
+                </a:solidFill>
+                <a:effectLst/>
+                <a:latin typeface="Consolas (正文)"/>
+              </a:rPr>
+              <a:t>. IEEE, 2022.</a:t>
+            </a:r>
+            <a:endParaRPr lang="zh-CN" altLang="en-US" sz="1400" dirty="0">
+              <a:latin typeface="Consolas (正文)"/>
+            </a:endParaRPr>
+          </a:p>
+        </p:txBody>
+      </p:sp>
+      <p:sp>
+        <p:nvSpPr>
+          <p:cNvPr id="2" name="文本框 1">
+            <a:extLst>
+              <a:ext uri="{FF2B5EF4-FFF2-40B4-BE49-F238E27FC236}">
+                <a16:creationId xmlns:a16="http://schemas.microsoft.com/office/drawing/2014/main" id="{A7370F5F-714A-05EF-58E6-0A09CCD4DC5C}"/>
+              </a:ext>
+            </a:extLst>
+          </p:cNvPr>
+          <p:cNvSpPr txBox="1"/>
+          <p:nvPr/>
+        </p:nvSpPr>
+        <p:spPr>
+          <a:xfrm>
+            <a:off x="717958" y="0"/>
+            <a:ext cx="2547708" cy="461665"/>
           </a:xfrm>
           <a:prstGeom prst="rect">
             <a:avLst/>
@@ -11342,61 +12361,16 @@
           <a:p>
             <a:r>
               <a:rPr lang="en-US" altLang="zh-CN" dirty="0"/>
-              <a:t>Questions</a:t>
-            </a:r>
-            <a:endParaRPr lang="en-US" altLang="zh-CN" sz="1400" dirty="0"/>
-          </a:p>
-        </p:txBody>
-      </p:sp>
-      <p:sp>
-        <p:nvSpPr>
-          <p:cNvPr id="3" name="文本框 2">
-            <a:extLst>
-              <a:ext uri="{FF2B5EF4-FFF2-40B4-BE49-F238E27FC236}">
-                <a16:creationId xmlns:a16="http://schemas.microsoft.com/office/drawing/2014/main" id="{67F3CD36-4875-6579-F682-A0B365B9CD16}"/>
-              </a:ext>
-            </a:extLst>
-          </p:cNvPr>
-          <p:cNvSpPr txBox="1"/>
-          <p:nvPr/>
-        </p:nvSpPr>
-        <p:spPr>
-          <a:xfrm>
-            <a:off x="1122219" y="554510"/>
-            <a:ext cx="10111839" cy="646331"/>
-          </a:xfrm>
-          <a:prstGeom prst="rect">
-            <a:avLst/>
-          </a:prstGeom>
-          <a:noFill/>
-        </p:spPr>
-        <p:txBody>
-          <a:bodyPr wrap="square" rtlCol="0">
-            <a:spAutoFit/>
-          </a:bodyPr>
-          <a:lstStyle>
-            <a:defPPr>
-              <a:defRPr lang="zh-CN"/>
-            </a:defPPr>
-            <a:lvl1pPr>
-              <a:defRPr/>
-            </a:lvl1pPr>
-          </a:lstStyle>
-          <a:p>
-            <a:pPr marL="342900" indent="-342900">
-              <a:buAutoNum type="arabicPeriod"/>
-            </a:pPr>
-            <a:r>
-              <a:rPr lang="en-US" altLang="zh-CN" dirty="0"/>
-              <a:t>Do you think what I just said has any research value, or if it's implemented, does it make sense?</a:t>
-            </a:r>
+              <a:t>Reference</a:t>
+            </a:r>
+            <a:endParaRPr lang="zh-CN" altLang="en-US" dirty="0"/>
           </a:p>
         </p:txBody>
       </p:sp>
     </p:spTree>
     <p:extLst>
       <p:ext uri="{BB962C8B-B14F-4D97-AF65-F5344CB8AC3E}">
-        <p14:creationId xmlns:p14="http://schemas.microsoft.com/office/powerpoint/2010/main" val="1125496112"/>
+        <p14:creationId xmlns:p14="http://schemas.microsoft.com/office/powerpoint/2010/main" val="2933098259"/>
       </p:ext>
     </p:extLst>
   </p:cSld>
@@ -15180,8 +16154,8 @@
         </p:nvSpPr>
         <p:spPr>
           <a:xfrm>
-            <a:off x="6629822" y="3859340"/>
-            <a:ext cx="1475481" cy="369332"/>
+            <a:off x="6475608" y="3866300"/>
+            <a:ext cx="1629695" cy="369332"/>
           </a:xfrm>
           <a:prstGeom prst="rect">
             <a:avLst/>
@@ -15208,7 +16182,15 @@
           <a:p>
             <a:r>
               <a:rPr lang="en-US" altLang="zh-CN" dirty="0"/>
-              <a:t>DBA, 2011</a:t>
+              <a:t>DBA</a:t>
+            </a:r>
+            <a:r>
+              <a:rPr lang="en-US" altLang="zh-CN" baseline="30000" dirty="0"/>
+              <a:t>[4]</a:t>
+            </a:r>
+            <a:r>
+              <a:rPr lang="en-US" altLang="zh-CN" dirty="0"/>
+              <a:t>, 2011</a:t>
             </a:r>
             <a:endParaRPr lang="zh-CN" altLang="en-US" dirty="0"/>
           </a:p>
@@ -15272,8 +16254,8 @@
         </p:nvSpPr>
         <p:spPr>
           <a:xfrm>
-            <a:off x="4466304" y="2350612"/>
-            <a:ext cx="1629696" cy="369332"/>
+            <a:off x="4370407" y="2347708"/>
+            <a:ext cx="1820984" cy="369332"/>
           </a:xfrm>
           <a:prstGeom prst="rect">
             <a:avLst/>
@@ -15293,7 +16275,15 @@
           <a:p>
             <a:r>
               <a:rPr lang="en-US" altLang="zh-CN" dirty="0"/>
-              <a:t>NLAAF, 1996</a:t>
+              <a:t>NLAAF</a:t>
+            </a:r>
+            <a:r>
+              <a:rPr lang="en-US" altLang="zh-CN" baseline="30000" dirty="0"/>
+              <a:t>[1]</a:t>
+            </a:r>
+            <a:r>
+              <a:rPr lang="en-US" altLang="zh-CN" dirty="0"/>
+              <a:t>, 1996</a:t>
             </a:r>
           </a:p>
         </p:txBody>
@@ -15313,7 +16303,7 @@
         <p:spPr>
           <a:xfrm>
             <a:off x="6586646" y="1751896"/>
-            <a:ext cx="1340523" cy="369332"/>
+            <a:ext cx="1687097" cy="369332"/>
           </a:xfrm>
           <a:prstGeom prst="rect">
             <a:avLst/>
@@ -15344,10 +16334,13 @@
               <a:t>PSA</a:t>
             </a:r>
             <a:r>
-              <a:rPr lang="en-US" altLang="zh-CN"/>
+              <a:rPr lang="en-US" altLang="zh-CN" baseline="30000" dirty="0"/>
+              <a:t>[2]</a:t>
+            </a:r>
+            <a:r>
+              <a:rPr lang="en-US" altLang="zh-CN" dirty="0"/>
               <a:t>, 2009</a:t>
             </a:r>
-            <a:endParaRPr lang="en-US" altLang="zh-CN" dirty="0"/>
           </a:p>
         </p:txBody>
       </p:sp>
@@ -15365,8 +16358,8 @@
         </p:nvSpPr>
         <p:spPr>
           <a:xfrm>
-            <a:off x="7344726" y="3107533"/>
-            <a:ext cx="1629696" cy="369332"/>
+            <a:off x="7062952" y="3107533"/>
+            <a:ext cx="1911470" cy="369332"/>
           </a:xfrm>
           <a:prstGeom prst="rect">
             <a:avLst/>
@@ -15394,7 +16387,15 @@
             <a:pPr algn="ctr"/>
             <a:r>
               <a:rPr lang="en-US" altLang="zh-CN" dirty="0"/>
-              <a:t>ICDTW, 2012</a:t>
+              <a:t>ICDTW</a:t>
+            </a:r>
+            <a:r>
+              <a:rPr lang="en-US" altLang="zh-CN" baseline="30000" dirty="0"/>
+              <a:t>[3]</a:t>
+            </a:r>
+            <a:r>
+              <a:rPr lang="en-US" altLang="zh-CN" dirty="0"/>
+              <a:t>, 2012</a:t>
             </a:r>
             <a:endParaRPr lang="zh-CN" altLang="en-US" dirty="0"/>
           </a:p>
@@ -15418,8 +16419,8 @@
         </p:nvCxnSpPr>
         <p:spPr>
           <a:xfrm flipV="1">
-            <a:off x="6096000" y="1936562"/>
-            <a:ext cx="490646" cy="598716"/>
+            <a:off x="6191391" y="1936562"/>
+            <a:ext cx="395255" cy="595812"/>
           </a:xfrm>
           <a:prstGeom prst="curvedConnector3">
             <a:avLst>
@@ -15466,8 +16467,8 @@
         </p:nvCxnSpPr>
         <p:spPr>
           <a:xfrm>
-            <a:off x="6096000" y="2535278"/>
-            <a:ext cx="1248726" cy="756921"/>
+            <a:off x="6191391" y="2532374"/>
+            <a:ext cx="871561" cy="759825"/>
           </a:xfrm>
           <a:prstGeom prst="curvedConnector3">
             <a:avLst>
@@ -15513,9 +16514,9 @@
           <p:nvPr/>
         </p:nvCxnSpPr>
         <p:spPr>
-          <a:xfrm>
-            <a:off x="4189183" y="2532375"/>
-            <a:ext cx="277121" cy="2903"/>
+          <a:xfrm flipV="1">
+            <a:off x="4189183" y="2532374"/>
+            <a:ext cx="181224" cy="1"/>
           </a:xfrm>
           <a:prstGeom prst="straightConnector1">
             <a:avLst/>
@@ -15559,9 +16560,9 @@
           <p:nvPr/>
         </p:nvCxnSpPr>
         <p:spPr>
-          <a:xfrm flipV="1">
-            <a:off x="4298844" y="4044006"/>
-            <a:ext cx="2330978" cy="1"/>
+          <a:xfrm>
+            <a:off x="4298844" y="4044007"/>
+            <a:ext cx="2176764" cy="6959"/>
           </a:xfrm>
           <a:prstGeom prst="straightConnector1">
             <a:avLst/>
@@ -15603,7 +16604,7 @@
         <p:spPr>
           <a:xfrm>
             <a:off x="9281681" y="975872"/>
-            <a:ext cx="1475481" cy="369332"/>
+            <a:ext cx="1697425" cy="369332"/>
           </a:xfrm>
           <a:prstGeom prst="rect">
             <a:avLst/>
@@ -15630,7 +16631,15 @@
           <a:p>
             <a:r>
               <a:rPr lang="en-US" altLang="zh-CN" dirty="0"/>
-              <a:t>SSG, 2017</a:t>
+              <a:t>SSG</a:t>
+            </a:r>
+            <a:r>
+              <a:rPr lang="en-US" altLang="zh-CN" baseline="30000" dirty="0"/>
+              <a:t>[5]</a:t>
+            </a:r>
+            <a:r>
+              <a:rPr lang="en-US" altLang="zh-CN" dirty="0"/>
+              <a:t>, 2017</a:t>
             </a:r>
             <a:endParaRPr lang="zh-CN" altLang="en-US" dirty="0"/>
           </a:p>
@@ -15860,7 +16869,7 @@
         </p:nvSpPr>
         <p:spPr>
           <a:xfrm>
-            <a:off x="9281681" y="1997910"/>
+            <a:off x="9318451" y="1997910"/>
             <a:ext cx="1475481" cy="646331"/>
           </a:xfrm>
           <a:prstGeom prst="rect">
@@ -15888,7 +16897,15 @@
           <a:p>
             <a:r>
               <a:rPr lang="en-US" altLang="zh-CN" dirty="0"/>
-              <a:t>Soft-DTW 2017</a:t>
+              <a:t>Soft-DTW</a:t>
+            </a:r>
+            <a:r>
+              <a:rPr lang="en-US" altLang="zh-CN" baseline="30000" dirty="0"/>
+              <a:t>[6]</a:t>
+            </a:r>
+            <a:r>
+              <a:rPr lang="en-US" altLang="zh-CN" dirty="0"/>
+              <a:t> 2017</a:t>
             </a:r>
             <a:endParaRPr lang="zh-CN" altLang="en-US" dirty="0"/>
           </a:p>
@@ -15908,8 +16925,8 @@
         </p:nvSpPr>
         <p:spPr>
           <a:xfrm>
-            <a:off x="10580709" y="3143444"/>
-            <a:ext cx="1475481" cy="369332"/>
+            <a:off x="10474613" y="3143444"/>
+            <a:ext cx="1581578" cy="369332"/>
           </a:xfrm>
           <a:prstGeom prst="rect">
             <a:avLst/>
@@ -15936,7 +16953,15 @@
           <a:p>
             <a:r>
               <a:rPr lang="en-US" altLang="zh-CN" dirty="0"/>
-              <a:t>TTW, 2018</a:t>
+              <a:t>TTW</a:t>
+            </a:r>
+            <a:r>
+              <a:rPr lang="en-US" altLang="zh-CN" baseline="30000" dirty="0"/>
+              <a:t>[8]</a:t>
+            </a:r>
+            <a:r>
+              <a:rPr lang="en-US" altLang="zh-CN" dirty="0"/>
+              <a:t>, 2018</a:t>
             </a:r>
             <a:endParaRPr lang="zh-CN" altLang="en-US" dirty="0"/>
           </a:p>
@@ -15999,7 +17024,7 @@
         <p:spPr>
           <a:xfrm>
             <a:off x="9281681" y="3859340"/>
-            <a:ext cx="1475481" cy="369332"/>
+            <a:ext cx="1697419" cy="369332"/>
           </a:xfrm>
           <a:prstGeom prst="rect">
             <a:avLst/>
@@ -16026,7 +17051,15 @@
           <a:p>
             <a:r>
               <a:rPr lang="en-US" altLang="zh-CN" dirty="0"/>
-              <a:t>CDBA, 2017</a:t>
+              <a:t>CDBA</a:t>
+            </a:r>
+            <a:r>
+              <a:rPr lang="en-US" altLang="zh-CN" baseline="30000" dirty="0"/>
+              <a:t>[7]</a:t>
+            </a:r>
+            <a:r>
+              <a:rPr lang="en-US" altLang="zh-CN" dirty="0"/>
+              <a:t>, 2017</a:t>
             </a:r>
             <a:endParaRPr lang="zh-CN" altLang="en-US" dirty="0"/>
           </a:p>
@@ -16049,9 +17082,9 @@
           <p:nvPr/>
         </p:nvCxnSpPr>
         <p:spPr>
-          <a:xfrm>
+          <a:xfrm flipV="1">
             <a:off x="8105303" y="4044006"/>
-            <a:ext cx="1176378" cy="0"/>
+            <a:ext cx="1176378" cy="6960"/>
           </a:xfrm>
           <a:prstGeom prst="straightConnector1">
             <a:avLst/>
